--- a/lectures3/Pythonlearn-02-Expressions.pptx
+++ b/lectures3/Pythonlearn-02-Expressions.pptx
@@ -253,6 +253,11 @@
       </a:defRPr>
     </a:lvl9pPr>
   </p:defaultTextStyle>
+  <p:extLst>
+    <p:ext uri="{EFAFB233-063F-42B5-8137-9DF3F51BA10A}">
+      <p15:sldGuideLst xmlns:p15="http://schemas.microsoft.com/office/powerpoint/2012/main"/>
+    </p:ext>
+  </p:extLst>
 </p:presentation>
 </file>
 
@@ -606,8 +611,8 @@
         </p:nvSpPr>
         <p:spPr>
           <a:xfrm>
-            <a:off x="1143000" y="685800"/>
-            <a:ext cx="4572000" cy="3429000"/>
+            <a:off x="381000" y="685800"/>
+            <a:ext cx="6096000" cy="3429000"/>
           </a:xfrm>
           <a:custGeom>
             <a:avLst/>
@@ -712,8 +717,8 @@
         </p:nvSpPr>
         <p:spPr>
           <a:xfrm>
-            <a:off x="1143000" y="685800"/>
-            <a:ext cx="4572000" cy="3429000"/>
+            <a:off x="381000" y="685800"/>
+            <a:ext cx="6096000" cy="3429000"/>
           </a:xfrm>
           <a:custGeom>
             <a:avLst/>
@@ -818,8 +823,8 @@
         </p:nvSpPr>
         <p:spPr>
           <a:xfrm>
-            <a:off x="1143000" y="685800"/>
-            <a:ext cx="4572000" cy="3429000"/>
+            <a:off x="381000" y="685800"/>
+            <a:ext cx="6096000" cy="3429000"/>
           </a:xfrm>
           <a:custGeom>
             <a:avLst/>
@@ -924,8 +929,8 @@
         </p:nvSpPr>
         <p:spPr>
           <a:xfrm>
-            <a:off x="1143000" y="685800"/>
-            <a:ext cx="4572000" cy="3429000"/>
+            <a:off x="381000" y="685800"/>
+            <a:ext cx="6096000" cy="3429000"/>
           </a:xfrm>
           <a:custGeom>
             <a:avLst/>
@@ -1030,8 +1035,8 @@
         </p:nvSpPr>
         <p:spPr>
           <a:xfrm>
-            <a:off x="1143000" y="685800"/>
-            <a:ext cx="4572000" cy="3429000"/>
+            <a:off x="381000" y="685800"/>
+            <a:ext cx="6096000" cy="3429000"/>
           </a:xfrm>
           <a:custGeom>
             <a:avLst/>
@@ -1136,8 +1141,8 @@
         </p:nvSpPr>
         <p:spPr>
           <a:xfrm>
-            <a:off x="1143000" y="685800"/>
-            <a:ext cx="4572000" cy="3429000"/>
+            <a:off x="381000" y="685800"/>
+            <a:ext cx="6096000" cy="3429000"/>
           </a:xfrm>
           <a:custGeom>
             <a:avLst/>
@@ -1242,8 +1247,8 @@
         </p:nvSpPr>
         <p:spPr>
           <a:xfrm>
-            <a:off x="1143000" y="685800"/>
-            <a:ext cx="4572000" cy="3429000"/>
+            <a:off x="381000" y="685800"/>
+            <a:ext cx="6096000" cy="3429000"/>
           </a:xfrm>
           <a:custGeom>
             <a:avLst/>
@@ -1348,8 +1353,8 @@
         </p:nvSpPr>
         <p:spPr>
           <a:xfrm>
-            <a:off x="1143000" y="685800"/>
-            <a:ext cx="4572000" cy="3429000"/>
+            <a:off x="381000" y="685800"/>
+            <a:ext cx="6096000" cy="3429000"/>
           </a:xfrm>
           <a:custGeom>
             <a:avLst/>
@@ -1454,8 +1459,8 @@
         </p:nvSpPr>
         <p:spPr>
           <a:xfrm>
-            <a:off x="1143000" y="685800"/>
-            <a:ext cx="4572000" cy="3429000"/>
+            <a:off x="381000" y="685800"/>
+            <a:ext cx="6096000" cy="3429000"/>
           </a:xfrm>
           <a:custGeom>
             <a:avLst/>
@@ -1560,8 +1565,8 @@
         </p:nvSpPr>
         <p:spPr>
           <a:xfrm>
-            <a:off x="1143000" y="685800"/>
-            <a:ext cx="4572000" cy="3429000"/>
+            <a:off x="381000" y="685800"/>
+            <a:ext cx="6096000" cy="3429000"/>
           </a:xfrm>
           <a:custGeom>
             <a:avLst/>
@@ -1666,8 +1671,8 @@
         </p:nvSpPr>
         <p:spPr>
           <a:xfrm>
-            <a:off x="1143000" y="685800"/>
-            <a:ext cx="4572000" cy="3429000"/>
+            <a:off x="381000" y="685800"/>
+            <a:ext cx="6096000" cy="3429000"/>
           </a:xfrm>
           <a:custGeom>
             <a:avLst/>
@@ -1772,8 +1777,8 @@
         </p:nvSpPr>
         <p:spPr>
           <a:xfrm>
-            <a:off x="1143000" y="685800"/>
-            <a:ext cx="4572000" cy="3429000"/>
+            <a:off x="381000" y="685800"/>
+            <a:ext cx="6096000" cy="3429000"/>
           </a:xfrm>
           <a:custGeom>
             <a:avLst/>
@@ -1878,8 +1883,8 @@
         </p:nvSpPr>
         <p:spPr>
           <a:xfrm>
-            <a:off x="1143000" y="685800"/>
-            <a:ext cx="4572000" cy="3429000"/>
+            <a:off x="381000" y="685800"/>
+            <a:ext cx="6096000" cy="3429000"/>
           </a:xfrm>
           <a:custGeom>
             <a:avLst/>
@@ -1984,8 +1989,8 @@
         </p:nvSpPr>
         <p:spPr>
           <a:xfrm>
-            <a:off x="1143000" y="685800"/>
-            <a:ext cx="4572000" cy="3429000"/>
+            <a:off x="381000" y="685800"/>
+            <a:ext cx="6096000" cy="3429000"/>
           </a:xfrm>
           <a:custGeom>
             <a:avLst/>
@@ -2090,8 +2095,8 @@
         </p:nvSpPr>
         <p:spPr>
           <a:xfrm>
-            <a:off x="1143000" y="685800"/>
-            <a:ext cx="4572000" cy="3429000"/>
+            <a:off x="381000" y="685800"/>
+            <a:ext cx="6096000" cy="3429000"/>
           </a:xfrm>
           <a:custGeom>
             <a:avLst/>
@@ -2196,8 +2201,8 @@
         </p:nvSpPr>
         <p:spPr>
           <a:xfrm>
-            <a:off x="1143000" y="685800"/>
-            <a:ext cx="4572000" cy="3429000"/>
+            <a:off x="381000" y="685800"/>
+            <a:ext cx="6096000" cy="3429000"/>
           </a:xfrm>
           <a:custGeom>
             <a:avLst/>
@@ -2302,8 +2307,8 @@
         </p:nvSpPr>
         <p:spPr>
           <a:xfrm>
-            <a:off x="1143000" y="685800"/>
-            <a:ext cx="4572000" cy="3429000"/>
+            <a:off x="381000" y="685800"/>
+            <a:ext cx="6096000" cy="3429000"/>
           </a:xfrm>
           <a:custGeom>
             <a:avLst/>
@@ -2408,8 +2413,8 @@
         </p:nvSpPr>
         <p:spPr>
           <a:xfrm>
-            <a:off x="1143000" y="685800"/>
-            <a:ext cx="4572000" cy="3429000"/>
+            <a:off x="381000" y="685800"/>
+            <a:ext cx="6096000" cy="3429000"/>
           </a:xfrm>
           <a:custGeom>
             <a:avLst/>
@@ -2514,8 +2519,8 @@
         </p:nvSpPr>
         <p:spPr>
           <a:xfrm>
-            <a:off x="1143000" y="685800"/>
-            <a:ext cx="4572000" cy="3429000"/>
+            <a:off x="381000" y="685800"/>
+            <a:ext cx="6096000" cy="3429000"/>
           </a:xfrm>
           <a:custGeom>
             <a:avLst/>
@@ -2726,8 +2731,8 @@
         </p:nvSpPr>
         <p:spPr>
           <a:xfrm>
-            <a:off x="1143000" y="685800"/>
-            <a:ext cx="4572000" cy="3429000"/>
+            <a:off x="381000" y="685800"/>
+            <a:ext cx="6096000" cy="3429000"/>
           </a:xfrm>
           <a:custGeom>
             <a:avLst/>
@@ -2832,8 +2837,8 @@
         </p:nvSpPr>
         <p:spPr>
           <a:xfrm>
-            <a:off x="1143000" y="685800"/>
-            <a:ext cx="4572000" cy="3429000"/>
+            <a:off x="381000" y="685800"/>
+            <a:ext cx="6096000" cy="3429000"/>
           </a:xfrm>
           <a:custGeom>
             <a:avLst/>
@@ -2938,8 +2943,8 @@
         </p:nvSpPr>
         <p:spPr>
           <a:xfrm>
-            <a:off x="1143000" y="685800"/>
-            <a:ext cx="4572000" cy="3429000"/>
+            <a:off x="381000" y="685800"/>
+            <a:ext cx="6096000" cy="3429000"/>
           </a:xfrm>
           <a:custGeom>
             <a:avLst/>
@@ -3044,8 +3049,8 @@
         </p:nvSpPr>
         <p:spPr>
           <a:xfrm>
-            <a:off x="1143000" y="685800"/>
-            <a:ext cx="4572000" cy="3429000"/>
+            <a:off x="381000" y="685800"/>
+            <a:ext cx="6096000" cy="3429000"/>
           </a:xfrm>
           <a:custGeom>
             <a:avLst/>
@@ -3150,8 +3155,8 @@
         </p:nvSpPr>
         <p:spPr>
           <a:xfrm>
-            <a:off x="1143000" y="685800"/>
-            <a:ext cx="4572000" cy="3429000"/>
+            <a:off x="381000" y="685800"/>
+            <a:ext cx="6096000" cy="3429000"/>
           </a:xfrm>
           <a:custGeom>
             <a:avLst/>
@@ -3256,8 +3261,8 @@
         </p:nvSpPr>
         <p:spPr>
           <a:xfrm>
-            <a:off x="1143000" y="685800"/>
-            <a:ext cx="4572000" cy="3429000"/>
+            <a:off x="381000" y="685800"/>
+            <a:ext cx="6096000" cy="3429000"/>
           </a:xfrm>
           <a:custGeom>
             <a:avLst/>
@@ -3362,8 +3367,8 @@
         </p:nvSpPr>
         <p:spPr>
           <a:xfrm>
-            <a:off x="1143000" y="685800"/>
-            <a:ext cx="4572000" cy="3429000"/>
+            <a:off x="381000" y="685800"/>
+            <a:ext cx="6096000" cy="3429000"/>
           </a:xfrm>
           <a:custGeom>
             <a:avLst/>
@@ -3468,8 +3473,8 @@
         </p:nvSpPr>
         <p:spPr>
           <a:xfrm>
-            <a:off x="1143000" y="685800"/>
-            <a:ext cx="4572000" cy="3429000"/>
+            <a:off x="381000" y="685800"/>
+            <a:ext cx="6096000" cy="3429000"/>
           </a:xfrm>
           <a:custGeom>
             <a:avLst/>
@@ -3680,8 +3685,8 @@
         </p:nvSpPr>
         <p:spPr>
           <a:xfrm>
-            <a:off x="1143000" y="685800"/>
-            <a:ext cx="4572000" cy="3429000"/>
+            <a:off x="381000" y="685800"/>
+            <a:ext cx="6096000" cy="3429000"/>
           </a:xfrm>
           <a:custGeom>
             <a:avLst/>
@@ -3786,8 +3791,8 @@
         </p:nvSpPr>
         <p:spPr>
           <a:xfrm>
-            <a:off x="1143000" y="685800"/>
-            <a:ext cx="4572000" cy="3429000"/>
+            <a:off x="381000" y="685800"/>
+            <a:ext cx="6096000" cy="3429000"/>
           </a:xfrm>
           <a:custGeom>
             <a:avLst/>
@@ -4024,8 +4029,8 @@
         </p:nvSpPr>
         <p:spPr>
           <a:xfrm>
-            <a:off x="1143000" y="685800"/>
-            <a:ext cx="4572000" cy="3429000"/>
+            <a:off x="381000" y="685800"/>
+            <a:ext cx="6096000" cy="3429000"/>
           </a:xfrm>
           <a:custGeom>
             <a:avLst/>
@@ -4130,8 +4135,8 @@
         </p:nvSpPr>
         <p:spPr>
           <a:xfrm>
-            <a:off x="1143000" y="685800"/>
-            <a:ext cx="4572000" cy="3429000"/>
+            <a:off x="381000" y="685800"/>
+            <a:ext cx="6096000" cy="3429000"/>
           </a:xfrm>
           <a:custGeom>
             <a:avLst/>
@@ -4236,8 +4241,8 @@
         </p:nvSpPr>
         <p:spPr>
           <a:xfrm>
-            <a:off x="1143000" y="685800"/>
-            <a:ext cx="4572000" cy="3429000"/>
+            <a:off x="381000" y="685800"/>
+            <a:ext cx="6096000" cy="3429000"/>
           </a:xfrm>
           <a:custGeom>
             <a:avLst/>
@@ -25845,13 +25850,13 @@
               <a:buNone/>
             </a:pPr>
             <a:r>
-              <a:rPr lang="en-US" sz="7600" b="0" i="0" u="none" strike="noStrike" cap="none">
+              <a:rPr lang="en-US" sz="7600" u="none" strike="noStrike" cap="none" dirty="0">
                 <a:solidFill>
                   <a:srgbClr val="FFFF00"/>
                 </a:solidFill>
-                <a:latin typeface="Cabin"/>
-                <a:ea typeface="Cabin"/>
-                <a:cs typeface="Cabin"/>
+                <a:latin typeface="Arial" charset="0"/>
+                <a:ea typeface="Arial" charset="0"/>
+                <a:cs typeface="Arial" charset="0"/>
                 <a:sym typeface="Cabin"/>
               </a:rPr>
               <a:t>Variables, Expressions, and Statements</a:t>
@@ -25906,13 +25911,13 @@
               <a:buNone/>
             </a:pPr>
             <a:r>
-              <a:rPr lang="en-US" sz="4800" b="0" i="0" u="none" strike="noStrike" cap="none">
+              <a:rPr lang="en-US" sz="4800" u="none" strike="noStrike" cap="none" dirty="0">
                 <a:solidFill>
                   <a:schemeClr val="lt1"/>
                 </a:solidFill>
-                <a:latin typeface="Cabin"/>
-                <a:ea typeface="Cabin"/>
-                <a:cs typeface="Cabin"/>
+                <a:latin typeface="Arial" charset="0"/>
+                <a:ea typeface="Arial" charset="0"/>
+                <a:cs typeface="Arial" charset="0"/>
                 <a:sym typeface="Cabin"/>
               </a:rPr>
               <a:t>Chapter 2</a:t>
@@ -25963,13 +25968,13 @@
               <a:buNone/>
             </a:pPr>
             <a:r>
-              <a:rPr lang="en-US" sz="3200" b="0" i="0" u="none" strike="noStrike" cap="none">
+              <a:rPr lang="en-US" sz="3200" u="none" strike="noStrike" cap="none">
                 <a:solidFill>
                   <a:srgbClr val="FFFF00"/>
                 </a:solidFill>
-                <a:latin typeface="Cabin"/>
-                <a:ea typeface="Cabin"/>
-                <a:cs typeface="Cabin"/>
+                <a:latin typeface="Arial" charset="0"/>
+                <a:ea typeface="Arial" charset="0"/>
+                <a:cs typeface="Arial" charset="0"/>
                 <a:sym typeface="Cabin"/>
               </a:rPr>
               <a:t>Python for Informatics: Exploring Information</a:t>
@@ -25994,13 +25999,13 @@
               <a:buNone/>
             </a:pPr>
             <a:r>
-              <a:rPr lang="en-US" sz="3200" b="0" i="0" u="sng" strike="noStrike" cap="none">
+              <a:rPr lang="en-US" sz="3200" u="sng" strike="noStrike" cap="none">
                 <a:solidFill>
                   <a:srgbClr val="FFFF00"/>
                 </a:solidFill>
-                <a:latin typeface="Cabin"/>
-                <a:ea typeface="Cabin"/>
-                <a:cs typeface="Cabin"/>
+                <a:latin typeface="Arial" charset="0"/>
+                <a:ea typeface="Arial" charset="0"/>
+                <a:cs typeface="Arial" charset="0"/>
                 <a:sym typeface="Cabin"/>
                 <a:hlinkClick r:id="rId3"/>
               </a:rPr>
@@ -26068,6 +26073,13 @@
   <p:clrMapOvr>
     <a:masterClrMapping/>
   </p:clrMapOvr>
+  <p:timing>
+    <p:tnLst>
+      <p:par>
+        <p:cTn id="1" dur="indefinite" restart="never" nodeType="tmRoot"/>
+      </p:par>
+    </p:tnLst>
+  </p:timing>
 </p:sld>
 </file>
 
@@ -26131,61 +26143,61 @@
               <a:buNone/>
             </a:pPr>
             <a:r>
-              <a:rPr lang="en-US" sz="5600" b="0" i="0" u="none" strike="noStrike" cap="none">
+              <a:rPr lang="en-US" sz="5600" u="none" strike="noStrike" cap="none">
                 <a:solidFill>
                   <a:srgbClr val="00FF00"/>
                 </a:solidFill>
-                <a:latin typeface="Cabin"/>
-                <a:ea typeface="Cabin"/>
-                <a:cs typeface="Cabin"/>
+                <a:latin typeface="Arial" charset="0"/>
+                <a:ea typeface="Arial" charset="0"/>
+                <a:cs typeface="Arial" charset="0"/>
                 <a:sym typeface="Cabin"/>
               </a:rPr>
               <a:t>x</a:t>
             </a:r>
             <a:r>
-              <a:rPr lang="en-US" sz="5600" b="0" i="0" u="none" strike="noStrike" cap="none">
+              <a:rPr lang="en-US" sz="5600" u="none" strike="noStrike" cap="none">
                 <a:solidFill>
                   <a:srgbClr val="FF00FF"/>
                 </a:solidFill>
-                <a:latin typeface="Cabin"/>
-                <a:ea typeface="Cabin"/>
-                <a:cs typeface="Cabin"/>
+                <a:latin typeface="Arial" charset="0"/>
+                <a:ea typeface="Arial" charset="0"/>
+                <a:cs typeface="Arial" charset="0"/>
                 <a:sym typeface="Cabin"/>
               </a:rPr>
               <a:t> </a:t>
             </a:r>
             <a:r>
-              <a:rPr lang="en-US" sz="5600" b="0" i="0" u="none" strike="noStrike" cap="none">
+              <a:rPr lang="en-US" sz="5600" u="none" strike="noStrike" cap="none">
                 <a:solidFill>
                   <a:srgbClr val="FFFFFF"/>
                 </a:solidFill>
-                <a:latin typeface="Cabin"/>
-                <a:ea typeface="Cabin"/>
-                <a:cs typeface="Cabin"/>
+                <a:latin typeface="Arial" charset="0"/>
+                <a:ea typeface="Arial" charset="0"/>
+                <a:cs typeface="Arial" charset="0"/>
                 <a:sym typeface="Cabin"/>
               </a:rPr>
               <a:t>=</a:t>
             </a:r>
             <a:r>
-              <a:rPr lang="en-US" sz="5600" b="0" i="0" u="none" strike="noStrike" cap="none">
+              <a:rPr lang="en-US" sz="5600" u="none" strike="noStrike" cap="none">
                 <a:solidFill>
                   <a:schemeClr val="lt1"/>
                 </a:solidFill>
-                <a:latin typeface="Cabin"/>
-                <a:ea typeface="Cabin"/>
-                <a:cs typeface="Cabin"/>
+                <a:latin typeface="Arial" charset="0"/>
+                <a:ea typeface="Arial" charset="0"/>
+                <a:cs typeface="Arial" charset="0"/>
                 <a:sym typeface="Cabin"/>
               </a:rPr>
               <a:t> </a:t>
             </a:r>
             <a:r>
-              <a:rPr lang="en-US" sz="5600" b="0" i="0" u="none" strike="noStrike" cap="none">
+              <a:rPr lang="en-US" sz="5600" u="none" strike="noStrike" cap="none">
                 <a:solidFill>
                   <a:srgbClr val="FFFF00"/>
                 </a:solidFill>
-                <a:latin typeface="Cabin"/>
-                <a:ea typeface="Cabin"/>
-                <a:cs typeface="Cabin"/>
+                <a:latin typeface="Arial" charset="0"/>
+                <a:ea typeface="Arial" charset="0"/>
+                <a:cs typeface="Arial" charset="0"/>
                 <a:sym typeface="Cabin"/>
               </a:rPr>
               <a:t>3.9   *   x   *   (  1   -   x  )</a:t>
@@ -26246,21 +26258,21 @@
                 <a:solidFill>
                   <a:schemeClr val="lt1"/>
                 </a:solidFill>
-                <a:latin typeface="Cabin"/>
-                <a:ea typeface="Cabin"/>
-                <a:cs typeface="Cabin"/>
+                <a:latin typeface="Arial" charset="0"/>
+                <a:ea typeface="Arial" charset="0"/>
+                <a:cs typeface="Arial" charset="0"/>
                 <a:sym typeface="Cabin"/>
               </a:rPr>
               <a:t> </a:t>
             </a:r>
             <a:r>
-              <a:rPr lang="en-US" sz="4900" b="0" i="0" u="none" strike="noStrike" cap="none">
+              <a:rPr lang="en-US" sz="4900" u="none" strike="noStrike" cap="none">
                 <a:solidFill>
                   <a:schemeClr val="lt1"/>
                 </a:solidFill>
-                <a:latin typeface="Cabin"/>
-                <a:ea typeface="Cabin"/>
-                <a:cs typeface="Cabin"/>
+                <a:latin typeface="Arial" charset="0"/>
+                <a:ea typeface="Arial" charset="0"/>
+                <a:cs typeface="Arial" charset="0"/>
                 <a:sym typeface="Cabin"/>
               </a:rPr>
               <a:t>0.6    0.93</a:t>
@@ -26311,13 +26323,13 @@
               <a:buNone/>
             </a:pPr>
             <a:r>
-              <a:rPr lang="en-US" sz="5200" b="0" i="0" u="none" strike="noStrike" cap="none">
+              <a:rPr lang="en-US" sz="5200" u="none" strike="noStrike" cap="none">
                 <a:solidFill>
                   <a:srgbClr val="00FF00"/>
                 </a:solidFill>
-                <a:latin typeface="Cabin"/>
-                <a:ea typeface="Cabin"/>
-                <a:cs typeface="Cabin"/>
+                <a:latin typeface="Arial" charset="0"/>
+                <a:ea typeface="Arial" charset="0"/>
+                <a:cs typeface="Arial" charset="0"/>
                 <a:sym typeface="Cabin"/>
               </a:rPr>
               <a:t>x</a:t>
@@ -26372,69 +26384,69 @@
                 <a:solidFill>
                   <a:srgbClr val="FFFF00"/>
                 </a:solidFill>
-                <a:latin typeface="Cabin"/>
-                <a:ea typeface="Cabin"/>
-                <a:cs typeface="Cabin"/>
+                <a:latin typeface="Arial" charset="0"/>
+                <a:ea typeface="Arial" charset="0"/>
+                <a:cs typeface="Arial" charset="0"/>
                 <a:sym typeface="Cabin"/>
               </a:rPr>
               <a:t>The r</a:t>
             </a:r>
             <a:r>
-              <a:rPr lang="en-US" sz="3200" b="0" i="0" u="none" strike="noStrike" cap="none">
+              <a:rPr lang="en-US" sz="3200" u="none" strike="noStrike" cap="none">
                 <a:solidFill>
                   <a:srgbClr val="FFFF00"/>
                 </a:solidFill>
-                <a:latin typeface="Cabin"/>
-                <a:ea typeface="Cabin"/>
-                <a:cs typeface="Cabin"/>
+                <a:latin typeface="Arial" charset="0"/>
+                <a:ea typeface="Arial" charset="0"/>
+                <a:cs typeface="Arial" charset="0"/>
                 <a:sym typeface="Cabin"/>
               </a:rPr>
               <a:t>ight side is an expression. </a:t>
             </a:r>
             <a:r>
-              <a:rPr lang="en-US" sz="3200" b="0" i="0" u="none" strike="noStrike" cap="none">
+              <a:rPr lang="en-US" sz="3200" u="none" strike="noStrike" cap="none">
                 <a:solidFill>
                   <a:schemeClr val="lt1"/>
                 </a:solidFill>
-                <a:latin typeface="Cabin"/>
-                <a:ea typeface="Cabin"/>
-                <a:cs typeface="Cabin"/>
+                <a:latin typeface="Arial" charset="0"/>
+                <a:ea typeface="Arial" charset="0"/>
+                <a:cs typeface="Arial" charset="0"/>
                 <a:sym typeface="Cabin"/>
               </a:rPr>
               <a:t> </a:t>
             </a:r>
             <a:r>
-              <a:rPr lang="en-US" sz="3200" b="0" i="0" u="none" strike="noStrike" cap="none">
+              <a:rPr lang="en-US" sz="3200" u="none" strike="noStrike" cap="none">
                 <a:solidFill>
                   <a:srgbClr val="FF9900"/>
                 </a:solidFill>
-                <a:latin typeface="Cabin"/>
-                <a:ea typeface="Cabin"/>
-                <a:cs typeface="Cabin"/>
+                <a:latin typeface="Arial" charset="0"/>
+                <a:ea typeface="Arial" charset="0"/>
+                <a:cs typeface="Arial" charset="0"/>
                 <a:sym typeface="Cabin"/>
               </a:rPr>
               <a:t>Once the expression is evaluated,</a:t>
             </a:r>
             <a:r>
-              <a:rPr lang="en-US" sz="3200" b="0" i="0" u="none" strike="noStrike" cap="none">
+              <a:rPr lang="en-US" sz="3200" u="none" strike="noStrike" cap="none">
                 <a:solidFill>
                   <a:schemeClr val="lt1"/>
                 </a:solidFill>
-                <a:latin typeface="Cabin"/>
-                <a:ea typeface="Cabin"/>
-                <a:cs typeface="Cabin"/>
+                <a:latin typeface="Arial" charset="0"/>
+                <a:ea typeface="Arial" charset="0"/>
+                <a:cs typeface="Arial" charset="0"/>
                 <a:sym typeface="Cabin"/>
               </a:rPr>
               <a:t> </a:t>
             </a:r>
             <a:r>
-              <a:rPr lang="en-US" sz="3200" b="0" i="0" u="none" strike="noStrike" cap="none">
+              <a:rPr lang="en-US" sz="3200" u="none" strike="noStrike" cap="none">
                 <a:solidFill>
                   <a:srgbClr val="00FF00"/>
                 </a:solidFill>
-                <a:latin typeface="Cabin"/>
-                <a:ea typeface="Cabin"/>
-                <a:cs typeface="Cabin"/>
+                <a:latin typeface="Arial" charset="0"/>
+                <a:ea typeface="Arial" charset="0"/>
+                <a:cs typeface="Arial" charset="0"/>
                 <a:sym typeface="Cabin"/>
               </a:rPr>
               <a:t>the result is placed in (assigned to) the variable on the left side (i.e., x).</a:t>
@@ -26511,40 +26523,16 @@
               <a:buNone/>
             </a:pPr>
             <a:r>
-              <a:rPr lang="en-US" sz="3600" b="0" i="0" u="none" strike="noStrike" cap="none">
+              <a:rPr lang="en-US" sz="3600" u="none" strike="noStrike" cap="none">
                 <a:solidFill>
                   <a:srgbClr val="FF9900"/>
                 </a:solidFill>
-                <a:latin typeface="Cabin"/>
-                <a:ea typeface="Cabin"/>
-                <a:cs typeface="Cabin"/>
+                <a:latin typeface="Arial" charset="0"/>
+                <a:ea typeface="Arial" charset="0"/>
+                <a:cs typeface="Arial" charset="0"/>
                 <a:sym typeface="Cabin"/>
               </a:rPr>
-              <a:t>0</a:t>
-            </a:r>
-            <a:r>
-              <a:rPr lang="en-US" sz="3600" b="1" i="0" u="none" strike="noStrike" cap="none">
-                <a:solidFill>
-                  <a:srgbClr val="FF9900"/>
-                </a:solidFill>
-                <a:latin typeface="Cabin"/>
-                <a:ea typeface="Cabin"/>
-                <a:cs typeface="Cabin"/>
-                <a:sym typeface="Cabin"/>
-              </a:rPr>
-              <a:t>.</a:t>
-            </a:r>
-            <a:r>
-              <a:rPr lang="en-US" sz="3600" b="0" i="0" u="none" strike="noStrike" cap="none">
-                <a:solidFill>
-                  <a:srgbClr val="FF9900"/>
-                </a:solidFill>
-                <a:latin typeface="Cabin"/>
-                <a:ea typeface="Cabin"/>
-                <a:cs typeface="Cabin"/>
-                <a:sym typeface="Cabin"/>
-              </a:rPr>
-              <a:t>93</a:t>
+              <a:t>0.93</a:t>
             </a:r>
           </a:p>
         </p:txBody>
@@ -26592,61 +26580,61 @@
               <a:buNone/>
             </a:pPr>
             <a:r>
-              <a:rPr lang="en-US" sz="3200" b="0" i="0" u="none" strike="noStrike" cap="none">
+              <a:rPr lang="en-US" sz="3200" u="none" strike="noStrike" cap="none">
                 <a:solidFill>
                   <a:srgbClr val="00FF00"/>
                 </a:solidFill>
-                <a:latin typeface="Cabin"/>
-                <a:ea typeface="Cabin"/>
-                <a:cs typeface="Cabin"/>
+                <a:latin typeface="Arial" charset="0"/>
+                <a:ea typeface="Arial" charset="0"/>
+                <a:cs typeface="Arial" charset="0"/>
                 <a:sym typeface="Cabin"/>
               </a:rPr>
               <a:t>A variable is a memory location used to store a value.  The value stored in a variable can be updated by replacing the old value (</a:t>
             </a:r>
             <a:r>
-              <a:rPr lang="en-US" sz="3200" b="0" i="0" u="none" strike="noStrike" cap="none">
+              <a:rPr lang="en-US" sz="3200" u="none" strike="noStrike" cap="none">
                 <a:solidFill>
                   <a:srgbClr val="FFFFFF"/>
                 </a:solidFill>
-                <a:latin typeface="Cabin"/>
-                <a:ea typeface="Cabin"/>
-                <a:cs typeface="Cabin"/>
+                <a:latin typeface="Arial" charset="0"/>
+                <a:ea typeface="Arial" charset="0"/>
+                <a:cs typeface="Arial" charset="0"/>
                 <a:sym typeface="Cabin"/>
               </a:rPr>
               <a:t>0.6</a:t>
             </a:r>
             <a:r>
-              <a:rPr lang="en-US" sz="3200" b="0" i="0" u="none" strike="noStrike" cap="none">
+              <a:rPr lang="en-US" sz="3200" u="none" strike="noStrike" cap="none">
                 <a:solidFill>
                   <a:srgbClr val="00FF00"/>
                 </a:solidFill>
-                <a:latin typeface="Cabin"/>
-                <a:ea typeface="Cabin"/>
-                <a:cs typeface="Cabin"/>
+                <a:latin typeface="Arial" charset="0"/>
+                <a:ea typeface="Arial" charset="0"/>
+                <a:cs typeface="Arial" charset="0"/>
                 <a:sym typeface="Cabin"/>
               </a:rPr>
               <a:t>) with a new value (</a:t>
             </a:r>
             <a:r>
-              <a:rPr lang="en-US" sz="3200" b="0" i="0" u="none" strike="noStrike" cap="none">
+              <a:rPr lang="en-US" sz="3200" u="none" strike="noStrike" cap="none">
                 <a:solidFill>
                   <a:srgbClr val="FFFFFF"/>
                 </a:solidFill>
-                <a:latin typeface="Cabin"/>
-                <a:ea typeface="Cabin"/>
-                <a:cs typeface="Cabin"/>
+                <a:latin typeface="Arial" charset="0"/>
+                <a:ea typeface="Arial" charset="0"/>
+                <a:cs typeface="Arial" charset="0"/>
                 <a:sym typeface="Cabin"/>
               </a:rPr>
               <a:t>0.93</a:t>
             </a:r>
             <a:r>
-              <a:rPr lang="en-US" sz="3200" b="0" i="0" u="none" strike="noStrike" cap="none">
+              <a:rPr lang="en-US" sz="3200" u="none" strike="noStrike" cap="none">
                 <a:solidFill>
                   <a:srgbClr val="00FF00"/>
                 </a:solidFill>
-                <a:latin typeface="Cabin"/>
-                <a:ea typeface="Cabin"/>
-                <a:cs typeface="Cabin"/>
+                <a:latin typeface="Arial" charset="0"/>
+                <a:ea typeface="Arial" charset="0"/>
+                <a:cs typeface="Arial" charset="0"/>
                 <a:sym typeface="Cabin"/>
               </a:rPr>
               <a:t>).</a:t>
@@ -26804,13 +26792,13 @@
               <a:buNone/>
             </a:pPr>
             <a:r>
-              <a:rPr lang="en-US" sz="7600" b="0" i="0" u="none" strike="noStrike" cap="none">
+              <a:rPr lang="en-US" sz="7600" u="none" strike="noStrike" cap="none">
                 <a:solidFill>
                   <a:srgbClr val="FFFF00"/>
                 </a:solidFill>
-                <a:latin typeface="Cabin"/>
-                <a:ea typeface="Cabin"/>
-                <a:cs typeface="Cabin"/>
+                <a:latin typeface="Arial" charset="0"/>
+                <a:ea typeface="Arial" charset="0"/>
+                <a:cs typeface="Arial" charset="0"/>
                 <a:sym typeface="Cabin"/>
               </a:rPr>
               <a:t>Numeric Expressions</a:t>
@@ -26865,13 +26853,13 @@
               <a:buChar char="•"/>
             </a:pPr>
             <a:r>
-              <a:rPr lang="en-US" sz="3600" b="0" i="0" u="none" strike="noStrike" cap="none">
+              <a:rPr lang="en-US" sz="3600" u="none" strike="noStrike" cap="none">
                 <a:solidFill>
                   <a:schemeClr val="lt1"/>
                 </a:solidFill>
-                <a:latin typeface="Cabin"/>
-                <a:ea typeface="Cabin"/>
-                <a:cs typeface="Cabin"/>
+                <a:latin typeface="Arial" charset="0"/>
+                <a:ea typeface="Arial" charset="0"/>
+                <a:cs typeface="Arial" charset="0"/>
                 <a:sym typeface="Cabin"/>
               </a:rPr>
               <a:t>Because of the lack of mathematical symbols on computer keyboards - we use </a:t>
@@ -26889,13 +26877,13 @@
               <a:t>“</a:t>
             </a:r>
             <a:r>
-              <a:rPr lang="en-US" sz="3600" b="0" i="0" u="none" strike="noStrike" cap="none">
+              <a:rPr lang="en-US" sz="3600" u="none" strike="noStrike" cap="none">
                 <a:solidFill>
                   <a:schemeClr val="lt1"/>
                 </a:solidFill>
-                <a:latin typeface="Cabin"/>
-                <a:ea typeface="Cabin"/>
-                <a:cs typeface="Cabin"/>
+                <a:latin typeface="Arial" charset="0"/>
+                <a:ea typeface="Arial" charset="0"/>
+                <a:cs typeface="Arial" charset="0"/>
                 <a:sym typeface="Cabin"/>
               </a:rPr>
               <a:t>computer-speak</a:t>
@@ -26913,13 +26901,13 @@
               <a:t>”</a:t>
             </a:r>
             <a:r>
-              <a:rPr lang="en-US" sz="3600" b="0" i="0" u="none" strike="noStrike" cap="none">
+              <a:rPr lang="en-US" sz="3600" u="none" strike="noStrike" cap="none">
                 <a:solidFill>
                   <a:schemeClr val="lt1"/>
                 </a:solidFill>
-                <a:latin typeface="Cabin"/>
-                <a:ea typeface="Cabin"/>
-                <a:cs typeface="Cabin"/>
+                <a:latin typeface="Arial" charset="0"/>
+                <a:ea typeface="Arial" charset="0"/>
+                <a:cs typeface="Arial" charset="0"/>
                 <a:sym typeface="Cabin"/>
               </a:rPr>
               <a:t> to express the classic math operations</a:t>
@@ -26944,13 +26932,13 @@
               <a:buChar char="•"/>
             </a:pPr>
             <a:r>
-              <a:rPr lang="en-US" sz="3600" b="0" i="0" u="none" strike="noStrike" cap="none">
+              <a:rPr lang="en-US" sz="3600" u="none" strike="noStrike" cap="none">
                 <a:solidFill>
                   <a:schemeClr val="lt1"/>
                 </a:solidFill>
-                <a:latin typeface="Cabin"/>
-                <a:ea typeface="Cabin"/>
-                <a:cs typeface="Cabin"/>
+                <a:latin typeface="Arial" charset="0"/>
+                <a:ea typeface="Arial" charset="0"/>
+                <a:cs typeface="Arial" charset="0"/>
                 <a:sym typeface="Cabin"/>
               </a:rPr>
               <a:t>Asterisk is multiplication</a:t>
@@ -26975,13 +26963,13 @@
               <a:buChar char="•"/>
             </a:pPr>
             <a:r>
-              <a:rPr lang="en-US" sz="3600" b="0" i="0" u="none" strike="noStrike" cap="none">
+              <a:rPr lang="en-US" sz="3600" u="none" strike="noStrike" cap="none">
                 <a:solidFill>
                   <a:schemeClr val="lt1"/>
                 </a:solidFill>
-                <a:latin typeface="Cabin"/>
-                <a:ea typeface="Cabin"/>
-                <a:cs typeface="Cabin"/>
+                <a:latin typeface="Arial" charset="0"/>
+                <a:ea typeface="Arial" charset="0"/>
+                <a:cs typeface="Arial" charset="0"/>
                 <a:sym typeface="Cabin"/>
               </a:rPr>
               <a:t>Exponentiation (raise to a power) looks different from in math.</a:t>
@@ -26997,7 +26985,7 @@
         </p:nvGraphicFramePr>
         <p:xfrm>
           <a:off x="10337800" y="2670175"/>
-          <a:ext cx="3000000" cy="3000000"/>
+          <a:ext cx="5025250" cy="5567275"/>
         </p:xfrm>
         <a:graphic>
           <a:graphicData uri="http://schemas.openxmlformats.org/drawingml/2006/table">
@@ -27038,9 +27026,9 @@
                           <a:solidFill>
                             <a:srgbClr val="00FFFF"/>
                           </a:solidFill>
-                          <a:latin typeface="Cabin"/>
-                          <a:ea typeface="Cabin"/>
-                          <a:cs typeface="Cabin"/>
+                          <a:latin typeface="Arial" charset="0"/>
+                          <a:ea typeface="Arial" charset="0"/>
+                          <a:cs typeface="Arial" charset="0"/>
                           <a:sym typeface="Cabin"/>
                         </a:rPr>
                         <a:t>Operator</a:t>
@@ -27118,9 +27106,9 @@
                           <a:solidFill>
                             <a:schemeClr val="lt1"/>
                           </a:solidFill>
-                          <a:latin typeface="Cabin"/>
-                          <a:ea typeface="Cabin"/>
-                          <a:cs typeface="Cabin"/>
+                          <a:latin typeface="Arial" charset="0"/>
+                          <a:ea typeface="Arial" charset="0"/>
+                          <a:cs typeface="Arial" charset="0"/>
                           <a:sym typeface="Cabin"/>
                         </a:rPr>
                         <a:t>Operation</a:t>
@@ -27200,9 +27188,9 @@
                           <a:solidFill>
                             <a:srgbClr val="00FFFF"/>
                           </a:solidFill>
-                          <a:latin typeface="Cabin"/>
-                          <a:ea typeface="Cabin"/>
-                          <a:cs typeface="Cabin"/>
+                          <a:latin typeface="Arial" charset="0"/>
+                          <a:ea typeface="Arial" charset="0"/>
+                          <a:cs typeface="Arial" charset="0"/>
                           <a:sym typeface="Cabin"/>
                         </a:rPr>
                         <a:t>+</a:t>
@@ -27275,9 +27263,9 @@
                           <a:solidFill>
                             <a:schemeClr val="lt1"/>
                           </a:solidFill>
-                          <a:latin typeface="Cabin"/>
-                          <a:ea typeface="Cabin"/>
-                          <a:cs typeface="Cabin"/>
+                          <a:latin typeface="Arial" charset="0"/>
+                          <a:ea typeface="Arial" charset="0"/>
+                          <a:cs typeface="Arial" charset="0"/>
                           <a:sym typeface="Cabin"/>
                         </a:rPr>
                         <a:t>Addition</a:t>
@@ -27352,9 +27340,9 @@
                           <a:solidFill>
                             <a:srgbClr val="00FFFF"/>
                           </a:solidFill>
-                          <a:latin typeface="Cabin"/>
-                          <a:ea typeface="Cabin"/>
-                          <a:cs typeface="Cabin"/>
+                          <a:latin typeface="Arial" charset="0"/>
+                          <a:ea typeface="Arial" charset="0"/>
+                          <a:cs typeface="Arial" charset="0"/>
                           <a:sym typeface="Cabin"/>
                         </a:rPr>
                         <a:t>-</a:t>
@@ -27427,9 +27415,9 @@
                           <a:solidFill>
                             <a:schemeClr val="lt1"/>
                           </a:solidFill>
-                          <a:latin typeface="Cabin"/>
-                          <a:ea typeface="Cabin"/>
-                          <a:cs typeface="Cabin"/>
+                          <a:latin typeface="Arial" charset="0"/>
+                          <a:ea typeface="Arial" charset="0"/>
+                          <a:cs typeface="Arial" charset="0"/>
                           <a:sym typeface="Cabin"/>
                         </a:rPr>
                         <a:t>Subtraction</a:t>
@@ -27504,9 +27492,9 @@
                           <a:solidFill>
                             <a:srgbClr val="00FFFF"/>
                           </a:solidFill>
-                          <a:latin typeface="Cabin"/>
-                          <a:ea typeface="Cabin"/>
-                          <a:cs typeface="Cabin"/>
+                          <a:latin typeface="Arial" charset="0"/>
+                          <a:ea typeface="Arial" charset="0"/>
+                          <a:cs typeface="Arial" charset="0"/>
                           <a:sym typeface="Cabin"/>
                         </a:rPr>
                         <a:t>*</a:t>
@@ -27579,9 +27567,9 @@
                           <a:solidFill>
                             <a:schemeClr val="lt1"/>
                           </a:solidFill>
-                          <a:latin typeface="Cabin"/>
-                          <a:ea typeface="Cabin"/>
-                          <a:cs typeface="Cabin"/>
+                          <a:latin typeface="Arial" charset="0"/>
+                          <a:ea typeface="Arial" charset="0"/>
+                          <a:cs typeface="Arial" charset="0"/>
                           <a:sym typeface="Cabin"/>
                         </a:rPr>
                         <a:t>Multiplication</a:t>
@@ -27656,9 +27644,9 @@
                           <a:solidFill>
                             <a:srgbClr val="00FFFF"/>
                           </a:solidFill>
-                          <a:latin typeface="Cabin"/>
-                          <a:ea typeface="Cabin"/>
-                          <a:cs typeface="Cabin"/>
+                          <a:latin typeface="Arial" charset="0"/>
+                          <a:ea typeface="Arial" charset="0"/>
+                          <a:cs typeface="Arial" charset="0"/>
                           <a:sym typeface="Cabin"/>
                         </a:rPr>
                         <a:t>/</a:t>
@@ -27731,9 +27719,9 @@
                           <a:solidFill>
                             <a:schemeClr val="lt1"/>
                           </a:solidFill>
-                          <a:latin typeface="Cabin"/>
-                          <a:ea typeface="Cabin"/>
-                          <a:cs typeface="Cabin"/>
+                          <a:latin typeface="Arial" charset="0"/>
+                          <a:ea typeface="Arial" charset="0"/>
+                          <a:cs typeface="Arial" charset="0"/>
                           <a:sym typeface="Cabin"/>
                         </a:rPr>
                         <a:t>Division</a:t>
@@ -27808,9 +27796,9 @@
                           <a:solidFill>
                             <a:srgbClr val="00FFFF"/>
                           </a:solidFill>
-                          <a:latin typeface="Cabin"/>
-                          <a:ea typeface="Cabin"/>
-                          <a:cs typeface="Cabin"/>
+                          <a:latin typeface="Arial" charset="0"/>
+                          <a:ea typeface="Arial" charset="0"/>
+                          <a:cs typeface="Arial" charset="0"/>
                           <a:sym typeface="Cabin"/>
                         </a:rPr>
                         <a:t>**</a:t>
@@ -27883,9 +27871,9 @@
                           <a:solidFill>
                             <a:schemeClr val="lt1"/>
                           </a:solidFill>
-                          <a:latin typeface="Cabin"/>
-                          <a:ea typeface="Cabin"/>
-                          <a:cs typeface="Cabin"/>
+                          <a:latin typeface="Arial" charset="0"/>
+                          <a:ea typeface="Arial" charset="0"/>
+                          <a:cs typeface="Arial" charset="0"/>
                           <a:sym typeface="Cabin"/>
                         </a:rPr>
                         <a:t>Power</a:t>
@@ -27960,9 +27948,9 @@
                           <a:solidFill>
                             <a:srgbClr val="00FFFF"/>
                           </a:solidFill>
-                          <a:latin typeface="Cabin"/>
-                          <a:ea typeface="Cabin"/>
-                          <a:cs typeface="Cabin"/>
+                          <a:latin typeface="Arial" charset="0"/>
+                          <a:ea typeface="Arial" charset="0"/>
+                          <a:cs typeface="Arial" charset="0"/>
                           <a:sym typeface="Cabin"/>
                         </a:rPr>
                         <a:t>%</a:t>
@@ -28035,9 +28023,9 @@
                           <a:solidFill>
                             <a:schemeClr val="lt1"/>
                           </a:solidFill>
-                          <a:latin typeface="Cabin"/>
-                          <a:ea typeface="Cabin"/>
-                          <a:cs typeface="Cabin"/>
+                          <a:latin typeface="Arial" charset="0"/>
+                          <a:ea typeface="Arial" charset="0"/>
+                          <a:cs typeface="Arial" charset="0"/>
                           <a:sym typeface="Cabin"/>
                         </a:rPr>
                         <a:t>Remainder</a:t>
@@ -29137,7 +29125,7 @@
         </p:nvGraphicFramePr>
         <p:xfrm>
           <a:off x="11783875" y="2965450"/>
-          <a:ext cx="3000000" cy="3000000"/>
+          <a:ext cx="3752000" cy="4556125"/>
         </p:xfrm>
         <a:graphic>
           <a:graphicData uri="http://schemas.openxmlformats.org/drawingml/2006/table">
@@ -29178,9 +29166,9 @@
                           <a:solidFill>
                             <a:srgbClr val="00FFFF"/>
                           </a:solidFill>
-                          <a:latin typeface="Cabin"/>
-                          <a:ea typeface="Cabin"/>
-                          <a:cs typeface="Cabin"/>
+                          <a:latin typeface="Arial" charset="0"/>
+                          <a:ea typeface="Arial" charset="0"/>
+                          <a:cs typeface="Arial" charset="0"/>
                           <a:sym typeface="Cabin"/>
                         </a:rPr>
                         <a:t>Operator</a:t>
@@ -29258,9 +29246,9 @@
                           <a:solidFill>
                             <a:schemeClr val="lt1"/>
                           </a:solidFill>
-                          <a:latin typeface="Cabin"/>
-                          <a:ea typeface="Cabin"/>
-                          <a:cs typeface="Cabin"/>
+                          <a:latin typeface="Arial" charset="0"/>
+                          <a:ea typeface="Arial" charset="0"/>
+                          <a:cs typeface="Arial" charset="0"/>
                           <a:sym typeface="Cabin"/>
                         </a:rPr>
                         <a:t>Operation</a:t>
@@ -29340,9 +29328,9 @@
                           <a:solidFill>
                             <a:srgbClr val="00FFFF"/>
                           </a:solidFill>
-                          <a:latin typeface="Cabin"/>
-                          <a:ea typeface="Cabin"/>
-                          <a:cs typeface="Cabin"/>
+                          <a:latin typeface="Arial" charset="0"/>
+                          <a:ea typeface="Arial" charset="0"/>
+                          <a:cs typeface="Arial" charset="0"/>
                           <a:sym typeface="Cabin"/>
                         </a:rPr>
                         <a:t>+</a:t>
@@ -29415,9 +29403,9 @@
                           <a:solidFill>
                             <a:schemeClr val="lt1"/>
                           </a:solidFill>
-                          <a:latin typeface="Cabin"/>
-                          <a:ea typeface="Cabin"/>
-                          <a:cs typeface="Cabin"/>
+                          <a:latin typeface="Arial" charset="0"/>
+                          <a:ea typeface="Arial" charset="0"/>
+                          <a:cs typeface="Arial" charset="0"/>
                           <a:sym typeface="Cabin"/>
                         </a:rPr>
                         <a:t>Addition</a:t>
@@ -29492,9 +29480,9 @@
                           <a:solidFill>
                             <a:srgbClr val="00FFFF"/>
                           </a:solidFill>
-                          <a:latin typeface="Cabin"/>
-                          <a:ea typeface="Cabin"/>
-                          <a:cs typeface="Cabin"/>
+                          <a:latin typeface="Arial" charset="0"/>
+                          <a:ea typeface="Arial" charset="0"/>
+                          <a:cs typeface="Arial" charset="0"/>
                           <a:sym typeface="Cabin"/>
                         </a:rPr>
                         <a:t>-</a:t>
@@ -29567,9 +29555,9 @@
                           <a:solidFill>
                             <a:schemeClr val="lt1"/>
                           </a:solidFill>
-                          <a:latin typeface="Cabin"/>
-                          <a:ea typeface="Cabin"/>
-                          <a:cs typeface="Cabin"/>
+                          <a:latin typeface="Arial" charset="0"/>
+                          <a:ea typeface="Arial" charset="0"/>
+                          <a:cs typeface="Arial" charset="0"/>
                           <a:sym typeface="Cabin"/>
                         </a:rPr>
                         <a:t>Subtraction</a:t>
@@ -29644,9 +29632,9 @@
                           <a:solidFill>
                             <a:srgbClr val="00FFFF"/>
                           </a:solidFill>
-                          <a:latin typeface="Cabin"/>
-                          <a:ea typeface="Cabin"/>
-                          <a:cs typeface="Cabin"/>
+                          <a:latin typeface="Arial" charset="0"/>
+                          <a:ea typeface="Arial" charset="0"/>
+                          <a:cs typeface="Arial" charset="0"/>
                           <a:sym typeface="Cabin"/>
                         </a:rPr>
                         <a:t>*</a:t>
@@ -29719,9 +29707,9 @@
                           <a:solidFill>
                             <a:schemeClr val="lt1"/>
                           </a:solidFill>
-                          <a:latin typeface="Cabin"/>
-                          <a:ea typeface="Cabin"/>
-                          <a:cs typeface="Cabin"/>
+                          <a:latin typeface="Arial" charset="0"/>
+                          <a:ea typeface="Arial" charset="0"/>
+                          <a:cs typeface="Arial" charset="0"/>
                           <a:sym typeface="Cabin"/>
                         </a:rPr>
                         <a:t>Multiplication</a:t>
@@ -29796,9 +29784,9 @@
                           <a:solidFill>
                             <a:srgbClr val="00FFFF"/>
                           </a:solidFill>
-                          <a:latin typeface="Cabin"/>
-                          <a:ea typeface="Cabin"/>
-                          <a:cs typeface="Cabin"/>
+                          <a:latin typeface="Arial" charset="0"/>
+                          <a:ea typeface="Arial" charset="0"/>
+                          <a:cs typeface="Arial" charset="0"/>
                           <a:sym typeface="Cabin"/>
                         </a:rPr>
                         <a:t>/</a:t>
@@ -29871,9 +29859,9 @@
                           <a:solidFill>
                             <a:schemeClr val="lt1"/>
                           </a:solidFill>
-                          <a:latin typeface="Cabin"/>
-                          <a:ea typeface="Cabin"/>
-                          <a:cs typeface="Cabin"/>
+                          <a:latin typeface="Arial" charset="0"/>
+                          <a:ea typeface="Arial" charset="0"/>
+                          <a:cs typeface="Arial" charset="0"/>
                           <a:sym typeface="Cabin"/>
                         </a:rPr>
                         <a:t>Division</a:t>
@@ -29948,9 +29936,9 @@
                           <a:solidFill>
                             <a:srgbClr val="00FFFF"/>
                           </a:solidFill>
-                          <a:latin typeface="Cabin"/>
-                          <a:ea typeface="Cabin"/>
-                          <a:cs typeface="Cabin"/>
+                          <a:latin typeface="Arial" charset="0"/>
+                          <a:ea typeface="Arial" charset="0"/>
+                          <a:cs typeface="Arial" charset="0"/>
                           <a:sym typeface="Cabin"/>
                         </a:rPr>
                         <a:t>**</a:t>
@@ -30023,9 +30011,9 @@
                           <a:solidFill>
                             <a:schemeClr val="lt1"/>
                           </a:solidFill>
-                          <a:latin typeface="Cabin"/>
-                          <a:ea typeface="Cabin"/>
-                          <a:cs typeface="Cabin"/>
+                          <a:latin typeface="Arial" charset="0"/>
+                          <a:ea typeface="Arial" charset="0"/>
+                          <a:cs typeface="Arial" charset="0"/>
                           <a:sym typeface="Cabin"/>
                         </a:rPr>
                         <a:t>Power</a:t>
@@ -30100,9 +30088,9 @@
                           <a:solidFill>
                             <a:srgbClr val="00FFFF"/>
                           </a:solidFill>
-                          <a:latin typeface="Cabin"/>
-                          <a:ea typeface="Cabin"/>
-                          <a:cs typeface="Cabin"/>
+                          <a:latin typeface="Arial" charset="0"/>
+                          <a:ea typeface="Arial" charset="0"/>
+                          <a:cs typeface="Arial" charset="0"/>
                           <a:sym typeface="Cabin"/>
                         </a:rPr>
                         <a:t>%</a:t>
@@ -30175,9 +30163,9 @@
                           <a:solidFill>
                             <a:schemeClr val="lt1"/>
                           </a:solidFill>
-                          <a:latin typeface="Cabin"/>
-                          <a:ea typeface="Cabin"/>
-                          <a:cs typeface="Cabin"/>
+                          <a:latin typeface="Arial" charset="0"/>
+                          <a:ea typeface="Arial" charset="0"/>
+                          <a:cs typeface="Arial" charset="0"/>
                           <a:sym typeface="Cabin"/>
                         </a:rPr>
                         <a:t>Remainder</a:t>
@@ -30323,13 +30311,13 @@
               <a:buNone/>
             </a:pPr>
             <a:r>
-              <a:rPr lang="en-US" sz="3600" b="0" i="0" u="none" strike="noStrike" cap="none">
+              <a:rPr lang="en-US" sz="3600" u="none" strike="noStrike" cap="none">
                 <a:solidFill>
                   <a:schemeClr val="lt1"/>
                 </a:solidFill>
-                <a:latin typeface="Cabin"/>
-                <a:ea typeface="Cabin"/>
-                <a:cs typeface="Cabin"/>
+                <a:latin typeface="Arial" charset="0"/>
+                <a:ea typeface="Arial" charset="0"/>
+                <a:cs typeface="Arial" charset="0"/>
                 <a:sym typeface="Cabin"/>
               </a:rPr>
               <a:t>5</a:t>
@@ -30380,13 +30368,13 @@
               <a:buNone/>
             </a:pPr>
             <a:r>
-              <a:rPr lang="en-US" sz="3600" b="0" i="0" u="none" strike="noStrike" cap="none">
+              <a:rPr lang="en-US" sz="3600" u="none" strike="noStrike" cap="none">
                 <a:solidFill>
                   <a:schemeClr val="lt1"/>
                 </a:solidFill>
-                <a:latin typeface="Cabin"/>
-                <a:ea typeface="Cabin"/>
-                <a:cs typeface="Cabin"/>
+                <a:latin typeface="Arial" charset="0"/>
+                <a:ea typeface="Arial" charset="0"/>
+                <a:cs typeface="Arial" charset="0"/>
                 <a:sym typeface="Cabin"/>
               </a:rPr>
               <a:t>23</a:t>
@@ -30437,13 +30425,13 @@
               <a:buNone/>
             </a:pPr>
             <a:r>
-              <a:rPr lang="en-US" sz="3600" b="0" i="0" u="none" strike="noStrike" cap="none">
+              <a:rPr lang="en-US" sz="3600" u="none" strike="noStrike" cap="none">
                 <a:solidFill>
                   <a:schemeClr val="lt1"/>
                 </a:solidFill>
-                <a:latin typeface="Cabin"/>
-                <a:ea typeface="Cabin"/>
-                <a:cs typeface="Cabin"/>
+                <a:latin typeface="Arial" charset="0"/>
+                <a:ea typeface="Arial" charset="0"/>
+                <a:cs typeface="Arial" charset="0"/>
                 <a:sym typeface="Cabin"/>
               </a:rPr>
               <a:t>4 R 3</a:t>
@@ -30494,13 +30482,13 @@
               <a:buNone/>
             </a:pPr>
             <a:r>
-              <a:rPr lang="en-US" sz="3600" b="0" i="0" u="none" strike="noStrike" cap="none">
+              <a:rPr lang="en-US" sz="3600" u="none" strike="noStrike" cap="none">
                 <a:solidFill>
                   <a:schemeClr val="lt1"/>
                 </a:solidFill>
-                <a:latin typeface="Cabin"/>
-                <a:ea typeface="Cabin"/>
-                <a:cs typeface="Cabin"/>
+                <a:latin typeface="Arial" charset="0"/>
+                <a:ea typeface="Arial" charset="0"/>
+                <a:cs typeface="Arial" charset="0"/>
                 <a:sym typeface="Cabin"/>
               </a:rPr>
               <a:t>20</a:t>
@@ -30577,13 +30565,13 @@
               <a:buNone/>
             </a:pPr>
             <a:r>
-              <a:rPr lang="en-US" sz="3600" b="0" i="0" u="none" strike="noStrike" cap="none">
+              <a:rPr lang="en-US" sz="3600" u="none" strike="noStrike" cap="none">
                 <a:solidFill>
                   <a:schemeClr val="lt1"/>
                 </a:solidFill>
-                <a:latin typeface="Cabin"/>
-                <a:ea typeface="Cabin"/>
-                <a:cs typeface="Cabin"/>
+                <a:latin typeface="Arial" charset="0"/>
+                <a:ea typeface="Arial" charset="0"/>
+                <a:cs typeface="Arial" charset="0"/>
                 <a:sym typeface="Cabin"/>
               </a:rPr>
               <a:t>3</a:t>
@@ -30638,13 +30626,13 @@
               <a:buNone/>
             </a:pPr>
             <a:r>
-              <a:rPr lang="en-US" sz="7600" b="0" i="0" u="none" strike="noStrike" cap="none">
+              <a:rPr lang="en-US" sz="7600" u="none" strike="noStrike" cap="none">
                 <a:solidFill>
                   <a:srgbClr val="FFFF00"/>
                 </a:solidFill>
-                <a:latin typeface="Cabin"/>
-                <a:ea typeface="Cabin"/>
-                <a:cs typeface="Cabin"/>
+                <a:latin typeface="Arial" charset="0"/>
+                <a:ea typeface="Arial" charset="0"/>
+                <a:cs typeface="Arial" charset="0"/>
                 <a:sym typeface="Cabin"/>
               </a:rPr>
               <a:t>Numeric Expressions</a:t>
@@ -30724,13 +30712,13 @@
               <a:buNone/>
             </a:pPr>
             <a:r>
-              <a:rPr lang="en-US" sz="7600" b="0" i="0" u="none" strike="noStrike" cap="none">
+              <a:rPr lang="en-US" sz="7600" u="none" strike="noStrike" cap="none">
                 <a:solidFill>
                   <a:srgbClr val="FFFF00"/>
                 </a:solidFill>
-                <a:latin typeface="Cabin"/>
-                <a:ea typeface="Cabin"/>
-                <a:cs typeface="Cabin"/>
+                <a:latin typeface="Arial" charset="0"/>
+                <a:ea typeface="Arial" charset="0"/>
+                <a:cs typeface="Arial" charset="0"/>
                 <a:sym typeface="Cabin"/>
               </a:rPr>
               <a:t>Order of Evaluation</a:t>
@@ -30785,13 +30773,13 @@
               <a:buChar char="•"/>
             </a:pPr>
             <a:r>
-              <a:rPr lang="en-US" sz="3600" b="0" i="0" u="none" strike="noStrike" cap="none">
+              <a:rPr lang="en-US" sz="3600" u="none" strike="noStrike" cap="none">
                 <a:solidFill>
                   <a:schemeClr val="lt1"/>
                 </a:solidFill>
-                <a:latin typeface="Cabin"/>
-                <a:ea typeface="Cabin"/>
-                <a:cs typeface="Cabin"/>
+                <a:latin typeface="Arial" charset="0"/>
+                <a:ea typeface="Arial" charset="0"/>
+                <a:cs typeface="Arial" charset="0"/>
                 <a:sym typeface="Cabin"/>
               </a:rPr>
               <a:t>When we string operators together - Python must know which one to do first</a:t>
@@ -30816,13 +30804,13 @@
               <a:buChar char="•"/>
             </a:pPr>
             <a:r>
-              <a:rPr lang="en-US" sz="3600" b="0" i="0" u="none" strike="noStrike" cap="none">
+              <a:rPr lang="en-US" sz="3600" u="none" strike="noStrike" cap="none">
                 <a:solidFill>
                   <a:schemeClr val="lt1"/>
                 </a:solidFill>
-                <a:latin typeface="Cabin"/>
-                <a:ea typeface="Cabin"/>
-                <a:cs typeface="Cabin"/>
+                <a:latin typeface="Arial" charset="0"/>
+                <a:ea typeface="Arial" charset="0"/>
+                <a:cs typeface="Arial" charset="0"/>
                 <a:sym typeface="Cabin"/>
               </a:rPr>
               <a:t>This is called </a:t>
@@ -30840,13 +30828,13 @@
               <a:t>“</a:t>
             </a:r>
             <a:r>
-              <a:rPr lang="en-US" sz="3600" b="0" i="0" u="none" strike="noStrike" cap="none">
+              <a:rPr lang="en-US" sz="3600" u="none" strike="noStrike" cap="none">
                 <a:solidFill>
                   <a:srgbClr val="00FFFF"/>
                 </a:solidFill>
-                <a:latin typeface="Cabin"/>
-                <a:ea typeface="Cabin"/>
-                <a:cs typeface="Cabin"/>
+                <a:latin typeface="Arial" charset="0"/>
+                <a:ea typeface="Arial" charset="0"/>
+                <a:cs typeface="Arial" charset="0"/>
                 <a:sym typeface="Cabin"/>
               </a:rPr>
               <a:t>operator precedence</a:t>
@@ -30883,13 +30871,13 @@
               <a:buChar char="•"/>
             </a:pPr>
             <a:r>
-              <a:rPr lang="en-US" sz="3600" b="0" i="0" u="none" strike="noStrike" cap="none">
+              <a:rPr lang="en-US" sz="3600" u="none" strike="noStrike" cap="none">
                 <a:solidFill>
                   <a:schemeClr val="lt1"/>
                 </a:solidFill>
-                <a:latin typeface="Cabin"/>
-                <a:ea typeface="Cabin"/>
-                <a:cs typeface="Cabin"/>
+                <a:latin typeface="Arial" charset="0"/>
+                <a:ea typeface="Arial" charset="0"/>
+                <a:cs typeface="Arial" charset="0"/>
                 <a:sym typeface="Cabin"/>
               </a:rPr>
               <a:t>Which operator </a:t>
@@ -30907,13 +30895,13 @@
               <a:t>“</a:t>
             </a:r>
             <a:r>
-              <a:rPr lang="en-US" sz="3600" b="0" i="0" u="none" strike="noStrike" cap="none">
+              <a:rPr lang="en-US" sz="3600" u="none" strike="noStrike" cap="none">
                 <a:solidFill>
                   <a:schemeClr val="lt1"/>
                 </a:solidFill>
-                <a:latin typeface="Cabin"/>
-                <a:ea typeface="Cabin"/>
-                <a:cs typeface="Cabin"/>
+                <a:latin typeface="Arial" charset="0"/>
+                <a:ea typeface="Arial" charset="0"/>
+                <a:cs typeface="Arial" charset="0"/>
                 <a:sym typeface="Cabin"/>
               </a:rPr>
               <a:t>takes precedence</a:t>
@@ -30931,13 +30919,13 @@
               <a:t>”</a:t>
             </a:r>
             <a:r>
-              <a:rPr lang="en-US" sz="3600" b="0" i="0" u="none" strike="noStrike" cap="none">
+              <a:rPr lang="en-US" sz="3600" u="none" strike="noStrike" cap="none">
                 <a:solidFill>
                   <a:schemeClr val="lt1"/>
                 </a:solidFill>
-                <a:latin typeface="Cabin"/>
-                <a:ea typeface="Cabin"/>
-                <a:cs typeface="Cabin"/>
+                <a:latin typeface="Arial" charset="0"/>
+                <a:ea typeface="Arial" charset="0"/>
+                <a:cs typeface="Arial" charset="0"/>
                 <a:sym typeface="Cabin"/>
               </a:rPr>
               <a:t> over the others?</a:t>
@@ -30988,145 +30976,145 @@
               <a:buNone/>
             </a:pPr>
             <a:r>
-              <a:rPr lang="en-US" sz="3600" b="0" i="0" u="none" strike="noStrike" cap="none">
+              <a:rPr lang="en-US" sz="3600" u="none" strike="noStrike" cap="none">
                 <a:solidFill>
                   <a:srgbClr val="00FF00"/>
                 </a:solidFill>
-                <a:latin typeface="Cabin"/>
-                <a:ea typeface="Cabin"/>
-                <a:cs typeface="Cabin"/>
+                <a:latin typeface="Arial" charset="0"/>
+                <a:ea typeface="Arial" charset="0"/>
+                <a:cs typeface="Arial" charset="0"/>
                 <a:sym typeface="Cabin"/>
               </a:rPr>
               <a:t>x</a:t>
             </a:r>
             <a:r>
-              <a:rPr lang="en-US" sz="3600" b="0" i="0" u="none" strike="noStrike" cap="none">
+              <a:rPr lang="en-US" sz="3600" u="none" strike="noStrike" cap="none">
                 <a:solidFill>
                   <a:schemeClr val="lt1"/>
                 </a:solidFill>
-                <a:latin typeface="Cabin"/>
-                <a:ea typeface="Cabin"/>
-                <a:cs typeface="Cabin"/>
+                <a:latin typeface="Arial" charset="0"/>
+                <a:ea typeface="Arial" charset="0"/>
+                <a:cs typeface="Arial" charset="0"/>
                 <a:sym typeface="Cabin"/>
               </a:rPr>
               <a:t> = 1</a:t>
             </a:r>
             <a:r>
-              <a:rPr lang="en-US" sz="3600" b="0" i="0" u="none" strike="noStrike" cap="none">
+              <a:rPr lang="en-US" sz="3600" u="none" strike="noStrike" cap="none">
                 <a:solidFill>
                   <a:srgbClr val="00FFFF"/>
                 </a:solidFill>
-                <a:latin typeface="Cabin"/>
-                <a:ea typeface="Cabin"/>
-                <a:cs typeface="Cabin"/>
+                <a:latin typeface="Arial" charset="0"/>
+                <a:ea typeface="Arial" charset="0"/>
+                <a:cs typeface="Arial" charset="0"/>
                 <a:sym typeface="Cabin"/>
               </a:rPr>
               <a:t> +</a:t>
             </a:r>
             <a:r>
-              <a:rPr lang="en-US" sz="3600" b="0" i="0" u="none" strike="noStrike" cap="none">
+              <a:rPr lang="en-US" sz="3600" u="none" strike="noStrike" cap="none">
                 <a:solidFill>
                   <a:schemeClr val="lt1"/>
                 </a:solidFill>
-                <a:latin typeface="Cabin"/>
-                <a:ea typeface="Cabin"/>
-                <a:cs typeface="Cabin"/>
+                <a:latin typeface="Arial" charset="0"/>
+                <a:ea typeface="Arial" charset="0"/>
+                <a:cs typeface="Arial" charset="0"/>
                 <a:sym typeface="Cabin"/>
               </a:rPr>
               <a:t> 2 </a:t>
             </a:r>
             <a:r>
-              <a:rPr lang="en-US" sz="3600" b="0" i="0" u="none" strike="noStrike" cap="none">
+              <a:rPr lang="en-US" sz="3600" u="none" strike="noStrike" cap="none">
                 <a:solidFill>
                   <a:srgbClr val="00FFFF"/>
                 </a:solidFill>
-                <a:latin typeface="Cabin"/>
-                <a:ea typeface="Cabin"/>
-                <a:cs typeface="Cabin"/>
+                <a:latin typeface="Arial" charset="0"/>
+                <a:ea typeface="Arial" charset="0"/>
+                <a:cs typeface="Arial" charset="0"/>
                 <a:sym typeface="Cabin"/>
               </a:rPr>
               <a:t>* </a:t>
             </a:r>
             <a:r>
-              <a:rPr lang="en-US" sz="3600" b="0" i="0" u="none" strike="noStrike" cap="none">
+              <a:rPr lang="en-US" sz="3600" u="none" strike="noStrike" cap="none">
                 <a:solidFill>
                   <a:schemeClr val="lt1"/>
                 </a:solidFill>
-                <a:latin typeface="Cabin"/>
-                <a:ea typeface="Cabin"/>
-                <a:cs typeface="Cabin"/>
+                <a:latin typeface="Arial" charset="0"/>
+                <a:ea typeface="Arial" charset="0"/>
+                <a:cs typeface="Arial" charset="0"/>
                 <a:sym typeface="Cabin"/>
               </a:rPr>
               <a:t>3 </a:t>
             </a:r>
             <a:r>
-              <a:rPr lang="en-US" sz="3600" b="0" i="0" u="none" strike="noStrike" cap="none">
+              <a:rPr lang="en-US" sz="3600" u="none" strike="noStrike" cap="none">
                 <a:solidFill>
                   <a:srgbClr val="00FFFF"/>
                 </a:solidFill>
-                <a:latin typeface="Cabin"/>
-                <a:ea typeface="Cabin"/>
-                <a:cs typeface="Cabin"/>
+                <a:latin typeface="Arial" charset="0"/>
+                <a:ea typeface="Arial" charset="0"/>
+                <a:cs typeface="Arial" charset="0"/>
                 <a:sym typeface="Cabin"/>
               </a:rPr>
               <a:t>- </a:t>
             </a:r>
             <a:r>
-              <a:rPr lang="en-US" sz="3600" b="0" i="0" u="none" strike="noStrike" cap="none">
+              <a:rPr lang="en-US" sz="3600" u="none" strike="noStrike" cap="none">
                 <a:solidFill>
                   <a:schemeClr val="lt1"/>
                 </a:solidFill>
-                <a:latin typeface="Cabin"/>
-                <a:ea typeface="Cabin"/>
-                <a:cs typeface="Cabin"/>
+                <a:latin typeface="Arial" charset="0"/>
+                <a:ea typeface="Arial" charset="0"/>
+                <a:cs typeface="Arial" charset="0"/>
                 <a:sym typeface="Cabin"/>
               </a:rPr>
               <a:t>4</a:t>
             </a:r>
             <a:r>
-              <a:rPr lang="en-US" sz="3600" b="0" i="0" u="none" strike="noStrike" cap="none">
+              <a:rPr lang="en-US" sz="3600" u="none" strike="noStrike" cap="none">
                 <a:solidFill>
                   <a:srgbClr val="00FFFF"/>
                 </a:solidFill>
-                <a:latin typeface="Cabin"/>
-                <a:ea typeface="Cabin"/>
-                <a:cs typeface="Cabin"/>
+                <a:latin typeface="Arial" charset="0"/>
+                <a:ea typeface="Arial" charset="0"/>
+                <a:cs typeface="Arial" charset="0"/>
                 <a:sym typeface="Cabin"/>
               </a:rPr>
               <a:t> / </a:t>
             </a:r>
             <a:r>
-              <a:rPr lang="en-US" sz="3600" b="0" i="0" u="none" strike="noStrike" cap="none">
+              <a:rPr lang="en-US" sz="3600" u="none" strike="noStrike" cap="none">
                 <a:solidFill>
                   <a:schemeClr val="lt1"/>
                 </a:solidFill>
-                <a:latin typeface="Cabin"/>
-                <a:ea typeface="Cabin"/>
-                <a:cs typeface="Cabin"/>
+                <a:latin typeface="Arial" charset="0"/>
+                <a:ea typeface="Arial" charset="0"/>
+                <a:cs typeface="Arial" charset="0"/>
                 <a:sym typeface="Cabin"/>
               </a:rPr>
               <a:t>5 </a:t>
             </a:r>
             <a:r>
-              <a:rPr lang="en-US" sz="3600" b="0" i="0" u="none" strike="noStrike" cap="none">
+              <a:rPr lang="en-US" sz="3600" u="none" strike="noStrike" cap="none">
                 <a:solidFill>
                   <a:srgbClr val="00FFFF"/>
                 </a:solidFill>
-                <a:latin typeface="Cabin"/>
-                <a:ea typeface="Cabin"/>
-                <a:cs typeface="Cabin"/>
+                <a:latin typeface="Arial" charset="0"/>
+                <a:ea typeface="Arial" charset="0"/>
+                <a:cs typeface="Arial" charset="0"/>
                 <a:sym typeface="Cabin"/>
               </a:rPr>
               <a:t>** </a:t>
             </a:r>
             <a:r>
-              <a:rPr lang="en-US" sz="3600" b="0" i="0" u="none" strike="noStrike" cap="none">
+              <a:rPr lang="en-US" sz="3600" u="none" strike="noStrike" cap="none">
                 <a:solidFill>
                   <a:schemeClr val="lt1"/>
                 </a:solidFill>
-                <a:latin typeface="Cabin"/>
-                <a:ea typeface="Cabin"/>
-                <a:cs typeface="Cabin"/>
+                <a:latin typeface="Arial" charset="0"/>
+                <a:ea typeface="Arial" charset="0"/>
+                <a:cs typeface="Arial" charset="0"/>
                 <a:sym typeface="Cabin"/>
               </a:rPr>
               <a:t>6</a:t>
@@ -31206,13 +31194,13 @@
               <a:buNone/>
             </a:pPr>
             <a:r>
-              <a:rPr lang="en-US" sz="7600" b="0" i="0" u="none" strike="noStrike" cap="none">
+              <a:rPr lang="en-US" sz="7600" u="none" strike="noStrike" cap="none">
                 <a:solidFill>
                   <a:srgbClr val="FFFF00"/>
                 </a:solidFill>
-                <a:latin typeface="Cabin"/>
-                <a:ea typeface="Cabin"/>
-                <a:cs typeface="Cabin"/>
+                <a:latin typeface="Arial" charset="0"/>
+                <a:ea typeface="Arial" charset="0"/>
+                <a:cs typeface="Arial" charset="0"/>
                 <a:sym typeface="Cabin"/>
               </a:rPr>
               <a:t>Operator Precedence Rules</a:t>
@@ -31262,13 +31250,13 @@
               <a:buNone/>
             </a:pPr>
             <a:r>
-              <a:rPr lang="en-US" sz="3200" b="0" i="0" u="none" strike="noStrike" cap="none">
+              <a:rPr lang="en-US" sz="3200" u="none" strike="noStrike" cap="none">
                 <a:solidFill>
                   <a:schemeClr val="lt1"/>
                 </a:solidFill>
-                <a:latin typeface="Cabin"/>
-                <a:ea typeface="Cabin"/>
-                <a:cs typeface="Cabin"/>
+                <a:latin typeface="Arial" charset="0"/>
+                <a:ea typeface="Arial" charset="0"/>
+                <a:cs typeface="Arial" charset="0"/>
                 <a:sym typeface="Cabin"/>
               </a:rPr>
               <a:t>Highest precedence rule to lowest precedence rule:</a:t>
@@ -31292,13 +31280,13 @@
               <a:buFont typeface="Cabin"/>
             </a:pPr>
             <a:r>
-              <a:rPr lang="en-US" sz="3200" b="0" i="0" u="none" strike="noStrike" cap="none">
+              <a:rPr lang="en-US" sz="3200" u="none" strike="noStrike" cap="none">
                 <a:solidFill>
                   <a:schemeClr val="lt1"/>
                 </a:solidFill>
-                <a:latin typeface="Cabin"/>
-                <a:ea typeface="Cabin"/>
-                <a:cs typeface="Cabin"/>
+                <a:latin typeface="Arial" charset="0"/>
+                <a:ea typeface="Arial" charset="0"/>
+                <a:cs typeface="Arial" charset="0"/>
                 <a:sym typeface="Cabin"/>
               </a:rPr>
               <a:t>Parenthesis are always respected</a:t>
@@ -31322,13 +31310,13 @@
               <a:buFont typeface="Cabin"/>
             </a:pPr>
             <a:r>
-              <a:rPr lang="en-US" sz="3200" b="0" i="0" u="none" strike="noStrike" cap="none">
+              <a:rPr lang="en-US" sz="3200" u="none" strike="noStrike" cap="none">
                 <a:solidFill>
                   <a:schemeClr val="lt1"/>
                 </a:solidFill>
-                <a:latin typeface="Cabin"/>
-                <a:ea typeface="Cabin"/>
-                <a:cs typeface="Cabin"/>
+                <a:latin typeface="Arial" charset="0"/>
+                <a:ea typeface="Arial" charset="0"/>
+                <a:cs typeface="Arial" charset="0"/>
                 <a:sym typeface="Cabin"/>
               </a:rPr>
               <a:t>Exponentiation (raise to a power)</a:t>
@@ -31352,13 +31340,13 @@
               <a:buFont typeface="Cabin"/>
             </a:pPr>
             <a:r>
-              <a:rPr lang="en-US" sz="3200" b="0" i="0" u="none" strike="noStrike" cap="none">
+              <a:rPr lang="en-US" sz="3200" u="none" strike="noStrike" cap="none">
                 <a:solidFill>
                   <a:schemeClr val="lt1"/>
                 </a:solidFill>
-                <a:latin typeface="Cabin"/>
-                <a:ea typeface="Cabin"/>
-                <a:cs typeface="Cabin"/>
+                <a:latin typeface="Arial" charset="0"/>
+                <a:ea typeface="Arial" charset="0"/>
+                <a:cs typeface="Arial" charset="0"/>
                 <a:sym typeface="Cabin"/>
               </a:rPr>
               <a:t>Multiplication, Division, and Remainder</a:t>
@@ -31382,13 +31370,13 @@
               <a:buFont typeface="Cabin"/>
             </a:pPr>
             <a:r>
-              <a:rPr lang="en-US" sz="3200" b="0" i="0" u="none" strike="noStrike" cap="none">
+              <a:rPr lang="en-US" sz="3200" u="none" strike="noStrike" cap="none">
                 <a:solidFill>
                   <a:schemeClr val="lt1"/>
                 </a:solidFill>
-                <a:latin typeface="Cabin"/>
-                <a:ea typeface="Cabin"/>
-                <a:cs typeface="Cabin"/>
+                <a:latin typeface="Arial" charset="0"/>
+                <a:ea typeface="Arial" charset="0"/>
+                <a:cs typeface="Arial" charset="0"/>
                 <a:sym typeface="Cabin"/>
               </a:rPr>
               <a:t>Addition and Subtraction</a:t>
@@ -31412,13 +31400,13 @@
               <a:buFont typeface="Cabin"/>
             </a:pPr>
             <a:r>
-              <a:rPr lang="en-US" sz="3200" b="0" i="0" u="none" strike="noStrike" cap="none">
+              <a:rPr lang="en-US" sz="3200" u="none" strike="noStrike" cap="none">
                 <a:solidFill>
                   <a:schemeClr val="lt1"/>
                 </a:solidFill>
-                <a:latin typeface="Cabin"/>
-                <a:ea typeface="Cabin"/>
-                <a:cs typeface="Cabin"/>
+                <a:latin typeface="Arial" charset="0"/>
+                <a:ea typeface="Arial" charset="0"/>
+                <a:cs typeface="Arial" charset="0"/>
                 <a:sym typeface="Cabin"/>
               </a:rPr>
               <a:t>Left to right</a:t>
@@ -31483,13 +31471,13 @@
                 <a:buNone/>
               </a:pPr>
               <a:r>
-                <a:rPr lang="en-US" sz="3100" b="0" i="0" u="none" strike="noStrike" cap="none">
+                <a:rPr lang="en-US" sz="3100" u="none" strike="noStrike" cap="none">
                   <a:solidFill>
                     <a:srgbClr val="FF00FF"/>
                   </a:solidFill>
-                  <a:latin typeface="Cabin"/>
-                  <a:ea typeface="Cabin"/>
-                  <a:cs typeface="Cabin"/>
+                  <a:latin typeface="Arial" charset="0"/>
+                  <a:ea typeface="Arial" charset="0"/>
+                  <a:cs typeface="Arial" charset="0"/>
                   <a:sym typeface="Cabin"/>
                 </a:rPr>
                 <a:t>Parenthesis</a:t>
@@ -31514,13 +31502,13 @@
                 <a:buNone/>
               </a:pPr>
               <a:r>
-                <a:rPr lang="en-US" sz="3100" b="0" i="0" u="none" strike="noStrike" cap="none">
+                <a:rPr lang="en-US" sz="3100" u="none" strike="noStrike" cap="none">
                   <a:solidFill>
                     <a:srgbClr val="00FFFF"/>
                   </a:solidFill>
-                  <a:latin typeface="Cabin"/>
-                  <a:ea typeface="Cabin"/>
-                  <a:cs typeface="Cabin"/>
+                  <a:latin typeface="Arial" charset="0"/>
+                  <a:ea typeface="Arial" charset="0"/>
+                  <a:cs typeface="Arial" charset="0"/>
                   <a:sym typeface="Cabin"/>
                 </a:rPr>
                 <a:t>Power</a:t>
@@ -31545,13 +31533,13 @@
                 <a:buNone/>
               </a:pPr>
               <a:r>
-                <a:rPr lang="en-US" sz="3100" b="0" i="0" u="none" strike="noStrike" cap="none">
+                <a:rPr lang="en-US" sz="3100" u="none" strike="noStrike" cap="none">
                   <a:solidFill>
                     <a:srgbClr val="00FF00"/>
                   </a:solidFill>
-                  <a:latin typeface="Cabin"/>
-                  <a:ea typeface="Cabin"/>
-                  <a:cs typeface="Cabin"/>
+                  <a:latin typeface="Arial" charset="0"/>
+                  <a:ea typeface="Arial" charset="0"/>
+                  <a:cs typeface="Arial" charset="0"/>
                   <a:sym typeface="Cabin"/>
                 </a:rPr>
                 <a:t>Multiplication</a:t>
@@ -31576,13 +31564,13 @@
                 <a:buNone/>
               </a:pPr>
               <a:r>
-                <a:rPr lang="en-US" sz="3100" b="0" i="0" u="none" strike="noStrike" cap="none">
+                <a:rPr lang="en-US" sz="3100" u="none" strike="noStrike" cap="none">
                   <a:solidFill>
                     <a:srgbClr val="FF9900"/>
                   </a:solidFill>
-                  <a:latin typeface="Cabin"/>
-                  <a:ea typeface="Cabin"/>
-                  <a:cs typeface="Cabin"/>
+                  <a:latin typeface="Arial" charset="0"/>
+                  <a:ea typeface="Arial" charset="0"/>
+                  <a:cs typeface="Arial" charset="0"/>
                   <a:sym typeface="Cabin"/>
                 </a:rPr>
                 <a:t>Addition</a:t>
@@ -31607,13 +31595,13 @@
                 <a:buNone/>
               </a:pPr>
               <a:r>
-                <a:rPr lang="en-US" sz="3100" b="0" i="0" u="none" strike="noStrike" cap="none">
+                <a:rPr lang="en-US" sz="3100" u="none" strike="noStrike" cap="none">
                   <a:solidFill>
                     <a:srgbClr val="FFFF00"/>
                   </a:solidFill>
-                  <a:latin typeface="Cabin"/>
-                  <a:ea typeface="Cabin"/>
-                  <a:cs typeface="Cabin"/>
+                  <a:latin typeface="Arial" charset="0"/>
+                  <a:ea typeface="Arial" charset="0"/>
+                  <a:cs typeface="Arial" charset="0"/>
                   <a:sym typeface="Cabin"/>
                 </a:rPr>
                 <a:t>Left to Right</a:t>
@@ -31736,13 +31724,13 @@
                 <a:buNone/>
               </a:pPr>
               <a:r>
-                <a:rPr lang="en-US" sz="3100" b="0" i="0" u="none" strike="noStrike" cap="none">
+                <a:rPr lang="en-US" sz="3100" u="none" strike="noStrike" cap="none">
                   <a:solidFill>
                     <a:srgbClr val="FF00FF"/>
                   </a:solidFill>
-                  <a:latin typeface="Cabin"/>
-                  <a:ea typeface="Cabin"/>
-                  <a:cs typeface="Cabin"/>
+                  <a:latin typeface="Arial" charset="0"/>
+                  <a:ea typeface="Arial" charset="0"/>
+                  <a:cs typeface="Arial" charset="0"/>
                   <a:sym typeface="Cabin"/>
                 </a:rPr>
                 <a:t>Parenthesis</a:t>
@@ -31767,13 +31755,13 @@
                 <a:buNone/>
               </a:pPr>
               <a:r>
-                <a:rPr lang="en-US" sz="3100" b="0" i="0" u="none" strike="noStrike" cap="none">
+                <a:rPr lang="en-US" sz="3100" u="none" strike="noStrike" cap="none">
                   <a:solidFill>
                     <a:srgbClr val="00FFFF"/>
                   </a:solidFill>
-                  <a:latin typeface="Cabin"/>
-                  <a:ea typeface="Cabin"/>
-                  <a:cs typeface="Cabin"/>
+                  <a:latin typeface="Arial" charset="0"/>
+                  <a:ea typeface="Arial" charset="0"/>
+                  <a:cs typeface="Arial" charset="0"/>
                   <a:sym typeface="Cabin"/>
                 </a:rPr>
                 <a:t>Power</a:t>
@@ -31798,13 +31786,13 @@
                 <a:buNone/>
               </a:pPr>
               <a:r>
-                <a:rPr lang="en-US" sz="3100" b="0" i="0" u="none" strike="noStrike" cap="none">
+                <a:rPr lang="en-US" sz="3100" u="none" strike="noStrike" cap="none">
                   <a:solidFill>
                     <a:srgbClr val="00FF00"/>
                   </a:solidFill>
-                  <a:latin typeface="Cabin"/>
-                  <a:ea typeface="Cabin"/>
-                  <a:cs typeface="Cabin"/>
+                  <a:latin typeface="Arial" charset="0"/>
+                  <a:ea typeface="Arial" charset="0"/>
+                  <a:cs typeface="Arial" charset="0"/>
                   <a:sym typeface="Cabin"/>
                 </a:rPr>
                 <a:t>Multiplication</a:t>
@@ -31829,13 +31817,13 @@
                 <a:buNone/>
               </a:pPr>
               <a:r>
-                <a:rPr lang="en-US" sz="3100" b="0" i="0" u="none" strike="noStrike" cap="none">
+                <a:rPr lang="en-US" sz="3100" u="none" strike="noStrike" cap="none">
                   <a:solidFill>
                     <a:srgbClr val="FF9900"/>
                   </a:solidFill>
-                  <a:latin typeface="Cabin"/>
-                  <a:ea typeface="Cabin"/>
-                  <a:cs typeface="Cabin"/>
+                  <a:latin typeface="Arial" charset="0"/>
+                  <a:ea typeface="Arial" charset="0"/>
+                  <a:cs typeface="Arial" charset="0"/>
                   <a:sym typeface="Cabin"/>
                 </a:rPr>
                 <a:t>Addition</a:t>
@@ -31860,13 +31848,13 @@
                 <a:buNone/>
               </a:pPr>
               <a:r>
-                <a:rPr lang="en-US" sz="3100" b="0" i="0" u="none" strike="noStrike" cap="none">
+                <a:rPr lang="en-US" sz="3100" u="none" strike="noStrike" cap="none">
                   <a:solidFill>
                     <a:srgbClr val="FFFF00"/>
                   </a:solidFill>
-                  <a:latin typeface="Cabin"/>
-                  <a:ea typeface="Cabin"/>
-                  <a:cs typeface="Cabin"/>
+                  <a:latin typeface="Arial" charset="0"/>
+                  <a:ea typeface="Arial" charset="0"/>
+                  <a:cs typeface="Arial" charset="0"/>
                   <a:sym typeface="Cabin"/>
                 </a:rPr>
                 <a:t>Left to Right</a:t>
@@ -31944,37 +31932,37 @@
               <a:buNone/>
             </a:pPr>
             <a:r>
-              <a:rPr lang="en-US" sz="4800" b="0" i="0" u="none" strike="noStrike" cap="none">
+              <a:rPr lang="en-US" sz="4800" u="none" strike="noStrike" cap="none">
                 <a:solidFill>
                   <a:schemeClr val="lt1"/>
                 </a:solidFill>
-                <a:latin typeface="Cabin"/>
-                <a:ea typeface="Cabin"/>
-                <a:cs typeface="Cabin"/>
+                <a:latin typeface="Arial" charset="0"/>
+                <a:ea typeface="Arial" charset="0"/>
+                <a:cs typeface="Arial" charset="0"/>
                 <a:sym typeface="Cabin"/>
               </a:rPr>
               <a:t>1 + </a:t>
             </a:r>
             <a:r>
-              <a:rPr lang="en-US" sz="4800" b="0" i="0" u="none" strike="noStrike" cap="none">
+              <a:rPr lang="en-US" sz="4800" u="none" strike="noStrike" cap="none">
                 <a:solidFill>
                   <a:srgbClr val="00FFFF"/>
                 </a:solidFill>
-                <a:latin typeface="Cabin"/>
-                <a:ea typeface="Cabin"/>
-                <a:cs typeface="Cabin"/>
+                <a:latin typeface="Arial" charset="0"/>
+                <a:ea typeface="Arial" charset="0"/>
+                <a:cs typeface="Arial" charset="0"/>
                 <a:sym typeface="Cabin"/>
               </a:rPr>
               <a:t>2 ** 3</a:t>
             </a:r>
             <a:r>
-              <a:rPr lang="en-US" sz="4800" b="0" i="0" u="none" strike="noStrike" cap="none">
+              <a:rPr lang="en-US" sz="4800" u="none" strike="noStrike" cap="none">
                 <a:solidFill>
                   <a:schemeClr val="lt1"/>
                 </a:solidFill>
-                <a:latin typeface="Cabin"/>
-                <a:ea typeface="Cabin"/>
-                <a:cs typeface="Cabin"/>
+                <a:latin typeface="Arial" charset="0"/>
+                <a:ea typeface="Arial" charset="0"/>
+                <a:cs typeface="Arial" charset="0"/>
                 <a:sym typeface="Cabin"/>
               </a:rPr>
               <a:t> / 4 * 5</a:t>
@@ -32025,37 +32013,37 @@
               <a:buNone/>
             </a:pPr>
             <a:r>
-              <a:rPr lang="en-US" sz="4800" b="0" i="0" u="none" strike="noStrike" cap="none">
+              <a:rPr lang="en-US" sz="4800" u="none" strike="noStrike" cap="none">
                 <a:solidFill>
                   <a:schemeClr val="lt1"/>
                 </a:solidFill>
-                <a:latin typeface="Cabin"/>
-                <a:ea typeface="Cabin"/>
-                <a:cs typeface="Cabin"/>
+                <a:latin typeface="Arial" charset="0"/>
+                <a:ea typeface="Arial" charset="0"/>
+                <a:cs typeface="Arial" charset="0"/>
                 <a:sym typeface="Cabin"/>
               </a:rPr>
               <a:t>1 + </a:t>
             </a:r>
             <a:r>
-              <a:rPr lang="en-US" sz="4800" b="0" i="0" u="none" strike="noStrike" cap="none">
+              <a:rPr lang="en-US" sz="4800" u="none" strike="noStrike" cap="none">
                 <a:solidFill>
                   <a:srgbClr val="00FF00"/>
                 </a:solidFill>
-                <a:latin typeface="Cabin"/>
-                <a:ea typeface="Cabin"/>
-                <a:cs typeface="Cabin"/>
+                <a:latin typeface="Arial" charset="0"/>
+                <a:ea typeface="Arial" charset="0"/>
+                <a:cs typeface="Arial" charset="0"/>
                 <a:sym typeface="Cabin"/>
               </a:rPr>
               <a:t>8 / 4</a:t>
             </a:r>
             <a:r>
-              <a:rPr lang="en-US" sz="4800" b="0" i="0" u="none" strike="noStrike" cap="none">
+              <a:rPr lang="en-US" sz="4800" u="none" strike="noStrike" cap="none">
                 <a:solidFill>
                   <a:schemeClr val="lt1"/>
                 </a:solidFill>
-                <a:latin typeface="Cabin"/>
-                <a:ea typeface="Cabin"/>
-                <a:cs typeface="Cabin"/>
+                <a:latin typeface="Arial" charset="0"/>
+                <a:ea typeface="Arial" charset="0"/>
+                <a:cs typeface="Arial" charset="0"/>
                 <a:sym typeface="Cabin"/>
               </a:rPr>
               <a:t> * 5</a:t>
@@ -32132,25 +32120,25 @@
               <a:buNone/>
             </a:pPr>
             <a:r>
-              <a:rPr lang="en-US" sz="4800" b="0" i="0" u="none" strike="noStrike" cap="none">
+              <a:rPr lang="en-US" sz="4800" u="none" strike="noStrike" cap="none">
                 <a:solidFill>
                   <a:schemeClr val="lt1"/>
                 </a:solidFill>
-                <a:latin typeface="Cabin"/>
-                <a:ea typeface="Cabin"/>
-                <a:cs typeface="Cabin"/>
+                <a:latin typeface="Arial" charset="0"/>
+                <a:ea typeface="Arial" charset="0"/>
+                <a:cs typeface="Arial" charset="0"/>
                 <a:sym typeface="Cabin"/>
               </a:rPr>
               <a:t>1 + </a:t>
             </a:r>
             <a:r>
-              <a:rPr lang="en-US" sz="4800" b="0" i="0" u="none" strike="noStrike" cap="none">
+              <a:rPr lang="en-US" sz="4800" u="none" strike="noStrike" cap="none">
                 <a:solidFill>
                   <a:srgbClr val="00FF00"/>
                 </a:solidFill>
-                <a:latin typeface="Cabin"/>
-                <a:ea typeface="Cabin"/>
-                <a:cs typeface="Cabin"/>
+                <a:latin typeface="Arial" charset="0"/>
+                <a:ea typeface="Arial" charset="0"/>
+                <a:cs typeface="Arial" charset="0"/>
                 <a:sym typeface="Cabin"/>
               </a:rPr>
               <a:t>2 * 5</a:t>
@@ -32227,13 +32215,13 @@
               <a:buNone/>
             </a:pPr>
             <a:r>
-              <a:rPr lang="en-US" sz="4800" b="0" i="0" u="none" strike="noStrike" cap="none">
+              <a:rPr lang="en-US" sz="4800" u="none" strike="noStrike" cap="none">
                 <a:solidFill>
                   <a:srgbClr val="FF9900"/>
                 </a:solidFill>
-                <a:latin typeface="Cabin"/>
-                <a:ea typeface="Cabin"/>
-                <a:cs typeface="Cabin"/>
+                <a:latin typeface="Arial" charset="0"/>
+                <a:ea typeface="Arial" charset="0"/>
+                <a:cs typeface="Arial" charset="0"/>
                 <a:sym typeface="Cabin"/>
               </a:rPr>
               <a:t>1 + 10</a:t>
@@ -32310,13 +32298,13 @@
               <a:buNone/>
             </a:pPr>
             <a:r>
-              <a:rPr lang="en-US" sz="4800" b="0" i="0" u="none" strike="noStrike" cap="none">
+              <a:rPr lang="en-US" sz="4800" u="none" strike="noStrike" cap="none">
                 <a:solidFill>
                   <a:srgbClr val="FF9900"/>
                 </a:solidFill>
-                <a:latin typeface="Cabin"/>
-                <a:ea typeface="Cabin"/>
-                <a:cs typeface="Cabin"/>
+                <a:latin typeface="Arial" charset="0"/>
+                <a:ea typeface="Arial" charset="0"/>
+                <a:cs typeface="Arial" charset="0"/>
                 <a:sym typeface="Cabin"/>
               </a:rPr>
               <a:t>11</a:t>
@@ -32596,13 +32584,13 @@
               <a:buNone/>
             </a:pPr>
             <a:r>
-              <a:rPr lang="en-US" sz="7600" b="0" i="0" u="none" strike="noStrike" cap="none">
+              <a:rPr lang="en-US" sz="7600" u="none" strike="noStrike" cap="none">
                 <a:solidFill>
                   <a:srgbClr val="FFFF00"/>
                 </a:solidFill>
-                <a:latin typeface="Cabin"/>
-                <a:ea typeface="Cabin"/>
-                <a:cs typeface="Cabin"/>
+                <a:latin typeface="Arial" charset="0"/>
+                <a:ea typeface="Arial" charset="0"/>
+                <a:cs typeface="Arial" charset="0"/>
                 <a:sym typeface="Cabin"/>
               </a:rPr>
               <a:t>Operator Precedence</a:t>
@@ -32657,13 +32645,13 @@
               <a:buChar char="•"/>
             </a:pPr>
             <a:r>
-              <a:rPr lang="en-US" sz="3600" b="0" i="0" u="none" strike="noStrike" cap="none">
+              <a:rPr lang="en-US" sz="3600" u="none" strike="noStrike" cap="none">
                 <a:solidFill>
                   <a:schemeClr val="lt1"/>
                 </a:solidFill>
-                <a:latin typeface="Cabin"/>
-                <a:ea typeface="Cabin"/>
-                <a:cs typeface="Cabin"/>
+                <a:latin typeface="Arial" charset="0"/>
+                <a:ea typeface="Arial" charset="0"/>
+                <a:cs typeface="Arial" charset="0"/>
                 <a:sym typeface="Cabin"/>
               </a:rPr>
               <a:t>Remember the rules top to bottom</a:t>
@@ -32688,13 +32676,13 @@
               <a:buChar char="•"/>
             </a:pPr>
             <a:r>
-              <a:rPr lang="en-US" sz="3600" b="0" i="0" u="none" strike="noStrike" cap="none">
+              <a:rPr lang="en-US" sz="3600" u="none" strike="noStrike" cap="none">
                 <a:solidFill>
                   <a:schemeClr val="lt1"/>
                 </a:solidFill>
-                <a:latin typeface="Cabin"/>
-                <a:ea typeface="Cabin"/>
-                <a:cs typeface="Cabin"/>
+                <a:latin typeface="Arial" charset="0"/>
+                <a:ea typeface="Arial" charset="0"/>
+                <a:cs typeface="Arial" charset="0"/>
                 <a:sym typeface="Cabin"/>
               </a:rPr>
               <a:t>When writing code - use parenthesis</a:t>
@@ -32719,13 +32707,13 @@
               <a:buChar char="•"/>
             </a:pPr>
             <a:r>
-              <a:rPr lang="en-US" sz="3600" b="0" i="0" u="none" strike="noStrike" cap="none">
+              <a:rPr lang="en-US" sz="3600" u="none" strike="noStrike" cap="none">
                 <a:solidFill>
                   <a:schemeClr val="lt1"/>
                 </a:solidFill>
-                <a:latin typeface="Cabin"/>
-                <a:ea typeface="Cabin"/>
-                <a:cs typeface="Cabin"/>
+                <a:latin typeface="Arial" charset="0"/>
+                <a:ea typeface="Arial" charset="0"/>
+                <a:cs typeface="Arial" charset="0"/>
                 <a:sym typeface="Cabin"/>
               </a:rPr>
               <a:t>When writing code - keep mathematical expressions simple enough that they are easy to understand</a:t>
@@ -32750,13 +32738,13 @@
               <a:buChar char="•"/>
             </a:pPr>
             <a:r>
-              <a:rPr lang="en-US" sz="3600" b="0" i="0" u="none" strike="noStrike" cap="none">
+              <a:rPr lang="en-US" sz="3600" u="none" strike="noStrike" cap="none">
                 <a:solidFill>
                   <a:schemeClr val="lt1"/>
                 </a:solidFill>
-                <a:latin typeface="Cabin"/>
-                <a:ea typeface="Cabin"/>
-                <a:cs typeface="Cabin"/>
+                <a:latin typeface="Arial" charset="0"/>
+                <a:ea typeface="Arial" charset="0"/>
+                <a:cs typeface="Arial" charset="0"/>
                 <a:sym typeface="Cabin"/>
               </a:rPr>
               <a:t>Break long series of mathematical operations up to make them more clear</a:t>
@@ -32821,13 +32809,13 @@
                 <a:buNone/>
               </a:pPr>
               <a:r>
-                <a:rPr lang="en-US" sz="3100" b="0" i="0" u="none" strike="noStrike" cap="none">
+                <a:rPr lang="en-US" sz="3100" u="none" strike="noStrike" cap="none">
                   <a:solidFill>
                     <a:srgbClr val="FF00FF"/>
                   </a:solidFill>
-                  <a:latin typeface="Cabin"/>
-                  <a:ea typeface="Cabin"/>
-                  <a:cs typeface="Cabin"/>
+                  <a:latin typeface="Arial" charset="0"/>
+                  <a:ea typeface="Arial" charset="0"/>
+                  <a:cs typeface="Arial" charset="0"/>
                   <a:sym typeface="Cabin"/>
                 </a:rPr>
                 <a:t>Parenthesis</a:t>
@@ -32852,13 +32840,13 @@
                 <a:buNone/>
               </a:pPr>
               <a:r>
-                <a:rPr lang="en-US" sz="3100" b="0" i="0" u="none" strike="noStrike" cap="none">
+                <a:rPr lang="en-US" sz="3100" u="none" strike="noStrike" cap="none">
                   <a:solidFill>
                     <a:srgbClr val="00FFFF"/>
                   </a:solidFill>
-                  <a:latin typeface="Cabin"/>
-                  <a:ea typeface="Cabin"/>
-                  <a:cs typeface="Cabin"/>
+                  <a:latin typeface="Arial" charset="0"/>
+                  <a:ea typeface="Arial" charset="0"/>
+                  <a:cs typeface="Arial" charset="0"/>
                   <a:sym typeface="Cabin"/>
                 </a:rPr>
                 <a:t>Power</a:t>
@@ -32883,13 +32871,13 @@
                 <a:buNone/>
               </a:pPr>
               <a:r>
-                <a:rPr lang="en-US" sz="3100" b="0" i="0" u="none" strike="noStrike" cap="none">
+                <a:rPr lang="en-US" sz="3100" u="none" strike="noStrike" cap="none">
                   <a:solidFill>
                     <a:srgbClr val="00FF00"/>
                   </a:solidFill>
-                  <a:latin typeface="Cabin"/>
-                  <a:ea typeface="Cabin"/>
-                  <a:cs typeface="Cabin"/>
+                  <a:latin typeface="Arial" charset="0"/>
+                  <a:ea typeface="Arial" charset="0"/>
+                  <a:cs typeface="Arial" charset="0"/>
                   <a:sym typeface="Cabin"/>
                 </a:rPr>
                 <a:t>Multiplication</a:t>
@@ -32914,13 +32902,13 @@
                 <a:buNone/>
               </a:pPr>
               <a:r>
-                <a:rPr lang="en-US" sz="3100" b="0" i="0" u="none" strike="noStrike" cap="none">
+                <a:rPr lang="en-US" sz="3100" u="none" strike="noStrike" cap="none">
                   <a:solidFill>
                     <a:srgbClr val="FF9900"/>
                   </a:solidFill>
-                  <a:latin typeface="Cabin"/>
-                  <a:ea typeface="Cabin"/>
-                  <a:cs typeface="Cabin"/>
+                  <a:latin typeface="Arial" charset="0"/>
+                  <a:ea typeface="Arial" charset="0"/>
+                  <a:cs typeface="Arial" charset="0"/>
                   <a:sym typeface="Cabin"/>
                 </a:rPr>
                 <a:t>Addition</a:t>
@@ -32945,13 +32933,13 @@
                 <a:buNone/>
               </a:pPr>
               <a:r>
-                <a:rPr lang="en-US" sz="3100" b="0" i="0" u="none" strike="noStrike" cap="none">
+                <a:rPr lang="en-US" sz="3100" u="none" strike="noStrike" cap="none">
                   <a:solidFill>
                     <a:srgbClr val="FFFF00"/>
                   </a:solidFill>
-                  <a:latin typeface="Cabin"/>
-                  <a:ea typeface="Cabin"/>
-                  <a:cs typeface="Cabin"/>
+                  <a:latin typeface="Arial" charset="0"/>
+                  <a:ea typeface="Arial" charset="0"/>
+                  <a:cs typeface="Arial" charset="0"/>
                   <a:sym typeface="Cabin"/>
                 </a:rPr>
                 <a:t>Left to Right</a:t>
@@ -33029,13 +33017,13 @@
               <a:buNone/>
             </a:pPr>
             <a:r>
-              <a:rPr lang="en-US" sz="3600" b="0" i="0" u="none" strike="noStrike" cap="none">
+              <a:rPr lang="en-US" sz="3600" u="none" strike="noStrike" cap="none">
                 <a:solidFill>
                   <a:srgbClr val="FFFF00"/>
                 </a:solidFill>
-                <a:latin typeface="Cabin"/>
-                <a:ea typeface="Cabin"/>
-                <a:cs typeface="Cabin"/>
+                <a:latin typeface="Arial" charset="0"/>
+                <a:ea typeface="Arial" charset="0"/>
+                <a:cs typeface="Arial" charset="0"/>
                 <a:sym typeface="Cabin"/>
               </a:rPr>
               <a:t>Exam Question:  x = 1 + 2 * 3 - 4 / 5</a:t>
@@ -33115,13 +33103,13 @@
               <a:buNone/>
             </a:pPr>
             <a:r>
-              <a:rPr lang="en-US" sz="7600" b="0" i="0" u="none" strike="noStrike" cap="none">
+              <a:rPr lang="en-US" sz="7600" u="none" strike="noStrike" cap="none">
                 <a:solidFill>
                   <a:srgbClr val="FFFF00"/>
                 </a:solidFill>
-                <a:latin typeface="Cabin"/>
-                <a:ea typeface="Cabin"/>
-                <a:cs typeface="Cabin"/>
+                <a:latin typeface="Arial" charset="0"/>
+                <a:ea typeface="Arial" charset="0"/>
+                <a:cs typeface="Arial" charset="0"/>
                 <a:sym typeface="Cabin"/>
               </a:rPr>
               <a:t>Python Integer Division is Weird!</a:t>
@@ -33176,13 +33164,13 @@
               <a:buChar char="•"/>
             </a:pPr>
             <a:r>
-              <a:rPr lang="en-US" sz="3600" b="0" i="0" u="none" strike="noStrike" cap="none">
+              <a:rPr lang="en-US" sz="3600" u="none" strike="noStrike" cap="none">
                 <a:solidFill>
                   <a:schemeClr val="lt1"/>
                 </a:solidFill>
-                <a:latin typeface="Cabin"/>
-                <a:ea typeface="Cabin"/>
-                <a:cs typeface="Cabin"/>
+                <a:latin typeface="Arial" charset="0"/>
+                <a:ea typeface="Arial" charset="0"/>
+                <a:cs typeface="Arial" charset="0"/>
                 <a:sym typeface="Cabin"/>
               </a:rPr>
               <a:t>Integer division truncates</a:t>
@@ -33207,13 +33195,13 @@
               <a:buChar char="•"/>
             </a:pPr>
             <a:r>
-              <a:rPr lang="en-US" sz="3600" b="0" i="0" u="none" strike="noStrike" cap="none">
+              <a:rPr lang="en-US" sz="3600" u="none" strike="noStrike" cap="none">
                 <a:solidFill>
                   <a:schemeClr val="lt1"/>
                 </a:solidFill>
-                <a:latin typeface="Cabin"/>
-                <a:ea typeface="Cabin"/>
-                <a:cs typeface="Cabin"/>
+                <a:latin typeface="Arial" charset="0"/>
+                <a:ea typeface="Arial" charset="0"/>
+                <a:cs typeface="Arial" charset="0"/>
                 <a:sym typeface="Cabin"/>
               </a:rPr>
               <a:t>Floating point division produces floating point numbers</a:t>
@@ -33840,13 +33828,13 @@
               <a:buNone/>
             </a:pPr>
             <a:r>
-              <a:rPr lang="en-US" sz="3600" b="0" i="0" u="none" strike="noStrike" cap="none">
+              <a:rPr lang="en-US" sz="3600" u="none" strike="noStrike" cap="none">
                 <a:solidFill>
                   <a:srgbClr val="FFFF00"/>
                 </a:solidFill>
-                <a:latin typeface="Cabin"/>
-                <a:ea typeface="Cabin"/>
-                <a:cs typeface="Cabin"/>
+                <a:latin typeface="Arial" charset="0"/>
+                <a:ea typeface="Arial" charset="0"/>
+                <a:cs typeface="Arial" charset="0"/>
                 <a:sym typeface="Cabin"/>
               </a:rPr>
               <a:t>This changes in Python 3.0</a:t>
@@ -33926,13 +33914,13 @@
               <a:buNone/>
             </a:pPr>
             <a:r>
-              <a:rPr lang="en-US" sz="7600" b="0" i="0" u="none" strike="noStrike" cap="none">
+              <a:rPr lang="en-US" sz="7600" u="none" strike="noStrike" cap="none">
                 <a:solidFill>
                   <a:srgbClr val="FFFF00"/>
                 </a:solidFill>
-                <a:latin typeface="Cabin"/>
-                <a:ea typeface="Cabin"/>
-                <a:cs typeface="Cabin"/>
+                <a:latin typeface="Arial" charset="0"/>
+                <a:ea typeface="Arial" charset="0"/>
+                <a:cs typeface="Arial" charset="0"/>
                 <a:sym typeface="Cabin"/>
               </a:rPr>
               <a:t>Mixing Integer and Floating</a:t>
@@ -33987,13 +33975,13 @@
               <a:buChar char="•"/>
             </a:pPr>
             <a:r>
-              <a:rPr lang="en-US" sz="3600" b="0" i="0" u="none" strike="noStrike" cap="none">
+              <a:rPr lang="en-US" sz="3600" u="none" strike="noStrike" cap="none">
                 <a:solidFill>
                   <a:schemeClr val="lt1"/>
                 </a:solidFill>
-                <a:latin typeface="Cabin"/>
-                <a:ea typeface="Cabin"/>
-                <a:cs typeface="Cabin"/>
+                <a:latin typeface="Arial" charset="0"/>
+                <a:ea typeface="Arial" charset="0"/>
+                <a:cs typeface="Arial" charset="0"/>
                 <a:sym typeface="Cabin"/>
               </a:rPr>
               <a:t>When you perform an operation where one operand is an integer and the other operand is a floating point, the result is a floating point</a:t>
@@ -34018,13 +34006,13 @@
               <a:buChar char="•"/>
             </a:pPr>
             <a:r>
-              <a:rPr lang="en-US" sz="3600" b="0" i="0" u="none" strike="noStrike" cap="none">
+              <a:rPr lang="en-US" sz="3600" u="none" strike="noStrike" cap="none">
                 <a:solidFill>
                   <a:schemeClr val="lt1"/>
                 </a:solidFill>
-                <a:latin typeface="Cabin"/>
-                <a:ea typeface="Cabin"/>
-                <a:cs typeface="Cabin"/>
+                <a:latin typeface="Arial" charset="0"/>
+                <a:ea typeface="Arial" charset="0"/>
+                <a:cs typeface="Arial" charset="0"/>
                 <a:sym typeface="Cabin"/>
               </a:rPr>
               <a:t>The integer is converted to a floating point before the operation</a:t>
@@ -34673,13 +34661,13 @@
               <a:buNone/>
             </a:pPr>
             <a:r>
-              <a:rPr lang="en-US" sz="7600" b="0" i="0" u="none" strike="noStrike" cap="none">
+              <a:rPr lang="en-US" sz="7600" u="none" strike="noStrike" cap="none">
                 <a:solidFill>
                   <a:srgbClr val="FFFF00"/>
                 </a:solidFill>
-                <a:latin typeface="Cabin"/>
-                <a:ea typeface="Cabin"/>
-                <a:cs typeface="Cabin"/>
+                <a:latin typeface="Arial" charset="0"/>
+                <a:ea typeface="Arial" charset="0"/>
+                <a:cs typeface="Arial" charset="0"/>
                 <a:sym typeface="Cabin"/>
               </a:rPr>
               <a:t>What does </a:t>
@@ -34697,13 +34685,13 @@
               <a:t>“</a:t>
             </a:r>
             <a:r>
-              <a:rPr lang="en-US" sz="7600" b="0" i="0" u="none" strike="noStrike" cap="none">
+              <a:rPr lang="en-US" sz="7600" u="none" strike="noStrike" cap="none">
                 <a:solidFill>
                   <a:srgbClr val="FFFF00"/>
                 </a:solidFill>
-                <a:latin typeface="Cabin"/>
-                <a:ea typeface="Cabin"/>
-                <a:cs typeface="Cabin"/>
+                <a:latin typeface="Arial" charset="0"/>
+                <a:ea typeface="Arial" charset="0"/>
+                <a:cs typeface="Arial" charset="0"/>
                 <a:sym typeface="Cabin"/>
               </a:rPr>
               <a:t>Type</a:t>
@@ -34721,13 +34709,13 @@
               <a:t>”</a:t>
             </a:r>
             <a:r>
-              <a:rPr lang="en-US" sz="7600" b="0" i="0" u="none" strike="noStrike" cap="none">
+              <a:rPr lang="en-US" sz="7600" u="none" strike="noStrike" cap="none">
                 <a:solidFill>
                   <a:srgbClr val="FFFF00"/>
                 </a:solidFill>
-                <a:latin typeface="Cabin"/>
-                <a:ea typeface="Cabin"/>
-                <a:cs typeface="Cabin"/>
+                <a:latin typeface="Arial" charset="0"/>
+                <a:ea typeface="Arial" charset="0"/>
+                <a:cs typeface="Arial" charset="0"/>
                 <a:sym typeface="Cabin"/>
               </a:rPr>
               <a:t> Mean?</a:t>
@@ -34782,13 +34770,13 @@
               <a:buChar char="•"/>
             </a:pPr>
             <a:r>
-              <a:rPr lang="en-US" sz="3600" b="0" i="0" u="none" strike="noStrike" cap="none">
+              <a:rPr lang="en-US" sz="3600" u="none" strike="noStrike" cap="none">
                 <a:solidFill>
                   <a:schemeClr val="lt1"/>
                 </a:solidFill>
-                <a:latin typeface="Cabin"/>
-                <a:ea typeface="Cabin"/>
-                <a:cs typeface="Cabin"/>
+                <a:latin typeface="Arial" charset="0"/>
+                <a:ea typeface="Arial" charset="0"/>
+                <a:cs typeface="Arial" charset="0"/>
                 <a:sym typeface="Cabin"/>
               </a:rPr>
               <a:t>In Python variables, literals and constants have a </a:t>
@@ -34806,13 +34794,13 @@
               <a:t>“</a:t>
             </a:r>
             <a:r>
-              <a:rPr lang="en-US" sz="3600" b="0" i="0" u="none" strike="noStrike" cap="none">
+              <a:rPr lang="en-US" sz="3600" u="none" strike="noStrike" cap="none">
                 <a:solidFill>
                   <a:srgbClr val="00FF00"/>
                 </a:solidFill>
-                <a:latin typeface="Cabin"/>
-                <a:ea typeface="Cabin"/>
-                <a:cs typeface="Cabin"/>
+                <a:latin typeface="Arial" charset="0"/>
+                <a:ea typeface="Arial" charset="0"/>
+                <a:cs typeface="Arial" charset="0"/>
                 <a:sym typeface="Cabin"/>
               </a:rPr>
               <a:t>type</a:t>
@@ -34849,37 +34837,37 @@
               <a:buChar char="•"/>
             </a:pPr>
             <a:r>
-              <a:rPr lang="en-US" sz="3600" b="0" i="0" u="none" strike="noStrike" cap="none">
+              <a:rPr lang="en-US" sz="3600" u="none" strike="noStrike" cap="none">
                 <a:solidFill>
                   <a:schemeClr val="lt1"/>
                 </a:solidFill>
-                <a:latin typeface="Cabin"/>
-                <a:ea typeface="Cabin"/>
-                <a:cs typeface="Cabin"/>
+                <a:latin typeface="Arial" charset="0"/>
+                <a:ea typeface="Arial" charset="0"/>
+                <a:cs typeface="Arial" charset="0"/>
                 <a:sym typeface="Cabin"/>
               </a:rPr>
               <a:t>Python knows the </a:t>
             </a:r>
             <a:r>
-              <a:rPr lang="en-US" sz="3600" b="0" i="0" u="none" strike="noStrike" cap="none">
+              <a:rPr lang="en-US" sz="3600" u="none" strike="noStrike" cap="none">
                 <a:solidFill>
                   <a:srgbClr val="00FF00"/>
                 </a:solidFill>
-                <a:latin typeface="Cabin"/>
-                <a:ea typeface="Cabin"/>
-                <a:cs typeface="Cabin"/>
+                <a:latin typeface="Arial" charset="0"/>
+                <a:ea typeface="Arial" charset="0"/>
+                <a:cs typeface="Arial" charset="0"/>
                 <a:sym typeface="Cabin"/>
               </a:rPr>
               <a:t>difference</a:t>
             </a:r>
             <a:r>
-              <a:rPr lang="en-US" sz="3600" b="0" i="0" u="none" strike="noStrike" cap="none">
+              <a:rPr lang="en-US" sz="3600" u="none" strike="noStrike" cap="none">
                 <a:solidFill>
                   <a:schemeClr val="lt1"/>
                 </a:solidFill>
-                <a:latin typeface="Cabin"/>
-                <a:ea typeface="Cabin"/>
-                <a:cs typeface="Cabin"/>
+                <a:latin typeface="Arial" charset="0"/>
+                <a:ea typeface="Arial" charset="0"/>
+                <a:cs typeface="Arial" charset="0"/>
                 <a:sym typeface="Cabin"/>
               </a:rPr>
               <a:t> between an integer number and a string</a:t>
@@ -34904,13 +34892,13 @@
               <a:buChar char="•"/>
             </a:pPr>
             <a:r>
-              <a:rPr lang="en-US" sz="3600" b="0" i="0" u="none" strike="noStrike" cap="none">
+              <a:rPr lang="en-US" sz="3600" u="none" strike="noStrike" cap="none">
                 <a:solidFill>
                   <a:schemeClr val="lt1"/>
                 </a:solidFill>
-                <a:latin typeface="Cabin"/>
-                <a:ea typeface="Cabin"/>
-                <a:cs typeface="Cabin"/>
+                <a:latin typeface="Arial" charset="0"/>
+                <a:ea typeface="Arial" charset="0"/>
+                <a:cs typeface="Arial" charset="0"/>
                 <a:sym typeface="Cabin"/>
               </a:rPr>
               <a:t>For example </a:t>
@@ -34928,13 +34916,13 @@
               <a:t>“</a:t>
             </a:r>
             <a:r>
-              <a:rPr lang="en-US" sz="3600" b="0" i="0" u="none" strike="noStrike" cap="none">
+              <a:rPr lang="en-US" sz="3600" u="none" strike="noStrike" cap="none">
                 <a:solidFill>
                   <a:srgbClr val="00FFFF"/>
                 </a:solidFill>
-                <a:latin typeface="Cabin"/>
-                <a:ea typeface="Cabin"/>
-                <a:cs typeface="Cabin"/>
+                <a:latin typeface="Arial" charset="0"/>
+                <a:ea typeface="Arial" charset="0"/>
+                <a:cs typeface="Arial" charset="0"/>
                 <a:sym typeface="Cabin"/>
               </a:rPr>
               <a:t>+</a:t>
@@ -34952,13 +34940,13 @@
               <a:t>”</a:t>
             </a:r>
             <a:r>
-              <a:rPr lang="en-US" sz="3600" b="0" i="0" u="none" strike="noStrike" cap="none">
+              <a:rPr lang="en-US" sz="3600" u="none" strike="noStrike" cap="none">
                 <a:solidFill>
                   <a:schemeClr val="lt1"/>
                 </a:solidFill>
-                <a:latin typeface="Cabin"/>
-                <a:ea typeface="Cabin"/>
-                <a:cs typeface="Cabin"/>
+                <a:latin typeface="Arial" charset="0"/>
+                <a:ea typeface="Arial" charset="0"/>
+                <a:cs typeface="Arial" charset="0"/>
                 <a:sym typeface="Cabin"/>
               </a:rPr>
               <a:t> means </a:t>
@@ -34976,13 +34964,13 @@
               <a:t>“</a:t>
             </a:r>
             <a:r>
-              <a:rPr lang="en-US" sz="3600" b="0" i="0" u="none" strike="noStrike" cap="none">
+              <a:rPr lang="en-US" sz="3600" u="none" strike="noStrike" cap="none">
                 <a:solidFill>
                   <a:schemeClr val="lt1"/>
                 </a:solidFill>
-                <a:latin typeface="Cabin"/>
-                <a:ea typeface="Cabin"/>
-                <a:cs typeface="Cabin"/>
+                <a:latin typeface="Arial" charset="0"/>
+                <a:ea typeface="Arial" charset="0"/>
+                <a:cs typeface="Arial" charset="0"/>
                 <a:sym typeface="Cabin"/>
               </a:rPr>
               <a:t>addition</a:t>
@@ -35000,13 +34988,13 @@
               <a:t>”</a:t>
             </a:r>
             <a:r>
-              <a:rPr lang="en-US" sz="3600" b="0" i="0" u="none" strike="noStrike" cap="none">
+              <a:rPr lang="en-US" sz="3600" u="none" strike="noStrike" cap="none">
                 <a:solidFill>
                   <a:schemeClr val="lt1"/>
                 </a:solidFill>
-                <a:latin typeface="Cabin"/>
-                <a:ea typeface="Cabin"/>
-                <a:cs typeface="Cabin"/>
+                <a:latin typeface="Arial" charset="0"/>
+                <a:ea typeface="Arial" charset="0"/>
+                <a:cs typeface="Arial" charset="0"/>
                 <a:sym typeface="Cabin"/>
               </a:rPr>
               <a:t> if something is a number and </a:t>
@@ -35024,13 +35012,13 @@
               <a:t>“</a:t>
             </a:r>
             <a:r>
-              <a:rPr lang="en-US" sz="3600" b="0" i="0" u="none" strike="noStrike" cap="none">
+              <a:rPr lang="en-US" sz="3600" u="none" strike="noStrike" cap="none">
                 <a:solidFill>
                   <a:schemeClr val="lt1"/>
                 </a:solidFill>
-                <a:latin typeface="Cabin"/>
-                <a:ea typeface="Cabin"/>
-                <a:cs typeface="Cabin"/>
+                <a:latin typeface="Arial" charset="0"/>
+                <a:ea typeface="Arial" charset="0"/>
+                <a:cs typeface="Arial" charset="0"/>
                 <a:sym typeface="Cabin"/>
               </a:rPr>
               <a:t>concatenate</a:t>
@@ -35048,13 +35036,13 @@
               <a:t>”</a:t>
             </a:r>
             <a:r>
-              <a:rPr lang="en-US" sz="3600" b="0" i="0" u="none" strike="noStrike" cap="none">
+              <a:rPr lang="en-US" sz="3600" u="none" strike="noStrike" cap="none">
                 <a:solidFill>
                   <a:schemeClr val="lt1"/>
                 </a:solidFill>
-                <a:latin typeface="Cabin"/>
-                <a:ea typeface="Cabin"/>
-                <a:cs typeface="Cabin"/>
+                <a:latin typeface="Arial" charset="0"/>
+                <a:ea typeface="Arial" charset="0"/>
+                <a:cs typeface="Arial" charset="0"/>
                 <a:sym typeface="Cabin"/>
               </a:rPr>
               <a:t> if something is a string </a:t>
@@ -35317,13 +35305,13 @@
               <a:buNone/>
             </a:pPr>
             <a:r>
-              <a:rPr lang="en-US" sz="3600" b="0" i="0" u="none" strike="noStrike" cap="none">
+              <a:rPr lang="en-US" sz="3600" u="none" strike="noStrike" cap="none">
                 <a:solidFill>
                   <a:schemeClr val="lt1"/>
                 </a:solidFill>
-                <a:latin typeface="Cabin"/>
-                <a:ea typeface="Cabin"/>
-                <a:cs typeface="Cabin"/>
+                <a:latin typeface="Arial" charset="0"/>
+                <a:ea typeface="Arial" charset="0"/>
+                <a:cs typeface="Arial" charset="0"/>
                 <a:sym typeface="Cabin"/>
               </a:rPr>
               <a:t>concatenate = put together</a:t>
@@ -35403,13 +35391,13 @@
               <a:buNone/>
             </a:pPr>
             <a:r>
-              <a:rPr lang="en-US" sz="7800" b="0" i="0" u="none" strike="noStrike" cap="none">
+              <a:rPr lang="en-US" sz="7800" u="none" strike="noStrike" cap="none">
                 <a:solidFill>
                   <a:srgbClr val="FFFF00"/>
                 </a:solidFill>
-                <a:latin typeface="Cabin"/>
-                <a:ea typeface="Cabin"/>
-                <a:cs typeface="Cabin"/>
+                <a:latin typeface="Arial" charset="0"/>
+                <a:ea typeface="Arial" charset="0"/>
+                <a:cs typeface="Arial" charset="0"/>
                 <a:sym typeface="Cabin"/>
               </a:rPr>
               <a:t>Constants</a:t>
@@ -35464,25 +35452,25 @@
               <a:buChar char="•"/>
             </a:pPr>
             <a:r>
-              <a:rPr lang="en-US" sz="3600" b="0" i="0" u="none" strike="noStrike" cap="none">
+              <a:rPr lang="en-US" sz="3600" u="none" strike="noStrike" cap="none">
                 <a:solidFill>
                   <a:srgbClr val="FF9900"/>
                 </a:solidFill>
-                <a:latin typeface="Cabin"/>
-                <a:ea typeface="Cabin"/>
-                <a:cs typeface="Cabin"/>
+                <a:latin typeface="Arial" charset="0"/>
+                <a:ea typeface="Arial" charset="0"/>
+                <a:cs typeface="Arial" charset="0"/>
                 <a:sym typeface="Cabin"/>
               </a:rPr>
               <a:t>Fixed values </a:t>
             </a:r>
             <a:r>
-              <a:rPr lang="en-US" sz="3600" b="0" i="0" u="none" strike="noStrike" cap="none">
+              <a:rPr lang="en-US" sz="3600" u="none" strike="noStrike" cap="none">
                 <a:solidFill>
                   <a:srgbClr val="FFFFFF"/>
                 </a:solidFill>
-                <a:latin typeface="Cabin"/>
-                <a:ea typeface="Cabin"/>
-                <a:cs typeface="Cabin"/>
+                <a:latin typeface="Arial" charset="0"/>
+                <a:ea typeface="Arial" charset="0"/>
+                <a:cs typeface="Arial" charset="0"/>
                 <a:sym typeface="Cabin"/>
               </a:rPr>
               <a:t>such as numbers, letters, and strings are called </a:t>
@@ -35500,13 +35488,13 @@
               <a:t>“</a:t>
             </a:r>
             <a:r>
-              <a:rPr lang="en-US" sz="3600" b="0" i="0" u="none" strike="noStrike" cap="none">
+              <a:rPr lang="en-US" sz="3600" u="none" strike="noStrike" cap="none">
                 <a:solidFill>
                   <a:srgbClr val="FF9900"/>
                 </a:solidFill>
-                <a:latin typeface="Cabin"/>
-                <a:ea typeface="Cabin"/>
-                <a:cs typeface="Cabin"/>
+                <a:latin typeface="Arial" charset="0"/>
+                <a:ea typeface="Arial" charset="0"/>
+                <a:cs typeface="Arial" charset="0"/>
                 <a:sym typeface="Cabin"/>
               </a:rPr>
               <a:t>constants</a:t>
@@ -35524,25 +35512,25 @@
               <a:t>”</a:t>
             </a:r>
             <a:r>
-              <a:rPr lang="en-US" sz="3600" b="0" i="0" u="none" strike="noStrike" cap="none">
+              <a:rPr lang="en-US" sz="3600" u="none" strike="noStrike" cap="none">
                 <a:solidFill>
                   <a:srgbClr val="FF9900"/>
                 </a:solidFill>
-                <a:latin typeface="Cabin"/>
-                <a:ea typeface="Cabin"/>
-                <a:cs typeface="Cabin"/>
+                <a:latin typeface="Arial" charset="0"/>
+                <a:ea typeface="Arial" charset="0"/>
+                <a:cs typeface="Arial" charset="0"/>
                 <a:sym typeface="Cabin"/>
               </a:rPr>
               <a:t> </a:t>
             </a:r>
             <a:r>
-              <a:rPr lang="en-US" sz="3600" b="0" i="0" u="none" strike="noStrike" cap="none">
+              <a:rPr lang="en-US" sz="3600" u="none" strike="noStrike" cap="none">
                 <a:solidFill>
                   <a:srgbClr val="FFFFFF"/>
                 </a:solidFill>
-                <a:latin typeface="Cabin"/>
-                <a:ea typeface="Cabin"/>
-                <a:cs typeface="Cabin"/>
+                <a:latin typeface="Arial" charset="0"/>
+                <a:ea typeface="Arial" charset="0"/>
+                <a:cs typeface="Arial" charset="0"/>
                 <a:sym typeface="Cabin"/>
               </a:rPr>
               <a:t>because their value does not change</a:t>
@@ -35567,37 +35555,37 @@
               <a:buChar char="•"/>
             </a:pPr>
             <a:r>
-              <a:rPr lang="en-US" sz="3600" b="0" i="0" u="none" strike="noStrike" cap="none">
+              <a:rPr lang="en-US" sz="3600" u="none" strike="noStrike" cap="none">
                 <a:solidFill>
                   <a:schemeClr val="lt1"/>
                 </a:solidFill>
-                <a:latin typeface="Cabin"/>
-                <a:ea typeface="Cabin"/>
-                <a:cs typeface="Cabin"/>
+                <a:latin typeface="Arial" charset="0"/>
+                <a:ea typeface="Arial" charset="0"/>
+                <a:cs typeface="Arial" charset="0"/>
                 <a:sym typeface="Cabin"/>
               </a:rPr>
               <a:t>Numeric </a:t>
             </a:r>
             <a:r>
-              <a:rPr lang="en-US" sz="3600" b="0" i="0" u="none" strike="noStrike" cap="none">
+              <a:rPr lang="en-US" sz="3600" u="none" strike="noStrike" cap="none">
                 <a:solidFill>
                   <a:srgbClr val="FF9900"/>
                 </a:solidFill>
-                <a:latin typeface="Cabin"/>
-                <a:ea typeface="Cabin"/>
-                <a:cs typeface="Cabin"/>
+                <a:latin typeface="Arial" charset="0"/>
+                <a:ea typeface="Arial" charset="0"/>
+                <a:cs typeface="Arial" charset="0"/>
                 <a:sym typeface="Cabin"/>
               </a:rPr>
               <a:t>constants</a:t>
             </a:r>
             <a:r>
-              <a:rPr lang="en-US" sz="3600" b="0" i="0" u="none" strike="noStrike" cap="none">
+              <a:rPr lang="en-US" sz="3600" u="none" strike="noStrike" cap="none">
                 <a:solidFill>
                   <a:schemeClr val="lt1"/>
                 </a:solidFill>
-                <a:latin typeface="Cabin"/>
-                <a:ea typeface="Cabin"/>
-                <a:cs typeface="Cabin"/>
+                <a:latin typeface="Arial" charset="0"/>
+                <a:ea typeface="Arial" charset="0"/>
+                <a:cs typeface="Arial" charset="0"/>
                 <a:sym typeface="Cabin"/>
               </a:rPr>
               <a:t> are as you expect</a:t>
@@ -35622,37 +35610,37 @@
               <a:buChar char="•"/>
             </a:pPr>
             <a:r>
-              <a:rPr lang="en-US" sz="3600" b="0" i="0" u="none" strike="noStrike" cap="none">
+              <a:rPr lang="en-US" sz="3600" u="none" strike="noStrike" cap="none">
                 <a:solidFill>
                   <a:schemeClr val="lt1"/>
                 </a:solidFill>
-                <a:latin typeface="Cabin"/>
-                <a:ea typeface="Cabin"/>
-                <a:cs typeface="Cabin"/>
+                <a:latin typeface="Arial" charset="0"/>
+                <a:ea typeface="Arial" charset="0"/>
+                <a:cs typeface="Arial" charset="0"/>
                 <a:sym typeface="Cabin"/>
               </a:rPr>
               <a:t>String </a:t>
             </a:r>
             <a:r>
-              <a:rPr lang="en-US" sz="3600" b="0" i="0" u="none" strike="noStrike" cap="none">
+              <a:rPr lang="en-US" sz="3600" u="none" strike="noStrike" cap="none">
                 <a:solidFill>
                   <a:srgbClr val="FF9900"/>
                 </a:solidFill>
-                <a:latin typeface="Cabin"/>
-                <a:ea typeface="Cabin"/>
-                <a:cs typeface="Cabin"/>
+                <a:latin typeface="Arial" charset="0"/>
+                <a:ea typeface="Arial" charset="0"/>
+                <a:cs typeface="Arial" charset="0"/>
                 <a:sym typeface="Cabin"/>
               </a:rPr>
               <a:t>constants</a:t>
             </a:r>
             <a:r>
-              <a:rPr lang="en-US" sz="3600" b="0" i="0" u="none" strike="noStrike" cap="none">
+              <a:rPr lang="en-US" sz="3600" u="none" strike="noStrike" cap="none">
                 <a:solidFill>
                   <a:schemeClr val="lt1"/>
                 </a:solidFill>
-                <a:latin typeface="Cabin"/>
-                <a:ea typeface="Cabin"/>
-                <a:cs typeface="Cabin"/>
+                <a:latin typeface="Arial" charset="0"/>
+                <a:ea typeface="Arial" charset="0"/>
+                <a:cs typeface="Arial" charset="0"/>
                 <a:sym typeface="Cabin"/>
               </a:rPr>
               <a:t> use single</a:t>
@@ -35662,44 +35650,44 @@
                 <a:solidFill>
                   <a:schemeClr val="lt1"/>
                 </a:solidFill>
-                <a:latin typeface="Cabin"/>
-                <a:ea typeface="Cabin"/>
-                <a:cs typeface="Cabin"/>
+                <a:latin typeface="Arial" charset="0"/>
+                <a:ea typeface="Arial" charset="0"/>
+                <a:cs typeface="Arial" charset="0"/>
                 <a:sym typeface="Cabin"/>
               </a:rPr>
               <a:t> </a:t>
             </a:r>
             <a:r>
-              <a:rPr lang="en-US" sz="3600" b="0" i="0" u="none" strike="noStrike" cap="none">
+              <a:rPr lang="en-US" sz="3600" u="none" strike="noStrike" cap="none">
                 <a:solidFill>
                   <a:schemeClr val="lt1"/>
                 </a:solidFill>
-                <a:latin typeface="Cabin"/>
-                <a:ea typeface="Cabin"/>
-                <a:cs typeface="Cabin"/>
+                <a:latin typeface="Arial" charset="0"/>
+                <a:ea typeface="Arial" charset="0"/>
+                <a:cs typeface="Arial" charset="0"/>
                 <a:sym typeface="Cabin"/>
               </a:rPr>
               <a:t>quotes (')</a:t>
             </a:r>
             <a:br>
-              <a:rPr lang="en-US" sz="3600" b="0" i="0" u="none" strike="noStrike" cap="none">
+              <a:rPr lang="en-US" sz="3600" u="none" strike="noStrike" cap="none">
                 <a:solidFill>
                   <a:schemeClr val="lt1"/>
                 </a:solidFill>
-                <a:latin typeface="Cabin"/>
-                <a:ea typeface="Cabin"/>
-                <a:cs typeface="Cabin"/>
+                <a:latin typeface="Arial" charset="0"/>
+                <a:ea typeface="Arial" charset="0"/>
+                <a:cs typeface="Arial" charset="0"/>
                 <a:sym typeface="Cabin"/>
               </a:rPr>
             </a:br>
             <a:r>
-              <a:rPr lang="en-US" sz="3600" b="0" i="0" u="none" strike="noStrike" cap="none">
+              <a:rPr lang="en-US" sz="3600" u="none" strike="noStrike" cap="none">
                 <a:solidFill>
                   <a:schemeClr val="lt1"/>
                 </a:solidFill>
-                <a:latin typeface="Cabin"/>
-                <a:ea typeface="Cabin"/>
-                <a:cs typeface="Cabin"/>
+                <a:latin typeface="Arial" charset="0"/>
+                <a:ea typeface="Arial" charset="0"/>
+                <a:cs typeface="Arial" charset="0"/>
                 <a:sym typeface="Cabin"/>
               </a:rPr>
               <a:t>or double</a:t>
@@ -35709,43 +35697,43 @@
                 <a:solidFill>
                   <a:schemeClr val="lt1"/>
                 </a:solidFill>
-                <a:latin typeface="Cabin"/>
-                <a:ea typeface="Cabin"/>
-                <a:cs typeface="Cabin"/>
+                <a:latin typeface="Arial" charset="0"/>
+                <a:ea typeface="Arial" charset="0"/>
+                <a:cs typeface="Arial" charset="0"/>
                 <a:sym typeface="Cabin"/>
               </a:rPr>
               <a:t> </a:t>
             </a:r>
             <a:r>
-              <a:rPr lang="en-US" sz="3600" b="0" i="0" u="none" strike="noStrike" cap="none">
+              <a:rPr lang="en-US" sz="3600" u="none" strike="noStrike" cap="none">
                 <a:solidFill>
                   <a:schemeClr val="lt1"/>
                 </a:solidFill>
-                <a:latin typeface="Cabin"/>
-                <a:ea typeface="Cabin"/>
-                <a:cs typeface="Cabin"/>
+                <a:latin typeface="Arial" charset="0"/>
+                <a:ea typeface="Arial" charset="0"/>
+                <a:cs typeface="Arial" charset="0"/>
                 <a:sym typeface="Cabin"/>
               </a:rPr>
               <a:t>quotes (")</a:t>
             </a:r>
             <a:br>
-              <a:rPr lang="en-US" sz="3600" b="0" i="0" u="none" strike="noStrike" cap="none">
+              <a:rPr lang="en-US" sz="3600" u="none" strike="noStrike" cap="none">
                 <a:solidFill>
                   <a:schemeClr val="lt1"/>
                 </a:solidFill>
-                <a:latin typeface="Cabin"/>
-                <a:ea typeface="Cabin"/>
-                <a:cs typeface="Cabin"/>
+                <a:latin typeface="Arial" charset="0"/>
+                <a:ea typeface="Arial" charset="0"/>
+                <a:cs typeface="Arial" charset="0"/>
                 <a:sym typeface="Cabin"/>
               </a:rPr>
             </a:br>
-            <a:endParaRPr lang="en-US" sz="3600" b="0" i="0" u="none" strike="noStrike" cap="none">
+            <a:endParaRPr lang="en-US" sz="3600" u="none" strike="noStrike" cap="none">
               <a:solidFill>
                 <a:schemeClr val="lt1"/>
               </a:solidFill>
-              <a:latin typeface="Cabin"/>
-              <a:ea typeface="Cabin"/>
-              <a:cs typeface="Cabin"/>
+              <a:latin typeface="Arial" charset="0"/>
+              <a:ea typeface="Arial" charset="0"/>
+              <a:cs typeface="Arial" charset="0"/>
               <a:sym typeface="Cabin"/>
             </a:endParaRPr>
           </a:p>
@@ -36143,13 +36131,13 @@
               <a:buNone/>
             </a:pPr>
             <a:r>
-              <a:rPr lang="en-US" sz="7600" b="0" i="0" u="none" strike="noStrike" cap="none">
+              <a:rPr lang="en-US" sz="7600" u="none" strike="noStrike" cap="none">
                 <a:solidFill>
                   <a:srgbClr val="FFFF00"/>
                 </a:solidFill>
-                <a:latin typeface="Cabin"/>
-                <a:ea typeface="Cabin"/>
-                <a:cs typeface="Cabin"/>
+                <a:latin typeface="Arial" charset="0"/>
+                <a:ea typeface="Arial" charset="0"/>
+                <a:cs typeface="Arial" charset="0"/>
                 <a:sym typeface="Cabin"/>
               </a:rPr>
               <a:t>Type Matters</a:t>
@@ -36204,13 +36192,13 @@
               <a:buChar char="•"/>
             </a:pPr>
             <a:r>
-              <a:rPr lang="en-US" sz="3600" b="0" i="0" u="none" strike="noStrike" cap="none">
+              <a:rPr lang="en-US" sz="3600" u="none" strike="noStrike" cap="none">
                 <a:solidFill>
                   <a:schemeClr val="lt1"/>
                 </a:solidFill>
-                <a:latin typeface="Cabin"/>
-                <a:ea typeface="Cabin"/>
-                <a:cs typeface="Cabin"/>
+                <a:latin typeface="Arial" charset="0"/>
+                <a:ea typeface="Arial" charset="0"/>
+                <a:cs typeface="Arial" charset="0"/>
                 <a:sym typeface="Cabin"/>
               </a:rPr>
               <a:t>Python knows what </a:t>
@@ -36228,13 +36216,13 @@
               <a:t>“</a:t>
             </a:r>
             <a:r>
-              <a:rPr lang="en-US" sz="3600" b="0" i="0" u="none" strike="noStrike" cap="none">
+              <a:rPr lang="en-US" sz="3600" u="none" strike="noStrike" cap="none">
                 <a:solidFill>
                   <a:srgbClr val="00FF00"/>
                 </a:solidFill>
-                <a:latin typeface="Cabin"/>
-                <a:ea typeface="Cabin"/>
-                <a:cs typeface="Cabin"/>
+                <a:latin typeface="Arial" charset="0"/>
+                <a:ea typeface="Arial" charset="0"/>
+                <a:cs typeface="Arial" charset="0"/>
                 <a:sym typeface="Cabin"/>
               </a:rPr>
               <a:t>type</a:t>
@@ -36252,13 +36240,13 @@
               <a:t>”</a:t>
             </a:r>
             <a:r>
-              <a:rPr lang="en-US" sz="3600" b="0" i="0" u="none" strike="noStrike" cap="none">
+              <a:rPr lang="en-US" sz="3600" u="none" strike="noStrike" cap="none">
                 <a:solidFill>
                   <a:schemeClr val="lt1"/>
                 </a:solidFill>
-                <a:latin typeface="Cabin"/>
-                <a:ea typeface="Cabin"/>
-                <a:cs typeface="Cabin"/>
+                <a:latin typeface="Arial" charset="0"/>
+                <a:ea typeface="Arial" charset="0"/>
+                <a:cs typeface="Arial" charset="0"/>
                 <a:sym typeface="Cabin"/>
               </a:rPr>
               <a:t> everything is </a:t>
@@ -36283,13 +36271,13 @@
               <a:buChar char="•"/>
             </a:pPr>
             <a:r>
-              <a:rPr lang="en-US" sz="3600" b="0" i="0" u="none" strike="noStrike" cap="none">
+              <a:rPr lang="en-US" sz="3600" u="none" strike="noStrike" cap="none">
                 <a:solidFill>
                   <a:schemeClr val="lt1"/>
                 </a:solidFill>
-                <a:latin typeface="Cabin"/>
-                <a:ea typeface="Cabin"/>
-                <a:cs typeface="Cabin"/>
+                <a:latin typeface="Arial" charset="0"/>
+                <a:ea typeface="Arial" charset="0"/>
+                <a:cs typeface="Arial" charset="0"/>
                 <a:sym typeface="Cabin"/>
               </a:rPr>
               <a:t>Some operations are prohibited</a:t>
@@ -36314,13 +36302,13 @@
               <a:buChar char="•"/>
             </a:pPr>
             <a:r>
-              <a:rPr lang="en-US" sz="3600" b="0" i="0" u="none" strike="noStrike" cap="none">
+              <a:rPr lang="en-US" sz="3600" u="none" strike="noStrike" cap="none">
                 <a:solidFill>
                   <a:srgbClr val="00FFFF"/>
                 </a:solidFill>
-                <a:latin typeface="Cabin"/>
-                <a:ea typeface="Cabin"/>
-                <a:cs typeface="Cabin"/>
+                <a:latin typeface="Arial" charset="0"/>
+                <a:ea typeface="Arial" charset="0"/>
+                <a:cs typeface="Arial" charset="0"/>
                 <a:sym typeface="Cabin"/>
               </a:rPr>
               <a:t>You cannot </a:t>
@@ -36338,13 +36326,13 @@
               <a:t>“</a:t>
             </a:r>
             <a:r>
-              <a:rPr lang="en-US" sz="3600" b="0" i="0" u="none" strike="noStrike" cap="none">
+              <a:rPr lang="en-US" sz="3600" u="none" strike="noStrike" cap="none">
                 <a:solidFill>
                   <a:srgbClr val="00FFFF"/>
                 </a:solidFill>
-                <a:latin typeface="Cabin"/>
-                <a:ea typeface="Cabin"/>
-                <a:cs typeface="Cabin"/>
+                <a:latin typeface="Arial" charset="0"/>
+                <a:ea typeface="Arial" charset="0"/>
+                <a:cs typeface="Arial" charset="0"/>
                 <a:sym typeface="Cabin"/>
               </a:rPr>
               <a:t>add 1</a:t>
@@ -36362,13 +36350,13 @@
               <a:t>”</a:t>
             </a:r>
             <a:r>
-              <a:rPr lang="en-US" sz="3600" b="0" i="0" u="none" strike="noStrike" cap="none">
+              <a:rPr lang="en-US" sz="3600" u="none" strike="noStrike" cap="none">
                 <a:solidFill>
                   <a:srgbClr val="00FFFF"/>
                 </a:solidFill>
-                <a:latin typeface="Cabin"/>
-                <a:ea typeface="Cabin"/>
-                <a:cs typeface="Cabin"/>
+                <a:latin typeface="Arial" charset="0"/>
+                <a:ea typeface="Arial" charset="0"/>
+                <a:cs typeface="Arial" charset="0"/>
                 <a:sym typeface="Cabin"/>
               </a:rPr>
               <a:t> to a string</a:t>
@@ -36393,37 +36381,37 @@
               <a:buChar char="•"/>
             </a:pPr>
             <a:r>
-              <a:rPr lang="en-US" sz="3600" b="0" i="0" u="none" strike="noStrike" cap="none">
+              <a:rPr lang="en-US" sz="3600" u="none" strike="noStrike" cap="none">
                 <a:solidFill>
                   <a:schemeClr val="lt1"/>
                 </a:solidFill>
-                <a:latin typeface="Cabin"/>
-                <a:ea typeface="Cabin"/>
-                <a:cs typeface="Cabin"/>
+                <a:latin typeface="Arial" charset="0"/>
+                <a:ea typeface="Arial" charset="0"/>
+                <a:cs typeface="Arial" charset="0"/>
                 <a:sym typeface="Cabin"/>
               </a:rPr>
               <a:t>We can ask Python what type something is by using the </a:t>
             </a:r>
             <a:r>
-              <a:rPr lang="en-US" sz="3600" b="0" i="0" u="none" strike="noStrike" cap="none">
+              <a:rPr lang="en-US" sz="3600" u="none" strike="noStrike" cap="none">
                 <a:solidFill>
                   <a:srgbClr val="00FF00"/>
                 </a:solidFill>
-                <a:latin typeface="Cabin"/>
-                <a:ea typeface="Cabin"/>
-                <a:cs typeface="Cabin"/>
+                <a:latin typeface="Arial" charset="0"/>
+                <a:ea typeface="Arial" charset="0"/>
+                <a:cs typeface="Arial" charset="0"/>
                 <a:sym typeface="Cabin"/>
               </a:rPr>
               <a:t>type()</a:t>
             </a:r>
             <a:r>
-              <a:rPr lang="en-US" sz="3600" b="0" i="0" u="none" strike="noStrike" cap="none">
+              <a:rPr lang="en-US" sz="3600" u="none" strike="noStrike" cap="none">
                 <a:solidFill>
                   <a:schemeClr val="lt1"/>
                 </a:solidFill>
-                <a:latin typeface="Cabin"/>
-                <a:ea typeface="Cabin"/>
-                <a:cs typeface="Cabin"/>
+                <a:latin typeface="Arial" charset="0"/>
+                <a:ea typeface="Arial" charset="0"/>
+                <a:cs typeface="Arial" charset="0"/>
                 <a:sym typeface="Cabin"/>
               </a:rPr>
               <a:t> function</a:t>
@@ -36985,13 +36973,13 @@
               <a:buNone/>
             </a:pPr>
             <a:r>
-              <a:rPr lang="en-US" sz="7600" b="0" i="0" u="none" strike="noStrike" cap="none">
+              <a:rPr lang="en-US" sz="7600" u="none" strike="noStrike" cap="none">
                 <a:solidFill>
                   <a:srgbClr val="FFFF00"/>
                 </a:solidFill>
-                <a:latin typeface="Cabin"/>
-                <a:ea typeface="Cabin"/>
-                <a:cs typeface="Cabin"/>
+                <a:latin typeface="Arial" charset="0"/>
+                <a:ea typeface="Arial" charset="0"/>
+                <a:cs typeface="Arial" charset="0"/>
                 <a:sym typeface="Cabin"/>
               </a:rPr>
               <a:t>Several Types of Numbers</a:t>
@@ -37046,13 +37034,13 @@
               <a:buChar char="•"/>
             </a:pPr>
             <a:r>
-              <a:rPr lang="en-US" sz="3600" b="0" i="0" u="none" strike="noStrike" cap="none">
+              <a:rPr lang="en-US" sz="3600" u="none" strike="noStrike" cap="none">
                 <a:solidFill>
                   <a:schemeClr val="lt1"/>
                 </a:solidFill>
-                <a:latin typeface="Cabin"/>
-                <a:ea typeface="Cabin"/>
-                <a:cs typeface="Cabin"/>
+                <a:latin typeface="Arial" charset="0"/>
+                <a:ea typeface="Arial" charset="0"/>
+                <a:cs typeface="Arial" charset="0"/>
                 <a:sym typeface="Cabin"/>
               </a:rPr>
               <a:t>Numbers have two main types</a:t>
@@ -37076,48 +37064,48 @@
               <a:buFont typeface="Cabin"/>
             </a:pPr>
             <a:r>
-              <a:rPr lang="en-US" sz="3600" b="0" i="0" u="none" strike="noStrike" cap="none">
+              <a:rPr lang="en-US" sz="3600" u="none" strike="noStrike" cap="none">
                 <a:solidFill>
                   <a:srgbClr val="FFFF00"/>
                 </a:solidFill>
-                <a:latin typeface="Cabin"/>
-                <a:ea typeface="Cabin"/>
-                <a:cs typeface="Cabin"/>
+                <a:latin typeface="Arial" charset="0"/>
+                <a:ea typeface="Arial" charset="0"/>
+                <a:cs typeface="Arial" charset="0"/>
                 <a:sym typeface="Cabin"/>
               </a:rPr>
               <a:t>Integers</a:t>
             </a:r>
             <a:r>
-              <a:rPr lang="en-US" sz="3600" b="0" i="0" u="none" strike="noStrike" cap="none">
+              <a:rPr lang="en-US" sz="3600" u="none" strike="noStrike" cap="none">
                 <a:solidFill>
                   <a:schemeClr val="lt1"/>
                 </a:solidFill>
-                <a:latin typeface="Cabin"/>
-                <a:ea typeface="Cabin"/>
-                <a:cs typeface="Cabin"/>
+                <a:latin typeface="Arial" charset="0"/>
+                <a:ea typeface="Arial" charset="0"/>
+                <a:cs typeface="Arial" charset="0"/>
                 <a:sym typeface="Cabin"/>
               </a:rPr>
               <a:t> are whole numbers: </a:t>
             </a:r>
             <a:br>
-              <a:rPr lang="en-US" sz="3600" b="0" i="0" u="none" strike="noStrike" cap="none">
+              <a:rPr lang="en-US" sz="3600" u="none" strike="noStrike" cap="none">
                 <a:solidFill>
                   <a:schemeClr val="lt1"/>
                 </a:solidFill>
-                <a:latin typeface="Cabin"/>
-                <a:ea typeface="Cabin"/>
-                <a:cs typeface="Cabin"/>
+                <a:latin typeface="Arial" charset="0"/>
+                <a:ea typeface="Arial" charset="0"/>
+                <a:cs typeface="Arial" charset="0"/>
                 <a:sym typeface="Cabin"/>
               </a:rPr>
             </a:br>
             <a:r>
-              <a:rPr lang="en-US" sz="3600" b="0" i="0" u="none" strike="noStrike" cap="none">
+              <a:rPr lang="en-US" sz="3600" u="none" strike="noStrike" cap="none">
                 <a:solidFill>
                   <a:schemeClr val="lt1"/>
                 </a:solidFill>
-                <a:latin typeface="Cabin"/>
-                <a:ea typeface="Cabin"/>
-                <a:cs typeface="Cabin"/>
+                <a:latin typeface="Arial" charset="0"/>
+                <a:ea typeface="Arial" charset="0"/>
+                <a:cs typeface="Arial" charset="0"/>
                 <a:sym typeface="Cabin"/>
               </a:rPr>
               <a:t>-14, -2, 0, 1, 100, 401233</a:t>
@@ -37141,25 +37129,25 @@
               <a:buFont typeface="Cabin"/>
             </a:pPr>
             <a:r>
-              <a:rPr lang="en-US" sz="3600" b="0" i="0" u="none" strike="noStrike" cap="none">
+              <a:rPr lang="en-US" sz="3600" u="none" strike="noStrike" cap="none">
                 <a:solidFill>
                   <a:srgbClr val="FFFF00"/>
                 </a:solidFill>
-                <a:latin typeface="Cabin"/>
-                <a:ea typeface="Cabin"/>
-                <a:cs typeface="Cabin"/>
+                <a:latin typeface="Arial" charset="0"/>
+                <a:ea typeface="Arial" charset="0"/>
+                <a:cs typeface="Arial" charset="0"/>
                 <a:sym typeface="Cabin"/>
               </a:rPr>
               <a:t>Floating Point Numbers</a:t>
             </a:r>
             <a:r>
-              <a:rPr lang="en-US" sz="3600" b="0" i="0" u="none" strike="noStrike" cap="none">
+              <a:rPr lang="en-US" sz="3600" u="none" strike="noStrike" cap="none">
                 <a:solidFill>
                   <a:schemeClr val="lt1"/>
                 </a:solidFill>
-                <a:latin typeface="Cabin"/>
-                <a:ea typeface="Cabin"/>
-                <a:cs typeface="Cabin"/>
+                <a:latin typeface="Arial" charset="0"/>
+                <a:ea typeface="Arial" charset="0"/>
+                <a:cs typeface="Arial" charset="0"/>
                 <a:sym typeface="Cabin"/>
               </a:rPr>
               <a:t> have decimal parts:  -2.5 , 0.0, 98.6, 14.0</a:t>
@@ -37184,13 +37172,13 @@
               <a:buChar char="•"/>
             </a:pPr>
             <a:r>
-              <a:rPr lang="en-US" sz="3600" b="0" i="0" u="none" strike="noStrike" cap="none">
+              <a:rPr lang="en-US" sz="3600" u="none" strike="noStrike" cap="none">
                 <a:solidFill>
                   <a:schemeClr val="lt1"/>
                 </a:solidFill>
-                <a:latin typeface="Cabin"/>
-                <a:ea typeface="Cabin"/>
-                <a:cs typeface="Cabin"/>
+                <a:latin typeface="Arial" charset="0"/>
+                <a:ea typeface="Arial" charset="0"/>
+                <a:cs typeface="Arial" charset="0"/>
                 <a:sym typeface="Cabin"/>
               </a:rPr>
               <a:t>There are other number types - they are variations on float and integer</a:t>
@@ -37829,13 +37817,13 @@
               <a:buNone/>
             </a:pPr>
             <a:r>
-              <a:rPr lang="en-US" sz="7600" b="0" i="0" u="none" strike="noStrike" cap="none">
+              <a:rPr lang="en-US" sz="7600" u="none" strike="noStrike" cap="none">
                 <a:solidFill>
                   <a:srgbClr val="FFFF00"/>
                 </a:solidFill>
-                <a:latin typeface="Cabin"/>
-                <a:ea typeface="Cabin"/>
-                <a:cs typeface="Cabin"/>
+                <a:latin typeface="Arial" charset="0"/>
+                <a:ea typeface="Arial" charset="0"/>
+                <a:cs typeface="Arial" charset="0"/>
                 <a:sym typeface="Cabin"/>
               </a:rPr>
               <a:t>Type Conversions</a:t>
@@ -37890,37 +37878,37 @@
               <a:buChar char="•"/>
             </a:pPr>
             <a:r>
-              <a:rPr lang="en-US" sz="3600" b="0" i="0" u="none" strike="noStrike" cap="none">
+              <a:rPr lang="en-US" sz="3600" u="none" strike="noStrike" cap="none">
                 <a:solidFill>
                   <a:schemeClr val="lt1"/>
                 </a:solidFill>
-                <a:latin typeface="Cabin"/>
-                <a:ea typeface="Cabin"/>
-                <a:cs typeface="Cabin"/>
+                <a:latin typeface="Arial" charset="0"/>
+                <a:ea typeface="Arial" charset="0"/>
+                <a:cs typeface="Arial" charset="0"/>
                 <a:sym typeface="Cabin"/>
               </a:rPr>
               <a:t>When you put an integer and floating point in an expression, the integer is </a:t>
             </a:r>
             <a:r>
-              <a:rPr lang="en-US" sz="3600" b="0" i="0" u="none" strike="noStrike" cap="none">
+              <a:rPr lang="en-US" sz="3600" u="none" strike="noStrike" cap="none">
                 <a:solidFill>
                   <a:srgbClr val="FFFF00"/>
                 </a:solidFill>
-                <a:latin typeface="Cabin"/>
-                <a:ea typeface="Cabin"/>
-                <a:cs typeface="Cabin"/>
+                <a:latin typeface="Arial" charset="0"/>
+                <a:ea typeface="Arial" charset="0"/>
+                <a:cs typeface="Arial" charset="0"/>
                 <a:sym typeface="Cabin"/>
               </a:rPr>
               <a:t>implicitly </a:t>
             </a:r>
             <a:r>
-              <a:rPr lang="en-US" sz="3600" b="0" i="0" u="none" strike="noStrike" cap="none">
+              <a:rPr lang="en-US" sz="3600" u="none" strike="noStrike" cap="none">
                 <a:solidFill>
                   <a:schemeClr val="lt1"/>
                 </a:solidFill>
-                <a:latin typeface="Cabin"/>
-                <a:ea typeface="Cabin"/>
-                <a:cs typeface="Cabin"/>
+                <a:latin typeface="Arial" charset="0"/>
+                <a:ea typeface="Arial" charset="0"/>
+                <a:cs typeface="Arial" charset="0"/>
                 <a:sym typeface="Cabin"/>
               </a:rPr>
               <a:t>converted to a float</a:t>
@@ -37945,13 +37933,13 @@
               <a:buChar char="•"/>
             </a:pPr>
             <a:r>
-              <a:rPr lang="en-US" sz="3600" b="0" i="0" u="none" strike="noStrike" cap="none">
+              <a:rPr lang="en-US" sz="3600" u="none" strike="noStrike" cap="none">
                 <a:solidFill>
                   <a:schemeClr val="lt1"/>
                 </a:solidFill>
-                <a:latin typeface="Cabin"/>
-                <a:ea typeface="Cabin"/>
-                <a:cs typeface="Cabin"/>
+                <a:latin typeface="Arial" charset="0"/>
+                <a:ea typeface="Arial" charset="0"/>
+                <a:cs typeface="Arial" charset="0"/>
                 <a:sym typeface="Cabin"/>
               </a:rPr>
               <a:t>You can control this with the built</a:t>
@@ -37961,21 +37949,21 @@
                 <a:solidFill>
                   <a:schemeClr val="lt1"/>
                 </a:solidFill>
-                <a:latin typeface="Cabin"/>
-                <a:ea typeface="Cabin"/>
-                <a:cs typeface="Cabin"/>
+                <a:latin typeface="Arial" charset="0"/>
+                <a:ea typeface="Arial" charset="0"/>
+                <a:cs typeface="Arial" charset="0"/>
                 <a:sym typeface="Cabin"/>
               </a:rPr>
               <a:t>-</a:t>
             </a:r>
             <a:r>
-              <a:rPr lang="en-US" sz="3600" b="0" i="0" u="none" strike="noStrike" cap="none">
+              <a:rPr lang="en-US" sz="3600" u="none" strike="noStrike" cap="none">
                 <a:solidFill>
                   <a:schemeClr val="lt1"/>
                 </a:solidFill>
-                <a:latin typeface="Cabin"/>
-                <a:ea typeface="Cabin"/>
-                <a:cs typeface="Cabin"/>
+                <a:latin typeface="Arial" charset="0"/>
+                <a:ea typeface="Arial" charset="0"/>
+                <a:cs typeface="Arial" charset="0"/>
                 <a:sym typeface="Cabin"/>
               </a:rPr>
               <a:t>in functions int() and float()</a:t>
@@ -38796,13 +38784,13 @@
               <a:buNone/>
             </a:pPr>
             <a:r>
-              <a:rPr lang="en-US" sz="7600" b="0" i="0" u="none" strike="noStrike" cap="none">
+              <a:rPr lang="en-US" sz="7600" u="none" strike="noStrike" cap="none">
                 <a:solidFill>
                   <a:srgbClr val="FFFF00"/>
                 </a:solidFill>
-                <a:latin typeface="Cabin"/>
-                <a:ea typeface="Cabin"/>
-                <a:cs typeface="Cabin"/>
+                <a:latin typeface="Arial" charset="0"/>
+                <a:ea typeface="Arial" charset="0"/>
+                <a:cs typeface="Arial" charset="0"/>
                 <a:sym typeface="Cabin"/>
               </a:rPr>
               <a:t>String Conversions</a:t>
@@ -38857,61 +38845,61 @@
               <a:buChar char="•"/>
             </a:pPr>
             <a:r>
-              <a:rPr lang="en-US" sz="3600" b="0" i="0" u="none" strike="noStrike" cap="none">
+              <a:rPr lang="en-US" sz="3600" u="none" strike="noStrike" cap="none">
                 <a:solidFill>
                   <a:schemeClr val="lt1"/>
                 </a:solidFill>
-                <a:latin typeface="Cabin"/>
-                <a:ea typeface="Cabin"/>
-                <a:cs typeface="Cabin"/>
+                <a:latin typeface="Arial" charset="0"/>
+                <a:ea typeface="Arial" charset="0"/>
+                <a:cs typeface="Arial" charset="0"/>
                 <a:sym typeface="Cabin"/>
               </a:rPr>
               <a:t>You can also use </a:t>
             </a:r>
             <a:r>
-              <a:rPr lang="en-US" sz="3600" b="0" i="0" u="none" strike="noStrike" cap="none">
+              <a:rPr lang="en-US" sz="3600" u="none" strike="noStrike" cap="none">
                 <a:solidFill>
                   <a:srgbClr val="FFFF00"/>
                 </a:solidFill>
-                <a:latin typeface="Cabin"/>
-                <a:ea typeface="Cabin"/>
-                <a:cs typeface="Cabin"/>
+                <a:latin typeface="Arial" charset="0"/>
+                <a:ea typeface="Arial" charset="0"/>
+                <a:cs typeface="Arial" charset="0"/>
                 <a:sym typeface="Cabin"/>
               </a:rPr>
               <a:t>int()</a:t>
             </a:r>
             <a:r>
-              <a:rPr lang="en-US" sz="3600" b="0" i="0" u="none" strike="noStrike" cap="none">
+              <a:rPr lang="en-US" sz="3600" u="none" strike="noStrike" cap="none">
                 <a:solidFill>
                   <a:schemeClr val="lt1"/>
                 </a:solidFill>
-                <a:latin typeface="Cabin"/>
-                <a:ea typeface="Cabin"/>
-                <a:cs typeface="Cabin"/>
+                <a:latin typeface="Arial" charset="0"/>
+                <a:ea typeface="Arial" charset="0"/>
+                <a:cs typeface="Arial" charset="0"/>
                 <a:sym typeface="Cabin"/>
               </a:rPr>
               <a:t> and </a:t>
             </a:r>
             <a:r>
-              <a:rPr lang="en-US" sz="3600" b="0" i="0" u="none" strike="noStrike" cap="none">
+              <a:rPr lang="en-US" sz="3600" u="none" strike="noStrike" cap="none">
                 <a:solidFill>
                   <a:srgbClr val="FFFF00"/>
                 </a:solidFill>
-                <a:latin typeface="Cabin"/>
-                <a:ea typeface="Cabin"/>
-                <a:cs typeface="Cabin"/>
+                <a:latin typeface="Arial" charset="0"/>
+                <a:ea typeface="Arial" charset="0"/>
+                <a:cs typeface="Arial" charset="0"/>
                 <a:sym typeface="Cabin"/>
               </a:rPr>
               <a:t>float()</a:t>
             </a:r>
             <a:r>
-              <a:rPr lang="en-US" sz="3600" b="0" i="0" u="none" strike="noStrike" cap="none">
+              <a:rPr lang="en-US" sz="3600" u="none" strike="noStrike" cap="none">
                 <a:solidFill>
                   <a:schemeClr val="lt1"/>
                 </a:solidFill>
-                <a:latin typeface="Cabin"/>
-                <a:ea typeface="Cabin"/>
-                <a:cs typeface="Cabin"/>
+                <a:latin typeface="Arial" charset="0"/>
+                <a:ea typeface="Arial" charset="0"/>
+                <a:cs typeface="Arial" charset="0"/>
                 <a:sym typeface="Cabin"/>
               </a:rPr>
               <a:t> to convert between strings and integers</a:t>
@@ -38936,37 +38924,37 @@
               <a:buChar char="•"/>
             </a:pPr>
             <a:r>
-              <a:rPr lang="en-US" sz="3600" b="0" i="0" u="none" strike="noStrike" cap="none">
+              <a:rPr lang="en-US" sz="3600" u="none" strike="noStrike" cap="none">
                 <a:solidFill>
                   <a:schemeClr val="lt1"/>
                 </a:solidFill>
-                <a:latin typeface="Cabin"/>
-                <a:ea typeface="Cabin"/>
-                <a:cs typeface="Cabin"/>
+                <a:latin typeface="Arial" charset="0"/>
+                <a:ea typeface="Arial" charset="0"/>
+                <a:cs typeface="Arial" charset="0"/>
                 <a:sym typeface="Cabin"/>
               </a:rPr>
               <a:t>You will get an </a:t>
             </a:r>
             <a:r>
-              <a:rPr lang="en-US" sz="3600" b="0" i="0" u="none" strike="noStrike" cap="none">
+              <a:rPr lang="en-US" sz="3600" u="none" strike="noStrike" cap="none">
                 <a:solidFill>
                   <a:srgbClr val="E06666"/>
                 </a:solidFill>
-                <a:latin typeface="Cabin"/>
-                <a:ea typeface="Cabin"/>
-                <a:cs typeface="Cabin"/>
+                <a:latin typeface="Arial" charset="0"/>
+                <a:ea typeface="Arial" charset="0"/>
+                <a:cs typeface="Arial" charset="0"/>
                 <a:sym typeface="Cabin"/>
               </a:rPr>
               <a:t>error</a:t>
             </a:r>
             <a:r>
-              <a:rPr lang="en-US" sz="3600" b="0" i="0" u="none" strike="noStrike" cap="none">
+              <a:rPr lang="en-US" sz="3600" u="none" strike="noStrike" cap="none">
                 <a:solidFill>
                   <a:schemeClr val="lt1"/>
                 </a:solidFill>
-                <a:latin typeface="Cabin"/>
-                <a:ea typeface="Cabin"/>
-                <a:cs typeface="Cabin"/>
+                <a:latin typeface="Arial" charset="0"/>
+                <a:ea typeface="Arial" charset="0"/>
+                <a:cs typeface="Arial" charset="0"/>
                 <a:sym typeface="Cabin"/>
               </a:rPr>
               <a:t> if the string does not contain numeric characters</a:t>
@@ -40019,13 +40007,13 @@
               <a:buNone/>
             </a:pPr>
             <a:r>
-              <a:rPr lang="en-US" sz="7800" b="0" i="0" u="none" strike="noStrike" cap="none">
+              <a:rPr lang="en-US" sz="7800" u="none" strike="noStrike" cap="none">
                 <a:solidFill>
                   <a:srgbClr val="FFFF00"/>
                 </a:solidFill>
-                <a:latin typeface="Cabin"/>
-                <a:ea typeface="Cabin"/>
-                <a:cs typeface="Cabin"/>
+                <a:latin typeface="Arial" charset="0"/>
+                <a:ea typeface="Arial" charset="0"/>
+                <a:cs typeface="Arial" charset="0"/>
                 <a:sym typeface="Cabin"/>
               </a:rPr>
               <a:t>User Input</a:t>
@@ -40080,49 +40068,49 @@
               <a:buChar char="•"/>
             </a:pPr>
             <a:r>
-              <a:rPr lang="en-US" sz="3800" b="0" i="0" u="none" strike="noStrike" cap="none">
+              <a:rPr lang="en-US" sz="3800" u="none" strike="noStrike" cap="none">
                 <a:solidFill>
                   <a:schemeClr val="lt1"/>
                 </a:solidFill>
-                <a:latin typeface="Cabin"/>
-                <a:ea typeface="Cabin"/>
-                <a:cs typeface="Cabin"/>
+                <a:latin typeface="Arial" charset="0"/>
+                <a:ea typeface="Arial" charset="0"/>
+                <a:cs typeface="Arial" charset="0"/>
                 <a:sym typeface="Cabin"/>
               </a:rPr>
               <a:t>We can instruct Python to pause and read data from the user using the </a:t>
             </a:r>
             <a:r>
-              <a:rPr lang="en-US" sz="3800" b="0" i="0" u="none" strike="noStrike" cap="none">
+              <a:rPr lang="en-US" sz="3800" u="none" strike="noStrike" cap="none">
                 <a:solidFill>
                   <a:srgbClr val="FFFF00"/>
                 </a:solidFill>
-                <a:latin typeface="Cabin"/>
-                <a:ea typeface="Cabin"/>
-                <a:cs typeface="Cabin"/>
+                <a:latin typeface="Arial" charset="0"/>
+                <a:ea typeface="Arial" charset="0"/>
+                <a:cs typeface="Arial" charset="0"/>
                 <a:sym typeface="Cabin"/>
               </a:rPr>
               <a:t>raw_input()</a:t>
             </a:r>
             <a:r>
-              <a:rPr lang="en-US" sz="3800" b="0" i="0" u="none" strike="noStrike" cap="none">
+              <a:rPr lang="en-US" sz="3800" u="none" strike="noStrike" cap="none">
                 <a:solidFill>
                   <a:srgbClr val="FF00FF"/>
                 </a:solidFill>
-                <a:latin typeface="Cabin"/>
-                <a:ea typeface="Cabin"/>
-                <a:cs typeface="Cabin"/>
+                <a:latin typeface="Arial" charset="0"/>
+                <a:ea typeface="Arial" charset="0"/>
+                <a:cs typeface="Arial" charset="0"/>
                 <a:sym typeface="Cabin"/>
               </a:rPr>
               <a:t> </a:t>
             </a:r>
             <a:r>
-              <a:rPr lang="en-US" sz="3800" b="0" i="0" u="none" strike="noStrike" cap="none">
+              <a:rPr lang="en-US" sz="3800" u="none" strike="noStrike" cap="none">
                 <a:solidFill>
                   <a:schemeClr val="lt1"/>
                 </a:solidFill>
-                <a:latin typeface="Cabin"/>
-                <a:ea typeface="Cabin"/>
-                <a:cs typeface="Cabin"/>
+                <a:latin typeface="Arial" charset="0"/>
+                <a:ea typeface="Arial" charset="0"/>
+                <a:cs typeface="Arial" charset="0"/>
                 <a:sym typeface="Cabin"/>
               </a:rPr>
               <a:t> function</a:t>
@@ -40147,49 +40135,49 @@
               <a:buChar char="•"/>
             </a:pPr>
             <a:r>
-              <a:rPr lang="en-US" sz="3800" b="0" i="0" u="none" strike="noStrike" cap="none">
+              <a:rPr lang="en-US" sz="3800" u="none" strike="noStrike" cap="none">
                 <a:solidFill>
                   <a:schemeClr val="lt1"/>
                 </a:solidFill>
-                <a:latin typeface="Cabin"/>
-                <a:ea typeface="Cabin"/>
-                <a:cs typeface="Cabin"/>
+                <a:latin typeface="Arial" charset="0"/>
+                <a:ea typeface="Arial" charset="0"/>
+                <a:cs typeface="Arial" charset="0"/>
                 <a:sym typeface="Cabin"/>
               </a:rPr>
               <a:t>The </a:t>
             </a:r>
             <a:r>
-              <a:rPr lang="en-US" sz="3800" b="0" i="0" u="none" strike="noStrike" cap="none">
+              <a:rPr lang="en-US" sz="3800" u="none" strike="noStrike" cap="none">
                 <a:solidFill>
                   <a:srgbClr val="FFFF00"/>
                 </a:solidFill>
-                <a:latin typeface="Cabin"/>
-                <a:ea typeface="Cabin"/>
-                <a:cs typeface="Cabin"/>
+                <a:latin typeface="Arial" charset="0"/>
+                <a:ea typeface="Arial" charset="0"/>
+                <a:cs typeface="Arial" charset="0"/>
                 <a:sym typeface="Cabin"/>
               </a:rPr>
               <a:t>raw_input()</a:t>
             </a:r>
             <a:r>
-              <a:rPr lang="en-US" sz="3800" b="0" i="0" u="none" strike="noStrike" cap="none">
+              <a:rPr lang="en-US" sz="3800" u="none" strike="noStrike" cap="none">
                 <a:solidFill>
                   <a:srgbClr val="FF00FF"/>
                 </a:solidFill>
-                <a:latin typeface="Cabin"/>
-                <a:ea typeface="Cabin"/>
-                <a:cs typeface="Cabin"/>
+                <a:latin typeface="Arial" charset="0"/>
+                <a:ea typeface="Arial" charset="0"/>
+                <a:cs typeface="Arial" charset="0"/>
                 <a:sym typeface="Cabin"/>
               </a:rPr>
               <a:t> </a:t>
             </a:r>
             <a:r>
-              <a:rPr lang="en-US" sz="3800" b="0" i="0" u="none" strike="noStrike" cap="none">
+              <a:rPr lang="en-US" sz="3800" u="none" strike="noStrike" cap="none">
                 <a:solidFill>
                   <a:schemeClr val="lt1"/>
                 </a:solidFill>
-                <a:latin typeface="Cabin"/>
-                <a:ea typeface="Cabin"/>
-                <a:cs typeface="Cabin"/>
+                <a:latin typeface="Arial" charset="0"/>
+                <a:ea typeface="Arial" charset="0"/>
+                <a:cs typeface="Arial" charset="0"/>
                 <a:sym typeface="Cabin"/>
               </a:rPr>
               <a:t> function returns a string</a:t>
@@ -40436,25 +40424,25 @@
               <a:buNone/>
             </a:pPr>
             <a:r>
-              <a:rPr lang="en-US" sz="3800" b="0" i="0" u="none" strike="noStrike" cap="none">
+              <a:rPr lang="en-US" sz="3800" u="none" strike="noStrike" cap="none">
                 <a:solidFill>
                   <a:schemeClr val="lt1"/>
                 </a:solidFill>
-                <a:latin typeface="Cabin"/>
-                <a:ea typeface="Cabin"/>
-                <a:cs typeface="Cabin"/>
+                <a:latin typeface="Arial" charset="0"/>
+                <a:ea typeface="Arial" charset="0"/>
+                <a:cs typeface="Arial" charset="0"/>
                 <a:sym typeface="Cabin"/>
               </a:rPr>
               <a:t>Who are you? </a:t>
             </a:r>
             <a:r>
-              <a:rPr lang="en-US" sz="3800" b="0" i="0" u="none" strike="noStrike" cap="none">
+              <a:rPr lang="en-US" sz="3800" u="none" strike="noStrike" cap="none">
                 <a:solidFill>
                   <a:srgbClr val="FFFF00"/>
                 </a:solidFill>
-                <a:latin typeface="Cabin"/>
-                <a:ea typeface="Cabin"/>
-                <a:cs typeface="Cabin"/>
+                <a:latin typeface="Arial" charset="0"/>
+                <a:ea typeface="Arial" charset="0"/>
+                <a:cs typeface="Arial" charset="0"/>
                 <a:sym typeface="Cabin"/>
               </a:rPr>
               <a:t>Chuck</a:t>
@@ -40479,13 +40467,13 @@
               <a:buNone/>
             </a:pPr>
             <a:r>
-              <a:rPr lang="en-US" sz="3800" b="0" i="0" u="none" strike="noStrike" cap="none">
+              <a:rPr lang="en-US" sz="3800" u="none" strike="noStrike" cap="none">
                 <a:solidFill>
                   <a:schemeClr val="lt1"/>
                 </a:solidFill>
-                <a:latin typeface="Cabin"/>
-                <a:ea typeface="Cabin"/>
-                <a:cs typeface="Cabin"/>
+                <a:latin typeface="Arial" charset="0"/>
+                <a:ea typeface="Arial" charset="0"/>
+                <a:cs typeface="Arial" charset="0"/>
                 <a:sym typeface="Cabin"/>
               </a:rPr>
               <a:t>Welcome Chuck</a:t>
@@ -40565,13 +40553,13 @@
               <a:buNone/>
             </a:pPr>
             <a:r>
-              <a:rPr lang="en-US" sz="7800" b="0" i="0" u="none" strike="noStrike" cap="none">
+              <a:rPr lang="en-US" sz="7800" u="none" strike="noStrike" cap="none">
                 <a:solidFill>
                   <a:srgbClr val="FFFF00"/>
                 </a:solidFill>
-                <a:latin typeface="Cabin"/>
-                <a:ea typeface="Cabin"/>
-                <a:cs typeface="Cabin"/>
+                <a:latin typeface="Arial" charset="0"/>
+                <a:ea typeface="Arial" charset="0"/>
+                <a:cs typeface="Arial" charset="0"/>
                 <a:sym typeface="Cabin"/>
               </a:rPr>
               <a:t>Converting User Input</a:t>
@@ -40626,13 +40614,13 @@
               <a:buChar char="•"/>
             </a:pPr>
             <a:r>
-              <a:rPr lang="en-US" sz="3800" b="0" i="0" u="none" strike="noStrike" cap="none">
+              <a:rPr lang="en-US" sz="3800" u="none" strike="noStrike" cap="none">
                 <a:solidFill>
                   <a:schemeClr val="lt1"/>
                 </a:solidFill>
-                <a:latin typeface="Cabin"/>
-                <a:ea typeface="Cabin"/>
-                <a:cs typeface="Cabin"/>
+                <a:latin typeface="Arial" charset="0"/>
+                <a:ea typeface="Arial" charset="0"/>
+                <a:cs typeface="Arial" charset="0"/>
                 <a:sym typeface="Cabin"/>
               </a:rPr>
               <a:t>If we want to read a number from the user, we must convert it from a string to a number using a type conversion function</a:t>
@@ -40657,13 +40645,13 @@
               <a:buChar char="•"/>
             </a:pPr>
             <a:r>
-              <a:rPr lang="en-US" sz="3800" b="0" i="0" u="none" strike="noStrike" cap="none">
+              <a:rPr lang="en-US" sz="3800" u="none" strike="noStrike" cap="none">
                 <a:solidFill>
                   <a:schemeClr val="lt1"/>
                 </a:solidFill>
-                <a:latin typeface="Cabin"/>
-                <a:ea typeface="Cabin"/>
-                <a:cs typeface="Cabin"/>
+                <a:latin typeface="Arial" charset="0"/>
+                <a:ea typeface="Arial" charset="0"/>
+                <a:cs typeface="Arial" charset="0"/>
                 <a:sym typeface="Cabin"/>
               </a:rPr>
               <a:t>Later we will deal with bad input data</a:t>
@@ -41025,25 +41013,25 @@
               <a:buNone/>
             </a:pPr>
             <a:r>
-              <a:rPr lang="en-US" sz="3800" b="0" i="0" u="none" strike="noStrike" cap="none">
+              <a:rPr lang="en-US" sz="3800" u="none" strike="noStrike" cap="none">
                 <a:solidFill>
                   <a:schemeClr val="lt1"/>
                 </a:solidFill>
-                <a:latin typeface="Cabin"/>
-                <a:ea typeface="Cabin"/>
-                <a:cs typeface="Cabin"/>
+                <a:latin typeface="Arial" charset="0"/>
+                <a:ea typeface="Arial" charset="0"/>
+                <a:cs typeface="Arial" charset="0"/>
                 <a:sym typeface="Cabin"/>
               </a:rPr>
               <a:t>Europe floor? </a:t>
             </a:r>
             <a:r>
-              <a:rPr lang="en-US" sz="3800" b="0" i="0" u="none" strike="noStrike" cap="none">
+              <a:rPr lang="en-US" sz="3800" u="none" strike="noStrike" cap="none">
                 <a:solidFill>
                   <a:srgbClr val="FFFF00"/>
                 </a:solidFill>
-                <a:latin typeface="Cabin"/>
-                <a:ea typeface="Cabin"/>
-                <a:cs typeface="Cabin"/>
+                <a:latin typeface="Arial" charset="0"/>
+                <a:ea typeface="Arial" charset="0"/>
+                <a:cs typeface="Arial" charset="0"/>
                 <a:sym typeface="Cabin"/>
               </a:rPr>
               <a:t>0</a:t>
@@ -41068,13 +41056,13 @@
               <a:buNone/>
             </a:pPr>
             <a:r>
-              <a:rPr lang="en-US" sz="3800" b="0" i="0" u="none" strike="noStrike" cap="none">
+              <a:rPr lang="en-US" sz="3800" u="none" strike="noStrike" cap="none">
                 <a:solidFill>
                   <a:schemeClr val="lt1"/>
                 </a:solidFill>
-                <a:latin typeface="Cabin"/>
-                <a:ea typeface="Cabin"/>
-                <a:cs typeface="Cabin"/>
+                <a:latin typeface="Arial" charset="0"/>
+                <a:ea typeface="Arial" charset="0"/>
+                <a:cs typeface="Arial" charset="0"/>
                 <a:sym typeface="Cabin"/>
               </a:rPr>
               <a:t>US floor 1</a:t>
@@ -41181,13 +41169,13 @@
               <a:buNone/>
             </a:pPr>
             <a:r>
-              <a:rPr lang="en-US" sz="7600" b="0" i="0" u="none" strike="noStrike" cap="none">
+              <a:rPr lang="en-US" sz="7600" u="none" strike="noStrike" cap="none">
                 <a:solidFill>
                   <a:srgbClr val="FFFF00"/>
                 </a:solidFill>
-                <a:latin typeface="Cabin"/>
-                <a:ea typeface="Cabin"/>
-                <a:cs typeface="Cabin"/>
+                <a:latin typeface="Arial" charset="0"/>
+                <a:ea typeface="Arial" charset="0"/>
+                <a:cs typeface="Arial" charset="0"/>
                 <a:sym typeface="Cabin"/>
               </a:rPr>
               <a:t>Comments in Python</a:t>
@@ -41242,37 +41230,37 @@
               <a:buChar char="•"/>
             </a:pPr>
             <a:r>
-              <a:rPr lang="en-US" sz="3600" b="0" i="0" u="none" strike="noStrike" cap="none">
+              <a:rPr lang="en-US" sz="3600" u="none" strike="noStrike" cap="none">
                 <a:solidFill>
                   <a:schemeClr val="lt1"/>
                 </a:solidFill>
-                <a:latin typeface="Cabin"/>
-                <a:ea typeface="Cabin"/>
-                <a:cs typeface="Cabin"/>
+                <a:latin typeface="Arial" charset="0"/>
+                <a:ea typeface="Arial" charset="0"/>
+                <a:cs typeface="Arial" charset="0"/>
                 <a:sym typeface="Cabin"/>
               </a:rPr>
               <a:t>Anything after a </a:t>
             </a:r>
             <a:r>
-              <a:rPr lang="en-US" sz="3600" b="0" i="0" u="none" strike="noStrike" cap="none">
+              <a:rPr lang="en-US" sz="3600" u="none" strike="noStrike" cap="none">
                 <a:solidFill>
                   <a:srgbClr val="FFFF00"/>
                 </a:solidFill>
-                <a:latin typeface="Cabin"/>
-                <a:ea typeface="Cabin"/>
-                <a:cs typeface="Cabin"/>
+                <a:latin typeface="Arial" charset="0"/>
+                <a:ea typeface="Arial" charset="0"/>
+                <a:cs typeface="Arial" charset="0"/>
                 <a:sym typeface="Cabin"/>
               </a:rPr>
               <a:t># </a:t>
             </a:r>
             <a:r>
-              <a:rPr lang="en-US" sz="3600" b="0" i="0" u="none" strike="noStrike" cap="none">
+              <a:rPr lang="en-US" sz="3600" u="none" strike="noStrike" cap="none">
                 <a:solidFill>
                   <a:schemeClr val="lt1"/>
                 </a:solidFill>
-                <a:latin typeface="Cabin"/>
-                <a:ea typeface="Cabin"/>
-                <a:cs typeface="Cabin"/>
+                <a:latin typeface="Arial" charset="0"/>
+                <a:ea typeface="Arial" charset="0"/>
+                <a:cs typeface="Arial" charset="0"/>
                 <a:sym typeface="Cabin"/>
               </a:rPr>
               <a:t>is ignored by Python</a:t>
@@ -41297,13 +41285,13 @@
               <a:buChar char="•"/>
             </a:pPr>
             <a:r>
-              <a:rPr lang="en-US" sz="3600" b="0" i="0" u="none" strike="noStrike" cap="none">
+              <a:rPr lang="en-US" sz="3600" u="none" strike="noStrike" cap="none">
                 <a:solidFill>
                   <a:schemeClr val="lt1"/>
                 </a:solidFill>
-                <a:latin typeface="Cabin"/>
-                <a:ea typeface="Cabin"/>
-                <a:cs typeface="Cabin"/>
+                <a:latin typeface="Arial" charset="0"/>
+                <a:ea typeface="Arial" charset="0"/>
+                <a:cs typeface="Arial" charset="0"/>
                 <a:sym typeface="Cabin"/>
               </a:rPr>
               <a:t>Why comment?</a:t>
@@ -41327,13 +41315,13 @@
               <a:buFont typeface="Cabin"/>
             </a:pPr>
             <a:r>
-              <a:rPr lang="en-US" sz="3600" b="0" i="0" u="none" strike="noStrike" cap="none">
+              <a:rPr lang="en-US" sz="3600" u="none" strike="noStrike" cap="none">
                 <a:solidFill>
                   <a:schemeClr val="lt1"/>
                 </a:solidFill>
-                <a:latin typeface="Cabin"/>
-                <a:ea typeface="Cabin"/>
-                <a:cs typeface="Cabin"/>
+                <a:latin typeface="Arial" charset="0"/>
+                <a:ea typeface="Arial" charset="0"/>
+                <a:cs typeface="Arial" charset="0"/>
                 <a:sym typeface="Cabin"/>
               </a:rPr>
               <a:t>Describe what is going to happen in a sequence of code</a:t>
@@ -41357,13 +41345,13 @@
               <a:buFont typeface="Cabin"/>
             </a:pPr>
             <a:r>
-              <a:rPr lang="en-US" sz="3600" b="0" i="0" u="none" strike="noStrike" cap="none">
+              <a:rPr lang="en-US" sz="3600" u="none" strike="noStrike" cap="none">
                 <a:solidFill>
                   <a:schemeClr val="lt1"/>
                 </a:solidFill>
-                <a:latin typeface="Cabin"/>
-                <a:ea typeface="Cabin"/>
-                <a:cs typeface="Cabin"/>
+                <a:latin typeface="Arial" charset="0"/>
+                <a:ea typeface="Arial" charset="0"/>
+                <a:cs typeface="Arial" charset="0"/>
                 <a:sym typeface="Cabin"/>
               </a:rPr>
               <a:t>Document who wrote the code or other ancillary information</a:t>
@@ -41387,13 +41375,13 @@
               <a:buFont typeface="Cabin"/>
             </a:pPr>
             <a:r>
-              <a:rPr lang="en-US" sz="3600" b="0" i="0" u="none" strike="noStrike" cap="none">
+              <a:rPr lang="en-US" sz="3600" u="none" strike="noStrike" cap="none">
                 <a:solidFill>
                   <a:schemeClr val="lt1"/>
                 </a:solidFill>
-                <a:latin typeface="Cabin"/>
-                <a:ea typeface="Cabin"/>
-                <a:cs typeface="Cabin"/>
+                <a:latin typeface="Arial" charset="0"/>
+                <a:ea typeface="Arial" charset="0"/>
+                <a:cs typeface="Arial" charset="0"/>
                 <a:sym typeface="Cabin"/>
               </a:rPr>
               <a:t>Turn off a line of code - perhaps temporarily</a:t>
@@ -42151,13 +42139,13 @@
               <a:buNone/>
             </a:pPr>
             <a:r>
-              <a:rPr lang="en-US" sz="7800" b="0" i="0" u="none" strike="noStrike" cap="none">
+              <a:rPr lang="en-US" sz="7800" u="none" strike="noStrike" cap="none">
                 <a:solidFill>
                   <a:srgbClr val="FFFF00"/>
                 </a:solidFill>
-                <a:latin typeface="Cabin"/>
-                <a:ea typeface="Cabin"/>
-                <a:cs typeface="Cabin"/>
+                <a:latin typeface="Arial" charset="0"/>
+                <a:ea typeface="Arial" charset="0"/>
+                <a:cs typeface="Arial" charset="0"/>
                 <a:sym typeface="Cabin"/>
               </a:rPr>
               <a:t>String Operations</a:t>
@@ -42212,37 +42200,37 @@
               <a:buChar char="•"/>
             </a:pPr>
             <a:r>
-              <a:rPr lang="en-US" sz="3600" b="0" i="0" u="none" strike="noStrike" cap="none">
+              <a:rPr lang="en-US" sz="3600" u="none" strike="noStrike" cap="none">
                 <a:solidFill>
                   <a:schemeClr val="lt1"/>
                 </a:solidFill>
-                <a:latin typeface="Cabin"/>
-                <a:ea typeface="Cabin"/>
-                <a:cs typeface="Cabin"/>
+                <a:latin typeface="Arial" charset="0"/>
+                <a:ea typeface="Arial" charset="0"/>
+                <a:cs typeface="Arial" charset="0"/>
                 <a:sym typeface="Cabin"/>
               </a:rPr>
               <a:t>Some </a:t>
             </a:r>
             <a:r>
-              <a:rPr lang="en-US" sz="3600" b="0" i="0" u="none" strike="noStrike" cap="none">
+              <a:rPr lang="en-US" sz="3600" u="none" strike="noStrike" cap="none">
                 <a:solidFill>
                   <a:srgbClr val="00FFFF"/>
                 </a:solidFill>
-                <a:latin typeface="Cabin"/>
-                <a:ea typeface="Cabin"/>
-                <a:cs typeface="Cabin"/>
+                <a:latin typeface="Arial" charset="0"/>
+                <a:ea typeface="Arial" charset="0"/>
+                <a:cs typeface="Arial" charset="0"/>
                 <a:sym typeface="Cabin"/>
               </a:rPr>
               <a:t>operators</a:t>
             </a:r>
             <a:r>
-              <a:rPr lang="en-US" sz="3600" b="0" i="0" u="none" strike="noStrike" cap="none">
+              <a:rPr lang="en-US" sz="3600" u="none" strike="noStrike" cap="none">
                 <a:solidFill>
                   <a:schemeClr val="lt1"/>
                 </a:solidFill>
-                <a:latin typeface="Cabin"/>
-                <a:ea typeface="Cabin"/>
-                <a:cs typeface="Cabin"/>
+                <a:latin typeface="Arial" charset="0"/>
+                <a:ea typeface="Arial" charset="0"/>
+                <a:cs typeface="Arial" charset="0"/>
                 <a:sym typeface="Cabin"/>
               </a:rPr>
               <a:t> apply to strings</a:t>
@@ -42266,25 +42254,25 @@
               <a:buFont typeface="Cabin"/>
             </a:pPr>
             <a:r>
-              <a:rPr lang="en-US" sz="3600" b="0" i="0" u="none" strike="noStrike" cap="none">
+              <a:rPr lang="en-US" sz="3600" u="none" strike="noStrike" cap="none">
                 <a:solidFill>
                   <a:srgbClr val="00FFFF"/>
                 </a:solidFill>
-                <a:latin typeface="Cabin"/>
-                <a:ea typeface="Cabin"/>
-                <a:cs typeface="Cabin"/>
+                <a:latin typeface="Arial" charset="0"/>
+                <a:ea typeface="Arial" charset="0"/>
+                <a:cs typeface="Arial" charset="0"/>
                 <a:sym typeface="Cabin"/>
               </a:rPr>
               <a:t>+</a:t>
             </a:r>
             <a:r>
-              <a:rPr lang="en-US" sz="3600" b="0" i="0" u="none" strike="noStrike" cap="none">
+              <a:rPr lang="en-US" sz="3600" u="none" strike="noStrike" cap="none">
                 <a:solidFill>
                   <a:schemeClr val="accent5"/>
                 </a:solidFill>
-                <a:latin typeface="Cabin"/>
-                <a:ea typeface="Cabin"/>
-                <a:cs typeface="Cabin"/>
+                <a:latin typeface="Arial" charset="0"/>
+                <a:ea typeface="Arial" charset="0"/>
+                <a:cs typeface="Arial" charset="0"/>
                 <a:sym typeface="Cabin"/>
               </a:rPr>
               <a:t> implies </a:t>
@@ -42302,13 +42290,13 @@
               <a:t>“</a:t>
             </a:r>
             <a:r>
-              <a:rPr lang="en-US" sz="3600" b="0" i="0" u="none" strike="noStrike" cap="none">
+              <a:rPr lang="en-US" sz="3600" u="none" strike="noStrike" cap="none">
                 <a:solidFill>
                   <a:schemeClr val="accent5"/>
                 </a:solidFill>
-                <a:latin typeface="Cabin"/>
-                <a:ea typeface="Cabin"/>
-                <a:cs typeface="Cabin"/>
+                <a:latin typeface="Arial" charset="0"/>
+                <a:ea typeface="Arial" charset="0"/>
+                <a:cs typeface="Arial" charset="0"/>
                 <a:sym typeface="Cabin"/>
               </a:rPr>
               <a:t>concatenation</a:t>
@@ -42344,25 +42332,25 @@
               <a:buFont typeface="Cabin"/>
             </a:pPr>
             <a:r>
-              <a:rPr lang="en-US" sz="3600" b="0" i="0" u="none" strike="noStrike" cap="none">
+              <a:rPr lang="en-US" sz="3600" u="none" strike="noStrike" cap="none">
                 <a:solidFill>
                   <a:srgbClr val="00FFFF"/>
                 </a:solidFill>
-                <a:latin typeface="Cabin"/>
-                <a:ea typeface="Cabin"/>
-                <a:cs typeface="Cabin"/>
+                <a:latin typeface="Arial" charset="0"/>
+                <a:ea typeface="Arial" charset="0"/>
+                <a:cs typeface="Arial" charset="0"/>
                 <a:sym typeface="Cabin"/>
               </a:rPr>
               <a:t>*</a:t>
             </a:r>
             <a:r>
-              <a:rPr lang="en-US" sz="3600" b="0" i="0" u="none" strike="noStrike" cap="none">
+              <a:rPr lang="en-US" sz="3600" u="none" strike="noStrike" cap="none">
                 <a:solidFill>
                   <a:schemeClr val="accent5"/>
                 </a:solidFill>
-                <a:latin typeface="Cabin"/>
-                <a:ea typeface="Cabin"/>
-                <a:cs typeface="Cabin"/>
+                <a:latin typeface="Arial" charset="0"/>
+                <a:ea typeface="Arial" charset="0"/>
+                <a:cs typeface="Arial" charset="0"/>
                 <a:sym typeface="Cabin"/>
               </a:rPr>
               <a:t> implies </a:t>
@@ -42380,13 +42368,13 @@
               <a:t>“</a:t>
             </a:r>
             <a:r>
-              <a:rPr lang="en-US" sz="3600" b="0" i="0" u="none" strike="noStrike" cap="none">
+              <a:rPr lang="en-US" sz="3600" u="none" strike="noStrike" cap="none">
                 <a:solidFill>
                   <a:schemeClr val="accent5"/>
                 </a:solidFill>
-                <a:latin typeface="Cabin"/>
-                <a:ea typeface="Cabin"/>
-                <a:cs typeface="Cabin"/>
+                <a:latin typeface="Arial" charset="0"/>
+                <a:ea typeface="Arial" charset="0"/>
+                <a:cs typeface="Arial" charset="0"/>
                 <a:sym typeface="Cabin"/>
               </a:rPr>
               <a:t>multiple concatenation</a:t>
@@ -42423,13 +42411,13 @@
               <a:buChar char="•"/>
             </a:pPr>
             <a:r>
-              <a:rPr lang="en-US" sz="3600" b="0" i="0" u="none" strike="noStrike" cap="none">
+              <a:rPr lang="en-US" sz="3600" u="none" strike="noStrike" cap="none">
                 <a:solidFill>
                   <a:schemeClr val="lt1"/>
                 </a:solidFill>
-                <a:latin typeface="Cabin"/>
-                <a:ea typeface="Cabin"/>
-                <a:cs typeface="Cabin"/>
+                <a:latin typeface="Arial" charset="0"/>
+                <a:ea typeface="Arial" charset="0"/>
+                <a:cs typeface="Arial" charset="0"/>
                 <a:sym typeface="Cabin"/>
               </a:rPr>
               <a:t>Python knows when it is dealing with a string or a number and behaves appropriately</a:t>
@@ -42490,69 +42478,69 @@
                 <a:solidFill>
                   <a:schemeClr val="lt1"/>
                 </a:solidFill>
-                <a:latin typeface="Cabin"/>
-                <a:ea typeface="Cabin"/>
-                <a:cs typeface="Cabin"/>
+                <a:latin typeface="Arial" charset="0"/>
+                <a:ea typeface="Arial" charset="0"/>
+                <a:cs typeface="Arial" charset="0"/>
                 <a:sym typeface="Cabin"/>
               </a:rPr>
               <a:t> </a:t>
             </a:r>
             <a:r>
-              <a:rPr lang="en-US" sz="3800" b="0" i="0" u="none" strike="noStrike" cap="none">
+              <a:rPr lang="en-US" sz="3800" u="none" strike="noStrike" cap="none">
                 <a:solidFill>
                   <a:schemeClr val="lt1"/>
                 </a:solidFill>
-                <a:latin typeface="Cabin"/>
-                <a:ea typeface="Cabin"/>
-                <a:cs typeface="Cabin"/>
+                <a:latin typeface="Arial" charset="0"/>
+                <a:ea typeface="Arial" charset="0"/>
+                <a:cs typeface="Arial" charset="0"/>
                 <a:sym typeface="Cabin"/>
               </a:rPr>
               <a:t>&gt;&gt;&gt; </a:t>
             </a:r>
             <a:r>
-              <a:rPr lang="en-US" sz="3800" b="0" i="0" u="none" strike="noStrike" cap="none">
+              <a:rPr lang="en-US" sz="3800" u="none" strike="noStrike" cap="none">
                 <a:solidFill>
                   <a:srgbClr val="FFFF00"/>
                 </a:solidFill>
-                <a:latin typeface="Cabin"/>
-                <a:ea typeface="Cabin"/>
-                <a:cs typeface="Cabin"/>
+                <a:latin typeface="Arial" charset="0"/>
+                <a:ea typeface="Arial" charset="0"/>
+                <a:cs typeface="Arial" charset="0"/>
                 <a:sym typeface="Cabin"/>
               </a:rPr>
               <a:t>print</a:t>
             </a:r>
             <a:r>
-              <a:rPr lang="en-US" sz="3800" b="0" i="0" u="none" strike="noStrike" cap="none">
+              <a:rPr lang="en-US" sz="3800" u="none" strike="noStrike" cap="none">
                 <a:solidFill>
                   <a:schemeClr val="lt1"/>
                 </a:solidFill>
-                <a:latin typeface="Cabin"/>
-                <a:ea typeface="Cabin"/>
-                <a:cs typeface="Cabin"/>
+                <a:latin typeface="Arial" charset="0"/>
+                <a:ea typeface="Arial" charset="0"/>
+                <a:cs typeface="Arial" charset="0"/>
                 <a:sym typeface="Cabin"/>
               </a:rPr>
               <a:t> 'abc' </a:t>
             </a:r>
             <a:r>
-              <a:rPr lang="en-US" sz="3800" b="0" i="0" u="none" strike="noStrike" cap="none">
+              <a:rPr lang="en-US" sz="3800" u="none" strike="noStrike" cap="none">
                 <a:solidFill>
                   <a:srgbClr val="00FFFF"/>
                 </a:solidFill>
-                <a:latin typeface="Cabin"/>
-                <a:ea typeface="Cabin"/>
-                <a:cs typeface="Cabin"/>
+                <a:latin typeface="Arial" charset="0"/>
+                <a:ea typeface="Arial" charset="0"/>
+                <a:cs typeface="Arial" charset="0"/>
                 <a:sym typeface="Cabin"/>
               </a:rPr>
               <a:t>+</a:t>
             </a:r>
             <a:r>
-              <a:rPr lang="en-US" sz="3800" b="0" i="0" u="none" strike="noStrike" cap="none">
+              <a:rPr lang="en-US" sz="3800" u="none" strike="noStrike" cap="none">
                 <a:solidFill>
                   <a:schemeClr val="lt1"/>
                 </a:solidFill>
-                <a:latin typeface="Cabin"/>
-                <a:ea typeface="Cabin"/>
-                <a:cs typeface="Cabin"/>
+                <a:latin typeface="Arial" charset="0"/>
+                <a:ea typeface="Arial" charset="0"/>
+                <a:cs typeface="Arial" charset="0"/>
                 <a:sym typeface="Cabin"/>
               </a:rPr>
               <a:t> '123’</a:t>
@@ -42581,21 +42569,21 @@
                 <a:solidFill>
                   <a:schemeClr val="lt1"/>
                 </a:solidFill>
-                <a:latin typeface="Cabin"/>
-                <a:ea typeface="Cabin"/>
-                <a:cs typeface="Cabin"/>
+                <a:latin typeface="Arial" charset="0"/>
+                <a:ea typeface="Arial" charset="0"/>
+                <a:cs typeface="Arial" charset="0"/>
                 <a:sym typeface="Cabin"/>
               </a:rPr>
               <a:t> a</a:t>
             </a:r>
             <a:r>
-              <a:rPr lang="en-US" sz="3800" b="0" i="0" u="none" strike="noStrike" cap="none">
+              <a:rPr lang="en-US" sz="3800" u="none" strike="noStrike" cap="none">
                 <a:solidFill>
                   <a:schemeClr val="lt1"/>
                 </a:solidFill>
-                <a:latin typeface="Cabin"/>
-                <a:ea typeface="Cabin"/>
-                <a:cs typeface="Cabin"/>
+                <a:latin typeface="Arial" charset="0"/>
+                <a:ea typeface="Arial" charset="0"/>
+                <a:cs typeface="Arial" charset="0"/>
                 <a:sym typeface="Cabin"/>
               </a:rPr>
               <a:t>bc123 </a:t>
@@ -42624,69 +42612,69 @@
                 <a:solidFill>
                   <a:schemeClr val="lt1"/>
                 </a:solidFill>
-                <a:latin typeface="Cabin"/>
-                <a:ea typeface="Cabin"/>
-                <a:cs typeface="Cabin"/>
+                <a:latin typeface="Arial" charset="0"/>
+                <a:ea typeface="Arial" charset="0"/>
+                <a:cs typeface="Arial" charset="0"/>
                 <a:sym typeface="Cabin"/>
               </a:rPr>
               <a:t> &gt;</a:t>
             </a:r>
             <a:r>
-              <a:rPr lang="en-US" sz="3800" b="0" i="0" u="none" strike="noStrike" cap="none">
+              <a:rPr lang="en-US" sz="3800" u="none" strike="noStrike" cap="none">
                 <a:solidFill>
                   <a:schemeClr val="lt1"/>
                 </a:solidFill>
-                <a:latin typeface="Cabin"/>
-                <a:ea typeface="Cabin"/>
-                <a:cs typeface="Cabin"/>
+                <a:latin typeface="Arial" charset="0"/>
+                <a:ea typeface="Arial" charset="0"/>
+                <a:cs typeface="Arial" charset="0"/>
                 <a:sym typeface="Cabin"/>
               </a:rPr>
               <a:t>&gt;&gt; </a:t>
             </a:r>
             <a:r>
-              <a:rPr lang="en-US" sz="3800" b="0" i="0" u="none" strike="noStrike" cap="none">
+              <a:rPr lang="en-US" sz="3800" u="none" strike="noStrike" cap="none">
                 <a:solidFill>
                   <a:srgbClr val="FFFF00"/>
                 </a:solidFill>
-                <a:latin typeface="Cabin"/>
-                <a:ea typeface="Cabin"/>
-                <a:cs typeface="Cabin"/>
+                <a:latin typeface="Arial" charset="0"/>
+                <a:ea typeface="Arial" charset="0"/>
+                <a:cs typeface="Arial" charset="0"/>
                 <a:sym typeface="Cabin"/>
               </a:rPr>
               <a:t>print</a:t>
             </a:r>
             <a:r>
-              <a:rPr lang="en-US" sz="3800" b="0" i="0" u="none" strike="noStrike" cap="none">
+              <a:rPr lang="en-US" sz="3800" u="none" strike="noStrike" cap="none">
                 <a:solidFill>
                   <a:schemeClr val="lt1"/>
                 </a:solidFill>
-                <a:latin typeface="Cabin"/>
-                <a:ea typeface="Cabin"/>
-                <a:cs typeface="Cabin"/>
+                <a:latin typeface="Arial" charset="0"/>
+                <a:ea typeface="Arial" charset="0"/>
+                <a:cs typeface="Arial" charset="0"/>
                 <a:sym typeface="Cabin"/>
               </a:rPr>
               <a:t> 'Hi' </a:t>
             </a:r>
             <a:r>
-              <a:rPr lang="en-US" sz="3800" b="0" i="0" u="none" strike="noStrike" cap="none">
+              <a:rPr lang="en-US" sz="3800" u="none" strike="noStrike" cap="none">
                 <a:solidFill>
                   <a:srgbClr val="00FFFF"/>
                 </a:solidFill>
-                <a:latin typeface="Cabin"/>
-                <a:ea typeface="Cabin"/>
-                <a:cs typeface="Cabin"/>
+                <a:latin typeface="Arial" charset="0"/>
+                <a:ea typeface="Arial" charset="0"/>
+                <a:cs typeface="Arial" charset="0"/>
                 <a:sym typeface="Cabin"/>
               </a:rPr>
               <a:t>*</a:t>
             </a:r>
             <a:r>
-              <a:rPr lang="en-US" sz="3800" b="0" i="0" u="none" strike="noStrike" cap="none">
+              <a:rPr lang="en-US" sz="3800" u="none" strike="noStrike" cap="none">
                 <a:solidFill>
                   <a:schemeClr val="lt1"/>
                 </a:solidFill>
-                <a:latin typeface="Cabin"/>
-                <a:ea typeface="Cabin"/>
-                <a:cs typeface="Cabin"/>
+                <a:latin typeface="Arial" charset="0"/>
+                <a:ea typeface="Arial" charset="0"/>
+                <a:cs typeface="Arial" charset="0"/>
                 <a:sym typeface="Cabin"/>
               </a:rPr>
               <a:t> 5</a:t>
@@ -42715,21 +42703,21 @@
                 <a:solidFill>
                   <a:schemeClr val="lt1"/>
                 </a:solidFill>
-                <a:latin typeface="Cabin"/>
-                <a:ea typeface="Cabin"/>
-                <a:cs typeface="Cabin"/>
+                <a:latin typeface="Arial" charset="0"/>
+                <a:ea typeface="Arial" charset="0"/>
+                <a:cs typeface="Arial" charset="0"/>
                 <a:sym typeface="Cabin"/>
               </a:rPr>
               <a:t> </a:t>
             </a:r>
             <a:r>
-              <a:rPr lang="en-US" sz="3800" b="0" i="0" u="none" strike="noStrike" cap="none">
+              <a:rPr lang="en-US" sz="3800" u="none" strike="noStrike" cap="none">
                 <a:solidFill>
                   <a:schemeClr val="lt1"/>
                 </a:solidFill>
-                <a:latin typeface="Cabin"/>
-                <a:ea typeface="Cabin"/>
-                <a:cs typeface="Cabin"/>
+                <a:latin typeface="Arial" charset="0"/>
+                <a:ea typeface="Arial" charset="0"/>
+                <a:cs typeface="Arial" charset="0"/>
                 <a:sym typeface="Cabin"/>
               </a:rPr>
               <a:t>HiHiHiHiHi</a:t>
@@ -42758,21 +42746,21 @@
                 <a:solidFill>
                   <a:schemeClr val="lt1"/>
                 </a:solidFill>
-                <a:latin typeface="Cabin"/>
-                <a:ea typeface="Cabin"/>
-                <a:cs typeface="Cabin"/>
+                <a:latin typeface="Arial" charset="0"/>
+                <a:ea typeface="Arial" charset="0"/>
+                <a:cs typeface="Arial" charset="0"/>
                 <a:sym typeface="Cabin"/>
               </a:rPr>
               <a:t> </a:t>
             </a:r>
             <a:r>
-              <a:rPr lang="en-US" sz="3800" b="0" i="0" u="none" strike="noStrike" cap="none">
+              <a:rPr lang="en-US" sz="3800" u="none" strike="noStrike" cap="none">
                 <a:solidFill>
                   <a:schemeClr val="lt1"/>
                 </a:solidFill>
-                <a:latin typeface="Cabin"/>
-                <a:ea typeface="Cabin"/>
-                <a:cs typeface="Cabin"/>
+                <a:latin typeface="Arial" charset="0"/>
+                <a:ea typeface="Arial" charset="0"/>
+                <a:cs typeface="Arial" charset="0"/>
                 <a:sym typeface="Cabin"/>
               </a:rPr>
               <a:t>&gt;&gt;&gt; </a:t>
@@ -42852,13 +42840,13 @@
               <a:buNone/>
             </a:pPr>
             <a:r>
-              <a:rPr lang="en-US" sz="7800" b="0" i="0" u="none" strike="noStrike" cap="none">
+              <a:rPr lang="en-US" sz="7800" u="none" strike="noStrike" cap="none">
                 <a:solidFill>
                   <a:srgbClr val="FFFF00"/>
                 </a:solidFill>
-                <a:latin typeface="Cabin"/>
-                <a:ea typeface="Cabin"/>
-                <a:cs typeface="Cabin"/>
+                <a:latin typeface="Arial" charset="0"/>
+                <a:ea typeface="Arial" charset="0"/>
+                <a:cs typeface="Arial" charset="0"/>
                 <a:sym typeface="Cabin"/>
               </a:rPr>
               <a:t>Mnemonic Variable Names</a:t>
@@ -42913,13 +42901,13 @@
               <a:buChar char="•"/>
             </a:pPr>
             <a:r>
-              <a:rPr lang="en-US" sz="3600" b="0" i="0" u="none" strike="noStrike" cap="none">
+              <a:rPr lang="en-US" sz="3600" u="none" strike="noStrike" cap="none">
                 <a:solidFill>
                   <a:schemeClr val="lt1"/>
                 </a:solidFill>
-                <a:latin typeface="Cabin"/>
-                <a:ea typeface="Cabin"/>
-                <a:cs typeface="Cabin"/>
+                <a:latin typeface="Arial" charset="0"/>
+                <a:ea typeface="Arial" charset="0"/>
+                <a:cs typeface="Arial" charset="0"/>
                 <a:sym typeface="Cabin"/>
               </a:rPr>
               <a:t>Since we programmers are given a choice in how we choose our variable names, there is a bit of </a:t>
@@ -42937,13 +42925,13 @@
               <a:t>“</a:t>
             </a:r>
             <a:r>
-              <a:rPr lang="en-US" sz="3600" b="0" i="0" u="none" strike="noStrike" cap="none">
+              <a:rPr lang="en-US" sz="3600" u="none" strike="noStrike" cap="none">
                 <a:solidFill>
                   <a:schemeClr val="lt1"/>
                 </a:solidFill>
-                <a:latin typeface="Cabin"/>
-                <a:ea typeface="Cabin"/>
-                <a:cs typeface="Cabin"/>
+                <a:latin typeface="Arial" charset="0"/>
+                <a:ea typeface="Arial" charset="0"/>
+                <a:cs typeface="Arial" charset="0"/>
                 <a:sym typeface="Cabin"/>
               </a:rPr>
               <a:t>best practice</a:t>
@@ -42980,13 +42968,13 @@
               <a:buChar char="•"/>
             </a:pPr>
             <a:r>
-              <a:rPr lang="en-US" sz="3600" b="0" i="0" u="none" strike="noStrike" cap="none">
+              <a:rPr lang="en-US" sz="3600" u="none" strike="noStrike" cap="none">
                 <a:solidFill>
                   <a:schemeClr val="lt1"/>
                 </a:solidFill>
-                <a:latin typeface="Cabin"/>
-                <a:ea typeface="Cabin"/>
-                <a:cs typeface="Cabin"/>
+                <a:latin typeface="Arial" charset="0"/>
+                <a:ea typeface="Arial" charset="0"/>
+                <a:cs typeface="Arial" charset="0"/>
                 <a:sym typeface="Cabin"/>
               </a:rPr>
               <a:t>We name variables to help us remember what we intend to store in them (</a:t>
@@ -43004,13 +42992,13 @@
               <a:t>“</a:t>
             </a:r>
             <a:r>
-              <a:rPr lang="en-US" sz="3600" b="0" i="0" u="none" strike="noStrike" cap="none">
+              <a:rPr lang="en-US" sz="3600" u="none" strike="noStrike" cap="none">
                 <a:solidFill>
                   <a:srgbClr val="FFFF00"/>
                 </a:solidFill>
-                <a:latin typeface="Cabin"/>
-                <a:ea typeface="Cabin"/>
-                <a:cs typeface="Cabin"/>
+                <a:latin typeface="Arial" charset="0"/>
+                <a:ea typeface="Arial" charset="0"/>
+                <a:cs typeface="Arial" charset="0"/>
                 <a:sym typeface="Cabin"/>
               </a:rPr>
               <a:t>mnemonic</a:t>
@@ -43028,13 +43016,13 @@
               <a:t>”</a:t>
             </a:r>
             <a:r>
-              <a:rPr lang="en-US" sz="3600" b="0" i="0" u="none" strike="noStrike" cap="none">
+              <a:rPr lang="en-US" sz="3600" u="none" strike="noStrike" cap="none">
                 <a:solidFill>
                   <a:schemeClr val="lt1"/>
                 </a:solidFill>
-                <a:latin typeface="Cabin"/>
-                <a:ea typeface="Cabin"/>
-                <a:cs typeface="Cabin"/>
+                <a:latin typeface="Arial" charset="0"/>
+                <a:ea typeface="Arial" charset="0"/>
+                <a:cs typeface="Arial" charset="0"/>
                 <a:sym typeface="Cabin"/>
               </a:rPr>
               <a:t> = </a:t>
@@ -43052,13 +43040,13 @@
               <a:t>“</a:t>
             </a:r>
             <a:r>
-              <a:rPr lang="en-US" sz="3600" b="0" i="0" u="none" strike="noStrike" cap="none">
+              <a:rPr lang="en-US" sz="3600" u="none" strike="noStrike" cap="none">
                 <a:solidFill>
                   <a:schemeClr val="lt1"/>
                 </a:solidFill>
-                <a:latin typeface="Cabin"/>
-                <a:ea typeface="Cabin"/>
-                <a:cs typeface="Cabin"/>
+                <a:latin typeface="Arial" charset="0"/>
+                <a:ea typeface="Arial" charset="0"/>
+                <a:cs typeface="Arial" charset="0"/>
                 <a:sym typeface="Cabin"/>
               </a:rPr>
               <a:t>memory aid</a:t>
@@ -43076,13 +43064,13 @@
               <a:t>”</a:t>
             </a:r>
             <a:r>
-              <a:rPr lang="en-US" sz="3600" b="0" i="0" u="none" strike="noStrike" cap="none">
+              <a:rPr lang="en-US" sz="3600" u="none" strike="noStrike" cap="none">
                 <a:solidFill>
                   <a:schemeClr val="lt1"/>
                 </a:solidFill>
-                <a:latin typeface="Cabin"/>
-                <a:ea typeface="Cabin"/>
-                <a:cs typeface="Cabin"/>
+                <a:latin typeface="Arial" charset="0"/>
+                <a:ea typeface="Arial" charset="0"/>
+                <a:cs typeface="Arial" charset="0"/>
                 <a:sym typeface="Cabin"/>
               </a:rPr>
               <a:t>)</a:t>
@@ -43107,13 +43095,13 @@
               <a:buChar char="•"/>
             </a:pPr>
             <a:r>
-              <a:rPr lang="en-US" sz="3600" b="0" i="0" u="none" strike="noStrike" cap="none">
+              <a:rPr lang="en-US" sz="3600" u="none" strike="noStrike" cap="none">
                 <a:solidFill>
                   <a:schemeClr val="lt1"/>
                 </a:solidFill>
-                <a:latin typeface="Cabin"/>
-                <a:ea typeface="Cabin"/>
-                <a:cs typeface="Cabin"/>
+                <a:latin typeface="Arial" charset="0"/>
+                <a:ea typeface="Arial" charset="0"/>
+                <a:cs typeface="Arial" charset="0"/>
                 <a:sym typeface="Cabin"/>
               </a:rPr>
               <a:t>This can confuse beginning students because well</a:t>
@@ -43123,21 +43111,21 @@
                 <a:solidFill>
                   <a:schemeClr val="lt1"/>
                 </a:solidFill>
-                <a:latin typeface="Cabin"/>
-                <a:ea typeface="Cabin"/>
-                <a:cs typeface="Cabin"/>
+                <a:latin typeface="Arial" charset="0"/>
+                <a:ea typeface="Arial" charset="0"/>
+                <a:cs typeface="Arial" charset="0"/>
                 <a:sym typeface="Cabin"/>
               </a:rPr>
               <a:t>-</a:t>
             </a:r>
             <a:r>
-              <a:rPr lang="en-US" sz="3600" b="0" i="0" u="none" strike="noStrike" cap="none">
+              <a:rPr lang="en-US" sz="3600" u="none" strike="noStrike" cap="none">
                 <a:solidFill>
                   <a:schemeClr val="lt1"/>
                 </a:solidFill>
-                <a:latin typeface="Cabin"/>
-                <a:ea typeface="Cabin"/>
-                <a:cs typeface="Cabin"/>
+                <a:latin typeface="Arial" charset="0"/>
+                <a:ea typeface="Arial" charset="0"/>
+                <a:cs typeface="Arial" charset="0"/>
                 <a:sym typeface="Cabin"/>
               </a:rPr>
               <a:t>named variables often </a:t>
@@ -43155,13 +43143,13 @@
               <a:t>“</a:t>
             </a:r>
             <a:r>
-              <a:rPr lang="en-US" sz="3600" b="0" i="0" u="none" strike="noStrike" cap="none">
+              <a:rPr lang="en-US" sz="3600" u="none" strike="noStrike" cap="none">
                 <a:solidFill>
                   <a:schemeClr val="lt1"/>
                 </a:solidFill>
-                <a:latin typeface="Cabin"/>
-                <a:ea typeface="Cabin"/>
-                <a:cs typeface="Cabin"/>
+                <a:latin typeface="Arial" charset="0"/>
+                <a:ea typeface="Arial" charset="0"/>
+                <a:cs typeface="Arial" charset="0"/>
                 <a:sym typeface="Cabin"/>
               </a:rPr>
               <a:t>sound</a:t>
@@ -43179,13 +43167,13 @@
               <a:t>”</a:t>
             </a:r>
             <a:r>
-              <a:rPr lang="en-US" sz="3600" b="0" i="0" u="none" strike="noStrike" cap="none">
+              <a:rPr lang="en-US" sz="3600" u="none" strike="noStrike" cap="none">
                 <a:solidFill>
                   <a:schemeClr val="lt1"/>
                 </a:solidFill>
-                <a:latin typeface="Cabin"/>
-                <a:ea typeface="Cabin"/>
-                <a:cs typeface="Cabin"/>
+                <a:latin typeface="Arial" charset="0"/>
+                <a:ea typeface="Arial" charset="0"/>
+                <a:cs typeface="Arial" charset="0"/>
                 <a:sym typeface="Cabin"/>
               </a:rPr>
               <a:t> so good that they must be keywords</a:t>
@@ -43236,13 +43224,13 @@
               <a:buNone/>
             </a:pPr>
             <a:r>
-              <a:rPr lang="en-US" sz="3000" b="0" i="0" u="sng" strike="noStrike" cap="none">
+              <a:rPr lang="en-US" sz="3000" u="sng" strike="noStrike" cap="none">
                 <a:solidFill>
                   <a:srgbClr val="FFFF00"/>
                 </a:solidFill>
-                <a:latin typeface="Cabin"/>
-                <a:ea typeface="Cabin"/>
-                <a:cs typeface="Cabin"/>
+                <a:latin typeface="Arial" charset="0"/>
+                <a:ea typeface="Arial" charset="0"/>
+                <a:cs typeface="Arial" charset="0"/>
                 <a:sym typeface="Cabin"/>
                 <a:hlinkClick r:id="rId3"/>
               </a:rPr>
@@ -43323,13 +43311,13 @@
               <a:buNone/>
             </a:pPr>
             <a:r>
-              <a:rPr lang="en-US" sz="7600" b="0" i="0" u="none" strike="noStrike" cap="none">
+              <a:rPr lang="en-US" sz="7600" u="none" strike="noStrike" cap="none">
                 <a:solidFill>
                   <a:srgbClr val="FFFF00"/>
                 </a:solidFill>
-                <a:latin typeface="Cabin"/>
-                <a:ea typeface="Cabin"/>
-                <a:cs typeface="Cabin"/>
+                <a:latin typeface="Arial" charset="0"/>
+                <a:ea typeface="Arial" charset="0"/>
+                <a:cs typeface="Arial" charset="0"/>
                 <a:sym typeface="Cabin"/>
               </a:rPr>
               <a:t>Variables</a:t>
@@ -43384,61 +43372,61 @@
               <a:buChar char="•"/>
             </a:pPr>
             <a:r>
-              <a:rPr lang="en-US" sz="3600" b="0" i="0" u="none" strike="noStrike" cap="none">
+              <a:rPr lang="en-US" sz="3600" u="none" strike="noStrike" cap="none">
                 <a:solidFill>
                   <a:schemeClr val="lt1"/>
                 </a:solidFill>
-                <a:latin typeface="Cabin"/>
-                <a:ea typeface="Cabin"/>
-                <a:cs typeface="Cabin"/>
+                <a:latin typeface="Arial" charset="0"/>
+                <a:ea typeface="Arial" charset="0"/>
+                <a:cs typeface="Arial" charset="0"/>
                 <a:sym typeface="Cabin"/>
               </a:rPr>
               <a:t>A </a:t>
             </a:r>
             <a:r>
-              <a:rPr lang="en-US" sz="3600" b="0" i="0" u="none" strike="noStrike" cap="none">
+              <a:rPr lang="en-US" sz="3600" u="none" strike="noStrike" cap="none">
                 <a:solidFill>
                   <a:srgbClr val="00FF00"/>
                 </a:solidFill>
-                <a:latin typeface="Cabin"/>
-                <a:ea typeface="Cabin"/>
-                <a:cs typeface="Cabin"/>
+                <a:latin typeface="Arial" charset="0"/>
+                <a:ea typeface="Arial" charset="0"/>
+                <a:cs typeface="Arial" charset="0"/>
                 <a:sym typeface="Cabin"/>
               </a:rPr>
               <a:t>variable</a:t>
             </a:r>
             <a:r>
-              <a:rPr lang="en-US" sz="3600" b="0" i="0" u="none" strike="noStrike" cap="none">
+              <a:rPr lang="en-US" sz="3600" u="none" strike="noStrike" cap="none">
                 <a:solidFill>
                   <a:schemeClr val="lt1"/>
                 </a:solidFill>
-                <a:latin typeface="Cabin"/>
-                <a:ea typeface="Cabin"/>
-                <a:cs typeface="Cabin"/>
+                <a:latin typeface="Arial" charset="0"/>
+                <a:ea typeface="Arial" charset="0"/>
+                <a:cs typeface="Arial" charset="0"/>
                 <a:sym typeface="Cabin"/>
               </a:rPr>
               <a:t> is a named place in the memory where a programmer can store data and later retrieve the data using the </a:t>
             </a:r>
             <a:r>
-              <a:rPr lang="en-US" sz="3600" b="0" i="0" u="none" strike="noStrike" cap="none">
+              <a:rPr lang="en-US" sz="3600" u="none" strike="noStrike" cap="none">
                 <a:solidFill>
                   <a:srgbClr val="00FF00"/>
                 </a:solidFill>
-                <a:latin typeface="Cabin"/>
-                <a:ea typeface="Cabin"/>
-                <a:cs typeface="Cabin"/>
+                <a:latin typeface="Arial" charset="0"/>
+                <a:ea typeface="Arial" charset="0"/>
+                <a:cs typeface="Arial" charset="0"/>
                 <a:sym typeface="Cabin"/>
               </a:rPr>
               <a:t>variable</a:t>
             </a:r>
             <a:r>
-              <a:rPr lang="en-US" sz="3600" b="0" i="0" u="none" strike="noStrike" cap="none">
+              <a:rPr lang="en-US" sz="3600" u="none" strike="noStrike" cap="none">
                 <a:solidFill>
                   <a:schemeClr val="lt1"/>
                 </a:solidFill>
-                <a:latin typeface="Cabin"/>
-                <a:ea typeface="Cabin"/>
-                <a:cs typeface="Cabin"/>
+                <a:latin typeface="Arial" charset="0"/>
+                <a:ea typeface="Arial" charset="0"/>
+                <a:cs typeface="Arial" charset="0"/>
                 <a:sym typeface="Cabin"/>
               </a:rPr>
               <a:t> </a:t>
@@ -43456,13 +43444,13 @@
               <a:t>“</a:t>
             </a:r>
             <a:r>
-              <a:rPr lang="en-US" sz="3600" b="0" i="0" u="none" strike="noStrike" cap="none">
+              <a:rPr lang="en-US" sz="3600" u="none" strike="noStrike" cap="none">
                 <a:solidFill>
                   <a:schemeClr val="lt1"/>
                 </a:solidFill>
-                <a:latin typeface="Cabin"/>
-                <a:ea typeface="Cabin"/>
-                <a:cs typeface="Cabin"/>
+                <a:latin typeface="Arial" charset="0"/>
+                <a:ea typeface="Arial" charset="0"/>
+                <a:cs typeface="Arial" charset="0"/>
                 <a:sym typeface="Cabin"/>
               </a:rPr>
               <a:t>name</a:t>
@@ -43499,25 +43487,25 @@
               <a:buChar char="•"/>
             </a:pPr>
             <a:r>
-              <a:rPr lang="en-US" sz="3600" b="0" i="0" u="none" strike="noStrike" cap="none">
+              <a:rPr lang="en-US" sz="3600" u="none" strike="noStrike" cap="none">
                 <a:solidFill>
                   <a:schemeClr val="lt1"/>
                 </a:solidFill>
-                <a:latin typeface="Cabin"/>
-                <a:ea typeface="Cabin"/>
-                <a:cs typeface="Cabin"/>
+                <a:latin typeface="Arial" charset="0"/>
+                <a:ea typeface="Arial" charset="0"/>
+                <a:cs typeface="Arial" charset="0"/>
                 <a:sym typeface="Cabin"/>
               </a:rPr>
               <a:t>Programmers get to choose the names of the </a:t>
             </a:r>
             <a:r>
-              <a:rPr lang="en-US" sz="3600" b="0" i="0" u="none" strike="noStrike" cap="none">
+              <a:rPr lang="en-US" sz="3600" u="none" strike="noStrike" cap="none">
                 <a:solidFill>
                   <a:srgbClr val="00FF00"/>
                 </a:solidFill>
-                <a:latin typeface="Cabin"/>
-                <a:ea typeface="Cabin"/>
-                <a:cs typeface="Cabin"/>
+                <a:latin typeface="Arial" charset="0"/>
+                <a:ea typeface="Arial" charset="0"/>
+                <a:cs typeface="Arial" charset="0"/>
                 <a:sym typeface="Cabin"/>
               </a:rPr>
               <a:t>variables</a:t>
@@ -43542,37 +43530,37 @@
               <a:buChar char="•"/>
             </a:pPr>
             <a:r>
-              <a:rPr lang="en-US" sz="3600" b="0" i="0" u="none" strike="noStrike" cap="none">
+              <a:rPr lang="en-US" sz="3600" u="none" strike="noStrike" cap="none">
                 <a:solidFill>
                   <a:schemeClr val="lt1"/>
                 </a:solidFill>
-                <a:latin typeface="Cabin"/>
-                <a:ea typeface="Cabin"/>
-                <a:cs typeface="Cabin"/>
+                <a:latin typeface="Arial" charset="0"/>
+                <a:ea typeface="Arial" charset="0"/>
+                <a:cs typeface="Arial" charset="0"/>
                 <a:sym typeface="Cabin"/>
               </a:rPr>
               <a:t>You can change the contents of a </a:t>
             </a:r>
             <a:r>
-              <a:rPr lang="en-US" sz="3600" b="0" i="0" u="none" strike="noStrike" cap="none">
+              <a:rPr lang="en-US" sz="3600" u="none" strike="noStrike" cap="none">
                 <a:solidFill>
                   <a:srgbClr val="00FF00"/>
                 </a:solidFill>
-                <a:latin typeface="Cabin"/>
-                <a:ea typeface="Cabin"/>
-                <a:cs typeface="Cabin"/>
+                <a:latin typeface="Arial" charset="0"/>
+                <a:ea typeface="Arial" charset="0"/>
+                <a:cs typeface="Arial" charset="0"/>
                 <a:sym typeface="Cabin"/>
               </a:rPr>
               <a:t>variable </a:t>
             </a:r>
             <a:r>
-              <a:rPr lang="en-US" sz="3600" b="0" i="0" u="none" strike="noStrike" cap="none">
+              <a:rPr lang="en-US" sz="3600" u="none" strike="noStrike" cap="none">
                 <a:solidFill>
                   <a:schemeClr val="lt1"/>
                 </a:solidFill>
-                <a:latin typeface="Cabin"/>
-                <a:ea typeface="Cabin"/>
-                <a:cs typeface="Cabin"/>
+                <a:latin typeface="Arial" charset="0"/>
+                <a:ea typeface="Arial" charset="0"/>
+                <a:cs typeface="Arial" charset="0"/>
                 <a:sym typeface="Cabin"/>
               </a:rPr>
               <a:t>in a later statement</a:t>
@@ -43633,21 +43621,21 @@
                 <a:solidFill>
                   <a:schemeClr val="lt1"/>
                 </a:solidFill>
-                <a:latin typeface="Cabin"/>
-                <a:ea typeface="Cabin"/>
-                <a:cs typeface="Cabin"/>
+                <a:latin typeface="Arial" charset="0"/>
+                <a:ea typeface="Arial" charset="0"/>
+                <a:cs typeface="Arial" charset="0"/>
                 <a:sym typeface="Cabin"/>
               </a:rPr>
               <a:t> </a:t>
             </a:r>
             <a:r>
-              <a:rPr lang="en-US" sz="4900" i="0" u="none" strike="noStrike" cap="none">
+              <a:rPr lang="en-US" sz="4900" u="none" strike="noStrike" cap="none">
                 <a:solidFill>
                   <a:schemeClr val="lt1"/>
                 </a:solidFill>
-                <a:latin typeface="Cabin"/>
-                <a:ea typeface="Cabin"/>
-                <a:cs typeface="Cabin"/>
+                <a:latin typeface="Arial" charset="0"/>
+                <a:ea typeface="Arial" charset="0"/>
+                <a:cs typeface="Arial" charset="0"/>
                 <a:sym typeface="Cabin"/>
               </a:rPr>
               <a:t>12.2</a:t>
@@ -43698,13 +43686,13 @@
               <a:buNone/>
             </a:pPr>
             <a:r>
-              <a:rPr lang="en-US" sz="5200" i="0" u="none" strike="noStrike" cap="none">
+              <a:rPr lang="en-US" sz="5200" u="none" strike="noStrike" cap="none">
                 <a:solidFill>
                   <a:srgbClr val="00FF00"/>
                 </a:solidFill>
-                <a:latin typeface="Cabin"/>
-                <a:ea typeface="Cabin"/>
-                <a:cs typeface="Cabin"/>
+                <a:latin typeface="Arial" charset="0"/>
+                <a:ea typeface="Arial" charset="0"/>
+                <a:cs typeface="Arial" charset="0"/>
                 <a:sym typeface="Cabin"/>
               </a:rPr>
               <a:t>x</a:t>
@@ -43765,36 +43753,24 @@
                 <a:solidFill>
                   <a:schemeClr val="lt1"/>
                 </a:solidFill>
-                <a:latin typeface="Cabin"/>
-                <a:ea typeface="Cabin"/>
-                <a:cs typeface="Cabin"/>
+                <a:latin typeface="Arial" charset="0"/>
+                <a:ea typeface="Arial" charset="0"/>
+                <a:cs typeface="Arial" charset="0"/>
                 <a:sym typeface="Cabin"/>
               </a:rPr>
               <a:t> </a:t>
             </a:r>
             <a:r>
-              <a:rPr lang="en-US" sz="4900" i="0" u="none" strike="noStrike" cap="none">
+              <a:rPr lang="en-US" sz="4900" u="none" strike="noStrike" cap="none">
                 <a:solidFill>
                   <a:schemeClr val="lt1"/>
                 </a:solidFill>
-                <a:latin typeface="Cabin"/>
-                <a:ea typeface="Cabin"/>
-                <a:cs typeface="Cabin"/>
+                <a:latin typeface="Arial" charset="0"/>
+                <a:ea typeface="Arial" charset="0"/>
+                <a:cs typeface="Arial" charset="0"/>
                 <a:sym typeface="Cabin"/>
               </a:rPr>
-              <a:t>14</a:t>
-            </a:r>
-            <a:r>
-              <a:rPr lang="en-US" sz="4900" b="0" i="0" u="none" strike="noStrike" cap="none">
-                <a:solidFill>
-                  <a:schemeClr val="lt1"/>
-                </a:solidFill>
-                <a:latin typeface="Cabin"/>
-                <a:ea typeface="Cabin"/>
-                <a:cs typeface="Cabin"/>
-                <a:sym typeface="Cabin"/>
-              </a:rPr>
-              <a:t>               </a:t>
+              <a:t>14               </a:t>
             </a:r>
           </a:p>
         </p:txBody>
@@ -43842,13 +43818,13 @@
               <a:buNone/>
             </a:pPr>
             <a:r>
-              <a:rPr lang="en-US" sz="5200" b="0" i="0" u="none" strike="noStrike" cap="none">
+              <a:rPr lang="en-US" sz="5200" u="none" strike="noStrike" cap="none">
                 <a:solidFill>
                   <a:srgbClr val="00FF00"/>
                 </a:solidFill>
-                <a:latin typeface="Cabin"/>
-                <a:ea typeface="Cabin"/>
-                <a:cs typeface="Cabin"/>
+                <a:latin typeface="Arial" charset="0"/>
+                <a:ea typeface="Arial" charset="0"/>
+                <a:cs typeface="Arial" charset="0"/>
                 <a:sym typeface="Cabin"/>
               </a:rPr>
               <a:t>y</a:t>
@@ -44316,13 +44292,13 @@
               <a:buNone/>
             </a:pPr>
             <a:r>
-              <a:rPr lang="en-US" sz="3800" b="0" i="0" u="none" strike="noStrike" cap="none">
+              <a:rPr lang="en-US" sz="3800" u="none" strike="noStrike" cap="none">
                 <a:solidFill>
                   <a:schemeClr val="lt1"/>
                 </a:solidFill>
-                <a:latin typeface="Cabin"/>
-                <a:ea typeface="Cabin"/>
-                <a:cs typeface="Cabin"/>
+                <a:latin typeface="Arial" charset="0"/>
+                <a:ea typeface="Arial" charset="0"/>
+                <a:cs typeface="Arial" charset="0"/>
                 <a:sym typeface="Cabin"/>
               </a:rPr>
               <a:t>What </a:t>
@@ -44332,21 +44308,21 @@
                 <a:solidFill>
                   <a:schemeClr val="lt1"/>
                 </a:solidFill>
-                <a:latin typeface="Cabin"/>
-                <a:ea typeface="Cabin"/>
-                <a:cs typeface="Cabin"/>
+                <a:latin typeface="Arial" charset="0"/>
+                <a:ea typeface="Arial" charset="0"/>
+                <a:cs typeface="Arial" charset="0"/>
                 <a:sym typeface="Cabin"/>
               </a:rPr>
               <a:t>is this bit of </a:t>
             </a:r>
             <a:r>
-              <a:rPr lang="en-US" sz="3800" b="0" i="0" u="none" strike="noStrike" cap="none">
+              <a:rPr lang="en-US" sz="3800" u="none" strike="noStrike" cap="none">
                 <a:solidFill>
                   <a:schemeClr val="lt1"/>
                 </a:solidFill>
-                <a:latin typeface="Cabin"/>
-                <a:ea typeface="Cabin"/>
-                <a:cs typeface="Cabin"/>
+                <a:latin typeface="Arial" charset="0"/>
+                <a:ea typeface="Arial" charset="0"/>
+                <a:cs typeface="Arial" charset="0"/>
                 <a:sym typeface="Cabin"/>
               </a:rPr>
               <a:t>code doing?</a:t>
@@ -44722,13 +44698,13 @@
               <a:buNone/>
             </a:pPr>
             <a:r>
-              <a:rPr lang="en-US" sz="3800" b="0" i="0" u="none" strike="noStrike" cap="none">
+              <a:rPr lang="en-US" sz="3800" u="none" strike="noStrike" cap="none">
                 <a:solidFill>
                   <a:schemeClr val="lt1"/>
                 </a:solidFill>
-                <a:latin typeface="Cabin"/>
-                <a:ea typeface="Cabin"/>
-                <a:cs typeface="Cabin"/>
+                <a:latin typeface="Arial" charset="0"/>
+                <a:ea typeface="Arial" charset="0"/>
+                <a:cs typeface="Arial" charset="0"/>
                 <a:sym typeface="Cabin"/>
               </a:rPr>
               <a:t>What </a:t>
@@ -44738,21 +44714,21 @@
                 <a:solidFill>
                   <a:schemeClr val="lt1"/>
                 </a:solidFill>
-                <a:latin typeface="Cabin"/>
-                <a:ea typeface="Cabin"/>
-                <a:cs typeface="Cabin"/>
+                <a:latin typeface="Arial" charset="0"/>
+                <a:ea typeface="Arial" charset="0"/>
+                <a:cs typeface="Arial" charset="0"/>
                 <a:sym typeface="Cabin"/>
               </a:rPr>
               <a:t>are these bits of </a:t>
             </a:r>
             <a:r>
-              <a:rPr lang="en-US" sz="3800" b="0" i="0" u="none" strike="noStrike" cap="none">
+              <a:rPr lang="en-US" sz="3800" u="none" strike="noStrike" cap="none">
                 <a:solidFill>
                   <a:schemeClr val="lt1"/>
                 </a:solidFill>
-                <a:latin typeface="Cabin"/>
-                <a:ea typeface="Cabin"/>
-                <a:cs typeface="Cabin"/>
+                <a:latin typeface="Arial" charset="0"/>
+                <a:ea typeface="Arial" charset="0"/>
+                <a:cs typeface="Arial" charset="0"/>
                 <a:sym typeface="Cabin"/>
               </a:rPr>
               <a:t>code doing?</a:t>
@@ -45278,13 +45254,13 @@
               <a:buNone/>
             </a:pPr>
             <a:r>
-              <a:rPr lang="en-US" sz="3800" b="0" i="0" u="none" strike="noStrike" cap="none">
+              <a:rPr lang="en-US" sz="3800" u="none" strike="noStrike" cap="none">
                 <a:solidFill>
                   <a:schemeClr val="lt1"/>
                 </a:solidFill>
-                <a:latin typeface="Cabin"/>
-                <a:ea typeface="Cabin"/>
-                <a:cs typeface="Cabin"/>
+                <a:latin typeface="Arial" charset="0"/>
+                <a:ea typeface="Arial" charset="0"/>
+                <a:cs typeface="Arial" charset="0"/>
                 <a:sym typeface="Cabin"/>
               </a:rPr>
               <a:t>What </a:t>
@@ -45294,21 +45270,21 @@
                 <a:solidFill>
                   <a:schemeClr val="lt1"/>
                 </a:solidFill>
-                <a:latin typeface="Cabin"/>
-                <a:ea typeface="Cabin"/>
-                <a:cs typeface="Cabin"/>
+                <a:latin typeface="Arial" charset="0"/>
+                <a:ea typeface="Arial" charset="0"/>
+                <a:cs typeface="Arial" charset="0"/>
                 <a:sym typeface="Cabin"/>
               </a:rPr>
               <a:t>are these bits of </a:t>
             </a:r>
             <a:r>
-              <a:rPr lang="en-US" sz="3800" b="0" i="0" u="none" strike="noStrike" cap="none">
+              <a:rPr lang="en-US" sz="3800" u="none" strike="noStrike" cap="none">
                 <a:solidFill>
                   <a:schemeClr val="lt1"/>
                 </a:solidFill>
-                <a:latin typeface="Cabin"/>
-                <a:ea typeface="Cabin"/>
-                <a:cs typeface="Cabin"/>
+                <a:latin typeface="Arial" charset="0"/>
+                <a:ea typeface="Arial" charset="0"/>
+                <a:cs typeface="Arial" charset="0"/>
                 <a:sym typeface="Cabin"/>
               </a:rPr>
               <a:t>code doing?</a:t>
@@ -45384,13 +45360,13 @@
               <a:buNone/>
             </a:pPr>
             <a:r>
-              <a:rPr lang="en-US" sz="3800" b="0" i="0" u="none" strike="noStrike" cap="none">
+              <a:rPr lang="en-US" sz="3800" u="none" strike="noStrike" cap="none">
                 <a:solidFill>
                   <a:srgbClr val="FFFF00"/>
                 </a:solidFill>
-                <a:latin typeface="Cabin"/>
-                <a:ea typeface="Cabin"/>
-                <a:cs typeface="Cabin"/>
+                <a:latin typeface="Arial" charset="0"/>
+                <a:ea typeface="Arial" charset="0"/>
+                <a:cs typeface="Arial" charset="0"/>
                 <a:sym typeface="Cabin"/>
               </a:rPr>
               <a:t>Exercise</a:t>
@@ -45441,35 +45417,35 @@
               <a:buNone/>
             </a:pPr>
             <a:r>
-              <a:rPr lang="en-US" sz="3800" b="0" i="0" u="none" strike="noStrike" cap="none">
+              <a:rPr lang="en-US" sz="3800" u="none" strike="noStrike" cap="none">
                 <a:solidFill>
                   <a:schemeClr val="lt1"/>
                 </a:solidFill>
-                <a:latin typeface="Cabin"/>
-                <a:ea typeface="Cabin"/>
-                <a:cs typeface="Cabin"/>
+                <a:latin typeface="Arial" charset="0"/>
+                <a:ea typeface="Arial" charset="0"/>
+                <a:cs typeface="Arial" charset="0"/>
                 <a:sym typeface="Cabin"/>
               </a:rPr>
               <a:t>Write a program to prompt the user for hours and rate per hour to compute gross pay.</a:t>
             </a:r>
             <a:br>
-              <a:rPr lang="en-US" sz="3800" b="0" i="0" u="none" strike="noStrike" cap="none">
+              <a:rPr lang="en-US" sz="3800" u="none" strike="noStrike" cap="none">
                 <a:solidFill>
                   <a:schemeClr val="lt1"/>
                 </a:solidFill>
-                <a:latin typeface="Cabin"/>
-                <a:ea typeface="Cabin"/>
-                <a:cs typeface="Cabin"/>
+                <a:latin typeface="Arial" charset="0"/>
+                <a:ea typeface="Arial" charset="0"/>
+                <a:cs typeface="Arial" charset="0"/>
                 <a:sym typeface="Cabin"/>
               </a:rPr>
             </a:br>
-            <a:endParaRPr lang="en-US" sz="3800" b="0" i="0" u="none" strike="noStrike" cap="none">
+            <a:endParaRPr lang="en-US" sz="3800" u="none" strike="noStrike" cap="none">
               <a:solidFill>
                 <a:schemeClr val="lt1"/>
               </a:solidFill>
-              <a:latin typeface="Cabin"/>
-              <a:ea typeface="Cabin"/>
-              <a:cs typeface="Cabin"/>
+              <a:latin typeface="Arial" charset="0"/>
+              <a:ea typeface="Arial" charset="0"/>
+              <a:cs typeface="Arial" charset="0"/>
               <a:sym typeface="Cabin"/>
             </a:endParaRPr>
           </a:p>
@@ -45492,37 +45468,37 @@
               <a:buNone/>
             </a:pPr>
             <a:r>
-              <a:rPr lang="en-US" sz="3800" b="0" i="0" u="none" strike="noStrike" cap="none">
+              <a:rPr lang="en-US" sz="3800" u="none" strike="noStrike" cap="none">
                 <a:solidFill>
                   <a:schemeClr val="lt1"/>
                 </a:solidFill>
-                <a:latin typeface="Cabin"/>
-                <a:ea typeface="Cabin"/>
-                <a:cs typeface="Cabin"/>
+                <a:latin typeface="Arial" charset="0"/>
+                <a:ea typeface="Arial" charset="0"/>
+                <a:cs typeface="Arial" charset="0"/>
                 <a:sym typeface="Cabin"/>
               </a:rPr>
               <a:t>Enter Hours: </a:t>
             </a:r>
             <a:r>
-              <a:rPr lang="en-US" sz="3800" b="0" i="0" u="none" strike="noStrike" cap="none">
+              <a:rPr lang="en-US" sz="3800" u="none" strike="noStrike" cap="none">
                 <a:solidFill>
                   <a:srgbClr val="FFFF00"/>
                 </a:solidFill>
-                <a:latin typeface="Cabin"/>
-                <a:ea typeface="Cabin"/>
-                <a:cs typeface="Cabin"/>
+                <a:latin typeface="Arial" charset="0"/>
+                <a:ea typeface="Arial" charset="0"/>
+                <a:cs typeface="Arial" charset="0"/>
                 <a:sym typeface="Cabin"/>
               </a:rPr>
               <a:t>35</a:t>
             </a:r>
             <a:r>
-              <a:rPr lang="en-US" sz="3800" b="0" i="0" u="none" strike="noStrike" cap="none">
+              <a:rPr lang="en-US" sz="3800" u="none" strike="noStrike" cap="none">
                 <a:solidFill>
                   <a:schemeClr val="lt1"/>
                 </a:solidFill>
-                <a:latin typeface="Cabin"/>
-                <a:ea typeface="Cabin"/>
-                <a:cs typeface="Cabin"/>
+                <a:latin typeface="Arial" charset="0"/>
+                <a:ea typeface="Arial" charset="0"/>
+                <a:cs typeface="Arial" charset="0"/>
                 <a:sym typeface="Cabin"/>
               </a:rPr>
               <a:t> </a:t>
@@ -45547,25 +45523,25 @@
               <a:buNone/>
             </a:pPr>
             <a:r>
-              <a:rPr lang="en-US" sz="3800" b="0" i="0" u="none" strike="noStrike" cap="none">
+              <a:rPr lang="en-US" sz="3800" u="none" strike="noStrike" cap="none">
                 <a:solidFill>
                   <a:schemeClr val="lt1"/>
                 </a:solidFill>
-                <a:latin typeface="Cabin"/>
-                <a:ea typeface="Cabin"/>
-                <a:cs typeface="Cabin"/>
+                <a:latin typeface="Arial" charset="0"/>
+                <a:ea typeface="Arial" charset="0"/>
+                <a:cs typeface="Arial" charset="0"/>
                 <a:sym typeface="Cabin"/>
               </a:rPr>
               <a:t>Enter Rate: </a:t>
             </a:r>
             <a:r>
-              <a:rPr lang="en-US" sz="3800" b="0" i="0" u="none" strike="noStrike" cap="none">
+              <a:rPr lang="en-US" sz="3800" u="none" strike="noStrike" cap="none">
                 <a:solidFill>
                   <a:srgbClr val="FFFF00"/>
                 </a:solidFill>
-                <a:latin typeface="Cabin"/>
-                <a:ea typeface="Cabin"/>
-                <a:cs typeface="Cabin"/>
+                <a:latin typeface="Arial" charset="0"/>
+                <a:ea typeface="Arial" charset="0"/>
+                <a:cs typeface="Arial" charset="0"/>
                 <a:sym typeface="Cabin"/>
               </a:rPr>
               <a:t>2.75 </a:t>
@@ -45590,13 +45566,13 @@
               <a:buNone/>
             </a:pPr>
             <a:r>
-              <a:rPr lang="en-US" sz="3800" b="0" i="0" u="none" strike="noStrike" cap="none">
+              <a:rPr lang="en-US" sz="3800" u="none" strike="noStrike" cap="none">
                 <a:solidFill>
                   <a:schemeClr val="lt1"/>
                 </a:solidFill>
-                <a:latin typeface="Cabin"/>
-                <a:ea typeface="Cabin"/>
-                <a:cs typeface="Cabin"/>
+                <a:latin typeface="Arial" charset="0"/>
+                <a:ea typeface="Arial" charset="0"/>
+                <a:cs typeface="Arial" charset="0"/>
                 <a:sym typeface="Cabin"/>
               </a:rPr>
               <a:t>Pay: 96.25</a:t>
@@ -45676,13 +45652,13 @@
               <a:buNone/>
             </a:pPr>
             <a:r>
-              <a:rPr lang="en-US" sz="7600" b="0" i="0" u="none" strike="noStrike" cap="none">
+              <a:rPr lang="en-US" sz="7600" u="none" strike="noStrike" cap="none">
                 <a:solidFill>
                   <a:srgbClr val="FFFF00"/>
                 </a:solidFill>
-                <a:latin typeface="Cabin"/>
-                <a:ea typeface="Cabin"/>
-                <a:cs typeface="Cabin"/>
+                <a:latin typeface="Arial" charset="0"/>
+                <a:ea typeface="Arial" charset="0"/>
+                <a:cs typeface="Arial" charset="0"/>
                 <a:sym typeface="Cabin"/>
               </a:rPr>
               <a:t>Summary</a:t>
@@ -45737,13 +45713,13 @@
               <a:buChar char="•"/>
             </a:pPr>
             <a:r>
-              <a:rPr lang="en-US" sz="3600" b="0" i="0" u="none" strike="noStrike" cap="none">
+              <a:rPr lang="en-US" sz="3600" u="none" strike="noStrike" cap="none">
                 <a:solidFill>
                   <a:schemeClr val="lt1"/>
                 </a:solidFill>
-                <a:latin typeface="Cabin"/>
-                <a:ea typeface="Cabin"/>
-                <a:cs typeface="Cabin"/>
+                <a:latin typeface="Arial" charset="0"/>
+                <a:ea typeface="Arial" charset="0"/>
+                <a:cs typeface="Arial" charset="0"/>
                 <a:sym typeface="Cabin"/>
               </a:rPr>
               <a:t>Type</a:t>
@@ -45768,13 +45744,13 @@
               <a:buChar char="•"/>
             </a:pPr>
             <a:r>
-              <a:rPr lang="en-US" sz="3600" b="0" i="0" u="none" strike="noStrike" cap="none">
+              <a:rPr lang="en-US" sz="3600" u="none" strike="noStrike" cap="none">
                 <a:solidFill>
                   <a:schemeClr val="lt1"/>
                 </a:solidFill>
-                <a:latin typeface="Cabin"/>
-                <a:ea typeface="Cabin"/>
-                <a:cs typeface="Cabin"/>
+                <a:latin typeface="Arial" charset="0"/>
+                <a:ea typeface="Arial" charset="0"/>
+                <a:cs typeface="Arial" charset="0"/>
                 <a:sym typeface="Cabin"/>
               </a:rPr>
               <a:t>Reserved words</a:t>
@@ -45799,13 +45775,13 @@
               <a:buChar char="•"/>
             </a:pPr>
             <a:r>
-              <a:rPr lang="en-US" sz="3600" b="0" i="0" u="none" strike="noStrike" cap="none">
+              <a:rPr lang="en-US" sz="3600" u="none" strike="noStrike" cap="none">
                 <a:solidFill>
                   <a:schemeClr val="lt1"/>
                 </a:solidFill>
-                <a:latin typeface="Cabin"/>
-                <a:ea typeface="Cabin"/>
-                <a:cs typeface="Cabin"/>
+                <a:latin typeface="Arial" charset="0"/>
+                <a:ea typeface="Arial" charset="0"/>
+                <a:cs typeface="Arial" charset="0"/>
                 <a:sym typeface="Cabin"/>
               </a:rPr>
               <a:t>Variables (mnemonic)</a:t>
@@ -45830,13 +45806,13 @@
               <a:buChar char="•"/>
             </a:pPr>
             <a:r>
-              <a:rPr lang="en-US" sz="3600" b="0" i="0" u="none" strike="noStrike" cap="none">
+              <a:rPr lang="en-US" sz="3600" u="none" strike="noStrike" cap="none">
                 <a:solidFill>
                   <a:schemeClr val="lt1"/>
                 </a:solidFill>
-                <a:latin typeface="Cabin"/>
-                <a:ea typeface="Cabin"/>
-                <a:cs typeface="Cabin"/>
+                <a:latin typeface="Arial" charset="0"/>
+                <a:ea typeface="Arial" charset="0"/>
+                <a:cs typeface="Arial" charset="0"/>
                 <a:sym typeface="Cabin"/>
               </a:rPr>
               <a:t>Operators</a:t>
@@ -45861,13 +45837,13 @@
               <a:buChar char="•"/>
             </a:pPr>
             <a:r>
-              <a:rPr lang="en-US" sz="3600" b="0" i="0" u="none" strike="noStrike" cap="none">
+              <a:rPr lang="en-US" sz="3600" u="none" strike="noStrike" cap="none">
                 <a:solidFill>
                   <a:schemeClr val="lt1"/>
                 </a:solidFill>
-                <a:latin typeface="Cabin"/>
-                <a:ea typeface="Cabin"/>
-                <a:cs typeface="Cabin"/>
+                <a:latin typeface="Arial" charset="0"/>
+                <a:ea typeface="Arial" charset="0"/>
+                <a:cs typeface="Arial" charset="0"/>
                 <a:sym typeface="Cabin"/>
               </a:rPr>
               <a:t>Operator precedence</a:t>
@@ -45972,13 +45948,13 @@
               <a:buChar char="•"/>
             </a:pPr>
             <a:r>
-              <a:rPr lang="en-US" sz="3600" b="0" i="0" u="none" strike="noStrike" cap="none">
+              <a:rPr lang="en-US" sz="3600" u="none" strike="noStrike" cap="none">
                 <a:solidFill>
                   <a:schemeClr val="lt1"/>
                 </a:solidFill>
-                <a:latin typeface="Cabin"/>
-                <a:ea typeface="Cabin"/>
-                <a:cs typeface="Cabin"/>
+                <a:latin typeface="Arial" charset="0"/>
+                <a:ea typeface="Arial" charset="0"/>
+                <a:cs typeface="Arial" charset="0"/>
                 <a:sym typeface="Cabin"/>
               </a:rPr>
               <a:t>Integer Division</a:t>
@@ -46003,13 +45979,13 @@
               <a:buChar char="•"/>
             </a:pPr>
             <a:r>
-              <a:rPr lang="en-US" sz="3600" b="0" i="0" u="none" strike="noStrike" cap="none">
+              <a:rPr lang="en-US" sz="3600" u="none" strike="noStrike" cap="none">
                 <a:solidFill>
                   <a:schemeClr val="lt1"/>
                 </a:solidFill>
-                <a:latin typeface="Cabin"/>
-                <a:ea typeface="Cabin"/>
-                <a:cs typeface="Cabin"/>
+                <a:latin typeface="Arial" charset="0"/>
+                <a:ea typeface="Arial" charset="0"/>
+                <a:cs typeface="Arial" charset="0"/>
                 <a:sym typeface="Cabin"/>
               </a:rPr>
               <a:t>Conversion between types</a:t>
@@ -46034,13 +46010,13 @@
               <a:buChar char="•"/>
             </a:pPr>
             <a:r>
-              <a:rPr lang="en-US" sz="3600" b="0" i="0" u="none" strike="noStrike" cap="none">
+              <a:rPr lang="en-US" sz="3600" u="none" strike="noStrike" cap="none">
                 <a:solidFill>
                   <a:schemeClr val="lt1"/>
                 </a:solidFill>
-                <a:latin typeface="Cabin"/>
-                <a:ea typeface="Cabin"/>
-                <a:cs typeface="Cabin"/>
+                <a:latin typeface="Arial" charset="0"/>
+                <a:ea typeface="Arial" charset="0"/>
+                <a:cs typeface="Arial" charset="0"/>
                 <a:sym typeface="Cabin"/>
               </a:rPr>
               <a:t>User input</a:t>
@@ -46065,13 +46041,13 @@
               <a:buChar char="•"/>
             </a:pPr>
             <a:r>
-              <a:rPr lang="en-US" sz="3600" b="0" i="0" u="none" strike="noStrike" cap="none">
+              <a:rPr lang="en-US" sz="3600" u="none" strike="noStrike" cap="none">
                 <a:solidFill>
                   <a:schemeClr val="lt1"/>
                 </a:solidFill>
-                <a:latin typeface="Cabin"/>
-                <a:ea typeface="Cabin"/>
-                <a:cs typeface="Cabin"/>
+                <a:latin typeface="Arial" charset="0"/>
+                <a:ea typeface="Arial" charset="0"/>
+                <a:cs typeface="Arial" charset="0"/>
                 <a:sym typeface="Cabin"/>
               </a:rPr>
               <a:t>Comments (#)</a:t>
@@ -46474,13 +46450,13 @@
               <a:buNone/>
             </a:pPr>
             <a:r>
-              <a:rPr lang="en-US" sz="7600" b="0" i="0" u="none" strike="noStrike" cap="none">
+              <a:rPr lang="en-US" sz="7600" u="none" strike="noStrike" cap="none">
                 <a:solidFill>
                   <a:srgbClr val="FFFF00"/>
                 </a:solidFill>
-                <a:latin typeface="Cabin"/>
-                <a:ea typeface="Cabin"/>
-                <a:cs typeface="Cabin"/>
+                <a:latin typeface="Arial" charset="0"/>
+                <a:ea typeface="Arial" charset="0"/>
+                <a:cs typeface="Arial" charset="0"/>
                 <a:sym typeface="Cabin"/>
               </a:rPr>
               <a:t>Variables</a:t>
@@ -46535,61 +46511,61 @@
               <a:buChar char="•"/>
             </a:pPr>
             <a:r>
-              <a:rPr lang="en-US" sz="3600" b="0" i="0" u="none" strike="noStrike" cap="none">
+              <a:rPr lang="en-US" sz="3600" u="none" strike="noStrike" cap="none">
                 <a:solidFill>
                   <a:schemeClr val="lt1"/>
                 </a:solidFill>
-                <a:latin typeface="Cabin"/>
-                <a:ea typeface="Cabin"/>
-                <a:cs typeface="Cabin"/>
+                <a:latin typeface="Arial" charset="0"/>
+                <a:ea typeface="Arial" charset="0"/>
+                <a:cs typeface="Arial" charset="0"/>
                 <a:sym typeface="Cabin"/>
               </a:rPr>
               <a:t>A </a:t>
             </a:r>
             <a:r>
-              <a:rPr lang="en-US" sz="3600" b="0" i="0" u="none" strike="noStrike" cap="none">
+              <a:rPr lang="en-US" sz="3600" u="none" strike="noStrike" cap="none">
                 <a:solidFill>
                   <a:srgbClr val="00FF00"/>
                 </a:solidFill>
-                <a:latin typeface="Cabin"/>
-                <a:ea typeface="Cabin"/>
-                <a:cs typeface="Cabin"/>
+                <a:latin typeface="Arial" charset="0"/>
+                <a:ea typeface="Arial" charset="0"/>
+                <a:cs typeface="Arial" charset="0"/>
                 <a:sym typeface="Cabin"/>
               </a:rPr>
               <a:t>variable</a:t>
             </a:r>
             <a:r>
-              <a:rPr lang="en-US" sz="3600" b="0" i="0" u="none" strike="noStrike" cap="none">
+              <a:rPr lang="en-US" sz="3600" u="none" strike="noStrike" cap="none">
                 <a:solidFill>
                   <a:schemeClr val="lt1"/>
                 </a:solidFill>
-                <a:latin typeface="Cabin"/>
-                <a:ea typeface="Cabin"/>
-                <a:cs typeface="Cabin"/>
+                <a:latin typeface="Arial" charset="0"/>
+                <a:ea typeface="Arial" charset="0"/>
+                <a:cs typeface="Arial" charset="0"/>
                 <a:sym typeface="Cabin"/>
               </a:rPr>
               <a:t> is a named place in the memory where a programmer can store data and later retrieve the data using the </a:t>
             </a:r>
             <a:r>
-              <a:rPr lang="en-US" sz="3600" b="0" i="0" u="none" strike="noStrike" cap="none">
+              <a:rPr lang="en-US" sz="3600" u="none" strike="noStrike" cap="none">
                 <a:solidFill>
                   <a:srgbClr val="00FF00"/>
                 </a:solidFill>
-                <a:latin typeface="Cabin"/>
-                <a:ea typeface="Cabin"/>
-                <a:cs typeface="Cabin"/>
+                <a:latin typeface="Arial" charset="0"/>
+                <a:ea typeface="Arial" charset="0"/>
+                <a:cs typeface="Arial" charset="0"/>
                 <a:sym typeface="Cabin"/>
               </a:rPr>
               <a:t>variable</a:t>
             </a:r>
             <a:r>
-              <a:rPr lang="en-US" sz="3600" b="0" i="0" u="none" strike="noStrike" cap="none">
+              <a:rPr lang="en-US" sz="3600" u="none" strike="noStrike" cap="none">
                 <a:solidFill>
                   <a:schemeClr val="lt1"/>
                 </a:solidFill>
-                <a:latin typeface="Cabin"/>
-                <a:ea typeface="Cabin"/>
-                <a:cs typeface="Cabin"/>
+                <a:latin typeface="Arial" charset="0"/>
+                <a:ea typeface="Arial" charset="0"/>
+                <a:cs typeface="Arial" charset="0"/>
                 <a:sym typeface="Cabin"/>
               </a:rPr>
               <a:t> </a:t>
@@ -46607,13 +46583,13 @@
               <a:t>“</a:t>
             </a:r>
             <a:r>
-              <a:rPr lang="en-US" sz="3600" b="0" i="0" u="none" strike="noStrike" cap="none">
+              <a:rPr lang="en-US" sz="3600" u="none" strike="noStrike" cap="none">
                 <a:solidFill>
                   <a:schemeClr val="lt1"/>
                 </a:solidFill>
-                <a:latin typeface="Cabin"/>
-                <a:ea typeface="Cabin"/>
-                <a:cs typeface="Cabin"/>
+                <a:latin typeface="Arial" charset="0"/>
+                <a:ea typeface="Arial" charset="0"/>
+                <a:cs typeface="Arial" charset="0"/>
                 <a:sym typeface="Cabin"/>
               </a:rPr>
               <a:t>name</a:t>
@@ -46650,25 +46626,25 @@
               <a:buChar char="•"/>
             </a:pPr>
             <a:r>
-              <a:rPr lang="en-US" sz="3600" b="0" i="0" u="none" strike="noStrike" cap="none">
+              <a:rPr lang="en-US" sz="3600" u="none" strike="noStrike" cap="none">
                 <a:solidFill>
                   <a:schemeClr val="lt1"/>
                 </a:solidFill>
-                <a:latin typeface="Cabin"/>
-                <a:ea typeface="Cabin"/>
-                <a:cs typeface="Cabin"/>
+                <a:latin typeface="Arial" charset="0"/>
+                <a:ea typeface="Arial" charset="0"/>
+                <a:cs typeface="Arial" charset="0"/>
                 <a:sym typeface="Cabin"/>
               </a:rPr>
               <a:t>Programmers get to choose the names of the </a:t>
             </a:r>
             <a:r>
-              <a:rPr lang="en-US" sz="3600" b="0" i="0" u="none" strike="noStrike" cap="none">
+              <a:rPr lang="en-US" sz="3600" u="none" strike="noStrike" cap="none">
                 <a:solidFill>
                   <a:srgbClr val="00FF00"/>
                 </a:solidFill>
-                <a:latin typeface="Cabin"/>
-                <a:ea typeface="Cabin"/>
-                <a:cs typeface="Cabin"/>
+                <a:latin typeface="Arial" charset="0"/>
+                <a:ea typeface="Arial" charset="0"/>
+                <a:cs typeface="Arial" charset="0"/>
                 <a:sym typeface="Cabin"/>
               </a:rPr>
               <a:t>variables</a:t>
@@ -46693,37 +46669,37 @@
               <a:buChar char="•"/>
             </a:pPr>
             <a:r>
-              <a:rPr lang="en-US" sz="3600" b="0" i="0" u="none" strike="noStrike" cap="none">
+              <a:rPr lang="en-US" sz="3600" u="none" strike="noStrike" cap="none">
                 <a:solidFill>
                   <a:schemeClr val="lt1"/>
                 </a:solidFill>
-                <a:latin typeface="Cabin"/>
-                <a:ea typeface="Cabin"/>
-                <a:cs typeface="Cabin"/>
+                <a:latin typeface="Arial" charset="0"/>
+                <a:ea typeface="Arial" charset="0"/>
+                <a:cs typeface="Arial" charset="0"/>
                 <a:sym typeface="Cabin"/>
               </a:rPr>
               <a:t>You can change the contents of a </a:t>
             </a:r>
             <a:r>
-              <a:rPr lang="en-US" sz="3600" b="0" i="0" u="none" strike="noStrike" cap="none">
+              <a:rPr lang="en-US" sz="3600" u="none" strike="noStrike" cap="none">
                 <a:solidFill>
                   <a:srgbClr val="00FF00"/>
                 </a:solidFill>
-                <a:latin typeface="Cabin"/>
-                <a:ea typeface="Cabin"/>
-                <a:cs typeface="Cabin"/>
+                <a:latin typeface="Arial" charset="0"/>
+                <a:ea typeface="Arial" charset="0"/>
+                <a:cs typeface="Arial" charset="0"/>
                 <a:sym typeface="Cabin"/>
               </a:rPr>
               <a:t>variable </a:t>
             </a:r>
             <a:r>
-              <a:rPr lang="en-US" sz="3600" b="0" i="0" u="none" strike="noStrike" cap="none">
+              <a:rPr lang="en-US" sz="3600" u="none" strike="noStrike" cap="none">
                 <a:solidFill>
                   <a:schemeClr val="lt1"/>
                 </a:solidFill>
-                <a:latin typeface="Cabin"/>
-                <a:ea typeface="Cabin"/>
-                <a:cs typeface="Cabin"/>
+                <a:latin typeface="Arial" charset="0"/>
+                <a:ea typeface="Arial" charset="0"/>
+                <a:cs typeface="Arial" charset="0"/>
                 <a:sym typeface="Cabin"/>
               </a:rPr>
               <a:t>in a later statement</a:t>
@@ -46784,21 +46760,21 @@
                 <a:solidFill>
                   <a:schemeClr val="lt1"/>
                 </a:solidFill>
-                <a:latin typeface="Cabin"/>
-                <a:ea typeface="Cabin"/>
-                <a:cs typeface="Cabin"/>
+                <a:latin typeface="Arial" charset="0"/>
+                <a:ea typeface="Arial" charset="0"/>
+                <a:cs typeface="Arial" charset="0"/>
                 <a:sym typeface="Cabin"/>
               </a:rPr>
               <a:t> </a:t>
             </a:r>
             <a:r>
-              <a:rPr lang="en-US" sz="4900" b="0" i="0" u="none" strike="noStrike" cap="none">
+              <a:rPr lang="en-US" sz="4900" u="none" strike="noStrike" cap="none">
                 <a:solidFill>
                   <a:schemeClr val="lt1"/>
                 </a:solidFill>
-                <a:latin typeface="Cabin"/>
-                <a:ea typeface="Cabin"/>
-                <a:cs typeface="Cabin"/>
+                <a:latin typeface="Arial" charset="0"/>
+                <a:ea typeface="Arial" charset="0"/>
+                <a:cs typeface="Arial" charset="0"/>
                 <a:sym typeface="Cabin"/>
               </a:rPr>
               <a:t>12.2</a:t>
@@ -46849,13 +46825,13 @@
               <a:buNone/>
             </a:pPr>
             <a:r>
-              <a:rPr lang="en-US" sz="5200" b="0" i="0" u="none" strike="noStrike" cap="none">
+              <a:rPr lang="en-US" sz="5200" u="none" strike="noStrike" cap="none">
                 <a:solidFill>
                   <a:srgbClr val="00FF00"/>
                 </a:solidFill>
-                <a:latin typeface="Cabin"/>
-                <a:ea typeface="Cabin"/>
-                <a:cs typeface="Cabin"/>
+                <a:latin typeface="Arial" charset="0"/>
+                <a:ea typeface="Arial" charset="0"/>
+                <a:cs typeface="Arial" charset="0"/>
                 <a:sym typeface="Cabin"/>
               </a:rPr>
               <a:t>x</a:t>
@@ -46916,36 +46892,24 @@
                 <a:solidFill>
                   <a:schemeClr val="lt1"/>
                 </a:solidFill>
-                <a:latin typeface="Cabin"/>
-                <a:ea typeface="Cabin"/>
-                <a:cs typeface="Cabin"/>
+                <a:latin typeface="Arial" charset="0"/>
+                <a:ea typeface="Arial" charset="0"/>
+                <a:cs typeface="Arial" charset="0"/>
                 <a:sym typeface="Cabin"/>
               </a:rPr>
               <a:t> </a:t>
             </a:r>
             <a:r>
-              <a:rPr lang="en-US" sz="4900" i="0" u="none" strike="noStrike" cap="none">
+              <a:rPr lang="en-US" sz="4900" u="none" strike="noStrike" cap="none">
                 <a:solidFill>
                   <a:schemeClr val="lt1"/>
                 </a:solidFill>
-                <a:latin typeface="Cabin"/>
-                <a:ea typeface="Cabin"/>
-                <a:cs typeface="Cabin"/>
+                <a:latin typeface="Arial" charset="0"/>
+                <a:ea typeface="Arial" charset="0"/>
+                <a:cs typeface="Arial" charset="0"/>
                 <a:sym typeface="Cabin"/>
               </a:rPr>
-              <a:t>14</a:t>
-            </a:r>
-            <a:r>
-              <a:rPr lang="en-US" sz="4900" b="0" i="0" u="none" strike="noStrike" cap="none">
-                <a:solidFill>
-                  <a:schemeClr val="lt1"/>
-                </a:solidFill>
-                <a:latin typeface="Cabin"/>
-                <a:ea typeface="Cabin"/>
-                <a:cs typeface="Cabin"/>
-                <a:sym typeface="Cabin"/>
-              </a:rPr>
-              <a:t>               </a:t>
+              <a:t>14               </a:t>
             </a:r>
           </a:p>
         </p:txBody>
@@ -46993,13 +46957,13 @@
               <a:buNone/>
             </a:pPr>
             <a:r>
-              <a:rPr lang="en-US" sz="5200" b="0" i="0" u="none" strike="noStrike" cap="none">
+              <a:rPr lang="en-US" sz="5200" u="none" strike="noStrike" cap="none">
                 <a:solidFill>
                   <a:srgbClr val="00FF00"/>
                 </a:solidFill>
-                <a:latin typeface="Cabin"/>
-                <a:ea typeface="Cabin"/>
-                <a:cs typeface="Cabin"/>
+                <a:latin typeface="Arial" charset="0"/>
+                <a:ea typeface="Arial" charset="0"/>
+                <a:cs typeface="Arial" charset="0"/>
                 <a:sym typeface="Cabin"/>
               </a:rPr>
               <a:t>y</a:t>
@@ -47309,13 +47273,13 @@
               <a:buNone/>
             </a:pPr>
             <a:r>
-              <a:rPr lang="en-US" sz="5800" i="0" u="none" strike="noStrike" cap="none">
+              <a:rPr lang="en-US" sz="5800" u="none" strike="noStrike" cap="none">
                 <a:solidFill>
                   <a:schemeClr val="lt1"/>
                 </a:solidFill>
-                <a:latin typeface="Cabin"/>
-                <a:ea typeface="Cabin"/>
-                <a:cs typeface="Cabin"/>
+                <a:latin typeface="Arial" charset="0"/>
+                <a:ea typeface="Arial" charset="0"/>
+                <a:cs typeface="Arial" charset="0"/>
                 <a:sym typeface="Cabin"/>
               </a:rPr>
               <a:t>100</a:t>
@@ -47500,13 +47464,13 @@
               <a:buNone/>
             </a:pPr>
             <a:r>
-              <a:rPr lang="en-US" sz="7600" b="0" i="0" u="none" strike="noStrike" cap="none">
+              <a:rPr lang="en-US" sz="7600" u="none" strike="noStrike" cap="none">
                 <a:solidFill>
                   <a:srgbClr val="FFFF00"/>
                 </a:solidFill>
-                <a:latin typeface="Cabin"/>
-                <a:ea typeface="Cabin"/>
-                <a:cs typeface="Cabin"/>
+                <a:latin typeface="Arial" charset="0"/>
+                <a:ea typeface="Arial" charset="0"/>
+                <a:cs typeface="Arial" charset="0"/>
                 <a:sym typeface="Cabin"/>
               </a:rPr>
               <a:t>Python Variable Name Rules</a:t>
@@ -47561,13 +47525,13 @@
               <a:buAutoNum type="arabicPeriod"/>
             </a:pPr>
             <a:r>
-              <a:rPr lang="en-US" sz="3600" b="0" i="0" u="none" strike="noStrike" cap="none">
+              <a:rPr lang="en-US" sz="3600" u="none" strike="noStrike" cap="none">
                 <a:solidFill>
                   <a:schemeClr val="lt1"/>
                 </a:solidFill>
-                <a:latin typeface="Cabin"/>
-                <a:ea typeface="Cabin"/>
-                <a:cs typeface="Cabin"/>
+                <a:latin typeface="Arial" charset="0"/>
+                <a:ea typeface="Arial" charset="0"/>
+                <a:cs typeface="Arial" charset="0"/>
                 <a:sym typeface="Cabin"/>
               </a:rPr>
               <a:t>Must start with a letter or underscore _ </a:t>
@@ -47592,13 +47556,13 @@
               <a:buAutoNum type="arabicPeriod"/>
             </a:pPr>
             <a:r>
-              <a:rPr lang="en-US" sz="3600" b="0" i="0" u="none" strike="noStrike" cap="none">
+              <a:rPr lang="en-US" sz="3600" u="none" strike="noStrike" cap="none">
                 <a:solidFill>
                   <a:schemeClr val="lt1"/>
                 </a:solidFill>
-                <a:latin typeface="Cabin"/>
-                <a:ea typeface="Cabin"/>
-                <a:cs typeface="Cabin"/>
+                <a:latin typeface="Arial" charset="0"/>
+                <a:ea typeface="Arial" charset="0"/>
+                <a:cs typeface="Arial" charset="0"/>
                 <a:sym typeface="Cabin"/>
               </a:rPr>
               <a:t>Must consist of letters and numbers and underscores</a:t>
@@ -47623,13 +47587,13 @@
               <a:buAutoNum type="arabicPeriod"/>
             </a:pPr>
             <a:r>
-              <a:rPr lang="en-US" sz="3600" b="0" i="0" u="none" strike="noStrike" cap="none">
+              <a:rPr lang="en-US" sz="3600" u="none" strike="noStrike" cap="none">
                 <a:solidFill>
                   <a:schemeClr val="lt1"/>
                 </a:solidFill>
-                <a:latin typeface="Cabin"/>
-                <a:ea typeface="Cabin"/>
-                <a:cs typeface="Cabin"/>
+                <a:latin typeface="Arial" charset="0"/>
+                <a:ea typeface="Arial" charset="0"/>
+                <a:cs typeface="Arial" charset="0"/>
                 <a:sym typeface="Cabin"/>
               </a:rPr>
               <a:t>Case Sensitive</a:t>
@@ -47639,9 +47603,9 @@
                 <a:solidFill>
                   <a:schemeClr val="lt1"/>
                 </a:solidFill>
-                <a:latin typeface="Cabin"/>
-                <a:ea typeface="Cabin"/>
-                <a:cs typeface="Cabin"/>
+                <a:latin typeface="Arial" charset="0"/>
+                <a:ea typeface="Arial" charset="0"/>
+                <a:cs typeface="Arial" charset="0"/>
                 <a:sym typeface="Cabin"/>
               </a:rPr>
               <a:t/>
@@ -47651,9 +47615,9 @@
                 <a:solidFill>
                   <a:schemeClr val="lt1"/>
                 </a:solidFill>
-                <a:latin typeface="Cabin"/>
-                <a:ea typeface="Cabin"/>
-                <a:cs typeface="Cabin"/>
+                <a:latin typeface="Arial" charset="0"/>
+                <a:ea typeface="Arial" charset="0"/>
+                <a:cs typeface="Arial" charset="0"/>
                 <a:sym typeface="Cabin"/>
               </a:rPr>
             </a:br>
@@ -47661,9 +47625,9 @@
               <a:solidFill>
                 <a:schemeClr val="lt1"/>
               </a:solidFill>
-              <a:latin typeface="Cabin"/>
-              <a:ea typeface="Cabin"/>
-              <a:cs typeface="Cabin"/>
+              <a:latin typeface="Arial" charset="0"/>
+              <a:ea typeface="Arial" charset="0"/>
+              <a:cs typeface="Arial" charset="0"/>
               <a:sym typeface="Cabin"/>
             </a:endParaRPr>
           </a:p>
@@ -47682,25 +47646,25 @@
               <a:buFont typeface="Cabin"/>
             </a:pPr>
             <a:r>
-              <a:rPr lang="en-US" sz="3600" b="0" i="0" u="none" strike="noStrike" cap="none">
+              <a:rPr lang="en-US" sz="3600" u="none" strike="noStrike" cap="none">
                 <a:solidFill>
                   <a:srgbClr val="00FF00"/>
                 </a:solidFill>
-                <a:latin typeface="Cabin"/>
-                <a:ea typeface="Cabin"/>
-                <a:cs typeface="Cabin"/>
+                <a:latin typeface="Arial" charset="0"/>
+                <a:ea typeface="Arial" charset="0"/>
+                <a:cs typeface="Arial" charset="0"/>
                 <a:sym typeface="Cabin"/>
               </a:rPr>
               <a:t>Good: </a:t>
             </a:r>
             <a:r>
-              <a:rPr lang="en-US" sz="3600" b="0" i="0" u="none" strike="noStrike" cap="none">
+              <a:rPr lang="en-US" sz="3600" u="none" strike="noStrike" cap="none">
                 <a:solidFill>
                   <a:schemeClr val="lt1"/>
                 </a:solidFill>
-                <a:latin typeface="Cabin"/>
-                <a:ea typeface="Cabin"/>
-                <a:cs typeface="Cabin"/>
+                <a:latin typeface="Arial" charset="0"/>
+                <a:ea typeface="Arial" charset="0"/>
+                <a:cs typeface="Arial" charset="0"/>
                 <a:sym typeface="Cabin"/>
               </a:rPr>
               <a:t>   spam    eggs   spam23    _speed</a:t>
@@ -47721,37 +47685,37 @@
               <a:buFont typeface="Cabin"/>
             </a:pPr>
             <a:r>
-              <a:rPr lang="en-US" sz="3600" b="0" i="0" u="none" strike="noStrike" cap="none">
+              <a:rPr lang="en-US" sz="3600" u="none" strike="noStrike" cap="none">
                 <a:solidFill>
                   <a:srgbClr val="E06666"/>
                 </a:solidFill>
-                <a:latin typeface="Cabin"/>
-                <a:ea typeface="Cabin"/>
-                <a:cs typeface="Cabin"/>
+                <a:latin typeface="Arial" charset="0"/>
+                <a:ea typeface="Arial" charset="0"/>
+                <a:cs typeface="Arial" charset="0"/>
                 <a:sym typeface="Cabin"/>
               </a:rPr>
               <a:t>Bad: </a:t>
             </a:r>
             <a:r>
-              <a:rPr lang="en-US" sz="3600" b="0" i="0" u="none" strike="noStrike" cap="none">
+              <a:rPr lang="en-US" sz="3600" u="none" strike="noStrike" cap="none">
                 <a:solidFill>
                   <a:srgbClr val="FF9900"/>
                 </a:solidFill>
-                <a:latin typeface="Cabin"/>
-                <a:ea typeface="Cabin"/>
-                <a:cs typeface="Cabin"/>
+                <a:latin typeface="Arial" charset="0"/>
+                <a:ea typeface="Arial" charset="0"/>
+                <a:cs typeface="Arial" charset="0"/>
                 <a:sym typeface="Cabin"/>
               </a:rPr>
               <a:t> </a:t>
             </a:r>
             <a:r>
-              <a:rPr lang="en-US" sz="3600" b="0" i="0" u="none" strike="noStrike" cap="none">
+              <a:rPr lang="en-US" sz="3600" u="none" strike="noStrike" cap="none">
                 <a:solidFill>
                   <a:schemeClr val="lt1"/>
                 </a:solidFill>
-                <a:latin typeface="Cabin"/>
-                <a:ea typeface="Cabin"/>
-                <a:cs typeface="Cabin"/>
+                <a:latin typeface="Arial" charset="0"/>
+                <a:ea typeface="Arial" charset="0"/>
+                <a:cs typeface="Arial" charset="0"/>
                 <a:sym typeface="Cabin"/>
               </a:rPr>
               <a:t>     23spam     #sign  var.12</a:t>
@@ -47772,37 +47736,37 @@
               <a:buFont typeface="Cabin"/>
             </a:pPr>
             <a:r>
-              <a:rPr lang="en-US" sz="3600" b="0" i="0" u="none" strike="noStrike" cap="none">
+              <a:rPr lang="en-US" sz="3600" u="none" strike="noStrike" cap="none">
                 <a:solidFill>
                   <a:srgbClr val="00FFFF"/>
                 </a:solidFill>
-                <a:latin typeface="Cabin"/>
-                <a:ea typeface="Cabin"/>
-                <a:cs typeface="Cabin"/>
+                <a:latin typeface="Arial" charset="0"/>
+                <a:ea typeface="Arial" charset="0"/>
+                <a:cs typeface="Arial" charset="0"/>
                 <a:sym typeface="Cabin"/>
               </a:rPr>
               <a:t>Different:</a:t>
             </a:r>
             <a:r>
-              <a:rPr lang="en-US" sz="3600" b="0" i="0" u="none" strike="noStrike" cap="none">
+              <a:rPr lang="en-US" sz="3600" u="none" strike="noStrike" cap="none">
                 <a:solidFill>
                   <a:srgbClr val="FFFF00"/>
                 </a:solidFill>
-                <a:latin typeface="Cabin"/>
-                <a:ea typeface="Cabin"/>
-                <a:cs typeface="Cabin"/>
+                <a:latin typeface="Arial" charset="0"/>
+                <a:ea typeface="Arial" charset="0"/>
+                <a:cs typeface="Arial" charset="0"/>
                 <a:sym typeface="Cabin"/>
               </a:rPr>
               <a:t> </a:t>
             </a:r>
             <a:r>
-              <a:rPr lang="en-US" sz="3600" b="0" i="0" u="none" strike="noStrike" cap="none">
+              <a:rPr lang="en-US" sz="3600" u="none" strike="noStrike" cap="none">
                 <a:solidFill>
                   <a:schemeClr val="lt1"/>
                 </a:solidFill>
-                <a:latin typeface="Cabin"/>
-                <a:ea typeface="Cabin"/>
-                <a:cs typeface="Cabin"/>
+                <a:latin typeface="Arial" charset="0"/>
+                <a:ea typeface="Arial" charset="0"/>
+                <a:cs typeface="Arial" charset="0"/>
                 <a:sym typeface="Cabin"/>
               </a:rPr>
               <a:t>   spam   Spam   SPAM</a:t>
@@ -47882,13 +47846,13 @@
               <a:buNone/>
             </a:pPr>
             <a:r>
-              <a:rPr lang="en-US" sz="7600" b="0" i="0" u="none" strike="noStrike" cap="none">
+              <a:rPr lang="en-US" sz="7600" u="none" strike="noStrike" cap="none">
                 <a:solidFill>
                   <a:srgbClr val="FFFF00"/>
                 </a:solidFill>
-                <a:latin typeface="Cabin"/>
-                <a:ea typeface="Cabin"/>
-                <a:cs typeface="Cabin"/>
+                <a:latin typeface="Arial" charset="0"/>
+                <a:ea typeface="Arial" charset="0"/>
+                <a:cs typeface="Arial" charset="0"/>
                 <a:sym typeface="Cabin"/>
               </a:rPr>
               <a:t>Reserved Words</a:t>
@@ -47939,13 +47903,13 @@
               <a:buNone/>
             </a:pPr>
             <a:r>
-              <a:rPr lang="en-US" sz="4200" b="0" i="0" u="none" strike="noStrike" cap="none">
+              <a:rPr lang="en-US" sz="4200" u="none" strike="noStrike" cap="none">
                 <a:solidFill>
                   <a:srgbClr val="FFFF00"/>
                 </a:solidFill>
-                <a:latin typeface="Cabin"/>
-                <a:ea typeface="Cabin"/>
-                <a:cs typeface="Cabin"/>
+                <a:latin typeface="Arial" charset="0"/>
+                <a:ea typeface="Arial" charset="0"/>
+                <a:cs typeface="Arial" charset="0"/>
                 <a:sym typeface="Cabin"/>
               </a:rPr>
               <a:t>and   del   for   is   raise   assert   elif   from   lambda   return   break   else   global   not   try   class   except   if   or   while   continue   exec   import   pass   yield   def   ﬁnally   in   print   as   with</a:t>
@@ -47996,85 +47960,85 @@
               <a:buFont typeface="Cabin"/>
             </a:pPr>
             <a:r>
-              <a:rPr lang="en-US" sz="3600" b="0" i="0" u="none" strike="noStrike" cap="none">
+              <a:rPr lang="en-US" sz="3600" u="none" strike="noStrike" cap="none">
                 <a:solidFill>
                   <a:schemeClr val="lt1"/>
                 </a:solidFill>
-                <a:latin typeface="Cabin"/>
-                <a:ea typeface="Cabin"/>
-                <a:cs typeface="Cabin"/>
+                <a:latin typeface="Arial" charset="0"/>
+                <a:ea typeface="Arial" charset="0"/>
+                <a:cs typeface="Arial" charset="0"/>
                 <a:sym typeface="Cabin"/>
               </a:rPr>
               <a:t>You</a:t>
             </a:r>
             <a:r>
-              <a:rPr lang="en-US" sz="3600" b="0" i="0" u="none" strike="noStrike" cap="none">
+              <a:rPr lang="en-US" sz="3600" u="none" strike="noStrike" cap="none">
                 <a:solidFill>
                   <a:srgbClr val="FFFF00"/>
                 </a:solidFill>
-                <a:latin typeface="Cabin"/>
-                <a:ea typeface="Cabin"/>
-                <a:cs typeface="Cabin"/>
+                <a:latin typeface="Arial" charset="0"/>
+                <a:ea typeface="Arial" charset="0"/>
+                <a:cs typeface="Arial" charset="0"/>
                 <a:sym typeface="Cabin"/>
               </a:rPr>
               <a:t> </a:t>
             </a:r>
             <a:r>
-              <a:rPr lang="en-US" sz="3600" b="0" i="0" u="none" strike="noStrike" cap="none">
+              <a:rPr lang="en-US" sz="3600" u="none" strike="noStrike" cap="none">
                 <a:solidFill>
                   <a:schemeClr val="lt1"/>
                 </a:solidFill>
-                <a:latin typeface="Cabin"/>
-                <a:ea typeface="Cabin"/>
-                <a:cs typeface="Cabin"/>
+                <a:latin typeface="Arial" charset="0"/>
+                <a:ea typeface="Arial" charset="0"/>
+                <a:cs typeface="Arial" charset="0"/>
                 <a:sym typeface="Cabin"/>
               </a:rPr>
               <a:t>cannot</a:t>
             </a:r>
             <a:r>
-              <a:rPr lang="en-US" sz="3600" b="0" i="0" u="none" strike="noStrike" cap="none">
+              <a:rPr lang="en-US" sz="3600" u="none" strike="noStrike" cap="none">
                 <a:solidFill>
                   <a:srgbClr val="FFFF00"/>
                 </a:solidFill>
-                <a:latin typeface="Cabin"/>
-                <a:ea typeface="Cabin"/>
-                <a:cs typeface="Cabin"/>
+                <a:latin typeface="Arial" charset="0"/>
+                <a:ea typeface="Arial" charset="0"/>
+                <a:cs typeface="Arial" charset="0"/>
                 <a:sym typeface="Cabin"/>
               </a:rPr>
               <a:t> </a:t>
             </a:r>
             <a:r>
-              <a:rPr lang="en-US" sz="3600" b="0" i="0" u="none" strike="noStrike" cap="none">
+              <a:rPr lang="en-US" sz="3600" u="none" strike="noStrike" cap="none">
                 <a:solidFill>
                   <a:schemeClr val="lt1"/>
                 </a:solidFill>
-                <a:latin typeface="Cabin"/>
-                <a:ea typeface="Cabin"/>
-                <a:cs typeface="Cabin"/>
+                <a:latin typeface="Arial" charset="0"/>
+                <a:ea typeface="Arial" charset="0"/>
+                <a:cs typeface="Arial" charset="0"/>
                 <a:sym typeface="Cabin"/>
               </a:rPr>
               <a:t>use </a:t>
             </a:r>
             <a:r>
-              <a:rPr lang="en-US" sz="3600" b="0" i="0" u="none" strike="noStrike" cap="none">
+              <a:rPr lang="en-US" sz="3600" u="none" strike="noStrike" cap="none">
                 <a:solidFill>
                   <a:srgbClr val="FFFF00"/>
                 </a:solidFill>
-                <a:latin typeface="Cabin"/>
-                <a:ea typeface="Cabin"/>
-                <a:cs typeface="Cabin"/>
+                <a:latin typeface="Arial" charset="0"/>
+                <a:ea typeface="Arial" charset="0"/>
+                <a:cs typeface="Arial" charset="0"/>
                 <a:sym typeface="Cabin"/>
               </a:rPr>
               <a:t>reserved words</a:t>
             </a:r>
             <a:r>
-              <a:rPr lang="en-US" sz="3600" b="0" i="0" u="none" strike="noStrike" cap="none">
+              <a:rPr lang="en-US" sz="3600" u="none" strike="noStrike" cap="none">
                 <a:solidFill>
                   <a:schemeClr val="lt1"/>
                 </a:solidFill>
-                <a:latin typeface="Cabin"/>
-                <a:ea typeface="Cabin"/>
-                <a:cs typeface="Cabin"/>
+                <a:latin typeface="Arial" charset="0"/>
+                <a:ea typeface="Arial" charset="0"/>
+                <a:cs typeface="Arial" charset="0"/>
                 <a:sym typeface="Cabin"/>
               </a:rPr>
               <a:t> as variable names / identifiers</a:t>
@@ -48154,13 +48118,13 @@
               <a:buNone/>
             </a:pPr>
             <a:r>
-              <a:rPr lang="en-US" sz="7600" b="0" i="0" u="none" strike="noStrike" cap="none">
+              <a:rPr lang="en-US" sz="7600" u="none" strike="noStrike" cap="none">
                 <a:solidFill>
                   <a:srgbClr val="FFFF00"/>
                 </a:solidFill>
-                <a:latin typeface="Cabin"/>
-                <a:ea typeface="Cabin"/>
-                <a:cs typeface="Cabin"/>
+                <a:latin typeface="Arial" charset="0"/>
+                <a:ea typeface="Arial" charset="0"/>
+                <a:cs typeface="Arial" charset="0"/>
                 <a:sym typeface="Cabin"/>
               </a:rPr>
               <a:t>Sentences or Lines</a:t>
@@ -48498,13 +48462,13 @@
               <a:buNone/>
             </a:pPr>
             <a:r>
-              <a:rPr lang="en-US" sz="4200" b="0" i="0" u="none" strike="noStrike" cap="none">
+              <a:rPr lang="en-US" sz="4200" u="none" strike="noStrike" cap="none">
                 <a:solidFill>
                   <a:srgbClr val="00FF00"/>
                 </a:solidFill>
-                <a:latin typeface="Cabin"/>
-                <a:ea typeface="Cabin"/>
-                <a:cs typeface="Cabin"/>
+                <a:latin typeface="Arial" charset="0"/>
+                <a:ea typeface="Arial" charset="0"/>
+                <a:cs typeface="Arial" charset="0"/>
                 <a:sym typeface="Cabin"/>
               </a:rPr>
               <a:t>Variable</a:t>
@@ -48555,13 +48519,13 @@
               <a:buNone/>
             </a:pPr>
             <a:r>
-              <a:rPr lang="en-US" sz="4200" b="0" i="0" u="none" strike="noStrike" cap="none">
+              <a:rPr lang="en-US" sz="4200" u="none" strike="noStrike" cap="none">
                 <a:solidFill>
                   <a:srgbClr val="00FFFF"/>
                 </a:solidFill>
-                <a:latin typeface="Cabin"/>
-                <a:ea typeface="Cabin"/>
-                <a:cs typeface="Cabin"/>
+                <a:latin typeface="Arial" charset="0"/>
+                <a:ea typeface="Arial" charset="0"/>
+                <a:cs typeface="Arial" charset="0"/>
                 <a:sym typeface="Cabin"/>
               </a:rPr>
               <a:t>Operator</a:t>
@@ -48612,13 +48576,13 @@
               <a:buNone/>
             </a:pPr>
             <a:r>
-              <a:rPr lang="en-US" sz="4200" b="0" i="0" u="none" strike="noStrike" cap="none">
+              <a:rPr lang="en-US" sz="4200" u="none" strike="noStrike" cap="none">
                 <a:solidFill>
                   <a:srgbClr val="FF9900"/>
                 </a:solidFill>
-                <a:latin typeface="Cabin"/>
-                <a:ea typeface="Cabin"/>
-                <a:cs typeface="Cabin"/>
+                <a:latin typeface="Arial" charset="0"/>
+                <a:ea typeface="Arial" charset="0"/>
+                <a:cs typeface="Arial" charset="0"/>
                 <a:sym typeface="Cabin"/>
               </a:rPr>
               <a:t>Constant</a:t>
@@ -48669,13 +48633,13 @@
               <a:buNone/>
             </a:pPr>
             <a:r>
-              <a:rPr lang="en-US" sz="4200" b="0" i="0" u="none" strike="noStrike" cap="none">
+              <a:rPr lang="en-US" sz="4200" u="none" strike="noStrike" cap="none">
                 <a:solidFill>
                   <a:srgbClr val="FFFF00"/>
                 </a:solidFill>
-                <a:latin typeface="Cabin"/>
-                <a:ea typeface="Cabin"/>
-                <a:cs typeface="Cabin"/>
+                <a:latin typeface="Arial" charset="0"/>
+                <a:ea typeface="Arial" charset="0"/>
+                <a:cs typeface="Arial" charset="0"/>
                 <a:sym typeface="Cabin"/>
               </a:rPr>
               <a:t>Reserved Word</a:t>
@@ -48726,13 +48690,13 @@
               <a:buNone/>
             </a:pPr>
             <a:r>
-              <a:rPr lang="en-US" sz="4800" b="0" i="0" u="none" strike="noStrike" cap="none">
+              <a:rPr lang="en-US" sz="4800" u="none" strike="noStrike" cap="none">
                 <a:solidFill>
                   <a:schemeClr val="lt1"/>
                 </a:solidFill>
-                <a:latin typeface="Cabin"/>
-                <a:ea typeface="Cabin"/>
-                <a:cs typeface="Cabin"/>
+                <a:latin typeface="Arial" charset="0"/>
+                <a:ea typeface="Arial" charset="0"/>
+                <a:cs typeface="Arial" charset="0"/>
                 <a:sym typeface="Cabin"/>
               </a:rPr>
               <a:t>Assignment </a:t>
@@ -48742,21 +48706,21 @@
                 <a:solidFill>
                   <a:schemeClr val="lt1"/>
                 </a:solidFill>
-                <a:latin typeface="Cabin"/>
-                <a:ea typeface="Cabin"/>
-                <a:cs typeface="Cabin"/>
+                <a:latin typeface="Arial" charset="0"/>
+                <a:ea typeface="Arial" charset="0"/>
+                <a:cs typeface="Arial" charset="0"/>
                 <a:sym typeface="Cabin"/>
               </a:rPr>
               <a:t>s</a:t>
             </a:r>
             <a:r>
-              <a:rPr lang="en-US" sz="4800" b="0" i="0" u="none" strike="noStrike" cap="none">
+              <a:rPr lang="en-US" sz="4800" u="none" strike="noStrike" cap="none">
                 <a:solidFill>
                   <a:schemeClr val="lt1"/>
                 </a:solidFill>
-                <a:latin typeface="Cabin"/>
-                <a:ea typeface="Cabin"/>
-                <a:cs typeface="Cabin"/>
+                <a:latin typeface="Arial" charset="0"/>
+                <a:ea typeface="Arial" charset="0"/>
+                <a:cs typeface="Arial" charset="0"/>
                 <a:sym typeface="Cabin"/>
               </a:rPr>
               <a:t>tatement</a:t>
@@ -48781,13 +48745,13 @@
               <a:buNone/>
             </a:pPr>
             <a:r>
-              <a:rPr lang="en-US" sz="4800" b="0" i="0" u="none" strike="noStrike" cap="none">
+              <a:rPr lang="en-US" sz="4800" u="none" strike="noStrike" cap="none">
                 <a:solidFill>
                   <a:schemeClr val="lt1"/>
                 </a:solidFill>
-                <a:latin typeface="Cabin"/>
-                <a:ea typeface="Cabin"/>
-                <a:cs typeface="Cabin"/>
+                <a:latin typeface="Arial" charset="0"/>
+                <a:ea typeface="Arial" charset="0"/>
+                <a:cs typeface="Arial" charset="0"/>
                 <a:sym typeface="Cabin"/>
               </a:rPr>
               <a:t>Assignment with expression</a:t>
@@ -48812,13 +48776,13 @@
               <a:buNone/>
             </a:pPr>
             <a:r>
-              <a:rPr lang="en-US" sz="4800" b="0" i="0" u="none" strike="noStrike" cap="none">
+              <a:rPr lang="en-US" sz="4800" u="none" strike="noStrike" cap="none">
                 <a:solidFill>
                   <a:schemeClr val="lt1"/>
                 </a:solidFill>
-                <a:latin typeface="Cabin"/>
-                <a:ea typeface="Cabin"/>
-                <a:cs typeface="Cabin"/>
+                <a:latin typeface="Arial" charset="0"/>
+                <a:ea typeface="Arial" charset="0"/>
+                <a:cs typeface="Arial" charset="0"/>
                 <a:sym typeface="Cabin"/>
               </a:rPr>
               <a:t>Print statement</a:t>
@@ -48976,13 +48940,13 @@
               <a:buNone/>
             </a:pPr>
             <a:r>
-              <a:rPr lang="en-US" sz="7600" b="0" i="0" u="none" strike="noStrike" cap="none">
+              <a:rPr lang="en-US" sz="7600" u="none" strike="noStrike" cap="none">
                 <a:solidFill>
                   <a:srgbClr val="FFFF00"/>
                 </a:solidFill>
-                <a:latin typeface="Cabin"/>
-                <a:ea typeface="Cabin"/>
-                <a:cs typeface="Cabin"/>
+                <a:latin typeface="Arial" charset="0"/>
+                <a:ea typeface="Arial" charset="0"/>
+                <a:cs typeface="Arial" charset="0"/>
                 <a:sym typeface="Cabin"/>
               </a:rPr>
               <a:t>Assignment Statements</a:t>
@@ -49033,59 +48997,59 @@
               <a:buFont typeface="Cabin"/>
             </a:pPr>
             <a:r>
-              <a:rPr lang="en-US" sz="3600" b="0" i="0" u="none" strike="noStrike" cap="none">
+              <a:rPr lang="en-US" sz="3600" u="none" strike="noStrike" cap="none">
                 <a:solidFill>
                   <a:schemeClr val="lt1"/>
                 </a:solidFill>
-                <a:latin typeface="Cabin"/>
-                <a:ea typeface="Cabin"/>
-                <a:cs typeface="Cabin"/>
+                <a:latin typeface="Arial" charset="0"/>
+                <a:ea typeface="Arial" charset="0"/>
+                <a:cs typeface="Arial" charset="0"/>
                 <a:sym typeface="Cabin"/>
               </a:rPr>
               <a:t>We assign a value to a variable using the </a:t>
             </a:r>
             <a:r>
-              <a:rPr lang="en-US" sz="3600" b="0" i="0" u="none" strike="noStrike" cap="none">
+              <a:rPr lang="en-US" sz="3600" u="none" strike="noStrike" cap="none">
                 <a:solidFill>
                   <a:srgbClr val="FFFFFF"/>
                 </a:solidFill>
-                <a:latin typeface="Cabin"/>
-                <a:ea typeface="Cabin"/>
-                <a:cs typeface="Cabin"/>
+                <a:latin typeface="Arial" charset="0"/>
+                <a:ea typeface="Arial" charset="0"/>
+                <a:cs typeface="Arial" charset="0"/>
                 <a:sym typeface="Cabin"/>
               </a:rPr>
               <a:t>assignment</a:t>
             </a:r>
             <a:r>
-              <a:rPr lang="en-US" sz="3600" b="0" i="0" u="none" strike="noStrike" cap="none">
+              <a:rPr lang="en-US" sz="3600" u="none" strike="noStrike" cap="none">
                 <a:solidFill>
                   <a:schemeClr val="lt1"/>
                 </a:solidFill>
-                <a:latin typeface="Cabin"/>
-                <a:ea typeface="Cabin"/>
-                <a:cs typeface="Cabin"/>
+                <a:latin typeface="Arial" charset="0"/>
+                <a:ea typeface="Arial" charset="0"/>
+                <a:cs typeface="Arial" charset="0"/>
                 <a:sym typeface="Cabin"/>
               </a:rPr>
               <a:t> statement (=)</a:t>
             </a:r>
             <a:br>
-              <a:rPr lang="en-US" sz="3600" b="0" i="0" u="none" strike="noStrike" cap="none">
+              <a:rPr lang="en-US" sz="3600" u="none" strike="noStrike" cap="none">
                 <a:solidFill>
                   <a:schemeClr val="lt1"/>
                 </a:solidFill>
-                <a:latin typeface="Cabin"/>
-                <a:ea typeface="Cabin"/>
-                <a:cs typeface="Cabin"/>
+                <a:latin typeface="Arial" charset="0"/>
+                <a:ea typeface="Arial" charset="0"/>
+                <a:cs typeface="Arial" charset="0"/>
                 <a:sym typeface="Cabin"/>
               </a:rPr>
             </a:br>
-            <a:endParaRPr lang="en-US" sz="3600" b="0" i="0" u="none" strike="noStrike" cap="none">
+            <a:endParaRPr lang="en-US" sz="3600" u="none" strike="noStrike" cap="none">
               <a:solidFill>
                 <a:schemeClr val="lt1"/>
               </a:solidFill>
-              <a:latin typeface="Cabin"/>
-              <a:ea typeface="Cabin"/>
-              <a:cs typeface="Cabin"/>
+              <a:latin typeface="Arial" charset="0"/>
+              <a:ea typeface="Arial" charset="0"/>
+              <a:cs typeface="Arial" charset="0"/>
               <a:sym typeface="Cabin"/>
             </a:endParaRPr>
           </a:p>
@@ -49104,72 +49068,72 @@
               <a:buFont typeface="Cabin"/>
             </a:pPr>
             <a:r>
-              <a:rPr lang="en-US" sz="3600" b="0" i="0" u="none" strike="noStrike" cap="none">
+              <a:rPr lang="en-US" sz="3600" u="none" strike="noStrike" cap="none">
                 <a:solidFill>
                   <a:schemeClr val="lt1"/>
                 </a:solidFill>
-                <a:latin typeface="Cabin"/>
-                <a:ea typeface="Cabin"/>
-                <a:cs typeface="Cabin"/>
+                <a:latin typeface="Arial" charset="0"/>
+                <a:ea typeface="Arial" charset="0"/>
+                <a:cs typeface="Arial" charset="0"/>
                 <a:sym typeface="Cabin"/>
               </a:rPr>
               <a:t>An </a:t>
             </a:r>
             <a:r>
-              <a:rPr lang="en-US" sz="3600" b="0" i="0" u="none" strike="noStrike" cap="none">
+              <a:rPr lang="en-US" sz="3600" u="none" strike="noStrike" cap="none">
                 <a:solidFill>
                   <a:srgbClr val="FFFFFF"/>
                 </a:solidFill>
-                <a:latin typeface="Cabin"/>
-                <a:ea typeface="Cabin"/>
-                <a:cs typeface="Cabin"/>
+                <a:latin typeface="Arial" charset="0"/>
+                <a:ea typeface="Arial" charset="0"/>
+                <a:cs typeface="Arial" charset="0"/>
                 <a:sym typeface="Cabin"/>
               </a:rPr>
               <a:t>assignment statement</a:t>
             </a:r>
             <a:r>
-              <a:rPr lang="en-US" sz="3600" b="0" i="0" u="none" strike="noStrike" cap="none">
+              <a:rPr lang="en-US" sz="3600" u="none" strike="noStrike" cap="none">
                 <a:solidFill>
                   <a:schemeClr val="lt1"/>
                 </a:solidFill>
-                <a:latin typeface="Cabin"/>
-                <a:ea typeface="Cabin"/>
-                <a:cs typeface="Cabin"/>
+                <a:latin typeface="Arial" charset="0"/>
+                <a:ea typeface="Arial" charset="0"/>
+                <a:cs typeface="Arial" charset="0"/>
                 <a:sym typeface="Cabin"/>
               </a:rPr>
               <a:t> consists of an </a:t>
             </a:r>
             <a:r>
-              <a:rPr lang="en-US" sz="3600" b="0" i="0" u="none" strike="noStrike" cap="none">
+              <a:rPr lang="en-US" sz="3600" u="none" strike="noStrike" cap="none">
                 <a:solidFill>
                   <a:srgbClr val="FFFF00"/>
                 </a:solidFill>
-                <a:latin typeface="Cabin"/>
-                <a:ea typeface="Cabin"/>
-                <a:cs typeface="Cabin"/>
+                <a:latin typeface="Arial" charset="0"/>
+                <a:ea typeface="Arial" charset="0"/>
+                <a:cs typeface="Arial" charset="0"/>
                 <a:sym typeface="Cabin"/>
               </a:rPr>
               <a:t>expression on the </a:t>
             </a:r>
             <a:br>
-              <a:rPr lang="en-US" sz="3600" b="0" i="0" u="none" strike="noStrike" cap="none">
+              <a:rPr lang="en-US" sz="3600" u="none" strike="noStrike" cap="none">
                 <a:solidFill>
                   <a:srgbClr val="FFFF00"/>
                 </a:solidFill>
-                <a:latin typeface="Cabin"/>
-                <a:ea typeface="Cabin"/>
-                <a:cs typeface="Cabin"/>
+                <a:latin typeface="Arial" charset="0"/>
+                <a:ea typeface="Arial" charset="0"/>
+                <a:cs typeface="Arial" charset="0"/>
                 <a:sym typeface="Cabin"/>
               </a:rPr>
             </a:br>
             <a:r>
-              <a:rPr lang="en-US" sz="3600" b="0" i="0" u="none" strike="noStrike" cap="none">
+              <a:rPr lang="en-US" sz="3600" u="none" strike="noStrike" cap="none">
                 <a:solidFill>
                   <a:srgbClr val="FFFF00"/>
                 </a:solidFill>
-                <a:latin typeface="Cabin"/>
-                <a:ea typeface="Cabin"/>
-                <a:cs typeface="Cabin"/>
+                <a:latin typeface="Arial" charset="0"/>
+                <a:ea typeface="Arial" charset="0"/>
+                <a:cs typeface="Arial" charset="0"/>
                 <a:sym typeface="Cabin"/>
               </a:rPr>
               <a:t>right</a:t>
@@ -49179,57 +49143,57 @@
                 <a:solidFill>
                   <a:srgbClr val="FFFF00"/>
                 </a:solidFill>
-                <a:latin typeface="Cabin"/>
-                <a:ea typeface="Cabin"/>
-                <a:cs typeface="Cabin"/>
+                <a:latin typeface="Arial" charset="0"/>
+                <a:ea typeface="Arial" charset="0"/>
+                <a:cs typeface="Arial" charset="0"/>
                 <a:sym typeface="Cabin"/>
               </a:rPr>
               <a:t>-</a:t>
             </a:r>
             <a:r>
-              <a:rPr lang="en-US" sz="3600" b="0" i="0" u="none" strike="noStrike" cap="none">
+              <a:rPr lang="en-US" sz="3600" u="none" strike="noStrike" cap="none">
                 <a:solidFill>
                   <a:srgbClr val="FFFF00"/>
                 </a:solidFill>
-                <a:latin typeface="Cabin"/>
-                <a:ea typeface="Cabin"/>
-                <a:cs typeface="Cabin"/>
+                <a:latin typeface="Arial" charset="0"/>
+                <a:ea typeface="Arial" charset="0"/>
+                <a:cs typeface="Arial" charset="0"/>
                 <a:sym typeface="Cabin"/>
               </a:rPr>
               <a:t>hand side</a:t>
             </a:r>
             <a:r>
-              <a:rPr lang="en-US" sz="3600" b="0" i="0" u="none" strike="noStrike" cap="none">
+              <a:rPr lang="en-US" sz="3600" u="none" strike="noStrike" cap="none">
                 <a:solidFill>
                   <a:schemeClr val="lt1"/>
                 </a:solidFill>
-                <a:latin typeface="Cabin"/>
-                <a:ea typeface="Cabin"/>
-                <a:cs typeface="Cabin"/>
+                <a:latin typeface="Arial" charset="0"/>
+                <a:ea typeface="Arial" charset="0"/>
+                <a:cs typeface="Arial" charset="0"/>
                 <a:sym typeface="Cabin"/>
               </a:rPr>
               <a:t> and  a </a:t>
             </a:r>
             <a:r>
-              <a:rPr lang="en-US" sz="3600" b="0" i="0" u="none" strike="noStrike" cap="none">
+              <a:rPr lang="en-US" sz="3600" u="none" strike="noStrike" cap="none">
                 <a:solidFill>
                   <a:srgbClr val="00FF00"/>
                 </a:solidFill>
-                <a:latin typeface="Cabin"/>
-                <a:ea typeface="Cabin"/>
-                <a:cs typeface="Cabin"/>
+                <a:latin typeface="Arial" charset="0"/>
+                <a:ea typeface="Arial" charset="0"/>
+                <a:cs typeface="Arial" charset="0"/>
                 <a:sym typeface="Cabin"/>
               </a:rPr>
               <a:t>variable</a:t>
             </a:r>
             <a:r>
-              <a:rPr lang="en-US" sz="3600" b="0" i="0" u="none" strike="noStrike" cap="none">
+              <a:rPr lang="en-US" sz="3600" u="none" strike="noStrike" cap="none">
                 <a:solidFill>
                   <a:schemeClr val="lt1"/>
                 </a:solidFill>
-                <a:latin typeface="Cabin"/>
-                <a:ea typeface="Cabin"/>
-                <a:cs typeface="Cabin"/>
+                <a:latin typeface="Arial" charset="0"/>
+                <a:ea typeface="Arial" charset="0"/>
+                <a:cs typeface="Arial" charset="0"/>
                 <a:sym typeface="Cabin"/>
               </a:rPr>
               <a:t> to store the result</a:t>
@@ -49529,61 +49493,61 @@
               <a:buNone/>
             </a:pPr>
             <a:r>
-              <a:rPr lang="en-US" sz="5600" b="0" i="0" u="none" strike="noStrike" cap="none">
+              <a:rPr lang="en-US" sz="5600" u="none" strike="noStrike" cap="none">
                 <a:solidFill>
                   <a:srgbClr val="00FF00"/>
                 </a:solidFill>
-                <a:latin typeface="Cabin"/>
-                <a:ea typeface="Cabin"/>
-                <a:cs typeface="Cabin"/>
+                <a:latin typeface="Arial" charset="0"/>
+                <a:ea typeface="Arial" charset="0"/>
+                <a:cs typeface="Arial" charset="0"/>
                 <a:sym typeface="Cabin"/>
               </a:rPr>
               <a:t>x</a:t>
             </a:r>
             <a:r>
-              <a:rPr lang="en-US" sz="5600" b="0" i="0" u="none" strike="noStrike" cap="none">
+              <a:rPr lang="en-US" sz="5600" u="none" strike="noStrike" cap="none">
                 <a:solidFill>
                   <a:srgbClr val="FF00FF"/>
                 </a:solidFill>
-                <a:latin typeface="Cabin"/>
-                <a:ea typeface="Cabin"/>
-                <a:cs typeface="Cabin"/>
+                <a:latin typeface="Arial" charset="0"/>
+                <a:ea typeface="Arial" charset="0"/>
+                <a:cs typeface="Arial" charset="0"/>
                 <a:sym typeface="Cabin"/>
               </a:rPr>
               <a:t> </a:t>
             </a:r>
             <a:r>
-              <a:rPr lang="en-US" sz="5600" b="0" i="0" u="none" strike="noStrike" cap="none">
+              <a:rPr lang="en-US" sz="5600" u="none" strike="noStrike" cap="none">
                 <a:solidFill>
                   <a:srgbClr val="FFFFFF"/>
                 </a:solidFill>
-                <a:latin typeface="Cabin"/>
-                <a:ea typeface="Cabin"/>
-                <a:cs typeface="Cabin"/>
+                <a:latin typeface="Arial" charset="0"/>
+                <a:ea typeface="Arial" charset="0"/>
+                <a:cs typeface="Arial" charset="0"/>
                 <a:sym typeface="Cabin"/>
               </a:rPr>
               <a:t>=</a:t>
             </a:r>
             <a:r>
-              <a:rPr lang="en-US" sz="5600" b="0" i="0" u="none" strike="noStrike" cap="none">
+              <a:rPr lang="en-US" sz="5600" u="none" strike="noStrike" cap="none">
                 <a:solidFill>
                   <a:schemeClr val="lt1"/>
                 </a:solidFill>
-                <a:latin typeface="Cabin"/>
-                <a:ea typeface="Cabin"/>
-                <a:cs typeface="Cabin"/>
+                <a:latin typeface="Arial" charset="0"/>
+                <a:ea typeface="Arial" charset="0"/>
+                <a:cs typeface="Arial" charset="0"/>
                 <a:sym typeface="Cabin"/>
               </a:rPr>
               <a:t> </a:t>
             </a:r>
             <a:r>
-              <a:rPr lang="en-US" sz="5600" b="0" i="0" u="none" strike="noStrike" cap="none">
+              <a:rPr lang="en-US" sz="5600" u="none" strike="noStrike" cap="none">
                 <a:solidFill>
                   <a:srgbClr val="FFFF00"/>
                 </a:solidFill>
-                <a:latin typeface="Cabin"/>
-                <a:ea typeface="Cabin"/>
-                <a:cs typeface="Cabin"/>
+                <a:latin typeface="Arial" charset="0"/>
+                <a:ea typeface="Arial" charset="0"/>
+                <a:cs typeface="Arial" charset="0"/>
                 <a:sym typeface="Cabin"/>
               </a:rPr>
               <a:t>3.9   *   x   *   (  1   -   x  )</a:t>
@@ -49644,21 +49608,21 @@
                 <a:solidFill>
                   <a:schemeClr val="lt1"/>
                 </a:solidFill>
-                <a:latin typeface="Cabin"/>
-                <a:ea typeface="Cabin"/>
-                <a:cs typeface="Cabin"/>
+                <a:latin typeface="Arial" charset="0"/>
+                <a:ea typeface="Arial" charset="0"/>
+                <a:cs typeface="Arial" charset="0"/>
                 <a:sym typeface="Cabin"/>
               </a:rPr>
               <a:t> </a:t>
             </a:r>
             <a:r>
-              <a:rPr lang="en-US" sz="4900" b="0" i="0" u="none" strike="noStrike" cap="none">
+              <a:rPr lang="en-US" sz="4900" u="none" strike="noStrike" cap="none">
                 <a:solidFill>
                   <a:schemeClr val="lt1"/>
                 </a:solidFill>
-                <a:latin typeface="Cabin"/>
-                <a:ea typeface="Cabin"/>
-                <a:cs typeface="Cabin"/>
+                <a:latin typeface="Arial" charset="0"/>
+                <a:ea typeface="Arial" charset="0"/>
+                <a:cs typeface="Arial" charset="0"/>
                 <a:sym typeface="Cabin"/>
               </a:rPr>
               <a:t>0.6</a:t>
@@ -49709,13 +49673,13 @@
               <a:buNone/>
             </a:pPr>
             <a:r>
-              <a:rPr lang="en-US" sz="5200" b="0" i="0" u="none" strike="noStrike" cap="none">
+              <a:rPr lang="en-US" sz="5200" u="none" strike="noStrike" cap="none">
                 <a:solidFill>
                   <a:srgbClr val="00FF00"/>
                 </a:solidFill>
-                <a:latin typeface="Cabin"/>
-                <a:ea typeface="Cabin"/>
-                <a:cs typeface="Cabin"/>
+                <a:latin typeface="Arial" charset="0"/>
+                <a:ea typeface="Arial" charset="0"/>
+                <a:cs typeface="Arial" charset="0"/>
                 <a:sym typeface="Cabin"/>
               </a:rPr>
               <a:t>x</a:t>
@@ -49770,44 +49734,44 @@
                 <a:solidFill>
                   <a:srgbClr val="FFFF00"/>
                 </a:solidFill>
-                <a:latin typeface="Cabin"/>
-                <a:ea typeface="Cabin"/>
-                <a:cs typeface="Cabin"/>
+                <a:latin typeface="Arial" charset="0"/>
+                <a:ea typeface="Arial" charset="0"/>
+                <a:cs typeface="Arial" charset="0"/>
                 <a:sym typeface="Cabin"/>
               </a:rPr>
               <a:t>The r</a:t>
             </a:r>
             <a:r>
-              <a:rPr lang="en-US" sz="3600" b="0" i="0" u="none" strike="noStrike" cap="none">
+              <a:rPr lang="en-US" sz="3600" u="none" strike="noStrike" cap="none">
                 <a:solidFill>
                   <a:srgbClr val="FFFF00"/>
                 </a:solidFill>
-                <a:latin typeface="Cabin"/>
-                <a:ea typeface="Cabin"/>
-                <a:cs typeface="Cabin"/>
+                <a:latin typeface="Arial" charset="0"/>
+                <a:ea typeface="Arial" charset="0"/>
+                <a:cs typeface="Arial" charset="0"/>
                 <a:sym typeface="Cabin"/>
               </a:rPr>
               <a:t>ight side is an expression. </a:t>
             </a:r>
             <a:br>
-              <a:rPr lang="en-US" sz="3600" b="0" i="0" u="none" strike="noStrike" cap="none">
+              <a:rPr lang="en-US" sz="3600" u="none" strike="noStrike" cap="none">
                 <a:solidFill>
                   <a:srgbClr val="FFFF00"/>
                 </a:solidFill>
-                <a:latin typeface="Cabin"/>
-                <a:ea typeface="Cabin"/>
-                <a:cs typeface="Cabin"/>
+                <a:latin typeface="Arial" charset="0"/>
+                <a:ea typeface="Arial" charset="0"/>
+                <a:cs typeface="Arial" charset="0"/>
                 <a:sym typeface="Cabin"/>
               </a:rPr>
             </a:br>
             <a:r>
-              <a:rPr lang="en-US" sz="3600" b="0" i="0" u="none" strike="noStrike" cap="none">
+              <a:rPr lang="en-US" sz="3600" u="none" strike="noStrike" cap="none">
                 <a:solidFill>
                   <a:srgbClr val="FF9900"/>
                 </a:solidFill>
-                <a:latin typeface="Cabin"/>
-                <a:ea typeface="Cabin"/>
-                <a:cs typeface="Cabin"/>
+                <a:latin typeface="Arial" charset="0"/>
+                <a:ea typeface="Arial" charset="0"/>
+                <a:cs typeface="Arial" charset="0"/>
                 <a:sym typeface="Cabin"/>
               </a:rPr>
               <a:t>Once</a:t>
@@ -49817,45 +49781,45 @@
                 <a:solidFill>
                   <a:srgbClr val="FF9900"/>
                 </a:solidFill>
-                <a:latin typeface="Cabin"/>
-                <a:ea typeface="Cabin"/>
-                <a:cs typeface="Cabin"/>
+                <a:latin typeface="Arial" charset="0"/>
+                <a:ea typeface="Arial" charset="0"/>
+                <a:cs typeface="Arial" charset="0"/>
                 <a:sym typeface="Cabin"/>
               </a:rPr>
               <a:t> </a:t>
             </a:r>
             <a:r>
-              <a:rPr lang="en-US" sz="3600" b="0" i="0" u="none" strike="noStrike" cap="none">
+              <a:rPr lang="en-US" sz="3600" u="none" strike="noStrike" cap="none">
                 <a:solidFill>
                   <a:srgbClr val="FF9900"/>
                 </a:solidFill>
-                <a:latin typeface="Cabin"/>
-                <a:ea typeface="Cabin"/>
-                <a:cs typeface="Cabin"/>
+                <a:latin typeface="Arial" charset="0"/>
+                <a:ea typeface="Arial" charset="0"/>
+                <a:cs typeface="Arial" charset="0"/>
                 <a:sym typeface="Cabin"/>
               </a:rPr>
               <a:t>the expression is evaluated,</a:t>
             </a:r>
             <a:r>
-              <a:rPr lang="en-US" sz="3600" b="0" i="0" u="none" strike="noStrike" cap="none">
+              <a:rPr lang="en-US" sz="3600" u="none" strike="noStrike" cap="none">
                 <a:solidFill>
                   <a:schemeClr val="lt1"/>
                 </a:solidFill>
-                <a:latin typeface="Cabin"/>
-                <a:ea typeface="Cabin"/>
-                <a:cs typeface="Cabin"/>
+                <a:latin typeface="Arial" charset="0"/>
+                <a:ea typeface="Arial" charset="0"/>
+                <a:cs typeface="Arial" charset="0"/>
                 <a:sym typeface="Cabin"/>
               </a:rPr>
               <a:t> </a:t>
             </a:r>
             <a:r>
-              <a:rPr lang="en-US" sz="3600" b="0" i="0" u="none" strike="noStrike" cap="none">
+              <a:rPr lang="en-US" sz="3600" u="none" strike="noStrike" cap="none">
                 <a:solidFill>
                   <a:srgbClr val="00FF00"/>
                 </a:solidFill>
-                <a:latin typeface="Cabin"/>
-                <a:ea typeface="Cabin"/>
-                <a:cs typeface="Cabin"/>
+                <a:latin typeface="Arial" charset="0"/>
+                <a:ea typeface="Arial" charset="0"/>
+                <a:cs typeface="Arial" charset="0"/>
                 <a:sym typeface="Cabin"/>
               </a:rPr>
               <a:t>the result is placed in (assigned to) x.</a:t>
@@ -49906,13 +49870,13 @@
               <a:buNone/>
             </a:pPr>
             <a:r>
-              <a:rPr lang="en-US" sz="3600" b="0" i="0" u="none" strike="noStrike" cap="none">
+              <a:rPr lang="en-US" sz="3600" u="none" strike="noStrike" cap="none">
                 <a:solidFill>
                   <a:schemeClr val="lt1"/>
                 </a:solidFill>
-                <a:latin typeface="Cabin"/>
-                <a:ea typeface="Cabin"/>
-                <a:cs typeface="Cabin"/>
+                <a:latin typeface="Arial" charset="0"/>
+                <a:ea typeface="Arial" charset="0"/>
+                <a:cs typeface="Arial" charset="0"/>
                 <a:sym typeface="Cabin"/>
               </a:rPr>
               <a:t>0.6</a:t>
@@ -49963,13 +49927,13 @@
               <a:buNone/>
             </a:pPr>
             <a:r>
-              <a:rPr lang="en-US" sz="3600" b="0" i="0" u="none" strike="noStrike" cap="none">
+              <a:rPr lang="en-US" sz="3600" u="none" strike="noStrike" cap="none">
                 <a:solidFill>
                   <a:schemeClr val="lt1"/>
                 </a:solidFill>
-                <a:latin typeface="Cabin"/>
-                <a:ea typeface="Cabin"/>
-                <a:cs typeface="Cabin"/>
+                <a:latin typeface="Arial" charset="0"/>
+                <a:ea typeface="Arial" charset="0"/>
+                <a:cs typeface="Arial" charset="0"/>
                 <a:sym typeface="Cabin"/>
               </a:rPr>
               <a:t>0.6</a:t>
@@ -50074,40 +50038,16 @@
               <a:buNone/>
             </a:pPr>
             <a:r>
-              <a:rPr lang="en-US" sz="3600" b="0" i="0" u="none" strike="noStrike" cap="none">
+              <a:rPr lang="en-US" sz="3600" u="none" strike="noStrike" cap="none">
                 <a:solidFill>
                   <a:srgbClr val="FF9900"/>
                 </a:solidFill>
-                <a:latin typeface="Cabin"/>
-                <a:ea typeface="Cabin"/>
-                <a:cs typeface="Cabin"/>
+                <a:latin typeface="Arial" charset="0"/>
+                <a:ea typeface="Arial" charset="0"/>
+                <a:cs typeface="Arial" charset="0"/>
                 <a:sym typeface="Cabin"/>
               </a:rPr>
-              <a:t>0</a:t>
-            </a:r>
-            <a:r>
-              <a:rPr lang="en-US" sz="3600" b="1" i="0" u="none" strike="noStrike" cap="none">
-                <a:solidFill>
-                  <a:srgbClr val="FF9900"/>
-                </a:solidFill>
-                <a:latin typeface="Cabin"/>
-                <a:ea typeface="Cabin"/>
-                <a:cs typeface="Cabin"/>
-                <a:sym typeface="Cabin"/>
-              </a:rPr>
-              <a:t>.</a:t>
-            </a:r>
-            <a:r>
-              <a:rPr lang="en-US" sz="3600" b="0" i="0" u="none" strike="noStrike" cap="none">
-                <a:solidFill>
-                  <a:srgbClr val="FF9900"/>
-                </a:solidFill>
-                <a:latin typeface="Cabin"/>
-                <a:ea typeface="Cabin"/>
-                <a:cs typeface="Cabin"/>
-                <a:sym typeface="Cabin"/>
-              </a:rPr>
-              <a:t>4</a:t>
+              <a:t>0.4</a:t>
             </a:r>
           </a:p>
         </p:txBody>
@@ -50235,40 +50175,16 @@
               <a:buNone/>
             </a:pPr>
             <a:r>
-              <a:rPr lang="en-US" sz="3600" b="0" i="0" u="none" strike="noStrike" cap="none">
+              <a:rPr lang="en-US" sz="3600" u="none" strike="noStrike" cap="none">
                 <a:solidFill>
                   <a:srgbClr val="FF9900"/>
                 </a:solidFill>
-                <a:latin typeface="Cabin"/>
-                <a:ea typeface="Cabin"/>
-                <a:cs typeface="Cabin"/>
+                <a:latin typeface="Arial" charset="0"/>
+                <a:ea typeface="Arial" charset="0"/>
+                <a:cs typeface="Arial" charset="0"/>
                 <a:sym typeface="Cabin"/>
               </a:rPr>
-              <a:t>0</a:t>
-            </a:r>
-            <a:r>
-              <a:rPr lang="en-US" sz="3600" b="1" i="0" u="none" strike="noStrike" cap="none">
-                <a:solidFill>
-                  <a:srgbClr val="FF9900"/>
-                </a:solidFill>
-                <a:latin typeface="Cabin"/>
-                <a:ea typeface="Cabin"/>
-                <a:cs typeface="Cabin"/>
-                <a:sym typeface="Cabin"/>
-              </a:rPr>
-              <a:t>.</a:t>
-            </a:r>
-            <a:r>
-              <a:rPr lang="en-US" sz="3600" b="0" i="0" u="none" strike="noStrike" cap="none">
-                <a:solidFill>
-                  <a:srgbClr val="FF9900"/>
-                </a:solidFill>
-                <a:latin typeface="Cabin"/>
-                <a:ea typeface="Cabin"/>
-                <a:cs typeface="Cabin"/>
-                <a:sym typeface="Cabin"/>
-              </a:rPr>
-              <a:t>936</a:t>
+              <a:t>0.936</a:t>
             </a:r>
           </a:p>
         </p:txBody>
@@ -50368,37 +50284,37 @@
               <a:buNone/>
             </a:pPr>
             <a:r>
-              <a:rPr lang="en-US" sz="3600" b="0" i="0" u="none" strike="noStrike" cap="none">
+              <a:rPr lang="en-US" sz="3600" u="none" strike="noStrike" cap="none">
                 <a:solidFill>
                   <a:srgbClr val="00FF00"/>
                 </a:solidFill>
-                <a:latin typeface="Cabin"/>
-                <a:ea typeface="Cabin"/>
-                <a:cs typeface="Cabin"/>
+                <a:latin typeface="Arial" charset="0"/>
+                <a:ea typeface="Arial" charset="0"/>
+                <a:cs typeface="Arial" charset="0"/>
                 <a:sym typeface="Cabin"/>
               </a:rPr>
               <a:t>A variable is a memory location used to store a value (</a:t>
             </a:r>
             <a:r>
-              <a:rPr lang="en-US" sz="3600" b="0" i="0" u="none" strike="noStrike" cap="none">
+              <a:rPr lang="en-US" sz="3600" u="none" strike="noStrike" cap="none">
                 <a:solidFill>
                   <a:srgbClr val="FFFFFF"/>
                 </a:solidFill>
-                <a:latin typeface="Cabin"/>
-                <a:ea typeface="Cabin"/>
-                <a:cs typeface="Cabin"/>
+                <a:latin typeface="Arial" charset="0"/>
+                <a:ea typeface="Arial" charset="0"/>
+                <a:cs typeface="Arial" charset="0"/>
                 <a:sym typeface="Cabin"/>
               </a:rPr>
               <a:t>0.6</a:t>
             </a:r>
             <a:r>
-              <a:rPr lang="en-US" sz="3600" b="0" i="0" u="none" strike="noStrike" cap="none">
+              <a:rPr lang="en-US" sz="3600" u="none" strike="noStrike" cap="none">
                 <a:solidFill>
                   <a:srgbClr val="00FF00"/>
                 </a:solidFill>
-                <a:latin typeface="Cabin"/>
-                <a:ea typeface="Cabin"/>
-                <a:cs typeface="Cabin"/>
+                <a:latin typeface="Arial" charset="0"/>
+                <a:ea typeface="Arial" charset="0"/>
+                <a:cs typeface="Arial" charset="0"/>
                 <a:sym typeface="Cabin"/>
               </a:rPr>
               <a:t>)</a:t>

--- a/lectures3/Pythonlearn-02-Expressions.pptx
+++ b/lectures3/Pythonlearn-02-Expressions.pptx
@@ -5133,9 +5133,7 @@
             <a:avLst/>
           </a:prstGeom>
           <a:solidFill>
-            <a:schemeClr val="tx1">
-              <a:lumMod val="75000"/>
-            </a:schemeClr>
+            <a:schemeClr val="bg2"/>
           </a:solidFill>
           <a:ln>
             <a:noFill/>
@@ -5285,9 +5283,7 @@
             <a:avLst/>
           </a:prstGeom>
           <a:solidFill>
-            <a:schemeClr val="tx1">
-              <a:lumMod val="75000"/>
-            </a:schemeClr>
+            <a:schemeClr val="bg2"/>
           </a:solidFill>
           <a:ln>
             <a:noFill/>
@@ -6340,19 +6336,7 @@
                 <a:cs typeface="Arial" charset="0"/>
                 <a:sym typeface="Cabin"/>
               </a:rPr>
-              <a:t> </a:t>
-            </a:r>
-            <a:r>
-              <a:rPr lang="en-US" sz="4900" dirty="0" smtClean="0">
-                <a:solidFill>
-                  <a:schemeClr val="lt1"/>
-                </a:solidFill>
-                <a:latin typeface="Arial" charset="0"/>
-                <a:ea typeface="Arial" charset="0"/>
-                <a:cs typeface="Arial" charset="0"/>
-                <a:sym typeface="Cabin"/>
-              </a:rPr>
-              <a:t>0.6    0.93</a:t>
+              <a:t> 0.6    0.93</a:t>
             </a:r>
             <a:endParaRPr lang="en-US" sz="4900" dirty="0">
               <a:solidFill>

--- a/lectures3/Pythonlearn-02-Expressions.pptx
+++ b/lectures3/Pythonlearn-02-Expressions.pptx
@@ -6043,7 +6043,7 @@
               <a:buNone/>
             </a:pPr>
             <a:r>
-              <a:rPr lang="en-US" sz="3200" u="none" strike="noStrike" cap="none">
+              <a:rPr lang="en-US" sz="3200" u="none" strike="noStrike" cap="none" dirty="0" smtClean="0">
                 <a:solidFill>
                   <a:srgbClr val="FFFF00"/>
                 </a:solidFill>
@@ -6052,8 +6052,17 @@
                 <a:cs typeface="Arial" charset="0"/>
                 <a:sym typeface="Cabin"/>
               </a:rPr>
-              <a:t>Python for Informatics: Exploring Information</a:t>
-            </a:r>
+              <a:t>Python for Everybody</a:t>
+            </a:r>
+            <a:endParaRPr lang="en-US" sz="3200" u="none" strike="noStrike" cap="none" dirty="0">
+              <a:solidFill>
+                <a:srgbClr val="FFFF00"/>
+              </a:solidFill>
+              <a:latin typeface="Arial" charset="0"/>
+              <a:ea typeface="Arial" charset="0"/>
+              <a:cs typeface="Arial" charset="0"/>
+              <a:sym typeface="Cabin"/>
+            </a:endParaRPr>
           </a:p>
           <a:p>
             <a:pPr marL="0" marR="0" lvl="0" indent="0" algn="ctr" rtl="0">
@@ -6074,7 +6083,7 @@
               <a:buNone/>
             </a:pPr>
             <a:r>
-              <a:rPr lang="en-US" sz="3200" u="sng" strike="noStrike" cap="none">
+              <a:rPr lang="en-US" sz="3200" u="sng" strike="noStrike" cap="none" smtClean="0">
                 <a:solidFill>
                   <a:srgbClr val="FFFF00"/>
                 </a:solidFill>
@@ -6084,8 +6093,18 @@
                 <a:sym typeface="Cabin"/>
                 <a:hlinkClick r:id="rId3"/>
               </a:rPr>
-              <a:t>www.pythonlearn.com</a:t>
-            </a:r>
+              <a:t>www.py4e.com</a:t>
+            </a:r>
+            <a:endParaRPr lang="en-US" sz="3200" u="sng" strike="noStrike" cap="none" dirty="0">
+              <a:solidFill>
+                <a:srgbClr val="FFFF00"/>
+              </a:solidFill>
+              <a:latin typeface="Arial" charset="0"/>
+              <a:ea typeface="Arial" charset="0"/>
+              <a:cs typeface="Arial" charset="0"/>
+              <a:sym typeface="Cabin"/>
+              <a:hlinkClick r:id="rId3"/>
+            </a:endParaRPr>
           </a:p>
         </p:txBody>
       </p:sp>
@@ -6118,7 +6137,7 @@
       </p:pic>
       <p:pic>
         <p:nvPicPr>
-          <p:cNvPr id="245" name="Shape 245"/>
+          <p:cNvPr id="6" name="Shape 208"/>
           <p:cNvPicPr preferRelativeResize="0"/>
           <p:nvPr/>
         </p:nvPicPr>
@@ -6131,7 +6150,7 @@
         </p:blipFill>
         <p:spPr>
           <a:xfrm>
-            <a:off x="635250" y="7104744"/>
+            <a:off x="635250" y="6947585"/>
             <a:ext cx="1024800" cy="1024800"/>
           </a:xfrm>
           <a:prstGeom prst="rect">
@@ -12866,7 +12885,7 @@
               <a:t>&gt;&gt;&gt; </a:t>
             </a:r>
             <a:r>
-              <a:rPr lang="en-US" sz="3600" b="1" i="0" u="none" strike="noStrike" cap="none" dirty="0">
+              <a:rPr lang="en-US" sz="3600" b="1" i="0" u="none" strike="noStrike" cap="none" dirty="0" smtClean="0">
                 <a:solidFill>
                   <a:srgbClr val="FFFF00"/>
                 </a:solidFill>
@@ -12875,8 +12894,17 @@
                 <a:cs typeface="Courier New"/>
                 <a:sym typeface="Courier New"/>
               </a:rPr>
-              <a:t>print x</a:t>
-            </a:r>
+              <a:t>print(x)</a:t>
+            </a:r>
+            <a:endParaRPr lang="en-US" sz="3600" b="1" i="0" u="none" strike="noStrike" cap="none" dirty="0">
+              <a:solidFill>
+                <a:srgbClr val="FFFF00"/>
+              </a:solidFill>
+              <a:latin typeface="Courier New"/>
+              <a:ea typeface="Courier New"/>
+              <a:cs typeface="Courier New"/>
+              <a:sym typeface="Courier New"/>
+            </a:endParaRPr>
           </a:p>
           <a:p>
             <a:pPr marL="0" marR="0" lvl="0" indent="0" algn="l" rtl="0">
@@ -15813,19 +15841,19 @@
               <a:buNone/>
             </a:pPr>
             <a:r>
-              <a:rPr lang="en-US" sz="3400" b="1" i="0" u="none" strike="noStrike" cap="none" dirty="0">
-                <a:solidFill>
-                  <a:schemeClr val="lt1"/>
-                </a:solidFill>
-                <a:latin typeface="Courier New"/>
-                <a:ea typeface="Courier New"/>
-                <a:cs typeface="Courier New"/>
-                <a:sym typeface="Courier New"/>
-              </a:rPr>
-              <a:t>&lt;type '</a:t>
-            </a:r>
-            <a:r>
-              <a:rPr lang="en-US" sz="3400" b="1" i="0" u="none" strike="noStrike" cap="none" dirty="0" err="1">
+              <a:rPr lang="en-US" sz="3400" b="1" i="0" u="none" strike="noStrike" cap="none" dirty="0" smtClean="0">
+                <a:solidFill>
+                  <a:schemeClr val="lt1"/>
+                </a:solidFill>
+                <a:latin typeface="Courier New"/>
+                <a:ea typeface="Courier New"/>
+                <a:cs typeface="Courier New"/>
+                <a:sym typeface="Courier New"/>
+              </a:rPr>
+              <a:t>&lt;class '</a:t>
+            </a:r>
+            <a:r>
+              <a:rPr lang="en-US" sz="3400" b="1" i="0" u="none" strike="noStrike" cap="none" dirty="0" err="1" smtClean="0">
                 <a:solidFill>
                   <a:schemeClr val="lt1"/>
                 </a:solidFill>
@@ -16002,6 +16030,30 @@
               <a:buNone/>
             </a:pPr>
             <a:r>
+              <a:rPr lang="en-US" sz="3400" b="1" i="0" u="none" strike="noStrike" cap="none" dirty="0" smtClean="0">
+                <a:solidFill>
+                  <a:schemeClr val="lt1"/>
+                </a:solidFill>
+                <a:latin typeface="Courier New"/>
+                <a:ea typeface="Courier New"/>
+                <a:cs typeface="Courier New"/>
+                <a:sym typeface="Courier New"/>
+              </a:rPr>
+              <a:t>&lt;</a:t>
+            </a:r>
+            <a:r>
+              <a:rPr lang="en-US" sz="3400" b="1" i="0" u="none" strike="noStrike" cap="none" dirty="0" err="1" smtClean="0">
+                <a:solidFill>
+                  <a:schemeClr val="lt1"/>
+                </a:solidFill>
+                <a:latin typeface="Courier New"/>
+                <a:ea typeface="Courier New"/>
+                <a:cs typeface="Courier New"/>
+                <a:sym typeface="Courier New"/>
+              </a:rPr>
+              <a:t>class'float</a:t>
+            </a:r>
+            <a:r>
               <a:rPr lang="en-US" sz="3400" b="1" i="0" u="none" strike="noStrike" cap="none" dirty="0">
                 <a:solidFill>
                   <a:schemeClr val="lt1"/>
@@ -16011,7 +16063,7 @@
                 <a:cs typeface="Courier New"/>
                 <a:sym typeface="Courier New"/>
               </a:rPr>
-              <a:t>&lt;type 'float'&gt;</a:t>
+              <a:t>'&gt;</a:t>
             </a:r>
           </a:p>
           <a:p>
@@ -16088,19 +16140,19 @@
               <a:buNone/>
             </a:pPr>
             <a:r>
-              <a:rPr lang="en-US" sz="3400" b="1" i="0" u="none" strike="noStrike" cap="none" dirty="0">
-                <a:solidFill>
-                  <a:schemeClr val="lt1"/>
-                </a:solidFill>
-                <a:latin typeface="Courier New"/>
-                <a:ea typeface="Courier New"/>
-                <a:cs typeface="Courier New"/>
-                <a:sym typeface="Courier New"/>
-              </a:rPr>
-              <a:t>&lt;type '</a:t>
-            </a:r>
-            <a:r>
-              <a:rPr lang="en-US" sz="3400" b="1" i="0" u="none" strike="noStrike" cap="none" dirty="0" err="1">
+              <a:rPr lang="en-US" sz="3400" b="1" i="0" u="none" strike="noStrike" cap="none" dirty="0" smtClean="0">
+                <a:solidFill>
+                  <a:schemeClr val="lt1"/>
+                </a:solidFill>
+                <a:latin typeface="Courier New"/>
+                <a:ea typeface="Courier New"/>
+                <a:cs typeface="Courier New"/>
+                <a:sym typeface="Courier New"/>
+              </a:rPr>
+              <a:t>&lt;class '</a:t>
+            </a:r>
+            <a:r>
+              <a:rPr lang="en-US" sz="3400" b="1" i="0" u="none" strike="noStrike" cap="none" dirty="0" err="1" smtClean="0">
                 <a:solidFill>
                   <a:schemeClr val="lt1"/>
                 </a:solidFill>
@@ -16198,6 +16250,30 @@
               <a:buNone/>
             </a:pPr>
             <a:r>
+              <a:rPr lang="en-US" sz="3400" b="1" i="0" u="none" strike="noStrike" cap="none" dirty="0" smtClean="0">
+                <a:solidFill>
+                  <a:schemeClr val="lt1"/>
+                </a:solidFill>
+                <a:latin typeface="Courier New"/>
+                <a:ea typeface="Courier New"/>
+                <a:cs typeface="Courier New"/>
+                <a:sym typeface="Courier New"/>
+              </a:rPr>
+              <a:t>&lt;</a:t>
+            </a:r>
+            <a:r>
+              <a:rPr lang="en-US" sz="3400" b="1" i="0" u="none" strike="noStrike" cap="none" dirty="0" err="1" smtClean="0">
+                <a:solidFill>
+                  <a:schemeClr val="lt1"/>
+                </a:solidFill>
+                <a:latin typeface="Courier New"/>
+                <a:ea typeface="Courier New"/>
+                <a:cs typeface="Courier New"/>
+                <a:sym typeface="Courier New"/>
+              </a:rPr>
+              <a:t>class'float</a:t>
+            </a:r>
+            <a:r>
               <a:rPr lang="en-US" sz="3400" b="1" i="0" u="none" strike="noStrike" cap="none" dirty="0">
                 <a:solidFill>
                   <a:schemeClr val="lt1"/>
@@ -16207,7 +16283,7 @@
                 <a:cs typeface="Courier New"/>
                 <a:sym typeface="Courier New"/>
               </a:rPr>
-              <a:t>&lt;type 'float'&gt;</a:t>
+              <a:t>'&gt;</a:t>
             </a:r>
           </a:p>
           <a:p>
@@ -17592,28 +17668,28 @@
               <a:buNone/>
             </a:pPr>
             <a:r>
-              <a:rPr lang="en-US" sz="3200" b="1" i="0" u="none" strike="noStrike" cap="none" dirty="0">
-                <a:solidFill>
-                  <a:schemeClr val="lt1"/>
-                </a:solidFill>
-                <a:latin typeface="Courier New"/>
-                <a:ea typeface="Courier New"/>
-                <a:cs typeface="Courier New"/>
-                <a:sym typeface="Courier New"/>
-              </a:rPr>
-              <a:t>&lt;type '</a:t>
-            </a:r>
-            <a:r>
-              <a:rPr lang="en-US" sz="3200" b="1" i="0" u="none" strike="noStrike" cap="none" dirty="0" err="1">
-                <a:solidFill>
-                  <a:schemeClr val="lt1"/>
-                </a:solidFill>
-                <a:latin typeface="Courier New"/>
-                <a:ea typeface="Courier New"/>
-                <a:cs typeface="Courier New"/>
-                <a:sym typeface="Courier New"/>
-              </a:rPr>
-              <a:t>int</a:t>
+              <a:rPr lang="en-US" sz="3200" b="1" i="0" u="none" strike="noStrike" cap="none" dirty="0" smtClean="0">
+                <a:solidFill>
+                  <a:schemeClr val="lt1"/>
+                </a:solidFill>
+                <a:latin typeface="Courier New"/>
+                <a:ea typeface="Courier New"/>
+                <a:cs typeface="Courier New"/>
+                <a:sym typeface="Courier New"/>
+              </a:rPr>
+              <a:t>&lt;</a:t>
+            </a:r>
+            <a:r>
+              <a:rPr lang="en-US" sz="3200" b="1" i="0" u="none" strike="noStrike" cap="none" dirty="0" err="1" smtClean="0">
+                <a:solidFill>
+                  <a:schemeClr val="lt1"/>
+                </a:solidFill>
+                <a:latin typeface="Courier New"/>
+                <a:ea typeface="Courier New"/>
+                <a:cs typeface="Courier New"/>
+                <a:sym typeface="Courier New"/>
+              </a:rPr>
+              <a:t>class'int</a:t>
             </a:r>
             <a:r>
               <a:rPr lang="en-US" sz="3200" b="1" i="0" u="none" strike="noStrike" cap="none" dirty="0">
@@ -17877,6 +17953,30 @@
               <a:buNone/>
             </a:pPr>
             <a:r>
+              <a:rPr lang="en-US" sz="3200" b="1" i="0" u="none" strike="noStrike" cap="none" dirty="0" smtClean="0">
+                <a:solidFill>
+                  <a:schemeClr val="lt1"/>
+                </a:solidFill>
+                <a:latin typeface="Courier New"/>
+                <a:ea typeface="Courier New"/>
+                <a:cs typeface="Courier New"/>
+                <a:sym typeface="Courier New"/>
+              </a:rPr>
+              <a:t>&lt;</a:t>
+            </a:r>
+            <a:r>
+              <a:rPr lang="en-US" sz="3200" b="1" i="0" u="none" strike="noStrike" cap="none" smtClean="0">
+                <a:solidFill>
+                  <a:schemeClr val="lt1"/>
+                </a:solidFill>
+                <a:latin typeface="Courier New"/>
+                <a:ea typeface="Courier New"/>
+                <a:cs typeface="Courier New"/>
+                <a:sym typeface="Courier New"/>
+              </a:rPr>
+              <a:t>class'float</a:t>
+            </a:r>
+            <a:r>
               <a:rPr lang="en-US" sz="3200" b="1" i="0" u="none" strike="noStrike" cap="none" dirty="0">
                 <a:solidFill>
                   <a:schemeClr val="lt1"/>
@@ -17886,7 +17986,7 @@
                 <a:cs typeface="Courier New"/>
                 <a:sym typeface="Courier New"/>
               </a:rPr>
-              <a:t>&lt;type 'float'&gt;</a:t>
+              <a:t>'&gt;</a:t>
             </a:r>
           </a:p>
           <a:p>
@@ -21271,31 +21371,43 @@
               <a:buNone/>
             </a:pPr>
             <a:r>
+              <a:rPr lang="en-US" sz="2800" b="1" i="0" u="none" strike="noStrike" cap="none" dirty="0" smtClean="0">
+                <a:solidFill>
+                  <a:srgbClr val="FFFF00"/>
+                </a:solidFill>
+                <a:latin typeface="Courier New"/>
+                <a:ea typeface="Courier New"/>
+                <a:cs typeface="Courier New"/>
+                <a:sym typeface="Courier New"/>
+              </a:rPr>
+              <a:t>print</a:t>
+            </a:r>
+            <a:r>
+              <a:rPr lang="en-US" sz="2800" b="1" i="0" u="none" strike="noStrike" cap="none" dirty="0" smtClean="0">
+                <a:solidFill>
+                  <a:schemeClr val="lt1"/>
+                </a:solidFill>
+                <a:latin typeface="Courier New"/>
+                <a:ea typeface="Courier New"/>
+                <a:cs typeface="Courier New"/>
+                <a:sym typeface="Courier New"/>
+              </a:rPr>
+              <a:t>('US </a:t>
+            </a:r>
+            <a:r>
               <a:rPr lang="en-US" sz="2800" b="1" i="0" u="none" strike="noStrike" cap="none" dirty="0">
                 <a:solidFill>
-                  <a:srgbClr val="FFFF00"/>
-                </a:solidFill>
-                <a:latin typeface="Courier New"/>
-                <a:ea typeface="Courier New"/>
-                <a:cs typeface="Courier New"/>
-                <a:sym typeface="Courier New"/>
-              </a:rPr>
-              <a:t>print</a:t>
-            </a:r>
-            <a:r>
-              <a:rPr lang="en-US" sz="2800" b="1" i="0" u="none" strike="noStrike" cap="none" dirty="0">
-                <a:solidFill>
-                  <a:schemeClr val="lt1"/>
-                </a:solidFill>
-                <a:latin typeface="Courier New"/>
-                <a:ea typeface="Courier New"/>
-                <a:cs typeface="Courier New"/>
-                <a:sym typeface="Courier New"/>
-              </a:rPr>
-              <a:t> 'US floor', </a:t>
-            </a:r>
-            <a:r>
-              <a:rPr lang="en-US" sz="2800" b="1" i="0" u="none" strike="noStrike" cap="none" dirty="0" err="1">
+                  <a:schemeClr val="lt1"/>
+                </a:solidFill>
+                <a:latin typeface="Courier New"/>
+                <a:ea typeface="Courier New"/>
+                <a:cs typeface="Courier New"/>
+                <a:sym typeface="Courier New"/>
+              </a:rPr>
+              <a:t>floor', </a:t>
+            </a:r>
+            <a:r>
+              <a:rPr lang="en-US" sz="2800" b="1" i="0" u="none" strike="noStrike" cap="none" dirty="0" err="1" smtClean="0">
                 <a:solidFill>
                   <a:srgbClr val="00FF00"/>
                 </a:solidFill>
@@ -21305,10 +21417,22 @@
                 <a:sym typeface="Courier New"/>
               </a:rPr>
               <a:t>usf</a:t>
+            </a:r>
+            <a:r>
+              <a:rPr lang="en-US" sz="2800" b="1" i="0" u="none" strike="noStrike" cap="none" dirty="0" smtClean="0">
+                <a:solidFill>
+                  <a:schemeClr val="bg1"/>
+                </a:solidFill>
+                <a:latin typeface="Courier New"/>
+                <a:ea typeface="Courier New"/>
+                <a:cs typeface="Courier New"/>
+                <a:sym typeface="Courier New"/>
+              </a:rPr>
+              <a:t>)</a:t>
             </a:r>
             <a:endParaRPr lang="en-US" sz="2800" b="1" i="0" u="none" strike="noStrike" cap="none" dirty="0">
               <a:solidFill>
-                <a:srgbClr val="00FF00"/>
+                <a:schemeClr val="bg1"/>
               </a:solidFill>
               <a:latin typeface="Courier New"/>
               <a:ea typeface="Courier New"/>
@@ -24140,7 +24264,7 @@
               <a:buNone/>
             </a:pPr>
             <a:r>
-              <a:rPr lang="en-US" sz="3000" b="0" i="0" u="none" strike="noStrike" cap="none">
+              <a:rPr lang="en-US" sz="3000" b="0" i="0" u="none" strike="noStrike" cap="none" dirty="0">
                 <a:solidFill>
                   <a:srgbClr val="FFFF00"/>
                 </a:solidFill>
@@ -24171,7 +24295,7 @@
               <a:buNone/>
             </a:pPr>
             <a:r>
-              <a:rPr lang="en-US" sz="3000" b="0" i="0" u="none" strike="noStrike" cap="none">
+              <a:rPr lang="en-US" sz="3000" b="0" i="0" u="none" strike="noStrike" cap="none" dirty="0">
                 <a:solidFill>
                   <a:srgbClr val="FFFF00"/>
                 </a:solidFill>
@@ -24202,7 +24326,7 @@
               <a:buNone/>
             </a:pPr>
             <a:r>
-              <a:rPr lang="en-US" sz="3000" b="0" i="0" u="none" strike="noStrike" cap="none">
+              <a:rPr lang="en-US" sz="3000" b="0" i="0" u="none" strike="noStrike" cap="none" dirty="0">
                 <a:solidFill>
                   <a:srgbClr val="FFFF00"/>
                 </a:solidFill>
@@ -24233,7 +24357,7 @@
               <a:buNone/>
             </a:pPr>
             <a:r>
-              <a:rPr lang="en-US" sz="3000" b="0" i="0" u="none" strike="noStrike" cap="none">
+              <a:rPr lang="en-US" sz="3000" b="0" i="0" u="none" strike="noStrike" cap="none" dirty="0" smtClean="0">
                 <a:solidFill>
                   <a:srgbClr val="FFFF00"/>
                 </a:solidFill>
@@ -24242,8 +24366,17 @@
                 <a:cs typeface="Courier New"/>
                 <a:sym typeface="Courier New"/>
               </a:rPr>
-              <a:t>print x1q3p9afd</a:t>
-            </a:r>
+              <a:t>print(x1q3p9afd)</a:t>
+            </a:r>
+            <a:endParaRPr lang="en-US" sz="3000" b="0" i="0" u="none" strike="noStrike" cap="none" dirty="0">
+              <a:solidFill>
+                <a:srgbClr val="FFFF00"/>
+              </a:solidFill>
+              <a:latin typeface="Courier New"/>
+              <a:ea typeface="Courier New"/>
+              <a:cs typeface="Courier New"/>
+              <a:sym typeface="Courier New"/>
+            </a:endParaRPr>
           </a:p>
         </p:txBody>
       </p:sp>
@@ -25221,7 +25354,7 @@
               <a:buNone/>
             </a:pPr>
             <a:r>
-              <a:rPr lang="en-US" sz="3000" b="0" i="0" u="none" strike="noStrike" cap="none">
+              <a:rPr lang="en-US" sz="3000" b="0" i="0" u="none" strike="noStrike" cap="none" dirty="0">
                 <a:solidFill>
                   <a:srgbClr val="FFFF00"/>
                 </a:solidFill>
@@ -25252,7 +25385,7 @@
               <a:buNone/>
             </a:pPr>
             <a:r>
-              <a:rPr lang="en-US" sz="3000" b="0" i="0" u="none" strike="noStrike" cap="none">
+              <a:rPr lang="en-US" sz="3000" b="0" i="0" u="none" strike="noStrike" cap="none" dirty="0">
                 <a:solidFill>
                   <a:srgbClr val="FFFF00"/>
                 </a:solidFill>
@@ -25283,7 +25416,7 @@
               <a:buNone/>
             </a:pPr>
             <a:r>
-              <a:rPr lang="en-US" sz="3000" b="0" i="0" u="none" strike="noStrike" cap="none">
+              <a:rPr lang="en-US" sz="3000" b="0" i="0" u="none" strike="noStrike" cap="none" dirty="0">
                 <a:solidFill>
                   <a:srgbClr val="FFFF00"/>
                 </a:solidFill>
@@ -25314,7 +25447,7 @@
               <a:buNone/>
             </a:pPr>
             <a:r>
-              <a:rPr lang="en-US" sz="3000" b="0" i="0" u="none" strike="noStrike" cap="none">
+              <a:rPr lang="en-US" sz="3000" b="0" i="0" u="none" strike="noStrike" cap="none" dirty="0" smtClean="0">
                 <a:solidFill>
                   <a:srgbClr val="FFFF00"/>
                 </a:solidFill>
@@ -25323,8 +25456,17 @@
                 <a:cs typeface="Courier New"/>
                 <a:sym typeface="Courier New"/>
               </a:rPr>
-              <a:t>print x1q3p9afd</a:t>
-            </a:r>
+              <a:t>print(x1q3p9afd)</a:t>
+            </a:r>
+            <a:endParaRPr lang="en-US" sz="3000" b="0" i="0" u="none" strike="noStrike" cap="none" dirty="0">
+              <a:solidFill>
+                <a:srgbClr val="FFFF00"/>
+              </a:solidFill>
+              <a:latin typeface="Courier New"/>
+              <a:ea typeface="Courier New"/>
+              <a:cs typeface="Courier New"/>
+              <a:sym typeface="Courier New"/>
+            </a:endParaRPr>
           </a:p>
         </p:txBody>
       </p:sp>
@@ -25371,7 +25513,7 @@
               <a:buNone/>
             </a:pPr>
             <a:r>
-              <a:rPr lang="en-US" sz="3000" b="0" i="0" u="none" strike="noStrike" cap="none">
+              <a:rPr lang="en-US" sz="3000" b="0" i="0" u="none" strike="noStrike" cap="none" dirty="0">
                 <a:solidFill>
                   <a:srgbClr val="00FFFF"/>
                 </a:solidFill>
@@ -25402,7 +25544,7 @@
               <a:buNone/>
             </a:pPr>
             <a:r>
-              <a:rPr lang="en-US" sz="3000" b="0" i="0" u="none" strike="noStrike" cap="none">
+              <a:rPr lang="en-US" sz="3000" b="0" i="0" u="none" strike="noStrike" cap="none" dirty="0">
                 <a:solidFill>
                   <a:srgbClr val="00FFFF"/>
                 </a:solidFill>
@@ -25433,7 +25575,7 @@
               <a:buNone/>
             </a:pPr>
             <a:r>
-              <a:rPr lang="en-US" sz="3000" b="0" i="0" u="none" strike="noStrike" cap="none">
+              <a:rPr lang="en-US" sz="3000" b="0" i="0" u="none" strike="noStrike" cap="none" dirty="0">
                 <a:solidFill>
                   <a:srgbClr val="00FFFF"/>
                 </a:solidFill>
@@ -25464,7 +25606,7 @@
               <a:buNone/>
             </a:pPr>
             <a:r>
-              <a:rPr lang="en-US" sz="3000" b="0" i="0" u="none" strike="noStrike" cap="none">
+              <a:rPr lang="en-US" sz="3000" b="0" i="0" u="none" strike="noStrike" cap="none" dirty="0" smtClean="0">
                 <a:solidFill>
                   <a:srgbClr val="00FFFF"/>
                 </a:solidFill>
@@ -25473,8 +25615,17 @@
                 <a:cs typeface="Courier New"/>
                 <a:sym typeface="Courier New"/>
               </a:rPr>
-              <a:t>print c</a:t>
-            </a:r>
+              <a:t>print(c)</a:t>
+            </a:r>
+            <a:endParaRPr lang="en-US" sz="3000" b="0" i="0" u="none" strike="noStrike" cap="none" dirty="0">
+              <a:solidFill>
+                <a:srgbClr val="00FFFF"/>
+              </a:solidFill>
+              <a:latin typeface="Courier New"/>
+              <a:ea typeface="Courier New"/>
+              <a:cs typeface="Courier New"/>
+              <a:sym typeface="Courier New"/>
+            </a:endParaRPr>
           </a:p>
         </p:txBody>
       </p:sp>
@@ -25627,7 +25778,7 @@
               <a:buNone/>
             </a:pPr>
             <a:r>
-              <a:rPr lang="en-US" sz="3000" b="0" i="0" u="none" strike="noStrike" cap="none">
+              <a:rPr lang="en-US" sz="3000" b="0" i="0" u="none" strike="noStrike" cap="none" dirty="0">
                 <a:solidFill>
                   <a:srgbClr val="FFFF00"/>
                 </a:solidFill>
@@ -25658,7 +25809,7 @@
               <a:buNone/>
             </a:pPr>
             <a:r>
-              <a:rPr lang="en-US" sz="3000" b="0" i="0" u="none" strike="noStrike" cap="none">
+              <a:rPr lang="en-US" sz="3000" b="0" i="0" u="none" strike="noStrike" cap="none" dirty="0">
                 <a:solidFill>
                   <a:srgbClr val="FFFF00"/>
                 </a:solidFill>
@@ -25689,7 +25840,7 @@
               <a:buNone/>
             </a:pPr>
             <a:r>
-              <a:rPr lang="en-US" sz="3000" b="0" i="0" u="none" strike="noStrike" cap="none">
+              <a:rPr lang="en-US" sz="3000" b="0" i="0" u="none" strike="noStrike" cap="none" dirty="0">
                 <a:solidFill>
                   <a:srgbClr val="FFFF00"/>
                 </a:solidFill>
@@ -25720,7 +25871,7 @@
               <a:buNone/>
             </a:pPr>
             <a:r>
-              <a:rPr lang="en-US" sz="3000" b="0" i="0" u="none" strike="noStrike" cap="none">
+              <a:rPr lang="en-US" sz="3000" b="0" i="0" u="none" strike="noStrike" cap="none" dirty="0" smtClean="0">
                 <a:solidFill>
                   <a:srgbClr val="FFFF00"/>
                 </a:solidFill>
@@ -25729,8 +25880,17 @@
                 <a:cs typeface="Courier New"/>
                 <a:sym typeface="Courier New"/>
               </a:rPr>
-              <a:t>print x1q3p9afd</a:t>
-            </a:r>
+              <a:t>print(x1q3p9afd)</a:t>
+            </a:r>
+            <a:endParaRPr lang="en-US" sz="3000" b="0" i="0" u="none" strike="noStrike" cap="none" dirty="0">
+              <a:solidFill>
+                <a:srgbClr val="FFFF00"/>
+              </a:solidFill>
+              <a:latin typeface="Courier New"/>
+              <a:ea typeface="Courier New"/>
+              <a:cs typeface="Courier New"/>
+              <a:sym typeface="Courier New"/>
+            </a:endParaRPr>
           </a:p>
         </p:txBody>
       </p:sp>
@@ -25777,7 +25937,7 @@
               <a:buNone/>
             </a:pPr>
             <a:r>
-              <a:rPr lang="en-US" sz="3000" b="0" i="0" u="none" strike="noStrike" cap="none">
+              <a:rPr lang="en-US" sz="3000" b="0" i="0" u="none" strike="noStrike" cap="none" dirty="0">
                 <a:solidFill>
                   <a:srgbClr val="00FF00"/>
                 </a:solidFill>
@@ -25808,7 +25968,7 @@
               <a:buNone/>
             </a:pPr>
             <a:r>
-              <a:rPr lang="en-US" sz="3000" b="0" i="0" u="none" strike="noStrike" cap="none">
+              <a:rPr lang="en-US" sz="3000" b="0" i="0" u="none" strike="noStrike" cap="none" dirty="0">
                 <a:solidFill>
                   <a:srgbClr val="00FF00"/>
                 </a:solidFill>
@@ -25839,7 +25999,7 @@
               <a:buNone/>
             </a:pPr>
             <a:r>
-              <a:rPr lang="en-US" sz="3000" b="0" i="0" u="none" strike="noStrike" cap="none">
+              <a:rPr lang="en-US" sz="3000" b="0" i="0" u="none" strike="noStrike" cap="none" dirty="0">
                 <a:solidFill>
                   <a:srgbClr val="00FF00"/>
                 </a:solidFill>
@@ -25870,7 +26030,7 @@
               <a:buNone/>
             </a:pPr>
             <a:r>
-              <a:rPr lang="en-US" sz="3000" b="0" i="0" u="none" strike="noStrike" cap="none">
+              <a:rPr lang="en-US" sz="3000" b="0" i="0" u="none" strike="noStrike" cap="none" dirty="0" smtClean="0">
                 <a:solidFill>
                   <a:srgbClr val="00FF00"/>
                 </a:solidFill>
@@ -25879,8 +26039,17 @@
                 <a:cs typeface="Courier New"/>
                 <a:sym typeface="Courier New"/>
               </a:rPr>
-              <a:t>print pay</a:t>
-            </a:r>
+              <a:t>print(pay)</a:t>
+            </a:r>
+            <a:endParaRPr lang="en-US" sz="3000" b="0" i="0" u="none" strike="noStrike" cap="none" dirty="0">
+              <a:solidFill>
+                <a:srgbClr val="00FF00"/>
+              </a:solidFill>
+              <a:latin typeface="Courier New"/>
+              <a:ea typeface="Courier New"/>
+              <a:cs typeface="Courier New"/>
+              <a:sym typeface="Courier New"/>
+            </a:endParaRPr>
           </a:p>
         </p:txBody>
       </p:sp>
@@ -25927,7 +26096,7 @@
               <a:buNone/>
             </a:pPr>
             <a:r>
-              <a:rPr lang="en-US" sz="3000" b="0" i="0" u="none" strike="noStrike" cap="none">
+              <a:rPr lang="en-US" sz="3000" b="0" i="0" u="none" strike="noStrike" cap="none" dirty="0">
                 <a:solidFill>
                   <a:srgbClr val="00FFFF"/>
                 </a:solidFill>
@@ -25958,7 +26127,7 @@
               <a:buNone/>
             </a:pPr>
             <a:r>
-              <a:rPr lang="en-US" sz="3000" b="0" i="0" u="none" strike="noStrike" cap="none">
+              <a:rPr lang="en-US" sz="3000" b="0" i="0" u="none" strike="noStrike" cap="none" dirty="0">
                 <a:solidFill>
                   <a:srgbClr val="00FFFF"/>
                 </a:solidFill>
@@ -25989,7 +26158,7 @@
               <a:buNone/>
             </a:pPr>
             <a:r>
-              <a:rPr lang="en-US" sz="3000" b="0" i="0" u="none" strike="noStrike" cap="none">
+              <a:rPr lang="en-US" sz="3000" b="0" i="0" u="none" strike="noStrike" cap="none" dirty="0">
                 <a:solidFill>
                   <a:srgbClr val="00FFFF"/>
                 </a:solidFill>
@@ -26020,7 +26189,7 @@
               <a:buNone/>
             </a:pPr>
             <a:r>
-              <a:rPr lang="en-US" sz="3000" b="0" i="0" u="none" strike="noStrike" cap="none">
+              <a:rPr lang="en-US" sz="3000" b="0" i="0" u="none" strike="noStrike" cap="none" dirty="0" smtClean="0">
                 <a:solidFill>
                   <a:srgbClr val="00FFFF"/>
                 </a:solidFill>
@@ -26029,8 +26198,17 @@
                 <a:cs typeface="Courier New"/>
                 <a:sym typeface="Courier New"/>
               </a:rPr>
-              <a:t>print c</a:t>
-            </a:r>
+              <a:t>print(c)</a:t>
+            </a:r>
+            <a:endParaRPr lang="en-US" sz="3000" b="0" i="0" u="none" strike="noStrike" cap="none" dirty="0">
+              <a:solidFill>
+                <a:srgbClr val="00FFFF"/>
+              </a:solidFill>
+              <a:latin typeface="Courier New"/>
+              <a:ea typeface="Courier New"/>
+              <a:cs typeface="Courier New"/>
+              <a:sym typeface="Courier New"/>
+            </a:endParaRPr>
           </a:p>
         </p:txBody>
       </p:sp>

--- a/lectures3/Pythonlearn-02-Expressions.pptx
+++ b/lectures3/Pythonlearn-02-Expressions.pptx
@@ -7124,6 +7124,13 @@
   <p:clrMapOvr>
     <a:masterClrMapping/>
   </p:clrMapOvr>
+  <p:timing>
+    <p:tnLst>
+      <p:par>
+        <p:cTn id="1" dur="indefinite" restart="never" nodeType="tmRoot"/>
+      </p:par>
+    </p:tnLst>
+  </p:timing>
 </p:sld>
 </file>
 
@@ -8482,6 +8489,13 @@
   <p:clrMapOvr>
     <a:masterClrMapping/>
   </p:clrMapOvr>
+  <p:timing>
+    <p:tnLst>
+      <p:par>
+        <p:cTn id="1" dur="indefinite" restart="never" nodeType="tmRoot"/>
+      </p:par>
+    </p:tnLst>
+  </p:timing>
 </p:sld>
 </file>
 
@@ -11104,6 +11118,13 @@
   <p:clrMapOvr>
     <a:masterClrMapping/>
   </p:clrMapOvr>
+  <p:timing>
+    <p:tnLst>
+      <p:par>
+        <p:cTn id="1" dur="indefinite" restart="never" nodeType="tmRoot"/>
+      </p:par>
+    </p:tnLst>
+  </p:timing>
 </p:sld>
 </file>
 
@@ -11582,6 +11603,13 @@
   <p:clrMapOvr>
     <a:masterClrMapping/>
   </p:clrMapOvr>
+  <p:timing>
+    <p:tnLst>
+      <p:par>
+        <p:cTn id="1" dur="indefinite" restart="never" nodeType="tmRoot"/>
+      </p:par>
+    </p:tnLst>
+  </p:timing>
 </p:sld>
 </file>
 
@@ -12088,6 +12116,13 @@
   <p:clrMapOvr>
     <a:masterClrMapping/>
   </p:clrMapOvr>
+  <p:timing>
+    <p:tnLst>
+      <p:par>
+        <p:cTn id="1" dur="indefinite" restart="never" nodeType="tmRoot"/>
+      </p:par>
+    </p:tnLst>
+  </p:timing>
 </p:sld>
 </file>
 
@@ -12975,6 +13010,13 @@
   <p:clrMapOvr>
     <a:masterClrMapping/>
   </p:clrMapOvr>
+  <p:timing>
+    <p:tnLst>
+      <p:par>
+        <p:cTn id="1" dur="indefinite" restart="never" nodeType="tmRoot"/>
+      </p:par>
+    </p:tnLst>
+  </p:timing>
 </p:sld>
 </file>
 
@@ -13494,6 +13536,13 @@
   <p:clrMapOvr>
     <a:masterClrMapping/>
   </p:clrMapOvr>
+  <p:timing>
+    <p:tnLst>
+      <p:par>
+        <p:cTn id="1" dur="indefinite" restart="never" nodeType="tmRoot"/>
+      </p:par>
+    </p:tnLst>
+  </p:timing>
 </p:sld>
 </file>
 
@@ -14358,6 +14407,13 @@
   <p:clrMapOvr>
     <a:masterClrMapping/>
   </p:clrMapOvr>
+  <p:timing>
+    <p:tnLst>
+      <p:par>
+        <p:cTn id="1" dur="indefinite" restart="never" nodeType="tmRoot"/>
+      </p:par>
+    </p:tnLst>
+  </p:timing>
 </p:sld>
 </file>
 
@@ -15388,6 +15444,13 @@
   <p:clrMapOvr>
     <a:masterClrMapping/>
   </p:clrMapOvr>
+  <p:timing>
+    <p:tnLst>
+      <p:par>
+        <p:cTn id="1" dur="indefinite" restart="never" nodeType="tmRoot"/>
+      </p:par>
+    </p:tnLst>
+  </p:timing>
 </p:sld>
 </file>
 
@@ -16324,6 +16387,13 @@
   <p:clrMapOvr>
     <a:masterClrMapping/>
   </p:clrMapOvr>
+  <p:timing>
+    <p:tnLst>
+      <p:par>
+        <p:cTn id="1" dur="indefinite" restart="never" nodeType="tmRoot"/>
+      </p:par>
+    </p:tnLst>
+  </p:timing>
 </p:sld>
 </file>
 
@@ -17097,6 +17167,13 @@
   <p:clrMapOvr>
     <a:masterClrMapping/>
   </p:clrMapOvr>
+  <p:timing>
+    <p:tnLst>
+      <p:par>
+        <p:cTn id="1" dur="indefinite" restart="never" nodeType="tmRoot"/>
+      </p:par>
+    </p:tnLst>
+  </p:timing>
 </p:sld>
 </file>
 
@@ -18036,6 +18113,13 @@
   <p:clrMapOvr>
     <a:masterClrMapping/>
   </p:clrMapOvr>
+  <p:timing>
+    <p:tnLst>
+      <p:par>
+        <p:cTn id="1" dur="indefinite" restart="never" nodeType="tmRoot"/>
+      </p:par>
+    </p:tnLst>
+  </p:timing>
 </p:sld>
 </file>
 
@@ -18975,6 +19059,13 @@
   <p:clrMapOvr>
     <a:masterClrMapping/>
   </p:clrMapOvr>
+  <p:timing>
+    <p:tnLst>
+      <p:par>
+        <p:cTn id="1" dur="indefinite" restart="never" nodeType="tmRoot"/>
+      </p:par>
+    </p:tnLst>
+  </p:timing>
 </p:sld>
 </file>
 
@@ -19488,16 +19579,64 @@
               <a:t>&gt;&gt;&gt; </a:t>
             </a:r>
             <a:r>
+              <a:rPr lang="en-US" sz="2600" b="1" i="0" u="none" strike="noStrike" cap="none" dirty="0" smtClean="0">
+                <a:solidFill>
+                  <a:srgbClr val="FFFF00"/>
+                </a:solidFill>
+                <a:latin typeface="Courier New"/>
+                <a:ea typeface="Courier New"/>
+                <a:cs typeface="Courier New"/>
+                <a:sym typeface="Courier New"/>
+              </a:rPr>
+              <a:t>print</a:t>
+            </a:r>
+            <a:r>
+              <a:rPr lang="en-US" sz="2600" b="1" dirty="0">
+                <a:solidFill>
+                  <a:schemeClr val="lt1"/>
+                </a:solidFill>
+                <a:latin typeface="Courier New"/>
+                <a:ea typeface="Courier New"/>
+                <a:cs typeface="Courier New"/>
+                <a:sym typeface="Courier New"/>
+              </a:rPr>
+              <a:t>(</a:t>
+            </a:r>
+            <a:r>
+              <a:rPr lang="en-US" sz="2600" b="1" i="0" u="none" strike="noStrike" cap="none" dirty="0" err="1" smtClean="0">
+                <a:solidFill>
+                  <a:srgbClr val="00FF00"/>
+                </a:solidFill>
+                <a:latin typeface="Courier New"/>
+                <a:ea typeface="Courier New"/>
+                <a:cs typeface="Courier New"/>
+                <a:sym typeface="Courier New"/>
+              </a:rPr>
+              <a:t>sval</a:t>
+            </a:r>
+            <a:r>
+              <a:rPr lang="en-US" sz="2600" b="1" i="0" u="none" strike="noStrike" cap="none" dirty="0" smtClean="0">
+                <a:solidFill>
+                  <a:schemeClr val="lt1"/>
+                </a:solidFill>
+                <a:latin typeface="Courier New"/>
+                <a:ea typeface="Courier New"/>
+                <a:cs typeface="Courier New"/>
+                <a:sym typeface="Courier New"/>
+              </a:rPr>
+              <a:t> </a:t>
+            </a:r>
+            <a:r>
               <a:rPr lang="en-US" sz="2600" b="1" i="0" u="none" strike="noStrike" cap="none" dirty="0">
                 <a:solidFill>
-                  <a:srgbClr val="FFFF00"/>
-                </a:solidFill>
-                <a:latin typeface="Courier New"/>
-                <a:ea typeface="Courier New"/>
-                <a:cs typeface="Courier New"/>
-                <a:sym typeface="Courier New"/>
-              </a:rPr>
-              <a:t>print</a:t>
+                  <a:srgbClr val="00FFFF"/>
+                </a:solidFill>
+                <a:latin typeface="Courier New"/>
+                <a:ea typeface="Courier New"/>
+                <a:cs typeface="Courier New"/>
+                <a:sym typeface="Courier New"/>
+              </a:rPr>
+              <a:t>+</a:t>
             </a:r>
             <a:r>
               <a:rPr lang="en-US" sz="2600" b="1" i="0" u="none" strike="noStrike" cap="none" dirty="0">
@@ -19512,53 +19651,26 @@
               <a:t> </a:t>
             </a:r>
             <a:r>
-              <a:rPr lang="en-US" sz="2600" b="1" i="0" u="none" strike="noStrike" cap="none" dirty="0" err="1">
-                <a:solidFill>
-                  <a:srgbClr val="00FF00"/>
-                </a:solidFill>
-                <a:latin typeface="Courier New"/>
-                <a:ea typeface="Courier New"/>
-                <a:cs typeface="Courier New"/>
-                <a:sym typeface="Courier New"/>
-              </a:rPr>
-              <a:t>sval</a:t>
-            </a:r>
-            <a:r>
-              <a:rPr lang="en-US" sz="2600" b="1" i="0" u="none" strike="noStrike" cap="none" dirty="0">
-                <a:solidFill>
-                  <a:schemeClr val="lt1"/>
-                </a:solidFill>
-                <a:latin typeface="Courier New"/>
-                <a:ea typeface="Courier New"/>
-                <a:cs typeface="Courier New"/>
-                <a:sym typeface="Courier New"/>
-              </a:rPr>
-              <a:t> </a:t>
-            </a:r>
-            <a:r>
-              <a:rPr lang="en-US" sz="2600" b="1" i="0" u="none" strike="noStrike" cap="none" dirty="0">
-                <a:solidFill>
-                  <a:srgbClr val="00FFFF"/>
-                </a:solidFill>
-                <a:latin typeface="Courier New"/>
-                <a:ea typeface="Courier New"/>
-                <a:cs typeface="Courier New"/>
-                <a:sym typeface="Courier New"/>
-              </a:rPr>
-              <a:t>+</a:t>
-            </a:r>
-            <a:r>
-              <a:rPr lang="en-US" sz="2600" b="1" i="0" u="none" strike="noStrike" cap="none" dirty="0">
-                <a:solidFill>
-                  <a:schemeClr val="lt1"/>
-                </a:solidFill>
-                <a:latin typeface="Courier New"/>
-                <a:ea typeface="Courier New"/>
-                <a:cs typeface="Courier New"/>
-                <a:sym typeface="Courier New"/>
-              </a:rPr>
-              <a:t> 1</a:t>
-            </a:r>
+              <a:rPr lang="en-US" sz="2600" b="1" i="0" u="none" strike="noStrike" cap="none" dirty="0" smtClean="0">
+                <a:solidFill>
+                  <a:schemeClr val="lt1"/>
+                </a:solidFill>
+                <a:latin typeface="Courier New"/>
+                <a:ea typeface="Courier New"/>
+                <a:cs typeface="Courier New"/>
+                <a:sym typeface="Courier New"/>
+              </a:rPr>
+              <a:t>1)</a:t>
+            </a:r>
+            <a:endParaRPr lang="en-US" sz="2600" b="1" i="0" u="none" strike="noStrike" cap="none" dirty="0">
+              <a:solidFill>
+                <a:schemeClr val="lt1"/>
+              </a:solidFill>
+              <a:latin typeface="Courier New"/>
+              <a:ea typeface="Courier New"/>
+              <a:cs typeface="Courier New"/>
+              <a:sym typeface="Courier New"/>
+            </a:endParaRPr>
           </a:p>
           <a:p>
             <a:pPr lvl="0">
@@ -19956,53 +20068,86 @@
               <a:t>&gt;&gt;&gt; </a:t>
             </a:r>
             <a:r>
+              <a:rPr lang="en-US" sz="2600" b="1" i="0" u="none" strike="noStrike" cap="none" dirty="0" smtClean="0">
+                <a:solidFill>
+                  <a:srgbClr val="FFFF00"/>
+                </a:solidFill>
+                <a:latin typeface="Courier New"/>
+                <a:ea typeface="Courier New"/>
+                <a:cs typeface="Courier New"/>
+                <a:sym typeface="Courier New"/>
+              </a:rPr>
+              <a:t>print</a:t>
+            </a:r>
+            <a:r>
+              <a:rPr lang="en-US" sz="2600" b="1" dirty="0">
+                <a:solidFill>
+                  <a:schemeClr val="lt1"/>
+                </a:solidFill>
+                <a:latin typeface="Courier New"/>
+                <a:ea typeface="Courier New"/>
+                <a:cs typeface="Courier New"/>
+                <a:sym typeface="Courier New"/>
+              </a:rPr>
+              <a:t>(</a:t>
+            </a:r>
+            <a:r>
+              <a:rPr lang="en-US" sz="2600" b="1" i="0" u="none" strike="noStrike" cap="none" dirty="0" err="1" smtClean="0">
+                <a:solidFill>
+                  <a:srgbClr val="00FF00"/>
+                </a:solidFill>
+                <a:latin typeface="Courier New"/>
+                <a:ea typeface="Courier New"/>
+                <a:cs typeface="Courier New"/>
+                <a:sym typeface="Courier New"/>
+              </a:rPr>
+              <a:t>ival</a:t>
+            </a:r>
+            <a:r>
+              <a:rPr lang="en-US" sz="2600" b="1" i="0" u="none" strike="noStrike" cap="none" dirty="0" smtClean="0">
+                <a:solidFill>
+                  <a:schemeClr val="lt1"/>
+                </a:solidFill>
+                <a:latin typeface="Courier New"/>
+                <a:ea typeface="Courier New"/>
+                <a:cs typeface="Courier New"/>
+                <a:sym typeface="Courier New"/>
+              </a:rPr>
+              <a:t> </a:t>
+            </a:r>
+            <a:r>
               <a:rPr lang="en-US" sz="2600" b="1" i="0" u="none" strike="noStrike" cap="none" dirty="0">
                 <a:solidFill>
-                  <a:srgbClr val="FFFF00"/>
-                </a:solidFill>
-                <a:latin typeface="Courier New"/>
-                <a:ea typeface="Courier New"/>
-                <a:cs typeface="Courier New"/>
-                <a:sym typeface="Courier New"/>
-              </a:rPr>
-              <a:t>print</a:t>
-            </a:r>
-            <a:r>
-              <a:rPr lang="en-US" sz="2600" b="1" i="0" u="none" strike="noStrike" cap="none" dirty="0">
-                <a:solidFill>
-                  <a:schemeClr val="lt1"/>
-                </a:solidFill>
-                <a:latin typeface="Courier New"/>
-                <a:ea typeface="Courier New"/>
-                <a:cs typeface="Courier New"/>
-                <a:sym typeface="Courier New"/>
-              </a:rPr>
-              <a:t> </a:t>
-            </a:r>
-            <a:r>
-              <a:rPr lang="en-US" sz="2600" b="1" i="0" u="none" strike="noStrike" cap="none" dirty="0" err="1">
-                <a:solidFill>
-                  <a:srgbClr val="00FF00"/>
-                </a:solidFill>
-                <a:latin typeface="Courier New"/>
-                <a:ea typeface="Courier New"/>
-                <a:cs typeface="Courier New"/>
-                <a:sym typeface="Courier New"/>
-              </a:rPr>
-              <a:t>ival</a:t>
-            </a:r>
-            <a:r>
-              <a:rPr lang="en-US" sz="2600" b="1" i="0" u="none" strike="noStrike" cap="none" dirty="0">
-                <a:solidFill>
-                  <a:schemeClr val="lt1"/>
-                </a:solidFill>
-                <a:latin typeface="Courier New"/>
-                <a:ea typeface="Courier New"/>
-                <a:cs typeface="Courier New"/>
-                <a:sym typeface="Courier New"/>
-              </a:rPr>
-              <a:t> + 1</a:t>
-            </a:r>
+                  <a:schemeClr val="lt1"/>
+                </a:solidFill>
+                <a:latin typeface="Courier New"/>
+                <a:ea typeface="Courier New"/>
+                <a:cs typeface="Courier New"/>
+                <a:sym typeface="Courier New"/>
+              </a:rPr>
+              <a:t>+ </a:t>
+            </a:r>
+            <a:r>
+              <a:rPr lang="en-US" sz="2600" b="1" i="0" u="none" strike="noStrike" cap="none" dirty="0" smtClean="0">
+                <a:solidFill>
+                  <a:schemeClr val="lt1"/>
+                </a:solidFill>
+                <a:latin typeface="Courier New"/>
+                <a:ea typeface="Courier New"/>
+                <a:cs typeface="Courier New"/>
+                <a:sym typeface="Courier New"/>
+              </a:rPr>
+              <a:t>1)</a:t>
+            </a:r>
+            <a:endParaRPr lang="en-US" sz="2600" b="1" i="0" u="none" strike="noStrike" cap="none" dirty="0">
+              <a:solidFill>
+                <a:schemeClr val="lt1"/>
+              </a:solidFill>
+              <a:latin typeface="Courier New"/>
+              <a:ea typeface="Courier New"/>
+              <a:cs typeface="Courier New"/>
+              <a:sym typeface="Courier New"/>
+            </a:endParaRPr>
           </a:p>
           <a:p>
             <a:pPr marL="0" marR="0" lvl="0" indent="0" algn="l" rtl="0">
@@ -20325,6 +20470,13 @@
   <p:clrMapOvr>
     <a:masterClrMapping/>
   </p:clrMapOvr>
+  <p:timing>
+    <p:tnLst>
+      <p:par>
+        <p:cTn id="1" dur="indefinite" restart="never" nodeType="tmRoot"/>
+      </p:par>
+    </p:tnLst>
+  </p:timing>
 </p:sld>
 </file>
 
@@ -20925,6 +21077,13 @@
   <p:clrMapOvr>
     <a:masterClrMapping/>
   </p:clrMapOvr>
+  <p:timing>
+    <p:tnLst>
+      <p:par>
+        <p:cTn id="1" dur="indefinite" restart="never" nodeType="tmRoot"/>
+      </p:par>
+    </p:tnLst>
+  </p:timing>
 </p:sld>
 </file>
 
@@ -21179,7 +21338,7 @@
             <a:r>
               <a:rPr lang="en-US" sz="2800" b="1" i="0" u="none" strike="noStrike" cap="none" dirty="0">
                 <a:solidFill>
-                  <a:schemeClr val="lt1"/>
+                  <a:srgbClr val="FFFF00"/>
                 </a:solidFill>
                 <a:latin typeface="Courier New"/>
                 <a:ea typeface="Courier New"/>
@@ -21227,7 +21386,7 @@
             <a:r>
               <a:rPr lang="en-US" sz="2800" b="1" i="0" u="none" strike="noStrike" cap="none" dirty="0">
                 <a:solidFill>
-                  <a:schemeClr val="lt1"/>
+                  <a:srgbClr val="FFFF00"/>
                 </a:solidFill>
                 <a:latin typeface="Courier New"/>
                 <a:ea typeface="Courier New"/>
@@ -21294,7 +21453,7 @@
             <a:r>
               <a:rPr lang="en-US" sz="2800" b="1" i="0" u="none" strike="noStrike" cap="none" dirty="0">
                 <a:solidFill>
-                  <a:schemeClr val="lt1"/>
+                  <a:srgbClr val="FFFF00"/>
                 </a:solidFill>
                 <a:latin typeface="Courier New"/>
                 <a:ea typeface="Courier New"/>
@@ -21318,14 +21477,26 @@
             <a:r>
               <a:rPr lang="en-US" sz="2800" b="1" i="0" u="none" strike="noStrike" cap="none" dirty="0">
                 <a:solidFill>
-                  <a:schemeClr val="lt1"/>
-                </a:solidFill>
-                <a:latin typeface="Courier New"/>
-                <a:ea typeface="Courier New"/>
-                <a:cs typeface="Courier New"/>
-                <a:sym typeface="Courier New"/>
-              </a:rPr>
-              <a:t>) </a:t>
+                  <a:srgbClr val="FFFF00"/>
+                </a:solidFill>
+                <a:latin typeface="Courier New"/>
+                <a:ea typeface="Courier New"/>
+                <a:cs typeface="Courier New"/>
+                <a:sym typeface="Courier New"/>
+              </a:rPr>
+              <a:t>)</a:t>
+            </a:r>
+            <a:r>
+              <a:rPr lang="en-US" sz="2800" b="1" i="0" u="none" strike="noStrike" cap="none" dirty="0">
+                <a:solidFill>
+                  <a:schemeClr val="lt1"/>
+                </a:solidFill>
+                <a:latin typeface="Courier New"/>
+                <a:ea typeface="Courier New"/>
+                <a:cs typeface="Courier New"/>
+                <a:sym typeface="Courier New"/>
+              </a:rPr>
+              <a:t> </a:t>
             </a:r>
             <a:r>
               <a:rPr lang="en-US" sz="2800" b="1" i="0" u="none" strike="noStrike" cap="none" dirty="0">
@@ -21380,7 +21551,7 @@
                 <a:cs typeface="Courier New"/>
                 <a:sym typeface="Courier New"/>
               </a:rPr>
-              <a:t>print</a:t>
+              <a:t>print(</a:t>
             </a:r>
             <a:r>
               <a:rPr lang="en-US" sz="2800" b="1" i="0" u="none" strike="noStrike" cap="none" dirty="0" smtClean="0">
@@ -21392,7 +21563,7 @@
                 <a:cs typeface="Courier New"/>
                 <a:sym typeface="Courier New"/>
               </a:rPr>
-              <a:t>('US </a:t>
+              <a:t>'US </a:t>
             </a:r>
             <a:r>
               <a:rPr lang="en-US" sz="2800" b="1" i="0" u="none" strike="noStrike" cap="none" dirty="0">
@@ -21421,7 +21592,7 @@
             <a:r>
               <a:rPr lang="en-US" sz="2800" b="1" i="0" u="none" strike="noStrike" cap="none" dirty="0" smtClean="0">
                 <a:solidFill>
-                  <a:schemeClr val="bg1"/>
+                  <a:srgbClr val="FFFF00"/>
                 </a:solidFill>
                 <a:latin typeface="Courier New"/>
                 <a:ea typeface="Courier New"/>
@@ -21432,7 +21603,7 @@
             </a:r>
             <a:endParaRPr lang="en-US" sz="2800" b="1" i="0" u="none" strike="noStrike" cap="none" dirty="0">
               <a:solidFill>
-                <a:schemeClr val="bg1"/>
+                <a:srgbClr val="FFFF00"/>
               </a:solidFill>
               <a:latin typeface="Courier New"/>
               <a:ea typeface="Courier New"/>
@@ -21574,6 +21745,13 @@
   <p:clrMapOvr>
     <a:masterClrMapping/>
   </p:clrMapOvr>
+  <p:timing>
+    <p:tnLst>
+      <p:par>
+        <p:cTn id="1" dur="indefinite" restart="never" nodeType="tmRoot"/>
+      </p:par>
+    </p:tnLst>
+  </p:timing>
 </p:sld>
 </file>
 
@@ -21858,6 +22036,13 @@
   <p:clrMapOvr>
     <a:masterClrMapping/>
   </p:clrMapOvr>
+  <p:timing>
+    <p:tnLst>
+      <p:par>
+        <p:cTn id="1" dur="indefinite" restart="never" nodeType="tmRoot"/>
+      </p:par>
+    </p:tnLst>
+  </p:timing>
 </p:sld>
 </file>
 
@@ -22926,6 +23111,13 @@
   <p:clrMapOvr>
     <a:masterClrMapping/>
   </p:clrMapOvr>
+  <p:timing>
+    <p:tnLst>
+      <p:par>
+        <p:cTn id="1" dur="indefinite" restart="never" nodeType="tmRoot"/>
+      </p:par>
+    </p:tnLst>
+  </p:timing>
 </p:sld>
 </file>
 
@@ -25291,6 +25483,13 @@
   <p:clrMapOvr>
     <a:masterClrMapping/>
   </p:clrMapOvr>
+  <p:timing>
+    <p:tnLst>
+      <p:par>
+        <p:cTn id="1" dur="indefinite" restart="never" nodeType="tmRoot"/>
+      </p:par>
+    </p:tnLst>
+  </p:timing>
 </p:sld>
 </file>
 
@@ -28279,6 +28478,13 @@
   <p:clrMapOvr>
     <a:masterClrMapping/>
   </p:clrMapOvr>
+  <p:timing>
+    <p:tnLst>
+      <p:par>
+        <p:cTn id="1" dur="indefinite" restart="never" nodeType="tmRoot"/>
+      </p:par>
+    </p:tnLst>
+  </p:timing>
 </p:sld>
 </file>
 
@@ -28594,6 +28800,13 @@
   <p:clrMapOvr>
     <a:masterClrMapping/>
   </p:clrMapOvr>
+  <p:timing>
+    <p:tnLst>
+      <p:par>
+        <p:cTn id="1" dur="indefinite" restart="never" nodeType="tmRoot"/>
+      </p:par>
+    </p:tnLst>
+  </p:timing>
 </p:sld>
 </file>
 
@@ -29520,6 +29733,13 @@
   <p:clrMapOvr>
     <a:masterClrMapping/>
   </p:clrMapOvr>
+  <p:timing>
+    <p:tnLst>
+      <p:par>
+        <p:cTn id="1" dur="indefinite" restart="never" nodeType="tmRoot"/>
+      </p:par>
+    </p:tnLst>
+  </p:timing>
 </p:sld>
 </file>
 
@@ -30364,6 +30584,13 @@
   <p:clrMapOvr>
     <a:masterClrMapping/>
   </p:clrMapOvr>
+  <p:timing>
+    <p:tnLst>
+      <p:par>
+        <p:cTn id="1" dur="indefinite" restart="never" nodeType="tmRoot"/>
+      </p:par>
+    </p:tnLst>
+  </p:timing>
 </p:sld>
 </file>
 
@@ -30917,6 +31144,13 @@
   <p:clrMapOvr>
     <a:masterClrMapping/>
   </p:clrMapOvr>
+  <p:timing>
+    <p:tnLst>
+      <p:par>
+        <p:cTn id="1" dur="indefinite" restart="never" nodeType="tmRoot"/>
+      </p:par>
+    </p:tnLst>
+  </p:timing>
 </p:sld>
 </file>
 
@@ -31823,6 +32057,13 @@
   <p:clrMapOvr>
     <a:masterClrMapping/>
   </p:clrMapOvr>
+  <p:timing>
+    <p:tnLst>
+      <p:par>
+        <p:cTn id="1" dur="indefinite" restart="never" nodeType="tmRoot"/>
+      </p:par>
+    </p:tnLst>
+  </p:timing>
 </p:sld>
 </file>
 

--- a/lectures3/Pythonlearn-02-Expressions.pptx
+++ b/lectures3/Pythonlearn-02-Expressions.pptx
@@ -22205,116 +22205,6 @@
             </a:r>
           </a:p>
           <a:p>
-            <a:pPr marL="0" marR="0" lvl="0" indent="0" algn="l" rtl="0">
-              <a:lnSpc>
-                <a:spcPct val="100000"/>
-              </a:lnSpc>
-              <a:spcBef>
-                <a:spcPts val="0"/>
-              </a:spcBef>
-              <a:spcAft>
-                <a:spcPts val="0"/>
-              </a:spcAft>
-              <a:buClr>
-                <a:schemeClr val="lt1"/>
-              </a:buClr>
-              <a:buSzPct val="25000"/>
-              <a:buFont typeface="Cabin"/>
-              <a:buNone/>
-            </a:pPr>
-            <a:r>
-              <a:rPr lang="en-US" sz="2000" b="1" i="0" u="none" strike="noStrike" cap="none" dirty="0">
-                <a:solidFill>
-                  <a:schemeClr val="lt1"/>
-                </a:solidFill>
-                <a:latin typeface="Courier New"/>
-                <a:ea typeface="Courier New"/>
-                <a:cs typeface="Courier New"/>
-                <a:sym typeface="Courier New"/>
-              </a:rPr>
-              <a:t>text = </a:t>
-            </a:r>
-            <a:r>
-              <a:rPr lang="en-US" sz="2000" b="1" i="0" u="none" strike="noStrike" cap="none" dirty="0" err="1">
-                <a:solidFill>
-                  <a:schemeClr val="lt1"/>
-                </a:solidFill>
-                <a:latin typeface="Courier New"/>
-                <a:ea typeface="Courier New"/>
-                <a:cs typeface="Courier New"/>
-                <a:sym typeface="Courier New"/>
-              </a:rPr>
-              <a:t>handle.read</a:t>
-            </a:r>
-            <a:r>
-              <a:rPr lang="en-US" sz="2000" b="1" i="0" u="none" strike="noStrike" cap="none" dirty="0">
-                <a:solidFill>
-                  <a:schemeClr val="lt1"/>
-                </a:solidFill>
-                <a:latin typeface="Courier New"/>
-                <a:ea typeface="Courier New"/>
-                <a:cs typeface="Courier New"/>
-                <a:sym typeface="Courier New"/>
-              </a:rPr>
-              <a:t>()</a:t>
-            </a:r>
-          </a:p>
-          <a:p>
-            <a:pPr marL="0" marR="0" lvl="0" indent="0" algn="l" rtl="0">
-              <a:lnSpc>
-                <a:spcPct val="100000"/>
-              </a:lnSpc>
-              <a:spcBef>
-                <a:spcPts val="0"/>
-              </a:spcBef>
-              <a:spcAft>
-                <a:spcPts val="0"/>
-              </a:spcAft>
-              <a:buClr>
-                <a:schemeClr val="lt1"/>
-              </a:buClr>
-              <a:buSzPct val="25000"/>
-              <a:buFont typeface="Cabin"/>
-              <a:buNone/>
-            </a:pPr>
-            <a:r>
-              <a:rPr lang="en-US" sz="2000" b="1" i="0" u="none" strike="noStrike" cap="none" dirty="0">
-                <a:solidFill>
-                  <a:schemeClr val="lt1"/>
-                </a:solidFill>
-                <a:latin typeface="Courier New"/>
-                <a:ea typeface="Courier New"/>
-                <a:cs typeface="Courier New"/>
-                <a:sym typeface="Courier New"/>
-              </a:rPr>
-              <a:t>words = </a:t>
-            </a:r>
-            <a:r>
-              <a:rPr lang="en-US" sz="2000" b="1" i="0" u="none" strike="noStrike" cap="none" dirty="0" err="1">
-                <a:solidFill>
-                  <a:schemeClr val="lt1"/>
-                </a:solidFill>
-                <a:latin typeface="Courier New"/>
-                <a:ea typeface="Courier New"/>
-                <a:cs typeface="Courier New"/>
-                <a:sym typeface="Courier New"/>
-              </a:rPr>
-              <a:t>text.split</a:t>
-            </a:r>
-            <a:r>
-              <a:rPr lang="en-US" sz="2000" b="1" i="0" u="none" strike="noStrike" cap="none" dirty="0">
-                <a:solidFill>
-                  <a:schemeClr val="lt1"/>
-                </a:solidFill>
-                <a:latin typeface="Courier New"/>
-                <a:ea typeface="Courier New"/>
-                <a:cs typeface="Courier New"/>
-                <a:sym typeface="Courier New"/>
-              </a:rPr>
-              <a:t>()</a:t>
-            </a:r>
-          </a:p>
-          <a:p>
             <a:pPr marL="0" marR="0" lvl="0" indent="0" algn="ctr" rtl="0">
               <a:lnSpc>
                 <a:spcPct val="100000"/>
@@ -22369,25 +22259,14 @@
             </a:r>
           </a:p>
           <a:p>
-            <a:pPr marL="0" marR="0" lvl="0" indent="0" algn="l" rtl="0">
-              <a:lnSpc>
-                <a:spcPct val="100000"/>
-              </a:lnSpc>
-              <a:spcBef>
-                <a:spcPts val="0"/>
-              </a:spcBef>
-              <a:spcAft>
-                <a:spcPts val="0"/>
-              </a:spcAft>
+            <a:pPr lvl="0">
               <a:buClr>
                 <a:srgbClr val="FFFFFF"/>
               </a:buClr>
               <a:buSzPct val="25000"/>
-              <a:buFont typeface="Cabin"/>
-              <a:buNone/>
-            </a:pPr>
-            <a:r>
-              <a:rPr lang="en-US" sz="2000" b="1" i="0" u="none" strike="noStrike" cap="none" dirty="0">
+            </a:pPr>
+            <a:r>
+              <a:rPr lang="en-US" sz="2000" b="1" dirty="0">
                 <a:solidFill>
                   <a:srgbClr val="FFFFFF"/>
                 </a:solidFill>
@@ -22399,7 +22278,7 @@
               <a:t>counts = </a:t>
             </a:r>
             <a:r>
-              <a:rPr lang="en-US" sz="2000" b="1" i="0" u="none" strike="noStrike" cap="none" dirty="0" err="1">
+              <a:rPr lang="en-US" sz="2000" b="1" dirty="0" err="1">
                 <a:solidFill>
                   <a:srgbClr val="FFFFFF"/>
                 </a:solidFill>
@@ -22411,7 +22290,7 @@
               <a:t>dict</a:t>
             </a:r>
             <a:r>
-              <a:rPr lang="en-US" sz="2000" b="1" i="0" u="none" strike="noStrike" cap="none" dirty="0">
+              <a:rPr lang="en-US" sz="2000" b="1" dirty="0">
                 <a:solidFill>
                   <a:srgbClr val="FFFFFF"/>
                 </a:solidFill>
@@ -22424,25 +22303,14 @@
             </a:r>
           </a:p>
           <a:p>
-            <a:pPr marL="0" marR="0" lvl="0" indent="0" algn="l" rtl="0">
-              <a:lnSpc>
-                <a:spcPct val="100000"/>
-              </a:lnSpc>
-              <a:spcBef>
-                <a:spcPts val="0"/>
-              </a:spcBef>
-              <a:spcAft>
-                <a:spcPts val="0"/>
-              </a:spcAft>
+            <a:pPr lvl="0">
               <a:buClr>
                 <a:srgbClr val="FFFFFF"/>
               </a:buClr>
               <a:buSzPct val="25000"/>
-              <a:buFont typeface="Cabin"/>
-              <a:buNone/>
-            </a:pPr>
-            <a:r>
-              <a:rPr lang="en-US" sz="2000" b="1" i="0" u="none" strike="noStrike" cap="none" dirty="0">
+            </a:pPr>
+            <a:r>
+              <a:rPr lang="en-US" sz="2000" b="1" dirty="0">
                 <a:solidFill>
                   <a:srgbClr val="FFFFFF"/>
                 </a:solidFill>
@@ -22451,29 +22319,18 @@
                 <a:cs typeface="Courier New"/>
                 <a:sym typeface="Courier New"/>
               </a:rPr>
-              <a:t>for word in words:</a:t>
-            </a:r>
-          </a:p>
-          <a:p>
-            <a:pPr marL="0" marR="0" lvl="0" indent="0" algn="l" rtl="0">
-              <a:lnSpc>
-                <a:spcPct val="100000"/>
-              </a:lnSpc>
-              <a:spcBef>
-                <a:spcPts val="0"/>
-              </a:spcBef>
-              <a:spcAft>
-                <a:spcPts val="0"/>
-              </a:spcAft>
+              <a:t>for line in handle:</a:t>
+            </a:r>
+          </a:p>
+          <a:p>
+            <a:pPr lvl="0">
               <a:buClr>
                 <a:srgbClr val="FFFFFF"/>
               </a:buClr>
               <a:buSzPct val="25000"/>
-              <a:buFont typeface="Cabin"/>
-              <a:buNone/>
-            </a:pPr>
-            <a:r>
-              <a:rPr lang="en-US" sz="2000" b="1" i="0" u="none" strike="noStrike" cap="none" dirty="0">
+            </a:pPr>
+            <a:r>
+              <a:rPr lang="en-US" sz="2000" b="1" dirty="0">
                 <a:solidFill>
                   <a:srgbClr val="FFFFFF"/>
                 </a:solidFill>
@@ -22482,10 +22339,10 @@
                 <a:cs typeface="Courier New"/>
                 <a:sym typeface="Courier New"/>
               </a:rPr>
-              <a:t>   counts[word] = </a:t>
-            </a:r>
-            <a:r>
-              <a:rPr lang="en-US" sz="2000" b="1" i="0" u="none" strike="noStrike" cap="none" dirty="0" err="1">
+              <a:t>    words = </a:t>
+            </a:r>
+            <a:r>
+              <a:rPr lang="en-US" sz="2000" b="1" dirty="0" err="1">
                 <a:solidFill>
                   <a:srgbClr val="FFFFFF"/>
                 </a:solidFill>
@@ -22494,10 +22351,74 @@
                 <a:cs typeface="Courier New"/>
                 <a:sym typeface="Courier New"/>
               </a:rPr>
+              <a:t>line.split</a:t>
+            </a:r>
+            <a:r>
+              <a:rPr lang="en-US" sz="2000" b="1" dirty="0">
+                <a:solidFill>
+                  <a:srgbClr val="FFFFFF"/>
+                </a:solidFill>
+                <a:latin typeface="Courier New"/>
+                <a:ea typeface="Courier New"/>
+                <a:cs typeface="Courier New"/>
+                <a:sym typeface="Courier New"/>
+              </a:rPr>
+              <a:t>()</a:t>
+            </a:r>
+          </a:p>
+          <a:p>
+            <a:pPr lvl="0">
+              <a:buClr>
+                <a:srgbClr val="FFFFFF"/>
+              </a:buClr>
+              <a:buSzPct val="25000"/>
+            </a:pPr>
+            <a:r>
+              <a:rPr lang="en-US" sz="2000" b="1" dirty="0">
+                <a:solidFill>
+                  <a:srgbClr val="FFFFFF"/>
+                </a:solidFill>
+                <a:latin typeface="Courier New"/>
+                <a:ea typeface="Courier New"/>
+                <a:cs typeface="Courier New"/>
+                <a:sym typeface="Courier New"/>
+              </a:rPr>
+              <a:t>    for word in words:</a:t>
+            </a:r>
+          </a:p>
+          <a:p>
+            <a:pPr lvl="0">
+              <a:buClr>
+                <a:srgbClr val="FFFFFF"/>
+              </a:buClr>
+              <a:buSzPct val="25000"/>
+            </a:pPr>
+            <a:r>
+              <a:rPr lang="en-US" sz="2000" b="1" dirty="0">
+                <a:solidFill>
+                  <a:srgbClr val="FFFFFF"/>
+                </a:solidFill>
+                <a:latin typeface="Courier New"/>
+                <a:ea typeface="Courier New"/>
+                <a:cs typeface="Courier New"/>
+                <a:sym typeface="Courier New"/>
+              </a:rPr>
+              <a:t>        counts[word] = </a:t>
+            </a:r>
+            <a:r>
+              <a:rPr lang="en-US" sz="2000" b="1" dirty="0" err="1">
+                <a:solidFill>
+                  <a:srgbClr val="FFFFFF"/>
+                </a:solidFill>
+                <a:latin typeface="Courier New"/>
+                <a:ea typeface="Courier New"/>
+                <a:cs typeface="Courier New"/>
+                <a:sym typeface="Courier New"/>
+              </a:rPr>
               <a:t>counts.get</a:t>
             </a:r>
             <a:r>
-              <a:rPr lang="en-US" sz="2000" b="1" i="0" u="none" strike="noStrike" cap="none" dirty="0">
+              <a:rPr lang="en-US" sz="2000" b="1" dirty="0">
                 <a:solidFill>
                   <a:srgbClr val="FFFFFF"/>
                 </a:solidFill>

--- a/lectures3/Pythonlearn-02-Expressions.pptx
+++ b/lectures3/Pythonlearn-02-Expressions.pptx
@@ -17084,7 +17084,7 @@
               <a:t>'Hello </a:t>
             </a:r>
             <a:r>
-              <a:rPr lang="en-US" sz="3000" b="1" i="0" u="none" strike="noStrike" cap="none" dirty="0">
+              <a:rPr lang="en-US" sz="3000" b="1" i="0" u="none" strike="noStrike" cap="none">
                 <a:solidFill>
                   <a:srgbClr val="FF9900"/>
                 </a:solidFill>
@@ -17096,7 +17096,7 @@
               <a:t>world</a:t>
             </a:r>
             <a:r>
-              <a:rPr lang="en-US" sz="3000" b="1" i="0" u="none" strike="noStrike" cap="none" dirty="0" smtClean="0">
+              <a:rPr lang="en-US" sz="3000" b="1" i="0" u="none" strike="noStrike" cap="none" smtClean="0">
                 <a:solidFill>
                   <a:srgbClr val="FF9900"/>
                 </a:solidFill>
@@ -17108,7 +17108,7 @@
               <a:t>'</a:t>
             </a:r>
             <a:r>
-              <a:rPr lang="en-US" sz="3000" b="1" dirty="0">
+              <a:rPr lang="en-US" sz="3000" b="1" smtClean="0">
                 <a:solidFill>
                   <a:srgbClr val="FFFF00"/>
                 </a:solidFill>
@@ -17117,7 +17117,7 @@
                 <a:cs typeface="Courier New"/>
                 <a:sym typeface="Courier New"/>
               </a:rPr>
-              <a:t> )</a:t>
+              <a:t>)</a:t>
             </a:r>
             <a:endParaRPr lang="en-US" sz="3000" b="1" i="0" u="none" strike="noStrike" cap="none" dirty="0">
               <a:solidFill>

--- a/lectures3/Pythonlearn-02-Expressions.pptx
+++ b/lectures3/Pythonlearn-02-Expressions.pptx
@@ -9156,17 +9156,26 @@
               <a:buNone/>
             </a:pPr>
             <a:r>
-              <a:rPr lang="en-US" sz="3000" b="1" i="0" u="none" strike="noStrike" cap="none" dirty="0">
-                <a:solidFill>
-                  <a:schemeClr val="lt1"/>
-                </a:solidFill>
-                <a:latin typeface="Courier New"/>
-                <a:ea typeface="Courier New"/>
-                <a:cs typeface="Courier New"/>
-                <a:sym typeface="Courier New"/>
-              </a:rPr>
-              <a:t>5</a:t>
-            </a:r>
+              <a:rPr lang="en-US" sz="3000" b="1" i="0" u="none" strike="noStrike" cap="none" smtClean="0">
+                <a:solidFill>
+                  <a:schemeClr val="lt1"/>
+                </a:solidFill>
+                <a:latin typeface="Courier New"/>
+                <a:ea typeface="Courier New"/>
+                <a:cs typeface="Courier New"/>
+                <a:sym typeface="Courier New"/>
+              </a:rPr>
+              <a:t>5.28</a:t>
+            </a:r>
+            <a:endParaRPr lang="en-US" sz="3000" b="1" i="0" u="none" strike="noStrike" cap="none" dirty="0">
+              <a:solidFill>
+                <a:schemeClr val="lt1"/>
+              </a:solidFill>
+              <a:latin typeface="Courier New"/>
+              <a:ea typeface="Courier New"/>
+              <a:cs typeface="Courier New"/>
+              <a:sym typeface="Courier New"/>
+            </a:endParaRPr>
           </a:p>
         </p:txBody>
       </p:sp>

--- a/lectures3/Pythonlearn-02-Expressions.pptx
+++ b/lectures3/Pythonlearn-02-Expressions.pptx
@@ -12969,17 +12969,26 @@
               <a:buNone/>
             </a:pPr>
             <a:r>
-              <a:rPr lang="en-US" sz="3600" b="1" i="0" u="none" strike="noStrike" cap="none" dirty="0">
-                <a:solidFill>
-                  <a:schemeClr val="lt1"/>
-                </a:solidFill>
-                <a:latin typeface="Courier New"/>
-                <a:ea typeface="Courier New"/>
-                <a:cs typeface="Courier New"/>
-                <a:sym typeface="Courier New"/>
-              </a:rPr>
-              <a:t>11</a:t>
-            </a:r>
+              <a:rPr lang="en-US" sz="3600" b="1" i="0" u="none" strike="noStrike" cap="none" dirty="0" smtClean="0">
+                <a:solidFill>
+                  <a:schemeClr val="lt1"/>
+                </a:solidFill>
+                <a:latin typeface="Courier New"/>
+                <a:ea typeface="Courier New"/>
+                <a:cs typeface="Courier New"/>
+                <a:sym typeface="Courier New"/>
+              </a:rPr>
+              <a:t>11.0</a:t>
+            </a:r>
+            <a:endParaRPr lang="en-US" sz="3600" b="1" i="0" u="none" strike="noStrike" cap="none" dirty="0">
+              <a:solidFill>
+                <a:schemeClr val="lt1"/>
+              </a:solidFill>
+              <a:latin typeface="Courier New"/>
+              <a:ea typeface="Courier New"/>
+              <a:cs typeface="Courier New"/>
+              <a:sym typeface="Courier New"/>
+            </a:endParaRPr>
           </a:p>
           <a:p>
             <a:pPr marL="0" marR="0" lvl="0" indent="0" algn="l" rtl="0">
@@ -18051,7 +18060,7 @@
               <a:t>&lt;</a:t>
             </a:r>
             <a:r>
-              <a:rPr lang="en-US" sz="3200" b="1" i="0" u="none" strike="noStrike" cap="none" smtClean="0">
+              <a:rPr lang="en-US" sz="3200" b="1" i="0" u="none" strike="noStrike" cap="none" dirty="0" err="1" smtClean="0">
                 <a:solidFill>
                   <a:schemeClr val="lt1"/>
                 </a:solidFill>
@@ -19734,10 +19743,30 @@
                 <a:cs typeface="Courier New"/>
                 <a:sym typeface="Courier New"/>
               </a:rPr>
-              <a:t>&gt;", line 1, in &lt;module&gt;</a:t>
-            </a:r>
-            <a:r>
-              <a:rPr lang="en-US" sz="2600" b="1" dirty="0" err="1">
+              <a:t>&gt;", line 1, in &lt;module</a:t>
+            </a:r>
+            <a:r>
+              <a:rPr lang="en-US" sz="2600" b="1" dirty="0" smtClean="0">
+                <a:solidFill>
+                  <a:srgbClr val="E06666"/>
+                </a:solidFill>
+                <a:latin typeface="Courier New"/>
+                <a:ea typeface="Courier New"/>
+                <a:cs typeface="Courier New"/>
+                <a:sym typeface="Courier New"/>
+              </a:rPr>
+              <a:t>&gt;</a:t>
+            </a:r>
+          </a:p>
+          <a:p>
+            <a:pPr lvl="0">
+              <a:buClr>
+                <a:srgbClr val="FF0000"/>
+              </a:buClr>
+              <a:buSzPct val="25000"/>
+            </a:pPr>
+            <a:r>
+              <a:rPr lang="en-US" sz="2600" b="1" dirty="0" err="1" smtClean="0">
                 <a:solidFill>
                   <a:srgbClr val="E06666"/>
                 </a:solidFill>
@@ -20412,10 +20441,42 @@
                 <a:cs typeface="Courier New"/>
                 <a:sym typeface="Courier New"/>
               </a:rPr>
-              <a:t>&gt;", line 1, in &lt;module&gt;</a:t>
-            </a:r>
-            <a:r>
-              <a:rPr lang="en-US" sz="2600" b="1" dirty="0" err="1">
+              <a:t>&gt;", line 1, in &lt;</a:t>
+            </a:r>
+            <a:r>
+              <a:rPr lang="en-US" sz="2600" b="1">
+                <a:solidFill>
+                  <a:srgbClr val="E06666"/>
+                </a:solidFill>
+                <a:latin typeface="Courier New"/>
+                <a:ea typeface="Courier New"/>
+                <a:cs typeface="Courier New"/>
+                <a:sym typeface="Courier New"/>
+              </a:rPr>
+              <a:t>module</a:t>
+            </a:r>
+            <a:r>
+              <a:rPr lang="en-US" sz="2600" b="1" smtClean="0">
+                <a:solidFill>
+                  <a:srgbClr val="E06666"/>
+                </a:solidFill>
+                <a:latin typeface="Courier New"/>
+                <a:ea typeface="Courier New"/>
+                <a:cs typeface="Courier New"/>
+                <a:sym typeface="Courier New"/>
+              </a:rPr>
+              <a:t>&gt;</a:t>
+            </a:r>
+          </a:p>
+          <a:p>
+            <a:pPr lvl="0">
+              <a:buClr>
+                <a:srgbClr val="FF0000"/>
+              </a:buClr>
+              <a:buSzPct val="25000"/>
+            </a:pPr>
+            <a:r>
+              <a:rPr lang="en-US" sz="2600" b="1" smtClean="0">
                 <a:solidFill>
                   <a:srgbClr val="E06666"/>
                 </a:solidFill>

--- a/lectures3/Pythonlearn-02-Expressions.pptx
+++ b/lectures3/Pythonlearn-02-Expressions.pptx
@@ -249,7 +249,7 @@
   </p:defaultTextStyle>
   <p:extLst>
     <p:ext uri="{EFAFB233-063F-42B5-8137-9DF3F51BA10A}">
-      <p15:sldGuideLst xmlns:p15="http://schemas.microsoft.com/office/powerpoint/2012/main"/>
+      <p15:sldGuideLst xmlns="" xmlns:p15="http://schemas.microsoft.com/office/powerpoint/2012/main"/>
     </p:ext>
   </p:extLst>
 </p:presentation>
@@ -6170,7 +6170,7 @@
   <p:timing>
     <p:tnLst>
       <p:par>
-        <p:cTn id="1" dur="indefinite" restart="never" nodeType="tmRoot"/>
+        <p:cTn xmlns:p14="http://schemas.microsoft.com/office/powerpoint/2010/main" id="1" dur="indefinite" restart="never" nodeType="tmRoot"/>
       </p:par>
     </p:tnLst>
   </p:timing>
@@ -6237,7 +6237,7 @@
               <a:buNone/>
             </a:pPr>
             <a:r>
-              <a:rPr lang="en-US" sz="4000" b="1" u="none" strike="noStrike" cap="none" dirty="0">
+              <a:rPr lang="en-US" sz="4000" u="none" strike="noStrike" cap="none" dirty="0">
                 <a:solidFill>
                   <a:srgbClr val="00FF00"/>
                 </a:solidFill>
@@ -6249,7 +6249,7 @@
               <a:t>x</a:t>
             </a:r>
             <a:r>
-              <a:rPr lang="en-US" sz="4000" b="1" u="none" strike="noStrike" cap="none" dirty="0">
+              <a:rPr lang="en-US" sz="4000" u="none" strike="noStrike" cap="none" dirty="0">
                 <a:solidFill>
                   <a:srgbClr val="FF00FF"/>
                 </a:solidFill>
@@ -6261,7 +6261,7 @@
               <a:t> </a:t>
             </a:r>
             <a:r>
-              <a:rPr lang="en-US" sz="4000" b="1" u="none" strike="noStrike" cap="none" dirty="0">
+              <a:rPr lang="en-US" sz="4000" u="none" strike="noStrike" cap="none" dirty="0">
                 <a:solidFill>
                   <a:srgbClr val="FFFFFF"/>
                 </a:solidFill>
@@ -6273,7 +6273,7 @@
               <a:t>=</a:t>
             </a:r>
             <a:r>
-              <a:rPr lang="en-US" sz="4000" b="1" u="none" strike="noStrike" cap="none" dirty="0">
+              <a:rPr lang="en-US" sz="4000" u="none" strike="noStrike" cap="none" dirty="0">
                 <a:solidFill>
                   <a:schemeClr val="lt1"/>
                 </a:solidFill>
@@ -6285,7 +6285,7 @@
               <a:t> </a:t>
             </a:r>
             <a:r>
-              <a:rPr lang="en-US" sz="4000" b="1" u="none" strike="noStrike" cap="none" dirty="0" smtClean="0">
+              <a:rPr lang="en-US" sz="4000" u="none" strike="noStrike" cap="none" dirty="0" smtClean="0">
                 <a:solidFill>
                   <a:srgbClr val="FFFF00"/>
                 </a:solidFill>
@@ -6296,7 +6296,7 @@
               </a:rPr>
               <a:t>3.9 *  x  * ( 1  -  x )</a:t>
             </a:r>
-            <a:endParaRPr lang="en-US" sz="4000" b="1" u="none" strike="noStrike" cap="none" dirty="0">
+            <a:endParaRPr lang="en-US" sz="4000" u="none" strike="noStrike" cap="none" dirty="0">
               <a:solidFill>
                 <a:srgbClr val="FFFF00"/>
               </a:solidFill>
@@ -6428,174 +6428,6 @@
       </p:sp>
       <p:sp>
         <p:nvSpPr>
-          <p:cNvPr id="324" name="Shape 324"/>
-          <p:cNvSpPr txBox="1"/>
-          <p:nvPr/>
-        </p:nvSpPr>
-        <p:spPr>
-          <a:xfrm>
-            <a:off x="9699625" y="2844800"/>
-            <a:ext cx="900000" cy="622199"/>
-          </a:xfrm>
-          <a:prstGeom prst="rect">
-            <a:avLst/>
-          </a:prstGeom>
-          <a:noFill/>
-          <a:ln>
-            <a:noFill/>
-          </a:ln>
-        </p:spPr>
-        <p:txBody>
-          <a:bodyPr lIns="0" tIns="0" rIns="0" bIns="0" anchor="ctr" anchorCtr="0">
-            <a:noAutofit/>
-          </a:bodyPr>
-          <a:lstStyle/>
-          <a:p>
-            <a:pPr marL="0" marR="0" lvl="0" indent="0" algn="ctr" rtl="0">
-              <a:lnSpc>
-                <a:spcPct val="100000"/>
-              </a:lnSpc>
-              <a:spcBef>
-                <a:spcPts val="0"/>
-              </a:spcBef>
-              <a:spcAft>
-                <a:spcPts val="0"/>
-              </a:spcAft>
-              <a:buClr>
-                <a:schemeClr val="lt1"/>
-              </a:buClr>
-              <a:buSzPct val="25000"/>
-              <a:buFont typeface="Cabin"/>
-              <a:buNone/>
-            </a:pPr>
-            <a:r>
-              <a:rPr lang="en-US" sz="3600" u="none" strike="noStrike" cap="none">
-                <a:solidFill>
-                  <a:schemeClr val="lt1"/>
-                </a:solidFill>
-                <a:latin typeface="Arial" charset="0"/>
-                <a:ea typeface="Arial" charset="0"/>
-                <a:cs typeface="Arial" charset="0"/>
-                <a:sym typeface="Cabin"/>
-              </a:rPr>
-              <a:t>0.6</a:t>
-            </a:r>
-          </a:p>
-        </p:txBody>
-      </p:sp>
-      <p:sp>
-        <p:nvSpPr>
-          <p:cNvPr id="325" name="Shape 325"/>
-          <p:cNvSpPr txBox="1"/>
-          <p:nvPr/>
-        </p:nvSpPr>
-        <p:spPr>
-          <a:xfrm>
-            <a:off x="12713125" y="3039312"/>
-            <a:ext cx="1063200" cy="622199"/>
-          </a:xfrm>
-          <a:prstGeom prst="rect">
-            <a:avLst/>
-          </a:prstGeom>
-          <a:noFill/>
-          <a:ln>
-            <a:noFill/>
-          </a:ln>
-        </p:spPr>
-        <p:txBody>
-          <a:bodyPr lIns="0" tIns="0" rIns="0" bIns="0" anchor="ctr" anchorCtr="0">
-            <a:noAutofit/>
-          </a:bodyPr>
-          <a:lstStyle/>
-          <a:p>
-            <a:pPr marL="0" marR="0" lvl="0" indent="0" algn="ctr" rtl="0">
-              <a:lnSpc>
-                <a:spcPct val="100000"/>
-              </a:lnSpc>
-              <a:spcBef>
-                <a:spcPts val="0"/>
-              </a:spcBef>
-              <a:spcAft>
-                <a:spcPts val="0"/>
-              </a:spcAft>
-              <a:buClr>
-                <a:schemeClr val="lt1"/>
-              </a:buClr>
-              <a:buSzPct val="25000"/>
-              <a:buFont typeface="Cabin"/>
-              <a:buNone/>
-            </a:pPr>
-            <a:r>
-              <a:rPr lang="en-US" sz="3600" u="none" strike="noStrike" cap="none">
-                <a:solidFill>
-                  <a:schemeClr val="lt1"/>
-                </a:solidFill>
-                <a:latin typeface="Arial" charset="0"/>
-                <a:ea typeface="Arial" charset="0"/>
-                <a:cs typeface="Arial" charset="0"/>
-                <a:sym typeface="Cabin"/>
-              </a:rPr>
-              <a:t>0.6</a:t>
-            </a:r>
-          </a:p>
-        </p:txBody>
-      </p:sp>
-      <p:cxnSp>
-        <p:nvCxnSpPr>
-          <p:cNvPr id="326" name="Shape 326"/>
-          <p:cNvCxnSpPr/>
-          <p:nvPr/>
-        </p:nvCxnSpPr>
-        <p:spPr>
-          <a:xfrm rot="10800000" flipH="1">
-            <a:off x="10323511" y="1925637"/>
-            <a:ext cx="606425" cy="849312"/>
-          </a:xfrm>
-          <a:prstGeom prst="straightConnector1">
-            <a:avLst/>
-          </a:prstGeom>
-          <a:noFill/>
-          <a:ln w="63500" cap="rnd" cmpd="sng">
-            <a:solidFill>
-              <a:schemeClr val="lt1"/>
-            </a:solidFill>
-            <a:prstDash val="solid"/>
-            <a:miter/>
-            <a:headEnd type="stealth" w="med" len="med"/>
-            <a:tailEnd type="none" w="med" len="med"/>
-          </a:ln>
-        </p:spPr>
-      </p:cxnSp>
-      <p:cxnSp>
-        <p:nvCxnSpPr>
-          <p:cNvPr id="327" name="Shape 327"/>
-          <p:cNvCxnSpPr>
-            <a:stCxn id="325" idx="0"/>
-          </p:cNvCxnSpPr>
-          <p:nvPr/>
-        </p:nvCxnSpPr>
-        <p:spPr>
-          <a:xfrm rot="10800000">
-            <a:off x="11207725" y="1976412"/>
-            <a:ext cx="2037000" cy="1062900"/>
-          </a:xfrm>
-          <a:prstGeom prst="straightConnector1">
-            <a:avLst/>
-          </a:prstGeom>
-          <a:noFill/>
-          <a:ln w="63500" cap="rnd" cmpd="sng">
-            <a:solidFill>
-              <a:schemeClr val="lt1"/>
-            </a:solidFill>
-            <a:prstDash val="solid"/>
-            <a:miter/>
-            <a:headEnd type="stealth" w="med" len="med"/>
-            <a:tailEnd type="none" w="med" len="med"/>
-          </a:ln>
-        </p:spPr>
-      </p:cxnSp>
-      <p:sp>
-        <p:nvSpPr>
           <p:cNvPr id="328" name="Shape 328"/>
           <p:cNvSpPr txBox="1"/>
           <p:nvPr/>
@@ -6653,68 +6485,14 @@
       </p:sp>
       <p:cxnSp>
         <p:nvCxnSpPr>
-          <p:cNvPr id="329" name="Shape 329"/>
+          <p:cNvPr id="331" name="Shape 331"/>
           <p:cNvCxnSpPr/>
           <p:nvPr/>
         </p:nvCxnSpPr>
         <p:spPr>
-          <a:xfrm rot="10800000">
-            <a:off x="8085136" y="4718049"/>
-            <a:ext cx="2393950" cy="1857375"/>
-          </a:xfrm>
-          <a:prstGeom prst="straightConnector1">
-            <a:avLst/>
-          </a:prstGeom>
-          <a:noFill/>
-          <a:ln w="63500" cap="rnd" cmpd="sng">
-            <a:solidFill>
-              <a:srgbClr val="FF9900"/>
-            </a:solidFill>
-            <a:prstDash val="solid"/>
-            <a:miter/>
-            <a:headEnd type="stealth" w="med" len="med"/>
-            <a:tailEnd type="none" w="med" len="med"/>
-          </a:ln>
-        </p:spPr>
-      </p:cxnSp>
-      <p:cxnSp>
-        <p:nvCxnSpPr>
-          <p:cNvPr id="330" name="Shape 330"/>
-          <p:cNvCxnSpPr/>
-          <p:nvPr/>
-        </p:nvCxnSpPr>
-        <p:spPr>
-          <a:xfrm rot="10800000">
-            <a:off x="10115550" y="4579937"/>
-            <a:ext cx="796924" cy="1873249"/>
-          </a:xfrm>
-          <a:prstGeom prst="straightConnector1">
-            <a:avLst/>
-          </a:prstGeom>
-          <a:noFill/>
-          <a:ln w="63500" cap="rnd" cmpd="sng">
-            <a:solidFill>
-              <a:srgbClr val="FF9900"/>
-            </a:solidFill>
-            <a:prstDash val="solid"/>
-            <a:miter/>
-            <a:headEnd type="stealth" w="med" len="med"/>
-            <a:tailEnd type="none" w="med" len="med"/>
-          </a:ln>
-        </p:spPr>
-      </p:cxnSp>
-      <p:cxnSp>
-        <p:nvCxnSpPr>
-          <p:cNvPr id="331" name="Shape 331"/>
-          <p:cNvCxnSpPr>
-            <a:endCxn id="328" idx="2"/>
-          </p:cNvCxnSpPr>
-          <p:nvPr/>
-        </p:nvCxnSpPr>
-        <p:spPr>
-          <a:xfrm rot="10800000" flipH="1">
-            <a:off x="11555525" y="5676799"/>
-            <a:ext cx="1126800" cy="811200"/>
+          <a:xfrm flipV="1">
+            <a:off x="11453192" y="5676799"/>
+            <a:ext cx="1075640" cy="898626"/>
           </a:xfrm>
           <a:prstGeom prst="straightConnector1">
             <a:avLst/>
@@ -7114,6 +6892,224 @@
           </a:p>
         </p:txBody>
       </p:sp>
+      <p:sp>
+        <p:nvSpPr>
+          <p:cNvPr id="33" name="Shape 324"/>
+          <p:cNvSpPr txBox="1"/>
+          <p:nvPr/>
+        </p:nvSpPr>
+        <p:spPr>
+          <a:xfrm>
+            <a:off x="9423511" y="3086048"/>
+            <a:ext cx="900000" cy="622199"/>
+          </a:xfrm>
+          <a:prstGeom prst="rect">
+            <a:avLst/>
+          </a:prstGeom>
+          <a:noFill/>
+          <a:ln>
+            <a:noFill/>
+          </a:ln>
+        </p:spPr>
+        <p:txBody>
+          <a:bodyPr lIns="0" tIns="0" rIns="0" bIns="0" anchor="ctr" anchorCtr="0">
+            <a:noAutofit/>
+          </a:bodyPr>
+          <a:lstStyle/>
+          <a:p>
+            <a:pPr marL="0" marR="0" lvl="0" indent="0" algn="ctr" rtl="0">
+              <a:lnSpc>
+                <a:spcPct val="100000"/>
+              </a:lnSpc>
+              <a:spcBef>
+                <a:spcPts val="0"/>
+              </a:spcBef>
+              <a:spcAft>
+                <a:spcPts val="0"/>
+              </a:spcAft>
+              <a:buClr>
+                <a:schemeClr val="lt1"/>
+              </a:buClr>
+              <a:buSzPct val="25000"/>
+              <a:buFont typeface="Cabin"/>
+              <a:buNone/>
+            </a:pPr>
+            <a:r>
+              <a:rPr lang="en-US" sz="3600" u="none" strike="noStrike" cap="none" dirty="0">
+                <a:solidFill>
+                  <a:schemeClr val="lt1"/>
+                </a:solidFill>
+                <a:latin typeface="Arial" charset="0"/>
+                <a:ea typeface="Arial" charset="0"/>
+                <a:cs typeface="Arial" charset="0"/>
+                <a:sym typeface="Cabin"/>
+              </a:rPr>
+              <a:t>0.6</a:t>
+            </a:r>
+          </a:p>
+        </p:txBody>
+      </p:sp>
+      <p:sp>
+        <p:nvSpPr>
+          <p:cNvPr id="34" name="Shape 325"/>
+          <p:cNvSpPr txBox="1"/>
+          <p:nvPr/>
+        </p:nvSpPr>
+        <p:spPr>
+          <a:xfrm>
+            <a:off x="13244725" y="3192011"/>
+            <a:ext cx="1063200" cy="622199"/>
+          </a:xfrm>
+          <a:prstGeom prst="rect">
+            <a:avLst/>
+          </a:prstGeom>
+          <a:noFill/>
+          <a:ln>
+            <a:noFill/>
+          </a:ln>
+        </p:spPr>
+        <p:txBody>
+          <a:bodyPr lIns="0" tIns="0" rIns="0" bIns="0" anchor="ctr" anchorCtr="0">
+            <a:noAutofit/>
+          </a:bodyPr>
+          <a:lstStyle/>
+          <a:p>
+            <a:pPr marL="0" marR="0" lvl="0" indent="0" algn="ctr" rtl="0">
+              <a:lnSpc>
+                <a:spcPct val="100000"/>
+              </a:lnSpc>
+              <a:spcBef>
+                <a:spcPts val="0"/>
+              </a:spcBef>
+              <a:spcAft>
+                <a:spcPts val="0"/>
+              </a:spcAft>
+              <a:buClr>
+                <a:schemeClr val="lt1"/>
+              </a:buClr>
+              <a:buSzPct val="25000"/>
+              <a:buFont typeface="Cabin"/>
+              <a:buNone/>
+            </a:pPr>
+            <a:r>
+              <a:rPr lang="en-US" sz="3600" u="none" strike="noStrike" cap="none" dirty="0">
+                <a:solidFill>
+                  <a:schemeClr val="lt1"/>
+                </a:solidFill>
+                <a:latin typeface="Arial" charset="0"/>
+                <a:ea typeface="Arial" charset="0"/>
+                <a:cs typeface="Arial" charset="0"/>
+                <a:sym typeface="Cabin"/>
+              </a:rPr>
+              <a:t>0.6</a:t>
+            </a:r>
+          </a:p>
+        </p:txBody>
+      </p:sp>
+      <p:cxnSp>
+        <p:nvCxnSpPr>
+          <p:cNvPr id="35" name="Shape 326"/>
+          <p:cNvCxnSpPr/>
+          <p:nvPr/>
+        </p:nvCxnSpPr>
+        <p:spPr>
+          <a:xfrm flipV="1">
+            <a:off x="10100344" y="2129110"/>
+            <a:ext cx="606425" cy="956938"/>
+          </a:xfrm>
+          <a:prstGeom prst="straightConnector1">
+            <a:avLst/>
+          </a:prstGeom>
+          <a:noFill/>
+          <a:ln w="63500" cap="rnd" cmpd="sng">
+            <a:solidFill>
+              <a:schemeClr val="lt1"/>
+            </a:solidFill>
+            <a:prstDash val="solid"/>
+            <a:miter/>
+            <a:headEnd type="stealth" w="med" len="med"/>
+            <a:tailEnd type="none" w="med" len="med"/>
+          </a:ln>
+        </p:spPr>
+      </p:cxnSp>
+      <p:cxnSp>
+        <p:nvCxnSpPr>
+          <p:cNvPr id="36" name="Shape 327"/>
+          <p:cNvCxnSpPr/>
+          <p:nvPr/>
+        </p:nvCxnSpPr>
+        <p:spPr>
+          <a:xfrm flipH="1" flipV="1">
+            <a:off x="11739325" y="2129111"/>
+            <a:ext cx="1696621" cy="1147467"/>
+          </a:xfrm>
+          <a:prstGeom prst="straightConnector1">
+            <a:avLst/>
+          </a:prstGeom>
+          <a:noFill/>
+          <a:ln w="63500" cap="rnd" cmpd="sng">
+            <a:solidFill>
+              <a:schemeClr val="lt1"/>
+            </a:solidFill>
+            <a:prstDash val="solid"/>
+            <a:miter/>
+            <a:headEnd type="stealth" w="med" len="med"/>
+            <a:tailEnd type="none" w="med" len="med"/>
+          </a:ln>
+        </p:spPr>
+      </p:cxnSp>
+      <p:cxnSp>
+        <p:nvCxnSpPr>
+          <p:cNvPr id="37" name="Shape 329"/>
+          <p:cNvCxnSpPr/>
+          <p:nvPr/>
+        </p:nvCxnSpPr>
+        <p:spPr>
+          <a:xfrm flipH="1" flipV="1">
+            <a:off x="8085136" y="4457799"/>
+            <a:ext cx="2393950" cy="2117626"/>
+          </a:xfrm>
+          <a:prstGeom prst="straightConnector1">
+            <a:avLst/>
+          </a:prstGeom>
+          <a:noFill/>
+          <a:ln w="63500" cap="rnd" cmpd="sng">
+            <a:solidFill>
+              <a:srgbClr val="FF9900"/>
+            </a:solidFill>
+            <a:prstDash val="solid"/>
+            <a:miter/>
+            <a:headEnd type="stealth" w="med" len="med"/>
+            <a:tailEnd type="none" w="med" len="med"/>
+          </a:ln>
+        </p:spPr>
+      </p:cxnSp>
+      <p:cxnSp>
+        <p:nvCxnSpPr>
+          <p:cNvPr id="38" name="Shape 330"/>
+          <p:cNvCxnSpPr/>
+          <p:nvPr/>
+        </p:nvCxnSpPr>
+        <p:spPr>
+          <a:xfrm flipH="1" flipV="1">
+            <a:off x="9988916" y="4457799"/>
+            <a:ext cx="993034" cy="2117626"/>
+          </a:xfrm>
+          <a:prstGeom prst="straightConnector1">
+            <a:avLst/>
+          </a:prstGeom>
+          <a:noFill/>
+          <a:ln w="63500" cap="rnd" cmpd="sng">
+            <a:solidFill>
+              <a:srgbClr val="FF9900"/>
+            </a:solidFill>
+            <a:prstDash val="solid"/>
+            <a:miter/>
+            <a:headEnd type="stealth" w="med" len="med"/>
+            <a:tailEnd type="none" w="med" len="med"/>
+          </a:ln>
+        </p:spPr>
+      </p:cxnSp>
     </p:spTree>
     <p:extLst>
       <p:ext uri="{BB962C8B-B14F-4D97-AF65-F5344CB8AC3E}">
@@ -7127,7 +7123,7 @@
   <p:timing>
     <p:tnLst>
       <p:par>
-        <p:cTn id="1" dur="indefinite" restart="never" nodeType="tmRoot"/>
+        <p:cTn xmlns:p14="http://schemas.microsoft.com/office/powerpoint/2010/main" id="1" dur="indefinite" restart="never" nodeType="tmRoot"/>
       </p:par>
     </p:tnLst>
   </p:timing>
@@ -7255,7 +7251,7 @@
               <a:buChar char="•"/>
             </a:pPr>
             <a:r>
-              <a:rPr lang="en-US" sz="3600" u="none" strike="noStrike" cap="none">
+              <a:rPr lang="en-US" sz="3600" u="none" strike="noStrike" cap="none" dirty="0">
                 <a:solidFill>
                   <a:schemeClr val="lt1"/>
                 </a:solidFill>
@@ -7267,7 +7263,7 @@
               <a:t>Because of the lack of mathematical symbols on computer keyboards - we use </a:t>
             </a:r>
             <a:r>
-              <a:rPr lang="en-US" sz="3600" b="0" i="0" u="none" strike="noStrike" cap="none">
+              <a:rPr lang="en-US" sz="3600" b="0" i="0" u="none" strike="noStrike" cap="none" dirty="0">
                 <a:solidFill>
                   <a:schemeClr val="lt1"/>
                 </a:solidFill>
@@ -7279,7 +7275,7 @@
               <a:t>“</a:t>
             </a:r>
             <a:r>
-              <a:rPr lang="en-US" sz="3600" u="none" strike="noStrike" cap="none">
+              <a:rPr lang="en-US" sz="3600" u="none" strike="noStrike" cap="none" dirty="0">
                 <a:solidFill>
                   <a:schemeClr val="lt1"/>
                 </a:solidFill>
@@ -7291,7 +7287,7 @@
               <a:t>computer-speak</a:t>
             </a:r>
             <a:r>
-              <a:rPr lang="en-US" sz="3600" b="0" i="0" u="none" strike="noStrike" cap="none">
+              <a:rPr lang="en-US" sz="3600" b="0" i="0" u="none" strike="noStrike" cap="none" dirty="0">
                 <a:solidFill>
                   <a:schemeClr val="lt1"/>
                 </a:solidFill>
@@ -7303,7 +7299,7 @@
               <a:t>”</a:t>
             </a:r>
             <a:r>
-              <a:rPr lang="en-US" sz="3600" u="none" strike="noStrike" cap="none">
+              <a:rPr lang="en-US" sz="3600" u="none" strike="noStrike" cap="none" dirty="0">
                 <a:solidFill>
                   <a:schemeClr val="lt1"/>
                 </a:solidFill>
@@ -7374,8 +7370,53 @@
                 <a:cs typeface="Arial" charset="0"/>
                 <a:sym typeface="Cabin"/>
               </a:rPr>
-              <a:t>Exponentiation (raise to a power) looks different from in math.</a:t>
-            </a:r>
+              <a:t>Exponentiation (raise to a power) looks different </a:t>
+            </a:r>
+            <a:r>
+              <a:rPr lang="en-US" sz="3600" u="none" strike="noStrike" cap="none" dirty="0" smtClean="0">
+                <a:solidFill>
+                  <a:schemeClr val="lt1"/>
+                </a:solidFill>
+                <a:latin typeface="Arial" charset="0"/>
+                <a:ea typeface="Arial" charset="0"/>
+                <a:cs typeface="Arial" charset="0"/>
+                <a:sym typeface="Cabin"/>
+              </a:rPr>
+              <a:t>than </a:t>
+            </a:r>
+            <a:r>
+              <a:rPr lang="en-US" sz="3600" u="none" strike="noStrike" cap="none" dirty="0">
+                <a:solidFill>
+                  <a:schemeClr val="lt1"/>
+                </a:solidFill>
+                <a:latin typeface="Arial" charset="0"/>
+                <a:ea typeface="Arial" charset="0"/>
+                <a:cs typeface="Arial" charset="0"/>
+                <a:sym typeface="Cabin"/>
+              </a:rPr>
+              <a:t>in </a:t>
+            </a:r>
+            <a:r>
+              <a:rPr lang="en-US" sz="3600" u="none" strike="noStrike" cap="none" dirty="0" smtClean="0">
+                <a:solidFill>
+                  <a:schemeClr val="lt1"/>
+                </a:solidFill>
+                <a:latin typeface="Arial" charset="0"/>
+                <a:ea typeface="Arial" charset="0"/>
+                <a:cs typeface="Arial" charset="0"/>
+                <a:sym typeface="Cabin"/>
+              </a:rPr>
+              <a:t>math</a:t>
+            </a:r>
+            <a:endParaRPr lang="en-US" sz="3600" u="none" strike="noStrike" cap="none" dirty="0">
+              <a:solidFill>
+                <a:schemeClr val="lt1"/>
+              </a:solidFill>
+              <a:latin typeface="Arial" charset="0"/>
+              <a:ea typeface="Arial" charset="0"/>
+              <a:cs typeface="Arial" charset="0"/>
+              <a:sym typeface="Cabin"/>
+            </a:endParaRPr>
           </a:p>
         </p:txBody>
       </p:sp>
@@ -8492,7 +8533,7 @@
   <p:timing>
     <p:tnLst>
       <p:par>
-        <p:cTn id="1" dur="indefinite" restart="never" nodeType="tmRoot"/>
+        <p:cTn xmlns:p14="http://schemas.microsoft.com/office/powerpoint/2010/main" id="1" dur="indefinite" restart="never" nodeType="tmRoot"/>
       </p:par>
     </p:tnLst>
   </p:timing>
@@ -8559,7 +8600,7 @@
               <a:buNone/>
             </a:pPr>
             <a:r>
-              <a:rPr lang="en-US" sz="3000" b="1" i="0" u="none" strike="noStrike" cap="none" dirty="0">
+              <a:rPr lang="en-US" sz="3000" i="0" u="none" strike="noStrike" cap="none" dirty="0">
                 <a:solidFill>
                   <a:schemeClr val="lt1"/>
                 </a:solidFill>
@@ -8571,7 +8612,7 @@
               <a:t>&gt;&gt;&gt; </a:t>
             </a:r>
             <a:r>
-              <a:rPr lang="en-US" sz="3000" b="1" i="0" u="none" strike="noStrike" cap="none" dirty="0">
+              <a:rPr lang="en-US" sz="3000" i="0" u="none" strike="noStrike" cap="none" dirty="0">
                 <a:solidFill>
                   <a:srgbClr val="00FF00"/>
                 </a:solidFill>
@@ -8583,7 +8624,7 @@
               <a:t>xx</a:t>
             </a:r>
             <a:r>
-              <a:rPr lang="en-US" sz="3000" b="1" i="0" u="none" strike="noStrike" cap="none" dirty="0">
+              <a:rPr lang="en-US" sz="3000" i="0" u="none" strike="noStrike" cap="none" dirty="0">
                 <a:solidFill>
                   <a:schemeClr val="lt1"/>
                 </a:solidFill>
@@ -8614,7 +8655,7 @@
               <a:buNone/>
             </a:pPr>
             <a:r>
-              <a:rPr lang="en-US" sz="3000" b="1" i="0" u="none" strike="noStrike" cap="none" dirty="0">
+              <a:rPr lang="en-US" sz="3000" i="0" u="none" strike="noStrike" cap="none" dirty="0">
                 <a:solidFill>
                   <a:schemeClr val="lt1"/>
                 </a:solidFill>
@@ -8626,7 +8667,7 @@
               <a:t>&gt;&gt;&gt; </a:t>
             </a:r>
             <a:r>
-              <a:rPr lang="en-US" sz="3000" b="1" i="0" u="none" strike="noStrike" cap="none" dirty="0">
+              <a:rPr lang="en-US" sz="3000" i="0" u="none" strike="noStrike" cap="none" dirty="0">
                 <a:solidFill>
                   <a:srgbClr val="00FF00"/>
                 </a:solidFill>
@@ -8638,7 +8679,7 @@
               <a:t>xx</a:t>
             </a:r>
             <a:r>
-              <a:rPr lang="en-US" sz="3000" b="1" i="0" u="none" strike="noStrike" cap="none" dirty="0">
+              <a:rPr lang="en-US" sz="3000" i="0" u="none" strike="noStrike" cap="none" dirty="0">
                 <a:solidFill>
                   <a:schemeClr val="lt1"/>
                 </a:solidFill>
@@ -8650,7 +8691,7 @@
               <a:t> = </a:t>
             </a:r>
             <a:r>
-              <a:rPr lang="en-US" sz="3000" b="1" i="0" u="none" strike="noStrike" cap="none" dirty="0">
+              <a:rPr lang="en-US" sz="3000" i="0" u="none" strike="noStrike" cap="none" dirty="0">
                 <a:solidFill>
                   <a:srgbClr val="00FF00"/>
                 </a:solidFill>
@@ -8662,7 +8703,7 @@
               <a:t>xx</a:t>
             </a:r>
             <a:r>
-              <a:rPr lang="en-US" sz="3000" b="1" i="0" u="none" strike="noStrike" cap="none" dirty="0">
+              <a:rPr lang="en-US" sz="3000" i="0" u="none" strike="noStrike" cap="none" dirty="0">
                 <a:solidFill>
                   <a:schemeClr val="lt1"/>
                 </a:solidFill>
@@ -8674,7 +8715,7 @@
               <a:t> </a:t>
             </a:r>
             <a:r>
-              <a:rPr lang="en-US" sz="3000" b="1" i="0" u="none" strike="noStrike" cap="none" dirty="0">
+              <a:rPr lang="en-US" sz="3000" i="0" u="none" strike="noStrike" cap="none" dirty="0">
                 <a:solidFill>
                   <a:srgbClr val="00FFFF"/>
                 </a:solidFill>
@@ -8686,7 +8727,7 @@
               <a:t>+</a:t>
             </a:r>
             <a:r>
-              <a:rPr lang="en-US" sz="3000" b="1" i="0" u="none" strike="noStrike" cap="none" dirty="0">
+              <a:rPr lang="en-US" sz="3000" i="0" u="none" strike="noStrike" cap="none" dirty="0">
                 <a:solidFill>
                   <a:schemeClr val="lt1"/>
                 </a:solidFill>
@@ -8706,7 +8747,7 @@
               <a:buSzPct val="25000"/>
             </a:pPr>
             <a:r>
-              <a:rPr lang="en-US" sz="3000" b="1" i="0" u="none" strike="noStrike" cap="none" dirty="0">
+              <a:rPr lang="en-US" sz="3000" i="0" u="none" strike="noStrike" cap="none" dirty="0">
                 <a:solidFill>
                   <a:schemeClr val="lt1"/>
                 </a:solidFill>
@@ -8718,7 +8759,7 @@
               <a:t>&gt;&gt;&gt; </a:t>
             </a:r>
             <a:r>
-              <a:rPr lang="en-US" sz="3000" b="1" i="0" u="none" strike="noStrike" cap="none" dirty="0" smtClean="0">
+              <a:rPr lang="en-US" sz="3000" i="0" u="none" strike="noStrike" cap="none" dirty="0" smtClean="0">
                 <a:solidFill>
                   <a:srgbClr val="FFFF00"/>
                 </a:solidFill>
@@ -8730,7 +8771,7 @@
               <a:t>print(</a:t>
             </a:r>
             <a:r>
-              <a:rPr lang="en-US" sz="3000" b="1" i="0" u="none" strike="noStrike" cap="none" dirty="0" smtClean="0">
+              <a:rPr lang="en-US" sz="3000" i="0" u="none" strike="noStrike" cap="none" dirty="0" smtClean="0">
                 <a:solidFill>
                   <a:srgbClr val="00FF00"/>
                 </a:solidFill>
@@ -8742,7 +8783,7 @@
               <a:t>xx</a:t>
             </a:r>
             <a:r>
-              <a:rPr lang="en-US" sz="3000" b="1" dirty="0">
+              <a:rPr lang="en-US" sz="3000" dirty="0">
                 <a:solidFill>
                   <a:srgbClr val="FFFF00"/>
                 </a:solidFill>
@@ -8753,7 +8794,7 @@
               </a:rPr>
               <a:t>)</a:t>
             </a:r>
-            <a:endParaRPr lang="en-US" sz="3000" b="1" i="0" u="none" strike="noStrike" cap="none" dirty="0">
+            <a:endParaRPr lang="en-US" sz="3000" i="0" u="none" strike="noStrike" cap="none" dirty="0">
               <a:solidFill>
                 <a:srgbClr val="00FF00"/>
               </a:solidFill>
@@ -8782,7 +8823,7 @@
               <a:buNone/>
             </a:pPr>
             <a:r>
-              <a:rPr lang="en-US" sz="3000" b="1" i="0" u="none" strike="noStrike" cap="none" dirty="0">
+              <a:rPr lang="en-US" sz="3000" i="0" u="none" strike="noStrike" cap="none" dirty="0">
                 <a:solidFill>
                   <a:schemeClr val="lt1"/>
                 </a:solidFill>
@@ -8813,7 +8854,7 @@
               <a:buNone/>
             </a:pPr>
             <a:r>
-              <a:rPr lang="en-US" sz="3000" b="1" i="0" u="none" strike="noStrike" cap="none" dirty="0">
+              <a:rPr lang="en-US" sz="3000" i="0" u="none" strike="noStrike" cap="none" dirty="0">
                 <a:solidFill>
                   <a:schemeClr val="lt1"/>
                 </a:solidFill>
@@ -8825,7 +8866,7 @@
               <a:t>&gt;&gt;&gt; </a:t>
             </a:r>
             <a:r>
-              <a:rPr lang="en-US" sz="3000" b="1" i="0" u="none" strike="noStrike" cap="none" dirty="0" err="1">
+              <a:rPr lang="en-US" sz="3000" i="0" u="none" strike="noStrike" cap="none" dirty="0" err="1">
                 <a:solidFill>
                   <a:srgbClr val="00FF00"/>
                 </a:solidFill>
@@ -8837,7 +8878,7 @@
               <a:t>yy</a:t>
             </a:r>
             <a:r>
-              <a:rPr lang="en-US" sz="3000" b="1" i="0" u="none" strike="noStrike" cap="none" dirty="0">
+              <a:rPr lang="en-US" sz="3000" i="0" u="none" strike="noStrike" cap="none" dirty="0">
                 <a:solidFill>
                   <a:schemeClr val="lt1"/>
                 </a:solidFill>
@@ -8849,7 +8890,7 @@
               <a:t> = 440 </a:t>
             </a:r>
             <a:r>
-              <a:rPr lang="en-US" sz="3000" b="1" i="0" u="none" strike="noStrike" cap="none" dirty="0">
+              <a:rPr lang="en-US" sz="3000" i="0" u="none" strike="noStrike" cap="none" dirty="0">
                 <a:solidFill>
                   <a:srgbClr val="00FFFF"/>
                 </a:solidFill>
@@ -8861,7 +8902,7 @@
               <a:t>*</a:t>
             </a:r>
             <a:r>
-              <a:rPr lang="en-US" sz="3000" b="1" i="0" u="none" strike="noStrike" cap="none" dirty="0">
+              <a:rPr lang="en-US" sz="3000" i="0" u="none" strike="noStrike" cap="none" dirty="0">
                 <a:solidFill>
                   <a:schemeClr val="lt1"/>
                 </a:solidFill>
@@ -8881,7 +8922,7 @@
               <a:buSzPct val="25000"/>
             </a:pPr>
             <a:r>
-              <a:rPr lang="en-US" sz="3000" b="1" i="0" u="none" strike="noStrike" cap="none" dirty="0">
+              <a:rPr lang="en-US" sz="3000" i="0" u="none" strike="noStrike" cap="none" dirty="0">
                 <a:solidFill>
                   <a:schemeClr val="lt1"/>
                 </a:solidFill>
@@ -8893,7 +8934,7 @@
               <a:t>&gt;&gt;&gt; </a:t>
             </a:r>
             <a:r>
-              <a:rPr lang="en-US" sz="3000" b="1" i="0" u="none" strike="noStrike" cap="none" dirty="0" smtClean="0">
+              <a:rPr lang="en-US" sz="3000" i="0" u="none" strike="noStrike" cap="none" dirty="0" smtClean="0">
                 <a:solidFill>
                   <a:srgbClr val="FFFF00"/>
                 </a:solidFill>
@@ -8905,7 +8946,7 @@
               <a:t>print(</a:t>
             </a:r>
             <a:r>
-              <a:rPr lang="en-US" sz="3000" b="1" i="0" u="none" strike="noStrike" cap="none" dirty="0" err="1" smtClean="0">
+              <a:rPr lang="en-US" sz="3000" i="0" u="none" strike="noStrike" cap="none" dirty="0" err="1" smtClean="0">
                 <a:solidFill>
                   <a:srgbClr val="00FF00"/>
                 </a:solidFill>
@@ -8917,7 +8958,7 @@
               <a:t>yy</a:t>
             </a:r>
             <a:r>
-              <a:rPr lang="en-US" sz="3000" b="1" dirty="0">
+              <a:rPr lang="en-US" sz="3000" dirty="0">
                 <a:solidFill>
                   <a:srgbClr val="FFFF00"/>
                 </a:solidFill>
@@ -8928,7 +8969,7 @@
               </a:rPr>
               <a:t>)</a:t>
             </a:r>
-            <a:endParaRPr lang="en-US" sz="3000" b="1" i="0" u="none" strike="noStrike" cap="none" dirty="0">
+            <a:endParaRPr lang="en-US" sz="3000" i="0" u="none" strike="noStrike" cap="none" dirty="0">
               <a:solidFill>
                 <a:srgbClr val="00FF00"/>
               </a:solidFill>
@@ -8957,7 +8998,7 @@
               <a:buNone/>
             </a:pPr>
             <a:r>
-              <a:rPr lang="en-US" sz="3000" b="1" i="0" u="none" strike="noStrike" cap="none" dirty="0">
+              <a:rPr lang="en-US" sz="3000" i="0" u="none" strike="noStrike" cap="none" dirty="0">
                 <a:solidFill>
                   <a:schemeClr val="lt1"/>
                 </a:solidFill>
@@ -8988,7 +9029,7 @@
               <a:buNone/>
             </a:pPr>
             <a:r>
-              <a:rPr lang="en-US" sz="3000" b="1" i="0" u="none" strike="noStrike" cap="none" dirty="0">
+              <a:rPr lang="en-US" sz="3000" i="0" u="none" strike="noStrike" cap="none" dirty="0">
                 <a:solidFill>
                   <a:schemeClr val="lt1"/>
                 </a:solidFill>
@@ -9000,7 +9041,7 @@
               <a:t>&gt;&gt;&gt; </a:t>
             </a:r>
             <a:r>
-              <a:rPr lang="en-US" sz="3000" b="1" i="0" u="none" strike="noStrike" cap="none" dirty="0" err="1">
+              <a:rPr lang="en-US" sz="3000" i="0" u="none" strike="noStrike" cap="none" dirty="0" err="1">
                 <a:solidFill>
                   <a:srgbClr val="00FF00"/>
                 </a:solidFill>
@@ -9012,7 +9053,7 @@
               <a:t>zz</a:t>
             </a:r>
             <a:r>
-              <a:rPr lang="en-US" sz="3000" b="1" i="0" u="none" strike="noStrike" cap="none" dirty="0">
+              <a:rPr lang="en-US" sz="3000" i="0" u="none" strike="noStrike" cap="none" dirty="0">
                 <a:solidFill>
                   <a:schemeClr val="lt1"/>
                 </a:solidFill>
@@ -9024,7 +9065,7 @@
               <a:t> = </a:t>
             </a:r>
             <a:r>
-              <a:rPr lang="en-US" sz="3000" b="1" i="0" u="none" strike="noStrike" cap="none" dirty="0" err="1">
+              <a:rPr lang="en-US" sz="3000" i="0" u="none" strike="noStrike" cap="none" dirty="0" err="1">
                 <a:solidFill>
                   <a:srgbClr val="00FF00"/>
                 </a:solidFill>
@@ -9036,7 +9077,7 @@
               <a:t>yy</a:t>
             </a:r>
             <a:r>
-              <a:rPr lang="en-US" sz="3000" b="1" i="0" u="none" strike="noStrike" cap="none" dirty="0">
+              <a:rPr lang="en-US" sz="3000" i="0" u="none" strike="noStrike" cap="none" dirty="0">
                 <a:solidFill>
                   <a:schemeClr val="lt1"/>
                 </a:solidFill>
@@ -9048,7 +9089,7 @@
               <a:t> </a:t>
             </a:r>
             <a:r>
-              <a:rPr lang="en-US" sz="3000" b="1" i="0" u="none" strike="noStrike" cap="none" dirty="0">
+              <a:rPr lang="en-US" sz="3000" i="0" u="none" strike="noStrike" cap="none" dirty="0">
                 <a:solidFill>
                   <a:srgbClr val="00FFFF"/>
                 </a:solidFill>
@@ -9060,7 +9101,7 @@
               <a:t>/</a:t>
             </a:r>
             <a:r>
-              <a:rPr lang="en-US" sz="3000" b="1" i="0" u="none" strike="noStrike" cap="none" dirty="0">
+              <a:rPr lang="en-US" sz="3000" i="0" u="none" strike="noStrike" cap="none" dirty="0">
                 <a:solidFill>
                   <a:schemeClr val="lt1"/>
                 </a:solidFill>
@@ -9080,7 +9121,7 @@
               <a:buSzPct val="25000"/>
             </a:pPr>
             <a:r>
-              <a:rPr lang="en-US" sz="3000" b="1" i="0" u="none" strike="noStrike" cap="none" dirty="0">
+              <a:rPr lang="en-US" sz="3000" i="0" u="none" strike="noStrike" cap="none" dirty="0">
                 <a:solidFill>
                   <a:schemeClr val="lt1"/>
                 </a:solidFill>
@@ -9092,7 +9133,7 @@
               <a:t>&gt;&gt;&gt; </a:t>
             </a:r>
             <a:r>
-              <a:rPr lang="en-US" sz="3000" b="1" i="0" u="none" strike="noStrike" cap="none" dirty="0" smtClean="0">
+              <a:rPr lang="en-US" sz="3000" i="0" u="none" strike="noStrike" cap="none" dirty="0" smtClean="0">
                 <a:solidFill>
                   <a:srgbClr val="FFFF00"/>
                 </a:solidFill>
@@ -9104,7 +9145,7 @@
               <a:t>print(</a:t>
             </a:r>
             <a:r>
-              <a:rPr lang="en-US" sz="3000" b="1" i="0" u="none" strike="noStrike" cap="none" dirty="0" err="1" smtClean="0">
+              <a:rPr lang="en-US" sz="3000" i="0" u="none" strike="noStrike" cap="none" dirty="0" err="1" smtClean="0">
                 <a:solidFill>
                   <a:srgbClr val="00FA00"/>
                 </a:solidFill>
@@ -9116,7 +9157,7 @@
               <a:t>zz</a:t>
             </a:r>
             <a:r>
-              <a:rPr lang="en-US" sz="3000" b="1" dirty="0">
+              <a:rPr lang="en-US" sz="3000" dirty="0">
                 <a:solidFill>
                   <a:srgbClr val="FFFF00"/>
                 </a:solidFill>
@@ -9127,7 +9168,7 @@
               </a:rPr>
               <a:t>)</a:t>
             </a:r>
-            <a:endParaRPr lang="en-US" sz="3000" b="1" i="0" u="none" strike="noStrike" cap="none" dirty="0">
+            <a:endParaRPr lang="en-US" sz="3000" i="0" u="none" strike="noStrike" cap="none" dirty="0">
               <a:solidFill>
                 <a:schemeClr val="lt1"/>
               </a:solidFill>
@@ -9156,7 +9197,7 @@
               <a:buNone/>
             </a:pPr>
             <a:r>
-              <a:rPr lang="en-US" sz="3000" b="1" i="0" u="none" strike="noStrike" cap="none" smtClean="0">
+              <a:rPr lang="en-US" sz="3000" i="0" u="none" strike="noStrike" cap="none" dirty="0" smtClean="0">
                 <a:solidFill>
                   <a:schemeClr val="lt1"/>
                 </a:solidFill>
@@ -9167,7 +9208,7 @@
               </a:rPr>
               <a:t>5.28</a:t>
             </a:r>
-            <a:endParaRPr lang="en-US" sz="3000" b="1" i="0" u="none" strike="noStrike" cap="none" dirty="0">
+            <a:endParaRPr lang="en-US" sz="3000" i="0" u="none" strike="noStrike" cap="none" dirty="0">
               <a:solidFill>
                 <a:schemeClr val="lt1"/>
               </a:solidFill>
@@ -9222,7 +9263,7 @@
               <a:buNone/>
             </a:pPr>
             <a:r>
-              <a:rPr lang="en-US" sz="3000" b="1" i="0" u="none" strike="noStrike" cap="none" dirty="0">
+              <a:rPr lang="en-US" sz="3000" i="0" u="none" strike="noStrike" cap="none" dirty="0">
                 <a:solidFill>
                   <a:schemeClr val="lt1"/>
                 </a:solidFill>
@@ -9234,7 +9275,7 @@
               <a:t>&gt;&gt;&gt;</a:t>
             </a:r>
             <a:r>
-              <a:rPr lang="en-US" sz="3000" b="1" i="0" u="none" strike="noStrike" cap="none" dirty="0">
+              <a:rPr lang="en-US" sz="3000" i="0" u="none" strike="noStrike" cap="none" dirty="0">
                 <a:solidFill>
                   <a:srgbClr val="00FF00"/>
                 </a:solidFill>
@@ -9246,7 +9287,7 @@
               <a:t> </a:t>
             </a:r>
             <a:r>
-              <a:rPr lang="en-US" sz="3000" b="1" i="0" u="none" strike="noStrike" cap="none" dirty="0" err="1">
+              <a:rPr lang="en-US" sz="3000" i="0" u="none" strike="noStrike" cap="none" dirty="0" err="1">
                 <a:solidFill>
                   <a:srgbClr val="00FF00"/>
                 </a:solidFill>
@@ -9258,7 +9299,7 @@
               <a:t>jj</a:t>
             </a:r>
             <a:r>
-              <a:rPr lang="en-US" sz="3000" b="1" i="0" u="none" strike="noStrike" cap="none" dirty="0">
+              <a:rPr lang="en-US" sz="3000" i="0" u="none" strike="noStrike" cap="none" dirty="0">
                 <a:solidFill>
                   <a:schemeClr val="lt1"/>
                 </a:solidFill>
@@ -9289,7 +9330,7 @@
               <a:buNone/>
             </a:pPr>
             <a:r>
-              <a:rPr lang="en-US" sz="3000" b="1" i="0" u="none" strike="noStrike" cap="none" dirty="0">
+              <a:rPr lang="en-US" sz="3000" i="0" u="none" strike="noStrike" cap="none" dirty="0">
                 <a:solidFill>
                   <a:schemeClr val="lt1"/>
                 </a:solidFill>
@@ -9301,7 +9342,7 @@
               <a:t>&gt;&gt;&gt; </a:t>
             </a:r>
             <a:r>
-              <a:rPr lang="en-US" sz="3000" b="1" i="0" u="none" strike="noStrike" cap="none" dirty="0" err="1">
+              <a:rPr lang="en-US" sz="3000" i="0" u="none" strike="noStrike" cap="none" dirty="0" err="1">
                 <a:solidFill>
                   <a:srgbClr val="00FF00"/>
                 </a:solidFill>
@@ -9313,7 +9354,7 @@
               <a:t>kk</a:t>
             </a:r>
             <a:r>
-              <a:rPr lang="en-US" sz="3000" b="1" i="0" u="none" strike="noStrike" cap="none" dirty="0">
+              <a:rPr lang="en-US" sz="3000" i="0" u="none" strike="noStrike" cap="none" dirty="0">
                 <a:solidFill>
                   <a:schemeClr val="lt1"/>
                 </a:solidFill>
@@ -9325,7 +9366,7 @@
               <a:t> = </a:t>
             </a:r>
             <a:r>
-              <a:rPr lang="en-US" sz="3000" b="1" i="0" u="none" strike="noStrike" cap="none" dirty="0" err="1">
+              <a:rPr lang="en-US" sz="3000" i="0" u="none" strike="noStrike" cap="none" dirty="0" err="1">
                 <a:solidFill>
                   <a:srgbClr val="00FF00"/>
                 </a:solidFill>
@@ -9337,7 +9378,7 @@
               <a:t>jj</a:t>
             </a:r>
             <a:r>
-              <a:rPr lang="en-US" sz="3000" b="1" i="0" u="none" strike="noStrike" cap="none" dirty="0">
+              <a:rPr lang="en-US" sz="3000" i="0" u="none" strike="noStrike" cap="none" dirty="0">
                 <a:solidFill>
                   <a:schemeClr val="lt1"/>
                 </a:solidFill>
@@ -9349,7 +9390,7 @@
               <a:t> </a:t>
             </a:r>
             <a:r>
-              <a:rPr lang="en-US" sz="3000" b="1" i="0" u="none" strike="noStrike" cap="none" dirty="0">
+              <a:rPr lang="en-US" sz="3000" i="0" u="none" strike="noStrike" cap="none" dirty="0">
                 <a:solidFill>
                   <a:srgbClr val="00FFFF"/>
                 </a:solidFill>
@@ -9361,7 +9402,7 @@
               <a:t>% </a:t>
             </a:r>
             <a:r>
-              <a:rPr lang="en-US" sz="3000" b="1" i="0" u="none" strike="noStrike" cap="none" dirty="0">
+              <a:rPr lang="en-US" sz="3000" i="0" u="none" strike="noStrike" cap="none" dirty="0">
                 <a:solidFill>
                   <a:schemeClr val="lt1"/>
                 </a:solidFill>
@@ -9381,7 +9422,7 @@
               <a:buSzPct val="25000"/>
             </a:pPr>
             <a:r>
-              <a:rPr lang="en-US" sz="3000" b="1" i="0" u="none" strike="noStrike" cap="none" dirty="0">
+              <a:rPr lang="en-US" sz="3000" i="0" u="none" strike="noStrike" cap="none" dirty="0">
                 <a:solidFill>
                   <a:schemeClr val="lt1"/>
                 </a:solidFill>
@@ -9393,7 +9434,7 @@
               <a:t>&gt;&gt;&gt; </a:t>
             </a:r>
             <a:r>
-              <a:rPr lang="en-US" sz="3000" b="1" i="0" u="none" strike="noStrike" cap="none" dirty="0" smtClean="0">
+              <a:rPr lang="en-US" sz="3000" i="0" u="none" strike="noStrike" cap="none" dirty="0" smtClean="0">
                 <a:solidFill>
                   <a:srgbClr val="FFFF00"/>
                 </a:solidFill>
@@ -9405,7 +9446,7 @@
               <a:t>print(</a:t>
             </a:r>
             <a:r>
-              <a:rPr lang="en-US" sz="3000" b="1" i="0" u="none" strike="noStrike" cap="none" dirty="0" err="1" smtClean="0">
+              <a:rPr lang="en-US" sz="3000" i="0" u="none" strike="noStrike" cap="none" dirty="0" err="1" smtClean="0">
                 <a:solidFill>
                   <a:srgbClr val="00FF00"/>
                 </a:solidFill>
@@ -9417,7 +9458,7 @@
               <a:t>kk</a:t>
             </a:r>
             <a:r>
-              <a:rPr lang="en-US" sz="3000" b="1" dirty="0">
+              <a:rPr lang="en-US" sz="3000" dirty="0">
                 <a:solidFill>
                   <a:srgbClr val="FFFF00"/>
                 </a:solidFill>
@@ -9428,7 +9469,7 @@
               </a:rPr>
               <a:t>)</a:t>
             </a:r>
-            <a:endParaRPr lang="en-US" sz="3000" b="1" i="0" u="none" strike="noStrike" cap="none" dirty="0">
+            <a:endParaRPr lang="en-US" sz="3000" i="0" u="none" strike="noStrike" cap="none" dirty="0">
               <a:solidFill>
                 <a:srgbClr val="00FF00"/>
               </a:solidFill>
@@ -9457,7 +9498,7 @@
               <a:buNone/>
             </a:pPr>
             <a:r>
-              <a:rPr lang="en-US" sz="3000" b="1" i="0" u="none" strike="noStrike" cap="none" dirty="0">
+              <a:rPr lang="en-US" sz="3000" i="0" u="none" strike="noStrike" cap="none" dirty="0">
                 <a:solidFill>
                   <a:srgbClr val="FFC000"/>
                 </a:solidFill>
@@ -9477,7 +9518,7 @@
               <a:buSzPct val="25000"/>
             </a:pPr>
             <a:r>
-              <a:rPr lang="en-US" sz="3000" b="1" i="0" u="none" strike="noStrike" cap="none" dirty="0">
+              <a:rPr lang="en-US" sz="3000" i="0" u="none" strike="noStrike" cap="none" dirty="0">
                 <a:solidFill>
                   <a:schemeClr val="lt1"/>
                 </a:solidFill>
@@ -9489,7 +9530,7 @@
               <a:t>&gt;&gt;&gt; </a:t>
             </a:r>
             <a:r>
-              <a:rPr lang="en-US" sz="3000" b="1" i="0" u="none" strike="noStrike" cap="none" dirty="0" smtClean="0">
+              <a:rPr lang="en-US" sz="3000" i="0" u="none" strike="noStrike" cap="none" dirty="0" smtClean="0">
                 <a:solidFill>
                   <a:srgbClr val="FFFF00"/>
                 </a:solidFill>
@@ -9501,7 +9542,7 @@
               <a:t>print(</a:t>
             </a:r>
             <a:r>
-              <a:rPr lang="en-US" sz="3000" b="1" i="0" u="none" strike="noStrike" cap="none" dirty="0" smtClean="0">
+              <a:rPr lang="en-US" sz="3000" i="0" u="none" strike="noStrike" cap="none" dirty="0" smtClean="0">
                 <a:solidFill>
                   <a:schemeClr val="lt1"/>
                 </a:solidFill>
@@ -9513,7 +9554,7 @@
               <a:t>4 </a:t>
             </a:r>
             <a:r>
-              <a:rPr lang="en-US" sz="3000" b="1" i="0" u="none" strike="noStrike" cap="none" dirty="0">
+              <a:rPr lang="en-US" sz="3000" i="0" u="none" strike="noStrike" cap="none" dirty="0">
                 <a:solidFill>
                   <a:srgbClr val="00FFFF"/>
                 </a:solidFill>
@@ -9525,7 +9566,7 @@
               <a:t>**</a:t>
             </a:r>
             <a:r>
-              <a:rPr lang="en-US" sz="3000" b="1" i="0" u="none" strike="noStrike" cap="none" dirty="0">
+              <a:rPr lang="en-US" sz="3000" i="0" u="none" strike="noStrike" cap="none" dirty="0">
                 <a:solidFill>
                   <a:schemeClr val="lt1"/>
                 </a:solidFill>
@@ -9537,7 +9578,7 @@
               <a:t> </a:t>
             </a:r>
             <a:r>
-              <a:rPr lang="en-US" sz="3000" b="1" i="0" u="none" strike="noStrike" cap="none" dirty="0" smtClean="0">
+              <a:rPr lang="en-US" sz="3000" i="0" u="none" strike="noStrike" cap="none" dirty="0" smtClean="0">
                 <a:solidFill>
                   <a:schemeClr val="lt1"/>
                 </a:solidFill>
@@ -9549,7 +9590,7 @@
               <a:t>3</a:t>
             </a:r>
             <a:r>
-              <a:rPr lang="en-US" sz="3000" b="1" dirty="0">
+              <a:rPr lang="en-US" sz="3000" dirty="0">
                 <a:solidFill>
                   <a:srgbClr val="FFFF00"/>
                 </a:solidFill>
@@ -9560,7 +9601,7 @@
               </a:rPr>
               <a:t>)</a:t>
             </a:r>
-            <a:endParaRPr lang="en-US" sz="3000" b="1" i="0" u="none" strike="noStrike" cap="none" dirty="0">
+            <a:endParaRPr lang="en-US" sz="3000" i="0" u="none" strike="noStrike" cap="none" dirty="0">
               <a:solidFill>
                 <a:schemeClr val="lt1"/>
               </a:solidFill>
@@ -9589,7 +9630,7 @@
               <a:buNone/>
             </a:pPr>
             <a:r>
-              <a:rPr lang="en-US" sz="3000" b="1" i="0" u="none" strike="noStrike" cap="none" dirty="0">
+              <a:rPr lang="en-US" sz="3000" i="0" u="none" strike="noStrike" cap="none" dirty="0">
                 <a:solidFill>
                   <a:schemeClr val="lt1"/>
                 </a:solidFill>
@@ -11130,7 +11171,7 @@
   <p:timing>
     <p:tnLst>
       <p:par>
-        <p:cTn id="1" dur="indefinite" restart="never" nodeType="tmRoot"/>
+        <p:cTn xmlns:p14="http://schemas.microsoft.com/office/powerpoint/2010/main" id="1" dur="indefinite" restart="never" nodeType="tmRoot"/>
       </p:par>
     </p:tnLst>
   </p:timing>
@@ -11461,7 +11502,7 @@
               <a:buNone/>
             </a:pPr>
             <a:r>
-              <a:rPr lang="en-US" sz="4400" b="1" u="none" strike="noStrike" cap="none">
+              <a:rPr lang="en-US" sz="4400" u="none" strike="noStrike" cap="none" dirty="0">
                 <a:solidFill>
                   <a:srgbClr val="00FF00"/>
                 </a:solidFill>
@@ -11473,7 +11514,7 @@
               <a:t>x</a:t>
             </a:r>
             <a:r>
-              <a:rPr lang="en-US" sz="4400" b="1" u="none" strike="noStrike" cap="none">
+              <a:rPr lang="en-US" sz="4400" u="none" strike="noStrike" cap="none" dirty="0">
                 <a:solidFill>
                   <a:schemeClr val="lt1"/>
                 </a:solidFill>
@@ -11485,7 +11526,7 @@
               <a:t> = 1</a:t>
             </a:r>
             <a:r>
-              <a:rPr lang="en-US" sz="4400" b="1" u="none" strike="noStrike" cap="none">
+              <a:rPr lang="en-US" sz="4400" u="none" strike="noStrike" cap="none" dirty="0">
                 <a:solidFill>
                   <a:srgbClr val="00FFFF"/>
                 </a:solidFill>
@@ -11497,7 +11538,7 @@
               <a:t> +</a:t>
             </a:r>
             <a:r>
-              <a:rPr lang="en-US" sz="4400" b="1" u="none" strike="noStrike" cap="none">
+              <a:rPr lang="en-US" sz="4400" u="none" strike="noStrike" cap="none" dirty="0">
                 <a:solidFill>
                   <a:schemeClr val="lt1"/>
                 </a:solidFill>
@@ -11509,7 +11550,7 @@
               <a:t> 2 </a:t>
             </a:r>
             <a:r>
-              <a:rPr lang="en-US" sz="4400" b="1" u="none" strike="noStrike" cap="none">
+              <a:rPr lang="en-US" sz="4400" u="none" strike="noStrike" cap="none" dirty="0">
                 <a:solidFill>
                   <a:srgbClr val="00FFFF"/>
                 </a:solidFill>
@@ -11521,7 +11562,7 @@
               <a:t>* </a:t>
             </a:r>
             <a:r>
-              <a:rPr lang="en-US" sz="4400" b="1" u="none" strike="noStrike" cap="none">
+              <a:rPr lang="en-US" sz="4400" u="none" strike="noStrike" cap="none" dirty="0">
                 <a:solidFill>
                   <a:schemeClr val="lt1"/>
                 </a:solidFill>
@@ -11533,7 +11574,7 @@
               <a:t>3 </a:t>
             </a:r>
             <a:r>
-              <a:rPr lang="en-US" sz="4400" b="1" u="none" strike="noStrike" cap="none">
+              <a:rPr lang="en-US" sz="4400" u="none" strike="noStrike" cap="none" dirty="0">
                 <a:solidFill>
                   <a:srgbClr val="00FFFF"/>
                 </a:solidFill>
@@ -11545,7 +11586,7 @@
               <a:t>- </a:t>
             </a:r>
             <a:r>
-              <a:rPr lang="en-US" sz="4400" b="1" u="none" strike="noStrike" cap="none">
+              <a:rPr lang="en-US" sz="4400" u="none" strike="noStrike" cap="none" dirty="0">
                 <a:solidFill>
                   <a:schemeClr val="lt1"/>
                 </a:solidFill>
@@ -11557,7 +11598,7 @@
               <a:t>4</a:t>
             </a:r>
             <a:r>
-              <a:rPr lang="en-US" sz="4400" b="1" u="none" strike="noStrike" cap="none">
+              <a:rPr lang="en-US" sz="4400" u="none" strike="noStrike" cap="none" dirty="0">
                 <a:solidFill>
                   <a:srgbClr val="00FFFF"/>
                 </a:solidFill>
@@ -11569,7 +11610,7 @@
               <a:t> / </a:t>
             </a:r>
             <a:r>
-              <a:rPr lang="en-US" sz="4400" b="1" u="none" strike="noStrike" cap="none">
+              <a:rPr lang="en-US" sz="4400" u="none" strike="noStrike" cap="none" dirty="0">
                 <a:solidFill>
                   <a:schemeClr val="lt1"/>
                 </a:solidFill>
@@ -11581,7 +11622,7 @@
               <a:t>5 </a:t>
             </a:r>
             <a:r>
-              <a:rPr lang="en-US" sz="4400" b="1" u="none" strike="noStrike" cap="none">
+              <a:rPr lang="en-US" sz="4400" u="none" strike="noStrike" cap="none" dirty="0">
                 <a:solidFill>
                   <a:srgbClr val="00FFFF"/>
                 </a:solidFill>
@@ -11593,7 +11634,7 @@
               <a:t>** </a:t>
             </a:r>
             <a:r>
-              <a:rPr lang="en-US" sz="4400" b="1" u="none" strike="noStrike" cap="none">
+              <a:rPr lang="en-US" sz="4400" u="none" strike="noStrike" cap="none" dirty="0">
                 <a:solidFill>
                   <a:schemeClr val="lt1"/>
                 </a:solidFill>
@@ -11615,7 +11656,7 @@
   <p:timing>
     <p:tnLst>
       <p:par>
-        <p:cTn id="1" dur="indefinite" restart="never" nodeType="tmRoot"/>
+        <p:cTn xmlns:p14="http://schemas.microsoft.com/office/powerpoint/2010/main" id="1" dur="indefinite" restart="never" nodeType="tmRoot"/>
       </p:par>
     </p:tnLst>
   </p:timing>
@@ -11734,7 +11775,7 @@
               <a:buNone/>
             </a:pPr>
             <a:r>
-              <a:rPr lang="en-US" sz="3200" u="none" strike="noStrike" cap="none">
+              <a:rPr lang="en-US" sz="3200" u="none" strike="noStrike" cap="none" dirty="0">
                 <a:solidFill>
                   <a:schemeClr val="lt1"/>
                 </a:solidFill>
@@ -11764,7 +11805,7 @@
               <a:buFont typeface="Cabin"/>
             </a:pPr>
             <a:r>
-              <a:rPr lang="en-US" sz="3200" u="none" strike="noStrike" cap="none">
+              <a:rPr lang="en-US" sz="3200" u="none" strike="noStrike" cap="none" dirty="0" smtClean="0">
                 <a:solidFill>
                   <a:schemeClr val="lt1"/>
                 </a:solidFill>
@@ -11773,7 +11814,19 @@
                 <a:cs typeface="Arial" charset="0"/>
                 <a:sym typeface="Cabin"/>
               </a:rPr>
-              <a:t>Parenthesis are always respected</a:t>
+              <a:t>Parentheses </a:t>
+            </a:r>
+            <a:r>
+              <a:rPr lang="en-US" sz="3200" u="none" strike="noStrike" cap="none" dirty="0">
+                <a:solidFill>
+                  <a:schemeClr val="lt1"/>
+                </a:solidFill>
+                <a:latin typeface="Arial" charset="0"/>
+                <a:ea typeface="Arial" charset="0"/>
+                <a:cs typeface="Arial" charset="0"/>
+                <a:sym typeface="Cabin"/>
+              </a:rPr>
+              <a:t>are always respected</a:t>
             </a:r>
           </a:p>
           <a:p>
@@ -11794,7 +11847,7 @@
               <a:buFont typeface="Cabin"/>
             </a:pPr>
             <a:r>
-              <a:rPr lang="en-US" sz="3200" u="none" strike="noStrike" cap="none">
+              <a:rPr lang="en-US" sz="3200" u="none" strike="noStrike" cap="none" dirty="0">
                 <a:solidFill>
                   <a:schemeClr val="lt1"/>
                 </a:solidFill>
@@ -11824,7 +11877,7 @@
               <a:buFont typeface="Cabin"/>
             </a:pPr>
             <a:r>
-              <a:rPr lang="en-US" sz="3200" u="none" strike="noStrike" cap="none">
+              <a:rPr lang="en-US" sz="3200" u="none" strike="noStrike" cap="none" dirty="0">
                 <a:solidFill>
                   <a:schemeClr val="lt1"/>
                 </a:solidFill>
@@ -11854,7 +11907,7 @@
               <a:buFont typeface="Cabin"/>
             </a:pPr>
             <a:r>
-              <a:rPr lang="en-US" sz="3200" u="none" strike="noStrike" cap="none">
+              <a:rPr lang="en-US" sz="3200" u="none" strike="noStrike" cap="none" dirty="0">
                 <a:solidFill>
                   <a:schemeClr val="lt1"/>
                 </a:solidFill>
@@ -11884,7 +11937,7 @@
               <a:buFont typeface="Cabin"/>
             </a:pPr>
             <a:r>
-              <a:rPr lang="en-US" sz="3200" u="none" strike="noStrike" cap="none">
+              <a:rPr lang="en-US" sz="3200" u="none" strike="noStrike" cap="none" dirty="0">
                 <a:solidFill>
                   <a:schemeClr val="lt1"/>
                 </a:solidFill>
@@ -11906,10 +11959,10 @@
         </p:nvGrpSpPr>
         <p:grpSpPr>
           <a:xfrm>
-            <a:off x="12079286" y="3625850"/>
-            <a:ext cx="3363914" cy="2324099"/>
-            <a:chOff x="0" y="0"/>
-            <a:chExt cx="2541586" cy="2324099"/>
+            <a:off x="12079286" y="3276578"/>
+            <a:ext cx="3338701" cy="3020428"/>
+            <a:chOff x="0" y="-349272"/>
+            <a:chExt cx="2522536" cy="3020428"/>
           </a:xfrm>
         </p:grpSpPr>
         <p:sp>
@@ -11920,8 +11973,8 @@
           </p:nvSpPr>
           <p:spPr>
             <a:xfrm>
-              <a:off x="0" y="0"/>
-              <a:ext cx="2262187" cy="2324099"/>
+              <a:off x="0" y="-349272"/>
+              <a:ext cx="2262187" cy="3020428"/>
             </a:xfrm>
             <a:prstGeom prst="rect">
               <a:avLst/>
@@ -11955,7 +12008,7 @@
                 <a:buNone/>
               </a:pPr>
               <a:r>
-                <a:rPr lang="en-US" sz="3100" u="none" strike="noStrike" cap="none" dirty="0">
+                <a:rPr lang="en-US" sz="3600" u="none" strike="noStrike" cap="none" dirty="0">
                   <a:solidFill>
                     <a:srgbClr val="FF00FF"/>
                   </a:solidFill>
@@ -11986,7 +12039,7 @@
                 <a:buNone/>
               </a:pPr>
               <a:r>
-                <a:rPr lang="en-US" sz="3100" u="none" strike="noStrike" cap="none" dirty="0">
+                <a:rPr lang="en-US" sz="3600" u="none" strike="noStrike" cap="none" dirty="0">
                   <a:solidFill>
                     <a:srgbClr val="00FFFF"/>
                   </a:solidFill>
@@ -12017,7 +12070,7 @@
                 <a:buNone/>
               </a:pPr>
               <a:r>
-                <a:rPr lang="en-US" sz="3100" u="none" strike="noStrike" cap="none" dirty="0">
+                <a:rPr lang="en-US" sz="3600" u="none" strike="noStrike" cap="none" dirty="0">
                   <a:solidFill>
                     <a:srgbClr val="00FF00"/>
                   </a:solidFill>
@@ -12048,7 +12101,7 @@
                 <a:buNone/>
               </a:pPr>
               <a:r>
-                <a:rPr lang="en-US" sz="3100" u="none" strike="noStrike" cap="none" dirty="0">
+                <a:rPr lang="en-US" sz="3600" u="none" strike="noStrike" cap="none" dirty="0">
                   <a:solidFill>
                     <a:srgbClr val="FF9900"/>
                   </a:solidFill>
@@ -12079,7 +12132,7 @@
                 <a:buNone/>
               </a:pPr>
               <a:r>
-                <a:rPr lang="en-US" sz="3100" u="none" strike="noStrike" cap="none" dirty="0">
+                <a:rPr lang="en-US" sz="3600" u="none" strike="noStrike" cap="none" dirty="0">
                   <a:solidFill>
                     <a:srgbClr val="FFFF00"/>
                   </a:solidFill>
@@ -12100,9 +12153,9 @@
             <p:nvPr/>
           </p:nvCxnSpPr>
           <p:spPr>
-            <a:xfrm rot="10800000">
+            <a:xfrm flipV="1">
               <a:off x="2522536" y="134936"/>
-              <a:ext cx="19049" cy="2051050"/>
+              <a:ext cx="0" cy="2051050"/>
             </a:xfrm>
             <a:prstGeom prst="straightConnector1">
               <a:avLst/>
@@ -12128,7 +12181,7 @@
   <p:timing>
     <p:tnLst>
       <p:par>
-        <p:cTn id="1" dur="indefinite" restart="never" nodeType="tmRoot"/>
+        <p:cTn xmlns:p14="http://schemas.microsoft.com/office/powerpoint/2010/main" id="1" dur="indefinite" restart="never" nodeType="tmRoot"/>
       </p:par>
     </p:tnLst>
   </p:timing>
@@ -12152,234 +12205,6 @@
           <a:chExt cx="0" cy="0"/>
         </a:xfrm>
       </p:grpSpPr>
-      <p:grpSp>
-        <p:nvGrpSpPr>
-          <p:cNvPr id="393" name="Shape 393"/>
-          <p:cNvGrpSpPr/>
-          <p:nvPr/>
-        </p:nvGrpSpPr>
-        <p:grpSpPr>
-          <a:xfrm>
-            <a:off x="2922586" y="5435600"/>
-            <a:ext cx="3516314" cy="2324099"/>
-            <a:chOff x="0" y="0"/>
-            <a:chExt cx="2541586" cy="2324099"/>
-          </a:xfrm>
-        </p:grpSpPr>
-        <p:sp>
-          <p:nvSpPr>
-            <p:cNvPr id="394" name="Shape 394"/>
-            <p:cNvSpPr txBox="1"/>
-            <p:nvPr/>
-          </p:nvSpPr>
-          <p:spPr>
-            <a:xfrm>
-              <a:off x="0" y="0"/>
-              <a:ext cx="2262187" cy="2324099"/>
-            </a:xfrm>
-            <a:prstGeom prst="rect">
-              <a:avLst/>
-            </a:prstGeom>
-            <a:noFill/>
-            <a:ln w="9525" cap="flat" cmpd="sng">
-              <a:solidFill>
-                <a:srgbClr val="00FFFF"/>
-              </a:solidFill>
-              <a:prstDash val="solid"/>
-              <a:round/>
-              <a:headEnd type="none" w="med" len="med"/>
-              <a:tailEnd type="none" w="med" len="med"/>
-            </a:ln>
-          </p:spPr>
-          <p:txBody>
-            <a:bodyPr lIns="0" tIns="0" rIns="0" bIns="0" anchor="ctr" anchorCtr="0">
-              <a:noAutofit/>
-            </a:bodyPr>
-            <a:lstStyle/>
-            <a:p>
-              <a:pPr marL="0" marR="0" lvl="0" indent="0" algn="ctr" rtl="0">
-                <a:lnSpc>
-                  <a:spcPct val="100000"/>
-                </a:lnSpc>
-                <a:spcBef>
-                  <a:spcPts val="0"/>
-                </a:spcBef>
-                <a:spcAft>
-                  <a:spcPts val="0"/>
-                </a:spcAft>
-                <a:buClr>
-                  <a:srgbClr val="FF00FF"/>
-                </a:buClr>
-                <a:buSzPct val="25000"/>
-                <a:buFont typeface="Cabin"/>
-                <a:buNone/>
-              </a:pPr>
-              <a:r>
-                <a:rPr lang="en-US" sz="3100" u="none" strike="noStrike" cap="none">
-                  <a:solidFill>
-                    <a:srgbClr val="FF00FF"/>
-                  </a:solidFill>
-                  <a:latin typeface="Arial" charset="0"/>
-                  <a:ea typeface="Arial" charset="0"/>
-                  <a:cs typeface="Arial" charset="0"/>
-                  <a:sym typeface="Cabin"/>
-                </a:rPr>
-                <a:t>Parenthesis</a:t>
-              </a:r>
-            </a:p>
-            <a:p>
-              <a:pPr marL="0" marR="0" lvl="0" indent="0" algn="ctr" rtl="0">
-                <a:lnSpc>
-                  <a:spcPct val="100000"/>
-                </a:lnSpc>
-                <a:spcBef>
-                  <a:spcPts val="0"/>
-                </a:spcBef>
-                <a:spcAft>
-                  <a:spcPts val="0"/>
-                </a:spcAft>
-                <a:buClr>
-                  <a:srgbClr val="FF0000"/>
-                </a:buClr>
-                <a:buSzPct val="25000"/>
-                <a:buFont typeface="Cabin"/>
-                <a:buNone/>
-              </a:pPr>
-              <a:r>
-                <a:rPr lang="en-US" sz="3100" u="none" strike="noStrike" cap="none" dirty="0">
-                  <a:solidFill>
-                    <a:srgbClr val="00FFFF"/>
-                  </a:solidFill>
-                  <a:latin typeface="Arial" charset="0"/>
-                  <a:ea typeface="Arial" charset="0"/>
-                  <a:cs typeface="Arial" charset="0"/>
-                  <a:sym typeface="Cabin"/>
-                </a:rPr>
-                <a:t>Power</a:t>
-              </a:r>
-            </a:p>
-            <a:p>
-              <a:pPr marL="0" marR="0" lvl="0" indent="0" algn="ctr" rtl="0">
-                <a:lnSpc>
-                  <a:spcPct val="100000"/>
-                </a:lnSpc>
-                <a:spcBef>
-                  <a:spcPts val="0"/>
-                </a:spcBef>
-                <a:spcAft>
-                  <a:spcPts val="0"/>
-                </a:spcAft>
-                <a:buClr>
-                  <a:srgbClr val="00FF00"/>
-                </a:buClr>
-                <a:buSzPct val="25000"/>
-                <a:buFont typeface="Cabin"/>
-                <a:buNone/>
-              </a:pPr>
-              <a:r>
-                <a:rPr lang="en-US" sz="3100" u="none" strike="noStrike" cap="none" dirty="0">
-                  <a:solidFill>
-                    <a:srgbClr val="00FF00"/>
-                  </a:solidFill>
-                  <a:latin typeface="Arial" charset="0"/>
-                  <a:ea typeface="Arial" charset="0"/>
-                  <a:cs typeface="Arial" charset="0"/>
-                  <a:sym typeface="Cabin"/>
-                </a:rPr>
-                <a:t>Multiplication</a:t>
-              </a:r>
-            </a:p>
-            <a:p>
-              <a:pPr marL="0" marR="0" lvl="0" indent="0" algn="ctr" rtl="0">
-                <a:lnSpc>
-                  <a:spcPct val="100000"/>
-                </a:lnSpc>
-                <a:spcBef>
-                  <a:spcPts val="0"/>
-                </a:spcBef>
-                <a:spcAft>
-                  <a:spcPts val="0"/>
-                </a:spcAft>
-                <a:buClr>
-                  <a:srgbClr val="FF7F00"/>
-                </a:buClr>
-                <a:buSzPct val="25000"/>
-                <a:buFont typeface="Cabin"/>
-                <a:buNone/>
-              </a:pPr>
-              <a:r>
-                <a:rPr lang="en-US" sz="3100" u="none" strike="noStrike" cap="none" dirty="0">
-                  <a:solidFill>
-                    <a:srgbClr val="FF9900"/>
-                  </a:solidFill>
-                  <a:latin typeface="Arial" charset="0"/>
-                  <a:ea typeface="Arial" charset="0"/>
-                  <a:cs typeface="Arial" charset="0"/>
-                  <a:sym typeface="Cabin"/>
-                </a:rPr>
-                <a:t>Addition</a:t>
-              </a:r>
-            </a:p>
-            <a:p>
-              <a:pPr marL="0" marR="0" lvl="0" indent="0" algn="ctr" rtl="0">
-                <a:lnSpc>
-                  <a:spcPct val="100000"/>
-                </a:lnSpc>
-                <a:spcBef>
-                  <a:spcPts val="0"/>
-                </a:spcBef>
-                <a:spcAft>
-                  <a:spcPts val="0"/>
-                </a:spcAft>
-                <a:buClr>
-                  <a:srgbClr val="FFFF00"/>
-                </a:buClr>
-                <a:buSzPct val="25000"/>
-                <a:buFont typeface="Cabin"/>
-                <a:buNone/>
-              </a:pPr>
-              <a:r>
-                <a:rPr lang="en-US" sz="3100" u="none" strike="noStrike" cap="none" dirty="0">
-                  <a:solidFill>
-                    <a:srgbClr val="FFFF00"/>
-                  </a:solidFill>
-                  <a:latin typeface="Arial" charset="0"/>
-                  <a:ea typeface="Arial" charset="0"/>
-                  <a:cs typeface="Arial" charset="0"/>
-                  <a:sym typeface="Cabin"/>
-                </a:rPr>
-                <a:t>Left to Right</a:t>
-              </a:r>
-            </a:p>
-          </p:txBody>
-        </p:sp>
-        <p:cxnSp>
-          <p:nvCxnSpPr>
-            <p:cNvPr id="395" name="Shape 395"/>
-            <p:cNvCxnSpPr/>
-            <p:nvPr/>
-          </p:nvCxnSpPr>
-          <p:spPr>
-            <a:xfrm rot="10800000">
-              <a:off x="2522536" y="134936"/>
-              <a:ext cx="19049" cy="2051050"/>
-            </a:xfrm>
-            <a:prstGeom prst="straightConnector1">
-              <a:avLst/>
-            </a:prstGeom>
-            <a:noFill/>
-            <a:ln w="88900" cap="rnd" cmpd="sng">
-              <a:solidFill>
-                <a:schemeClr val="lt1"/>
-              </a:solidFill>
-              <a:prstDash val="solid"/>
-              <a:miter/>
-              <a:headEnd type="stealth" w="med" len="med"/>
-              <a:tailEnd type="none" w="med" len="med"/>
-            </a:ln>
-          </p:spPr>
-        </p:cxnSp>
-      </p:grpSp>
       <p:sp>
         <p:nvSpPr>
           <p:cNvPr id="396" name="Shape 396"/>
@@ -12423,7 +12248,7 @@
               <a:buNone/>
             </a:pPr>
             <a:r>
-              <a:rPr lang="en-US" sz="3200" b="1" u="none" strike="noStrike" cap="none">
+              <a:rPr lang="en-US" sz="3200" u="none" strike="noStrike" cap="none" dirty="0">
                 <a:solidFill>
                   <a:schemeClr val="lt1"/>
                 </a:solidFill>
@@ -12435,7 +12260,7 @@
               <a:t>1 + </a:t>
             </a:r>
             <a:r>
-              <a:rPr lang="en-US" sz="3200" b="1" u="none" strike="noStrike" cap="none">
+              <a:rPr lang="en-US" sz="3200" u="none" strike="noStrike" cap="none" dirty="0">
                 <a:solidFill>
                   <a:srgbClr val="00FFFF"/>
                 </a:solidFill>
@@ -12447,7 +12272,7 @@
               <a:t>2 ** 3</a:t>
             </a:r>
             <a:r>
-              <a:rPr lang="en-US" sz="3200" b="1" u="none" strike="noStrike" cap="none">
+              <a:rPr lang="en-US" sz="3200" u="none" strike="noStrike" cap="none" dirty="0">
                 <a:solidFill>
                   <a:schemeClr val="lt1"/>
                 </a:solidFill>
@@ -12504,7 +12329,7 @@
               <a:buNone/>
             </a:pPr>
             <a:r>
-              <a:rPr lang="en-US" sz="3200" b="1" u="none" strike="noStrike" cap="none">
+              <a:rPr lang="en-US" sz="3200" u="none" strike="noStrike" cap="none" dirty="0">
                 <a:solidFill>
                   <a:schemeClr val="lt1"/>
                 </a:solidFill>
@@ -12516,7 +12341,7 @@
               <a:t>1 + </a:t>
             </a:r>
             <a:r>
-              <a:rPr lang="en-US" sz="3200" b="1" u="none" strike="noStrike" cap="none">
+              <a:rPr lang="en-US" sz="3200" u="none" strike="noStrike" cap="none" dirty="0">
                 <a:solidFill>
                   <a:srgbClr val="00FF00"/>
                 </a:solidFill>
@@ -12528,7 +12353,7 @@
               <a:t>8 / 4</a:t>
             </a:r>
             <a:r>
-              <a:rPr lang="en-US" sz="3200" b="1" u="none" strike="noStrike" cap="none">
+              <a:rPr lang="en-US" sz="3200" u="none" strike="noStrike" cap="none" dirty="0">
                 <a:solidFill>
                   <a:schemeClr val="lt1"/>
                 </a:solidFill>
@@ -12611,7 +12436,7 @@
               <a:buNone/>
             </a:pPr>
             <a:r>
-              <a:rPr lang="en-US" sz="3200" b="1" u="none" strike="noStrike" cap="none">
+              <a:rPr lang="en-US" sz="3200" u="none" strike="noStrike" cap="none" dirty="0">
                 <a:solidFill>
                   <a:schemeClr val="lt1"/>
                 </a:solidFill>
@@ -12623,7 +12448,7 @@
               <a:t>1 + </a:t>
             </a:r>
             <a:r>
-              <a:rPr lang="en-US" sz="3200" b="1" u="none" strike="noStrike" cap="none">
+              <a:rPr lang="en-US" sz="3200" u="none" strike="noStrike" cap="none" dirty="0">
                 <a:solidFill>
                   <a:srgbClr val="00FF00"/>
                 </a:solidFill>
@@ -12706,7 +12531,7 @@
               <a:buNone/>
             </a:pPr>
             <a:r>
-              <a:rPr lang="en-US" sz="3200" b="1" u="none" strike="noStrike" cap="none">
+              <a:rPr lang="en-US" sz="3200" u="none" strike="noStrike" cap="none" dirty="0">
                 <a:solidFill>
                   <a:srgbClr val="FF9900"/>
                 </a:solidFill>
@@ -12791,7 +12616,7 @@
               <a:buNone/>
             </a:pPr>
             <a:r>
-              <a:rPr lang="en-US" sz="3200" b="1" u="none" strike="noStrike" cap="none">
+              <a:rPr lang="en-US" sz="3200" u="none" strike="noStrike" cap="none" dirty="0">
                 <a:solidFill>
                   <a:srgbClr val="FF9900"/>
                 </a:solidFill>
@@ -12874,7 +12699,7 @@
               <a:buNone/>
             </a:pPr>
             <a:r>
-              <a:rPr lang="en-US" sz="3600" b="1" i="0" u="none" strike="noStrike" cap="none" dirty="0">
+              <a:rPr lang="en-US" sz="3600" i="0" u="none" strike="noStrike" cap="none" dirty="0">
                 <a:solidFill>
                   <a:schemeClr val="lt1"/>
                 </a:solidFill>
@@ -12886,7 +12711,7 @@
               <a:t>&gt;&gt;&gt; </a:t>
             </a:r>
             <a:r>
-              <a:rPr lang="en-US" sz="3600" b="1" i="0" u="none" strike="noStrike" cap="none" dirty="0">
+              <a:rPr lang="en-US" sz="3600" i="0" u="none" strike="noStrike" cap="none" dirty="0">
                 <a:solidFill>
                   <a:srgbClr val="FFFF00"/>
                 </a:solidFill>
@@ -12917,7 +12742,7 @@
               <a:buNone/>
             </a:pPr>
             <a:r>
-              <a:rPr lang="en-US" sz="3600" b="1" i="0" u="none" strike="noStrike" cap="none" dirty="0">
+              <a:rPr lang="en-US" sz="3600" i="0" u="none" strike="noStrike" cap="none" dirty="0">
                 <a:solidFill>
                   <a:schemeClr val="lt1"/>
                 </a:solidFill>
@@ -12929,7 +12754,7 @@
               <a:t>&gt;&gt;&gt; </a:t>
             </a:r>
             <a:r>
-              <a:rPr lang="en-US" sz="3600" b="1" i="0" u="none" strike="noStrike" cap="none" dirty="0" smtClean="0">
+              <a:rPr lang="en-US" sz="3600" i="0" u="none" strike="noStrike" cap="none" dirty="0" smtClean="0">
                 <a:solidFill>
                   <a:srgbClr val="FFFF00"/>
                 </a:solidFill>
@@ -12940,7 +12765,7 @@
               </a:rPr>
               <a:t>print(x)</a:t>
             </a:r>
-            <a:endParaRPr lang="en-US" sz="3600" b="1" i="0" u="none" strike="noStrike" cap="none" dirty="0">
+            <a:endParaRPr lang="en-US" sz="3600" i="0" u="none" strike="noStrike" cap="none" dirty="0">
               <a:solidFill>
                 <a:srgbClr val="FFFF00"/>
               </a:solidFill>
@@ -12969,7 +12794,7 @@
               <a:buNone/>
             </a:pPr>
             <a:r>
-              <a:rPr lang="en-US" sz="3600" b="1" i="0" u="none" strike="noStrike" cap="none" dirty="0" smtClean="0">
+              <a:rPr lang="en-US" sz="3600" i="0" u="none" strike="noStrike" cap="none" dirty="0" smtClean="0">
                 <a:solidFill>
                   <a:schemeClr val="lt1"/>
                 </a:solidFill>
@@ -12980,7 +12805,7 @@
               </a:rPr>
               <a:t>11.0</a:t>
             </a:r>
-            <a:endParaRPr lang="en-US" sz="3600" b="1" i="0" u="none" strike="noStrike" cap="none" dirty="0">
+            <a:endParaRPr lang="en-US" sz="3600" i="0" u="none" strike="noStrike" cap="none" dirty="0">
               <a:solidFill>
                 <a:schemeClr val="lt1"/>
               </a:solidFill>
@@ -13009,7 +12834,7 @@
               <a:buNone/>
             </a:pPr>
             <a:r>
-              <a:rPr lang="en-US" sz="3600" b="1" i="0" u="none" strike="noStrike" cap="none" dirty="0">
+              <a:rPr lang="en-US" sz="3600" i="0" u="none" strike="noStrike" cap="none" dirty="0">
                 <a:solidFill>
                   <a:schemeClr val="lt1"/>
                 </a:solidFill>
@@ -13023,6 +12848,228 @@
           </a:p>
         </p:txBody>
       </p:sp>
+      <p:grpSp>
+        <p:nvGrpSpPr>
+          <p:cNvPr id="18" name="Shape 386"/>
+          <p:cNvGrpSpPr/>
+          <p:nvPr/>
+        </p:nvGrpSpPr>
+        <p:grpSpPr>
+          <a:xfrm>
+            <a:off x="3242938" y="4450596"/>
+            <a:ext cx="3338701" cy="3020428"/>
+            <a:chOff x="0" y="-349272"/>
+            <a:chExt cx="2522536" cy="3020428"/>
+          </a:xfrm>
+        </p:grpSpPr>
+        <p:sp>
+          <p:nvSpPr>
+            <p:cNvPr id="19" name="Shape 387"/>
+            <p:cNvSpPr txBox="1"/>
+            <p:nvPr/>
+          </p:nvSpPr>
+          <p:spPr>
+            <a:xfrm>
+              <a:off x="0" y="-349272"/>
+              <a:ext cx="2262187" cy="3020428"/>
+            </a:xfrm>
+            <a:prstGeom prst="rect">
+              <a:avLst/>
+            </a:prstGeom>
+            <a:noFill/>
+            <a:ln>
+              <a:noFill/>
+            </a:ln>
+          </p:spPr>
+          <p:txBody>
+            <a:bodyPr lIns="0" tIns="0" rIns="0" bIns="0" anchor="ctr" anchorCtr="0">
+              <a:noAutofit/>
+            </a:bodyPr>
+            <a:lstStyle/>
+            <a:p>
+              <a:pPr marL="0" marR="0" lvl="0" indent="0" algn="ctr" rtl="0">
+                <a:lnSpc>
+                  <a:spcPct val="100000"/>
+                </a:lnSpc>
+                <a:spcBef>
+                  <a:spcPts val="0"/>
+                </a:spcBef>
+                <a:spcAft>
+                  <a:spcPts val="0"/>
+                </a:spcAft>
+                <a:buClr>
+                  <a:srgbClr val="FF00FF"/>
+                </a:buClr>
+                <a:buSzPct val="25000"/>
+                <a:buFont typeface="Cabin"/>
+                <a:buNone/>
+              </a:pPr>
+              <a:r>
+                <a:rPr lang="en-US" sz="3600" u="none" strike="noStrike" cap="none" dirty="0">
+                  <a:solidFill>
+                    <a:srgbClr val="FF00FF"/>
+                  </a:solidFill>
+                  <a:latin typeface="Arial" charset="0"/>
+                  <a:ea typeface="Arial" charset="0"/>
+                  <a:cs typeface="Arial" charset="0"/>
+                  <a:sym typeface="Cabin"/>
+                </a:rPr>
+                <a:t>Parenthesis</a:t>
+              </a:r>
+            </a:p>
+            <a:p>
+              <a:pPr marL="0" marR="0" lvl="0" indent="0" algn="ctr" rtl="0">
+                <a:lnSpc>
+                  <a:spcPct val="100000"/>
+                </a:lnSpc>
+                <a:spcBef>
+                  <a:spcPts val="0"/>
+                </a:spcBef>
+                <a:spcAft>
+                  <a:spcPts val="0"/>
+                </a:spcAft>
+                <a:buClr>
+                  <a:srgbClr val="FF0000"/>
+                </a:buClr>
+                <a:buSzPct val="25000"/>
+                <a:buFont typeface="Cabin"/>
+                <a:buNone/>
+              </a:pPr>
+              <a:r>
+                <a:rPr lang="en-US" sz="3600" u="none" strike="noStrike" cap="none" dirty="0">
+                  <a:solidFill>
+                    <a:srgbClr val="00FFFF"/>
+                  </a:solidFill>
+                  <a:latin typeface="Arial" charset="0"/>
+                  <a:ea typeface="Arial" charset="0"/>
+                  <a:cs typeface="Arial" charset="0"/>
+                  <a:sym typeface="Cabin"/>
+                </a:rPr>
+                <a:t>Power</a:t>
+              </a:r>
+            </a:p>
+            <a:p>
+              <a:pPr marL="0" marR="0" lvl="0" indent="0" algn="ctr" rtl="0">
+                <a:lnSpc>
+                  <a:spcPct val="100000"/>
+                </a:lnSpc>
+                <a:spcBef>
+                  <a:spcPts val="0"/>
+                </a:spcBef>
+                <a:spcAft>
+                  <a:spcPts val="0"/>
+                </a:spcAft>
+                <a:buClr>
+                  <a:srgbClr val="00FF00"/>
+                </a:buClr>
+                <a:buSzPct val="25000"/>
+                <a:buFont typeface="Cabin"/>
+                <a:buNone/>
+              </a:pPr>
+              <a:r>
+                <a:rPr lang="en-US" sz="3600" u="none" strike="noStrike" cap="none" dirty="0">
+                  <a:solidFill>
+                    <a:srgbClr val="00FF00"/>
+                  </a:solidFill>
+                  <a:latin typeface="Arial" charset="0"/>
+                  <a:ea typeface="Arial" charset="0"/>
+                  <a:cs typeface="Arial" charset="0"/>
+                  <a:sym typeface="Cabin"/>
+                </a:rPr>
+                <a:t>Multiplication</a:t>
+              </a:r>
+            </a:p>
+            <a:p>
+              <a:pPr marL="0" marR="0" lvl="0" indent="0" algn="ctr" rtl="0">
+                <a:lnSpc>
+                  <a:spcPct val="100000"/>
+                </a:lnSpc>
+                <a:spcBef>
+                  <a:spcPts val="0"/>
+                </a:spcBef>
+                <a:spcAft>
+                  <a:spcPts val="0"/>
+                </a:spcAft>
+                <a:buClr>
+                  <a:srgbClr val="FF7F00"/>
+                </a:buClr>
+                <a:buSzPct val="25000"/>
+                <a:buFont typeface="Cabin"/>
+                <a:buNone/>
+              </a:pPr>
+              <a:r>
+                <a:rPr lang="en-US" sz="3600" u="none" strike="noStrike" cap="none" dirty="0">
+                  <a:solidFill>
+                    <a:srgbClr val="FF9900"/>
+                  </a:solidFill>
+                  <a:latin typeface="Arial" charset="0"/>
+                  <a:ea typeface="Arial" charset="0"/>
+                  <a:cs typeface="Arial" charset="0"/>
+                  <a:sym typeface="Cabin"/>
+                </a:rPr>
+                <a:t>Addition</a:t>
+              </a:r>
+            </a:p>
+            <a:p>
+              <a:pPr marL="0" marR="0" lvl="0" indent="0" algn="ctr" rtl="0">
+                <a:lnSpc>
+                  <a:spcPct val="100000"/>
+                </a:lnSpc>
+                <a:spcBef>
+                  <a:spcPts val="0"/>
+                </a:spcBef>
+                <a:spcAft>
+                  <a:spcPts val="0"/>
+                </a:spcAft>
+                <a:buClr>
+                  <a:srgbClr val="FFFF00"/>
+                </a:buClr>
+                <a:buSzPct val="25000"/>
+                <a:buFont typeface="Cabin"/>
+                <a:buNone/>
+              </a:pPr>
+              <a:r>
+                <a:rPr lang="en-US" sz="3600" u="none" strike="noStrike" cap="none" dirty="0">
+                  <a:solidFill>
+                    <a:srgbClr val="FFFF00"/>
+                  </a:solidFill>
+                  <a:latin typeface="Arial" charset="0"/>
+                  <a:ea typeface="Arial" charset="0"/>
+                  <a:cs typeface="Arial" charset="0"/>
+                  <a:sym typeface="Cabin"/>
+                </a:rPr>
+                <a:t>Left to Right</a:t>
+              </a:r>
+            </a:p>
+          </p:txBody>
+        </p:sp>
+        <p:cxnSp>
+          <p:nvCxnSpPr>
+            <p:cNvPr id="20" name="Shape 388"/>
+            <p:cNvCxnSpPr/>
+            <p:nvPr/>
+          </p:nvCxnSpPr>
+          <p:spPr>
+            <a:xfrm flipV="1">
+              <a:off x="2522536" y="134936"/>
+              <a:ext cx="0" cy="2051050"/>
+            </a:xfrm>
+            <a:prstGeom prst="straightConnector1">
+              <a:avLst/>
+            </a:prstGeom>
+            <a:noFill/>
+            <a:ln w="88900" cap="rnd" cmpd="sng">
+              <a:solidFill>
+                <a:schemeClr val="lt1"/>
+              </a:solidFill>
+              <a:prstDash val="solid"/>
+              <a:miter/>
+              <a:headEnd type="stealth" w="med" len="med"/>
+              <a:tailEnd type="none" w="med" len="med"/>
+            </a:ln>
+          </p:spPr>
+        </p:cxnSp>
+      </p:grpSp>
     </p:spTree>
   </p:cSld>
   <p:clrMapOvr>
@@ -13031,7 +13078,7 @@
   <p:timing>
     <p:tnLst>
       <p:par>
-        <p:cTn id="1" dur="indefinite" restart="never" nodeType="tmRoot"/>
+        <p:cTn xmlns:p14="http://schemas.microsoft.com/office/powerpoint/2010/main" id="1" dur="indefinite" restart="never" nodeType="tmRoot"/>
       </p:par>
     </p:tnLst>
   </p:timing>
@@ -13203,8 +13250,29 @@
                 <a:cs typeface="Arial" charset="0"/>
                 <a:sym typeface="Cabin"/>
               </a:rPr>
-              <a:t>When writing code - use parenthesis</a:t>
-            </a:r>
+              <a:t>When writing code - use </a:t>
+            </a:r>
+            <a:r>
+              <a:rPr lang="en-US" sz="3600" u="none" strike="noStrike" cap="none" dirty="0" smtClean="0">
+                <a:solidFill>
+                  <a:schemeClr val="lt1"/>
+                </a:solidFill>
+                <a:latin typeface="Arial" charset="0"/>
+                <a:ea typeface="Arial" charset="0"/>
+                <a:cs typeface="Arial" charset="0"/>
+                <a:sym typeface="Cabin"/>
+              </a:rPr>
+              <a:t>parentheses</a:t>
+            </a:r>
+            <a:endParaRPr lang="en-US" sz="3600" u="none" strike="noStrike" cap="none" dirty="0">
+              <a:solidFill>
+                <a:schemeClr val="lt1"/>
+              </a:solidFill>
+              <a:latin typeface="Arial" charset="0"/>
+              <a:ea typeface="Arial" charset="0"/>
+              <a:cs typeface="Arial" charset="0"/>
+              <a:sym typeface="Cabin"/>
+            </a:endParaRPr>
           </a:p>
           <a:p>
             <a:pPr marL="749300" marR="0" lvl="0" indent="-371094" algn="l" rtl="0">
@@ -13535,7 +13603,7 @@
               <a:buNone/>
             </a:pPr>
             <a:r>
-              <a:rPr lang="en-US" sz="3600" u="none" strike="noStrike" cap="none">
+              <a:rPr lang="en-US" sz="3600" u="none" strike="noStrike" cap="none" dirty="0">
                 <a:solidFill>
                   <a:srgbClr val="FFFF00"/>
                 </a:solidFill>
@@ -13557,7 +13625,7 @@
   <p:timing>
     <p:tnLst>
       <p:par>
-        <p:cTn id="1" dur="indefinite" restart="never" nodeType="tmRoot"/>
+        <p:cTn xmlns:p14="http://schemas.microsoft.com/office/powerpoint/2010/main" id="1" dur="indefinite" restart="never" nodeType="tmRoot"/>
       </p:par>
     </p:tnLst>
   </p:timing>
@@ -13733,7 +13801,7 @@
               <a:buChar char="•"/>
             </a:pPr>
             <a:r>
-              <a:rPr lang="en-US" sz="3600" u="none" strike="noStrike" cap="none">
+              <a:rPr lang="en-US" sz="3600" u="none" strike="noStrike" cap="none" dirty="0">
                 <a:solidFill>
                   <a:schemeClr val="lt1"/>
                 </a:solidFill>
@@ -13742,10 +13810,34 @@
                 <a:cs typeface="Arial" charset="0"/>
                 <a:sym typeface="Cabin"/>
               </a:rPr>
-              <a:t>In Python variables, literals and constants have a </a:t>
-            </a:r>
-            <a:r>
-              <a:rPr lang="en-US" sz="3600" b="0" i="0" u="none" strike="noStrike" cap="none">
+              <a:t>In Python variables, </a:t>
+            </a:r>
+            <a:r>
+              <a:rPr lang="en-US" sz="3600" u="none" strike="noStrike" cap="none" dirty="0" smtClean="0">
+                <a:solidFill>
+                  <a:schemeClr val="lt1"/>
+                </a:solidFill>
+                <a:latin typeface="Arial" charset="0"/>
+                <a:ea typeface="Arial" charset="0"/>
+                <a:cs typeface="Arial" charset="0"/>
+                <a:sym typeface="Cabin"/>
+              </a:rPr>
+              <a:t>literals, </a:t>
+            </a:r>
+            <a:r>
+              <a:rPr lang="en-US" sz="3600" u="none" strike="noStrike" cap="none" dirty="0">
+                <a:solidFill>
+                  <a:schemeClr val="lt1"/>
+                </a:solidFill>
+                <a:latin typeface="Arial" charset="0"/>
+                <a:ea typeface="Arial" charset="0"/>
+                <a:cs typeface="Arial" charset="0"/>
+                <a:sym typeface="Cabin"/>
+              </a:rPr>
+              <a:t>and constants have a </a:t>
+            </a:r>
+            <a:r>
+              <a:rPr lang="en-US" sz="3600" b="0" i="0" u="none" strike="noStrike" cap="none" dirty="0">
                 <a:solidFill>
                   <a:schemeClr val="lt1"/>
                 </a:solidFill>
@@ -13757,7 +13849,7 @@
               <a:t>“</a:t>
             </a:r>
             <a:r>
-              <a:rPr lang="en-US" sz="3600" u="none" strike="noStrike" cap="none">
+              <a:rPr lang="en-US" sz="3600" u="none" strike="noStrike" cap="none" dirty="0">
                 <a:solidFill>
                   <a:srgbClr val="00FF00"/>
                 </a:solidFill>
@@ -13769,7 +13861,7 @@
               <a:t>type</a:t>
             </a:r>
             <a:r>
-              <a:rPr lang="en-US" sz="3600" b="0" i="0" u="none" strike="noStrike" cap="none">
+              <a:rPr lang="en-US" sz="3600" b="0" i="0" u="none" strike="noStrike" cap="none" dirty="0">
                 <a:solidFill>
                   <a:schemeClr val="lt1"/>
                 </a:solidFill>
@@ -14056,7 +14148,7 @@
               <a:buNone/>
             </a:pPr>
             <a:r>
-              <a:rPr lang="en-US" sz="2800" b="1" i="0" u="none" strike="noStrike" cap="none" dirty="0">
+              <a:rPr lang="en-US" sz="2800" i="0" u="none" strike="noStrike" cap="none" dirty="0">
                 <a:solidFill>
                   <a:srgbClr val="FFFF00"/>
                 </a:solidFill>
@@ -14068,7 +14160,7 @@
               <a:t>&gt;&gt;&gt; </a:t>
             </a:r>
             <a:r>
-              <a:rPr lang="en-US" sz="2800" b="1" i="0" u="none" strike="noStrike" cap="none" dirty="0" err="1">
+              <a:rPr lang="en-US" sz="2800" i="0" u="none" strike="noStrike" cap="none" dirty="0" err="1">
                 <a:solidFill>
                   <a:srgbClr val="FFFF00"/>
                 </a:solidFill>
@@ -14080,7 +14172,7 @@
               <a:t>ddd</a:t>
             </a:r>
             <a:r>
-              <a:rPr lang="en-US" sz="2800" b="1" i="0" u="none" strike="noStrike" cap="none" dirty="0">
+              <a:rPr lang="en-US" sz="2800" i="0" u="none" strike="noStrike" cap="none" dirty="0">
                 <a:solidFill>
                   <a:srgbClr val="FFFF00"/>
                 </a:solidFill>
@@ -14111,7 +14203,7 @@
               <a:buNone/>
             </a:pPr>
             <a:r>
-              <a:rPr lang="en-US" sz="2800" b="1" i="0" u="none" strike="noStrike" cap="none" dirty="0">
+              <a:rPr lang="en-US" sz="2800" i="0" u="none" strike="noStrike" cap="none" dirty="0">
                 <a:solidFill>
                   <a:srgbClr val="FFFF00"/>
                 </a:solidFill>
@@ -14123,7 +14215,7 @@
               <a:t>&gt;&gt;&gt; </a:t>
             </a:r>
             <a:r>
-              <a:rPr lang="en-US" sz="2800" b="1" i="0" u="none" strike="noStrike" cap="none" dirty="0" smtClean="0">
+              <a:rPr lang="en-US" sz="2800" i="0" u="none" strike="noStrike" cap="none" dirty="0" smtClean="0">
                 <a:solidFill>
                   <a:srgbClr val="FFFF00"/>
                 </a:solidFill>
@@ -14135,7 +14227,7 @@
               <a:t>print(</a:t>
             </a:r>
             <a:r>
-              <a:rPr lang="en-US" sz="2800" b="1" i="0" u="none" strike="noStrike" cap="none" dirty="0" err="1" smtClean="0">
+              <a:rPr lang="en-US" sz="2800" i="0" u="none" strike="noStrike" cap="none" dirty="0" err="1" smtClean="0">
                 <a:solidFill>
                   <a:srgbClr val="FFFF00"/>
                 </a:solidFill>
@@ -14147,7 +14239,7 @@
               <a:t>ddd</a:t>
             </a:r>
             <a:r>
-              <a:rPr lang="en-US" sz="2800" b="1" i="0" u="none" strike="noStrike" cap="none" dirty="0" smtClean="0">
+              <a:rPr lang="en-US" sz="2800" i="0" u="none" strike="noStrike" cap="none" dirty="0" smtClean="0">
                 <a:solidFill>
                   <a:srgbClr val="FFFF00"/>
                 </a:solidFill>
@@ -14158,7 +14250,7 @@
               </a:rPr>
               <a:t>)</a:t>
             </a:r>
-            <a:endParaRPr lang="en-US" sz="2800" b="1" i="0" u="none" strike="noStrike" cap="none" dirty="0">
+            <a:endParaRPr lang="en-US" sz="2800" i="0" u="none" strike="noStrike" cap="none" dirty="0">
               <a:solidFill>
                 <a:srgbClr val="FFFF00"/>
               </a:solidFill>
@@ -14187,7 +14279,7 @@
               <a:buNone/>
             </a:pPr>
             <a:r>
-              <a:rPr lang="en-US" sz="2800" b="1" i="0" u="none" strike="noStrike" cap="none" dirty="0">
+              <a:rPr lang="en-US" sz="2800" i="0" u="none" strike="noStrike" cap="none" dirty="0">
                 <a:solidFill>
                   <a:srgbClr val="FFFF00"/>
                 </a:solidFill>
@@ -14218,7 +14310,7 @@
               <a:buNone/>
             </a:pPr>
             <a:r>
-              <a:rPr lang="en-US" sz="2800" b="1" i="0" u="none" strike="noStrike" cap="none" dirty="0">
+              <a:rPr lang="en-US" sz="2800" i="0" u="none" strike="noStrike" cap="none" dirty="0">
                 <a:solidFill>
                   <a:srgbClr val="FFFF00"/>
                 </a:solidFill>
@@ -14230,7 +14322,7 @@
               <a:t>&gt;&gt;&gt; </a:t>
             </a:r>
             <a:r>
-              <a:rPr lang="en-US" sz="2800" b="1" i="0" u="none" strike="noStrike" cap="none" dirty="0" err="1">
+              <a:rPr lang="en-US" sz="2800" i="0" u="none" strike="noStrike" cap="none" dirty="0" err="1">
                 <a:solidFill>
                   <a:srgbClr val="FFFF00"/>
                 </a:solidFill>
@@ -14242,7 +14334,7 @@
               <a:t>eee</a:t>
             </a:r>
             <a:r>
-              <a:rPr lang="en-US" sz="2800" b="1" i="0" u="none" strike="noStrike" cap="none" dirty="0">
+              <a:rPr lang="en-US" sz="2800" i="0" u="none" strike="noStrike" cap="none" dirty="0">
                 <a:solidFill>
                   <a:srgbClr val="FFFF00"/>
                 </a:solidFill>
@@ -14273,7 +14365,7 @@
               <a:buNone/>
             </a:pPr>
             <a:r>
-              <a:rPr lang="en-US" sz="2800" b="1" i="0" u="none" strike="noStrike" cap="none" dirty="0">
+              <a:rPr lang="en-US" sz="2800" i="0" u="none" strike="noStrike" cap="none" dirty="0">
                 <a:solidFill>
                   <a:srgbClr val="FFFF00"/>
                 </a:solidFill>
@@ -14285,7 +14377,7 @@
               <a:t>&gt;&gt;&gt; </a:t>
             </a:r>
             <a:r>
-              <a:rPr lang="en-US" sz="2800" b="1" i="0" u="none" strike="noStrike" cap="none" dirty="0" smtClean="0">
+              <a:rPr lang="en-US" sz="2800" i="0" u="none" strike="noStrike" cap="none" dirty="0" smtClean="0">
                 <a:solidFill>
                   <a:srgbClr val="FFFF00"/>
                 </a:solidFill>
@@ -14297,7 +14389,7 @@
               <a:t>print(</a:t>
             </a:r>
             <a:r>
-              <a:rPr lang="en-US" sz="2800" b="1" i="0" u="none" strike="noStrike" cap="none" dirty="0" err="1" smtClean="0">
+              <a:rPr lang="en-US" sz="2800" i="0" u="none" strike="noStrike" cap="none" dirty="0" err="1" smtClean="0">
                 <a:solidFill>
                   <a:srgbClr val="FFFF00"/>
                 </a:solidFill>
@@ -14309,7 +14401,7 @@
               <a:t>eee</a:t>
             </a:r>
             <a:r>
-              <a:rPr lang="en-US" sz="2800" b="1" i="0" u="none" strike="noStrike" cap="none" dirty="0" smtClean="0">
+              <a:rPr lang="en-US" sz="2800" i="0" u="none" strike="noStrike" cap="none" dirty="0" smtClean="0">
                 <a:solidFill>
                   <a:srgbClr val="FFFF00"/>
                 </a:solidFill>
@@ -14320,7 +14412,7 @@
               </a:rPr>
               <a:t>)</a:t>
             </a:r>
-            <a:endParaRPr lang="en-US" sz="2800" b="1" i="0" u="none" strike="noStrike" cap="none" dirty="0">
+            <a:endParaRPr lang="en-US" sz="2800" i="0" u="none" strike="noStrike" cap="none" dirty="0">
               <a:solidFill>
                 <a:srgbClr val="FFFF00"/>
               </a:solidFill>
@@ -14349,7 +14441,7 @@
               <a:buNone/>
             </a:pPr>
             <a:r>
-              <a:rPr lang="en-US" sz="2800" b="1" i="0" u="none" strike="noStrike" cap="none" dirty="0">
+              <a:rPr lang="en-US" sz="2800" i="0" u="none" strike="noStrike" cap="none" dirty="0">
                 <a:solidFill>
                   <a:srgbClr val="FFFF00"/>
                 </a:solidFill>
@@ -14371,7 +14463,7 @@
         </p:nvSpPr>
         <p:spPr>
           <a:xfrm>
-            <a:off x="10041500" y="7545488"/>
+            <a:off x="9353550" y="7694909"/>
             <a:ext cx="6214500" cy="622199"/>
           </a:xfrm>
           <a:prstGeom prst="rect">
@@ -14406,7 +14498,7 @@
               <a:buNone/>
             </a:pPr>
             <a:r>
-              <a:rPr lang="en-US" sz="3600" u="none" strike="noStrike" cap="none">
+              <a:rPr lang="en-US" sz="3600" u="none" strike="noStrike" cap="none" dirty="0">
                 <a:solidFill>
                   <a:srgbClr val="00FA00"/>
                 </a:solidFill>
@@ -14428,7 +14520,7 @@
   <p:timing>
     <p:tnLst>
       <p:par>
-        <p:cTn id="1" dur="indefinite" restart="never" nodeType="tmRoot"/>
+        <p:cTn xmlns:p14="http://schemas.microsoft.com/office/powerpoint/2010/main" id="1" dur="indefinite" restart="never" nodeType="tmRoot"/>
       </p:par>
     </p:tnLst>
   </p:timing>
@@ -14791,7 +14883,7 @@
         </p:nvSpPr>
         <p:spPr>
           <a:xfrm>
-            <a:off x="8778875" y="2120900"/>
+            <a:off x="8586779" y="2120900"/>
             <a:ext cx="7315200" cy="6046787"/>
           </a:xfrm>
           <a:prstGeom prst="rect">
@@ -14826,7 +14918,7 @@
               <a:buNone/>
             </a:pPr>
             <a:r>
-              <a:rPr lang="en-US" sz="2800" b="1" i="0" u="none" strike="noStrike" cap="none" dirty="0">
+              <a:rPr lang="en-US" sz="2800" i="0" u="none" strike="noStrike" cap="none" dirty="0">
                 <a:solidFill>
                   <a:srgbClr val="FFFF00"/>
                 </a:solidFill>
@@ -14838,7 +14930,7 @@
               <a:t>&gt;&gt;&gt; </a:t>
             </a:r>
             <a:r>
-              <a:rPr lang="en-US" sz="2800" b="1" i="0" u="none" strike="noStrike" cap="none" dirty="0" err="1">
+              <a:rPr lang="en-US" sz="2800" i="0" u="none" strike="noStrike" cap="none" dirty="0" err="1">
                 <a:solidFill>
                   <a:srgbClr val="FFFF00"/>
                 </a:solidFill>
@@ -14850,7 +14942,7 @@
               <a:t>eee</a:t>
             </a:r>
             <a:r>
-              <a:rPr lang="en-US" sz="2800" b="1" i="0" u="none" strike="noStrike" cap="none" dirty="0">
+              <a:rPr lang="en-US" sz="2800" i="0" u="none" strike="noStrike" cap="none" dirty="0">
                 <a:solidFill>
                   <a:srgbClr val="FFFF00"/>
                 </a:solidFill>
@@ -14881,7 +14973,7 @@
               <a:buNone/>
             </a:pPr>
             <a:r>
-              <a:rPr lang="en-US" sz="2800" b="1" i="0" u="none" strike="noStrike" cap="none" dirty="0">
+              <a:rPr lang="en-US" sz="2800" i="0" u="none" strike="noStrike" cap="none" dirty="0">
                 <a:solidFill>
                   <a:srgbClr val="FFFF00"/>
                 </a:solidFill>
@@ -14893,7 +14985,7 @@
               <a:t>&gt;&gt;&gt; </a:t>
             </a:r>
             <a:r>
-              <a:rPr lang="en-US" sz="2800" b="1" i="0" u="none" strike="noStrike" cap="none" dirty="0" err="1">
+              <a:rPr lang="en-US" sz="2800" i="0" u="none" strike="noStrike" cap="none" dirty="0" err="1">
                 <a:solidFill>
                   <a:srgbClr val="00FFFF"/>
                 </a:solidFill>
@@ -14905,7 +14997,7 @@
               <a:t>eee</a:t>
             </a:r>
             <a:r>
-              <a:rPr lang="en-US" sz="2800" b="1" i="0" u="none" strike="noStrike" cap="none" dirty="0">
+              <a:rPr lang="en-US" sz="2800" i="0" u="none" strike="noStrike" cap="none" dirty="0">
                 <a:solidFill>
                   <a:srgbClr val="00FFFF"/>
                 </a:solidFill>
@@ -14917,7 +15009,7 @@
               <a:t> = </a:t>
             </a:r>
             <a:r>
-              <a:rPr lang="en-US" sz="2800" b="1" i="0" u="none" strike="noStrike" cap="none" dirty="0" err="1">
+              <a:rPr lang="en-US" sz="2800" i="0" u="none" strike="noStrike" cap="none" dirty="0" err="1">
                 <a:solidFill>
                   <a:srgbClr val="00FFFF"/>
                 </a:solidFill>
@@ -14929,7 +15021,7 @@
               <a:t>eee</a:t>
             </a:r>
             <a:r>
-              <a:rPr lang="en-US" sz="2800" b="1" i="0" u="none" strike="noStrike" cap="none" dirty="0">
+              <a:rPr lang="en-US" sz="2800" i="0" u="none" strike="noStrike" cap="none" dirty="0">
                 <a:solidFill>
                   <a:srgbClr val="00FFFF"/>
                 </a:solidFill>
@@ -14949,7 +15041,7 @@
               <a:buSzPct val="25000"/>
             </a:pPr>
             <a:r>
-              <a:rPr lang="en-US" sz="2800" b="1" dirty="0" err="1">
+              <a:rPr lang="en-US" sz="2800" dirty="0" err="1">
                 <a:solidFill>
                   <a:srgbClr val="E06666"/>
                 </a:solidFill>
@@ -14961,7 +15053,7 @@
               <a:t>Traceback</a:t>
             </a:r>
             <a:r>
-              <a:rPr lang="en-US" sz="2800" b="1" dirty="0">
+              <a:rPr lang="en-US" sz="2800" dirty="0">
                 <a:solidFill>
                   <a:srgbClr val="E06666"/>
                 </a:solidFill>
@@ -14973,7 +15065,7 @@
               <a:t> (most recent call last):  File "&lt;</a:t>
             </a:r>
             <a:r>
-              <a:rPr lang="en-US" sz="2800" b="1" dirty="0" err="1">
+              <a:rPr lang="en-US" sz="2800" dirty="0" err="1">
                 <a:solidFill>
                   <a:srgbClr val="E06666"/>
                 </a:solidFill>
@@ -14985,7 +15077,7 @@
               <a:t>stdin</a:t>
             </a:r>
             <a:r>
-              <a:rPr lang="en-US" sz="2800" b="1" dirty="0">
+              <a:rPr lang="en-US" sz="2800" dirty="0">
                 <a:solidFill>
                   <a:srgbClr val="E06666"/>
                 </a:solidFill>
@@ -14997,7 +15089,7 @@
               <a:t>&gt;", line 1, in &lt;module&gt;</a:t>
             </a:r>
             <a:r>
-              <a:rPr lang="en-US" sz="2800" b="1" dirty="0" err="1">
+              <a:rPr lang="en-US" sz="2800" dirty="0" err="1">
                 <a:solidFill>
                   <a:srgbClr val="E06666"/>
                 </a:solidFill>
@@ -15009,7 +15101,7 @@
               <a:t>TypeError</a:t>
             </a:r>
             <a:r>
-              <a:rPr lang="en-US" sz="2800" b="1" dirty="0">
+              <a:rPr lang="en-US" sz="2800" dirty="0">
                 <a:solidFill>
                   <a:srgbClr val="E06666"/>
                 </a:solidFill>
@@ -15021,7 +15113,7 @@
               <a:t>: Can't convert '</a:t>
             </a:r>
             <a:r>
-              <a:rPr lang="en-US" sz="2800" b="1" dirty="0" err="1">
+              <a:rPr lang="en-US" sz="2800" dirty="0" err="1">
                 <a:solidFill>
                   <a:srgbClr val="E06666"/>
                 </a:solidFill>
@@ -15033,7 +15125,7 @@
               <a:t>int</a:t>
             </a:r>
             <a:r>
-              <a:rPr lang="en-US" sz="2800" b="1" dirty="0">
+              <a:rPr lang="en-US" sz="2800" dirty="0">
                 <a:solidFill>
                   <a:srgbClr val="E06666"/>
                 </a:solidFill>
@@ -15045,7 +15137,7 @@
               <a:t>' object to </a:t>
             </a:r>
             <a:r>
-              <a:rPr lang="en-US" sz="2800" b="1" dirty="0" err="1">
+              <a:rPr lang="en-US" sz="2800" dirty="0" err="1">
                 <a:solidFill>
                   <a:srgbClr val="E06666"/>
                 </a:solidFill>
@@ -15057,7 +15149,7 @@
               <a:t>str</a:t>
             </a:r>
             <a:r>
-              <a:rPr lang="en-US" sz="2800" b="1" dirty="0">
+              <a:rPr lang="en-US" sz="2800" dirty="0">
                 <a:solidFill>
                   <a:srgbClr val="E06666"/>
                 </a:solidFill>
@@ -15069,7 +15161,7 @@
               <a:t> </a:t>
             </a:r>
             <a:r>
-              <a:rPr lang="en-US" sz="2800" b="1" dirty="0" smtClean="0">
+              <a:rPr lang="en-US" sz="2800" dirty="0" smtClean="0">
                 <a:solidFill>
                   <a:srgbClr val="E06666"/>
                 </a:solidFill>
@@ -15089,7 +15181,7 @@
               <a:buSzPct val="25000"/>
             </a:pPr>
             <a:r>
-              <a:rPr lang="en-US" sz="2800" b="1" i="0" u="none" strike="noStrike" cap="none" dirty="0" smtClean="0">
+              <a:rPr lang="en-US" sz="2800" i="0" u="none" strike="noStrike" cap="none" dirty="0" smtClean="0">
                 <a:solidFill>
                   <a:srgbClr val="FFFF00"/>
                 </a:solidFill>
@@ -15101,7 +15193,7 @@
               <a:t>&gt;&gt;&gt; </a:t>
             </a:r>
             <a:r>
-              <a:rPr lang="en-US" sz="2800" b="1" i="0" u="none" strike="noStrike" cap="none" dirty="0">
+              <a:rPr lang="en-US" sz="2800" i="0" u="none" strike="noStrike" cap="none" dirty="0">
                 <a:solidFill>
                   <a:srgbClr val="00FF00"/>
                 </a:solidFill>
@@ -15113,7 +15205,7 @@
               <a:t>type</a:t>
             </a:r>
             <a:r>
-              <a:rPr lang="en-US" sz="2800" b="1" i="0" u="none" strike="noStrike" cap="none" dirty="0">
+              <a:rPr lang="en-US" sz="2800" i="0" u="none" strike="noStrike" cap="none" dirty="0">
                 <a:solidFill>
                   <a:srgbClr val="FFFF00"/>
                 </a:solidFill>
@@ -15125,7 +15217,7 @@
               <a:t>(</a:t>
             </a:r>
             <a:r>
-              <a:rPr lang="en-US" sz="2800" b="1" i="0" u="none" strike="noStrike" cap="none" dirty="0" err="1">
+              <a:rPr lang="en-US" sz="2800" i="0" u="none" strike="noStrike" cap="none" dirty="0" err="1">
                 <a:solidFill>
                   <a:srgbClr val="FFFF00"/>
                 </a:solidFill>
@@ -15137,7 +15229,7 @@
               <a:t>eee</a:t>
             </a:r>
             <a:r>
-              <a:rPr lang="en-US" sz="2800" b="1" i="0" u="none" strike="noStrike" cap="none" dirty="0">
+              <a:rPr lang="en-US" sz="2800" i="0" u="none" strike="noStrike" cap="none" dirty="0">
                 <a:solidFill>
                   <a:srgbClr val="FFFF00"/>
                 </a:solidFill>
@@ -15168,7 +15260,7 @@
               <a:buNone/>
             </a:pPr>
             <a:r>
-              <a:rPr lang="en-US" sz="2800" b="1" i="0" u="none" strike="noStrike" cap="none" dirty="0" smtClean="0">
+              <a:rPr lang="en-US" sz="2800" i="0" u="none" strike="noStrike" cap="none" dirty="0" smtClean="0">
                 <a:solidFill>
                   <a:srgbClr val="FFFF00"/>
                 </a:solidFill>
@@ -15180,7 +15272,7 @@
               <a:t>&lt;</a:t>
             </a:r>
             <a:r>
-              <a:rPr lang="en-US" sz="2800" b="1" i="0" u="none" strike="noStrike" cap="none" dirty="0" err="1" smtClean="0">
+              <a:rPr lang="en-US" sz="2800" i="0" u="none" strike="noStrike" cap="none" dirty="0" err="1" smtClean="0">
                 <a:solidFill>
                   <a:srgbClr val="FFFF00"/>
                 </a:solidFill>
@@ -15192,7 +15284,7 @@
               <a:t>class'str</a:t>
             </a:r>
             <a:r>
-              <a:rPr lang="en-US" sz="2800" b="1" i="0" u="none" strike="noStrike" cap="none" dirty="0">
+              <a:rPr lang="en-US" sz="2800" i="0" u="none" strike="noStrike" cap="none" dirty="0">
                 <a:solidFill>
                   <a:srgbClr val="FFFF00"/>
                 </a:solidFill>
@@ -15223,7 +15315,7 @@
               <a:buNone/>
             </a:pPr>
             <a:r>
-              <a:rPr lang="en-US" sz="2800" b="1" i="0" u="none" strike="noStrike" cap="none" dirty="0">
+              <a:rPr lang="en-US" sz="2800" i="0" u="none" strike="noStrike" cap="none" dirty="0">
                 <a:solidFill>
                   <a:srgbClr val="FFFF00"/>
                 </a:solidFill>
@@ -15235,7 +15327,7 @@
               <a:t>&gt;&gt;&gt; </a:t>
             </a:r>
             <a:r>
-              <a:rPr lang="en-US" sz="2800" b="1" i="0" u="none" strike="noStrike" cap="none" dirty="0">
+              <a:rPr lang="en-US" sz="2800" i="0" u="none" strike="noStrike" cap="none" dirty="0">
                 <a:solidFill>
                   <a:srgbClr val="00FF00"/>
                 </a:solidFill>
@@ -15247,7 +15339,7 @@
               <a:t>type</a:t>
             </a:r>
             <a:r>
-              <a:rPr lang="en-US" sz="2800" b="1" i="0" u="none" strike="noStrike" cap="none" dirty="0">
+              <a:rPr lang="en-US" sz="2800" i="0" u="none" strike="noStrike" cap="none" dirty="0">
                 <a:solidFill>
                   <a:srgbClr val="FFFF00"/>
                 </a:solidFill>
@@ -15278,7 +15370,7 @@
               <a:buNone/>
             </a:pPr>
             <a:r>
-              <a:rPr lang="en-US" sz="2800" b="1" i="0" u="none" strike="noStrike" cap="none" dirty="0" smtClean="0">
+              <a:rPr lang="en-US" sz="2800" i="0" u="none" strike="noStrike" cap="none" dirty="0" smtClean="0">
                 <a:solidFill>
                   <a:srgbClr val="FFFF00"/>
                 </a:solidFill>
@@ -15290,7 +15382,7 @@
               <a:t>&lt;</a:t>
             </a:r>
             <a:r>
-              <a:rPr lang="en-US" sz="2800" b="1" i="0" u="none" strike="noStrike" cap="none" dirty="0" err="1" smtClean="0">
+              <a:rPr lang="en-US" sz="2800" i="0" u="none" strike="noStrike" cap="none" dirty="0" err="1" smtClean="0">
                 <a:solidFill>
                   <a:srgbClr val="FFFF00"/>
                 </a:solidFill>
@@ -15302,7 +15394,7 @@
               <a:t>class'str</a:t>
             </a:r>
             <a:r>
-              <a:rPr lang="en-US" sz="2800" b="1" i="0" u="none" strike="noStrike" cap="none" dirty="0">
+              <a:rPr lang="en-US" sz="2800" i="0" u="none" strike="noStrike" cap="none" dirty="0">
                 <a:solidFill>
                   <a:srgbClr val="FFFF00"/>
                 </a:solidFill>
@@ -15333,7 +15425,7 @@
               <a:buNone/>
             </a:pPr>
             <a:r>
-              <a:rPr lang="en-US" sz="2800" b="1" i="0" u="none" strike="noStrike" cap="none" dirty="0">
+              <a:rPr lang="en-US" sz="2800" i="0" u="none" strike="noStrike" cap="none" dirty="0">
                 <a:solidFill>
                   <a:srgbClr val="FFFF00"/>
                 </a:solidFill>
@@ -15345,7 +15437,7 @@
               <a:t>&gt;&gt;&gt; </a:t>
             </a:r>
             <a:r>
-              <a:rPr lang="en-US" sz="2800" b="1" i="0" u="none" strike="noStrike" cap="none" dirty="0">
+              <a:rPr lang="en-US" sz="2800" i="0" u="none" strike="noStrike" cap="none" dirty="0">
                 <a:solidFill>
                   <a:srgbClr val="00FF00"/>
                 </a:solidFill>
@@ -15357,7 +15449,7 @@
               <a:t>type</a:t>
             </a:r>
             <a:r>
-              <a:rPr lang="en-US" sz="2800" b="1" i="0" u="none" strike="noStrike" cap="none" dirty="0">
+              <a:rPr lang="en-US" sz="2800" i="0" u="none" strike="noStrike" cap="none" dirty="0">
                 <a:solidFill>
                   <a:srgbClr val="FFFF00"/>
                 </a:solidFill>
@@ -15388,7 +15480,7 @@
               <a:buNone/>
             </a:pPr>
             <a:r>
-              <a:rPr lang="en-US" sz="2800" b="1" i="0" u="none" strike="noStrike" cap="none" dirty="0" smtClean="0">
+              <a:rPr lang="en-US" sz="2800" i="0" u="none" strike="noStrike" cap="none" dirty="0" smtClean="0">
                 <a:solidFill>
                   <a:srgbClr val="FFFF00"/>
                 </a:solidFill>
@@ -15400,7 +15492,7 @@
               <a:t>&lt;</a:t>
             </a:r>
             <a:r>
-              <a:rPr lang="en-US" sz="2800" b="1" i="0" u="none" strike="noStrike" cap="none" dirty="0" err="1" smtClean="0">
+              <a:rPr lang="en-US" sz="2800" i="0" u="none" strike="noStrike" cap="none" dirty="0" err="1" smtClean="0">
                 <a:solidFill>
                   <a:srgbClr val="FFFF00"/>
                 </a:solidFill>
@@ -15412,7 +15504,7 @@
               <a:t>class'int</a:t>
             </a:r>
             <a:r>
-              <a:rPr lang="en-US" sz="2800" b="1" i="0" u="none" strike="noStrike" cap="none" dirty="0">
+              <a:rPr lang="en-US" sz="2800" i="0" u="none" strike="noStrike" cap="none" dirty="0">
                 <a:solidFill>
                   <a:srgbClr val="FFFF00"/>
                 </a:solidFill>
@@ -15443,7 +15535,7 @@
               <a:buNone/>
             </a:pPr>
             <a:r>
-              <a:rPr lang="en-US" sz="2800" b="1" i="0" u="none" strike="noStrike" cap="none" dirty="0">
+              <a:rPr lang="en-US" sz="2800" i="0" u="none" strike="noStrike" cap="none" dirty="0">
                 <a:solidFill>
                   <a:srgbClr val="FFFF00"/>
                 </a:solidFill>
@@ -15465,7 +15557,7 @@
   <p:timing>
     <p:tnLst>
       <p:par>
-        <p:cTn id="1" dur="indefinite" restart="never" nodeType="tmRoot"/>
+        <p:cTn xmlns:p14="http://schemas.microsoft.com/office/powerpoint/2010/main" id="1" dur="indefinite" restart="never" nodeType="tmRoot"/>
       </p:par>
     </p:tnLst>
   </p:timing>
@@ -15788,7 +15880,7 @@
               <a:buNone/>
             </a:pPr>
             <a:r>
-              <a:rPr lang="en-US" sz="3400" b="1" i="0" u="none" strike="noStrike" cap="none" dirty="0">
+              <a:rPr lang="en-US" sz="3400" i="0" u="none" strike="noStrike" cap="none" dirty="0">
                 <a:solidFill>
                   <a:schemeClr val="lt1"/>
                 </a:solidFill>
@@ -15800,7 +15892,7 @@
               <a:t>&gt;&gt;&gt; </a:t>
             </a:r>
             <a:r>
-              <a:rPr lang="en-US" sz="3400" b="1" i="0" u="none" strike="noStrike" cap="none" dirty="0">
+              <a:rPr lang="en-US" sz="3400" i="0" u="none" strike="noStrike" cap="none" dirty="0">
                 <a:solidFill>
                   <a:srgbClr val="00FF00"/>
                 </a:solidFill>
@@ -15812,7 +15904,7 @@
               <a:t>xx</a:t>
             </a:r>
             <a:r>
-              <a:rPr lang="en-US" sz="3400" b="1" i="0" u="none" strike="noStrike" cap="none" dirty="0">
+              <a:rPr lang="en-US" sz="3400" i="0" u="none" strike="noStrike" cap="none" dirty="0">
                 <a:solidFill>
                   <a:schemeClr val="lt1"/>
                 </a:solidFill>
@@ -15843,7 +15935,7 @@
               <a:buNone/>
             </a:pPr>
             <a:r>
-              <a:rPr lang="en-US" sz="3400" b="1" i="0" u="none" strike="noStrike" cap="none" dirty="0">
+              <a:rPr lang="en-US" sz="3400" i="0" u="none" strike="noStrike" cap="none" dirty="0">
                 <a:solidFill>
                   <a:schemeClr val="lt1"/>
                 </a:solidFill>
@@ -15855,7 +15947,7 @@
               <a:t>&gt;&gt;&gt; </a:t>
             </a:r>
             <a:r>
-              <a:rPr lang="en-US" sz="3400" b="1" i="0" u="none" strike="noStrike" cap="none" dirty="0">
+              <a:rPr lang="en-US" sz="3400" i="0" u="none" strike="noStrike" cap="none" dirty="0">
                 <a:solidFill>
                   <a:srgbClr val="FFFF00"/>
                 </a:solidFill>
@@ -15867,7 +15959,7 @@
               <a:t>type</a:t>
             </a:r>
             <a:r>
-              <a:rPr lang="en-US" sz="3400" b="1" i="0" u="none" strike="noStrike" cap="none" dirty="0">
+              <a:rPr lang="en-US" sz="3400" i="0" u="none" strike="noStrike" cap="none" dirty="0">
                 <a:solidFill>
                   <a:schemeClr val="lt1"/>
                 </a:solidFill>
@@ -15879,7 +15971,7 @@
               <a:t> (</a:t>
             </a:r>
             <a:r>
-              <a:rPr lang="en-US" sz="3400" b="1" i="0" u="none" strike="noStrike" cap="none" dirty="0">
+              <a:rPr lang="en-US" sz="3400" i="0" u="none" strike="noStrike" cap="none" dirty="0">
                 <a:solidFill>
                   <a:srgbClr val="00FF00"/>
                 </a:solidFill>
@@ -15891,7 +15983,7 @@
               <a:t>xx</a:t>
             </a:r>
             <a:r>
-              <a:rPr lang="en-US" sz="3400" b="1" i="0" u="none" strike="noStrike" cap="none" dirty="0">
+              <a:rPr lang="en-US" sz="3400" i="0" u="none" strike="noStrike" cap="none" dirty="0">
                 <a:solidFill>
                   <a:schemeClr val="lt1"/>
                 </a:solidFill>
@@ -15922,7 +16014,7 @@
               <a:buNone/>
             </a:pPr>
             <a:r>
-              <a:rPr lang="en-US" sz="3400" b="1" i="0" u="none" strike="noStrike" cap="none" dirty="0" smtClean="0">
+              <a:rPr lang="en-US" sz="3400" i="0" u="none" strike="noStrike" cap="none" dirty="0" smtClean="0">
                 <a:solidFill>
                   <a:schemeClr val="lt1"/>
                 </a:solidFill>
@@ -15934,7 +16026,7 @@
               <a:t>&lt;class '</a:t>
             </a:r>
             <a:r>
-              <a:rPr lang="en-US" sz="3400" b="1" i="0" u="none" strike="noStrike" cap="none" dirty="0" err="1" smtClean="0">
+              <a:rPr lang="en-US" sz="3400" i="0" u="none" strike="noStrike" cap="none" dirty="0" err="1" smtClean="0">
                 <a:solidFill>
                   <a:schemeClr val="lt1"/>
                 </a:solidFill>
@@ -15946,7 +16038,7 @@
               <a:t>int</a:t>
             </a:r>
             <a:r>
-              <a:rPr lang="en-US" sz="3400" b="1" i="0" u="none" strike="noStrike" cap="none" dirty="0">
+              <a:rPr lang="en-US" sz="3400" i="0" u="none" strike="noStrike" cap="none" dirty="0">
                 <a:solidFill>
                   <a:schemeClr val="lt1"/>
                 </a:solidFill>
@@ -15977,7 +16069,7 @@
               <a:buNone/>
             </a:pPr>
             <a:r>
-              <a:rPr lang="en-US" sz="3400" b="1" i="0" u="none" strike="noStrike" cap="none" dirty="0">
+              <a:rPr lang="en-US" sz="3400" i="0" u="none" strike="noStrike" cap="none" dirty="0">
                 <a:solidFill>
                   <a:schemeClr val="lt1"/>
                 </a:solidFill>
@@ -15989,7 +16081,7 @@
               <a:t>&gt;&gt;&gt; </a:t>
             </a:r>
             <a:r>
-              <a:rPr lang="en-US" sz="3400" b="1" i="0" u="none" strike="noStrike" cap="none" dirty="0">
+              <a:rPr lang="en-US" sz="3400" i="0" u="none" strike="noStrike" cap="none" dirty="0">
                 <a:solidFill>
                   <a:srgbClr val="00FF00"/>
                 </a:solidFill>
@@ -16001,7 +16093,7 @@
               <a:t>temp</a:t>
             </a:r>
             <a:r>
-              <a:rPr lang="en-US" sz="3400" b="1" i="0" u="none" strike="noStrike" cap="none" dirty="0">
+              <a:rPr lang="en-US" sz="3400" i="0" u="none" strike="noStrike" cap="none" dirty="0">
                 <a:solidFill>
                   <a:schemeClr val="lt1"/>
                 </a:solidFill>
@@ -16032,7 +16124,7 @@
               <a:buNone/>
             </a:pPr>
             <a:r>
-              <a:rPr lang="en-US" sz="3400" b="1" i="0" u="none" strike="noStrike" cap="none" dirty="0">
+              <a:rPr lang="en-US" sz="3400" i="0" u="none" strike="noStrike" cap="none" dirty="0">
                 <a:solidFill>
                   <a:schemeClr val="lt1"/>
                 </a:solidFill>
@@ -16044,7 +16136,7 @@
               <a:t>&gt;&gt;&gt; </a:t>
             </a:r>
             <a:r>
-              <a:rPr lang="en-US" sz="3400" b="1" i="0" u="none" strike="noStrike" cap="none" dirty="0">
+              <a:rPr lang="en-US" sz="3400" i="0" u="none" strike="noStrike" cap="none" dirty="0">
                 <a:solidFill>
                   <a:srgbClr val="FFFF00"/>
                 </a:solidFill>
@@ -16056,7 +16148,7 @@
               <a:t>type</a:t>
             </a:r>
             <a:r>
-              <a:rPr lang="en-US" sz="3400" b="1" i="0" u="none" strike="noStrike" cap="none" dirty="0">
+              <a:rPr lang="en-US" sz="3400" i="0" u="none" strike="noStrike" cap="none" dirty="0">
                 <a:solidFill>
                   <a:schemeClr val="lt1"/>
                 </a:solidFill>
@@ -16068,7 +16160,7 @@
               <a:t>(</a:t>
             </a:r>
             <a:r>
-              <a:rPr lang="en-US" sz="3400" b="1" i="0" u="none" strike="noStrike" cap="none" dirty="0">
+              <a:rPr lang="en-US" sz="3400" i="0" u="none" strike="noStrike" cap="none" dirty="0">
                 <a:solidFill>
                   <a:srgbClr val="00FF00"/>
                 </a:solidFill>
@@ -16080,7 +16172,7 @@
               <a:t>temp</a:t>
             </a:r>
             <a:r>
-              <a:rPr lang="en-US" sz="3400" b="1" i="0" u="none" strike="noStrike" cap="none" dirty="0">
+              <a:rPr lang="en-US" sz="3400" i="0" u="none" strike="noStrike" cap="none" dirty="0">
                 <a:solidFill>
                   <a:schemeClr val="lt1"/>
                 </a:solidFill>
@@ -16111,7 +16203,7 @@
               <a:buNone/>
             </a:pPr>
             <a:r>
-              <a:rPr lang="en-US" sz="3400" b="1" i="0" u="none" strike="noStrike" cap="none" dirty="0" smtClean="0">
+              <a:rPr lang="en-US" sz="3400" i="0" u="none" strike="noStrike" cap="none" dirty="0" smtClean="0">
                 <a:solidFill>
                   <a:schemeClr val="lt1"/>
                 </a:solidFill>
@@ -16123,7 +16215,7 @@
               <a:t>&lt;</a:t>
             </a:r>
             <a:r>
-              <a:rPr lang="en-US" sz="3400" b="1" i="0" u="none" strike="noStrike" cap="none" dirty="0" err="1" smtClean="0">
+              <a:rPr lang="en-US" sz="3400" i="0" u="none" strike="noStrike" cap="none" dirty="0" err="1" smtClean="0">
                 <a:solidFill>
                   <a:schemeClr val="lt1"/>
                 </a:solidFill>
@@ -16135,7 +16227,7 @@
               <a:t>class'float</a:t>
             </a:r>
             <a:r>
-              <a:rPr lang="en-US" sz="3400" b="1" i="0" u="none" strike="noStrike" cap="none" dirty="0">
+              <a:rPr lang="en-US" sz="3400" i="0" u="none" strike="noStrike" cap="none" dirty="0">
                 <a:solidFill>
                   <a:schemeClr val="lt1"/>
                 </a:solidFill>
@@ -16166,7 +16258,7 @@
               <a:buNone/>
             </a:pPr>
             <a:r>
-              <a:rPr lang="en-US" sz="3400" b="1" i="0" u="none" strike="noStrike" cap="none" dirty="0">
+              <a:rPr lang="en-US" sz="3400" i="0" u="none" strike="noStrike" cap="none" dirty="0">
                 <a:solidFill>
                   <a:schemeClr val="lt1"/>
                 </a:solidFill>
@@ -16178,7 +16270,7 @@
               <a:t>&gt;&gt;&gt; </a:t>
             </a:r>
             <a:r>
-              <a:rPr lang="en-US" sz="3400" b="1" i="0" u="none" strike="noStrike" cap="none" dirty="0">
+              <a:rPr lang="en-US" sz="3400" i="0" u="none" strike="noStrike" cap="none" dirty="0">
                 <a:solidFill>
                   <a:srgbClr val="FFFF00"/>
                 </a:solidFill>
@@ -16190,7 +16282,7 @@
               <a:t>type</a:t>
             </a:r>
             <a:r>
-              <a:rPr lang="en-US" sz="3400" b="1" i="0" u="none" strike="noStrike" cap="none" dirty="0">
+              <a:rPr lang="en-US" sz="3400" i="0" u="none" strike="noStrike" cap="none" dirty="0">
                 <a:solidFill>
                   <a:schemeClr val="lt1"/>
                 </a:solidFill>
@@ -16221,7 +16313,7 @@
               <a:buNone/>
             </a:pPr>
             <a:r>
-              <a:rPr lang="en-US" sz="3400" b="1" i="0" u="none" strike="noStrike" cap="none" dirty="0" smtClean="0">
+              <a:rPr lang="en-US" sz="3400" i="0" u="none" strike="noStrike" cap="none" dirty="0" smtClean="0">
                 <a:solidFill>
                   <a:schemeClr val="lt1"/>
                 </a:solidFill>
@@ -16233,7 +16325,7 @@
               <a:t>&lt;class '</a:t>
             </a:r>
             <a:r>
-              <a:rPr lang="en-US" sz="3400" b="1" i="0" u="none" strike="noStrike" cap="none" dirty="0" err="1" smtClean="0">
+              <a:rPr lang="en-US" sz="3400" i="0" u="none" strike="noStrike" cap="none" dirty="0" err="1" smtClean="0">
                 <a:solidFill>
                   <a:schemeClr val="lt1"/>
                 </a:solidFill>
@@ -16245,7 +16337,7 @@
               <a:t>int</a:t>
             </a:r>
             <a:r>
-              <a:rPr lang="en-US" sz="3400" b="1" i="0" u="none" strike="noStrike" cap="none" dirty="0">
+              <a:rPr lang="en-US" sz="3400" i="0" u="none" strike="noStrike" cap="none" dirty="0">
                 <a:solidFill>
                   <a:schemeClr val="lt1"/>
                 </a:solidFill>
@@ -16276,7 +16368,7 @@
               <a:buNone/>
             </a:pPr>
             <a:r>
-              <a:rPr lang="en-US" sz="3400" b="1" i="0" u="none" strike="noStrike" cap="none" dirty="0">
+              <a:rPr lang="en-US" sz="3400" i="0" u="none" strike="noStrike" cap="none" dirty="0">
                 <a:solidFill>
                   <a:schemeClr val="lt1"/>
                 </a:solidFill>
@@ -16288,7 +16380,7 @@
               <a:t>&gt;&gt;&gt; </a:t>
             </a:r>
             <a:r>
-              <a:rPr lang="en-US" sz="3400" b="1" i="0" u="none" strike="noStrike" cap="none" dirty="0">
+              <a:rPr lang="en-US" sz="3400" i="0" u="none" strike="noStrike" cap="none" dirty="0">
                 <a:solidFill>
                   <a:srgbClr val="FFFF00"/>
                 </a:solidFill>
@@ -16300,7 +16392,7 @@
               <a:t>type</a:t>
             </a:r>
             <a:r>
-              <a:rPr lang="en-US" sz="3400" b="1" i="0" u="none" strike="noStrike" cap="none" dirty="0">
+              <a:rPr lang="en-US" sz="3400" i="0" u="none" strike="noStrike" cap="none" dirty="0">
                 <a:solidFill>
                   <a:schemeClr val="lt1"/>
                 </a:solidFill>
@@ -16331,7 +16423,7 @@
               <a:buNone/>
             </a:pPr>
             <a:r>
-              <a:rPr lang="en-US" sz="3400" b="1" i="0" u="none" strike="noStrike" cap="none" dirty="0" smtClean="0">
+              <a:rPr lang="en-US" sz="3400" i="0" u="none" strike="noStrike" cap="none" dirty="0" smtClean="0">
                 <a:solidFill>
                   <a:schemeClr val="lt1"/>
                 </a:solidFill>
@@ -16343,7 +16435,7 @@
               <a:t>&lt;</a:t>
             </a:r>
             <a:r>
-              <a:rPr lang="en-US" sz="3400" b="1" i="0" u="none" strike="noStrike" cap="none" dirty="0" err="1" smtClean="0">
+              <a:rPr lang="en-US" sz="3400" i="0" u="none" strike="noStrike" cap="none" dirty="0" err="1" smtClean="0">
                 <a:solidFill>
                   <a:schemeClr val="lt1"/>
                 </a:solidFill>
@@ -16355,7 +16447,7 @@
               <a:t>class'float</a:t>
             </a:r>
             <a:r>
-              <a:rPr lang="en-US" sz="3400" b="1" i="0" u="none" strike="noStrike" cap="none" dirty="0">
+              <a:rPr lang="en-US" sz="3400" i="0" u="none" strike="noStrike" cap="none" dirty="0">
                 <a:solidFill>
                   <a:schemeClr val="lt1"/>
                 </a:solidFill>
@@ -16386,7 +16478,7 @@
               <a:buNone/>
             </a:pPr>
             <a:r>
-              <a:rPr lang="en-US" sz="3400" b="1" i="0" u="none" strike="noStrike" cap="none" dirty="0">
+              <a:rPr lang="en-US" sz="3400" i="0" u="none" strike="noStrike" cap="none" dirty="0">
                 <a:solidFill>
                   <a:schemeClr val="lt1"/>
                 </a:solidFill>
@@ -16408,7 +16500,7 @@
   <p:timing>
     <p:tnLst>
       <p:par>
-        <p:cTn id="1" dur="indefinite" restart="never" nodeType="tmRoot"/>
+        <p:cTn xmlns:p14="http://schemas.microsoft.com/office/powerpoint/2010/main" id="1" dur="indefinite" restart="never" nodeType="tmRoot"/>
       </p:par>
     </p:tnLst>
   </p:timing>
@@ -16532,7 +16624,7 @@
               <a:buChar char="•"/>
             </a:pPr>
             <a:r>
-              <a:rPr lang="en-US" sz="3600" u="none" strike="noStrike" cap="none">
+              <a:rPr lang="en-US" sz="3600" u="none" strike="noStrike" cap="none" dirty="0">
                 <a:solidFill>
                   <a:srgbClr val="FF9900"/>
                 </a:solidFill>
@@ -16544,7 +16636,7 @@
               <a:t>Fixed values </a:t>
             </a:r>
             <a:r>
-              <a:rPr lang="en-US" sz="3600" u="none" strike="noStrike" cap="none">
+              <a:rPr lang="en-US" sz="3600" u="none" strike="noStrike" cap="none" dirty="0">
                 <a:solidFill>
                   <a:srgbClr val="FFFFFF"/>
                 </a:solidFill>
@@ -16553,10 +16645,34 @@
                 <a:cs typeface="Arial" charset="0"/>
                 <a:sym typeface="Cabin"/>
               </a:rPr>
-              <a:t>such as numbers, letters, and strings are called </a:t>
-            </a:r>
-            <a:r>
-              <a:rPr lang="en-US" sz="3600" b="0" i="0" u="none" strike="noStrike" cap="none">
+              <a:t>such as numbers, letters, and </a:t>
+            </a:r>
+            <a:r>
+              <a:rPr lang="en-US" sz="3600" u="none" strike="noStrike" cap="none" dirty="0" smtClean="0">
+                <a:solidFill>
+                  <a:srgbClr val="FFFFFF"/>
+                </a:solidFill>
+                <a:latin typeface="Arial" charset="0"/>
+                <a:ea typeface="Arial" charset="0"/>
+                <a:cs typeface="Arial" charset="0"/>
+                <a:sym typeface="Cabin"/>
+              </a:rPr>
+              <a:t>strings, </a:t>
+            </a:r>
+            <a:r>
+              <a:rPr lang="en-US" sz="3600" u="none" strike="noStrike" cap="none" dirty="0">
+                <a:solidFill>
+                  <a:srgbClr val="FFFFFF"/>
+                </a:solidFill>
+                <a:latin typeface="Arial" charset="0"/>
+                <a:ea typeface="Arial" charset="0"/>
+                <a:cs typeface="Arial" charset="0"/>
+                <a:sym typeface="Cabin"/>
+              </a:rPr>
+              <a:t>are called </a:t>
+            </a:r>
+            <a:r>
+              <a:rPr lang="en-US" sz="3600" b="0" i="0" u="none" strike="noStrike" cap="none" dirty="0">
                 <a:solidFill>
                   <a:srgbClr val="FF9900"/>
                 </a:solidFill>
@@ -16568,7 +16684,7 @@
               <a:t>“</a:t>
             </a:r>
             <a:r>
-              <a:rPr lang="en-US" sz="3600" u="none" strike="noStrike" cap="none">
+              <a:rPr lang="en-US" sz="3600" u="none" strike="noStrike" cap="none" dirty="0">
                 <a:solidFill>
                   <a:srgbClr val="FF9900"/>
                 </a:solidFill>
@@ -16580,7 +16696,7 @@
               <a:t>constants</a:t>
             </a:r>
             <a:r>
-              <a:rPr lang="en-US" sz="3600" b="0" i="0" u="none" strike="noStrike" cap="none">
+              <a:rPr lang="en-US" sz="3600" b="0" i="0" u="none" strike="noStrike" cap="none" dirty="0">
                 <a:solidFill>
                   <a:srgbClr val="FF9900"/>
                 </a:solidFill>
@@ -16592,7 +16708,7 @@
               <a:t>”</a:t>
             </a:r>
             <a:r>
-              <a:rPr lang="en-US" sz="3600" u="none" strike="noStrike" cap="none">
+              <a:rPr lang="en-US" sz="3600" u="none" strike="noStrike" cap="none" dirty="0">
                 <a:solidFill>
                   <a:srgbClr val="FF9900"/>
                 </a:solidFill>
@@ -16604,7 +16720,7 @@
               <a:t> </a:t>
             </a:r>
             <a:r>
-              <a:rPr lang="en-US" sz="3600" u="none" strike="noStrike" cap="none">
+              <a:rPr lang="en-US" sz="3600" u="none" strike="noStrike" cap="none" dirty="0">
                 <a:solidFill>
                   <a:srgbClr val="FFFFFF"/>
                 </a:solidFill>
@@ -16635,7 +16751,7 @@
               <a:buChar char="•"/>
             </a:pPr>
             <a:r>
-              <a:rPr lang="en-US" sz="3600" u="none" strike="noStrike" cap="none">
+              <a:rPr lang="en-US" sz="3600" u="none" strike="noStrike" cap="none" dirty="0">
                 <a:solidFill>
                   <a:schemeClr val="lt1"/>
                 </a:solidFill>
@@ -16647,7 +16763,7 @@
               <a:t>Numeric </a:t>
             </a:r>
             <a:r>
-              <a:rPr lang="en-US" sz="3600" u="none" strike="noStrike" cap="none">
+              <a:rPr lang="en-US" sz="3600" u="none" strike="noStrike" cap="none" dirty="0">
                 <a:solidFill>
                   <a:srgbClr val="FF9900"/>
                 </a:solidFill>
@@ -16659,7 +16775,7 @@
               <a:t>constants</a:t>
             </a:r>
             <a:r>
-              <a:rPr lang="en-US" sz="3600" u="none" strike="noStrike" cap="none">
+              <a:rPr lang="en-US" sz="3600" u="none" strike="noStrike" cap="none" dirty="0">
                 <a:solidFill>
                   <a:schemeClr val="lt1"/>
                 </a:solidFill>
@@ -16690,7 +16806,7 @@
               <a:buChar char="•"/>
             </a:pPr>
             <a:r>
-              <a:rPr lang="en-US" sz="3600" u="none" strike="noStrike" cap="none">
+              <a:rPr lang="en-US" sz="3600" u="none" strike="noStrike" cap="none" dirty="0">
                 <a:solidFill>
                   <a:schemeClr val="lt1"/>
                 </a:solidFill>
@@ -16702,7 +16818,7 @@
               <a:t>String </a:t>
             </a:r>
             <a:r>
-              <a:rPr lang="en-US" sz="3600" u="none" strike="noStrike" cap="none">
+              <a:rPr lang="en-US" sz="3600" u="none" strike="noStrike" cap="none" dirty="0">
                 <a:solidFill>
                   <a:srgbClr val="FF9900"/>
                 </a:solidFill>
@@ -16714,7 +16830,7 @@
               <a:t>constants</a:t>
             </a:r>
             <a:r>
-              <a:rPr lang="en-US" sz="3600" u="none" strike="noStrike" cap="none">
+              <a:rPr lang="en-US" sz="3600" u="none" strike="noStrike" cap="none" dirty="0">
                 <a:solidFill>
                   <a:schemeClr val="lt1"/>
                 </a:solidFill>
@@ -16726,7 +16842,7 @@
               <a:t> use single</a:t>
             </a:r>
             <a:r>
-              <a:rPr lang="en-US" sz="3600">
+              <a:rPr lang="en-US" sz="3600" dirty="0">
                 <a:solidFill>
                   <a:schemeClr val="lt1"/>
                 </a:solidFill>
@@ -16738,7 +16854,7 @@
               <a:t> </a:t>
             </a:r>
             <a:r>
-              <a:rPr lang="en-US" sz="3600" u="none" strike="noStrike" cap="none">
+              <a:rPr lang="en-US" sz="3600" u="none" strike="noStrike" cap="none" dirty="0">
                 <a:solidFill>
                   <a:schemeClr val="lt1"/>
                 </a:solidFill>
@@ -16750,7 +16866,7 @@
               <a:t>quotes (')</a:t>
             </a:r>
             <a:br>
-              <a:rPr lang="en-US" sz="3600" u="none" strike="noStrike" cap="none">
+              <a:rPr lang="en-US" sz="3600" u="none" strike="noStrike" cap="none" dirty="0">
                 <a:solidFill>
                   <a:schemeClr val="lt1"/>
                 </a:solidFill>
@@ -16761,7 +16877,7 @@
               </a:rPr>
             </a:br>
             <a:r>
-              <a:rPr lang="en-US" sz="3600" u="none" strike="noStrike" cap="none">
+              <a:rPr lang="en-US" sz="3600" u="none" strike="noStrike" cap="none" dirty="0">
                 <a:solidFill>
                   <a:schemeClr val="lt1"/>
                 </a:solidFill>
@@ -16773,7 +16889,7 @@
               <a:t>or double</a:t>
             </a:r>
             <a:r>
-              <a:rPr lang="en-US" sz="3600">
+              <a:rPr lang="en-US" sz="3600" dirty="0">
                 <a:solidFill>
                   <a:schemeClr val="lt1"/>
                 </a:solidFill>
@@ -16785,7 +16901,7 @@
               <a:t> </a:t>
             </a:r>
             <a:r>
-              <a:rPr lang="en-US" sz="3600" u="none" strike="noStrike" cap="none">
+              <a:rPr lang="en-US" sz="3600" u="none" strike="noStrike" cap="none" dirty="0">
                 <a:solidFill>
                   <a:schemeClr val="lt1"/>
                 </a:solidFill>
@@ -16797,7 +16913,7 @@
               <a:t>quotes (")</a:t>
             </a:r>
             <a:br>
-              <a:rPr lang="en-US" sz="3600" u="none" strike="noStrike" cap="none">
+              <a:rPr lang="en-US" sz="3600" u="none" strike="noStrike" cap="none" dirty="0">
                 <a:solidFill>
                   <a:schemeClr val="lt1"/>
                 </a:solidFill>
@@ -16807,7 +16923,7 @@
                 <a:sym typeface="Cabin"/>
               </a:rPr>
             </a:br>
-            <a:endParaRPr lang="en-US" sz="3600" u="none" strike="noStrike" cap="none">
+            <a:endParaRPr lang="en-US" sz="3600" u="none" strike="noStrike" cap="none" dirty="0">
               <a:solidFill>
                 <a:schemeClr val="lt1"/>
               </a:solidFill>
@@ -16862,7 +16978,7 @@
               <a:buNone/>
             </a:pPr>
             <a:r>
-              <a:rPr lang="en-US" sz="3000" b="1" i="0" u="none" strike="noStrike" cap="none" dirty="0">
+              <a:rPr lang="en-US" sz="3000" i="0" u="none" strike="noStrike" cap="none" dirty="0">
                 <a:solidFill>
                   <a:schemeClr val="lt1"/>
                 </a:solidFill>
@@ -16874,7 +16990,7 @@
               <a:t>&gt;&gt;&gt; </a:t>
             </a:r>
             <a:r>
-              <a:rPr lang="en-US" sz="3000" b="1" i="0" u="none" strike="noStrike" cap="none" dirty="0" smtClean="0">
+              <a:rPr lang="en-US" sz="3000" i="0" u="none" strike="noStrike" cap="none" dirty="0" smtClean="0">
                 <a:solidFill>
                   <a:srgbClr val="FFFF00"/>
                 </a:solidFill>
@@ -16886,7 +17002,7 @@
               <a:t>print(</a:t>
             </a:r>
             <a:r>
-              <a:rPr lang="en-US" sz="3000" b="1" i="0" u="none" strike="noStrike" cap="none" dirty="0" smtClean="0">
+              <a:rPr lang="en-US" sz="3000" i="0" u="none" strike="noStrike" cap="none" dirty="0" smtClean="0">
                 <a:solidFill>
                   <a:srgbClr val="FF9900"/>
                 </a:solidFill>
@@ -16898,7 +17014,7 @@
               <a:t>123</a:t>
             </a:r>
             <a:r>
-              <a:rPr lang="en-US" sz="3000" b="1" i="0" u="none" strike="noStrike" cap="none" dirty="0" smtClean="0">
+              <a:rPr lang="en-US" sz="3000" i="0" u="none" strike="noStrike" cap="none" dirty="0" smtClean="0">
                 <a:solidFill>
                   <a:srgbClr val="FFFF00"/>
                 </a:solidFill>
@@ -16909,7 +17025,7 @@
               </a:rPr>
               <a:t>)</a:t>
             </a:r>
-            <a:endParaRPr lang="en-US" sz="3000" b="1" i="0" u="none" strike="noStrike" cap="none" dirty="0">
+            <a:endParaRPr lang="en-US" sz="3000" i="0" u="none" strike="noStrike" cap="none" dirty="0">
               <a:solidFill>
                 <a:srgbClr val="FFFF00"/>
               </a:solidFill>
@@ -16938,7 +17054,7 @@
               <a:buNone/>
             </a:pPr>
             <a:r>
-              <a:rPr lang="en-US" sz="3000" b="1" i="0" u="none" strike="noStrike" cap="none" dirty="0">
+              <a:rPr lang="en-US" sz="3000" i="0" u="none" strike="noStrike" cap="none" dirty="0">
                 <a:solidFill>
                   <a:schemeClr val="lt1"/>
                 </a:solidFill>
@@ -16958,7 +17074,7 @@
               <a:buSzPct val="25000"/>
             </a:pPr>
             <a:r>
-              <a:rPr lang="en-US" sz="3000" b="1" i="0" u="none" strike="noStrike" cap="none" dirty="0">
+              <a:rPr lang="en-US" sz="3000" i="0" u="none" strike="noStrike" cap="none" dirty="0">
                 <a:solidFill>
                   <a:schemeClr val="lt1"/>
                 </a:solidFill>
@@ -16970,7 +17086,7 @@
               <a:t>&gt;&gt;&gt; </a:t>
             </a:r>
             <a:r>
-              <a:rPr lang="en-US" sz="3000" b="1" i="0" u="none" strike="noStrike" cap="none" dirty="0" smtClean="0">
+              <a:rPr lang="en-US" sz="3000" i="0" u="none" strike="noStrike" cap="none" dirty="0" smtClean="0">
                 <a:solidFill>
                   <a:srgbClr val="FFFF00"/>
                 </a:solidFill>
@@ -16982,7 +17098,7 @@
               <a:t>print(</a:t>
             </a:r>
             <a:r>
-              <a:rPr lang="en-US" sz="3000" b="1" i="0" u="none" strike="noStrike" cap="none" dirty="0" smtClean="0">
+              <a:rPr lang="en-US" sz="3000" i="0" u="none" strike="noStrike" cap="none" dirty="0" smtClean="0">
                 <a:solidFill>
                   <a:srgbClr val="FF9900"/>
                 </a:solidFill>
@@ -16994,7 +17110,7 @@
               <a:t>98.6</a:t>
             </a:r>
             <a:r>
-              <a:rPr lang="en-US" sz="3000" b="1" dirty="0" smtClean="0">
+              <a:rPr lang="en-US" sz="3000" dirty="0" smtClean="0">
                 <a:solidFill>
                   <a:srgbClr val="FFFF00"/>
                 </a:solidFill>
@@ -17005,7 +17121,7 @@
               </a:rPr>
               <a:t>)</a:t>
             </a:r>
-            <a:endParaRPr lang="en-US" sz="3000" b="1" i="0" u="none" strike="noStrike" cap="none" dirty="0">
+            <a:endParaRPr lang="en-US" sz="3000" i="0" u="none" strike="noStrike" cap="none" dirty="0">
               <a:solidFill>
                 <a:srgbClr val="FF9900"/>
               </a:solidFill>
@@ -17034,7 +17150,7 @@
               <a:buNone/>
             </a:pPr>
             <a:r>
-              <a:rPr lang="en-US" sz="3000" b="1" i="0" u="none" strike="noStrike" cap="none" dirty="0">
+              <a:rPr lang="en-US" sz="3000" i="0" u="none" strike="noStrike" cap="none" dirty="0">
                 <a:solidFill>
                   <a:schemeClr val="lt1"/>
                 </a:solidFill>
@@ -17054,7 +17170,7 @@
               <a:buSzPct val="25000"/>
             </a:pPr>
             <a:r>
-              <a:rPr lang="en-US" sz="3000" b="1" i="0" u="none" strike="noStrike" cap="none" dirty="0">
+              <a:rPr lang="en-US" sz="3000" i="0" u="none" strike="noStrike" cap="none" dirty="0">
                 <a:solidFill>
                   <a:schemeClr val="lt1"/>
                 </a:solidFill>
@@ -17066,7 +17182,7 @@
               <a:t>&gt;&gt;&gt;</a:t>
             </a:r>
             <a:r>
-              <a:rPr lang="en-US" sz="3000" b="1" i="0" u="none" strike="noStrike" cap="none" dirty="0">
+              <a:rPr lang="en-US" sz="3000" i="0" u="none" strike="noStrike" cap="none" dirty="0">
                 <a:solidFill>
                   <a:srgbClr val="FFFF00"/>
                 </a:solidFill>
@@ -17078,7 +17194,7 @@
               <a:t> </a:t>
             </a:r>
             <a:r>
-              <a:rPr lang="en-US" sz="3000" b="1" i="0" u="none" strike="noStrike" cap="none" dirty="0" smtClean="0">
+              <a:rPr lang="en-US" sz="3000" i="0" u="none" strike="noStrike" cap="none" dirty="0" smtClean="0">
                 <a:solidFill>
                   <a:srgbClr val="FFFF00"/>
                 </a:solidFill>
@@ -17090,7 +17206,7 @@
               <a:t>print(</a:t>
             </a:r>
             <a:r>
-              <a:rPr lang="en-US" sz="3000" b="1" i="0" u="none" strike="noStrike" cap="none" dirty="0" smtClean="0">
+              <a:rPr lang="en-US" sz="3000" i="0" u="none" strike="noStrike" cap="none" dirty="0" smtClean="0">
                 <a:solidFill>
                   <a:srgbClr val="FF9900"/>
                 </a:solidFill>
@@ -17102,7 +17218,7 @@
               <a:t>'Hello </a:t>
             </a:r>
             <a:r>
-              <a:rPr lang="en-US" sz="3000" b="1" i="0" u="none" strike="noStrike" cap="none">
+              <a:rPr lang="en-US" sz="3000" i="0" u="none" strike="noStrike" cap="none" dirty="0">
                 <a:solidFill>
                   <a:srgbClr val="FF9900"/>
                 </a:solidFill>
@@ -17114,7 +17230,7 @@
               <a:t>world</a:t>
             </a:r>
             <a:r>
-              <a:rPr lang="en-US" sz="3000" b="1" i="0" u="none" strike="noStrike" cap="none" smtClean="0">
+              <a:rPr lang="en-US" sz="3000" i="0" u="none" strike="noStrike" cap="none" dirty="0" smtClean="0">
                 <a:solidFill>
                   <a:srgbClr val="FF9900"/>
                 </a:solidFill>
@@ -17126,7 +17242,7 @@
               <a:t>'</a:t>
             </a:r>
             <a:r>
-              <a:rPr lang="en-US" sz="3000" b="1" smtClean="0">
+              <a:rPr lang="en-US" sz="3000" dirty="0" smtClean="0">
                 <a:solidFill>
                   <a:srgbClr val="FFFF00"/>
                 </a:solidFill>
@@ -17137,7 +17253,7 @@
               </a:rPr>
               <a:t>)</a:t>
             </a:r>
-            <a:endParaRPr lang="en-US" sz="3000" b="1" i="0" u="none" strike="noStrike" cap="none" dirty="0">
+            <a:endParaRPr lang="en-US" sz="3000" i="0" u="none" strike="noStrike" cap="none" dirty="0">
               <a:solidFill>
                 <a:srgbClr val="FF9900"/>
               </a:solidFill>
@@ -17166,7 +17282,7 @@
               <a:buNone/>
             </a:pPr>
             <a:r>
-              <a:rPr lang="en-US" sz="3000" b="1" i="0" u="none" strike="noStrike" cap="none" dirty="0">
+              <a:rPr lang="en-US" sz="3000" i="0" u="none" strike="noStrike" cap="none" dirty="0">
                 <a:solidFill>
                   <a:schemeClr val="lt1"/>
                 </a:solidFill>
@@ -17188,7 +17304,7 @@
   <p:timing>
     <p:tnLst>
       <p:par>
-        <p:cTn id="1" dur="indefinite" restart="never" nodeType="tmRoot"/>
+        <p:cTn xmlns:p14="http://schemas.microsoft.com/office/powerpoint/2010/main" id="1" dur="indefinite" restart="never" nodeType="tmRoot"/>
       </p:par>
     </p:tnLst>
   </p:timing>
@@ -17465,7 +17581,7 @@
               <a:buSzPct val="25000"/>
             </a:pPr>
             <a:r>
-              <a:rPr lang="en-US" sz="3200" b="1" i="0" u="none" strike="noStrike" cap="none" dirty="0">
+              <a:rPr lang="en-US" sz="3200" i="0" u="none" strike="noStrike" cap="none" dirty="0">
                 <a:solidFill>
                   <a:schemeClr val="lt1"/>
                 </a:solidFill>
@@ -17477,7 +17593,7 @@
               <a:t>&gt;&gt;&gt; </a:t>
             </a:r>
             <a:r>
-              <a:rPr lang="en-US" sz="3200" b="1" i="0" u="none" strike="noStrike" cap="none" dirty="0" smtClean="0">
+              <a:rPr lang="en-US" sz="3200" i="0" u="none" strike="noStrike" cap="none" dirty="0" smtClean="0">
                 <a:solidFill>
                   <a:srgbClr val="FFFF00"/>
                 </a:solidFill>
@@ -17489,7 +17605,7 @@
               <a:t>print(</a:t>
             </a:r>
             <a:r>
-              <a:rPr lang="en-US" sz="3200" b="1" i="0" u="none" strike="noStrike" cap="none" dirty="0" smtClean="0">
+              <a:rPr lang="en-US" sz="3200" i="0" u="none" strike="noStrike" cap="none" dirty="0" smtClean="0">
                 <a:solidFill>
                   <a:srgbClr val="00FF00"/>
                 </a:solidFill>
@@ -17501,7 +17617,7 @@
               <a:t>float</a:t>
             </a:r>
             <a:r>
-              <a:rPr lang="en-US" sz="3200" b="1" i="0" u="none" strike="noStrike" cap="none" dirty="0" smtClean="0">
+              <a:rPr lang="en-US" sz="3200" i="0" u="none" strike="noStrike" cap="none" dirty="0" smtClean="0">
                 <a:solidFill>
                   <a:schemeClr val="lt1"/>
                 </a:solidFill>
@@ -17513,7 +17629,7 @@
               <a:t>(99</a:t>
             </a:r>
             <a:r>
-              <a:rPr lang="en-US" sz="3200" b="1" i="0" u="none" strike="noStrike" cap="none" dirty="0">
+              <a:rPr lang="en-US" sz="3200" i="0" u="none" strike="noStrike" cap="none" dirty="0">
                 <a:solidFill>
                   <a:schemeClr val="lt1"/>
                 </a:solidFill>
@@ -17525,7 +17641,7 @@
               <a:t>) </a:t>
             </a:r>
             <a:r>
-              <a:rPr lang="en-US" sz="3200" b="1" i="0" u="none" strike="noStrike" cap="none" dirty="0" smtClean="0">
+              <a:rPr lang="en-US" sz="3200" i="0" u="none" strike="noStrike" cap="none" dirty="0" smtClean="0">
                 <a:solidFill>
                   <a:srgbClr val="00FFFF"/>
                 </a:solidFill>
@@ -17537,7 +17653,7 @@
               <a:t>+</a:t>
             </a:r>
             <a:r>
-              <a:rPr lang="en-US" sz="3200" b="1" i="0" u="none" strike="noStrike" cap="none" dirty="0" smtClean="0">
+              <a:rPr lang="en-US" sz="3200" i="0" u="none" strike="noStrike" cap="none" dirty="0" smtClean="0">
                 <a:solidFill>
                   <a:schemeClr val="lt1"/>
                 </a:solidFill>
@@ -17549,7 +17665,7 @@
               <a:t> 100</a:t>
             </a:r>
             <a:r>
-              <a:rPr lang="en-US" sz="3200" b="1" dirty="0">
+              <a:rPr lang="en-US" sz="3200" dirty="0">
                 <a:solidFill>
                   <a:srgbClr val="FFFF00"/>
                 </a:solidFill>
@@ -17560,7 +17676,7 @@
               </a:rPr>
               <a:t>)</a:t>
             </a:r>
-            <a:endParaRPr lang="en-US" sz="3200" b="1" i="0" u="none" strike="noStrike" cap="none" dirty="0">
+            <a:endParaRPr lang="en-US" sz="3200" i="0" u="none" strike="noStrike" cap="none" dirty="0">
               <a:solidFill>
                 <a:schemeClr val="lt1"/>
               </a:solidFill>
@@ -17589,7 +17705,7 @@
               <a:buNone/>
             </a:pPr>
             <a:r>
-              <a:rPr lang="en-US" sz="3200" b="1" i="0" u="none" strike="noStrike" cap="none" dirty="0" smtClean="0">
+              <a:rPr lang="en-US" sz="3200" i="0" u="none" strike="noStrike" cap="none" dirty="0" smtClean="0">
                 <a:solidFill>
                   <a:schemeClr val="lt1"/>
                 </a:solidFill>
@@ -17600,7 +17716,7 @@
               </a:rPr>
               <a:t>199.0</a:t>
             </a:r>
-            <a:endParaRPr lang="en-US" sz="3200" b="1" i="0" u="none" strike="noStrike" cap="none" dirty="0">
+            <a:endParaRPr lang="en-US" sz="3200" i="0" u="none" strike="noStrike" cap="none" dirty="0">
               <a:solidFill>
                 <a:schemeClr val="lt1"/>
               </a:solidFill>
@@ -17629,7 +17745,7 @@
               <a:buNone/>
             </a:pPr>
             <a:r>
-              <a:rPr lang="en-US" sz="3200" b="1" i="0" u="none" strike="noStrike" cap="none" dirty="0">
+              <a:rPr lang="en-US" sz="3200" i="0" u="none" strike="noStrike" cap="none" dirty="0">
                 <a:solidFill>
                   <a:schemeClr val="lt1"/>
                 </a:solidFill>
@@ -17641,7 +17757,7 @@
               <a:t>&gt;&gt;&gt; </a:t>
             </a:r>
             <a:r>
-              <a:rPr lang="en-US" sz="3200" b="1" i="0" u="none" strike="noStrike" cap="none" dirty="0" err="1">
+              <a:rPr lang="en-US" sz="3200" i="0" u="none" strike="noStrike" cap="none" dirty="0" err="1">
                 <a:solidFill>
                   <a:schemeClr val="lt1"/>
                 </a:solidFill>
@@ -17653,7 +17769,7 @@
               <a:t>i</a:t>
             </a:r>
             <a:r>
-              <a:rPr lang="en-US" sz="3200" b="1" i="0" u="none" strike="noStrike" cap="none" dirty="0">
+              <a:rPr lang="en-US" sz="3200" i="0" u="none" strike="noStrike" cap="none" dirty="0">
                 <a:solidFill>
                   <a:schemeClr val="lt1"/>
                 </a:solidFill>
@@ -17684,7 +17800,7 @@
               <a:buNone/>
             </a:pPr>
             <a:r>
-              <a:rPr lang="en-US" sz="3200" b="1" i="0" u="none" strike="noStrike" cap="none" dirty="0">
+              <a:rPr lang="en-US" sz="3200" i="0" u="none" strike="noStrike" cap="none" dirty="0">
                 <a:solidFill>
                   <a:schemeClr val="lt1"/>
                 </a:solidFill>
@@ -17696,7 +17812,7 @@
               <a:t>&gt;&gt;&gt; </a:t>
             </a:r>
             <a:r>
-              <a:rPr lang="en-US" sz="3200" b="1" i="0" u="none" strike="noStrike" cap="none" dirty="0">
+              <a:rPr lang="en-US" sz="3200" i="0" u="none" strike="noStrike" cap="none" dirty="0">
                 <a:solidFill>
                   <a:srgbClr val="00FF00"/>
                 </a:solidFill>
@@ -17708,7 +17824,7 @@
               <a:t>type</a:t>
             </a:r>
             <a:r>
-              <a:rPr lang="en-US" sz="3200" b="1" i="0" u="none" strike="noStrike" cap="none" dirty="0">
+              <a:rPr lang="en-US" sz="3200" i="0" u="none" strike="noStrike" cap="none" dirty="0">
                 <a:solidFill>
                   <a:schemeClr val="lt1"/>
                 </a:solidFill>
@@ -17720,7 +17836,7 @@
               <a:t>(</a:t>
             </a:r>
             <a:r>
-              <a:rPr lang="en-US" sz="3200" b="1" i="0" u="none" strike="noStrike" cap="none" dirty="0" err="1">
+              <a:rPr lang="en-US" sz="3200" i="0" u="none" strike="noStrike" cap="none" dirty="0" err="1">
                 <a:solidFill>
                   <a:schemeClr val="lt1"/>
                 </a:solidFill>
@@ -17732,7 +17848,7 @@
               <a:t>i</a:t>
             </a:r>
             <a:r>
-              <a:rPr lang="en-US" sz="3200" b="1" i="0" u="none" strike="noStrike" cap="none" dirty="0">
+              <a:rPr lang="en-US" sz="3200" i="0" u="none" strike="noStrike" cap="none" dirty="0">
                 <a:solidFill>
                   <a:schemeClr val="lt1"/>
                 </a:solidFill>
@@ -17763,7 +17879,7 @@
               <a:buNone/>
             </a:pPr>
             <a:r>
-              <a:rPr lang="en-US" sz="3200" b="1" i="0" u="none" strike="noStrike" cap="none" dirty="0" smtClean="0">
+              <a:rPr lang="en-US" sz="3200" i="0" u="none" strike="noStrike" cap="none" dirty="0" smtClean="0">
                 <a:solidFill>
                   <a:schemeClr val="lt1"/>
                 </a:solidFill>
@@ -17775,7 +17891,7 @@
               <a:t>&lt;</a:t>
             </a:r>
             <a:r>
-              <a:rPr lang="en-US" sz="3200" b="1" i="0" u="none" strike="noStrike" cap="none" dirty="0" err="1" smtClean="0">
+              <a:rPr lang="en-US" sz="3200" i="0" u="none" strike="noStrike" cap="none" dirty="0" err="1" smtClean="0">
                 <a:solidFill>
                   <a:schemeClr val="lt1"/>
                 </a:solidFill>
@@ -17787,7 +17903,7 @@
               <a:t>class'int</a:t>
             </a:r>
             <a:r>
-              <a:rPr lang="en-US" sz="3200" b="1" i="0" u="none" strike="noStrike" cap="none" dirty="0">
+              <a:rPr lang="en-US" sz="3200" i="0" u="none" strike="noStrike" cap="none" dirty="0">
                 <a:solidFill>
                   <a:schemeClr val="lt1"/>
                 </a:solidFill>
@@ -17818,7 +17934,7 @@
               <a:buNone/>
             </a:pPr>
             <a:r>
-              <a:rPr lang="en-US" sz="3200" b="1" i="0" u="none" strike="noStrike" cap="none" dirty="0">
+              <a:rPr lang="en-US" sz="3200" i="0" u="none" strike="noStrike" cap="none" dirty="0">
                 <a:solidFill>
                   <a:schemeClr val="lt1"/>
                 </a:solidFill>
@@ -17830,7 +17946,7 @@
               <a:t>&gt;&gt;&gt; f = </a:t>
             </a:r>
             <a:r>
-              <a:rPr lang="en-US" sz="3200" b="1" i="0" u="none" strike="noStrike" cap="none" dirty="0">
+              <a:rPr lang="en-US" sz="3200" i="0" u="none" strike="noStrike" cap="none" dirty="0">
                 <a:solidFill>
                   <a:srgbClr val="00FF00"/>
                 </a:solidFill>
@@ -17842,7 +17958,7 @@
               <a:t>float</a:t>
             </a:r>
             <a:r>
-              <a:rPr lang="en-US" sz="3200" b="1" i="0" u="none" strike="noStrike" cap="none" dirty="0">
+              <a:rPr lang="en-US" sz="3200" i="0" u="none" strike="noStrike" cap="none" dirty="0">
                 <a:solidFill>
                   <a:schemeClr val="lt1"/>
                 </a:solidFill>
@@ -17854,7 +17970,7 @@
               <a:t>(</a:t>
             </a:r>
             <a:r>
-              <a:rPr lang="en-US" sz="3200" b="1" i="0" u="none" strike="noStrike" cap="none" dirty="0" err="1">
+              <a:rPr lang="en-US" sz="3200" i="0" u="none" strike="noStrike" cap="none" dirty="0" err="1">
                 <a:solidFill>
                   <a:schemeClr val="lt1"/>
                 </a:solidFill>
@@ -17866,7 +17982,7 @@
               <a:t>i</a:t>
             </a:r>
             <a:r>
-              <a:rPr lang="en-US" sz="3200" b="1" i="0" u="none" strike="noStrike" cap="none" dirty="0">
+              <a:rPr lang="en-US" sz="3200" i="0" u="none" strike="noStrike" cap="none" dirty="0">
                 <a:solidFill>
                   <a:schemeClr val="lt1"/>
                 </a:solidFill>
@@ -17886,7 +18002,7 @@
               <a:buSzPct val="25000"/>
             </a:pPr>
             <a:r>
-              <a:rPr lang="en-US" sz="3200" b="1" i="0" u="none" strike="noStrike" cap="none" dirty="0">
+              <a:rPr lang="en-US" sz="3200" i="0" u="none" strike="noStrike" cap="none" dirty="0">
                 <a:solidFill>
                   <a:schemeClr val="lt1"/>
                 </a:solidFill>
@@ -17898,7 +18014,7 @@
               <a:t>&gt;&gt;&gt; </a:t>
             </a:r>
             <a:r>
-              <a:rPr lang="en-US" sz="3200" b="1" i="0" u="none" strike="noStrike" cap="none" dirty="0" smtClean="0">
+              <a:rPr lang="en-US" sz="3200" i="0" u="none" strike="noStrike" cap="none" dirty="0" smtClean="0">
                 <a:solidFill>
                   <a:srgbClr val="FFFF00"/>
                 </a:solidFill>
@@ -17910,7 +18026,7 @@
               <a:t>print(</a:t>
             </a:r>
             <a:r>
-              <a:rPr lang="en-US" sz="3200" b="1" i="0" u="none" strike="noStrike" cap="none" dirty="0" smtClean="0">
+              <a:rPr lang="en-US" sz="3200" i="0" u="none" strike="noStrike" cap="none" dirty="0" smtClean="0">
                 <a:solidFill>
                   <a:schemeClr val="lt1"/>
                 </a:solidFill>
@@ -17922,7 +18038,7 @@
               <a:t>f</a:t>
             </a:r>
             <a:r>
-              <a:rPr lang="en-US" sz="3200" b="1" dirty="0">
+              <a:rPr lang="en-US" sz="3200" dirty="0">
                 <a:solidFill>
                   <a:srgbClr val="FFFF00"/>
                 </a:solidFill>
@@ -17933,7 +18049,7 @@
               </a:rPr>
               <a:t>)</a:t>
             </a:r>
-            <a:endParaRPr lang="en-US" sz="3200" b="1" i="0" u="none" strike="noStrike" cap="none" dirty="0">
+            <a:endParaRPr lang="en-US" sz="3200" i="0" u="none" strike="noStrike" cap="none" dirty="0">
               <a:solidFill>
                 <a:schemeClr val="lt1"/>
               </a:solidFill>
@@ -17962,7 +18078,7 @@
               <a:buNone/>
             </a:pPr>
             <a:r>
-              <a:rPr lang="en-US" sz="3200" b="1" i="0" u="none" strike="noStrike" cap="none" dirty="0">
+              <a:rPr lang="en-US" sz="3200" i="0" u="none" strike="noStrike" cap="none" dirty="0">
                 <a:solidFill>
                   <a:schemeClr val="lt1"/>
                 </a:solidFill>
@@ -17993,7 +18109,7 @@
               <a:buNone/>
             </a:pPr>
             <a:r>
-              <a:rPr lang="en-US" sz="3200" b="1" i="0" u="none" strike="noStrike" cap="none" dirty="0">
+              <a:rPr lang="en-US" sz="3200" i="0" u="none" strike="noStrike" cap="none" dirty="0">
                 <a:solidFill>
                   <a:schemeClr val="lt1"/>
                 </a:solidFill>
@@ -18005,7 +18121,7 @@
               <a:t>&gt;&gt;&gt; </a:t>
             </a:r>
             <a:r>
-              <a:rPr lang="en-US" sz="3200" b="1" i="0" u="none" strike="noStrike" cap="none" dirty="0">
+              <a:rPr lang="en-US" sz="3200" i="0" u="none" strike="noStrike" cap="none" dirty="0">
                 <a:solidFill>
                   <a:srgbClr val="00FF00"/>
                 </a:solidFill>
@@ -18017,7 +18133,7 @@
               <a:t>type</a:t>
             </a:r>
             <a:r>
-              <a:rPr lang="en-US" sz="3200" b="1" i="0" u="none" strike="noStrike" cap="none" dirty="0">
+              <a:rPr lang="en-US" sz="3200" i="0" u="none" strike="noStrike" cap="none" dirty="0">
                 <a:solidFill>
                   <a:schemeClr val="lt1"/>
                 </a:solidFill>
@@ -18048,7 +18164,7 @@
               <a:buNone/>
             </a:pPr>
             <a:r>
-              <a:rPr lang="en-US" sz="3200" b="1" i="0" u="none" strike="noStrike" cap="none" dirty="0" smtClean="0">
+              <a:rPr lang="en-US" sz="3200" i="0" u="none" strike="noStrike" cap="none" dirty="0" smtClean="0">
                 <a:solidFill>
                   <a:schemeClr val="lt1"/>
                 </a:solidFill>
@@ -18060,7 +18176,7 @@
               <a:t>&lt;</a:t>
             </a:r>
             <a:r>
-              <a:rPr lang="en-US" sz="3200" b="1" i="0" u="none" strike="noStrike" cap="none" dirty="0" err="1" smtClean="0">
+              <a:rPr lang="en-US" sz="3200" i="0" u="none" strike="noStrike" cap="none" dirty="0" err="1" smtClean="0">
                 <a:solidFill>
                   <a:schemeClr val="lt1"/>
                 </a:solidFill>
@@ -18072,7 +18188,7 @@
               <a:t>class'float</a:t>
             </a:r>
             <a:r>
-              <a:rPr lang="en-US" sz="3200" b="1" i="0" u="none" strike="noStrike" cap="none" dirty="0">
+              <a:rPr lang="en-US" sz="3200" i="0" u="none" strike="noStrike" cap="none" dirty="0">
                 <a:solidFill>
                   <a:schemeClr val="lt1"/>
                 </a:solidFill>
@@ -18103,7 +18219,7 @@
               <a:buNone/>
             </a:pPr>
             <a:r>
-              <a:rPr lang="en-US" sz="3200" b="1" i="0" u="none" strike="noStrike" cap="none" dirty="0" smtClean="0">
+              <a:rPr lang="en-US" sz="3200" i="0" u="none" strike="noStrike" cap="none" dirty="0" smtClean="0">
                 <a:solidFill>
                   <a:schemeClr val="lt1"/>
                 </a:solidFill>
@@ -18114,7 +18230,7 @@
               </a:rPr>
               <a:t>&gt;&gt;&gt; </a:t>
             </a:r>
-            <a:endParaRPr lang="en-US" sz="3200" b="1" i="0" u="none" strike="noStrike" cap="none" dirty="0">
+            <a:endParaRPr lang="en-US" sz="3200" i="0" u="none" strike="noStrike" cap="none" dirty="0">
               <a:solidFill>
                 <a:schemeClr val="lt1"/>
               </a:solidFill>
@@ -18134,7 +18250,7 @@
   <p:timing>
     <p:tnLst>
       <p:par>
-        <p:cTn id="1" dur="indefinite" restart="never" nodeType="tmRoot"/>
+        <p:cTn xmlns:p14="http://schemas.microsoft.com/office/powerpoint/2010/main" id="1" dur="indefinite" restart="never" nodeType="tmRoot"/>
       </p:par>
     </p:tnLst>
   </p:timing>
@@ -18338,7 +18454,7 @@
               <a:buSzPct val="25000"/>
             </a:pPr>
             <a:r>
-              <a:rPr lang="en-US" sz="3000" b="1" i="0" u="none" strike="noStrike" cap="none" dirty="0" smtClean="0">
+              <a:rPr lang="en-US" sz="3000" i="0" u="none" strike="noStrike" cap="none" dirty="0" smtClean="0">
                 <a:solidFill>
                   <a:schemeClr val="lt1"/>
                 </a:solidFill>
@@ -18350,7 +18466,7 @@
               <a:t>&gt;&gt;&gt; </a:t>
             </a:r>
             <a:r>
-              <a:rPr lang="en-US" sz="3000" b="1" i="0" u="none" strike="noStrike" cap="none" dirty="0" smtClean="0">
+              <a:rPr lang="en-US" sz="3000" i="0" u="none" strike="noStrike" cap="none" dirty="0" smtClean="0">
                 <a:solidFill>
                   <a:srgbClr val="FFFF00"/>
                 </a:solidFill>
@@ -18362,7 +18478,7 @@
               <a:t>print(</a:t>
             </a:r>
             <a:r>
-              <a:rPr lang="en-US" sz="3000" b="1" i="0" u="none" strike="noStrike" cap="none" dirty="0" smtClean="0">
+              <a:rPr lang="en-US" sz="3000" i="0" u="none" strike="noStrike" cap="none" dirty="0" smtClean="0">
                 <a:solidFill>
                   <a:schemeClr val="lt1"/>
                 </a:solidFill>
@@ -18374,7 +18490,7 @@
               <a:t>10 </a:t>
             </a:r>
             <a:r>
-              <a:rPr lang="en-US" sz="3000" b="1" i="0" u="none" strike="noStrike" cap="none" dirty="0" smtClean="0">
+              <a:rPr lang="en-US" sz="3000" i="0" u="none" strike="noStrike" cap="none" dirty="0" smtClean="0">
                 <a:solidFill>
                   <a:srgbClr val="00FFFF"/>
                 </a:solidFill>
@@ -18386,7 +18502,7 @@
               <a:t>/</a:t>
             </a:r>
             <a:r>
-              <a:rPr lang="en-US" sz="3000" b="1" i="0" u="none" strike="noStrike" cap="none" dirty="0" smtClean="0">
+              <a:rPr lang="en-US" sz="3000" i="0" u="none" strike="noStrike" cap="none" dirty="0" smtClean="0">
                 <a:solidFill>
                   <a:schemeClr val="lt1"/>
                 </a:solidFill>
@@ -18398,7 +18514,7 @@
               <a:t> 2</a:t>
             </a:r>
             <a:r>
-              <a:rPr lang="en-US" sz="3000" b="1" dirty="0" smtClean="0">
+              <a:rPr lang="en-US" sz="3000" dirty="0" smtClean="0">
                 <a:solidFill>
                   <a:srgbClr val="FFFF00"/>
                 </a:solidFill>
@@ -18410,7 +18526,7 @@
               <a:t>)</a:t>
             </a:r>
             <a:r>
-              <a:rPr lang="en-US" sz="3000" b="1" dirty="0" smtClean="0">
+              <a:rPr lang="en-US" sz="3000" dirty="0" smtClean="0">
                 <a:solidFill>
                   <a:schemeClr val="lt1"/>
                 </a:solidFill>
@@ -18421,7 +18537,7 @@
               </a:rPr>
               <a:t> </a:t>
             </a:r>
-            <a:endParaRPr lang="en-US" sz="3000" b="1" i="0" u="none" strike="noStrike" cap="none" dirty="0" smtClean="0">
+            <a:endParaRPr lang="en-US" sz="3000" i="0" u="none" strike="noStrike" cap="none" dirty="0" smtClean="0">
               <a:solidFill>
                 <a:schemeClr val="lt1"/>
               </a:solidFill>
@@ -18450,7 +18566,7 @@
               <a:buNone/>
             </a:pPr>
             <a:r>
-              <a:rPr lang="en-US" sz="3000" b="1" i="0" u="none" strike="noStrike" cap="none" dirty="0" smtClean="0">
+              <a:rPr lang="en-US" sz="3000" i="0" u="none" strike="noStrike" cap="none" dirty="0" smtClean="0">
                 <a:solidFill>
                   <a:schemeClr val="lt1"/>
                 </a:solidFill>
@@ -18470,7 +18586,7 @@
               <a:buSzPct val="25000"/>
             </a:pPr>
             <a:r>
-              <a:rPr lang="en-US" sz="3000" b="1" i="0" u="none" strike="noStrike" cap="none" dirty="0" smtClean="0">
+              <a:rPr lang="en-US" sz="3000" i="0" u="none" strike="noStrike" cap="none" dirty="0" smtClean="0">
                 <a:solidFill>
                   <a:schemeClr val="lt1"/>
                 </a:solidFill>
@@ -18482,7 +18598,7 @@
               <a:t>&gt;&gt;&gt; </a:t>
             </a:r>
             <a:r>
-              <a:rPr lang="en-US" sz="3000" b="1" i="0" u="none" strike="noStrike" cap="none" dirty="0" smtClean="0">
+              <a:rPr lang="en-US" sz="3000" i="0" u="none" strike="noStrike" cap="none" dirty="0" smtClean="0">
                 <a:solidFill>
                   <a:srgbClr val="FFFF00"/>
                 </a:solidFill>
@@ -18494,7 +18610,7 @@
               <a:t>print(</a:t>
             </a:r>
             <a:r>
-              <a:rPr lang="en-US" sz="3000" b="1" i="0" u="none" strike="noStrike" cap="none" dirty="0" smtClean="0">
+              <a:rPr lang="en-US" sz="3000" i="0" u="none" strike="noStrike" cap="none" dirty="0" smtClean="0">
                 <a:solidFill>
                   <a:schemeClr val="lt1"/>
                 </a:solidFill>
@@ -18506,7 +18622,7 @@
               <a:t>9 </a:t>
             </a:r>
             <a:r>
-              <a:rPr lang="en-US" sz="3000" b="1" i="0" u="none" strike="noStrike" cap="none" dirty="0" smtClean="0">
+              <a:rPr lang="en-US" sz="3000" i="0" u="none" strike="noStrike" cap="none" dirty="0" smtClean="0">
                 <a:solidFill>
                   <a:srgbClr val="00FFFF"/>
                 </a:solidFill>
@@ -18518,7 +18634,7 @@
               <a:t>/</a:t>
             </a:r>
             <a:r>
-              <a:rPr lang="en-US" sz="3000" b="1" i="0" u="none" strike="noStrike" cap="none" dirty="0" smtClean="0">
+              <a:rPr lang="en-US" sz="3000" i="0" u="none" strike="noStrike" cap="none" dirty="0" smtClean="0">
                 <a:solidFill>
                   <a:schemeClr val="lt1"/>
                 </a:solidFill>
@@ -18530,7 +18646,7 @@
               <a:t> 2</a:t>
             </a:r>
             <a:r>
-              <a:rPr lang="en-US" sz="3000" b="1" dirty="0" smtClean="0">
+              <a:rPr lang="en-US" sz="3000" dirty="0" smtClean="0">
                 <a:solidFill>
                   <a:srgbClr val="FFFF00"/>
                 </a:solidFill>
@@ -18542,7 +18658,7 @@
               <a:t>)</a:t>
             </a:r>
             <a:r>
-              <a:rPr lang="en-US" sz="3000" b="1" dirty="0" smtClean="0">
+              <a:rPr lang="en-US" sz="3000" dirty="0" smtClean="0">
                 <a:solidFill>
                   <a:schemeClr val="lt1"/>
                 </a:solidFill>
@@ -18553,7 +18669,7 @@
               </a:rPr>
               <a:t> </a:t>
             </a:r>
-            <a:endParaRPr lang="en-US" sz="3000" b="1" i="0" u="none" strike="noStrike" cap="none" dirty="0" smtClean="0">
+            <a:endParaRPr lang="en-US" sz="3000" i="0" u="none" strike="noStrike" cap="none" dirty="0" smtClean="0">
               <a:solidFill>
                 <a:schemeClr val="lt1"/>
               </a:solidFill>
@@ -18582,7 +18698,7 @@
               <a:buNone/>
             </a:pPr>
             <a:r>
-              <a:rPr lang="en-US" sz="3000" b="1" i="0" u="none" strike="noStrike" cap="none" dirty="0" smtClean="0">
+              <a:rPr lang="en-US" sz="3000" i="0" u="none" strike="noStrike" cap="none" dirty="0" smtClean="0">
                 <a:solidFill>
                   <a:schemeClr val="lt1"/>
                 </a:solidFill>
@@ -18602,7 +18718,7 @@
               <a:buSzPct val="25000"/>
             </a:pPr>
             <a:r>
-              <a:rPr lang="en-US" sz="3000" b="1" i="0" u="none" strike="noStrike" cap="none" dirty="0" smtClean="0">
+              <a:rPr lang="en-US" sz="3000" i="0" u="none" strike="noStrike" cap="none" dirty="0" smtClean="0">
                 <a:solidFill>
                   <a:schemeClr val="lt1"/>
                 </a:solidFill>
@@ -18614,7 +18730,7 @@
               <a:t>&gt;&gt;&gt; </a:t>
             </a:r>
             <a:r>
-              <a:rPr lang="en-US" sz="3000" b="1" i="0" u="none" strike="noStrike" cap="none" dirty="0" smtClean="0">
+              <a:rPr lang="en-US" sz="3000" i="0" u="none" strike="noStrike" cap="none" dirty="0" smtClean="0">
                 <a:solidFill>
                   <a:srgbClr val="FFFF00"/>
                 </a:solidFill>
@@ -18626,7 +18742,7 @@
               <a:t>print(</a:t>
             </a:r>
             <a:r>
-              <a:rPr lang="en-US" sz="3000" b="1" i="0" u="none" strike="noStrike" cap="none" dirty="0" smtClean="0">
+              <a:rPr lang="en-US" sz="3000" i="0" u="none" strike="noStrike" cap="none" dirty="0" smtClean="0">
                 <a:solidFill>
                   <a:schemeClr val="lt1"/>
                 </a:solidFill>
@@ -18638,7 +18754,7 @@
               <a:t>99 </a:t>
             </a:r>
             <a:r>
-              <a:rPr lang="en-US" sz="3000" b="1" i="0" u="none" strike="noStrike" cap="none" dirty="0" smtClean="0">
+              <a:rPr lang="en-US" sz="3000" i="0" u="none" strike="noStrike" cap="none" dirty="0" smtClean="0">
                 <a:solidFill>
                   <a:srgbClr val="00FFFF"/>
                 </a:solidFill>
@@ -18650,7 +18766,7 @@
               <a:t>/ </a:t>
             </a:r>
             <a:r>
-              <a:rPr lang="en-US" sz="3000" b="1" i="0" u="none" strike="noStrike" cap="none" dirty="0" smtClean="0">
+              <a:rPr lang="en-US" sz="3000" i="0" u="none" strike="noStrike" cap="none" dirty="0" smtClean="0">
                 <a:solidFill>
                   <a:schemeClr val="lt1"/>
                 </a:solidFill>
@@ -18662,7 +18778,7 @@
               <a:t>100</a:t>
             </a:r>
             <a:r>
-              <a:rPr lang="en-US" sz="3000" b="1" dirty="0" smtClean="0">
+              <a:rPr lang="en-US" sz="3000" dirty="0" smtClean="0">
                 <a:solidFill>
                   <a:srgbClr val="FFFF00"/>
                 </a:solidFill>
@@ -18674,7 +18790,7 @@
               <a:t>)</a:t>
             </a:r>
             <a:r>
-              <a:rPr lang="en-US" sz="3000" b="1" dirty="0" smtClean="0">
+              <a:rPr lang="en-US" sz="3000" dirty="0" smtClean="0">
                 <a:solidFill>
                   <a:schemeClr val="lt1"/>
                 </a:solidFill>
@@ -18685,7 +18801,7 @@
               </a:rPr>
               <a:t> </a:t>
             </a:r>
-            <a:endParaRPr lang="en-US" sz="3000" b="1" i="0" u="none" strike="noStrike" cap="none" dirty="0" smtClean="0">
+            <a:endParaRPr lang="en-US" sz="3000" i="0" u="none" strike="noStrike" cap="none" dirty="0" smtClean="0">
               <a:solidFill>
                 <a:schemeClr val="lt1"/>
               </a:solidFill>
@@ -18714,7 +18830,7 @@
               <a:buNone/>
             </a:pPr>
             <a:r>
-              <a:rPr lang="en-US" sz="3000" b="1" i="0" u="none" strike="noStrike" cap="none" dirty="0" smtClean="0">
+              <a:rPr lang="en-US" sz="3000" i="0" u="none" strike="noStrike" cap="none" dirty="0" smtClean="0">
                 <a:solidFill>
                   <a:schemeClr val="lt1"/>
                 </a:solidFill>
@@ -18734,7 +18850,7 @@
               <a:buSzPct val="25000"/>
             </a:pPr>
             <a:r>
-              <a:rPr lang="en-US" sz="3000" b="1" i="0" u="none" strike="noStrike" cap="none" dirty="0" smtClean="0">
+              <a:rPr lang="en-US" sz="3000" i="0" u="none" strike="noStrike" cap="none" dirty="0" smtClean="0">
                 <a:solidFill>
                   <a:schemeClr val="lt1"/>
                 </a:solidFill>
@@ -18746,7 +18862,7 @@
               <a:t>&gt;&gt;&gt; </a:t>
             </a:r>
             <a:r>
-              <a:rPr lang="en-US" sz="3000" b="1" i="0" u="none" strike="noStrike" cap="none" dirty="0" smtClean="0">
+              <a:rPr lang="en-US" sz="3000" i="0" u="none" strike="noStrike" cap="none" dirty="0" smtClean="0">
                 <a:solidFill>
                   <a:srgbClr val="FFFF00"/>
                 </a:solidFill>
@@ -18758,7 +18874,7 @@
               <a:t>print(</a:t>
             </a:r>
             <a:r>
-              <a:rPr lang="en-US" sz="3000" b="1" i="0" u="none" strike="noStrike" cap="none" dirty="0" smtClean="0">
+              <a:rPr lang="en-US" sz="3000" i="0" u="none" strike="noStrike" cap="none" dirty="0" smtClean="0">
                 <a:solidFill>
                   <a:schemeClr val="lt1"/>
                 </a:solidFill>
@@ -18770,7 +18886,7 @@
               <a:t>10.0 </a:t>
             </a:r>
             <a:r>
-              <a:rPr lang="en-US" sz="3000" b="1" i="0" u="none" strike="noStrike" cap="none" dirty="0" smtClean="0">
+              <a:rPr lang="en-US" sz="3000" i="0" u="none" strike="noStrike" cap="none" dirty="0" smtClean="0">
                 <a:solidFill>
                   <a:srgbClr val="00FFFF"/>
                 </a:solidFill>
@@ -18782,7 +18898,7 @@
               <a:t>/</a:t>
             </a:r>
             <a:r>
-              <a:rPr lang="en-US" sz="3000" b="1" i="0" u="none" strike="noStrike" cap="none" dirty="0" smtClean="0">
+              <a:rPr lang="en-US" sz="3000" i="0" u="none" strike="noStrike" cap="none" dirty="0" smtClean="0">
                 <a:solidFill>
                   <a:schemeClr val="lt1"/>
                 </a:solidFill>
@@ -18794,7 +18910,7 @@
               <a:t> 2.0</a:t>
             </a:r>
             <a:r>
-              <a:rPr lang="en-US" sz="3000" b="1" dirty="0" smtClean="0">
+              <a:rPr lang="en-US" sz="3000" dirty="0" smtClean="0">
                 <a:solidFill>
                   <a:srgbClr val="FFFF00"/>
                 </a:solidFill>
@@ -18806,7 +18922,7 @@
               <a:t>)</a:t>
             </a:r>
             <a:r>
-              <a:rPr lang="en-US" sz="3000" b="1" dirty="0" smtClean="0">
+              <a:rPr lang="en-US" sz="3000" dirty="0" smtClean="0">
                 <a:solidFill>
                   <a:schemeClr val="lt1"/>
                 </a:solidFill>
@@ -18817,7 +18933,7 @@
               </a:rPr>
               <a:t> </a:t>
             </a:r>
-            <a:endParaRPr lang="en-US" sz="3000" b="1" i="0" u="none" strike="noStrike" cap="none" dirty="0" smtClean="0">
+            <a:endParaRPr lang="en-US" sz="3000" i="0" u="none" strike="noStrike" cap="none" dirty="0" smtClean="0">
               <a:solidFill>
                 <a:schemeClr val="lt1"/>
               </a:solidFill>
@@ -18846,7 +18962,7 @@
               <a:buNone/>
             </a:pPr>
             <a:r>
-              <a:rPr lang="en-US" sz="3000" b="1" i="0" u="none" strike="noStrike" cap="none" dirty="0" smtClean="0">
+              <a:rPr lang="en-US" sz="3000" i="0" u="none" strike="noStrike" cap="none" dirty="0" smtClean="0">
                 <a:solidFill>
                   <a:schemeClr val="lt1"/>
                 </a:solidFill>
@@ -18866,7 +18982,7 @@
               <a:buSzPct val="25000"/>
             </a:pPr>
             <a:r>
-              <a:rPr lang="en-US" sz="3000" b="1" i="0" u="none" strike="noStrike" cap="none" dirty="0" smtClean="0">
+              <a:rPr lang="en-US" sz="3000" i="0" u="none" strike="noStrike" cap="none" dirty="0" smtClean="0">
                 <a:solidFill>
                   <a:schemeClr val="lt1"/>
                 </a:solidFill>
@@ -18878,7 +18994,7 @@
               <a:t>&gt;&gt;&gt; </a:t>
             </a:r>
             <a:r>
-              <a:rPr lang="en-US" sz="3000" b="1" i="0" u="none" strike="noStrike" cap="none" dirty="0" smtClean="0">
+              <a:rPr lang="en-US" sz="3000" i="0" u="none" strike="noStrike" cap="none" dirty="0" smtClean="0">
                 <a:solidFill>
                   <a:srgbClr val="FFFF00"/>
                 </a:solidFill>
@@ -18890,7 +19006,7 @@
               <a:t>print(</a:t>
             </a:r>
             <a:r>
-              <a:rPr lang="en-US" sz="3000" b="1" i="0" u="none" strike="noStrike" cap="none" dirty="0" smtClean="0">
+              <a:rPr lang="en-US" sz="3000" i="0" u="none" strike="noStrike" cap="none" dirty="0" smtClean="0">
                 <a:solidFill>
                   <a:schemeClr val="lt1"/>
                 </a:solidFill>
@@ -18902,7 +19018,7 @@
               <a:t>99.0 </a:t>
             </a:r>
             <a:r>
-              <a:rPr lang="en-US" sz="3000" b="1" i="0" u="none" strike="noStrike" cap="none" dirty="0" smtClean="0">
+              <a:rPr lang="en-US" sz="3000" i="0" u="none" strike="noStrike" cap="none" dirty="0" smtClean="0">
                 <a:solidFill>
                   <a:srgbClr val="00FFFF"/>
                 </a:solidFill>
@@ -18914,7 +19030,7 @@
               <a:t>/</a:t>
             </a:r>
             <a:r>
-              <a:rPr lang="en-US" sz="3000" b="1" i="0" u="none" strike="noStrike" cap="none" dirty="0" smtClean="0">
+              <a:rPr lang="en-US" sz="3000" i="0" u="none" strike="noStrike" cap="none" dirty="0" smtClean="0">
                 <a:solidFill>
                   <a:schemeClr val="lt1"/>
                 </a:solidFill>
@@ -18926,7 +19042,7 @@
               <a:t> 100.0</a:t>
             </a:r>
             <a:r>
-              <a:rPr lang="en-US" sz="3000" b="1" dirty="0">
+              <a:rPr lang="en-US" sz="3000" dirty="0">
                 <a:solidFill>
                   <a:srgbClr val="FFFF00"/>
                 </a:solidFill>
@@ -18938,7 +19054,7 @@
               <a:t>)</a:t>
             </a:r>
             <a:r>
-              <a:rPr lang="en-US" sz="3000" b="1" dirty="0">
+              <a:rPr lang="en-US" sz="3000" dirty="0">
                 <a:solidFill>
                   <a:schemeClr val="lt1"/>
                 </a:solidFill>
@@ -18949,7 +19065,7 @@
               </a:rPr>
               <a:t> </a:t>
             </a:r>
-            <a:endParaRPr lang="en-US" sz="3000" b="1" i="0" u="none" strike="noStrike" cap="none" dirty="0" smtClean="0">
+            <a:endParaRPr lang="en-US" sz="3000" i="0" u="none" strike="noStrike" cap="none" dirty="0" smtClean="0">
               <a:solidFill>
                 <a:schemeClr val="lt1"/>
               </a:solidFill>
@@ -18978,7 +19094,7 @@
               <a:buNone/>
             </a:pPr>
             <a:r>
-              <a:rPr lang="en-US" sz="3000" b="1" i="0" u="none" strike="noStrike" cap="none" dirty="0" smtClean="0">
+              <a:rPr lang="en-US" sz="3000" i="0" u="none" strike="noStrike" cap="none" dirty="0" smtClean="0">
                 <a:solidFill>
                   <a:schemeClr val="lt1"/>
                 </a:solidFill>
@@ -18989,7 +19105,7 @@
               </a:rPr>
               <a:t>0.99</a:t>
             </a:r>
-            <a:endParaRPr lang="en-US" sz="3000" b="1" i="0" u="none" strike="noStrike" cap="none" dirty="0">
+            <a:endParaRPr lang="en-US" sz="3000" i="0" u="none" strike="noStrike" cap="none" dirty="0">
               <a:solidFill>
                 <a:schemeClr val="lt1"/>
               </a:solidFill>
@@ -19080,7 +19196,7 @@
   <p:timing>
     <p:tnLst>
       <p:par>
-        <p:cTn id="1" dur="indefinite" restart="never" nodeType="tmRoot"/>
+        <p:cTn xmlns:p14="http://schemas.microsoft.com/office/powerpoint/2010/main" id="1" dur="indefinite" restart="never" nodeType="tmRoot"/>
       </p:par>
     </p:tnLst>
   </p:timing>
@@ -19384,7 +19500,7 @@
               <a:buNone/>
             </a:pPr>
             <a:r>
-              <a:rPr lang="en-US" sz="2400" b="1" i="0" u="none" strike="noStrike" cap="none" dirty="0">
+              <a:rPr lang="en-US" sz="2400" i="0" u="none" strike="noStrike" cap="none" dirty="0">
                 <a:solidFill>
                   <a:schemeClr val="lt1"/>
                 </a:solidFill>
@@ -19396,7 +19512,7 @@
               <a:t>&gt;</a:t>
             </a:r>
             <a:r>
-              <a:rPr lang="en-US" sz="2600" b="1" i="0" u="none" strike="noStrike" cap="none" dirty="0">
+              <a:rPr lang="en-US" sz="2600" i="0" u="none" strike="noStrike" cap="none" dirty="0">
                 <a:solidFill>
                   <a:schemeClr val="lt1"/>
                 </a:solidFill>
@@ -19408,7 +19524,7 @@
               <a:t>&gt;&gt; </a:t>
             </a:r>
             <a:r>
-              <a:rPr lang="en-US" sz="2600" b="1" i="0" u="none" strike="noStrike" cap="none" dirty="0" err="1">
+              <a:rPr lang="en-US" sz="2600" i="0" u="none" strike="noStrike" cap="none" dirty="0" err="1">
                 <a:solidFill>
                   <a:srgbClr val="00FF00"/>
                 </a:solidFill>
@@ -19420,7 +19536,7 @@
               <a:t>sval</a:t>
             </a:r>
             <a:r>
-              <a:rPr lang="en-US" sz="2600" b="1" i="0" u="none" strike="noStrike" cap="none" dirty="0">
+              <a:rPr lang="en-US" sz="2600" i="0" u="none" strike="noStrike" cap="none" dirty="0">
                 <a:solidFill>
                   <a:schemeClr val="lt1"/>
                 </a:solidFill>
@@ -19451,7 +19567,7 @@
               <a:buNone/>
             </a:pPr>
             <a:r>
-              <a:rPr lang="en-US" sz="2600" b="1" i="0" u="none" strike="noStrike" cap="none" dirty="0">
+              <a:rPr lang="en-US" sz="2600" i="0" u="none" strike="noStrike" cap="none" dirty="0">
                 <a:solidFill>
                   <a:schemeClr val="lt1"/>
                 </a:solidFill>
@@ -19463,7 +19579,7 @@
               <a:t>&gt;&gt;&gt; </a:t>
             </a:r>
             <a:r>
-              <a:rPr lang="en-US" sz="2600" b="1" i="0" u="none" strike="noStrike" cap="none" dirty="0">
+              <a:rPr lang="en-US" sz="2600" i="0" u="none" strike="noStrike" cap="none" dirty="0">
                 <a:solidFill>
                   <a:srgbClr val="FFFF00"/>
                 </a:solidFill>
@@ -19475,7 +19591,7 @@
               <a:t>type</a:t>
             </a:r>
             <a:r>
-              <a:rPr lang="en-US" sz="2600" b="1" i="0" u="none" strike="noStrike" cap="none" dirty="0">
+              <a:rPr lang="en-US" sz="2600" i="0" u="none" strike="noStrike" cap="none" dirty="0">
                 <a:solidFill>
                   <a:schemeClr val="lt1"/>
                 </a:solidFill>
@@ -19487,7 +19603,7 @@
               <a:t>(</a:t>
             </a:r>
             <a:r>
-              <a:rPr lang="en-US" sz="2600" b="1" i="0" u="none" strike="noStrike" cap="none" dirty="0" err="1">
+              <a:rPr lang="en-US" sz="2600" i="0" u="none" strike="noStrike" cap="none" dirty="0" err="1">
                 <a:solidFill>
                   <a:srgbClr val="00FF00"/>
                 </a:solidFill>
@@ -19499,7 +19615,7 @@
               <a:t>sval</a:t>
             </a:r>
             <a:r>
-              <a:rPr lang="en-US" sz="2600" b="1" i="0" u="none" strike="noStrike" cap="none" dirty="0">
+              <a:rPr lang="en-US" sz="2600" i="0" u="none" strike="noStrike" cap="none" dirty="0">
                 <a:solidFill>
                   <a:schemeClr val="lt1"/>
                 </a:solidFill>
@@ -19530,7 +19646,7 @@
               <a:buNone/>
             </a:pPr>
             <a:r>
-              <a:rPr lang="en-US" sz="2600" b="1" i="0" u="none" strike="noStrike" cap="none" dirty="0" smtClean="0">
+              <a:rPr lang="en-US" sz="2600" i="0" u="none" strike="noStrike" cap="none" dirty="0" smtClean="0">
                 <a:solidFill>
                   <a:schemeClr val="lt1"/>
                 </a:solidFill>
@@ -19542,7 +19658,7 @@
               <a:t>&lt;class '</a:t>
             </a:r>
             <a:r>
-              <a:rPr lang="en-US" sz="2600" b="1" i="0" u="none" strike="noStrike" cap="none" dirty="0" err="1" smtClean="0">
+              <a:rPr lang="en-US" sz="2600" i="0" u="none" strike="noStrike" cap="none" dirty="0" err="1" smtClean="0">
                 <a:solidFill>
                   <a:schemeClr val="lt1"/>
                 </a:solidFill>
@@ -19554,7 +19670,7 @@
               <a:t>str</a:t>
             </a:r>
             <a:r>
-              <a:rPr lang="en-US" sz="2600" b="1" i="0" u="none" strike="noStrike" cap="none" dirty="0">
+              <a:rPr lang="en-US" sz="2600" i="0" u="none" strike="noStrike" cap="none" dirty="0">
                 <a:solidFill>
                   <a:schemeClr val="lt1"/>
                 </a:solidFill>
@@ -19585,7 +19701,7 @@
               <a:buNone/>
             </a:pPr>
             <a:r>
-              <a:rPr lang="en-US" sz="2600" b="1" i="0" u="none" strike="noStrike" cap="none" dirty="0">
+              <a:rPr lang="en-US" sz="2600" i="0" u="none" strike="noStrike" cap="none" dirty="0">
                 <a:solidFill>
                   <a:schemeClr val="lt1"/>
                 </a:solidFill>
@@ -19597,7 +19713,7 @@
               <a:t>&gt;&gt;&gt; </a:t>
             </a:r>
             <a:r>
-              <a:rPr lang="en-US" sz="2600" b="1" i="0" u="none" strike="noStrike" cap="none" dirty="0" smtClean="0">
+              <a:rPr lang="en-US" sz="2600" i="0" u="none" strike="noStrike" cap="none" dirty="0" smtClean="0">
                 <a:solidFill>
                   <a:srgbClr val="FFFF00"/>
                 </a:solidFill>
@@ -19609,7 +19725,7 @@
               <a:t>print</a:t>
             </a:r>
             <a:r>
-              <a:rPr lang="en-US" sz="2600" b="1" dirty="0">
+              <a:rPr lang="en-US" sz="2600" dirty="0">
                 <a:solidFill>
                   <a:schemeClr val="lt1"/>
                 </a:solidFill>
@@ -19621,7 +19737,7 @@
               <a:t>(</a:t>
             </a:r>
             <a:r>
-              <a:rPr lang="en-US" sz="2600" b="1" i="0" u="none" strike="noStrike" cap="none" dirty="0" err="1" smtClean="0">
+              <a:rPr lang="en-US" sz="2600" i="0" u="none" strike="noStrike" cap="none" dirty="0" err="1" smtClean="0">
                 <a:solidFill>
                   <a:srgbClr val="00FF00"/>
                 </a:solidFill>
@@ -19633,7 +19749,7 @@
               <a:t>sval</a:t>
             </a:r>
             <a:r>
-              <a:rPr lang="en-US" sz="2600" b="1" i="0" u="none" strike="noStrike" cap="none" dirty="0" smtClean="0">
+              <a:rPr lang="en-US" sz="2600" i="0" u="none" strike="noStrike" cap="none" dirty="0" smtClean="0">
                 <a:solidFill>
                   <a:schemeClr val="lt1"/>
                 </a:solidFill>
@@ -19645,7 +19761,7 @@
               <a:t> </a:t>
             </a:r>
             <a:r>
-              <a:rPr lang="en-US" sz="2600" b="1" i="0" u="none" strike="noStrike" cap="none" dirty="0">
+              <a:rPr lang="en-US" sz="2600" i="0" u="none" strike="noStrike" cap="none" dirty="0">
                 <a:solidFill>
                   <a:srgbClr val="00FFFF"/>
                 </a:solidFill>
@@ -19657,7 +19773,7 @@
               <a:t>+</a:t>
             </a:r>
             <a:r>
-              <a:rPr lang="en-US" sz="2600" b="1" i="0" u="none" strike="noStrike" cap="none" dirty="0">
+              <a:rPr lang="en-US" sz="2600" i="0" u="none" strike="noStrike" cap="none" dirty="0">
                 <a:solidFill>
                   <a:schemeClr val="lt1"/>
                 </a:solidFill>
@@ -19669,7 +19785,7 @@
               <a:t> </a:t>
             </a:r>
             <a:r>
-              <a:rPr lang="en-US" sz="2600" b="1" i="0" u="none" strike="noStrike" cap="none" dirty="0" smtClean="0">
+              <a:rPr lang="en-US" sz="2600" i="0" u="none" strike="noStrike" cap="none" dirty="0" smtClean="0">
                 <a:solidFill>
                   <a:schemeClr val="lt1"/>
                 </a:solidFill>
@@ -19680,7 +19796,7 @@
               </a:rPr>
               <a:t>1)</a:t>
             </a:r>
-            <a:endParaRPr lang="en-US" sz="2600" b="1" i="0" u="none" strike="noStrike" cap="none" dirty="0">
+            <a:endParaRPr lang="en-US" sz="2600" i="0" u="none" strike="noStrike" cap="none" dirty="0">
               <a:solidFill>
                 <a:schemeClr val="lt1"/>
               </a:solidFill>
@@ -19698,7 +19814,7 @@
               <a:buSzPct val="25000"/>
             </a:pPr>
             <a:r>
-              <a:rPr lang="en-US" sz="2600" b="1" dirty="0" err="1">
+              <a:rPr lang="en-US" sz="2600" dirty="0" err="1">
                 <a:solidFill>
                   <a:srgbClr val="E06666"/>
                 </a:solidFill>
@@ -19710,7 +19826,7 @@
               <a:t>Traceback</a:t>
             </a:r>
             <a:r>
-              <a:rPr lang="en-US" sz="2600" b="1" dirty="0">
+              <a:rPr lang="en-US" sz="2600" dirty="0">
                 <a:solidFill>
                   <a:srgbClr val="E06666"/>
                 </a:solidFill>
@@ -19722,7 +19838,7 @@
               <a:t> (most recent call last):  File "&lt;</a:t>
             </a:r>
             <a:r>
-              <a:rPr lang="en-US" sz="2600" b="1" dirty="0" err="1">
+              <a:rPr lang="en-US" sz="2600" dirty="0" err="1">
                 <a:solidFill>
                   <a:srgbClr val="E06666"/>
                 </a:solidFill>
@@ -19734,7 +19850,7 @@
               <a:t>stdin</a:t>
             </a:r>
             <a:r>
-              <a:rPr lang="en-US" sz="2600" b="1" dirty="0">
+              <a:rPr lang="en-US" sz="2600" dirty="0">
                 <a:solidFill>
                   <a:srgbClr val="E06666"/>
                 </a:solidFill>
@@ -19746,7 +19862,7 @@
               <a:t>&gt;", line 1, in &lt;module</a:t>
             </a:r>
             <a:r>
-              <a:rPr lang="en-US" sz="2600" b="1" dirty="0" smtClean="0">
+              <a:rPr lang="en-US" sz="2600" dirty="0" smtClean="0">
                 <a:solidFill>
                   <a:srgbClr val="E06666"/>
                 </a:solidFill>
@@ -19766,7 +19882,7 @@
               <a:buSzPct val="25000"/>
             </a:pPr>
             <a:r>
-              <a:rPr lang="en-US" sz="2600" b="1" dirty="0" err="1" smtClean="0">
+              <a:rPr lang="en-US" sz="2600" dirty="0" err="1" smtClean="0">
                 <a:solidFill>
                   <a:srgbClr val="E06666"/>
                 </a:solidFill>
@@ -19778,7 +19894,7 @@
               <a:t>TypeError</a:t>
             </a:r>
             <a:r>
-              <a:rPr lang="en-US" sz="2600" b="1" dirty="0">
+              <a:rPr lang="en-US" sz="2600" dirty="0">
                 <a:solidFill>
                   <a:srgbClr val="E06666"/>
                 </a:solidFill>
@@ -19790,7 +19906,7 @@
               <a:t>: Can't convert '</a:t>
             </a:r>
             <a:r>
-              <a:rPr lang="en-US" sz="2600" b="1" dirty="0" err="1">
+              <a:rPr lang="en-US" sz="2600" dirty="0" err="1">
                 <a:solidFill>
                   <a:srgbClr val="E06666"/>
                 </a:solidFill>
@@ -19802,7 +19918,7 @@
               <a:t>int</a:t>
             </a:r>
             <a:r>
-              <a:rPr lang="en-US" sz="2600" b="1" dirty="0">
+              <a:rPr lang="en-US" sz="2600" dirty="0">
                 <a:solidFill>
                   <a:srgbClr val="E06666"/>
                 </a:solidFill>
@@ -19814,7 +19930,7 @@
               <a:t>' object to </a:t>
             </a:r>
             <a:r>
-              <a:rPr lang="en-US" sz="2600" b="1" dirty="0" err="1">
+              <a:rPr lang="en-US" sz="2600" dirty="0" err="1">
                 <a:solidFill>
                   <a:srgbClr val="E06666"/>
                 </a:solidFill>
@@ -19826,7 +19942,7 @@
               <a:t>str</a:t>
             </a:r>
             <a:r>
-              <a:rPr lang="en-US" sz="2600" b="1" dirty="0">
+              <a:rPr lang="en-US" sz="2600" dirty="0">
                 <a:solidFill>
                   <a:srgbClr val="E06666"/>
                 </a:solidFill>
@@ -19857,7 +19973,7 @@
               <a:buNone/>
             </a:pPr>
             <a:r>
-              <a:rPr lang="en-US" sz="2600" b="1" i="0" u="none" strike="noStrike" cap="none" dirty="0" smtClean="0">
+              <a:rPr lang="en-US" sz="2600" i="0" u="none" strike="noStrike" cap="none" dirty="0" smtClean="0">
                 <a:solidFill>
                   <a:schemeClr val="lt1"/>
                 </a:solidFill>
@@ -19869,7 +19985,7 @@
               <a:t>&gt;&gt;&gt; </a:t>
             </a:r>
             <a:r>
-              <a:rPr lang="en-US" sz="2600" b="1" i="0" u="none" strike="noStrike" cap="none" dirty="0" err="1">
+              <a:rPr lang="en-US" sz="2600" i="0" u="none" strike="noStrike" cap="none" dirty="0" err="1">
                 <a:solidFill>
                   <a:srgbClr val="00FF00"/>
                 </a:solidFill>
@@ -19881,7 +19997,7 @@
               <a:t>ival</a:t>
             </a:r>
             <a:r>
-              <a:rPr lang="en-US" sz="2600" b="1" i="0" u="none" strike="noStrike" cap="none" dirty="0">
+              <a:rPr lang="en-US" sz="2600" i="0" u="none" strike="noStrike" cap="none" dirty="0">
                 <a:solidFill>
                   <a:schemeClr val="lt1"/>
                 </a:solidFill>
@@ -19893,7 +20009,7 @@
               <a:t> = </a:t>
             </a:r>
             <a:r>
-              <a:rPr lang="en-US" sz="2600" b="1" i="0" u="none" strike="noStrike" cap="none" dirty="0" err="1">
+              <a:rPr lang="en-US" sz="2600" i="0" u="none" strike="noStrike" cap="none" dirty="0" err="1">
                 <a:solidFill>
                   <a:srgbClr val="FFFF00"/>
                 </a:solidFill>
@@ -19905,7 +20021,7 @@
               <a:t>int</a:t>
             </a:r>
             <a:r>
-              <a:rPr lang="en-US" sz="2600" b="1" i="0" u="none" strike="noStrike" cap="none" dirty="0">
+              <a:rPr lang="en-US" sz="2600" i="0" u="none" strike="noStrike" cap="none" dirty="0">
                 <a:solidFill>
                   <a:schemeClr val="lt1"/>
                 </a:solidFill>
@@ -19917,7 +20033,7 @@
               <a:t>(</a:t>
             </a:r>
             <a:r>
-              <a:rPr lang="en-US" sz="2600" b="1" i="0" u="none" strike="noStrike" cap="none" dirty="0" err="1">
+              <a:rPr lang="en-US" sz="2600" i="0" u="none" strike="noStrike" cap="none" dirty="0" err="1">
                 <a:solidFill>
                   <a:srgbClr val="00FF00"/>
                 </a:solidFill>
@@ -19929,7 +20045,7 @@
               <a:t>sval</a:t>
             </a:r>
             <a:r>
-              <a:rPr lang="en-US" sz="2600" b="1" i="0" u="none" strike="noStrike" cap="none" dirty="0">
+              <a:rPr lang="en-US" sz="2600" i="0" u="none" strike="noStrike" cap="none" dirty="0">
                 <a:solidFill>
                   <a:schemeClr val="lt1"/>
                 </a:solidFill>
@@ -19960,7 +20076,7 @@
               <a:buNone/>
             </a:pPr>
             <a:r>
-              <a:rPr lang="en-US" sz="2600" b="1" i="0" u="none" strike="noStrike" cap="none" dirty="0">
+              <a:rPr lang="en-US" sz="2600" i="0" u="none" strike="noStrike" cap="none" dirty="0">
                 <a:solidFill>
                   <a:schemeClr val="lt1"/>
                 </a:solidFill>
@@ -19972,7 +20088,7 @@
               <a:t>&gt;&gt;&gt; </a:t>
             </a:r>
             <a:r>
-              <a:rPr lang="en-US" sz="2600" b="1" i="0" u="none" strike="noStrike" cap="none" dirty="0">
+              <a:rPr lang="en-US" sz="2600" i="0" u="none" strike="noStrike" cap="none" dirty="0">
                 <a:solidFill>
                   <a:srgbClr val="FFFF00"/>
                 </a:solidFill>
@@ -19984,7 +20100,7 @@
               <a:t>type</a:t>
             </a:r>
             <a:r>
-              <a:rPr lang="en-US" sz="2600" b="1" i="0" u="none" strike="noStrike" cap="none" dirty="0">
+              <a:rPr lang="en-US" sz="2600" i="0" u="none" strike="noStrike" cap="none" dirty="0">
                 <a:solidFill>
                   <a:schemeClr val="lt1"/>
                 </a:solidFill>
@@ -19996,7 +20112,7 @@
               <a:t>(</a:t>
             </a:r>
             <a:r>
-              <a:rPr lang="en-US" sz="2600" b="1" i="0" u="none" strike="noStrike" cap="none" dirty="0" err="1">
+              <a:rPr lang="en-US" sz="2600" i="0" u="none" strike="noStrike" cap="none" dirty="0" err="1">
                 <a:solidFill>
                   <a:srgbClr val="00FF00"/>
                 </a:solidFill>
@@ -20008,7 +20124,7 @@
               <a:t>ival</a:t>
             </a:r>
             <a:r>
-              <a:rPr lang="en-US" sz="2600" b="1" i="0" u="none" strike="noStrike" cap="none" dirty="0">
+              <a:rPr lang="en-US" sz="2600" i="0" u="none" strike="noStrike" cap="none" dirty="0">
                 <a:solidFill>
                   <a:schemeClr val="lt1"/>
                 </a:solidFill>
@@ -20039,7 +20155,7 @@
               <a:buNone/>
             </a:pPr>
             <a:r>
-              <a:rPr lang="en-US" sz="2600" b="1" i="0" u="none" strike="noStrike" cap="none" dirty="0" smtClean="0">
+              <a:rPr lang="en-US" sz="2600" i="0" u="none" strike="noStrike" cap="none" dirty="0" smtClean="0">
                 <a:solidFill>
                   <a:schemeClr val="lt1"/>
                 </a:solidFill>
@@ -20051,7 +20167,7 @@
               <a:t>&lt;class '</a:t>
             </a:r>
             <a:r>
-              <a:rPr lang="en-US" sz="2600" b="1" i="0" u="none" strike="noStrike" cap="none" dirty="0" err="1" smtClean="0">
+              <a:rPr lang="en-US" sz="2600" i="0" u="none" strike="noStrike" cap="none" dirty="0" err="1" smtClean="0">
                 <a:solidFill>
                   <a:schemeClr val="lt1"/>
                 </a:solidFill>
@@ -20063,7 +20179,7 @@
               <a:t>int</a:t>
             </a:r>
             <a:r>
-              <a:rPr lang="en-US" sz="2600" b="1" i="0" u="none" strike="noStrike" cap="none" dirty="0">
+              <a:rPr lang="en-US" sz="2600" i="0" u="none" strike="noStrike" cap="none" dirty="0">
                 <a:solidFill>
                   <a:schemeClr val="lt1"/>
                 </a:solidFill>
@@ -20094,7 +20210,7 @@
               <a:buNone/>
             </a:pPr>
             <a:r>
-              <a:rPr lang="en-US" sz="2600" b="1" i="0" u="none" strike="noStrike" cap="none" dirty="0">
+              <a:rPr lang="en-US" sz="2600" i="0" u="none" strike="noStrike" cap="none" dirty="0">
                 <a:solidFill>
                   <a:schemeClr val="lt1"/>
                 </a:solidFill>
@@ -20106,7 +20222,7 @@
               <a:t>&gt;&gt;&gt; </a:t>
             </a:r>
             <a:r>
-              <a:rPr lang="en-US" sz="2600" b="1" i="0" u="none" strike="noStrike" cap="none" dirty="0" smtClean="0">
+              <a:rPr lang="en-US" sz="2600" i="0" u="none" strike="noStrike" cap="none" dirty="0" smtClean="0">
                 <a:solidFill>
                   <a:srgbClr val="FFFF00"/>
                 </a:solidFill>
@@ -20118,7 +20234,7 @@
               <a:t>print</a:t>
             </a:r>
             <a:r>
-              <a:rPr lang="en-US" sz="2600" b="1" dirty="0">
+              <a:rPr lang="en-US" sz="2600" dirty="0">
                 <a:solidFill>
                   <a:schemeClr val="lt1"/>
                 </a:solidFill>
@@ -20130,7 +20246,7 @@
               <a:t>(</a:t>
             </a:r>
             <a:r>
-              <a:rPr lang="en-US" sz="2600" b="1" i="0" u="none" strike="noStrike" cap="none" dirty="0" err="1" smtClean="0">
+              <a:rPr lang="en-US" sz="2600" i="0" u="none" strike="noStrike" cap="none" dirty="0" err="1" smtClean="0">
                 <a:solidFill>
                   <a:srgbClr val="00FF00"/>
                 </a:solidFill>
@@ -20142,7 +20258,7 @@
               <a:t>ival</a:t>
             </a:r>
             <a:r>
-              <a:rPr lang="en-US" sz="2600" b="1" i="0" u="none" strike="noStrike" cap="none" dirty="0" smtClean="0">
+              <a:rPr lang="en-US" sz="2600" i="0" u="none" strike="noStrike" cap="none" dirty="0" smtClean="0">
                 <a:solidFill>
                   <a:schemeClr val="lt1"/>
                 </a:solidFill>
@@ -20154,7 +20270,7 @@
               <a:t> </a:t>
             </a:r>
             <a:r>
-              <a:rPr lang="en-US" sz="2600" b="1" i="0" u="none" strike="noStrike" cap="none" dirty="0">
+              <a:rPr lang="en-US" sz="2600" i="0" u="none" strike="noStrike" cap="none" dirty="0">
                 <a:solidFill>
                   <a:schemeClr val="lt1"/>
                 </a:solidFill>
@@ -20166,7 +20282,7 @@
               <a:t>+ </a:t>
             </a:r>
             <a:r>
-              <a:rPr lang="en-US" sz="2600" b="1" i="0" u="none" strike="noStrike" cap="none" dirty="0" smtClean="0">
+              <a:rPr lang="en-US" sz="2600" i="0" u="none" strike="noStrike" cap="none" dirty="0" smtClean="0">
                 <a:solidFill>
                   <a:schemeClr val="lt1"/>
                 </a:solidFill>
@@ -20177,7 +20293,7 @@
               </a:rPr>
               <a:t>1)</a:t>
             </a:r>
-            <a:endParaRPr lang="en-US" sz="2600" b="1" i="0" u="none" strike="noStrike" cap="none" dirty="0">
+            <a:endParaRPr lang="en-US" sz="2600" i="0" u="none" strike="noStrike" cap="none" dirty="0">
               <a:solidFill>
                 <a:schemeClr val="lt1"/>
               </a:solidFill>
@@ -20206,7 +20322,7 @@
               <a:buNone/>
             </a:pPr>
             <a:r>
-              <a:rPr lang="en-US" sz="2600" b="1" i="0" u="none" strike="noStrike" cap="none" dirty="0">
+              <a:rPr lang="en-US" sz="2600" i="0" u="none" strike="noStrike" cap="none" dirty="0">
                 <a:solidFill>
                   <a:schemeClr val="lt1"/>
                 </a:solidFill>
@@ -20237,7 +20353,7 @@
               <a:buNone/>
             </a:pPr>
             <a:r>
-              <a:rPr lang="en-US" sz="2600" b="1" i="0" u="none" strike="noStrike" cap="none" dirty="0">
+              <a:rPr lang="en-US" sz="2600" i="0" u="none" strike="noStrike" cap="none" dirty="0">
                 <a:solidFill>
                   <a:schemeClr val="lt1"/>
                 </a:solidFill>
@@ -20249,7 +20365,7 @@
               <a:t>&gt;&gt;&gt; </a:t>
             </a:r>
             <a:r>
-              <a:rPr lang="en-US" sz="2600" b="1" i="0" u="none" strike="noStrike" cap="none" dirty="0" err="1">
+              <a:rPr lang="en-US" sz="2600" i="0" u="none" strike="noStrike" cap="none" dirty="0" err="1">
                 <a:solidFill>
                   <a:srgbClr val="00FF00"/>
                 </a:solidFill>
@@ -20261,7 +20377,7 @@
               <a:t>nsv</a:t>
             </a:r>
             <a:r>
-              <a:rPr lang="en-US" sz="2600" b="1" i="0" u="none" strike="noStrike" cap="none" dirty="0">
+              <a:rPr lang="en-US" sz="2600" i="0" u="none" strike="noStrike" cap="none" dirty="0">
                 <a:solidFill>
                   <a:schemeClr val="lt1"/>
                 </a:solidFill>
@@ -20292,7 +20408,7 @@
               <a:buNone/>
             </a:pPr>
             <a:r>
-              <a:rPr lang="en-US" sz="2600" b="1" i="0" u="none" strike="noStrike" cap="none" dirty="0">
+              <a:rPr lang="en-US" sz="2600" i="0" u="none" strike="noStrike" cap="none" dirty="0">
                 <a:solidFill>
                   <a:schemeClr val="lt1"/>
                 </a:solidFill>
@@ -20304,7 +20420,7 @@
               <a:t>&gt;&gt;&gt; </a:t>
             </a:r>
             <a:r>
-              <a:rPr lang="en-US" sz="2600" b="1" i="0" u="none" strike="noStrike" cap="none" dirty="0" err="1">
+              <a:rPr lang="en-US" sz="2600" i="0" u="none" strike="noStrike" cap="none" dirty="0" err="1">
                 <a:solidFill>
                   <a:srgbClr val="00FF00"/>
                 </a:solidFill>
@@ -20316,7 +20432,7 @@
               <a:t>niv</a:t>
             </a:r>
             <a:r>
-              <a:rPr lang="en-US" sz="2600" b="1" i="0" u="none" strike="noStrike" cap="none" dirty="0">
+              <a:rPr lang="en-US" sz="2600" i="0" u="none" strike="noStrike" cap="none" dirty="0">
                 <a:solidFill>
                   <a:schemeClr val="lt1"/>
                 </a:solidFill>
@@ -20328,7 +20444,7 @@
               <a:t> = </a:t>
             </a:r>
             <a:r>
-              <a:rPr lang="en-US" sz="2600" b="1" i="0" u="none" strike="noStrike" cap="none" dirty="0" err="1">
+              <a:rPr lang="en-US" sz="2600" i="0" u="none" strike="noStrike" cap="none" dirty="0" err="1">
                 <a:solidFill>
                   <a:srgbClr val="FFFF00"/>
                 </a:solidFill>
@@ -20340,7 +20456,7 @@
               <a:t>int</a:t>
             </a:r>
             <a:r>
-              <a:rPr lang="en-US" sz="2600" b="1" i="0" u="none" strike="noStrike" cap="none" dirty="0">
+              <a:rPr lang="en-US" sz="2600" i="0" u="none" strike="noStrike" cap="none" dirty="0">
                 <a:solidFill>
                   <a:schemeClr val="lt1"/>
                 </a:solidFill>
@@ -20352,7 +20468,7 @@
               <a:t>(</a:t>
             </a:r>
             <a:r>
-              <a:rPr lang="en-US" sz="2600" b="1" i="0" u="none" strike="noStrike" cap="none" dirty="0" err="1">
+              <a:rPr lang="en-US" sz="2600" i="0" u="none" strike="noStrike" cap="none" dirty="0" err="1">
                 <a:solidFill>
                   <a:srgbClr val="00FF00"/>
                 </a:solidFill>
@@ -20364,7 +20480,7 @@
               <a:t>nsv</a:t>
             </a:r>
             <a:r>
-              <a:rPr lang="en-US" sz="2600" b="1" i="0" u="none" strike="noStrike" cap="none" dirty="0">
+              <a:rPr lang="en-US" sz="2600" i="0" u="none" strike="noStrike" cap="none" dirty="0">
                 <a:solidFill>
                   <a:schemeClr val="lt1"/>
                 </a:solidFill>
@@ -20384,7 +20500,7 @@
               <a:buSzPct val="25000"/>
             </a:pPr>
             <a:r>
-              <a:rPr lang="en-US" sz="2600" b="1" dirty="0" err="1" smtClean="0">
+              <a:rPr lang="en-US" sz="2600" dirty="0" err="1" smtClean="0">
                 <a:solidFill>
                   <a:srgbClr val="E06666"/>
                 </a:solidFill>
@@ -20396,7 +20512,7 @@
               <a:t>Traceback</a:t>
             </a:r>
             <a:r>
-              <a:rPr lang="en-US" sz="2600" b="1" dirty="0" smtClean="0">
+              <a:rPr lang="en-US" sz="2600" dirty="0" smtClean="0">
                 <a:solidFill>
                   <a:srgbClr val="E06666"/>
                 </a:solidFill>
@@ -20408,7 +20524,7 @@
               <a:t> </a:t>
             </a:r>
             <a:r>
-              <a:rPr lang="en-US" sz="2600" b="1" dirty="0">
+              <a:rPr lang="en-US" sz="2600" dirty="0">
                 <a:solidFill>
                   <a:srgbClr val="E06666"/>
                 </a:solidFill>
@@ -20420,7 +20536,7 @@
               <a:t>(most recent call last):  File "&lt;</a:t>
             </a:r>
             <a:r>
-              <a:rPr lang="en-US" sz="2600" b="1" dirty="0" err="1">
+              <a:rPr lang="en-US" sz="2600" dirty="0" err="1">
                 <a:solidFill>
                   <a:srgbClr val="E06666"/>
                 </a:solidFill>
@@ -20432,7 +20548,7 @@
               <a:t>stdin</a:t>
             </a:r>
             <a:r>
-              <a:rPr lang="en-US" sz="2600" b="1" dirty="0">
+              <a:rPr lang="en-US" sz="2600" dirty="0">
                 <a:solidFill>
                   <a:srgbClr val="E06666"/>
                 </a:solidFill>
@@ -20441,22 +20557,10 @@
                 <a:cs typeface="Courier New"/>
                 <a:sym typeface="Courier New"/>
               </a:rPr>
-              <a:t>&gt;", line 1, in &lt;</a:t>
-            </a:r>
-            <a:r>
-              <a:rPr lang="en-US" sz="2600" b="1">
-                <a:solidFill>
-                  <a:srgbClr val="E06666"/>
-                </a:solidFill>
-                <a:latin typeface="Courier New"/>
-                <a:ea typeface="Courier New"/>
-                <a:cs typeface="Courier New"/>
-                <a:sym typeface="Courier New"/>
-              </a:rPr>
-              <a:t>module</a:t>
-            </a:r>
-            <a:r>
-              <a:rPr lang="en-US" sz="2600" b="1" smtClean="0">
+              <a:t>&gt;", line 1, in &lt;module</a:t>
+            </a:r>
+            <a:r>
+              <a:rPr lang="en-US" sz="2600" dirty="0" smtClean="0">
                 <a:solidFill>
                   <a:srgbClr val="E06666"/>
                 </a:solidFill>
@@ -20476,7 +20580,7 @@
               <a:buSzPct val="25000"/>
             </a:pPr>
             <a:r>
-              <a:rPr lang="en-US" sz="2600" b="1" smtClean="0">
+              <a:rPr lang="en-US" sz="2600" dirty="0" err="1" smtClean="0">
                 <a:solidFill>
                   <a:srgbClr val="E06666"/>
                 </a:solidFill>
@@ -20488,7 +20592,7 @@
               <a:t>ValueError</a:t>
             </a:r>
             <a:r>
-              <a:rPr lang="en-US" sz="2600" b="1" dirty="0">
+              <a:rPr lang="en-US" sz="2600" dirty="0">
                 <a:solidFill>
                   <a:srgbClr val="E06666"/>
                 </a:solidFill>
@@ -20500,7 +20604,7 @@
               <a:t>: invalid literal for </a:t>
             </a:r>
             <a:r>
-              <a:rPr lang="en-US" sz="2600" b="1" dirty="0" err="1">
+              <a:rPr lang="en-US" sz="2600" dirty="0" err="1">
                 <a:solidFill>
                   <a:srgbClr val="E06666"/>
                 </a:solidFill>
@@ -20512,7 +20616,7 @@
               <a:t>int</a:t>
             </a:r>
             <a:r>
-              <a:rPr lang="en-US" sz="2600" b="1" dirty="0">
+              <a:rPr lang="en-US" sz="2600" dirty="0">
                 <a:solidFill>
                   <a:srgbClr val="E06666"/>
                 </a:solidFill>
@@ -20523,7 +20627,7 @@
               </a:rPr>
               <a:t>() with base 10: 'x'</a:t>
             </a:r>
-            <a:endParaRPr lang="en-US" sz="2600" b="1" i="0" u="none" strike="noStrike" cap="none" dirty="0">
+            <a:endParaRPr lang="en-US" sz="2600" i="0" u="none" strike="noStrike" cap="none" dirty="0">
               <a:solidFill>
                 <a:srgbClr val="E06666"/>
               </a:solidFill>
@@ -20543,7 +20647,7 @@
   <p:timing>
     <p:tnLst>
       <p:par>
-        <p:cTn id="1" dur="indefinite" restart="never" nodeType="tmRoot"/>
+        <p:cTn xmlns:p14="http://schemas.microsoft.com/office/powerpoint/2010/main" id="1" dur="indefinite" restart="never" nodeType="tmRoot"/>
       </p:par>
     </p:tnLst>
   </p:timing>
@@ -20855,7 +20959,7 @@
               <a:buNone/>
             </a:pPr>
             <a:r>
-              <a:rPr lang="en-US" sz="3000" b="1" i="0" u="none" strike="noStrike" cap="none" dirty="0" err="1">
+              <a:rPr lang="en-US" sz="3000" i="0" u="none" strike="noStrike" cap="none" dirty="0" err="1">
                 <a:solidFill>
                   <a:srgbClr val="00FF00"/>
                 </a:solidFill>
@@ -20867,7 +20971,7 @@
               <a:t>nam</a:t>
             </a:r>
             <a:r>
-              <a:rPr lang="en-US" sz="3000" b="1" i="0" u="none" strike="noStrike" cap="none" dirty="0">
+              <a:rPr lang="en-US" sz="3000" i="0" u="none" strike="noStrike" cap="none" dirty="0">
                 <a:solidFill>
                   <a:schemeClr val="lt1"/>
                 </a:solidFill>
@@ -20879,7 +20983,7 @@
               <a:t> = </a:t>
             </a:r>
             <a:r>
-              <a:rPr lang="en-US" sz="3000" b="1" i="0" u="none" strike="noStrike" cap="none" dirty="0" smtClean="0">
+              <a:rPr lang="en-US" sz="3000" i="0" u="none" strike="noStrike" cap="none" dirty="0" smtClean="0">
                 <a:solidFill>
                   <a:srgbClr val="FFFF00"/>
                 </a:solidFill>
@@ -20891,7 +20995,7 @@
               <a:t>input</a:t>
             </a:r>
             <a:r>
-              <a:rPr lang="en-US" sz="3000" b="1" i="0" u="none" strike="noStrike" cap="none" dirty="0">
+              <a:rPr lang="en-US" sz="3000" i="0" u="none" strike="noStrike" cap="none" dirty="0">
                 <a:solidFill>
                   <a:schemeClr val="lt1"/>
                 </a:solidFill>
@@ -20903,7 +21007,7 @@
               <a:t>(</a:t>
             </a:r>
             <a:r>
-              <a:rPr lang="en-US" sz="3000" b="1" dirty="0">
+              <a:rPr lang="en-US" sz="3000" dirty="0">
                 <a:solidFill>
                   <a:schemeClr val="lt1"/>
                 </a:solidFill>
@@ -20915,7 +21019,7 @@
               <a:t>'</a:t>
             </a:r>
             <a:r>
-              <a:rPr lang="en-US" sz="3000" b="1" i="0" u="none" strike="noStrike" cap="none" dirty="0">
+              <a:rPr lang="en-US" sz="3000" i="0" u="none" strike="noStrike" cap="none" dirty="0">
                 <a:solidFill>
                   <a:schemeClr val="lt1"/>
                 </a:solidFill>
@@ -20927,7 +21031,7 @@
               <a:t>Who are you?</a:t>
             </a:r>
             <a:r>
-              <a:rPr lang="en-US" sz="3000" b="1" dirty="0">
+              <a:rPr lang="en-US" sz="3000" dirty="0">
                 <a:solidFill>
                   <a:schemeClr val="lt1"/>
                 </a:solidFill>
@@ -20939,7 +21043,7 @@
               <a:t>'</a:t>
             </a:r>
             <a:r>
-              <a:rPr lang="en-US" sz="3000" b="1" i="0" u="none" strike="noStrike" cap="none" dirty="0">
+              <a:rPr lang="en-US" sz="3000" i="0" u="none" strike="noStrike" cap="none" dirty="0">
                 <a:solidFill>
                   <a:schemeClr val="lt1"/>
                 </a:solidFill>
@@ -20959,7 +21063,7 @@
               <a:buSzPct val="25000"/>
             </a:pPr>
             <a:r>
-              <a:rPr lang="en-US" sz="3000" b="1" dirty="0">
+              <a:rPr lang="en-US" sz="3000" dirty="0">
                 <a:solidFill>
                   <a:srgbClr val="FFFF00"/>
                 </a:solidFill>
@@ -20971,7 +21075,7 @@
               <a:t>p</a:t>
             </a:r>
             <a:r>
-              <a:rPr lang="en-US" sz="3000" b="1" i="0" u="none" strike="noStrike" cap="none" dirty="0" smtClean="0">
+              <a:rPr lang="en-US" sz="3000" i="0" u="none" strike="noStrike" cap="none" dirty="0" smtClean="0">
                 <a:solidFill>
                   <a:srgbClr val="FFFF00"/>
                 </a:solidFill>
@@ -20983,7 +21087,7 @@
               <a:t>rint(</a:t>
             </a:r>
             <a:r>
-              <a:rPr lang="en-US" sz="3000" b="1" i="0" u="none" strike="noStrike" cap="none" dirty="0" smtClean="0">
+              <a:rPr lang="en-US" sz="3000" i="0" u="none" strike="noStrike" cap="none" dirty="0" smtClean="0">
                 <a:solidFill>
                   <a:schemeClr val="lt1"/>
                 </a:solidFill>
@@ -20995,7 +21099,7 @@
               <a:t>'Welcome</a:t>
             </a:r>
             <a:r>
-              <a:rPr lang="en-US" sz="3000" b="1" i="0" u="none" strike="noStrike" cap="none" dirty="0">
+              <a:rPr lang="en-US" sz="3000" i="0" u="none" strike="noStrike" cap="none" dirty="0">
                 <a:solidFill>
                   <a:schemeClr val="lt1"/>
                 </a:solidFill>
@@ -21007,7 +21111,7 @@
               <a:t>', </a:t>
             </a:r>
             <a:r>
-              <a:rPr lang="en-US" sz="3000" b="1" i="0" u="none" strike="noStrike" cap="none" dirty="0" err="1" smtClean="0">
+              <a:rPr lang="en-US" sz="3000" i="0" u="none" strike="noStrike" cap="none" dirty="0" err="1" smtClean="0">
                 <a:solidFill>
                   <a:srgbClr val="00FF00"/>
                 </a:solidFill>
@@ -21019,7 +21123,7 @@
               <a:t>nam</a:t>
             </a:r>
             <a:r>
-              <a:rPr lang="en-US" sz="3000" b="1" dirty="0">
+              <a:rPr lang="en-US" sz="3000" dirty="0">
                 <a:solidFill>
                   <a:srgbClr val="FFFF00"/>
                 </a:solidFill>
@@ -21030,7 +21134,7 @@
               </a:rPr>
               <a:t>)</a:t>
             </a:r>
-            <a:endParaRPr lang="en-US" sz="3000" b="1" i="0" u="none" strike="noStrike" cap="none" dirty="0">
+            <a:endParaRPr lang="en-US" sz="3000" i="0" u="none" strike="noStrike" cap="none" dirty="0">
               <a:solidFill>
                 <a:srgbClr val="00FF00"/>
               </a:solidFill>
@@ -21150,7 +21254,7 @@
   <p:timing>
     <p:tnLst>
       <p:par>
-        <p:cTn id="1" dur="indefinite" restart="never" nodeType="tmRoot"/>
+        <p:cTn xmlns:p14="http://schemas.microsoft.com/office/powerpoint/2010/main" id="1" dur="indefinite" restart="never" nodeType="tmRoot"/>
       </p:par>
     </p:tnLst>
   </p:timing>
@@ -21370,7 +21474,7 @@
               <a:buNone/>
             </a:pPr>
             <a:r>
-              <a:rPr lang="en-US" sz="2800" b="1" i="0" u="none" strike="noStrike" cap="none" dirty="0" err="1">
+              <a:rPr lang="en-US" sz="2800" i="0" u="none" strike="noStrike" cap="none" dirty="0" err="1">
                 <a:solidFill>
                   <a:srgbClr val="00FF00"/>
                 </a:solidFill>
@@ -21382,7 +21486,7 @@
               <a:t>inp</a:t>
             </a:r>
             <a:r>
-              <a:rPr lang="en-US" sz="2800" b="1" i="0" u="none" strike="noStrike" cap="none" dirty="0">
+              <a:rPr lang="en-US" sz="2800" i="0" u="none" strike="noStrike" cap="none" dirty="0">
                 <a:solidFill>
                   <a:schemeClr val="lt1"/>
                 </a:solidFill>
@@ -21394,7 +21498,7 @@
               <a:t> = </a:t>
             </a:r>
             <a:r>
-              <a:rPr lang="en-US" sz="2800" b="1" i="0" u="none" strike="noStrike" cap="none" dirty="0" smtClean="0">
+              <a:rPr lang="en-US" sz="2800" i="0" u="none" strike="noStrike" cap="none" dirty="0" smtClean="0">
                 <a:solidFill>
                   <a:srgbClr val="FFFF00"/>
                 </a:solidFill>
@@ -21406,7 +21510,7 @@
               <a:t>input</a:t>
             </a:r>
             <a:r>
-              <a:rPr lang="en-US" sz="2800" b="1" i="0" u="none" strike="noStrike" cap="none" dirty="0">
+              <a:rPr lang="en-US" sz="2800" i="0" u="none" strike="noStrike" cap="none" dirty="0">
                 <a:solidFill>
                   <a:srgbClr val="FFFF00"/>
                 </a:solidFill>
@@ -21418,7 +21522,7 @@
               <a:t>(</a:t>
             </a:r>
             <a:r>
-              <a:rPr lang="en-US" sz="2800" b="1" dirty="0">
+              <a:rPr lang="en-US" sz="2800" dirty="0">
                 <a:solidFill>
                   <a:schemeClr val="lt1"/>
                 </a:solidFill>
@@ -21430,7 +21534,7 @@
               <a:t>'</a:t>
             </a:r>
             <a:r>
-              <a:rPr lang="en-US" sz="2800" b="1" i="0" u="none" strike="noStrike" cap="none" dirty="0">
+              <a:rPr lang="en-US" sz="2800" i="0" u="none" strike="noStrike" cap="none" dirty="0">
                 <a:solidFill>
                   <a:schemeClr val="lt1"/>
                 </a:solidFill>
@@ -21442,7 +21546,7 @@
               <a:t>Europe floor?</a:t>
             </a:r>
             <a:r>
-              <a:rPr lang="en-US" sz="2800" b="1" dirty="0">
+              <a:rPr lang="en-US" sz="2800" dirty="0">
                 <a:solidFill>
                   <a:schemeClr val="lt1"/>
                 </a:solidFill>
@@ -21454,7 +21558,7 @@
               <a:t>'</a:t>
             </a:r>
             <a:r>
-              <a:rPr lang="en-US" sz="2800" b="1" i="0" u="none" strike="noStrike" cap="none" dirty="0">
+              <a:rPr lang="en-US" sz="2800" i="0" u="none" strike="noStrike" cap="none" dirty="0">
                 <a:solidFill>
                   <a:srgbClr val="FFFF00"/>
                 </a:solidFill>
@@ -21485,7 +21589,7 @@
               <a:buNone/>
             </a:pPr>
             <a:r>
-              <a:rPr lang="en-US" sz="2800" b="1" i="0" u="none" strike="noStrike" cap="none" dirty="0" err="1">
+              <a:rPr lang="en-US" sz="2800" i="0" u="none" strike="noStrike" cap="none" dirty="0" err="1">
                 <a:solidFill>
                   <a:srgbClr val="00FF00"/>
                 </a:solidFill>
@@ -21497,7 +21601,7 @@
               <a:t>usf</a:t>
             </a:r>
             <a:r>
-              <a:rPr lang="en-US" sz="2800" b="1" i="0" u="none" strike="noStrike" cap="none" dirty="0">
+              <a:rPr lang="en-US" sz="2800" i="0" u="none" strike="noStrike" cap="none" dirty="0">
                 <a:solidFill>
                   <a:schemeClr val="lt1"/>
                 </a:solidFill>
@@ -21509,7 +21613,7 @@
               <a:t> = </a:t>
             </a:r>
             <a:r>
-              <a:rPr lang="en-US" sz="2800" b="1" i="0" u="none" strike="noStrike" cap="none" dirty="0" err="1">
+              <a:rPr lang="en-US" sz="2800" i="0" u="none" strike="noStrike" cap="none" dirty="0" err="1">
                 <a:solidFill>
                   <a:srgbClr val="FFFF00"/>
                 </a:solidFill>
@@ -21521,7 +21625,7 @@
               <a:t>int</a:t>
             </a:r>
             <a:r>
-              <a:rPr lang="en-US" sz="2800" b="1" i="0" u="none" strike="noStrike" cap="none" dirty="0">
+              <a:rPr lang="en-US" sz="2800" i="0" u="none" strike="noStrike" cap="none" dirty="0">
                 <a:solidFill>
                   <a:srgbClr val="FFFF00"/>
                 </a:solidFill>
@@ -21533,7 +21637,7 @@
               <a:t>(</a:t>
             </a:r>
             <a:r>
-              <a:rPr lang="en-US" sz="2800" b="1" i="0" u="none" strike="noStrike" cap="none" dirty="0" err="1">
+              <a:rPr lang="en-US" sz="2800" i="0" u="none" strike="noStrike" cap="none" dirty="0" err="1">
                 <a:solidFill>
                   <a:srgbClr val="00FF00"/>
                 </a:solidFill>
@@ -21545,7 +21649,7 @@
               <a:t>inp</a:t>
             </a:r>
             <a:r>
-              <a:rPr lang="en-US" sz="2800" b="1" i="0" u="none" strike="noStrike" cap="none" dirty="0">
+              <a:rPr lang="en-US" sz="2800" i="0" u="none" strike="noStrike" cap="none" dirty="0">
                 <a:solidFill>
                   <a:srgbClr val="FFFF00"/>
                 </a:solidFill>
@@ -21557,7 +21661,7 @@
               <a:t>)</a:t>
             </a:r>
             <a:r>
-              <a:rPr lang="en-US" sz="2800" b="1" i="0" u="none" strike="noStrike" cap="none" dirty="0">
+              <a:rPr lang="en-US" sz="2800" i="0" u="none" strike="noStrike" cap="none" dirty="0">
                 <a:solidFill>
                   <a:schemeClr val="lt1"/>
                 </a:solidFill>
@@ -21569,7 +21673,7 @@
               <a:t> </a:t>
             </a:r>
             <a:r>
-              <a:rPr lang="en-US" sz="2800" b="1" i="0" u="none" strike="noStrike" cap="none" dirty="0">
+              <a:rPr lang="en-US" sz="2800" i="0" u="none" strike="noStrike" cap="none" dirty="0">
                 <a:solidFill>
                   <a:srgbClr val="00FFFF"/>
                 </a:solidFill>
@@ -21581,7 +21685,7 @@
               <a:t>+</a:t>
             </a:r>
             <a:r>
-              <a:rPr lang="en-US" sz="2800" b="1" i="0" u="none" strike="noStrike" cap="none" dirty="0">
+              <a:rPr lang="en-US" sz="2800" i="0" u="none" strike="noStrike" cap="none" dirty="0">
                 <a:solidFill>
                   <a:schemeClr val="lt1"/>
                 </a:solidFill>
@@ -21612,7 +21716,7 @@
               <a:buNone/>
             </a:pPr>
             <a:r>
-              <a:rPr lang="en-US" sz="2800" b="1" i="0" u="none" strike="noStrike" cap="none" dirty="0" smtClean="0">
+              <a:rPr lang="en-US" sz="2800" i="0" u="none" strike="noStrike" cap="none" dirty="0" smtClean="0">
                 <a:solidFill>
                   <a:srgbClr val="FFFF00"/>
                 </a:solidFill>
@@ -21624,7 +21728,7 @@
               <a:t>print(</a:t>
             </a:r>
             <a:r>
-              <a:rPr lang="en-US" sz="2800" b="1" i="0" u="none" strike="noStrike" cap="none" dirty="0" smtClean="0">
+              <a:rPr lang="en-US" sz="2800" i="0" u="none" strike="noStrike" cap="none" dirty="0" smtClean="0">
                 <a:solidFill>
                   <a:schemeClr val="lt1"/>
                 </a:solidFill>
@@ -21636,7 +21740,7 @@
               <a:t>'US </a:t>
             </a:r>
             <a:r>
-              <a:rPr lang="en-US" sz="2800" b="1" i="0" u="none" strike="noStrike" cap="none" dirty="0">
+              <a:rPr lang="en-US" sz="2800" i="0" u="none" strike="noStrike" cap="none" dirty="0">
                 <a:solidFill>
                   <a:schemeClr val="lt1"/>
                 </a:solidFill>
@@ -21648,7 +21752,7 @@
               <a:t>floor', </a:t>
             </a:r>
             <a:r>
-              <a:rPr lang="en-US" sz="2800" b="1" i="0" u="none" strike="noStrike" cap="none" dirty="0" err="1" smtClean="0">
+              <a:rPr lang="en-US" sz="2800" i="0" u="none" strike="noStrike" cap="none" dirty="0" err="1" smtClean="0">
                 <a:solidFill>
                   <a:srgbClr val="00FF00"/>
                 </a:solidFill>
@@ -21660,7 +21764,7 @@
               <a:t>usf</a:t>
             </a:r>
             <a:r>
-              <a:rPr lang="en-US" sz="2800" b="1" i="0" u="none" strike="noStrike" cap="none" dirty="0" smtClean="0">
+              <a:rPr lang="en-US" sz="2800" i="0" u="none" strike="noStrike" cap="none" dirty="0" smtClean="0">
                 <a:solidFill>
                   <a:srgbClr val="FFFF00"/>
                 </a:solidFill>
@@ -21671,7 +21775,7 @@
               </a:rPr>
               <a:t>)</a:t>
             </a:r>
-            <a:endParaRPr lang="en-US" sz="2800" b="1" i="0" u="none" strike="noStrike" cap="none" dirty="0">
+            <a:endParaRPr lang="en-US" sz="2800" i="0" u="none" strike="noStrike" cap="none" dirty="0">
               <a:solidFill>
                 <a:srgbClr val="FFFF00"/>
               </a:solidFill>
@@ -21818,7 +21922,7 @@
   <p:timing>
     <p:tnLst>
       <p:par>
-        <p:cTn id="1" dur="indefinite" restart="never" nodeType="tmRoot"/>
+        <p:cTn xmlns:p14="http://schemas.microsoft.com/office/powerpoint/2010/main" id="1" dur="indefinite" restart="never" nodeType="tmRoot"/>
       </p:par>
     </p:tnLst>
   </p:timing>
@@ -22109,7 +22213,7 @@
   <p:timing>
     <p:tnLst>
       <p:par>
-        <p:cTn id="1" dur="indefinite" restart="never" nodeType="tmRoot"/>
+        <p:cTn xmlns:p14="http://schemas.microsoft.com/office/powerpoint/2010/main" id="1" dur="indefinite" restart="never" nodeType="tmRoot"/>
       </p:par>
     </p:tnLst>
   </p:timing>
@@ -22176,7 +22280,7 @@
               <a:buNone/>
             </a:pPr>
             <a:r>
-              <a:rPr lang="en-US" sz="2000" b="1" i="0" u="none" strike="noStrike" cap="none" dirty="0">
+              <a:rPr lang="en-US" sz="2400" i="0" u="none" strike="noStrike" cap="none" dirty="0">
                 <a:solidFill>
                   <a:srgbClr val="FFFF00"/>
                 </a:solidFill>
@@ -22207,7 +22311,7 @@
               <a:buNone/>
             </a:pPr>
             <a:r>
-              <a:rPr lang="en-US" sz="2000" b="1" i="0" u="none" strike="noStrike" cap="none" dirty="0">
+              <a:rPr lang="en-US" sz="2400" i="0" u="none" strike="noStrike" cap="none" dirty="0">
                 <a:solidFill>
                   <a:schemeClr val="lt1"/>
                 </a:solidFill>
@@ -22219,7 +22323,7 @@
               <a:t>name = </a:t>
             </a:r>
             <a:r>
-              <a:rPr lang="en-US" sz="2000" b="1" i="0" u="none" strike="noStrike" cap="none" dirty="0" err="1">
+              <a:rPr lang="en-US" sz="2400" i="0" u="none" strike="noStrike" cap="none" dirty="0" err="1">
                 <a:solidFill>
                   <a:schemeClr val="lt1"/>
                 </a:solidFill>
@@ -22231,7 +22335,7 @@
               <a:t>raw_input</a:t>
             </a:r>
             <a:r>
-              <a:rPr lang="en-US" sz="2000" b="1" i="0" u="none" strike="noStrike" cap="none" dirty="0">
+              <a:rPr lang="en-US" sz="2400" i="0" u="none" strike="noStrike" cap="none" dirty="0">
                 <a:solidFill>
                   <a:schemeClr val="lt1"/>
                 </a:solidFill>
@@ -22262,7 +22366,7 @@
               <a:buNone/>
             </a:pPr>
             <a:r>
-              <a:rPr lang="en-US" sz="2000" b="1" i="0" u="none" strike="noStrike" cap="none" dirty="0">
+              <a:rPr lang="en-US" sz="2400" i="0" u="none" strike="noStrike" cap="none" dirty="0">
                 <a:solidFill>
                   <a:schemeClr val="lt1"/>
                 </a:solidFill>
@@ -22287,7 +22391,7 @@
               </a:spcAft>
               <a:buNone/>
             </a:pPr>
-            <a:endParaRPr sz="2000" b="1" i="0" u="none" strike="noStrike" cap="none" dirty="0">
+            <a:endParaRPr sz="2400" i="0" u="none" strike="noStrike" cap="none" dirty="0">
               <a:solidFill>
                 <a:srgbClr val="FFFF00"/>
               </a:solidFill>
@@ -22316,7 +22420,7 @@
               <a:buNone/>
             </a:pPr>
             <a:r>
-              <a:rPr lang="en-US" sz="2000" b="1" i="0" u="none" strike="noStrike" cap="none" dirty="0">
+              <a:rPr lang="en-US" sz="2400" i="0" u="none" strike="noStrike" cap="none" dirty="0">
                 <a:solidFill>
                   <a:srgbClr val="FFFF00"/>
                 </a:solidFill>
@@ -22336,7 +22440,7 @@
               <a:buSzPct val="25000"/>
             </a:pPr>
             <a:r>
-              <a:rPr lang="en-US" sz="2000" b="1" dirty="0">
+              <a:rPr lang="en-US" sz="2400" dirty="0">
                 <a:solidFill>
                   <a:srgbClr val="FFFFFF"/>
                 </a:solidFill>
@@ -22348,7 +22452,7 @@
               <a:t>counts = </a:t>
             </a:r>
             <a:r>
-              <a:rPr lang="en-US" sz="2000" b="1" dirty="0" err="1">
+              <a:rPr lang="en-US" sz="2400" dirty="0" err="1">
                 <a:solidFill>
                   <a:srgbClr val="FFFFFF"/>
                 </a:solidFill>
@@ -22360,7 +22464,7 @@
               <a:t>dict</a:t>
             </a:r>
             <a:r>
-              <a:rPr lang="en-US" sz="2000" b="1" dirty="0">
+              <a:rPr lang="en-US" sz="2400" dirty="0">
                 <a:solidFill>
                   <a:srgbClr val="FFFFFF"/>
                 </a:solidFill>
@@ -22380,7 +22484,7 @@
               <a:buSzPct val="25000"/>
             </a:pPr>
             <a:r>
-              <a:rPr lang="en-US" sz="2000" b="1" dirty="0">
+              <a:rPr lang="en-US" sz="2400" dirty="0">
                 <a:solidFill>
                   <a:srgbClr val="FFFFFF"/>
                 </a:solidFill>
@@ -22400,7 +22504,7 @@
               <a:buSzPct val="25000"/>
             </a:pPr>
             <a:r>
-              <a:rPr lang="en-US" sz="2000" b="1" dirty="0">
+              <a:rPr lang="en-US" sz="2400" dirty="0">
                 <a:solidFill>
                   <a:srgbClr val="FFFFFF"/>
                 </a:solidFill>
@@ -22412,7 +22516,7 @@
               <a:t>    words = </a:t>
             </a:r>
             <a:r>
-              <a:rPr lang="en-US" sz="2000" b="1" dirty="0" err="1">
+              <a:rPr lang="en-US" sz="2400" dirty="0" err="1">
                 <a:solidFill>
                   <a:srgbClr val="FFFFFF"/>
                 </a:solidFill>
@@ -22424,7 +22528,7 @@
               <a:t>line.split</a:t>
             </a:r>
             <a:r>
-              <a:rPr lang="en-US" sz="2000" b="1" dirty="0">
+              <a:rPr lang="en-US" sz="2400" dirty="0">
                 <a:solidFill>
                   <a:srgbClr val="FFFFFF"/>
                 </a:solidFill>
@@ -22444,7 +22548,7 @@
               <a:buSzPct val="25000"/>
             </a:pPr>
             <a:r>
-              <a:rPr lang="en-US" sz="2000" b="1" dirty="0">
+              <a:rPr lang="en-US" sz="2400" dirty="0">
                 <a:solidFill>
                   <a:srgbClr val="FFFFFF"/>
                 </a:solidFill>
@@ -22464,7 +22568,7 @@
               <a:buSzPct val="25000"/>
             </a:pPr>
             <a:r>
-              <a:rPr lang="en-US" sz="2000" b="1" dirty="0">
+              <a:rPr lang="en-US" sz="2400" dirty="0">
                 <a:solidFill>
                   <a:srgbClr val="FFFFFF"/>
                 </a:solidFill>
@@ -22476,7 +22580,7 @@
               <a:t>        counts[word] = </a:t>
             </a:r>
             <a:r>
-              <a:rPr lang="en-US" sz="2000" b="1" dirty="0" err="1">
+              <a:rPr lang="en-US" sz="2400" dirty="0" err="1">
                 <a:solidFill>
                   <a:srgbClr val="FFFFFF"/>
                 </a:solidFill>
@@ -22488,7 +22592,7 @@
               <a:t>counts.get</a:t>
             </a:r>
             <a:r>
-              <a:rPr lang="en-US" sz="2000" b="1" dirty="0">
+              <a:rPr lang="en-US" sz="2400" dirty="0">
                 <a:solidFill>
                   <a:srgbClr val="FFFFFF"/>
                 </a:solidFill>
@@ -22513,7 +22617,7 @@
               </a:spcAft>
               <a:buNone/>
             </a:pPr>
-            <a:endParaRPr sz="2000" b="1" i="0" u="none" strike="noStrike" cap="none" dirty="0">
+            <a:endParaRPr sz="2400" i="0" u="none" strike="noStrike" cap="none" dirty="0">
               <a:solidFill>
                 <a:srgbClr val="FFFF00"/>
               </a:solidFill>
@@ -22542,7 +22646,7 @@
               <a:buNone/>
             </a:pPr>
             <a:r>
-              <a:rPr lang="en-US" sz="2000" b="1" i="0" u="none" strike="noStrike" cap="none" dirty="0">
+              <a:rPr lang="en-US" sz="2400" i="0" u="none" strike="noStrike" cap="none" dirty="0">
                 <a:solidFill>
                   <a:srgbClr val="FFFF00"/>
                 </a:solidFill>
@@ -22573,7 +22677,7 @@
               <a:buNone/>
             </a:pPr>
             <a:r>
-              <a:rPr lang="en-US" sz="2000" b="1" i="0" u="none" strike="noStrike" cap="none" dirty="0" err="1">
+              <a:rPr lang="en-US" sz="2400" i="0" u="none" strike="noStrike" cap="none" dirty="0" err="1">
                 <a:solidFill>
                   <a:srgbClr val="FFFFFF"/>
                 </a:solidFill>
@@ -22585,7 +22689,7 @@
               <a:t>bigcount</a:t>
             </a:r>
             <a:r>
-              <a:rPr lang="en-US" sz="2000" b="1" i="0" u="none" strike="noStrike" cap="none" dirty="0">
+              <a:rPr lang="en-US" sz="2400" i="0" u="none" strike="noStrike" cap="none" dirty="0">
                 <a:solidFill>
                   <a:srgbClr val="FFFFFF"/>
                 </a:solidFill>
@@ -22616,7 +22720,7 @@
               <a:buNone/>
             </a:pPr>
             <a:r>
-              <a:rPr lang="en-US" sz="2000" b="1" i="0" u="none" strike="noStrike" cap="none" dirty="0" err="1">
+              <a:rPr lang="en-US" sz="2400" i="0" u="none" strike="noStrike" cap="none" dirty="0" err="1">
                 <a:solidFill>
                   <a:srgbClr val="FFFFFF"/>
                 </a:solidFill>
@@ -22628,7 +22732,7 @@
               <a:t>bigword</a:t>
             </a:r>
             <a:r>
-              <a:rPr lang="en-US" sz="2000" b="1" i="0" u="none" strike="noStrike" cap="none" dirty="0">
+              <a:rPr lang="en-US" sz="2400" i="0" u="none" strike="noStrike" cap="none" dirty="0">
                 <a:solidFill>
                   <a:srgbClr val="FFFFFF"/>
                 </a:solidFill>
@@ -22659,7 +22763,7 @@
               <a:buNone/>
             </a:pPr>
             <a:r>
-              <a:rPr lang="en-US" sz="2000" b="1" i="0" u="none" strike="noStrike" cap="none" dirty="0">
+              <a:rPr lang="en-US" sz="2400" i="0" u="none" strike="noStrike" cap="none" dirty="0">
                 <a:solidFill>
                   <a:srgbClr val="FFFFFF"/>
                 </a:solidFill>
@@ -22671,7 +22775,7 @@
               <a:t>for </a:t>
             </a:r>
             <a:r>
-              <a:rPr lang="en-US" sz="2000" b="1" i="0" u="none" strike="noStrike" cap="none" dirty="0" err="1">
+              <a:rPr lang="en-US" sz="2400" i="0" u="none" strike="noStrike" cap="none" dirty="0" err="1">
                 <a:solidFill>
                   <a:srgbClr val="FFFFFF"/>
                 </a:solidFill>
@@ -22683,7 +22787,7 @@
               <a:t>word,count</a:t>
             </a:r>
             <a:r>
-              <a:rPr lang="en-US" sz="2000" b="1" i="0" u="none" strike="noStrike" cap="none" dirty="0">
+              <a:rPr lang="en-US" sz="2400" i="0" u="none" strike="noStrike" cap="none" dirty="0">
                 <a:solidFill>
                   <a:srgbClr val="FFFFFF"/>
                 </a:solidFill>
@@ -22695,7 +22799,7 @@
               <a:t> in </a:t>
             </a:r>
             <a:r>
-              <a:rPr lang="en-US" sz="2000" b="1" i="0" u="none" strike="noStrike" cap="none" dirty="0" err="1">
+              <a:rPr lang="en-US" sz="2400" i="0" u="none" strike="noStrike" cap="none" dirty="0" err="1">
                 <a:solidFill>
                   <a:srgbClr val="FFFFFF"/>
                 </a:solidFill>
@@ -22707,7 +22811,7 @@
               <a:t>counts.items</a:t>
             </a:r>
             <a:r>
-              <a:rPr lang="en-US" sz="2000" b="1" i="0" u="none" strike="noStrike" cap="none" dirty="0">
+              <a:rPr lang="en-US" sz="2400" i="0" u="none" strike="noStrike" cap="none" dirty="0">
                 <a:solidFill>
                   <a:srgbClr val="FFFFFF"/>
                 </a:solidFill>
@@ -22738,7 +22842,7 @@
               <a:buNone/>
             </a:pPr>
             <a:r>
-              <a:rPr lang="en-US" sz="2000" b="1" i="0" u="none" strike="noStrike" cap="none" dirty="0">
+              <a:rPr lang="en-US" sz="2400" i="0" u="none" strike="noStrike" cap="none" dirty="0">
                 <a:solidFill>
                   <a:srgbClr val="FFFFFF"/>
                 </a:solidFill>
@@ -22750,7 +22854,7 @@
               <a:t>    if </a:t>
             </a:r>
             <a:r>
-              <a:rPr lang="en-US" sz="2000" b="1" i="0" u="none" strike="noStrike" cap="none" dirty="0" err="1">
+              <a:rPr lang="en-US" sz="2400" i="0" u="none" strike="noStrike" cap="none" dirty="0" err="1">
                 <a:solidFill>
                   <a:srgbClr val="FFFFFF"/>
                 </a:solidFill>
@@ -22762,7 +22866,7 @@
               <a:t>bigcount</a:t>
             </a:r>
             <a:r>
-              <a:rPr lang="en-US" sz="2000" b="1" i="0" u="none" strike="noStrike" cap="none" dirty="0">
+              <a:rPr lang="en-US" sz="2400" i="0" u="none" strike="noStrike" cap="none" dirty="0">
                 <a:solidFill>
                   <a:srgbClr val="FFFFFF"/>
                 </a:solidFill>
@@ -22774,7 +22878,7 @@
               <a:t> is None or count &gt; </a:t>
             </a:r>
             <a:r>
-              <a:rPr lang="en-US" sz="2000" b="1" i="0" u="none" strike="noStrike" cap="none" dirty="0" err="1">
+              <a:rPr lang="en-US" sz="2400" i="0" u="none" strike="noStrike" cap="none" dirty="0" err="1">
                 <a:solidFill>
                   <a:srgbClr val="FFFFFF"/>
                 </a:solidFill>
@@ -22786,7 +22890,7 @@
               <a:t>bigcount</a:t>
             </a:r>
             <a:r>
-              <a:rPr lang="en-US" sz="2000" b="1" i="0" u="none" strike="noStrike" cap="none" dirty="0">
+              <a:rPr lang="en-US" sz="2400" i="0" u="none" strike="noStrike" cap="none" dirty="0">
                 <a:solidFill>
                   <a:srgbClr val="FFFFFF"/>
                 </a:solidFill>
@@ -22817,7 +22921,7 @@
               <a:buNone/>
             </a:pPr>
             <a:r>
-              <a:rPr lang="en-US" sz="2000" b="1" i="0" u="none" strike="noStrike" cap="none" dirty="0">
+              <a:rPr lang="en-US" sz="2400" i="0" u="none" strike="noStrike" cap="none" dirty="0">
                 <a:solidFill>
                   <a:srgbClr val="FFFFFF"/>
                 </a:solidFill>
@@ -22829,7 +22933,7 @@
               <a:t>        </a:t>
             </a:r>
             <a:r>
-              <a:rPr lang="en-US" sz="2000" b="1" i="0" u="none" strike="noStrike" cap="none" dirty="0" err="1">
+              <a:rPr lang="en-US" sz="2400" i="0" u="none" strike="noStrike" cap="none" dirty="0" err="1">
                 <a:solidFill>
                   <a:srgbClr val="FFFFFF"/>
                 </a:solidFill>
@@ -22841,7 +22945,7 @@
               <a:t>bigword</a:t>
             </a:r>
             <a:r>
-              <a:rPr lang="en-US" sz="2000" b="1" i="0" u="none" strike="noStrike" cap="none" dirty="0">
+              <a:rPr lang="en-US" sz="2400" i="0" u="none" strike="noStrike" cap="none" dirty="0">
                 <a:solidFill>
                   <a:srgbClr val="FFFFFF"/>
                 </a:solidFill>
@@ -22872,7 +22976,7 @@
               <a:buNone/>
             </a:pPr>
             <a:r>
-              <a:rPr lang="en-US" sz="2000" b="1" i="0" u="none" strike="noStrike" cap="none" dirty="0">
+              <a:rPr lang="en-US" sz="2400" i="0" u="none" strike="noStrike" cap="none" dirty="0">
                 <a:solidFill>
                   <a:srgbClr val="FFFFFF"/>
                 </a:solidFill>
@@ -22884,7 +22988,7 @@
               <a:t>        </a:t>
             </a:r>
             <a:r>
-              <a:rPr lang="en-US" sz="2000" b="1" i="0" u="none" strike="noStrike" cap="none" dirty="0" err="1">
+              <a:rPr lang="en-US" sz="2400" i="0" u="none" strike="noStrike" cap="none" dirty="0" err="1">
                 <a:solidFill>
                   <a:srgbClr val="FFFFFF"/>
                 </a:solidFill>
@@ -22896,7 +23000,7 @@
               <a:t>bigcount</a:t>
             </a:r>
             <a:r>
-              <a:rPr lang="en-US" sz="2000" b="1" i="0" u="none" strike="noStrike" cap="none" dirty="0">
+              <a:rPr lang="en-US" sz="2400" i="0" u="none" strike="noStrike" cap="none" dirty="0">
                 <a:solidFill>
                   <a:srgbClr val="FFFFFF"/>
                 </a:solidFill>
@@ -22921,7 +23025,7 @@
               </a:spcAft>
               <a:buNone/>
             </a:pPr>
-            <a:endParaRPr sz="2000" b="1" i="0" u="none" strike="noStrike" cap="none" dirty="0">
+            <a:endParaRPr sz="2400" i="0" u="none" strike="noStrike" cap="none" dirty="0">
               <a:solidFill>
                 <a:srgbClr val="FFFF00"/>
               </a:solidFill>
@@ -22950,7 +23054,7 @@
               <a:buNone/>
             </a:pPr>
             <a:r>
-              <a:rPr lang="en-US" sz="2000" b="1" i="0" u="none" strike="noStrike" cap="none" dirty="0">
+              <a:rPr lang="en-US" sz="2400" i="0" u="none" strike="noStrike" cap="none" dirty="0">
                 <a:solidFill>
                   <a:srgbClr val="FFFF00"/>
                 </a:solidFill>
@@ -22962,7 +23066,7 @@
               <a:t># All </a:t>
             </a:r>
             <a:r>
-              <a:rPr lang="en-US" sz="2000" b="1" dirty="0">
+              <a:rPr lang="en-US" sz="2400" dirty="0">
                 <a:solidFill>
                   <a:srgbClr val="FFFF00"/>
                 </a:solidFill>
@@ -22974,7 +23078,7 @@
               <a:t>d</a:t>
             </a:r>
             <a:r>
-              <a:rPr lang="en-US" sz="2000" b="1" i="0" u="none" strike="noStrike" cap="none" dirty="0" smtClean="0">
+              <a:rPr lang="en-US" sz="2400" i="0" u="none" strike="noStrike" cap="none" dirty="0" smtClean="0">
                 <a:solidFill>
                   <a:srgbClr val="FFFF00"/>
                 </a:solidFill>
@@ -22985,7 +23089,7 @@
               </a:rPr>
               <a:t>one</a:t>
             </a:r>
-            <a:endParaRPr lang="en-US" sz="2000" b="1" i="0" u="none" strike="noStrike" cap="none" dirty="0">
+            <a:endParaRPr lang="en-US" sz="2400" i="0" u="none" strike="noStrike" cap="none" dirty="0">
               <a:solidFill>
                 <a:srgbClr val="FFFF00"/>
               </a:solidFill>
@@ -23014,7 +23118,7 @@
               <a:buNone/>
             </a:pPr>
             <a:r>
-              <a:rPr lang="en-US" sz="2000" b="1" dirty="0">
+              <a:rPr lang="en-US" sz="2400" dirty="0">
                 <a:solidFill>
                   <a:srgbClr val="FFFFFF"/>
                 </a:solidFill>
@@ -23026,7 +23130,7 @@
               <a:t>p</a:t>
             </a:r>
             <a:r>
-              <a:rPr lang="en-US" sz="2000" b="1" i="0" u="none" strike="noStrike" cap="none" dirty="0" smtClean="0">
+              <a:rPr lang="en-US" sz="2400" i="0" u="none" strike="noStrike" cap="none" dirty="0" smtClean="0">
                 <a:solidFill>
                   <a:srgbClr val="FFFFFF"/>
                 </a:solidFill>
@@ -23038,7 +23142,7 @@
               <a:t>rint(</a:t>
             </a:r>
             <a:r>
-              <a:rPr lang="en-US" sz="2000" b="1" i="0" u="none" strike="noStrike" cap="none" dirty="0" err="1" smtClean="0">
+              <a:rPr lang="en-US" sz="2400" i="0" u="none" strike="noStrike" cap="none" dirty="0" err="1" smtClean="0">
                 <a:solidFill>
                   <a:srgbClr val="FFFFFF"/>
                 </a:solidFill>
@@ -23050,7 +23154,7 @@
               <a:t>bigword</a:t>
             </a:r>
             <a:r>
-              <a:rPr lang="en-US" sz="2000" b="1" i="0" u="none" strike="noStrike" cap="none" dirty="0">
+              <a:rPr lang="en-US" sz="2400" i="0" u="none" strike="noStrike" cap="none" dirty="0">
                 <a:solidFill>
                   <a:srgbClr val="FFFFFF"/>
                 </a:solidFill>
@@ -23062,7 +23166,7 @@
               <a:t>, </a:t>
             </a:r>
             <a:r>
-              <a:rPr lang="en-US" sz="2000" b="1" i="0" u="none" strike="noStrike" cap="none" dirty="0" err="1" smtClean="0">
+              <a:rPr lang="en-US" sz="2400" i="0" u="none" strike="noStrike" cap="none" dirty="0" err="1" smtClean="0">
                 <a:solidFill>
                   <a:srgbClr val="FFFFFF"/>
                 </a:solidFill>
@@ -23074,7 +23178,7 @@
               <a:t>bigcount</a:t>
             </a:r>
             <a:r>
-              <a:rPr lang="en-US" sz="2000" b="1" i="0" u="none" strike="noStrike" cap="none" dirty="0" smtClean="0">
+              <a:rPr lang="en-US" sz="2400" i="0" u="none" strike="noStrike" cap="none" dirty="0" smtClean="0">
                 <a:solidFill>
                   <a:srgbClr val="FFFFFF"/>
                 </a:solidFill>
@@ -23085,7 +23189,7 @@
               </a:rPr>
               <a:t>)</a:t>
             </a:r>
-            <a:endParaRPr lang="en-US" sz="2000" b="1" i="0" u="none" strike="noStrike" cap="none" dirty="0">
+            <a:endParaRPr lang="en-US" sz="2400" i="0" u="none" strike="noStrike" cap="none" dirty="0">
               <a:solidFill>
                 <a:srgbClr val="FFFFFF"/>
               </a:solidFill>
@@ -23105,7 +23209,7 @@
   <p:timing>
     <p:tnLst>
       <p:par>
-        <p:cTn id="1" dur="indefinite" restart="never" nodeType="tmRoot"/>
+        <p:cTn xmlns:p14="http://schemas.microsoft.com/office/powerpoint/2010/main" id="1" dur="indefinite" restart="never" nodeType="tmRoot"/>
       </p:par>
     </p:tnLst>
   </p:timing>
@@ -23506,7 +23610,7 @@
               <a:t> </a:t>
             </a:r>
             <a:r>
-              <a:rPr lang="en-US" sz="2800" b="1" u="none" strike="noStrike" cap="none" dirty="0">
+              <a:rPr lang="en-US" sz="2800" u="none" strike="noStrike" cap="none" dirty="0">
                 <a:solidFill>
                   <a:schemeClr val="lt1"/>
                 </a:solidFill>
@@ -23518,7 +23622,7 @@
               <a:t>&gt;&gt;&gt; </a:t>
             </a:r>
             <a:r>
-              <a:rPr lang="en-US" sz="2800" b="1" u="none" strike="noStrike" cap="none" dirty="0" smtClean="0">
+              <a:rPr lang="en-US" sz="2800" u="none" strike="noStrike" cap="none" dirty="0" smtClean="0">
                 <a:solidFill>
                   <a:srgbClr val="FFFF00"/>
                 </a:solidFill>
@@ -23530,7 +23634,7 @@
               <a:t>print(</a:t>
             </a:r>
             <a:r>
-              <a:rPr lang="en-US" sz="2800" b="1" u="none" strike="noStrike" cap="none" dirty="0" smtClean="0">
+              <a:rPr lang="en-US" sz="2800" u="none" strike="noStrike" cap="none" dirty="0" smtClean="0">
                 <a:solidFill>
                   <a:schemeClr val="lt1"/>
                 </a:solidFill>
@@ -23542,7 +23646,7 @@
               <a:t>'</a:t>
             </a:r>
             <a:r>
-              <a:rPr lang="en-US" sz="2800" b="1" u="none" strike="noStrike" cap="none" dirty="0" err="1" smtClean="0">
+              <a:rPr lang="en-US" sz="2800" u="none" strike="noStrike" cap="none" dirty="0" err="1" smtClean="0">
                 <a:solidFill>
                   <a:schemeClr val="lt1"/>
                 </a:solidFill>
@@ -23554,7 +23658,7 @@
               <a:t>abc</a:t>
             </a:r>
             <a:r>
-              <a:rPr lang="en-US" sz="2800" b="1" u="none" strike="noStrike" cap="none" dirty="0">
+              <a:rPr lang="en-US" sz="2800" u="none" strike="noStrike" cap="none" dirty="0">
                 <a:solidFill>
                   <a:schemeClr val="lt1"/>
                 </a:solidFill>
@@ -23566,7 +23670,7 @@
               <a:t>' </a:t>
             </a:r>
             <a:r>
-              <a:rPr lang="en-US" sz="2800" b="1" u="none" strike="noStrike" cap="none" dirty="0">
+              <a:rPr lang="en-US" sz="2800" u="none" strike="noStrike" cap="none" dirty="0">
                 <a:solidFill>
                   <a:srgbClr val="00FFFF"/>
                 </a:solidFill>
@@ -23578,7 +23682,7 @@
               <a:t>+</a:t>
             </a:r>
             <a:r>
-              <a:rPr lang="en-US" sz="2800" b="1" u="none" strike="noStrike" cap="none" dirty="0">
+              <a:rPr lang="en-US" sz="2800" u="none" strike="noStrike" cap="none" dirty="0">
                 <a:solidFill>
                   <a:schemeClr val="lt1"/>
                 </a:solidFill>
@@ -23587,10 +23691,10 @@
                 <a:cs typeface="Courier" charset="0"/>
                 <a:sym typeface="Cabin"/>
               </a:rPr>
-              <a:t> '123</a:t>
-            </a:r>
-            <a:r>
-              <a:rPr lang="en-US" sz="2800" b="1" u="none" strike="noStrike" cap="none" dirty="0" smtClean="0">
+              <a:t> '</a:t>
+            </a:r>
+            <a:r>
+              <a:rPr lang="en-US" sz="2800" dirty="0">
                 <a:solidFill>
                   <a:schemeClr val="lt1"/>
                 </a:solidFill>
@@ -23599,10 +23703,10 @@
                 <a:cs typeface="Courier" charset="0"/>
                 <a:sym typeface="Cabin"/>
               </a:rPr>
-              <a:t>’</a:t>
-            </a:r>
-            <a:r>
-              <a:rPr lang="en-US" sz="2800" b="1" dirty="0" smtClean="0">
+              <a:t>123'</a:t>
+            </a:r>
+            <a:r>
+              <a:rPr lang="en-US" sz="2800" dirty="0" smtClean="0">
                 <a:solidFill>
                   <a:srgbClr val="FFFF00"/>
                 </a:solidFill>
@@ -23614,7 +23718,7 @@
               <a:t>)</a:t>
             </a:r>
             <a:r>
-              <a:rPr lang="en-US" sz="2800" b="1" dirty="0" smtClean="0">
+              <a:rPr lang="en-US" sz="2800" dirty="0" smtClean="0">
                 <a:solidFill>
                   <a:schemeClr val="lt1"/>
                 </a:solidFill>
@@ -23625,7 +23729,7 @@
               </a:rPr>
               <a:t> </a:t>
             </a:r>
-            <a:endParaRPr lang="en-US" sz="2800" b="1" u="none" strike="noStrike" cap="none" dirty="0">
+            <a:endParaRPr lang="en-US" sz="2800" u="none" strike="noStrike" cap="none" dirty="0">
               <a:solidFill>
                 <a:schemeClr val="lt1"/>
               </a:solidFill>
@@ -23654,7 +23758,7 @@
               <a:buNone/>
             </a:pPr>
             <a:r>
-              <a:rPr lang="en-US" sz="2800" b="1" dirty="0">
+              <a:rPr lang="en-US" sz="2800" dirty="0">
                 <a:solidFill>
                   <a:schemeClr val="lt1"/>
                 </a:solidFill>
@@ -23666,7 +23770,7 @@
               <a:t> a</a:t>
             </a:r>
             <a:r>
-              <a:rPr lang="en-US" sz="2800" b="1" u="none" strike="noStrike" cap="none" dirty="0">
+              <a:rPr lang="en-US" sz="2800" u="none" strike="noStrike" cap="none" dirty="0">
                 <a:solidFill>
                   <a:schemeClr val="lt1"/>
                 </a:solidFill>
@@ -23686,7 +23790,7 @@
               <a:buSzPct val="25000"/>
             </a:pPr>
             <a:r>
-              <a:rPr lang="en-US" sz="2800" b="1" dirty="0">
+              <a:rPr lang="en-US" sz="2800" dirty="0">
                 <a:solidFill>
                   <a:schemeClr val="lt1"/>
                 </a:solidFill>
@@ -23698,7 +23802,7 @@
               <a:t> &gt;</a:t>
             </a:r>
             <a:r>
-              <a:rPr lang="en-US" sz="2800" b="1" u="none" strike="noStrike" cap="none" dirty="0">
+              <a:rPr lang="en-US" sz="2800" u="none" strike="noStrike" cap="none" dirty="0">
                 <a:solidFill>
                   <a:schemeClr val="lt1"/>
                 </a:solidFill>
@@ -23710,7 +23814,7 @@
               <a:t>&gt;&gt; </a:t>
             </a:r>
             <a:r>
-              <a:rPr lang="en-US" sz="2800" b="1" u="none" strike="noStrike" cap="none" dirty="0" smtClean="0">
+              <a:rPr lang="en-US" sz="2800" u="none" strike="noStrike" cap="none" dirty="0" smtClean="0">
                 <a:solidFill>
                   <a:srgbClr val="FFFF00"/>
                 </a:solidFill>
@@ -23722,7 +23826,7 @@
               <a:t>print(</a:t>
             </a:r>
             <a:r>
-              <a:rPr lang="en-US" sz="2800" b="1" u="none" strike="noStrike" cap="none" dirty="0" smtClean="0">
+              <a:rPr lang="en-US" sz="2800" u="none" strike="noStrike" cap="none" dirty="0" smtClean="0">
                 <a:solidFill>
                   <a:schemeClr val="lt1"/>
                 </a:solidFill>
@@ -23734,7 +23838,7 @@
               <a:t>'Hi</a:t>
             </a:r>
             <a:r>
-              <a:rPr lang="en-US" sz="2800" b="1" u="none" strike="noStrike" cap="none" dirty="0">
+              <a:rPr lang="en-US" sz="2800" u="none" strike="noStrike" cap="none" dirty="0">
                 <a:solidFill>
                   <a:schemeClr val="lt1"/>
                 </a:solidFill>
@@ -23746,7 +23850,7 @@
               <a:t>' </a:t>
             </a:r>
             <a:r>
-              <a:rPr lang="en-US" sz="2800" b="1" u="none" strike="noStrike" cap="none" dirty="0">
+              <a:rPr lang="en-US" sz="2800" u="none" strike="noStrike" cap="none" dirty="0">
                 <a:solidFill>
                   <a:srgbClr val="00FFFF"/>
                 </a:solidFill>
@@ -23758,7 +23862,7 @@
               <a:t>*</a:t>
             </a:r>
             <a:r>
-              <a:rPr lang="en-US" sz="2800" b="1" u="none" strike="noStrike" cap="none" dirty="0">
+              <a:rPr lang="en-US" sz="2800" u="none" strike="noStrike" cap="none" dirty="0">
                 <a:solidFill>
                   <a:schemeClr val="lt1"/>
                 </a:solidFill>
@@ -23770,7 +23874,7 @@
               <a:t> </a:t>
             </a:r>
             <a:r>
-              <a:rPr lang="en-US" sz="2800" b="1" u="none" strike="noStrike" cap="none" dirty="0" smtClean="0">
+              <a:rPr lang="en-US" sz="2800" u="none" strike="noStrike" cap="none" dirty="0" smtClean="0">
                 <a:solidFill>
                   <a:schemeClr val="lt1"/>
                 </a:solidFill>
@@ -23782,7 +23886,7 @@
               <a:t>5</a:t>
             </a:r>
             <a:r>
-              <a:rPr lang="en-US" sz="2800" b="1" dirty="0">
+              <a:rPr lang="en-US" sz="2800" dirty="0">
                 <a:solidFill>
                   <a:srgbClr val="FFFF00"/>
                 </a:solidFill>
@@ -23794,7 +23898,7 @@
               <a:t>)</a:t>
             </a:r>
             <a:r>
-              <a:rPr lang="en-US" sz="2800" b="1" dirty="0">
+              <a:rPr lang="en-US" sz="2800" dirty="0">
                 <a:solidFill>
                   <a:schemeClr val="lt1"/>
                 </a:solidFill>
@@ -23805,7 +23909,7 @@
               </a:rPr>
               <a:t> </a:t>
             </a:r>
-            <a:endParaRPr lang="en-US" sz="2800" b="1" u="none" strike="noStrike" cap="none" dirty="0">
+            <a:endParaRPr lang="en-US" sz="2800" u="none" strike="noStrike" cap="none" dirty="0">
               <a:solidFill>
                 <a:schemeClr val="lt1"/>
               </a:solidFill>
@@ -23834,7 +23938,7 @@
               <a:buNone/>
             </a:pPr>
             <a:r>
-              <a:rPr lang="en-US" sz="2800" b="1" dirty="0">
+              <a:rPr lang="en-US" sz="2800" dirty="0">
                 <a:solidFill>
                   <a:schemeClr val="lt1"/>
                 </a:solidFill>
@@ -23846,7 +23950,7 @@
               <a:t> </a:t>
             </a:r>
             <a:r>
-              <a:rPr lang="en-US" sz="2800" b="1" u="none" strike="noStrike" cap="none" dirty="0" err="1">
+              <a:rPr lang="en-US" sz="2800" u="none" strike="noStrike" cap="none" dirty="0" err="1">
                 <a:solidFill>
                   <a:schemeClr val="lt1"/>
                 </a:solidFill>
@@ -23857,7 +23961,7 @@
               </a:rPr>
               <a:t>HiHiHiHiHi</a:t>
             </a:r>
-            <a:endParaRPr lang="en-US" sz="2800" b="1" u="none" strike="noStrike" cap="none" dirty="0">
+            <a:endParaRPr lang="en-US" sz="2800" u="none" strike="noStrike" cap="none" dirty="0">
               <a:solidFill>
                 <a:schemeClr val="lt1"/>
               </a:solidFill>
@@ -23886,7 +23990,7 @@
               <a:buNone/>
             </a:pPr>
             <a:r>
-              <a:rPr lang="en-US" sz="2800" b="1" dirty="0">
+              <a:rPr lang="en-US" sz="2800" dirty="0">
                 <a:solidFill>
                   <a:schemeClr val="lt1"/>
                 </a:solidFill>
@@ -23898,7 +24002,7 @@
               <a:t> </a:t>
             </a:r>
             <a:r>
-              <a:rPr lang="en-US" sz="2800" b="1" u="none" strike="noStrike" cap="none" dirty="0">
+              <a:rPr lang="en-US" sz="2800" u="none" strike="noStrike" cap="none" dirty="0">
                 <a:solidFill>
                   <a:schemeClr val="lt1"/>
                 </a:solidFill>
@@ -25477,7 +25581,7 @@
   <p:timing>
     <p:tnLst>
       <p:par>
-        <p:cTn id="1" dur="indefinite" restart="never" nodeType="tmRoot"/>
+        <p:cTn xmlns:p14="http://schemas.microsoft.com/office/powerpoint/2010/main" id="1" dur="indefinite" restart="never" nodeType="tmRoot"/>
       </p:par>
     </p:tnLst>
   </p:timing>
@@ -26574,7 +26678,7 @@
         <p:spPr>
           <a:xfrm>
             <a:off x="2908300" y="2413000"/>
-            <a:ext cx="10706100" cy="3454499"/>
+            <a:ext cx="10706100" cy="4449669"/>
           </a:xfrm>
           <a:prstGeom prst="rect">
             <a:avLst/>
@@ -26737,6 +26841,43 @@
               </a:rPr>
               <a:t>2.75 </a:t>
             </a:r>
+            <a:endParaRPr lang="en-US" sz="3800" u="none" strike="noStrike" cap="none" dirty="0" smtClean="0">
+              <a:solidFill>
+                <a:srgbClr val="FFFF00"/>
+              </a:solidFill>
+              <a:latin typeface="Courier" charset="0"/>
+              <a:ea typeface="Courier" charset="0"/>
+              <a:cs typeface="Courier" charset="0"/>
+              <a:sym typeface="Cabin"/>
+            </a:endParaRPr>
+          </a:p>
+          <a:p>
+            <a:pPr marL="457200" marR="0" lvl="0" indent="0" algn="l" rtl="0">
+              <a:lnSpc>
+                <a:spcPct val="100000"/>
+              </a:lnSpc>
+              <a:spcBef>
+                <a:spcPts val="0"/>
+              </a:spcBef>
+              <a:spcAft>
+                <a:spcPts val="0"/>
+              </a:spcAft>
+              <a:buClr>
+                <a:schemeClr val="lt1"/>
+              </a:buClr>
+              <a:buSzPct val="25000"/>
+              <a:buFont typeface="Cabin"/>
+              <a:buNone/>
+            </a:pPr>
+            <a:endParaRPr lang="en-US" sz="3800" u="none" strike="noStrike" cap="none" dirty="0">
+              <a:solidFill>
+                <a:srgbClr val="FFFF00"/>
+              </a:solidFill>
+              <a:latin typeface="Courier" charset="0"/>
+              <a:ea typeface="Courier" charset="0"/>
+              <a:cs typeface="Courier" charset="0"/>
+              <a:sym typeface="Cabin"/>
+            </a:endParaRPr>
           </a:p>
           <a:p>
             <a:pPr marL="457200" marR="0" lvl="0" indent="0" algn="l" rtl="0">
@@ -26896,7 +27037,7 @@
               <a:buChar char="•"/>
             </a:pPr>
             <a:r>
-              <a:rPr lang="en-US" sz="3600" u="none" strike="noStrike" cap="none">
+              <a:rPr lang="en-US" sz="3600" u="none" strike="noStrike" cap="none" dirty="0">
                 <a:solidFill>
                   <a:schemeClr val="lt1"/>
                 </a:solidFill>
@@ -26927,7 +27068,7 @@
               <a:buChar char="•"/>
             </a:pPr>
             <a:r>
-              <a:rPr lang="en-US" sz="3600" u="none" strike="noStrike" cap="none">
+              <a:rPr lang="en-US" sz="3600" u="none" strike="noStrike" cap="none" dirty="0">
                 <a:solidFill>
                   <a:schemeClr val="lt1"/>
                 </a:solidFill>
@@ -26958,7 +27099,7 @@
               <a:buChar char="•"/>
             </a:pPr>
             <a:r>
-              <a:rPr lang="en-US" sz="3600" u="none" strike="noStrike" cap="none">
+              <a:rPr lang="en-US" sz="3600" u="none" strike="noStrike" cap="none" dirty="0">
                 <a:solidFill>
                   <a:schemeClr val="lt1"/>
                 </a:solidFill>
@@ -26989,7 +27130,7 @@
               <a:buChar char="•"/>
             </a:pPr>
             <a:r>
-              <a:rPr lang="en-US" sz="3600" u="none" strike="noStrike" cap="none">
+              <a:rPr lang="en-US" sz="3600" u="none" strike="noStrike" cap="none" dirty="0">
                 <a:solidFill>
                   <a:schemeClr val="lt1"/>
                 </a:solidFill>
@@ -27020,7 +27161,7 @@
               <a:buChar char="•"/>
             </a:pPr>
             <a:r>
-              <a:rPr lang="en-US" sz="3600" u="none" strike="noStrike" cap="none">
+              <a:rPr lang="en-US" sz="3600" u="none" strike="noStrike" cap="none" dirty="0">
                 <a:solidFill>
                   <a:schemeClr val="lt1"/>
                 </a:solidFill>
@@ -27045,7 +27186,7 @@
               </a:spcAft>
               <a:buNone/>
             </a:pPr>
-            <a:endParaRPr sz="3600"/>
+            <a:endParaRPr sz="3600" dirty="0"/>
           </a:p>
         </p:txBody>
       </p:sp>
@@ -27061,7 +27202,7 @@
         </p:nvSpPr>
         <p:spPr>
           <a:xfrm>
-            <a:off x="9366250" y="2222500"/>
+            <a:off x="8753402" y="2133600"/>
             <a:ext cx="6889750" cy="5395913"/>
           </a:xfrm>
           <a:prstGeom prst="rect">
@@ -27096,7 +27237,7 @@
               <a:buChar char="•"/>
             </a:pPr>
             <a:r>
-              <a:rPr lang="en-US" sz="3600" u="none" strike="noStrike" cap="none">
+              <a:rPr lang="en-US" sz="3600" u="none" strike="noStrike" cap="none" dirty="0">
                 <a:solidFill>
                   <a:schemeClr val="lt1"/>
                 </a:solidFill>
@@ -27127,7 +27268,7 @@
               <a:buChar char="•"/>
             </a:pPr>
             <a:r>
-              <a:rPr lang="en-US" sz="3600" u="none" strike="noStrike" cap="none">
+              <a:rPr lang="en-US" sz="3600" u="none" strike="noStrike" cap="none" dirty="0">
                 <a:solidFill>
                   <a:schemeClr val="lt1"/>
                 </a:solidFill>
@@ -27158,7 +27299,7 @@
               <a:buChar char="•"/>
             </a:pPr>
             <a:r>
-              <a:rPr lang="en-US" sz="3600" u="none" strike="noStrike" cap="none">
+              <a:rPr lang="en-US" sz="3600" u="none" strike="noStrike" cap="none" dirty="0">
                 <a:solidFill>
                   <a:schemeClr val="lt1"/>
                 </a:solidFill>
@@ -27189,7 +27330,7 @@
               <a:buChar char="•"/>
             </a:pPr>
             <a:r>
-              <a:rPr lang="en-US" sz="3600" u="none" strike="noStrike" cap="none">
+              <a:rPr lang="en-US" sz="3600" u="none" strike="noStrike" cap="none" dirty="0">
                 <a:solidFill>
                   <a:schemeClr val="lt1"/>
                 </a:solidFill>
@@ -28472,7 +28613,7 @@
   <p:timing>
     <p:tnLst>
       <p:par>
-        <p:cTn id="1" dur="indefinite" restart="never" nodeType="tmRoot"/>
+        <p:cTn xmlns:p14="http://schemas.microsoft.com/office/powerpoint/2010/main" id="1" dur="indefinite" restart="never" nodeType="tmRoot"/>
       </p:par>
     </p:tnLst>
   </p:timing>
@@ -28615,7 +28756,7 @@
                 <a:cs typeface="Arial" charset="0"/>
                 <a:sym typeface="Cabin"/>
               </a:rPr>
-              <a:t>Must consist of letters and numbers and underscores</a:t>
+              <a:t>Must consist of letters, numbers, and underscores</a:t>
             </a:r>
           </a:p>
           <a:p>
@@ -28692,7 +28833,7 @@
           <a:lstStyle/>
           <a:p>
             <a:r>
-              <a:rPr lang="en-US" sz="3600" b="1" dirty="0">
+              <a:rPr lang="en-US" sz="3600" dirty="0">
                 <a:solidFill>
                   <a:srgbClr val="00FA00"/>
                 </a:solidFill>
@@ -28703,7 +28844,7 @@
               <a:t>Good:    </a:t>
             </a:r>
             <a:r>
-              <a:rPr lang="en-US" sz="3600" b="1" dirty="0" smtClean="0">
+              <a:rPr lang="en-US" sz="3600" dirty="0" smtClean="0">
                 <a:solidFill>
                   <a:schemeClr val="bg1"/>
                 </a:solidFill>
@@ -28714,7 +28855,7 @@
               <a:t>spam    </a:t>
             </a:r>
             <a:r>
-              <a:rPr lang="en-US" sz="3600" b="1" dirty="0">
+              <a:rPr lang="en-US" sz="3600" dirty="0">
                 <a:solidFill>
                   <a:schemeClr val="bg1"/>
                 </a:solidFill>
@@ -28727,29 +28868,29 @@
           </a:p>
           <a:p>
             <a:r>
-              <a:rPr lang="en-US" sz="3600" b="1" dirty="0">
-                <a:solidFill>
-                  <a:srgbClr val="FF0000"/>
+              <a:rPr lang="en-US" sz="3600" dirty="0">
+                <a:solidFill>
+                  <a:srgbClr val="FF545A"/>
                 </a:solidFill>
                 <a:latin typeface="Courier" charset="0"/>
                 <a:ea typeface="Courier" charset="0"/>
                 <a:cs typeface="Courier" charset="0"/>
               </a:rPr>
-              <a:t>Bad:     </a:t>
-            </a:r>
-            <a:r>
-              <a:rPr lang="en-US" sz="3600" b="1" dirty="0" smtClean="0">
-                <a:solidFill>
-                  <a:schemeClr val="bg1"/>
+              <a:t>Bad:</a:t>
+            </a:r>
+            <a:r>
+              <a:rPr lang="en-US" sz="3600" dirty="0">
+                <a:solidFill>
+                  <a:srgbClr val="FF0000"/>
                 </a:solidFill>
                 <a:latin typeface="Courier" charset="0"/>
                 <a:ea typeface="Courier" charset="0"/>
                 <a:cs typeface="Courier" charset="0"/>
               </a:rPr>
-              <a:t>23spam     </a:t>
-            </a:r>
-            <a:r>
-              <a:rPr lang="en-US" sz="3600" b="1" dirty="0">
+              <a:t>     </a:t>
+            </a:r>
+            <a:r>
+              <a:rPr lang="en-US" sz="3600" dirty="0" smtClean="0">
                 <a:solidFill>
                   <a:schemeClr val="bg1"/>
                 </a:solidFill>
@@ -28757,23 +28898,34 @@
                 <a:ea typeface="Courier" charset="0"/>
                 <a:cs typeface="Courier" charset="0"/>
               </a:rPr>
-              <a:t>#sign  var.12</a:t>
-            </a:r>
-          </a:p>
-          <a:p>
-            <a:r>
-              <a:rPr lang="en-US" sz="3600" b="1" dirty="0">
-                <a:solidFill>
-                  <a:srgbClr val="00FDFF"/>
+              <a:t>23spam     </a:t>
+            </a:r>
+            <a:r>
+              <a:rPr lang="en-US" sz="3600" dirty="0">
+                <a:solidFill>
+                  <a:schemeClr val="bg1"/>
                 </a:solidFill>
                 <a:latin typeface="Courier" charset="0"/>
                 <a:ea typeface="Courier" charset="0"/>
                 <a:cs typeface="Courier" charset="0"/>
               </a:rPr>
+              <a:t>#sign  var.12</a:t>
+            </a:r>
+          </a:p>
+          <a:p>
+            <a:r>
+              <a:rPr lang="en-US" sz="3600" dirty="0">
+                <a:solidFill>
+                  <a:srgbClr val="00FDFF"/>
+                </a:solidFill>
+                <a:latin typeface="Courier" charset="0"/>
+                <a:ea typeface="Courier" charset="0"/>
+                <a:cs typeface="Courier" charset="0"/>
+              </a:rPr>
               <a:t>Different:    </a:t>
             </a:r>
             <a:r>
-              <a:rPr lang="en-US" sz="3600" b="1" dirty="0">
+              <a:rPr lang="en-US" sz="3600" dirty="0">
                 <a:solidFill>
                   <a:schemeClr val="bg1"/>
                 </a:solidFill>
@@ -28794,7 +28946,7 @@
   <p:timing>
     <p:tnLst>
       <p:par>
-        <p:cTn id="1" dur="indefinite" restart="never" nodeType="tmRoot"/>
+        <p:cTn xmlns:p14="http://schemas.microsoft.com/office/powerpoint/2010/main" id="1" dur="indefinite" restart="never" nodeType="tmRoot"/>
       </p:par>
     </p:tnLst>
   </p:timing>
@@ -29040,7 +29192,7 @@
               <a:buSzPct val="25000"/>
             </a:pPr>
             <a:r>
-              <a:rPr lang="de-DE" sz="3200" b="1" dirty="0" err="1" smtClean="0">
+              <a:rPr lang="de-DE" sz="3200" dirty="0" err="1" smtClean="0">
                 <a:solidFill>
                   <a:srgbClr val="FFFF00"/>
                 </a:solidFill>
@@ -29052,7 +29204,7 @@
               <a:t>False</a:t>
             </a:r>
             <a:r>
-              <a:rPr lang="de-DE" sz="3200" b="1" dirty="0" smtClean="0">
+              <a:rPr lang="de-DE" sz="3200" dirty="0" smtClean="0">
                 <a:solidFill>
                   <a:srgbClr val="FFFF00"/>
                 </a:solidFill>
@@ -29064,7 +29216,7 @@
               <a:t> 	</a:t>
             </a:r>
             <a:r>
-              <a:rPr lang="de-DE" sz="3200" b="1" dirty="0" err="1" smtClean="0">
+              <a:rPr lang="de-DE" sz="3200" dirty="0" err="1" smtClean="0">
                 <a:solidFill>
                   <a:srgbClr val="FFFF00"/>
                 </a:solidFill>
@@ -29076,7 +29228,7 @@
               <a:t>class</a:t>
             </a:r>
             <a:r>
-              <a:rPr lang="de-DE" sz="3200" b="1" dirty="0" smtClean="0">
+              <a:rPr lang="de-DE" sz="3200" dirty="0" smtClean="0">
                 <a:solidFill>
                   <a:srgbClr val="FFFF00"/>
                 </a:solidFill>
@@ -29088,7 +29240,7 @@
               <a:t> 	</a:t>
             </a:r>
             <a:r>
-              <a:rPr lang="de-DE" sz="3200" b="1" dirty="0" err="1" smtClean="0">
+              <a:rPr lang="de-DE" sz="3200" dirty="0" err="1" smtClean="0">
                 <a:solidFill>
                   <a:srgbClr val="FFFF00"/>
                 </a:solidFill>
@@ -29100,7 +29252,7 @@
               <a:t>return</a:t>
             </a:r>
             <a:r>
-              <a:rPr lang="de-DE" sz="3200" b="1" dirty="0" smtClean="0">
+              <a:rPr lang="de-DE" sz="3200" dirty="0" smtClean="0">
                 <a:solidFill>
                   <a:srgbClr val="FFFF00"/>
                 </a:solidFill>
@@ -29112,7 +29264,7 @@
               <a:t>	</a:t>
             </a:r>
             <a:r>
-              <a:rPr lang="de-DE" sz="3200" b="1" dirty="0" err="1" smtClean="0">
+              <a:rPr lang="de-DE" sz="3200" dirty="0" err="1" smtClean="0">
                 <a:solidFill>
                   <a:srgbClr val="FFFF00"/>
                 </a:solidFill>
@@ -29124,7 +29276,7 @@
               <a:t>is</a:t>
             </a:r>
             <a:r>
-              <a:rPr lang="de-DE" sz="3200" b="1" dirty="0" smtClean="0">
+              <a:rPr lang="de-DE" sz="3200" dirty="0" smtClean="0">
                 <a:solidFill>
                   <a:srgbClr val="FFFF00"/>
                 </a:solidFill>
@@ -29136,7 +29288,7 @@
               <a:t> 		</a:t>
             </a:r>
             <a:r>
-              <a:rPr lang="de-DE" sz="3200" b="1" dirty="0" err="1" smtClean="0">
+              <a:rPr lang="de-DE" sz="3200" dirty="0" err="1" smtClean="0">
                 <a:solidFill>
                   <a:srgbClr val="FFFF00"/>
                 </a:solidFill>
@@ -29148,7 +29300,7 @@
               <a:t>finally</a:t>
             </a:r>
             <a:r>
-              <a:rPr lang="de-DE" sz="3200" b="1" dirty="0" smtClean="0">
+              <a:rPr lang="de-DE" sz="3200" dirty="0" smtClean="0">
                 <a:solidFill>
                   <a:srgbClr val="FFFF00"/>
                 </a:solidFill>
@@ -29168,7 +29320,7 @@
               <a:buSzPct val="25000"/>
             </a:pPr>
             <a:r>
-              <a:rPr lang="de-DE" sz="3200" b="1" dirty="0" smtClean="0">
+              <a:rPr lang="de-DE" sz="3200" dirty="0" smtClean="0">
                 <a:solidFill>
                   <a:srgbClr val="FFFF00"/>
                 </a:solidFill>
@@ -29180,7 +29332,7 @@
               <a:t>None 	</a:t>
             </a:r>
             <a:r>
-              <a:rPr lang="de-DE" sz="3200" b="1" dirty="0" err="1" smtClean="0">
+              <a:rPr lang="de-DE" sz="3200" dirty="0" err="1" smtClean="0">
                 <a:solidFill>
                   <a:srgbClr val="FFFF00"/>
                 </a:solidFill>
@@ -29192,7 +29344,7 @@
               <a:t>if</a:t>
             </a:r>
             <a:r>
-              <a:rPr lang="de-DE" sz="3200" b="1" dirty="0" smtClean="0">
+              <a:rPr lang="de-DE" sz="3200" dirty="0" smtClean="0">
                 <a:solidFill>
                   <a:srgbClr val="FFFF00"/>
                 </a:solidFill>
@@ -29204,7 +29356,7 @@
               <a:t>		</a:t>
             </a:r>
             <a:r>
-              <a:rPr lang="de-DE" sz="3200" b="1" dirty="0" err="1" smtClean="0">
+              <a:rPr lang="de-DE" sz="3200" dirty="0" err="1" smtClean="0">
                 <a:solidFill>
                   <a:srgbClr val="FFFF00"/>
                 </a:solidFill>
@@ -29216,7 +29368,7 @@
               <a:t>for</a:t>
             </a:r>
             <a:r>
-              <a:rPr lang="de-DE" sz="3200" b="1" dirty="0" smtClean="0">
+              <a:rPr lang="de-DE" sz="3200" dirty="0" smtClean="0">
                 <a:solidFill>
                   <a:srgbClr val="FFFF00"/>
                 </a:solidFill>
@@ -29228,7 +29380,7 @@
               <a:t> 	</a:t>
             </a:r>
             <a:r>
-              <a:rPr lang="de-DE" sz="3200" b="1" dirty="0" err="1" smtClean="0">
+              <a:rPr lang="de-DE" sz="3200" dirty="0" err="1" smtClean="0">
                 <a:solidFill>
                   <a:srgbClr val="FFFF00"/>
                 </a:solidFill>
@@ -29240,7 +29392,7 @@
               <a:t>lambda</a:t>
             </a:r>
             <a:r>
-              <a:rPr lang="de-DE" sz="3200" b="1" dirty="0" smtClean="0">
+              <a:rPr lang="de-DE" sz="3200" dirty="0" smtClean="0">
                 <a:solidFill>
                   <a:srgbClr val="FFFF00"/>
                 </a:solidFill>
@@ -29252,7 +29404,7 @@
               <a:t> 	</a:t>
             </a:r>
             <a:r>
-              <a:rPr lang="de-DE" sz="3200" b="1" dirty="0" err="1" smtClean="0">
+              <a:rPr lang="de-DE" sz="3200" dirty="0" err="1" smtClean="0">
                 <a:solidFill>
                   <a:srgbClr val="FFFF00"/>
                 </a:solidFill>
@@ -29264,7 +29416,7 @@
               <a:t>continue</a:t>
             </a:r>
             <a:r>
-              <a:rPr lang="de-DE" sz="3200" b="1" dirty="0" smtClean="0">
+              <a:rPr lang="de-DE" sz="3200" dirty="0" smtClean="0">
                 <a:solidFill>
                   <a:srgbClr val="FFFF00"/>
                 </a:solidFill>
@@ -29284,7 +29436,7 @@
               <a:buSzPct val="25000"/>
             </a:pPr>
             <a:r>
-              <a:rPr lang="de-DE" sz="3200" b="1" dirty="0" smtClean="0">
+              <a:rPr lang="de-DE" sz="3200" dirty="0" smtClean="0">
                 <a:solidFill>
                   <a:srgbClr val="FFFF00"/>
                 </a:solidFill>
@@ -29296,7 +29448,7 @@
               <a:t>True 	</a:t>
             </a:r>
             <a:r>
-              <a:rPr lang="de-DE" sz="3200" b="1" dirty="0" err="1" smtClean="0">
+              <a:rPr lang="de-DE" sz="3200" dirty="0" err="1" smtClean="0">
                 <a:solidFill>
                   <a:srgbClr val="FFFF00"/>
                 </a:solidFill>
@@ -29308,7 +29460,7 @@
               <a:t>def</a:t>
             </a:r>
             <a:r>
-              <a:rPr lang="de-DE" sz="3200" b="1" dirty="0" smtClean="0">
+              <a:rPr lang="de-DE" sz="3200" dirty="0" smtClean="0">
                 <a:solidFill>
                   <a:srgbClr val="FFFF00"/>
                 </a:solidFill>
@@ -29320,7 +29472,7 @@
               <a:t> 	</a:t>
             </a:r>
             <a:r>
-              <a:rPr lang="de-DE" sz="3200" b="1" dirty="0" err="1" smtClean="0">
+              <a:rPr lang="de-DE" sz="3200" dirty="0" err="1" smtClean="0">
                 <a:solidFill>
                   <a:srgbClr val="FFFF00"/>
                 </a:solidFill>
@@ -29332,7 +29484,7 @@
               <a:t>from</a:t>
             </a:r>
             <a:r>
-              <a:rPr lang="de-DE" sz="3200" b="1" dirty="0" smtClean="0">
+              <a:rPr lang="de-DE" sz="3200" dirty="0" smtClean="0">
                 <a:solidFill>
                   <a:srgbClr val="FFFF00"/>
                 </a:solidFill>
@@ -29344,7 +29496,7 @@
               <a:t> 	</a:t>
             </a:r>
             <a:r>
-              <a:rPr lang="de-DE" sz="3200" b="1" dirty="0" err="1" smtClean="0">
+              <a:rPr lang="de-DE" sz="3200" dirty="0" err="1" smtClean="0">
                 <a:solidFill>
                   <a:srgbClr val="FFFF00"/>
                 </a:solidFill>
@@ -29356,7 +29508,7 @@
               <a:t>while</a:t>
             </a:r>
             <a:r>
-              <a:rPr lang="de-DE" sz="3200" b="1" dirty="0" smtClean="0">
+              <a:rPr lang="de-DE" sz="3200" dirty="0" smtClean="0">
                 <a:solidFill>
                   <a:srgbClr val="FFFF00"/>
                 </a:solidFill>
@@ -29368,7 +29520,7 @@
               <a:t>	</a:t>
             </a:r>
             <a:r>
-              <a:rPr lang="de-DE" sz="3200" b="1" dirty="0" err="1" smtClean="0">
+              <a:rPr lang="de-DE" sz="3200" dirty="0" err="1" smtClean="0">
                 <a:solidFill>
                   <a:srgbClr val="FFFF00"/>
                 </a:solidFill>
@@ -29379,7 +29531,7 @@
               </a:rPr>
               <a:t>nonlocal</a:t>
             </a:r>
-            <a:endParaRPr lang="de-DE" sz="3200" b="1" dirty="0" smtClean="0">
+            <a:endParaRPr lang="de-DE" sz="3200" dirty="0" smtClean="0">
               <a:solidFill>
                 <a:srgbClr val="FFFF00"/>
               </a:solidFill>
@@ -29397,7 +29549,7 @@
               <a:buSzPct val="25000"/>
             </a:pPr>
             <a:r>
-              <a:rPr lang="de-DE" sz="3200" b="1" dirty="0" err="1" smtClean="0">
+              <a:rPr lang="de-DE" sz="3200" dirty="0" err="1" smtClean="0">
                 <a:solidFill>
                   <a:srgbClr val="FFFF00"/>
                 </a:solidFill>
@@ -29409,7 +29561,7 @@
               <a:t>and</a:t>
             </a:r>
             <a:r>
-              <a:rPr lang="de-DE" sz="3200" b="1" dirty="0" smtClean="0">
+              <a:rPr lang="de-DE" sz="3200" dirty="0" smtClean="0">
                 <a:solidFill>
                   <a:srgbClr val="FFFF00"/>
                 </a:solidFill>
@@ -29421,7 +29573,7 @@
               <a:t> 	del 	global 	not 	</a:t>
             </a:r>
             <a:r>
-              <a:rPr lang="de-DE" sz="3200" b="1" dirty="0" err="1" smtClean="0">
+              <a:rPr lang="de-DE" sz="3200" dirty="0" err="1" smtClean="0">
                 <a:solidFill>
                   <a:srgbClr val="FFFF00"/>
                 </a:solidFill>
@@ -29432,7 +29584,7 @@
               </a:rPr>
               <a:t>with</a:t>
             </a:r>
-            <a:endParaRPr lang="de-DE" sz="3200" b="1" dirty="0" smtClean="0">
+            <a:endParaRPr lang="de-DE" sz="3200" dirty="0" smtClean="0">
               <a:solidFill>
                 <a:srgbClr val="FFFF00"/>
               </a:solidFill>
@@ -29450,7 +29602,7 @@
               <a:buSzPct val="25000"/>
             </a:pPr>
             <a:r>
-              <a:rPr lang="de-DE" sz="3200" b="1" dirty="0" err="1" smtClean="0">
+              <a:rPr lang="de-DE" sz="3200" dirty="0" err="1" smtClean="0">
                 <a:solidFill>
                   <a:srgbClr val="FFFF00"/>
                 </a:solidFill>
@@ -29462,7 +29614,7 @@
               <a:t>as</a:t>
             </a:r>
             <a:r>
-              <a:rPr lang="de-DE" sz="3200" b="1" dirty="0" smtClean="0">
+              <a:rPr lang="de-DE" sz="3200" dirty="0" smtClean="0">
                 <a:solidFill>
                   <a:srgbClr val="FFFF00"/>
                 </a:solidFill>
@@ -29474,7 +29626,7 @@
               <a:t>  	</a:t>
             </a:r>
             <a:r>
-              <a:rPr lang="de-DE" sz="3200" b="1" dirty="0" err="1" smtClean="0">
+              <a:rPr lang="de-DE" sz="3200" dirty="0" err="1" smtClean="0">
                 <a:solidFill>
                   <a:srgbClr val="FFFF00"/>
                 </a:solidFill>
@@ -29486,7 +29638,7 @@
               <a:t>elif</a:t>
             </a:r>
             <a:r>
-              <a:rPr lang="de-DE" sz="3200" b="1" dirty="0" smtClean="0">
+              <a:rPr lang="de-DE" sz="3200" dirty="0" smtClean="0">
                 <a:solidFill>
                   <a:srgbClr val="FFFF00"/>
                 </a:solidFill>
@@ -29498,7 +29650,7 @@
               <a:t> 	</a:t>
             </a:r>
             <a:r>
-              <a:rPr lang="de-DE" sz="3200" b="1" dirty="0" err="1" smtClean="0">
+              <a:rPr lang="de-DE" sz="3200" dirty="0" err="1" smtClean="0">
                 <a:solidFill>
                   <a:srgbClr val="FFFF00"/>
                 </a:solidFill>
@@ -29510,7 +29662,7 @@
               <a:t>try</a:t>
             </a:r>
             <a:r>
-              <a:rPr lang="de-DE" sz="3200" b="1" dirty="0" smtClean="0">
+              <a:rPr lang="de-DE" sz="3200" dirty="0" smtClean="0">
                 <a:solidFill>
                   <a:srgbClr val="FFFF00"/>
                 </a:solidFill>
@@ -29522,7 +29674,7 @@
               <a:t>		</a:t>
             </a:r>
             <a:r>
-              <a:rPr lang="de-DE" sz="3200" b="1" dirty="0" err="1" smtClean="0">
+              <a:rPr lang="de-DE" sz="3200" dirty="0" err="1" smtClean="0">
                 <a:solidFill>
                   <a:srgbClr val="FFFF00"/>
                 </a:solidFill>
@@ -29534,7 +29686,7 @@
               <a:t>or</a:t>
             </a:r>
             <a:r>
-              <a:rPr lang="de-DE" sz="3200" b="1" dirty="0" smtClean="0">
+              <a:rPr lang="de-DE" sz="3200" dirty="0" smtClean="0">
                 <a:solidFill>
                   <a:srgbClr val="FFFF00"/>
                 </a:solidFill>
@@ -29546,7 +29698,7 @@
               <a:t> 		</a:t>
             </a:r>
             <a:r>
-              <a:rPr lang="de-DE" sz="3200" b="1" dirty="0" err="1" smtClean="0">
+              <a:rPr lang="de-DE" sz="3200" dirty="0" err="1" smtClean="0">
                 <a:solidFill>
                   <a:srgbClr val="FFFF00"/>
                 </a:solidFill>
@@ -29557,7 +29709,7 @@
               </a:rPr>
               <a:t>yield</a:t>
             </a:r>
-            <a:endParaRPr lang="de-DE" sz="3200" b="1" dirty="0" smtClean="0">
+            <a:endParaRPr lang="de-DE" sz="3200" dirty="0" smtClean="0">
               <a:solidFill>
                 <a:srgbClr val="FFFF00"/>
               </a:solidFill>
@@ -29575,7 +29727,7 @@
               <a:buSzPct val="25000"/>
             </a:pPr>
             <a:r>
-              <a:rPr lang="de-DE" sz="3200" b="1" dirty="0" err="1" smtClean="0">
+              <a:rPr lang="de-DE" sz="3200" dirty="0" err="1" smtClean="0">
                 <a:solidFill>
                   <a:srgbClr val="FFFF00"/>
                 </a:solidFill>
@@ -29587,7 +29739,7 @@
               <a:t>assert</a:t>
             </a:r>
             <a:r>
-              <a:rPr lang="de-DE" sz="3200" b="1" dirty="0" smtClean="0">
+              <a:rPr lang="de-DE" sz="3200" dirty="0" smtClean="0">
                 <a:solidFill>
                   <a:srgbClr val="FFFF00"/>
                 </a:solidFill>
@@ -29599,7 +29751,7 @@
               <a:t> 	</a:t>
             </a:r>
             <a:r>
-              <a:rPr lang="de-DE" sz="3200" b="1" dirty="0" err="1" smtClean="0">
+              <a:rPr lang="de-DE" sz="3200" dirty="0" err="1" smtClean="0">
                 <a:solidFill>
                   <a:srgbClr val="FFFF00"/>
                 </a:solidFill>
@@ -29611,7 +29763,7 @@
               <a:t>else</a:t>
             </a:r>
             <a:r>
-              <a:rPr lang="de-DE" sz="3200" b="1" dirty="0" smtClean="0">
+              <a:rPr lang="de-DE" sz="3200" dirty="0" smtClean="0">
                 <a:solidFill>
                   <a:srgbClr val="FFFF00"/>
                 </a:solidFill>
@@ -29623,7 +29775,7 @@
               <a:t> 	</a:t>
             </a:r>
             <a:r>
-              <a:rPr lang="de-DE" sz="3200" b="1" dirty="0" err="1" smtClean="0">
+              <a:rPr lang="de-DE" sz="3200" dirty="0" err="1" smtClean="0">
                 <a:solidFill>
                   <a:srgbClr val="FFFF00"/>
                 </a:solidFill>
@@ -29635,7 +29787,7 @@
               <a:t>import</a:t>
             </a:r>
             <a:r>
-              <a:rPr lang="de-DE" sz="3200" b="1" dirty="0" smtClean="0">
+              <a:rPr lang="de-DE" sz="3200" dirty="0" smtClean="0">
                 <a:solidFill>
                   <a:srgbClr val="FFFF00"/>
                 </a:solidFill>
@@ -29655,7 +29807,7 @@
               <a:buSzPct val="25000"/>
             </a:pPr>
             <a:r>
-              <a:rPr lang="de-DE" sz="3200" b="1" dirty="0" smtClean="0">
+              <a:rPr lang="de-DE" sz="3200" dirty="0" smtClean="0">
                 <a:solidFill>
                   <a:srgbClr val="FFFF00"/>
                 </a:solidFill>
@@ -29667,7 +29819,7 @@
               <a:t>break 	</a:t>
             </a:r>
             <a:r>
-              <a:rPr lang="de-DE" sz="3200" b="1" dirty="0" err="1" smtClean="0">
+              <a:rPr lang="de-DE" sz="3200" dirty="0" err="1" smtClean="0">
                 <a:solidFill>
                   <a:srgbClr val="FFFF00"/>
                 </a:solidFill>
@@ -29679,7 +29831,7 @@
               <a:t>except</a:t>
             </a:r>
             <a:r>
-              <a:rPr lang="de-DE" sz="3200" b="1" dirty="0" smtClean="0">
+              <a:rPr lang="de-DE" sz="3200" dirty="0" smtClean="0">
                 <a:solidFill>
                   <a:srgbClr val="FFFF00"/>
                 </a:solidFill>
@@ -29691,7 +29843,7 @@
               <a:t> 	in 		</a:t>
             </a:r>
             <a:r>
-              <a:rPr lang="de-DE" sz="3200" b="1" dirty="0" err="1" smtClean="0">
+              <a:rPr lang="de-DE" sz="3200" dirty="0" err="1" smtClean="0">
                 <a:solidFill>
                   <a:srgbClr val="FFFF00"/>
                 </a:solidFill>
@@ -29702,7 +29854,7 @@
               </a:rPr>
               <a:t>raise</a:t>
             </a:r>
-            <a:endParaRPr lang="en-US" sz="3200" b="1" u="none" strike="noStrike" cap="none" dirty="0">
+            <a:endParaRPr lang="en-US" sz="3200" u="none" strike="noStrike" cap="none" dirty="0">
               <a:solidFill>
                 <a:srgbClr val="FFFF00"/>
               </a:solidFill>
@@ -29727,7 +29879,7 @@
   <p:timing>
     <p:tnLst>
       <p:par>
-        <p:cTn id="1" dur="indefinite" restart="never" nodeType="tmRoot"/>
+        <p:cTn xmlns:p14="http://schemas.microsoft.com/office/powerpoint/2010/main" id="1" dur="indefinite" restart="never" nodeType="tmRoot"/>
       </p:par>
     </p:tnLst>
   </p:timing>
@@ -29851,7 +30003,7 @@
               <a:buNone/>
             </a:pPr>
             <a:r>
-              <a:rPr lang="en-US" sz="4800" b="1" i="0" u="none" strike="noStrike" cap="none" dirty="0">
+              <a:rPr lang="en-US" sz="4800" i="0" u="none" strike="noStrike" cap="none" dirty="0">
                 <a:solidFill>
                   <a:srgbClr val="FF9900"/>
                 </a:solidFill>
@@ -29863,7 +30015,7 @@
               <a:t>x</a:t>
             </a:r>
             <a:r>
-              <a:rPr lang="en-US" sz="4800" b="1" i="0" u="none" strike="noStrike" cap="none" dirty="0">
+              <a:rPr lang="en-US" sz="4800" i="0" u="none" strike="noStrike" cap="none" dirty="0">
                 <a:solidFill>
                   <a:srgbClr val="FF7F00"/>
                 </a:solidFill>
@@ -29875,7 +30027,7 @@
               <a:t> </a:t>
             </a:r>
             <a:r>
-              <a:rPr lang="en-US" sz="4800" b="1" i="0" u="none" strike="noStrike" cap="none" dirty="0">
+              <a:rPr lang="en-US" sz="4800" i="0" u="none" strike="noStrike" cap="none" dirty="0">
                 <a:solidFill>
                   <a:srgbClr val="FFFFFF"/>
                 </a:solidFill>
@@ -29887,7 +30039,7 @@
               <a:t>=</a:t>
             </a:r>
             <a:r>
-              <a:rPr lang="en-US" sz="4800" b="1" i="0" u="none" strike="noStrike" cap="none" dirty="0">
+              <a:rPr lang="en-US" sz="4800" i="0" u="none" strike="noStrike" cap="none" dirty="0">
                 <a:solidFill>
                   <a:srgbClr val="FF7F00"/>
                 </a:solidFill>
@@ -29899,7 +30051,7 @@
               <a:t> </a:t>
             </a:r>
             <a:r>
-              <a:rPr lang="en-US" sz="4800" b="1" i="0" u="none" strike="noStrike" cap="none" dirty="0">
+              <a:rPr lang="en-US" sz="4800" i="0" u="none" strike="noStrike" cap="none" dirty="0">
                 <a:solidFill>
                   <a:srgbClr val="00FFFF"/>
                 </a:solidFill>
@@ -29930,7 +30082,7 @@
               <a:buNone/>
             </a:pPr>
             <a:r>
-              <a:rPr lang="en-US" sz="4800" b="1" i="0" u="none" strike="noStrike" cap="none" dirty="0">
+              <a:rPr lang="en-US" sz="4800" i="0" u="none" strike="noStrike" cap="none" dirty="0">
                 <a:solidFill>
                   <a:srgbClr val="FF9900"/>
                 </a:solidFill>
@@ -29942,7 +30094,7 @@
               <a:t>x</a:t>
             </a:r>
             <a:r>
-              <a:rPr lang="en-US" sz="4800" b="1" i="0" u="none" strike="noStrike" cap="none" dirty="0">
+              <a:rPr lang="en-US" sz="4800" i="0" u="none" strike="noStrike" cap="none" dirty="0">
                 <a:solidFill>
                   <a:srgbClr val="FF7F00"/>
                 </a:solidFill>
@@ -29954,7 +30106,7 @@
               <a:t> </a:t>
             </a:r>
             <a:r>
-              <a:rPr lang="en-US" sz="4800" b="1" i="0" u="none" strike="noStrike" cap="none" dirty="0">
+              <a:rPr lang="en-US" sz="4800" i="0" u="none" strike="noStrike" cap="none" dirty="0">
                 <a:solidFill>
                   <a:srgbClr val="FFFFFF"/>
                 </a:solidFill>
@@ -29966,7 +30118,7 @@
               <a:t>=</a:t>
             </a:r>
             <a:r>
-              <a:rPr lang="en-US" sz="4800" b="1" i="0" u="none" strike="noStrike" cap="none" dirty="0">
+              <a:rPr lang="en-US" sz="4800" i="0" u="none" strike="noStrike" cap="none" dirty="0">
                 <a:solidFill>
                   <a:srgbClr val="FF7F00"/>
                 </a:solidFill>
@@ -29978,7 +30130,7 @@
               <a:t> </a:t>
             </a:r>
             <a:r>
-              <a:rPr lang="en-US" sz="4800" b="1" i="0" u="none" strike="noStrike" cap="none" dirty="0">
+              <a:rPr lang="en-US" sz="4800" i="0" u="none" strike="noStrike" cap="none" dirty="0">
                 <a:solidFill>
                   <a:srgbClr val="FF9900"/>
                 </a:solidFill>
@@ -29990,7 +30142,7 @@
               <a:t>x</a:t>
             </a:r>
             <a:r>
-              <a:rPr lang="en-US" sz="4800" b="1" i="0" u="none" strike="noStrike" cap="none" dirty="0">
+              <a:rPr lang="en-US" sz="4800" i="0" u="none" strike="noStrike" cap="none" dirty="0">
                 <a:solidFill>
                   <a:srgbClr val="FF7F00"/>
                 </a:solidFill>
@@ -30002,7 +30154,7 @@
               <a:t> </a:t>
             </a:r>
             <a:r>
-              <a:rPr lang="en-US" sz="4800" b="1" i="0" u="none" strike="noStrike" cap="none" dirty="0">
+              <a:rPr lang="en-US" sz="4800" i="0" u="none" strike="noStrike" cap="none" dirty="0">
                 <a:solidFill>
                   <a:srgbClr val="FFFFFF"/>
                 </a:solidFill>
@@ -30014,7 +30166,7 @@
               <a:t>+</a:t>
             </a:r>
             <a:r>
-              <a:rPr lang="en-US" sz="4800" b="1" i="0" u="none" strike="noStrike" cap="none" dirty="0">
+              <a:rPr lang="en-US" sz="4800" i="0" u="none" strike="noStrike" cap="none" dirty="0">
                 <a:solidFill>
                   <a:srgbClr val="FF7F00"/>
                 </a:solidFill>
@@ -30026,7 +30178,7 @@
               <a:t> </a:t>
             </a:r>
             <a:r>
-              <a:rPr lang="en-US" sz="4800" b="1" i="0" u="none" strike="noStrike" cap="none" dirty="0">
+              <a:rPr lang="en-US" sz="4800" i="0" u="none" strike="noStrike" cap="none" dirty="0">
                 <a:solidFill>
                   <a:srgbClr val="00FFFF"/>
                 </a:solidFill>
@@ -30057,7 +30209,7 @@
               <a:buNone/>
             </a:pPr>
             <a:r>
-              <a:rPr lang="en-US" sz="4800" b="1" dirty="0" smtClean="0">
+              <a:rPr lang="en-US" sz="4800" dirty="0" smtClean="0">
                 <a:solidFill>
                   <a:srgbClr val="FFFF00"/>
                 </a:solidFill>
@@ -30069,7 +30221,7 @@
               <a:t>p</a:t>
             </a:r>
             <a:r>
-              <a:rPr lang="en-US" sz="4800" b="1" i="0" u="none" strike="noStrike" cap="none" dirty="0" smtClean="0">
+              <a:rPr lang="en-US" sz="4800" i="0" u="none" strike="noStrike" cap="none" dirty="0" smtClean="0">
                 <a:solidFill>
                   <a:srgbClr val="FFFF00"/>
                 </a:solidFill>
@@ -30081,7 +30233,7 @@
               <a:t>rint(</a:t>
             </a:r>
             <a:r>
-              <a:rPr lang="en-US" sz="4800" b="1" i="0" u="none" strike="noStrike" cap="none" dirty="0" smtClean="0">
+              <a:rPr lang="en-US" sz="4800" i="0" u="none" strike="noStrike" cap="none" dirty="0" smtClean="0">
                 <a:solidFill>
                   <a:srgbClr val="FF9900"/>
                 </a:solidFill>
@@ -30093,7 +30245,7 @@
               <a:t>x</a:t>
             </a:r>
             <a:r>
-              <a:rPr lang="en-US" sz="4800" b="1" i="0" u="none" strike="noStrike" cap="none" dirty="0" smtClean="0">
+              <a:rPr lang="en-US" sz="4800" i="0" u="none" strike="noStrike" cap="none" dirty="0" smtClean="0">
                 <a:solidFill>
                   <a:srgbClr val="FFFF00"/>
                 </a:solidFill>
@@ -30104,7 +30256,7 @@
               </a:rPr>
               <a:t>)</a:t>
             </a:r>
-            <a:endParaRPr lang="en-US" sz="4800" b="1" i="0" u="none" strike="noStrike" cap="none" dirty="0">
+            <a:endParaRPr lang="en-US" sz="4800" i="0" u="none" strike="noStrike" cap="none" dirty="0">
               <a:solidFill>
                 <a:srgbClr val="FFFF00"/>
               </a:solidFill>
@@ -30578,7 +30730,7 @@
   <p:timing>
     <p:tnLst>
       <p:par>
-        <p:cTn id="1" dur="indefinite" restart="never" nodeType="tmRoot"/>
+        <p:cTn xmlns:p14="http://schemas.microsoft.com/office/powerpoint/2010/main" id="1" dur="indefinite" restart="never" nodeType="tmRoot"/>
       </p:par>
     </p:tnLst>
   </p:timing>
@@ -30877,7 +31029,31 @@
                 <a:cs typeface="Arial" charset="0"/>
                 <a:sym typeface="Cabin"/>
               </a:rPr>
-              <a:t> and  a </a:t>
+              <a:t> </a:t>
+            </a:r>
+            <a:r>
+              <a:rPr lang="en-US" sz="3600" u="none" strike="noStrike" cap="none" dirty="0" smtClean="0">
+                <a:solidFill>
+                  <a:schemeClr val="lt1"/>
+                </a:solidFill>
+                <a:latin typeface="Arial" charset="0"/>
+                <a:ea typeface="Arial" charset="0"/>
+                <a:cs typeface="Arial" charset="0"/>
+                <a:sym typeface="Cabin"/>
+              </a:rPr>
+              <a:t>and </a:t>
+            </a:r>
+            <a:r>
+              <a:rPr lang="en-US" sz="3600" u="none" strike="noStrike" cap="none" dirty="0">
+                <a:solidFill>
+                  <a:schemeClr val="lt1"/>
+                </a:solidFill>
+                <a:latin typeface="Arial" charset="0"/>
+                <a:ea typeface="Arial" charset="0"/>
+                <a:cs typeface="Arial" charset="0"/>
+                <a:sym typeface="Cabin"/>
+              </a:rPr>
+              <a:t>a </a:t>
             </a:r>
             <a:r>
               <a:rPr lang="en-US" sz="3600" u="none" strike="noStrike" cap="none" dirty="0">
@@ -30914,7 +31090,7 @@
         </p:nvSpPr>
         <p:spPr>
           <a:xfrm>
-            <a:off x="4287118" y="6134100"/>
+            <a:off x="4252109" y="6134100"/>
             <a:ext cx="10078835" cy="914400"/>
           </a:xfrm>
           <a:prstGeom prst="rect">
@@ -30949,7 +31125,7 @@
               <a:buNone/>
             </a:pPr>
             <a:r>
-              <a:rPr lang="en-US" sz="4000" b="1" i="0" u="none" strike="noStrike" cap="none" dirty="0">
+              <a:rPr lang="en-US" sz="4000" i="0" u="none" strike="noStrike" cap="none" dirty="0">
                 <a:solidFill>
                   <a:srgbClr val="00FF00"/>
                 </a:solidFill>
@@ -30961,7 +31137,7 @@
               <a:t>x</a:t>
             </a:r>
             <a:r>
-              <a:rPr lang="en-US" sz="4000" b="1" i="0" u="none" strike="noStrike" cap="none" dirty="0">
+              <a:rPr lang="en-US" sz="4000" i="0" u="none" strike="noStrike" cap="none" dirty="0">
                 <a:solidFill>
                   <a:schemeClr val="lt1"/>
                 </a:solidFill>
@@ -30973,7 +31149,7 @@
               <a:t> = 3.9 </a:t>
             </a:r>
             <a:r>
-              <a:rPr lang="en-US" sz="4000" b="1" i="0" u="none" strike="noStrike" cap="none" dirty="0">
+              <a:rPr lang="en-US" sz="4000" i="0" u="none" strike="noStrike" cap="none" dirty="0">
                 <a:solidFill>
                   <a:srgbClr val="00FFFF"/>
                 </a:solidFill>
@@ -30985,7 +31161,7 @@
               <a:t>*</a:t>
             </a:r>
             <a:r>
-              <a:rPr lang="en-US" sz="4000" b="1" i="0" u="none" strike="noStrike" cap="none" dirty="0">
+              <a:rPr lang="en-US" sz="4000" i="0" u="none" strike="noStrike" cap="none" dirty="0">
                 <a:solidFill>
                   <a:schemeClr val="lt1"/>
                 </a:solidFill>
@@ -30997,7 +31173,7 @@
               <a:t> </a:t>
             </a:r>
             <a:r>
-              <a:rPr lang="en-US" sz="4000" b="1" i="0" u="none" strike="noStrike" cap="none" dirty="0">
+              <a:rPr lang="en-US" sz="4000" i="0" u="none" strike="noStrike" cap="none" dirty="0">
                 <a:solidFill>
                   <a:srgbClr val="00FF00"/>
                 </a:solidFill>
@@ -31009,7 +31185,7 @@
               <a:t>x </a:t>
             </a:r>
             <a:r>
-              <a:rPr lang="en-US" sz="4000" b="1" i="0" u="none" strike="noStrike" cap="none" dirty="0">
+              <a:rPr lang="en-US" sz="4000" i="0" u="none" strike="noStrike" cap="none" dirty="0">
                 <a:solidFill>
                   <a:srgbClr val="00FFFF"/>
                 </a:solidFill>
@@ -31021,7 +31197,7 @@
               <a:t>*</a:t>
             </a:r>
             <a:r>
-              <a:rPr lang="en-US" sz="4000" b="1" i="0" u="none" strike="noStrike" cap="none" dirty="0">
+              <a:rPr lang="en-US" sz="4000" i="0" u="none" strike="noStrike" cap="none" dirty="0">
                 <a:solidFill>
                   <a:schemeClr val="lt1"/>
                 </a:solidFill>
@@ -31033,7 +31209,7 @@
               <a:t> ( 1 </a:t>
             </a:r>
             <a:r>
-              <a:rPr lang="en-US" sz="4000" b="1" i="0" u="none" strike="noStrike" cap="none" dirty="0">
+              <a:rPr lang="en-US" sz="4000" i="0" u="none" strike="noStrike" cap="none" dirty="0">
                 <a:solidFill>
                   <a:srgbClr val="00FFFF"/>
                 </a:solidFill>
@@ -31045,7 +31221,7 @@
               <a:t>-</a:t>
             </a:r>
             <a:r>
-              <a:rPr lang="en-US" sz="4000" b="1" i="0" u="none" strike="noStrike" cap="none" dirty="0">
+              <a:rPr lang="en-US" sz="4000" i="0" u="none" strike="noStrike" cap="none" dirty="0">
                 <a:solidFill>
                   <a:schemeClr val="lt1"/>
                 </a:solidFill>
@@ -31057,7 +31233,7 @@
               <a:t> </a:t>
             </a:r>
             <a:r>
-              <a:rPr lang="en-US" sz="4000" b="1" i="0" u="none" strike="noStrike" cap="none" dirty="0">
+              <a:rPr lang="en-US" sz="4000" i="0" u="none" strike="noStrike" cap="none" dirty="0">
                 <a:solidFill>
                   <a:srgbClr val="00FF00"/>
                 </a:solidFill>
@@ -31069,7 +31245,7 @@
               <a:t>x</a:t>
             </a:r>
             <a:r>
-              <a:rPr lang="en-US" sz="4000" b="1" i="0" u="none" strike="noStrike" cap="none" dirty="0">
+              <a:rPr lang="en-US" sz="4000" i="0" u="none" strike="noStrike" cap="none" dirty="0">
                 <a:solidFill>
                   <a:schemeClr val="lt1"/>
                 </a:solidFill>
@@ -31091,7 +31267,7 @@
         </p:nvSpPr>
         <p:spPr>
           <a:xfrm>
-            <a:off x="5334000" y="6007100"/>
+            <a:off x="5248625" y="6081811"/>
             <a:ext cx="6324599" cy="1066799"/>
           </a:xfrm>
           <a:prstGeom prst="rect">
@@ -31138,7 +31314,7 @@
   <p:timing>
     <p:tnLst>
       <p:par>
-        <p:cTn id="1" dur="indefinite" restart="never" nodeType="tmRoot"/>
+        <p:cTn xmlns:p14="http://schemas.microsoft.com/office/powerpoint/2010/main" id="1" dur="indefinite" restart="never" nodeType="tmRoot"/>
       </p:par>
     </p:tnLst>
   </p:timing>
@@ -31205,7 +31381,7 @@
               <a:buNone/>
             </a:pPr>
             <a:r>
-              <a:rPr lang="en-US" sz="4000" b="1" u="none" strike="noStrike" cap="none" dirty="0">
+              <a:rPr lang="en-US" sz="4000" u="none" strike="noStrike" cap="none" dirty="0">
                 <a:solidFill>
                   <a:srgbClr val="00FF00"/>
                 </a:solidFill>
@@ -31217,7 +31393,7 @@
               <a:t>x</a:t>
             </a:r>
             <a:r>
-              <a:rPr lang="en-US" sz="4000" b="1" u="none" strike="noStrike" cap="none" dirty="0">
+              <a:rPr lang="en-US" sz="4000" u="none" strike="noStrike" cap="none" dirty="0">
                 <a:solidFill>
                   <a:srgbClr val="FF00FF"/>
                 </a:solidFill>
@@ -31229,7 +31405,7 @@
               <a:t> </a:t>
             </a:r>
             <a:r>
-              <a:rPr lang="en-US" sz="4000" b="1" u="none" strike="noStrike" cap="none" dirty="0">
+              <a:rPr lang="en-US" sz="4000" u="none" strike="noStrike" cap="none" dirty="0">
                 <a:solidFill>
                   <a:srgbClr val="FFFFFF"/>
                 </a:solidFill>
@@ -31241,7 +31417,7 @@
               <a:t>=</a:t>
             </a:r>
             <a:r>
-              <a:rPr lang="en-US" sz="4000" b="1" u="none" strike="noStrike" cap="none" dirty="0">
+              <a:rPr lang="en-US" sz="4000" u="none" strike="noStrike" cap="none" dirty="0">
                 <a:solidFill>
                   <a:schemeClr val="lt1"/>
                 </a:solidFill>
@@ -31253,7 +31429,7 @@
               <a:t> </a:t>
             </a:r>
             <a:r>
-              <a:rPr lang="en-US" sz="4000" b="1" u="none" strike="noStrike" cap="none" dirty="0" smtClean="0">
+              <a:rPr lang="en-US" sz="4000" u="none" strike="noStrike" cap="none" dirty="0" smtClean="0">
                 <a:solidFill>
                   <a:srgbClr val="FFFF00"/>
                 </a:solidFill>
@@ -31264,7 +31440,7 @@
               </a:rPr>
               <a:t>3.9 *  x  * ( 1  -  x )</a:t>
             </a:r>
-            <a:endParaRPr lang="en-US" sz="4000" b="1" u="none" strike="noStrike" cap="none" dirty="0">
+            <a:endParaRPr lang="en-US" sz="4000" u="none" strike="noStrike" cap="none" dirty="0">
               <a:solidFill>
                 <a:srgbClr val="FFFF00"/>
               </a:solidFill>
@@ -31556,7 +31732,7 @@
         </p:nvSpPr>
         <p:spPr>
           <a:xfrm>
-            <a:off x="9699625" y="2844800"/>
+            <a:off x="9423511" y="3086048"/>
             <a:ext cx="900000" cy="622199"/>
           </a:xfrm>
           <a:prstGeom prst="rect">
@@ -31591,7 +31767,7 @@
               <a:buNone/>
             </a:pPr>
             <a:r>
-              <a:rPr lang="en-US" sz="3600" u="none" strike="noStrike" cap="none">
+              <a:rPr lang="en-US" sz="3600" u="none" strike="noStrike" cap="none" dirty="0">
                 <a:solidFill>
                   <a:schemeClr val="lt1"/>
                 </a:solidFill>
@@ -31613,7 +31789,7 @@
         </p:nvSpPr>
         <p:spPr>
           <a:xfrm>
-            <a:off x="12713125" y="3039312"/>
+            <a:off x="13244725" y="3192011"/>
             <a:ext cx="1063200" cy="622199"/>
           </a:xfrm>
           <a:prstGeom prst="rect">
@@ -31648,7 +31824,7 @@
               <a:buNone/>
             </a:pPr>
             <a:r>
-              <a:rPr lang="en-US" sz="3600" u="none" strike="noStrike" cap="none">
+              <a:rPr lang="en-US" sz="3600" u="none" strike="noStrike" cap="none" dirty="0">
                 <a:solidFill>
                   <a:schemeClr val="lt1"/>
                 </a:solidFill>
@@ -31669,9 +31845,9 @@
           <p:nvPr/>
         </p:nvCxnSpPr>
         <p:spPr>
-          <a:xfrm rot="10800000" flipH="1">
-            <a:off x="10323511" y="1925637"/>
-            <a:ext cx="606425" cy="849312"/>
+          <a:xfrm flipV="1">
+            <a:off x="10100344" y="2129110"/>
+            <a:ext cx="606425" cy="956938"/>
           </a:xfrm>
           <a:prstGeom prst="straightConnector1">
             <a:avLst/>
@@ -31691,15 +31867,13 @@
       <p:cxnSp>
         <p:nvCxnSpPr>
           <p:cNvPr id="327" name="Shape 327"/>
-          <p:cNvCxnSpPr>
-            <a:stCxn id="325" idx="0"/>
-          </p:cNvCxnSpPr>
+          <p:cNvCxnSpPr/>
           <p:nvPr/>
         </p:nvCxnSpPr>
         <p:spPr>
-          <a:xfrm rot="10800000">
-            <a:off x="11207725" y="1976412"/>
-            <a:ext cx="2037000" cy="1062900"/>
+          <a:xfrm flipH="1" flipV="1">
+            <a:off x="11739325" y="2129111"/>
+            <a:ext cx="1696621" cy="1147467"/>
           </a:xfrm>
           <a:prstGeom prst="straightConnector1">
             <a:avLst/>
@@ -31780,9 +31954,9 @@
           <p:nvPr/>
         </p:nvCxnSpPr>
         <p:spPr>
-          <a:xfrm rot="10800000">
-            <a:off x="8085136" y="4718049"/>
-            <a:ext cx="2393950" cy="1857375"/>
+          <a:xfrm flipH="1" flipV="1">
+            <a:off x="8085136" y="4457799"/>
+            <a:ext cx="2393950" cy="2117626"/>
           </a:xfrm>
           <a:prstGeom prst="straightConnector1">
             <a:avLst/>
@@ -31802,41 +31976,15 @@
       <p:cxnSp>
         <p:nvCxnSpPr>
           <p:cNvPr id="330" name="Shape 330"/>
-          <p:cNvCxnSpPr/>
-          <p:nvPr/>
-        </p:nvCxnSpPr>
-        <p:spPr>
-          <a:xfrm rot="10800000">
-            <a:off x="10115550" y="4579937"/>
-            <a:ext cx="796924" cy="1873249"/>
-          </a:xfrm>
-          <a:prstGeom prst="straightConnector1">
-            <a:avLst/>
-          </a:prstGeom>
-          <a:noFill/>
-          <a:ln w="63500" cap="rnd" cmpd="sng">
-            <a:solidFill>
-              <a:srgbClr val="FF9900"/>
-            </a:solidFill>
-            <a:prstDash val="solid"/>
-            <a:miter/>
-            <a:headEnd type="stealth" w="med" len="med"/>
-            <a:tailEnd type="none" w="med" len="med"/>
-          </a:ln>
-        </p:spPr>
-      </p:cxnSp>
-      <p:cxnSp>
-        <p:nvCxnSpPr>
-          <p:cNvPr id="331" name="Shape 331"/>
           <p:cNvCxnSpPr>
-            <a:endCxn id="328" idx="2"/>
+            <a:stCxn id="332" idx="0"/>
           </p:cNvCxnSpPr>
           <p:nvPr/>
         </p:nvCxnSpPr>
         <p:spPr>
-          <a:xfrm rot="10800000" flipH="1">
-            <a:off x="11555525" y="5676799"/>
-            <a:ext cx="1126800" cy="811200"/>
+          <a:xfrm flipH="1" flipV="1">
+            <a:off x="9988916" y="4457799"/>
+            <a:ext cx="993034" cy="2117626"/>
           </a:xfrm>
           <a:prstGeom prst="straightConnector1">
             <a:avLst/>
@@ -32043,6 +32191,32 @@
           </a:p>
         </p:txBody>
       </p:sp>
+      <p:cxnSp>
+        <p:nvCxnSpPr>
+          <p:cNvPr id="24" name="Shape 331"/>
+          <p:cNvCxnSpPr/>
+          <p:nvPr/>
+        </p:nvCxnSpPr>
+        <p:spPr>
+          <a:xfrm flipV="1">
+            <a:off x="11453192" y="5676799"/>
+            <a:ext cx="1075640" cy="898626"/>
+          </a:xfrm>
+          <a:prstGeom prst="straightConnector1">
+            <a:avLst/>
+          </a:prstGeom>
+          <a:noFill/>
+          <a:ln w="63500" cap="rnd" cmpd="sng">
+            <a:solidFill>
+              <a:srgbClr val="FF9900"/>
+            </a:solidFill>
+            <a:prstDash val="solid"/>
+            <a:miter/>
+            <a:headEnd type="stealth" w="med" len="med"/>
+            <a:tailEnd type="none" w="med" len="med"/>
+          </a:ln>
+        </p:spPr>
+      </p:cxnSp>
     </p:spTree>
   </p:cSld>
   <p:clrMapOvr>
@@ -32051,7 +32225,7 @@
   <p:timing>
     <p:tnLst>
       <p:par>
-        <p:cTn id="1" dur="indefinite" restart="never" nodeType="tmRoot"/>
+        <p:cTn xmlns:p14="http://schemas.microsoft.com/office/powerpoint/2010/main" id="1" dur="indefinite" restart="never" nodeType="tmRoot"/>
       </p:par>
     </p:tnLst>
   </p:timing>

--- a/lectures3/Pythonlearn-02-Expressions.pptx
+++ b/lectures3/Pythonlearn-02-Expressions.pptx
@@ -249,7 +249,18 @@
   </p:defaultTextStyle>
   <p:extLst>
     <p:ext uri="{EFAFB233-063F-42B5-8137-9DF3F51BA10A}">
-      <p15:sldGuideLst xmlns="" xmlns:p15="http://schemas.microsoft.com/office/powerpoint/2012/main"/>
+      <p15:sldGuideLst xmlns:p15="http://schemas.microsoft.com/office/powerpoint/2012/main">
+        <p15:guide id="1" orient="horz" pos="2880">
+          <p15:clr>
+            <a:srgbClr val="A4A3A4"/>
+          </p15:clr>
+        </p15:guide>
+        <p15:guide id="2" pos="5120">
+          <p15:clr>
+            <a:srgbClr val="A4A3A4"/>
+          </p15:clr>
+        </p15:guide>
+      </p15:sldGuideLst>
     </p:ext>
   </p:extLst>
 </p:presentation>
@@ -6170,7 +6181,7 @@
   <p:timing>
     <p:tnLst>
       <p:par>
-        <p:cTn xmlns:p14="http://schemas.microsoft.com/office/powerpoint/2010/main" id="1" dur="indefinite" restart="never" nodeType="tmRoot"/>
+        <p:cTn id="1" dur="indefinite" restart="never" nodeType="tmRoot"/>
       </p:par>
     </p:tnLst>
   </p:timing>
@@ -7123,7 +7134,7 @@
   <p:timing>
     <p:tnLst>
       <p:par>
-        <p:cTn xmlns:p14="http://schemas.microsoft.com/office/powerpoint/2010/main" id="1" dur="indefinite" restart="never" nodeType="tmRoot"/>
+        <p:cTn id="1" dur="indefinite" restart="never" nodeType="tmRoot"/>
       </p:par>
     </p:tnLst>
   </p:timing>
@@ -8533,7 +8544,7 @@
   <p:timing>
     <p:tnLst>
       <p:par>
-        <p:cTn xmlns:p14="http://schemas.microsoft.com/office/powerpoint/2010/main" id="1" dur="indefinite" restart="never" nodeType="tmRoot"/>
+        <p:cTn id="1" dur="indefinite" restart="never" nodeType="tmRoot"/>
       </p:par>
     </p:tnLst>
   </p:timing>
@@ -11171,7 +11182,7 @@
   <p:timing>
     <p:tnLst>
       <p:par>
-        <p:cTn xmlns:p14="http://schemas.microsoft.com/office/powerpoint/2010/main" id="1" dur="indefinite" restart="never" nodeType="tmRoot"/>
+        <p:cTn id="1" dur="indefinite" restart="never" nodeType="tmRoot"/>
       </p:par>
     </p:tnLst>
   </p:timing>
@@ -11656,7 +11667,7 @@
   <p:timing>
     <p:tnLst>
       <p:par>
-        <p:cTn xmlns:p14="http://schemas.microsoft.com/office/powerpoint/2010/main" id="1" dur="indefinite" restart="never" nodeType="tmRoot"/>
+        <p:cTn id="1" dur="indefinite" restart="never" nodeType="tmRoot"/>
       </p:par>
     </p:tnLst>
   </p:timing>
@@ -12181,7 +12192,7 @@
   <p:timing>
     <p:tnLst>
       <p:par>
-        <p:cTn xmlns:p14="http://schemas.microsoft.com/office/powerpoint/2010/main" id="1" dur="indefinite" restart="never" nodeType="tmRoot"/>
+        <p:cTn id="1" dur="indefinite" restart="never" nodeType="tmRoot"/>
       </p:par>
     </p:tnLst>
   </p:timing>
@@ -13078,7 +13089,7 @@
   <p:timing>
     <p:tnLst>
       <p:par>
-        <p:cTn xmlns:p14="http://schemas.microsoft.com/office/powerpoint/2010/main" id="1" dur="indefinite" restart="never" nodeType="tmRoot"/>
+        <p:cTn id="1" dur="indefinite" restart="never" nodeType="tmRoot"/>
       </p:par>
     </p:tnLst>
   </p:timing>
@@ -13625,7 +13636,7 @@
   <p:timing>
     <p:tnLst>
       <p:par>
-        <p:cTn xmlns:p14="http://schemas.microsoft.com/office/powerpoint/2010/main" id="1" dur="indefinite" restart="never" nodeType="tmRoot"/>
+        <p:cTn id="1" dur="indefinite" restart="never" nodeType="tmRoot"/>
       </p:par>
     </p:tnLst>
   </p:timing>
@@ -14520,7 +14531,7 @@
   <p:timing>
     <p:tnLst>
       <p:par>
-        <p:cTn xmlns:p14="http://schemas.microsoft.com/office/powerpoint/2010/main" id="1" dur="indefinite" restart="never" nodeType="tmRoot"/>
+        <p:cTn id="1" dur="indefinite" restart="never" nodeType="tmRoot"/>
       </p:par>
     </p:tnLst>
   </p:timing>
@@ -15557,7 +15568,7 @@
   <p:timing>
     <p:tnLst>
       <p:par>
-        <p:cTn xmlns:p14="http://schemas.microsoft.com/office/powerpoint/2010/main" id="1" dur="indefinite" restart="never" nodeType="tmRoot"/>
+        <p:cTn id="1" dur="indefinite" restart="never" nodeType="tmRoot"/>
       </p:par>
     </p:tnLst>
   </p:timing>
@@ -16500,7 +16511,7 @@
   <p:timing>
     <p:tnLst>
       <p:par>
-        <p:cTn xmlns:p14="http://schemas.microsoft.com/office/powerpoint/2010/main" id="1" dur="indefinite" restart="never" nodeType="tmRoot"/>
+        <p:cTn id="1" dur="indefinite" restart="never" nodeType="tmRoot"/>
       </p:par>
     </p:tnLst>
   </p:timing>
@@ -17304,7 +17315,7 @@
   <p:timing>
     <p:tnLst>
       <p:par>
-        <p:cTn xmlns:p14="http://schemas.microsoft.com/office/powerpoint/2010/main" id="1" dur="indefinite" restart="never" nodeType="tmRoot"/>
+        <p:cTn id="1" dur="indefinite" restart="never" nodeType="tmRoot"/>
       </p:par>
     </p:tnLst>
   </p:timing>
@@ -18250,7 +18261,7 @@
   <p:timing>
     <p:tnLst>
       <p:par>
-        <p:cTn xmlns:p14="http://schemas.microsoft.com/office/powerpoint/2010/main" id="1" dur="indefinite" restart="never" nodeType="tmRoot"/>
+        <p:cTn id="1" dur="indefinite" restart="never" nodeType="tmRoot"/>
       </p:par>
     </p:tnLst>
   </p:timing>
@@ -19196,7 +19207,7 @@
   <p:timing>
     <p:tnLst>
       <p:par>
-        <p:cTn xmlns:p14="http://schemas.microsoft.com/office/powerpoint/2010/main" id="1" dur="indefinite" restart="never" nodeType="tmRoot"/>
+        <p:cTn id="1" dur="indefinite" restart="never" nodeType="tmRoot"/>
       </p:par>
     </p:tnLst>
   </p:timing>
@@ -20647,7 +20658,7 @@
   <p:timing>
     <p:tnLst>
       <p:par>
-        <p:cTn xmlns:p14="http://schemas.microsoft.com/office/powerpoint/2010/main" id="1" dur="indefinite" restart="never" nodeType="tmRoot"/>
+        <p:cTn id="1" dur="indefinite" restart="never" nodeType="tmRoot"/>
       </p:par>
     </p:tnLst>
   </p:timing>
@@ -21254,7 +21265,7 @@
   <p:timing>
     <p:tnLst>
       <p:par>
-        <p:cTn xmlns:p14="http://schemas.microsoft.com/office/powerpoint/2010/main" id="1" dur="indefinite" restart="never" nodeType="tmRoot"/>
+        <p:cTn id="1" dur="indefinite" restart="never" nodeType="tmRoot"/>
       </p:par>
     </p:tnLst>
   </p:timing>
@@ -21922,7 +21933,7 @@
   <p:timing>
     <p:tnLst>
       <p:par>
-        <p:cTn xmlns:p14="http://schemas.microsoft.com/office/powerpoint/2010/main" id="1" dur="indefinite" restart="never" nodeType="tmRoot"/>
+        <p:cTn id="1" dur="indefinite" restart="never" nodeType="tmRoot"/>
       </p:par>
     </p:tnLst>
   </p:timing>
@@ -22213,7 +22224,7 @@
   <p:timing>
     <p:tnLst>
       <p:par>
-        <p:cTn xmlns:p14="http://schemas.microsoft.com/office/powerpoint/2010/main" id="1" dur="indefinite" restart="never" nodeType="tmRoot"/>
+        <p:cTn id="1" dur="indefinite" restart="never" nodeType="tmRoot"/>
       </p:par>
     </p:tnLst>
   </p:timing>
@@ -22280,7 +22291,7 @@
               <a:buNone/>
             </a:pPr>
             <a:r>
-              <a:rPr lang="en-US" sz="2400" i="0" u="none" strike="noStrike" cap="none" dirty="0">
+              <a:rPr lang="en-US" sz="2400" b="1" i="0" u="none" strike="noStrike" cap="none" dirty="0">
                 <a:solidFill>
                   <a:srgbClr val="FFFF00"/>
                 </a:solidFill>
@@ -22311,7 +22322,7 @@
               <a:buNone/>
             </a:pPr>
             <a:r>
-              <a:rPr lang="en-US" sz="2400" i="0" u="none" strike="noStrike" cap="none" dirty="0">
+              <a:rPr lang="en-US" sz="2400" b="1" i="0" u="none" strike="noStrike" cap="none" dirty="0">
                 <a:solidFill>
                   <a:schemeClr val="lt1"/>
                 </a:solidFill>
@@ -22323,19 +22334,19 @@
               <a:t>name = </a:t>
             </a:r>
             <a:r>
-              <a:rPr lang="en-US" sz="2400" i="0" u="none" strike="noStrike" cap="none" dirty="0" err="1">
-                <a:solidFill>
-                  <a:schemeClr val="lt1"/>
-                </a:solidFill>
-                <a:latin typeface="Courier New"/>
-                <a:ea typeface="Courier New"/>
-                <a:cs typeface="Courier New"/>
-                <a:sym typeface="Courier New"/>
-              </a:rPr>
-              <a:t>raw_input</a:t>
-            </a:r>
-            <a:r>
-              <a:rPr lang="en-US" sz="2400" i="0" u="none" strike="noStrike" cap="none" dirty="0">
+              <a:rPr lang="en-US" sz="2400" b="1" i="0" u="none" strike="noStrike" cap="none" dirty="0" err="1" smtClean="0">
+                <a:solidFill>
+                  <a:schemeClr val="lt1"/>
+                </a:solidFill>
+                <a:latin typeface="Courier New"/>
+                <a:ea typeface="Courier New"/>
+                <a:cs typeface="Courier New"/>
+                <a:sym typeface="Courier New"/>
+              </a:rPr>
+              <a:t>rinput</a:t>
+            </a:r>
+            <a:r>
+              <a:rPr lang="en-US" sz="2400" b="1" i="0" u="none" strike="noStrike" cap="none" dirty="0">
                 <a:solidFill>
                   <a:schemeClr val="lt1"/>
                 </a:solidFill>
@@ -22366,7 +22377,7 @@
               <a:buNone/>
             </a:pPr>
             <a:r>
-              <a:rPr lang="en-US" sz="2400" i="0" u="none" strike="noStrike" cap="none" dirty="0">
+              <a:rPr lang="en-US" sz="2400" b="1" i="0" u="none" strike="noStrike" cap="none" dirty="0">
                 <a:solidFill>
                   <a:schemeClr val="lt1"/>
                 </a:solidFill>
@@ -22391,7 +22402,7 @@
               </a:spcAft>
               <a:buNone/>
             </a:pPr>
-            <a:endParaRPr sz="2400" i="0" u="none" strike="noStrike" cap="none" dirty="0">
+            <a:endParaRPr sz="2400" b="1" i="0" u="none" strike="noStrike" cap="none" dirty="0">
               <a:solidFill>
                 <a:srgbClr val="FFFF00"/>
               </a:solidFill>
@@ -22420,7 +22431,7 @@
               <a:buNone/>
             </a:pPr>
             <a:r>
-              <a:rPr lang="en-US" sz="2400" i="0" u="none" strike="noStrike" cap="none" dirty="0">
+              <a:rPr lang="en-US" sz="2400" b="1" i="0" u="none" strike="noStrike" cap="none" dirty="0">
                 <a:solidFill>
                   <a:srgbClr val="FFFF00"/>
                 </a:solidFill>
@@ -22440,7 +22451,7 @@
               <a:buSzPct val="25000"/>
             </a:pPr>
             <a:r>
-              <a:rPr lang="en-US" sz="2400" dirty="0">
+              <a:rPr lang="en-US" sz="2400" b="1" dirty="0">
                 <a:solidFill>
                   <a:srgbClr val="FFFFFF"/>
                 </a:solidFill>
@@ -22452,7 +22463,7 @@
               <a:t>counts = </a:t>
             </a:r>
             <a:r>
-              <a:rPr lang="en-US" sz="2400" dirty="0" err="1">
+              <a:rPr lang="en-US" sz="2400" b="1" dirty="0" err="1">
                 <a:solidFill>
                   <a:srgbClr val="FFFFFF"/>
                 </a:solidFill>
@@ -22464,7 +22475,7 @@
               <a:t>dict</a:t>
             </a:r>
             <a:r>
-              <a:rPr lang="en-US" sz="2400" dirty="0">
+              <a:rPr lang="en-US" sz="2400" b="1" dirty="0">
                 <a:solidFill>
                   <a:srgbClr val="FFFFFF"/>
                 </a:solidFill>
@@ -22484,7 +22495,7 @@
               <a:buSzPct val="25000"/>
             </a:pPr>
             <a:r>
-              <a:rPr lang="en-US" sz="2400" dirty="0">
+              <a:rPr lang="en-US" sz="2400" b="1" dirty="0">
                 <a:solidFill>
                   <a:srgbClr val="FFFFFF"/>
                 </a:solidFill>
@@ -22504,7 +22515,7 @@
               <a:buSzPct val="25000"/>
             </a:pPr>
             <a:r>
-              <a:rPr lang="en-US" sz="2400" dirty="0">
+              <a:rPr lang="en-US" sz="2400" b="1" dirty="0">
                 <a:solidFill>
                   <a:srgbClr val="FFFFFF"/>
                 </a:solidFill>
@@ -22516,7 +22527,7 @@
               <a:t>    words = </a:t>
             </a:r>
             <a:r>
-              <a:rPr lang="en-US" sz="2400" dirty="0" err="1">
+              <a:rPr lang="en-US" sz="2400" b="1" dirty="0" err="1">
                 <a:solidFill>
                   <a:srgbClr val="FFFFFF"/>
                 </a:solidFill>
@@ -22528,7 +22539,7 @@
               <a:t>line.split</a:t>
             </a:r>
             <a:r>
-              <a:rPr lang="en-US" sz="2400" dirty="0">
+              <a:rPr lang="en-US" sz="2400" b="1" dirty="0">
                 <a:solidFill>
                   <a:srgbClr val="FFFFFF"/>
                 </a:solidFill>
@@ -22548,7 +22559,7 @@
               <a:buSzPct val="25000"/>
             </a:pPr>
             <a:r>
-              <a:rPr lang="en-US" sz="2400" dirty="0">
+              <a:rPr lang="en-US" sz="2400" b="1" dirty="0">
                 <a:solidFill>
                   <a:srgbClr val="FFFFFF"/>
                 </a:solidFill>
@@ -22568,7 +22579,7 @@
               <a:buSzPct val="25000"/>
             </a:pPr>
             <a:r>
-              <a:rPr lang="en-US" sz="2400" dirty="0">
+              <a:rPr lang="en-US" sz="2400" b="1" dirty="0">
                 <a:solidFill>
                   <a:srgbClr val="FFFFFF"/>
                 </a:solidFill>
@@ -22580,7 +22591,7 @@
               <a:t>        counts[word] = </a:t>
             </a:r>
             <a:r>
-              <a:rPr lang="en-US" sz="2400" dirty="0" err="1">
+              <a:rPr lang="en-US" sz="2400" b="1" dirty="0" err="1">
                 <a:solidFill>
                   <a:srgbClr val="FFFFFF"/>
                 </a:solidFill>
@@ -22592,7 +22603,7 @@
               <a:t>counts.get</a:t>
             </a:r>
             <a:r>
-              <a:rPr lang="en-US" sz="2400" dirty="0">
+              <a:rPr lang="en-US" sz="2400" b="1" dirty="0">
                 <a:solidFill>
                   <a:srgbClr val="FFFFFF"/>
                 </a:solidFill>
@@ -22617,7 +22628,7 @@
               </a:spcAft>
               <a:buNone/>
             </a:pPr>
-            <a:endParaRPr sz="2400" i="0" u="none" strike="noStrike" cap="none" dirty="0">
+            <a:endParaRPr sz="2400" b="1" i="0" u="none" strike="noStrike" cap="none" dirty="0">
               <a:solidFill>
                 <a:srgbClr val="FFFF00"/>
               </a:solidFill>
@@ -22646,7 +22657,7 @@
               <a:buNone/>
             </a:pPr>
             <a:r>
-              <a:rPr lang="en-US" sz="2400" i="0" u="none" strike="noStrike" cap="none" dirty="0">
+              <a:rPr lang="en-US" sz="2400" b="1" i="0" u="none" strike="noStrike" cap="none" dirty="0">
                 <a:solidFill>
                   <a:srgbClr val="FFFF00"/>
                 </a:solidFill>
@@ -22677,7 +22688,7 @@
               <a:buNone/>
             </a:pPr>
             <a:r>
-              <a:rPr lang="en-US" sz="2400" i="0" u="none" strike="noStrike" cap="none" dirty="0" err="1">
+              <a:rPr lang="en-US" sz="2400" b="1" i="0" u="none" strike="noStrike" cap="none" dirty="0" err="1">
                 <a:solidFill>
                   <a:srgbClr val="FFFFFF"/>
                 </a:solidFill>
@@ -22689,7 +22700,7 @@
               <a:t>bigcount</a:t>
             </a:r>
             <a:r>
-              <a:rPr lang="en-US" sz="2400" i="0" u="none" strike="noStrike" cap="none" dirty="0">
+              <a:rPr lang="en-US" sz="2400" b="1" i="0" u="none" strike="noStrike" cap="none" dirty="0">
                 <a:solidFill>
                   <a:srgbClr val="FFFFFF"/>
                 </a:solidFill>
@@ -22720,7 +22731,7 @@
               <a:buNone/>
             </a:pPr>
             <a:r>
-              <a:rPr lang="en-US" sz="2400" i="0" u="none" strike="noStrike" cap="none" dirty="0" err="1">
+              <a:rPr lang="en-US" sz="2400" b="1" i="0" u="none" strike="noStrike" cap="none" dirty="0" err="1">
                 <a:solidFill>
                   <a:srgbClr val="FFFFFF"/>
                 </a:solidFill>
@@ -22732,7 +22743,7 @@
               <a:t>bigword</a:t>
             </a:r>
             <a:r>
-              <a:rPr lang="en-US" sz="2400" i="0" u="none" strike="noStrike" cap="none" dirty="0">
+              <a:rPr lang="en-US" sz="2400" b="1" i="0" u="none" strike="noStrike" cap="none" dirty="0">
                 <a:solidFill>
                   <a:srgbClr val="FFFFFF"/>
                 </a:solidFill>
@@ -22763,7 +22774,7 @@
               <a:buNone/>
             </a:pPr>
             <a:r>
-              <a:rPr lang="en-US" sz="2400" i="0" u="none" strike="noStrike" cap="none" dirty="0">
+              <a:rPr lang="en-US" sz="2400" b="1" i="0" u="none" strike="noStrike" cap="none" dirty="0">
                 <a:solidFill>
                   <a:srgbClr val="FFFFFF"/>
                 </a:solidFill>
@@ -22775,7 +22786,7 @@
               <a:t>for </a:t>
             </a:r>
             <a:r>
-              <a:rPr lang="en-US" sz="2400" i="0" u="none" strike="noStrike" cap="none" dirty="0" err="1">
+              <a:rPr lang="en-US" sz="2400" b="1" i="0" u="none" strike="noStrike" cap="none" dirty="0" err="1">
                 <a:solidFill>
                   <a:srgbClr val="FFFFFF"/>
                 </a:solidFill>
@@ -22787,7 +22798,7 @@
               <a:t>word,count</a:t>
             </a:r>
             <a:r>
-              <a:rPr lang="en-US" sz="2400" i="0" u="none" strike="noStrike" cap="none" dirty="0">
+              <a:rPr lang="en-US" sz="2400" b="1" i="0" u="none" strike="noStrike" cap="none" dirty="0">
                 <a:solidFill>
                   <a:srgbClr val="FFFFFF"/>
                 </a:solidFill>
@@ -22799,7 +22810,7 @@
               <a:t> in </a:t>
             </a:r>
             <a:r>
-              <a:rPr lang="en-US" sz="2400" i="0" u="none" strike="noStrike" cap="none" dirty="0" err="1">
+              <a:rPr lang="en-US" sz="2400" b="1" i="0" u="none" strike="noStrike" cap="none" dirty="0" err="1">
                 <a:solidFill>
                   <a:srgbClr val="FFFFFF"/>
                 </a:solidFill>
@@ -22811,7 +22822,7 @@
               <a:t>counts.items</a:t>
             </a:r>
             <a:r>
-              <a:rPr lang="en-US" sz="2400" i="0" u="none" strike="noStrike" cap="none" dirty="0">
+              <a:rPr lang="en-US" sz="2400" b="1" i="0" u="none" strike="noStrike" cap="none" dirty="0">
                 <a:solidFill>
                   <a:srgbClr val="FFFFFF"/>
                 </a:solidFill>
@@ -22842,7 +22853,7 @@
               <a:buNone/>
             </a:pPr>
             <a:r>
-              <a:rPr lang="en-US" sz="2400" i="0" u="none" strike="noStrike" cap="none" dirty="0">
+              <a:rPr lang="en-US" sz="2400" b="1" i="0" u="none" strike="noStrike" cap="none" dirty="0">
                 <a:solidFill>
                   <a:srgbClr val="FFFFFF"/>
                 </a:solidFill>
@@ -22854,7 +22865,7 @@
               <a:t>    if </a:t>
             </a:r>
             <a:r>
-              <a:rPr lang="en-US" sz="2400" i="0" u="none" strike="noStrike" cap="none" dirty="0" err="1">
+              <a:rPr lang="en-US" sz="2400" b="1" i="0" u="none" strike="noStrike" cap="none" dirty="0" err="1">
                 <a:solidFill>
                   <a:srgbClr val="FFFFFF"/>
                 </a:solidFill>
@@ -22866,7 +22877,7 @@
               <a:t>bigcount</a:t>
             </a:r>
             <a:r>
-              <a:rPr lang="en-US" sz="2400" i="0" u="none" strike="noStrike" cap="none" dirty="0">
+              <a:rPr lang="en-US" sz="2400" b="1" i="0" u="none" strike="noStrike" cap="none" dirty="0">
                 <a:solidFill>
                   <a:srgbClr val="FFFFFF"/>
                 </a:solidFill>
@@ -22878,7 +22889,7 @@
               <a:t> is None or count &gt; </a:t>
             </a:r>
             <a:r>
-              <a:rPr lang="en-US" sz="2400" i="0" u="none" strike="noStrike" cap="none" dirty="0" err="1">
+              <a:rPr lang="en-US" sz="2400" b="1" i="0" u="none" strike="noStrike" cap="none" dirty="0" err="1">
                 <a:solidFill>
                   <a:srgbClr val="FFFFFF"/>
                 </a:solidFill>
@@ -22890,7 +22901,7 @@
               <a:t>bigcount</a:t>
             </a:r>
             <a:r>
-              <a:rPr lang="en-US" sz="2400" i="0" u="none" strike="noStrike" cap="none" dirty="0">
+              <a:rPr lang="en-US" sz="2400" b="1" i="0" u="none" strike="noStrike" cap="none" dirty="0">
                 <a:solidFill>
                   <a:srgbClr val="FFFFFF"/>
                 </a:solidFill>
@@ -22921,7 +22932,7 @@
               <a:buNone/>
             </a:pPr>
             <a:r>
-              <a:rPr lang="en-US" sz="2400" i="0" u="none" strike="noStrike" cap="none" dirty="0">
+              <a:rPr lang="en-US" sz="2400" b="1" i="0" u="none" strike="noStrike" cap="none" dirty="0">
                 <a:solidFill>
                   <a:srgbClr val="FFFFFF"/>
                 </a:solidFill>
@@ -22933,7 +22944,7 @@
               <a:t>        </a:t>
             </a:r>
             <a:r>
-              <a:rPr lang="en-US" sz="2400" i="0" u="none" strike="noStrike" cap="none" dirty="0" err="1">
+              <a:rPr lang="en-US" sz="2400" b="1" i="0" u="none" strike="noStrike" cap="none" dirty="0" err="1">
                 <a:solidFill>
                   <a:srgbClr val="FFFFFF"/>
                 </a:solidFill>
@@ -22945,7 +22956,7 @@
               <a:t>bigword</a:t>
             </a:r>
             <a:r>
-              <a:rPr lang="en-US" sz="2400" i="0" u="none" strike="noStrike" cap="none" dirty="0">
+              <a:rPr lang="en-US" sz="2400" b="1" i="0" u="none" strike="noStrike" cap="none" dirty="0">
                 <a:solidFill>
                   <a:srgbClr val="FFFFFF"/>
                 </a:solidFill>
@@ -22976,7 +22987,7 @@
               <a:buNone/>
             </a:pPr>
             <a:r>
-              <a:rPr lang="en-US" sz="2400" i="0" u="none" strike="noStrike" cap="none" dirty="0">
+              <a:rPr lang="en-US" sz="2400" b="1" i="0" u="none" strike="noStrike" cap="none" dirty="0">
                 <a:solidFill>
                   <a:srgbClr val="FFFFFF"/>
                 </a:solidFill>
@@ -22988,7 +22999,7 @@
               <a:t>        </a:t>
             </a:r>
             <a:r>
-              <a:rPr lang="en-US" sz="2400" i="0" u="none" strike="noStrike" cap="none" dirty="0" err="1">
+              <a:rPr lang="en-US" sz="2400" b="1" i="0" u="none" strike="noStrike" cap="none" dirty="0" err="1">
                 <a:solidFill>
                   <a:srgbClr val="FFFFFF"/>
                 </a:solidFill>
@@ -23000,7 +23011,7 @@
               <a:t>bigcount</a:t>
             </a:r>
             <a:r>
-              <a:rPr lang="en-US" sz="2400" i="0" u="none" strike="noStrike" cap="none" dirty="0">
+              <a:rPr lang="en-US" sz="2400" b="1" i="0" u="none" strike="noStrike" cap="none" dirty="0">
                 <a:solidFill>
                   <a:srgbClr val="FFFFFF"/>
                 </a:solidFill>
@@ -23025,7 +23036,7 @@
               </a:spcAft>
               <a:buNone/>
             </a:pPr>
-            <a:endParaRPr sz="2400" i="0" u="none" strike="noStrike" cap="none" dirty="0">
+            <a:endParaRPr sz="2400" b="1" i="0" u="none" strike="noStrike" cap="none" dirty="0">
               <a:solidFill>
                 <a:srgbClr val="FFFF00"/>
               </a:solidFill>
@@ -23054,7 +23065,7 @@
               <a:buNone/>
             </a:pPr>
             <a:r>
-              <a:rPr lang="en-US" sz="2400" i="0" u="none" strike="noStrike" cap="none" dirty="0">
+              <a:rPr lang="en-US" sz="2400" b="1" i="0" u="none" strike="noStrike" cap="none" dirty="0">
                 <a:solidFill>
                   <a:srgbClr val="FFFF00"/>
                 </a:solidFill>
@@ -23066,7 +23077,7 @@
               <a:t># All </a:t>
             </a:r>
             <a:r>
-              <a:rPr lang="en-US" sz="2400" dirty="0">
+              <a:rPr lang="en-US" sz="2400" b="1" dirty="0">
                 <a:solidFill>
                   <a:srgbClr val="FFFF00"/>
                 </a:solidFill>
@@ -23078,7 +23089,7 @@
               <a:t>d</a:t>
             </a:r>
             <a:r>
-              <a:rPr lang="en-US" sz="2400" i="0" u="none" strike="noStrike" cap="none" dirty="0" smtClean="0">
+              <a:rPr lang="en-US" sz="2400" b="1" i="0" u="none" strike="noStrike" cap="none" dirty="0" smtClean="0">
                 <a:solidFill>
                   <a:srgbClr val="FFFF00"/>
                 </a:solidFill>
@@ -23089,7 +23100,7 @@
               </a:rPr>
               <a:t>one</a:t>
             </a:r>
-            <a:endParaRPr lang="en-US" sz="2400" i="0" u="none" strike="noStrike" cap="none" dirty="0">
+            <a:endParaRPr lang="en-US" sz="2400" b="1" i="0" u="none" strike="noStrike" cap="none" dirty="0">
               <a:solidFill>
                 <a:srgbClr val="FFFF00"/>
               </a:solidFill>
@@ -23118,7 +23129,7 @@
               <a:buNone/>
             </a:pPr>
             <a:r>
-              <a:rPr lang="en-US" sz="2400" dirty="0">
+              <a:rPr lang="en-US" sz="2400" b="1" dirty="0">
                 <a:solidFill>
                   <a:srgbClr val="FFFFFF"/>
                 </a:solidFill>
@@ -23130,7 +23141,7 @@
               <a:t>p</a:t>
             </a:r>
             <a:r>
-              <a:rPr lang="en-US" sz="2400" i="0" u="none" strike="noStrike" cap="none" dirty="0" smtClean="0">
+              <a:rPr lang="en-US" sz="2400" b="1" i="0" u="none" strike="noStrike" cap="none" dirty="0" smtClean="0">
                 <a:solidFill>
                   <a:srgbClr val="FFFFFF"/>
                 </a:solidFill>
@@ -23142,7 +23153,7 @@
               <a:t>rint(</a:t>
             </a:r>
             <a:r>
-              <a:rPr lang="en-US" sz="2400" i="0" u="none" strike="noStrike" cap="none" dirty="0" err="1" smtClean="0">
+              <a:rPr lang="en-US" sz="2400" b="1" i="0" u="none" strike="noStrike" cap="none" dirty="0" err="1" smtClean="0">
                 <a:solidFill>
                   <a:srgbClr val="FFFFFF"/>
                 </a:solidFill>
@@ -23154,7 +23165,7 @@
               <a:t>bigword</a:t>
             </a:r>
             <a:r>
-              <a:rPr lang="en-US" sz="2400" i="0" u="none" strike="noStrike" cap="none" dirty="0">
+              <a:rPr lang="en-US" sz="2400" b="1" i="0" u="none" strike="noStrike" cap="none" dirty="0">
                 <a:solidFill>
                   <a:srgbClr val="FFFFFF"/>
                 </a:solidFill>
@@ -23166,7 +23177,7 @@
               <a:t>, </a:t>
             </a:r>
             <a:r>
-              <a:rPr lang="en-US" sz="2400" i="0" u="none" strike="noStrike" cap="none" dirty="0" err="1" smtClean="0">
+              <a:rPr lang="en-US" sz="2400" b="1" i="0" u="none" strike="noStrike" cap="none" dirty="0" err="1" smtClean="0">
                 <a:solidFill>
                   <a:srgbClr val="FFFFFF"/>
                 </a:solidFill>
@@ -23178,7 +23189,7 @@
               <a:t>bigcount</a:t>
             </a:r>
             <a:r>
-              <a:rPr lang="en-US" sz="2400" i="0" u="none" strike="noStrike" cap="none" dirty="0" smtClean="0">
+              <a:rPr lang="en-US" sz="2400" b="1" i="0" u="none" strike="noStrike" cap="none" dirty="0" smtClean="0">
                 <a:solidFill>
                   <a:srgbClr val="FFFFFF"/>
                 </a:solidFill>
@@ -23189,7 +23200,7 @@
               </a:rPr>
               <a:t>)</a:t>
             </a:r>
-            <a:endParaRPr lang="en-US" sz="2400" i="0" u="none" strike="noStrike" cap="none" dirty="0">
+            <a:endParaRPr lang="en-US" sz="2400" b="1" i="0" u="none" strike="noStrike" cap="none" dirty="0">
               <a:solidFill>
                 <a:srgbClr val="FFFFFF"/>
               </a:solidFill>
@@ -23209,7 +23220,7 @@
   <p:timing>
     <p:tnLst>
       <p:par>
-        <p:cTn xmlns:p14="http://schemas.microsoft.com/office/powerpoint/2010/main" id="1" dur="indefinite" restart="never" nodeType="tmRoot"/>
+        <p:cTn id="1" dur="indefinite" restart="never" nodeType="tmRoot"/>
       </p:par>
     </p:tnLst>
   </p:timing>
@@ -25581,7 +25592,7 @@
   <p:timing>
     <p:tnLst>
       <p:par>
-        <p:cTn xmlns:p14="http://schemas.microsoft.com/office/powerpoint/2010/main" id="1" dur="indefinite" restart="never" nodeType="tmRoot"/>
+        <p:cTn id="1" dur="indefinite" restart="never" nodeType="tmRoot"/>
       </p:par>
     </p:tnLst>
   </p:timing>
@@ -28613,7 +28624,7 @@
   <p:timing>
     <p:tnLst>
       <p:par>
-        <p:cTn xmlns:p14="http://schemas.microsoft.com/office/powerpoint/2010/main" id="1" dur="indefinite" restart="never" nodeType="tmRoot"/>
+        <p:cTn id="1" dur="indefinite" restart="never" nodeType="tmRoot"/>
       </p:par>
     </p:tnLst>
   </p:timing>
@@ -28946,7 +28957,7 @@
   <p:timing>
     <p:tnLst>
       <p:par>
-        <p:cTn xmlns:p14="http://schemas.microsoft.com/office/powerpoint/2010/main" id="1" dur="indefinite" restart="never" nodeType="tmRoot"/>
+        <p:cTn id="1" dur="indefinite" restart="never" nodeType="tmRoot"/>
       </p:par>
     </p:tnLst>
   </p:timing>
@@ -29879,7 +29890,7 @@
   <p:timing>
     <p:tnLst>
       <p:par>
-        <p:cTn xmlns:p14="http://schemas.microsoft.com/office/powerpoint/2010/main" id="1" dur="indefinite" restart="never" nodeType="tmRoot"/>
+        <p:cTn id="1" dur="indefinite" restart="never" nodeType="tmRoot"/>
       </p:par>
     </p:tnLst>
   </p:timing>
@@ -30730,7 +30741,7 @@
   <p:timing>
     <p:tnLst>
       <p:par>
-        <p:cTn xmlns:p14="http://schemas.microsoft.com/office/powerpoint/2010/main" id="1" dur="indefinite" restart="never" nodeType="tmRoot"/>
+        <p:cTn id="1" dur="indefinite" restart="never" nodeType="tmRoot"/>
       </p:par>
     </p:tnLst>
   </p:timing>
@@ -31314,7 +31325,7 @@
   <p:timing>
     <p:tnLst>
       <p:par>
-        <p:cTn xmlns:p14="http://schemas.microsoft.com/office/powerpoint/2010/main" id="1" dur="indefinite" restart="never" nodeType="tmRoot"/>
+        <p:cTn id="1" dur="indefinite" restart="never" nodeType="tmRoot"/>
       </p:par>
     </p:tnLst>
   </p:timing>
@@ -32225,7 +32236,7 @@
   <p:timing>
     <p:tnLst>
       <p:par>
-        <p:cTn xmlns:p14="http://schemas.microsoft.com/office/powerpoint/2010/main" id="1" dur="indefinite" restart="never" nodeType="tmRoot"/>
+        <p:cTn id="1" dur="indefinite" restart="never" nodeType="tmRoot"/>
       </p:par>
     </p:tnLst>
   </p:timing>

--- a/lectures3/Pythonlearn-02-Expressions.pptx
+++ b/lectures3/Pythonlearn-02-Expressions.pptx
@@ -10,14 +10,14 @@
   <p:sldIdLst>
     <p:sldId id="256" r:id="rId2"/>
     <p:sldId id="257" r:id="rId3"/>
-    <p:sldId id="258" r:id="rId4"/>
-    <p:sldId id="291" r:id="rId5"/>
-    <p:sldId id="260" r:id="rId6"/>
-    <p:sldId id="296" r:id="rId7"/>
-    <p:sldId id="297" r:id="rId8"/>
-    <p:sldId id="298" r:id="rId9"/>
-    <p:sldId id="299" r:id="rId10"/>
-    <p:sldId id="292" r:id="rId11"/>
+    <p:sldId id="302" r:id="rId4"/>
+    <p:sldId id="258" r:id="rId5"/>
+    <p:sldId id="291" r:id="rId6"/>
+    <p:sldId id="260" r:id="rId7"/>
+    <p:sldId id="296" r:id="rId8"/>
+    <p:sldId id="297" r:id="rId9"/>
+    <p:sldId id="298" r:id="rId10"/>
+    <p:sldId id="299" r:id="rId11"/>
     <p:sldId id="293" r:id="rId12"/>
     <p:sldId id="263" r:id="rId13"/>
     <p:sldId id="264" r:id="rId14"/>
@@ -676,7 +676,7 @@
   <p:cSld>
     <p:spTree>
       <p:nvGrpSpPr>
-        <p:cNvPr id="1" name="Shape 497"/>
+        <p:cNvPr id="1" name="Shape 522"/>
         <p:cNvGrpSpPr/>
         <p:nvPr/>
       </p:nvGrpSpPr>
@@ -690,7 +690,7 @@
       </p:grpSpPr>
       <p:sp>
         <p:nvSpPr>
-          <p:cNvPr id="498" name="Shape 498"/>
+          <p:cNvPr id="523" name="Shape 523"/>
           <p:cNvSpPr txBox="1">
             <a:spLocks noGrp="1"/>
           </p:cNvSpPr>
@@ -725,7 +725,7 @@
       </p:sp>
       <p:sp>
         <p:nvSpPr>
-          <p:cNvPr id="499" name="Shape 499"/>
+          <p:cNvPr id="524" name="Shape 524"/>
           <p:cNvSpPr>
             <a:spLocks noGrp="1" noRot="1" noChangeAspect="1"/>
           </p:cNvSpPr>
@@ -767,7 +767,7 @@
     </p:spTree>
     <p:extLst>
       <p:ext uri="{BB962C8B-B14F-4D97-AF65-F5344CB8AC3E}">
-        <p14:creationId xmlns:p14="http://schemas.microsoft.com/office/powerpoint/2010/main" val="1414895067"/>
+        <p14:creationId xmlns:p14="http://schemas.microsoft.com/office/powerpoint/2010/main" val="413198323"/>
       </p:ext>
     </p:extLst>
   </p:cSld>
@@ -2902,7 +2902,7 @@
   <p:cSld>
     <p:spTree>
       <p:nvGrpSpPr>
-        <p:cNvPr id="1" name="Shape 253"/>
+        <p:cNvPr id="1" name="Shape 497"/>
         <p:cNvGrpSpPr/>
         <p:nvPr/>
       </p:nvGrpSpPr>
@@ -2916,7 +2916,7 @@
       </p:grpSpPr>
       <p:sp>
         <p:nvSpPr>
-          <p:cNvPr id="254" name="Shape 254"/>
+          <p:cNvPr id="498" name="Shape 498"/>
           <p:cNvSpPr txBox="1">
             <a:spLocks noGrp="1"/>
           </p:cNvSpPr>
@@ -2951,7 +2951,7 @@
       </p:sp>
       <p:sp>
         <p:nvSpPr>
-          <p:cNvPr id="255" name="Shape 255"/>
+          <p:cNvPr id="499" name="Shape 499"/>
           <p:cNvSpPr>
             <a:spLocks noGrp="1" noRot="1" noChangeAspect="1"/>
           </p:cNvSpPr>
@@ -2993,7 +2993,7 @@
     </p:spTree>
     <p:extLst>
       <p:ext uri="{BB962C8B-B14F-4D97-AF65-F5344CB8AC3E}">
-        <p14:creationId xmlns:p14="http://schemas.microsoft.com/office/powerpoint/2010/main" val="218351894"/>
+        <p14:creationId xmlns:p14="http://schemas.microsoft.com/office/powerpoint/2010/main" val="915504463"/>
       </p:ext>
     </p:extLst>
   </p:cSld>
@@ -3523,6 +3523,112 @@
     </p:spTree>
     <p:extLst>
       <p:ext uri="{BB962C8B-B14F-4D97-AF65-F5344CB8AC3E}">
+        <p14:creationId xmlns:p14="http://schemas.microsoft.com/office/powerpoint/2010/main" val="218351894"/>
+      </p:ext>
+    </p:extLst>
+  </p:cSld>
+  <p:clrMapOvr>
+    <a:masterClrMapping/>
+  </p:clrMapOvr>
+</p:notes>
+</file>
+
+<file path=ppt/notesSlides/notesSlide5.xml><?xml version="1.0" encoding="utf-8"?>
+<p:notes xmlns:a="http://schemas.openxmlformats.org/drawingml/2006/main" xmlns:r="http://schemas.openxmlformats.org/officeDocument/2006/relationships" xmlns:p="http://schemas.openxmlformats.org/presentationml/2006/main" showMasterSp="0" showMasterPhAnim="0">
+  <p:cSld>
+    <p:spTree>
+      <p:nvGrpSpPr>
+        <p:cNvPr id="1" name="Shape 253"/>
+        <p:cNvGrpSpPr/>
+        <p:nvPr/>
+      </p:nvGrpSpPr>
+      <p:grpSpPr>
+        <a:xfrm>
+          <a:off x="0" y="0"/>
+          <a:ext cx="0" cy="0"/>
+          <a:chOff x="0" y="0"/>
+          <a:chExt cx="0" cy="0"/>
+        </a:xfrm>
+      </p:grpSpPr>
+      <p:sp>
+        <p:nvSpPr>
+          <p:cNvPr id="254" name="Shape 254"/>
+          <p:cNvSpPr txBox="1">
+            <a:spLocks noGrp="1"/>
+          </p:cNvSpPr>
+          <p:nvPr>
+            <p:ph type="body" idx="1"/>
+          </p:nvPr>
+        </p:nvSpPr>
+        <p:spPr>
+          <a:xfrm>
+            <a:off x="685800" y="4343400"/>
+            <a:ext cx="5486399" cy="4114800"/>
+          </a:xfrm>
+          <a:prstGeom prst="rect">
+            <a:avLst/>
+          </a:prstGeom>
+        </p:spPr>
+        <p:txBody>
+          <a:bodyPr lIns="91425" tIns="91425" rIns="91425" bIns="91425" anchor="ctr" anchorCtr="0">
+            <a:noAutofit/>
+          </a:bodyPr>
+          <a:lstStyle/>
+          <a:p>
+            <a:pPr lvl="0">
+              <a:spcBef>
+                <a:spcPts val="0"/>
+              </a:spcBef>
+              <a:buNone/>
+            </a:pPr>
+            <a:endParaRPr/>
+          </a:p>
+        </p:txBody>
+      </p:sp>
+      <p:sp>
+        <p:nvSpPr>
+          <p:cNvPr id="255" name="Shape 255"/>
+          <p:cNvSpPr>
+            <a:spLocks noGrp="1" noRot="1" noChangeAspect="1"/>
+          </p:cNvSpPr>
+          <p:nvPr>
+            <p:ph type="sldImg" idx="2"/>
+          </p:nvPr>
+        </p:nvSpPr>
+        <p:spPr>
+          <a:xfrm>
+            <a:off x="381000" y="685800"/>
+            <a:ext cx="6096000" cy="3429000"/>
+          </a:xfrm>
+          <a:custGeom>
+            <a:avLst/>
+            <a:gdLst/>
+            <a:ahLst/>
+            <a:cxnLst/>
+            <a:rect l="0" t="0" r="0" b="0"/>
+            <a:pathLst>
+              <a:path w="120000" h="120000" extrusionOk="0">
+                <a:moveTo>
+                  <a:pt x="0" y="0"/>
+                </a:moveTo>
+                <a:lnTo>
+                  <a:pt x="120000" y="0"/>
+                </a:lnTo>
+                <a:lnTo>
+                  <a:pt x="120000" y="120000"/>
+                </a:lnTo>
+                <a:lnTo>
+                  <a:pt x="0" y="120000"/>
+                </a:lnTo>
+                <a:close/>
+              </a:path>
+            </a:pathLst>
+          </a:custGeom>
+        </p:spPr>
+      </p:sp>
+    </p:spTree>
+    <p:extLst>
+      <p:ext uri="{BB962C8B-B14F-4D97-AF65-F5344CB8AC3E}">
         <p14:creationId xmlns:p14="http://schemas.microsoft.com/office/powerpoint/2010/main" val="2002925681"/>
       </p:ext>
     </p:extLst>
@@ -3533,7 +3639,7 @@
 </p:notes>
 </file>
 
-<file path=ppt/notesSlides/notesSlide5.xml><?xml version="1.0" encoding="utf-8"?>
+<file path=ppt/notesSlides/notesSlide6.xml><?xml version="1.0" encoding="utf-8"?>
 <p:notes xmlns:a="http://schemas.openxmlformats.org/drawingml/2006/main" xmlns:r="http://schemas.openxmlformats.org/officeDocument/2006/relationships" xmlns:p="http://schemas.openxmlformats.org/presentationml/2006/main" showMasterSp="0" showMasterPhAnim="0">
   <p:cSld>
     <p:spTree>
@@ -3639,7 +3745,7 @@
 </p:notes>
 </file>
 
-<file path=ppt/notesSlides/notesSlide6.xml><?xml version="1.0" encoding="utf-8"?>
+<file path=ppt/notesSlides/notesSlide7.xml><?xml version="1.0" encoding="utf-8"?>
 <p:notes xmlns:a="http://schemas.openxmlformats.org/drawingml/2006/main" xmlns:r="http://schemas.openxmlformats.org/officeDocument/2006/relationships" xmlns:p="http://schemas.openxmlformats.org/presentationml/2006/main" showMasterSp="0" showMasterPhAnim="0">
   <p:cSld>
     <p:spTree>
@@ -3745,7 +3851,7 @@
 </p:notes>
 </file>
 
-<file path=ppt/notesSlides/notesSlide7.xml><?xml version="1.0" encoding="utf-8"?>
+<file path=ppt/notesSlides/notesSlide8.xml><?xml version="1.0" encoding="utf-8"?>
 <p:notes xmlns:a="http://schemas.openxmlformats.org/drawingml/2006/main" xmlns:r="http://schemas.openxmlformats.org/officeDocument/2006/relationships" xmlns:p="http://schemas.openxmlformats.org/presentationml/2006/main" showMasterSp="0" showMasterPhAnim="0">
   <p:cSld>
     <p:spTree>
@@ -3851,7 +3957,7 @@
 </p:notes>
 </file>
 
-<file path=ppt/notesSlides/notesSlide8.xml><?xml version="1.0" encoding="utf-8"?>
+<file path=ppt/notesSlides/notesSlide9.xml><?xml version="1.0" encoding="utf-8"?>
 <p:notes xmlns:a="http://schemas.openxmlformats.org/drawingml/2006/main" xmlns:r="http://schemas.openxmlformats.org/officeDocument/2006/relationships" xmlns:p="http://schemas.openxmlformats.org/presentationml/2006/main" showMasterSp="0" showMasterPhAnim="0">
   <p:cSld>
     <p:spTree>
@@ -3948,112 +4054,6 @@
     <p:extLst>
       <p:ext uri="{BB962C8B-B14F-4D97-AF65-F5344CB8AC3E}">
         <p14:creationId xmlns:p14="http://schemas.microsoft.com/office/powerpoint/2010/main" val="1897233865"/>
-      </p:ext>
-    </p:extLst>
-  </p:cSld>
-  <p:clrMapOvr>
-    <a:masterClrMapping/>
-  </p:clrMapOvr>
-</p:notes>
-</file>
-
-<file path=ppt/notesSlides/notesSlide9.xml><?xml version="1.0" encoding="utf-8"?>
-<p:notes xmlns:a="http://schemas.openxmlformats.org/drawingml/2006/main" xmlns:r="http://schemas.openxmlformats.org/officeDocument/2006/relationships" xmlns:p="http://schemas.openxmlformats.org/presentationml/2006/main" showMasterSp="0" showMasterPhAnim="0">
-  <p:cSld>
-    <p:spTree>
-      <p:nvGrpSpPr>
-        <p:cNvPr id="1" name="Shape 522"/>
-        <p:cNvGrpSpPr/>
-        <p:nvPr/>
-      </p:nvGrpSpPr>
-      <p:grpSpPr>
-        <a:xfrm>
-          <a:off x="0" y="0"/>
-          <a:ext cx="0" cy="0"/>
-          <a:chOff x="0" y="0"/>
-          <a:chExt cx="0" cy="0"/>
-        </a:xfrm>
-      </p:grpSpPr>
-      <p:sp>
-        <p:nvSpPr>
-          <p:cNvPr id="523" name="Shape 523"/>
-          <p:cNvSpPr txBox="1">
-            <a:spLocks noGrp="1"/>
-          </p:cNvSpPr>
-          <p:nvPr>
-            <p:ph type="body" idx="1"/>
-          </p:nvPr>
-        </p:nvSpPr>
-        <p:spPr>
-          <a:xfrm>
-            <a:off x="685800" y="4343400"/>
-            <a:ext cx="5486399" cy="4114800"/>
-          </a:xfrm>
-          <a:prstGeom prst="rect">
-            <a:avLst/>
-          </a:prstGeom>
-        </p:spPr>
-        <p:txBody>
-          <a:bodyPr lIns="91425" tIns="91425" rIns="91425" bIns="91425" anchor="ctr" anchorCtr="0">
-            <a:noAutofit/>
-          </a:bodyPr>
-          <a:lstStyle/>
-          <a:p>
-            <a:pPr lvl="0">
-              <a:spcBef>
-                <a:spcPts val="0"/>
-              </a:spcBef>
-              <a:buNone/>
-            </a:pPr>
-            <a:endParaRPr/>
-          </a:p>
-        </p:txBody>
-      </p:sp>
-      <p:sp>
-        <p:nvSpPr>
-          <p:cNvPr id="524" name="Shape 524"/>
-          <p:cNvSpPr>
-            <a:spLocks noGrp="1" noRot="1" noChangeAspect="1"/>
-          </p:cNvSpPr>
-          <p:nvPr>
-            <p:ph type="sldImg" idx="2"/>
-          </p:nvPr>
-        </p:nvSpPr>
-        <p:spPr>
-          <a:xfrm>
-            <a:off x="381000" y="685800"/>
-            <a:ext cx="6096000" cy="3429000"/>
-          </a:xfrm>
-          <a:custGeom>
-            <a:avLst/>
-            <a:gdLst/>
-            <a:ahLst/>
-            <a:cxnLst/>
-            <a:rect l="0" t="0" r="0" b="0"/>
-            <a:pathLst>
-              <a:path w="120000" h="120000" extrusionOk="0">
-                <a:moveTo>
-                  <a:pt x="0" y="0"/>
-                </a:moveTo>
-                <a:lnTo>
-                  <a:pt x="120000" y="0"/>
-                </a:lnTo>
-                <a:lnTo>
-                  <a:pt x="120000" y="120000"/>
-                </a:lnTo>
-                <a:lnTo>
-                  <a:pt x="0" y="120000"/>
-                </a:lnTo>
-                <a:close/>
-              </a:path>
-            </a:pathLst>
-          </a:custGeom>
-        </p:spPr>
-      </p:sp>
-    </p:spTree>
-    <p:extLst>
-      <p:ext uri="{BB962C8B-B14F-4D97-AF65-F5344CB8AC3E}">
-        <p14:creationId xmlns:p14="http://schemas.microsoft.com/office/powerpoint/2010/main" val="413198323"/>
       </p:ext>
     </p:extLst>
   </p:cSld>
@@ -6100,7 +6100,7 @@
   <p:cSld>
     <p:spTree>
       <p:nvGrpSpPr>
-        <p:cNvPr id="1" name="Shape 500"/>
+        <p:cNvPr id="1" name="Shape 525"/>
         <p:cNvGrpSpPr/>
         <p:nvPr/>
       </p:nvGrpSpPr>
@@ -6114,204 +6114,14 @@
       </p:grpSpPr>
       <p:sp>
         <p:nvSpPr>
-          <p:cNvPr id="501" name="Shape 501"/>
-          <p:cNvSpPr txBox="1">
-            <a:spLocks noGrp="1"/>
-          </p:cNvSpPr>
-          <p:nvPr>
-            <p:ph type="title"/>
-          </p:nvPr>
-        </p:nvSpPr>
-        <p:spPr>
-          <a:prstGeom prst="rect">
-            <a:avLst/>
-          </a:prstGeom>
-          <a:noFill/>
-          <a:ln>
-            <a:noFill/>
-          </a:ln>
-        </p:spPr>
-        <p:txBody>
-          <a:bodyPr lIns="38100" tIns="38100" rIns="38100" bIns="38100" anchor="ctr" anchorCtr="0">
-            <a:noAutofit/>
-          </a:bodyPr>
-          <a:lstStyle/>
-          <a:p>
-            <a:pPr marL="0" marR="0" lvl="0" indent="0" algn="ctr" rtl="0">
-              <a:lnSpc>
-                <a:spcPct val="100000"/>
-              </a:lnSpc>
-              <a:spcBef>
-                <a:spcPts val="0"/>
-              </a:spcBef>
-              <a:spcAft>
-                <a:spcPts val="0"/>
-              </a:spcAft>
-              <a:buClr>
-                <a:srgbClr val="FFFF00"/>
-              </a:buClr>
-              <a:buSzPct val="25000"/>
-              <a:buFont typeface="Cabin"/>
-              <a:buNone/>
-            </a:pPr>
-            <a:r>
-              <a:rPr lang="en-US" sz="7600" u="none" strike="noStrike" cap="none">
-                <a:solidFill>
-                  <a:srgbClr val="FFFF00"/>
-                </a:solidFill>
-                <a:latin typeface="Arial" charset="0"/>
-                <a:ea typeface="Arial" charset="0"/>
-                <a:cs typeface="Arial" charset="0"/>
-                <a:sym typeface="Cabin"/>
-              </a:rPr>
-              <a:t>Reserved Words</a:t>
-            </a:r>
-          </a:p>
-        </p:txBody>
-      </p:sp>
-      <p:sp>
-        <p:nvSpPr>
-          <p:cNvPr id="502" name="Shape 502"/>
-          <p:cNvSpPr txBox="1">
-            <a:spLocks noGrp="1"/>
-          </p:cNvSpPr>
-          <p:nvPr>
-            <p:ph type="body" idx="1"/>
-          </p:nvPr>
-        </p:nvSpPr>
-        <p:spPr>
-          <a:xfrm>
-            <a:off x="812800" y="2529191"/>
-            <a:ext cx="14630400" cy="1186775"/>
-          </a:xfrm>
-          <a:prstGeom prst="rect">
-            <a:avLst/>
-          </a:prstGeom>
-          <a:noFill/>
-          <a:ln>
-            <a:noFill/>
-          </a:ln>
-        </p:spPr>
-        <p:txBody>
-          <a:bodyPr lIns="38100" tIns="38100" rIns="38100" bIns="38100" anchor="t" anchorCtr="0">
-            <a:noAutofit/>
-          </a:bodyPr>
-          <a:lstStyle/>
-          <a:p>
-            <a:pPr marL="749300" marR="0" lvl="0" indent="-533400" algn="l" rtl="0">
-              <a:lnSpc>
-                <a:spcPct val="100000"/>
-              </a:lnSpc>
-              <a:spcBef>
-                <a:spcPts val="0"/>
-              </a:spcBef>
-              <a:spcAft>
-                <a:spcPts val="0"/>
-              </a:spcAft>
-              <a:buClr>
-                <a:schemeClr val="lt1"/>
-              </a:buClr>
-              <a:buSzPct val="171000"/>
-              <a:buFont typeface="Cabin"/>
-              <a:buChar char="•"/>
-            </a:pPr>
-            <a:r>
-              <a:rPr lang="en-US" sz="3600" u="none" strike="noStrike" cap="none">
-                <a:solidFill>
-                  <a:schemeClr val="lt1"/>
-                </a:solidFill>
-                <a:latin typeface="Arial" charset="0"/>
-                <a:ea typeface="Arial" charset="0"/>
-                <a:cs typeface="Arial" charset="0"/>
-                <a:sym typeface="Cabin"/>
-              </a:rPr>
-              <a:t>You</a:t>
-            </a:r>
-            <a:r>
-              <a:rPr lang="en-US" sz="3600" u="none" strike="noStrike" cap="none">
-                <a:solidFill>
-                  <a:srgbClr val="FFFF00"/>
-                </a:solidFill>
-                <a:latin typeface="Arial" charset="0"/>
-                <a:ea typeface="Arial" charset="0"/>
-                <a:cs typeface="Arial" charset="0"/>
-                <a:sym typeface="Cabin"/>
-              </a:rPr>
-              <a:t> </a:t>
-            </a:r>
-            <a:r>
-              <a:rPr lang="en-US" sz="3600" u="none" strike="noStrike" cap="none">
-                <a:solidFill>
-                  <a:schemeClr val="lt1"/>
-                </a:solidFill>
-                <a:latin typeface="Arial" charset="0"/>
-                <a:ea typeface="Arial" charset="0"/>
-                <a:cs typeface="Arial" charset="0"/>
-                <a:sym typeface="Cabin"/>
-              </a:rPr>
-              <a:t>cannot</a:t>
-            </a:r>
-            <a:r>
-              <a:rPr lang="en-US" sz="3600" u="none" strike="noStrike" cap="none">
-                <a:solidFill>
-                  <a:srgbClr val="FFFF00"/>
-                </a:solidFill>
-                <a:latin typeface="Arial" charset="0"/>
-                <a:ea typeface="Arial" charset="0"/>
-                <a:cs typeface="Arial" charset="0"/>
-                <a:sym typeface="Cabin"/>
-              </a:rPr>
-              <a:t> </a:t>
-            </a:r>
-            <a:r>
-              <a:rPr lang="en-US" sz="3600" u="none" strike="noStrike" cap="none">
-                <a:solidFill>
-                  <a:schemeClr val="lt1"/>
-                </a:solidFill>
-                <a:latin typeface="Arial" charset="0"/>
-                <a:ea typeface="Arial" charset="0"/>
-                <a:cs typeface="Arial" charset="0"/>
-                <a:sym typeface="Cabin"/>
-              </a:rPr>
-              <a:t>use </a:t>
-            </a:r>
-            <a:r>
-              <a:rPr lang="en-US" sz="3600" u="none" strike="noStrike" cap="none">
-                <a:solidFill>
-                  <a:srgbClr val="FFFF00"/>
-                </a:solidFill>
-                <a:latin typeface="Arial" charset="0"/>
-                <a:ea typeface="Arial" charset="0"/>
-                <a:cs typeface="Arial" charset="0"/>
-                <a:sym typeface="Cabin"/>
-              </a:rPr>
-              <a:t>reserved words</a:t>
-            </a:r>
-            <a:r>
-              <a:rPr lang="en-US" sz="3600" u="none" strike="noStrike" cap="none">
-                <a:solidFill>
-                  <a:schemeClr val="lt1"/>
-                </a:solidFill>
-                <a:latin typeface="Arial" charset="0"/>
-                <a:ea typeface="Arial" charset="0"/>
-                <a:cs typeface="Arial" charset="0"/>
-                <a:sym typeface="Cabin"/>
-              </a:rPr>
-              <a:t> as variable names / identifiers</a:t>
-            </a:r>
-          </a:p>
-        </p:txBody>
-      </p:sp>
-      <p:sp>
-        <p:nvSpPr>
-          <p:cNvPr id="503" name="Shape 503"/>
+          <p:cNvPr id="526" name="Shape 526"/>
           <p:cNvSpPr txBox="1"/>
           <p:nvPr/>
         </p:nvSpPr>
         <p:spPr>
           <a:xfrm>
-            <a:off x="3346315" y="3482501"/>
-            <a:ext cx="10369686" cy="4182269"/>
+            <a:off x="1208073" y="1676400"/>
+            <a:ext cx="8341499" cy="2336700"/>
           </a:xfrm>
           <a:prstGeom prst="rect">
             <a:avLst/>
@@ -6327,704 +6137,549 @@
           </a:bodyPr>
           <a:lstStyle/>
           <a:p>
-            <a:pPr lvl="0">
+            <a:pPr marL="0" marR="0" lvl="0" indent="0" algn="l" rtl="0">
+              <a:lnSpc>
+                <a:spcPct val="100000"/>
+              </a:lnSpc>
+              <a:spcBef>
+                <a:spcPts val="0"/>
+              </a:spcBef>
+              <a:spcAft>
+                <a:spcPts val="0"/>
+              </a:spcAft>
               <a:buClr>
                 <a:srgbClr val="FFFF00"/>
               </a:buClr>
               <a:buSzPct val="25000"/>
-            </a:pPr>
-            <a:r>
-              <a:rPr lang="de-DE" sz="3200" dirty="0" err="1" smtClean="0">
+              <a:buFont typeface="Cabin"/>
+              <a:buNone/>
+            </a:pPr>
+            <a:r>
+              <a:rPr lang="en-US" sz="3000" b="1" i="0" u="none" strike="noStrike" cap="none" dirty="0">
                 <a:solidFill>
                   <a:srgbClr val="FFFF00"/>
                 </a:solidFill>
-                <a:latin typeface="Courier" charset="0"/>
-                <a:ea typeface="Courier" charset="0"/>
-                <a:cs typeface="Courier" charset="0"/>
-                <a:sym typeface="Cabin"/>
-              </a:rPr>
-              <a:t>False</a:t>
-            </a:r>
-            <a:r>
-              <a:rPr lang="de-DE" sz="3200" dirty="0" smtClean="0">
-                <a:solidFill>
-                  <a:srgbClr val="FFFF00"/>
-                </a:solidFill>
-                <a:latin typeface="Courier" charset="0"/>
-                <a:ea typeface="Courier" charset="0"/>
-                <a:cs typeface="Courier" charset="0"/>
-                <a:sym typeface="Cabin"/>
-              </a:rPr>
-              <a:t> 	</a:t>
-            </a:r>
-            <a:r>
-              <a:rPr lang="de-DE" sz="3200" dirty="0" err="1" smtClean="0">
-                <a:solidFill>
-                  <a:srgbClr val="FFFF00"/>
-                </a:solidFill>
-                <a:latin typeface="Courier" charset="0"/>
-                <a:ea typeface="Courier" charset="0"/>
-                <a:cs typeface="Courier" charset="0"/>
-                <a:sym typeface="Cabin"/>
-              </a:rPr>
-              <a:t>class</a:t>
-            </a:r>
-            <a:r>
-              <a:rPr lang="de-DE" sz="3200" dirty="0" smtClean="0">
-                <a:solidFill>
-                  <a:srgbClr val="FFFF00"/>
-                </a:solidFill>
-                <a:latin typeface="Courier" charset="0"/>
-                <a:ea typeface="Courier" charset="0"/>
-                <a:cs typeface="Courier" charset="0"/>
-                <a:sym typeface="Cabin"/>
-              </a:rPr>
-              <a:t> 	</a:t>
-            </a:r>
-            <a:r>
-              <a:rPr lang="de-DE" sz="3200" dirty="0" err="1" smtClean="0">
-                <a:solidFill>
-                  <a:srgbClr val="FFFF00"/>
-                </a:solidFill>
-                <a:latin typeface="Courier" charset="0"/>
-                <a:ea typeface="Courier" charset="0"/>
-                <a:cs typeface="Courier" charset="0"/>
-                <a:sym typeface="Cabin"/>
-              </a:rPr>
-              <a:t>return</a:t>
-            </a:r>
-            <a:r>
-              <a:rPr lang="de-DE" sz="3200" dirty="0" smtClean="0">
-                <a:solidFill>
-                  <a:srgbClr val="FFFF00"/>
-                </a:solidFill>
-                <a:latin typeface="Courier" charset="0"/>
-                <a:ea typeface="Courier" charset="0"/>
-                <a:cs typeface="Courier" charset="0"/>
-                <a:sym typeface="Cabin"/>
-              </a:rPr>
-              <a:t>	</a:t>
-            </a:r>
-            <a:r>
-              <a:rPr lang="de-DE" sz="3200" dirty="0" err="1" smtClean="0">
-                <a:solidFill>
-                  <a:srgbClr val="FFFF00"/>
-                </a:solidFill>
-                <a:latin typeface="Courier" charset="0"/>
-                <a:ea typeface="Courier" charset="0"/>
-                <a:cs typeface="Courier" charset="0"/>
-                <a:sym typeface="Cabin"/>
-              </a:rPr>
-              <a:t>is</a:t>
-            </a:r>
-            <a:r>
-              <a:rPr lang="de-DE" sz="3200" dirty="0" smtClean="0">
-                <a:solidFill>
-                  <a:srgbClr val="FFFF00"/>
-                </a:solidFill>
-                <a:latin typeface="Courier" charset="0"/>
-                <a:ea typeface="Courier" charset="0"/>
-                <a:cs typeface="Courier" charset="0"/>
-                <a:sym typeface="Cabin"/>
-              </a:rPr>
-              <a:t> 		</a:t>
-            </a:r>
-            <a:r>
-              <a:rPr lang="de-DE" sz="3200" dirty="0" err="1" smtClean="0">
-                <a:solidFill>
-                  <a:srgbClr val="FFFF00"/>
-                </a:solidFill>
-                <a:latin typeface="Courier" charset="0"/>
-                <a:ea typeface="Courier" charset="0"/>
-                <a:cs typeface="Courier" charset="0"/>
-                <a:sym typeface="Cabin"/>
-              </a:rPr>
-              <a:t>finally</a:t>
-            </a:r>
-            <a:r>
-              <a:rPr lang="de-DE" sz="3200" dirty="0" smtClean="0">
-                <a:solidFill>
-                  <a:srgbClr val="FFFF00"/>
-                </a:solidFill>
-                <a:latin typeface="Courier" charset="0"/>
-                <a:ea typeface="Courier" charset="0"/>
-                <a:cs typeface="Courier" charset="0"/>
-                <a:sym typeface="Cabin"/>
-              </a:rPr>
-              <a:t> </a:t>
-            </a:r>
-          </a:p>
-          <a:p>
-            <a:pPr lvl="0">
+                <a:latin typeface="Courier New"/>
+                <a:ea typeface="Courier New"/>
+                <a:cs typeface="Courier New"/>
+                <a:sym typeface="Courier New"/>
+              </a:rPr>
+              <a:t>x1q3z9ocd = 35.0 </a:t>
+            </a:r>
+          </a:p>
+          <a:p>
+            <a:pPr marL="0" marR="0" lvl="0" indent="0" algn="l" rtl="0">
+              <a:lnSpc>
+                <a:spcPct val="100000"/>
+              </a:lnSpc>
+              <a:spcBef>
+                <a:spcPts val="0"/>
+              </a:spcBef>
+              <a:spcAft>
+                <a:spcPts val="0"/>
+              </a:spcAft>
               <a:buClr>
                 <a:srgbClr val="FFFF00"/>
               </a:buClr>
               <a:buSzPct val="25000"/>
-            </a:pPr>
-            <a:r>
-              <a:rPr lang="de-DE" sz="3200" dirty="0" smtClean="0">
+              <a:buFont typeface="Cabin"/>
+              <a:buNone/>
+            </a:pPr>
+            <a:r>
+              <a:rPr lang="en-US" sz="3000" b="1" i="0" u="none" strike="noStrike" cap="none" dirty="0">
                 <a:solidFill>
                   <a:srgbClr val="FFFF00"/>
                 </a:solidFill>
-                <a:latin typeface="Courier" charset="0"/>
-                <a:ea typeface="Courier" charset="0"/>
-                <a:cs typeface="Courier" charset="0"/>
-                <a:sym typeface="Cabin"/>
-              </a:rPr>
-              <a:t>None 	</a:t>
-            </a:r>
-            <a:r>
-              <a:rPr lang="de-DE" sz="3200" dirty="0" err="1" smtClean="0">
-                <a:solidFill>
-                  <a:srgbClr val="FFFF00"/>
-                </a:solidFill>
-                <a:latin typeface="Courier" charset="0"/>
-                <a:ea typeface="Courier" charset="0"/>
-                <a:cs typeface="Courier" charset="0"/>
-                <a:sym typeface="Cabin"/>
-              </a:rPr>
-              <a:t>if</a:t>
-            </a:r>
-            <a:r>
-              <a:rPr lang="de-DE" sz="3200" dirty="0" smtClean="0">
-                <a:solidFill>
-                  <a:srgbClr val="FFFF00"/>
-                </a:solidFill>
-                <a:latin typeface="Courier" charset="0"/>
-                <a:ea typeface="Courier" charset="0"/>
-                <a:cs typeface="Courier" charset="0"/>
-                <a:sym typeface="Cabin"/>
-              </a:rPr>
-              <a:t>		</a:t>
-            </a:r>
-            <a:r>
-              <a:rPr lang="de-DE" sz="3200" dirty="0" err="1" smtClean="0">
-                <a:solidFill>
-                  <a:srgbClr val="FFFF00"/>
-                </a:solidFill>
-                <a:latin typeface="Courier" charset="0"/>
-                <a:ea typeface="Courier" charset="0"/>
-                <a:cs typeface="Courier" charset="0"/>
-                <a:sym typeface="Cabin"/>
-              </a:rPr>
-              <a:t>for</a:t>
-            </a:r>
-            <a:r>
-              <a:rPr lang="de-DE" sz="3200" dirty="0" smtClean="0">
-                <a:solidFill>
-                  <a:srgbClr val="FFFF00"/>
-                </a:solidFill>
-                <a:latin typeface="Courier" charset="0"/>
-                <a:ea typeface="Courier" charset="0"/>
-                <a:cs typeface="Courier" charset="0"/>
-                <a:sym typeface="Cabin"/>
-              </a:rPr>
-              <a:t> 	</a:t>
-            </a:r>
-            <a:r>
-              <a:rPr lang="de-DE" sz="3200" dirty="0" err="1" smtClean="0">
-                <a:solidFill>
-                  <a:srgbClr val="FFFF00"/>
-                </a:solidFill>
-                <a:latin typeface="Courier" charset="0"/>
-                <a:ea typeface="Courier" charset="0"/>
-                <a:cs typeface="Courier" charset="0"/>
-                <a:sym typeface="Cabin"/>
-              </a:rPr>
-              <a:t>lambda</a:t>
-            </a:r>
-            <a:r>
-              <a:rPr lang="de-DE" sz="3200" dirty="0" smtClean="0">
-                <a:solidFill>
-                  <a:srgbClr val="FFFF00"/>
-                </a:solidFill>
-                <a:latin typeface="Courier" charset="0"/>
-                <a:ea typeface="Courier" charset="0"/>
-                <a:cs typeface="Courier" charset="0"/>
-                <a:sym typeface="Cabin"/>
-              </a:rPr>
-              <a:t> 	</a:t>
-            </a:r>
-            <a:r>
-              <a:rPr lang="de-DE" sz="3200" dirty="0" err="1" smtClean="0">
-                <a:solidFill>
-                  <a:srgbClr val="FFFF00"/>
-                </a:solidFill>
-                <a:latin typeface="Courier" charset="0"/>
-                <a:ea typeface="Courier" charset="0"/>
-                <a:cs typeface="Courier" charset="0"/>
-                <a:sym typeface="Cabin"/>
-              </a:rPr>
-              <a:t>continue</a:t>
-            </a:r>
-            <a:r>
-              <a:rPr lang="de-DE" sz="3200" dirty="0" smtClean="0">
-                <a:solidFill>
-                  <a:srgbClr val="FFFF00"/>
-                </a:solidFill>
-                <a:latin typeface="Courier" charset="0"/>
-                <a:ea typeface="Courier" charset="0"/>
-                <a:cs typeface="Courier" charset="0"/>
-                <a:sym typeface="Cabin"/>
-              </a:rPr>
-              <a:t> </a:t>
-            </a:r>
-          </a:p>
-          <a:p>
-            <a:pPr lvl="0">
+                <a:latin typeface="Courier New"/>
+                <a:ea typeface="Courier New"/>
+                <a:cs typeface="Courier New"/>
+                <a:sym typeface="Courier New"/>
+              </a:rPr>
+              <a:t>x1q3z9afd = 12.50</a:t>
+            </a:r>
+          </a:p>
+          <a:p>
+            <a:pPr marL="0" marR="0" lvl="0" indent="0" algn="l" rtl="0">
+              <a:lnSpc>
+                <a:spcPct val="100000"/>
+              </a:lnSpc>
+              <a:spcBef>
+                <a:spcPts val="0"/>
+              </a:spcBef>
+              <a:spcAft>
+                <a:spcPts val="0"/>
+              </a:spcAft>
               <a:buClr>
                 <a:srgbClr val="FFFF00"/>
               </a:buClr>
               <a:buSzPct val="25000"/>
-            </a:pPr>
-            <a:r>
-              <a:rPr lang="de-DE" sz="3200" dirty="0" smtClean="0">
+              <a:buFont typeface="Cabin"/>
+              <a:buNone/>
+            </a:pPr>
+            <a:r>
+              <a:rPr lang="en-US" sz="3000" b="1" i="0" u="none" strike="noStrike" cap="none" dirty="0">
                 <a:solidFill>
                   <a:srgbClr val="FFFF00"/>
                 </a:solidFill>
-                <a:latin typeface="Courier" charset="0"/>
-                <a:ea typeface="Courier" charset="0"/>
-                <a:cs typeface="Courier" charset="0"/>
-                <a:sym typeface="Cabin"/>
-              </a:rPr>
-              <a:t>True 	</a:t>
-            </a:r>
-            <a:r>
-              <a:rPr lang="de-DE" sz="3200" dirty="0" err="1" smtClean="0">
-                <a:solidFill>
-                  <a:srgbClr val="FFFF00"/>
-                </a:solidFill>
-                <a:latin typeface="Courier" charset="0"/>
-                <a:ea typeface="Courier" charset="0"/>
-                <a:cs typeface="Courier" charset="0"/>
-                <a:sym typeface="Cabin"/>
-              </a:rPr>
-              <a:t>def</a:t>
-            </a:r>
-            <a:r>
-              <a:rPr lang="de-DE" sz="3200" dirty="0" smtClean="0">
-                <a:solidFill>
-                  <a:srgbClr val="FFFF00"/>
-                </a:solidFill>
-                <a:latin typeface="Courier" charset="0"/>
-                <a:ea typeface="Courier" charset="0"/>
-                <a:cs typeface="Courier" charset="0"/>
-                <a:sym typeface="Cabin"/>
-              </a:rPr>
-              <a:t> 	</a:t>
-            </a:r>
-            <a:r>
-              <a:rPr lang="de-DE" sz="3200" dirty="0" err="1" smtClean="0">
-                <a:solidFill>
-                  <a:srgbClr val="FFFF00"/>
-                </a:solidFill>
-                <a:latin typeface="Courier" charset="0"/>
-                <a:ea typeface="Courier" charset="0"/>
-                <a:cs typeface="Courier" charset="0"/>
-                <a:sym typeface="Cabin"/>
-              </a:rPr>
-              <a:t>from</a:t>
-            </a:r>
-            <a:r>
-              <a:rPr lang="de-DE" sz="3200" dirty="0" smtClean="0">
-                <a:solidFill>
-                  <a:srgbClr val="FFFF00"/>
-                </a:solidFill>
-                <a:latin typeface="Courier" charset="0"/>
-                <a:ea typeface="Courier" charset="0"/>
-                <a:cs typeface="Courier" charset="0"/>
-                <a:sym typeface="Cabin"/>
-              </a:rPr>
-              <a:t> 	</a:t>
-            </a:r>
-            <a:r>
-              <a:rPr lang="de-DE" sz="3200" dirty="0" err="1" smtClean="0">
-                <a:solidFill>
-                  <a:srgbClr val="FFFF00"/>
-                </a:solidFill>
-                <a:latin typeface="Courier" charset="0"/>
-                <a:ea typeface="Courier" charset="0"/>
-                <a:cs typeface="Courier" charset="0"/>
-                <a:sym typeface="Cabin"/>
-              </a:rPr>
-              <a:t>while</a:t>
-            </a:r>
-            <a:r>
-              <a:rPr lang="de-DE" sz="3200" dirty="0" smtClean="0">
-                <a:solidFill>
-                  <a:srgbClr val="FFFF00"/>
-                </a:solidFill>
-                <a:latin typeface="Courier" charset="0"/>
-                <a:ea typeface="Courier" charset="0"/>
-                <a:cs typeface="Courier" charset="0"/>
-                <a:sym typeface="Cabin"/>
-              </a:rPr>
-              <a:t>	</a:t>
-            </a:r>
-            <a:r>
-              <a:rPr lang="de-DE" sz="3200" dirty="0" err="1" smtClean="0">
-                <a:solidFill>
-                  <a:srgbClr val="FFFF00"/>
-                </a:solidFill>
-                <a:latin typeface="Courier" charset="0"/>
-                <a:ea typeface="Courier" charset="0"/>
-                <a:cs typeface="Courier" charset="0"/>
-                <a:sym typeface="Cabin"/>
-              </a:rPr>
-              <a:t>nonlocal</a:t>
-            </a:r>
-            <a:endParaRPr lang="de-DE" sz="3200" dirty="0" smtClean="0">
-              <a:solidFill>
-                <a:srgbClr val="FFFF00"/>
-              </a:solidFill>
-              <a:latin typeface="Courier" charset="0"/>
-              <a:ea typeface="Courier" charset="0"/>
-              <a:cs typeface="Courier" charset="0"/>
-              <a:sym typeface="Cabin"/>
-            </a:endParaRPr>
-          </a:p>
-          <a:p>
-            <a:pPr lvl="0">
+                <a:latin typeface="Courier New"/>
+                <a:ea typeface="Courier New"/>
+                <a:cs typeface="Courier New"/>
+                <a:sym typeface="Courier New"/>
+              </a:rPr>
+              <a:t>x1q3p9afd = x1q3z9ocd * x1q3z9afd</a:t>
+            </a:r>
+          </a:p>
+          <a:p>
+            <a:pPr marL="0" marR="0" lvl="0" indent="0" algn="l" rtl="0">
+              <a:lnSpc>
+                <a:spcPct val="100000"/>
+              </a:lnSpc>
+              <a:spcBef>
+                <a:spcPts val="0"/>
+              </a:spcBef>
+              <a:spcAft>
+                <a:spcPts val="0"/>
+              </a:spcAft>
               <a:buClr>
                 <a:srgbClr val="FFFF00"/>
               </a:buClr>
               <a:buSzPct val="25000"/>
-            </a:pPr>
-            <a:r>
-              <a:rPr lang="de-DE" sz="3200" dirty="0" err="1" smtClean="0">
+              <a:buFont typeface="Cabin"/>
+              <a:buNone/>
+            </a:pPr>
+            <a:r>
+              <a:rPr lang="en-US" sz="3000" b="1" i="0" u="none" strike="noStrike" cap="none" dirty="0" smtClean="0">
                 <a:solidFill>
                   <a:srgbClr val="FFFF00"/>
                 </a:solidFill>
-                <a:latin typeface="Courier" charset="0"/>
-                <a:ea typeface="Courier" charset="0"/>
-                <a:cs typeface="Courier" charset="0"/>
-                <a:sym typeface="Cabin"/>
-              </a:rPr>
-              <a:t>and</a:t>
-            </a:r>
-            <a:r>
-              <a:rPr lang="de-DE" sz="3200" dirty="0" smtClean="0">
-                <a:solidFill>
-                  <a:srgbClr val="FFFF00"/>
-                </a:solidFill>
-                <a:latin typeface="Courier" charset="0"/>
-                <a:ea typeface="Courier" charset="0"/>
-                <a:cs typeface="Courier" charset="0"/>
-                <a:sym typeface="Cabin"/>
-              </a:rPr>
-              <a:t> 	del 	global 	not 	</a:t>
-            </a:r>
-            <a:r>
-              <a:rPr lang="de-DE" sz="3200" dirty="0" err="1" smtClean="0">
-                <a:solidFill>
-                  <a:srgbClr val="FFFF00"/>
-                </a:solidFill>
-                <a:latin typeface="Courier" charset="0"/>
-                <a:ea typeface="Courier" charset="0"/>
-                <a:cs typeface="Courier" charset="0"/>
-                <a:sym typeface="Cabin"/>
-              </a:rPr>
-              <a:t>with</a:t>
-            </a:r>
-            <a:endParaRPr lang="de-DE" sz="3200" dirty="0" smtClean="0">
+                <a:latin typeface="Courier New"/>
+                <a:ea typeface="Courier New"/>
+                <a:cs typeface="Courier New"/>
+                <a:sym typeface="Courier New"/>
+              </a:rPr>
+              <a:t>print(x1q3p9afd)</a:t>
+            </a:r>
+            <a:endParaRPr lang="en-US" sz="3000" b="1" i="0" u="none" strike="noStrike" cap="none" dirty="0">
               <a:solidFill>
                 <a:srgbClr val="FFFF00"/>
               </a:solidFill>
-              <a:latin typeface="Courier" charset="0"/>
-              <a:ea typeface="Courier" charset="0"/>
-              <a:cs typeface="Courier" charset="0"/>
-              <a:sym typeface="Cabin"/>
+              <a:latin typeface="Courier New"/>
+              <a:ea typeface="Courier New"/>
+              <a:cs typeface="Courier New"/>
+              <a:sym typeface="Courier New"/>
             </a:endParaRPr>
           </a:p>
-          <a:p>
-            <a:pPr lvl="0">
+        </p:txBody>
+      </p:sp>
+      <p:sp>
+        <p:nvSpPr>
+          <p:cNvPr id="527" name="Shape 527"/>
+          <p:cNvSpPr txBox="1"/>
+          <p:nvPr/>
+        </p:nvSpPr>
+        <p:spPr>
+          <a:xfrm>
+            <a:off x="7137400" y="5499100"/>
+            <a:ext cx="5208599" cy="2336700"/>
+          </a:xfrm>
+          <a:prstGeom prst="rect">
+            <a:avLst/>
+          </a:prstGeom>
+          <a:noFill/>
+          <a:ln>
+            <a:noFill/>
+          </a:ln>
+        </p:spPr>
+        <p:txBody>
+          <a:bodyPr lIns="0" tIns="0" rIns="0" bIns="0" anchor="ctr" anchorCtr="0">
+            <a:noAutofit/>
+          </a:bodyPr>
+          <a:lstStyle/>
+          <a:p>
+            <a:pPr marL="0" marR="0" lvl="0" indent="0" algn="l" rtl="0">
+              <a:lnSpc>
+                <a:spcPct val="100000"/>
+              </a:lnSpc>
+              <a:spcBef>
+                <a:spcPts val="0"/>
+              </a:spcBef>
+              <a:spcAft>
+                <a:spcPts val="0"/>
+              </a:spcAft>
               <a:buClr>
-                <a:srgbClr val="FFFF00"/>
+                <a:srgbClr val="00FF00"/>
               </a:buClr>
               <a:buSzPct val="25000"/>
-            </a:pPr>
-            <a:r>
-              <a:rPr lang="de-DE" sz="3200" dirty="0" err="1" smtClean="0">
-                <a:solidFill>
-                  <a:srgbClr val="FFFF00"/>
-                </a:solidFill>
-                <a:latin typeface="Courier" charset="0"/>
-                <a:ea typeface="Courier" charset="0"/>
-                <a:cs typeface="Courier" charset="0"/>
-                <a:sym typeface="Cabin"/>
-              </a:rPr>
-              <a:t>as</a:t>
-            </a:r>
-            <a:r>
-              <a:rPr lang="de-DE" sz="3200" dirty="0" smtClean="0">
-                <a:solidFill>
-                  <a:srgbClr val="FFFF00"/>
-                </a:solidFill>
-                <a:latin typeface="Courier" charset="0"/>
-                <a:ea typeface="Courier" charset="0"/>
-                <a:cs typeface="Courier" charset="0"/>
-                <a:sym typeface="Cabin"/>
-              </a:rPr>
-              <a:t>  	</a:t>
-            </a:r>
-            <a:r>
-              <a:rPr lang="de-DE" sz="3200" dirty="0" err="1" smtClean="0">
-                <a:solidFill>
-                  <a:srgbClr val="FFFF00"/>
-                </a:solidFill>
-                <a:latin typeface="Courier" charset="0"/>
-                <a:ea typeface="Courier" charset="0"/>
-                <a:cs typeface="Courier" charset="0"/>
-                <a:sym typeface="Cabin"/>
-              </a:rPr>
-              <a:t>elif</a:t>
-            </a:r>
-            <a:r>
-              <a:rPr lang="de-DE" sz="3200" dirty="0" smtClean="0">
-                <a:solidFill>
-                  <a:srgbClr val="FFFF00"/>
-                </a:solidFill>
-                <a:latin typeface="Courier" charset="0"/>
-                <a:ea typeface="Courier" charset="0"/>
-                <a:cs typeface="Courier" charset="0"/>
-                <a:sym typeface="Cabin"/>
-              </a:rPr>
-              <a:t> 	</a:t>
-            </a:r>
-            <a:r>
-              <a:rPr lang="de-DE" sz="3200" dirty="0" err="1" smtClean="0">
-                <a:solidFill>
-                  <a:srgbClr val="FFFF00"/>
-                </a:solidFill>
-                <a:latin typeface="Courier" charset="0"/>
-                <a:ea typeface="Courier" charset="0"/>
-                <a:cs typeface="Courier" charset="0"/>
-                <a:sym typeface="Cabin"/>
-              </a:rPr>
-              <a:t>try</a:t>
-            </a:r>
-            <a:r>
-              <a:rPr lang="de-DE" sz="3200" dirty="0" smtClean="0">
-                <a:solidFill>
-                  <a:srgbClr val="FFFF00"/>
-                </a:solidFill>
-                <a:latin typeface="Courier" charset="0"/>
-                <a:ea typeface="Courier" charset="0"/>
-                <a:cs typeface="Courier" charset="0"/>
-                <a:sym typeface="Cabin"/>
-              </a:rPr>
-              <a:t>		</a:t>
-            </a:r>
-            <a:r>
-              <a:rPr lang="de-DE" sz="3200" dirty="0" err="1" smtClean="0">
-                <a:solidFill>
-                  <a:srgbClr val="FFFF00"/>
-                </a:solidFill>
-                <a:latin typeface="Courier" charset="0"/>
-                <a:ea typeface="Courier" charset="0"/>
-                <a:cs typeface="Courier" charset="0"/>
-                <a:sym typeface="Cabin"/>
-              </a:rPr>
-              <a:t>or</a:t>
-            </a:r>
-            <a:r>
-              <a:rPr lang="de-DE" sz="3200" dirty="0" smtClean="0">
-                <a:solidFill>
-                  <a:srgbClr val="FFFF00"/>
-                </a:solidFill>
-                <a:latin typeface="Courier" charset="0"/>
-                <a:ea typeface="Courier" charset="0"/>
-                <a:cs typeface="Courier" charset="0"/>
-                <a:sym typeface="Cabin"/>
-              </a:rPr>
-              <a:t> 		</a:t>
-            </a:r>
-            <a:r>
-              <a:rPr lang="de-DE" sz="3200" dirty="0" err="1" smtClean="0">
-                <a:solidFill>
-                  <a:srgbClr val="FFFF00"/>
-                </a:solidFill>
-                <a:latin typeface="Courier" charset="0"/>
-                <a:ea typeface="Courier" charset="0"/>
-                <a:cs typeface="Courier" charset="0"/>
-                <a:sym typeface="Cabin"/>
-              </a:rPr>
-              <a:t>yield</a:t>
-            </a:r>
-            <a:endParaRPr lang="de-DE" sz="3200" dirty="0" smtClean="0">
-              <a:solidFill>
-                <a:srgbClr val="FFFF00"/>
-              </a:solidFill>
-              <a:latin typeface="Courier" charset="0"/>
-              <a:ea typeface="Courier" charset="0"/>
-              <a:cs typeface="Courier" charset="0"/>
-              <a:sym typeface="Cabin"/>
-            </a:endParaRPr>
-          </a:p>
-          <a:p>
-            <a:pPr lvl="0">
+              <a:buFont typeface="Cabin"/>
+              <a:buNone/>
+            </a:pPr>
+            <a:r>
+              <a:rPr lang="en-US" sz="3000" b="1" i="0" u="none" strike="noStrike" cap="none" dirty="0">
+                <a:solidFill>
+                  <a:srgbClr val="00FF00"/>
+                </a:solidFill>
+                <a:latin typeface="Courier New"/>
+                <a:ea typeface="Courier New"/>
+                <a:cs typeface="Courier New"/>
+                <a:sym typeface="Courier New"/>
+              </a:rPr>
+              <a:t>hours = 35.0 </a:t>
+            </a:r>
+          </a:p>
+          <a:p>
+            <a:pPr marL="0" marR="0" lvl="0" indent="0" algn="l" rtl="0">
+              <a:lnSpc>
+                <a:spcPct val="100000"/>
+              </a:lnSpc>
+              <a:spcBef>
+                <a:spcPts val="0"/>
+              </a:spcBef>
+              <a:spcAft>
+                <a:spcPts val="0"/>
+              </a:spcAft>
               <a:buClr>
-                <a:srgbClr val="FFFF00"/>
+                <a:srgbClr val="00FF00"/>
               </a:buClr>
               <a:buSzPct val="25000"/>
-            </a:pPr>
-            <a:r>
-              <a:rPr lang="de-DE" sz="3200" dirty="0" err="1" smtClean="0">
-                <a:solidFill>
-                  <a:srgbClr val="FFFF00"/>
-                </a:solidFill>
-                <a:latin typeface="Courier" charset="0"/>
-                <a:ea typeface="Courier" charset="0"/>
-                <a:cs typeface="Courier" charset="0"/>
-                <a:sym typeface="Cabin"/>
-              </a:rPr>
-              <a:t>assert</a:t>
-            </a:r>
-            <a:r>
-              <a:rPr lang="de-DE" sz="3200" dirty="0" smtClean="0">
-                <a:solidFill>
-                  <a:srgbClr val="FFFF00"/>
-                </a:solidFill>
-                <a:latin typeface="Courier" charset="0"/>
-                <a:ea typeface="Courier" charset="0"/>
-                <a:cs typeface="Courier" charset="0"/>
-                <a:sym typeface="Cabin"/>
-              </a:rPr>
-              <a:t> 	</a:t>
-            </a:r>
-            <a:r>
-              <a:rPr lang="de-DE" sz="3200" dirty="0" err="1" smtClean="0">
-                <a:solidFill>
-                  <a:srgbClr val="FFFF00"/>
-                </a:solidFill>
-                <a:latin typeface="Courier" charset="0"/>
-                <a:ea typeface="Courier" charset="0"/>
-                <a:cs typeface="Courier" charset="0"/>
-                <a:sym typeface="Cabin"/>
-              </a:rPr>
-              <a:t>else</a:t>
-            </a:r>
-            <a:r>
-              <a:rPr lang="de-DE" sz="3200" dirty="0" smtClean="0">
-                <a:solidFill>
-                  <a:srgbClr val="FFFF00"/>
-                </a:solidFill>
-                <a:latin typeface="Courier" charset="0"/>
-                <a:ea typeface="Courier" charset="0"/>
-                <a:cs typeface="Courier" charset="0"/>
-                <a:sym typeface="Cabin"/>
-              </a:rPr>
-              <a:t> 	</a:t>
-            </a:r>
-            <a:r>
-              <a:rPr lang="de-DE" sz="3200" dirty="0" err="1" smtClean="0">
-                <a:solidFill>
-                  <a:srgbClr val="FFFF00"/>
-                </a:solidFill>
-                <a:latin typeface="Courier" charset="0"/>
-                <a:ea typeface="Courier" charset="0"/>
-                <a:cs typeface="Courier" charset="0"/>
-                <a:sym typeface="Cabin"/>
-              </a:rPr>
-              <a:t>import</a:t>
-            </a:r>
-            <a:r>
-              <a:rPr lang="de-DE" sz="3200" dirty="0" smtClean="0">
-                <a:solidFill>
-                  <a:srgbClr val="FFFF00"/>
-                </a:solidFill>
-                <a:latin typeface="Courier" charset="0"/>
-                <a:ea typeface="Courier" charset="0"/>
-                <a:cs typeface="Courier" charset="0"/>
-                <a:sym typeface="Cabin"/>
-              </a:rPr>
-              <a:t> 	pass</a:t>
-            </a:r>
-          </a:p>
-          <a:p>
-            <a:pPr lvl="0">
+              <a:buFont typeface="Cabin"/>
+              <a:buNone/>
+            </a:pPr>
+            <a:r>
+              <a:rPr lang="en-US" sz="3000" b="1" i="0" u="none" strike="noStrike" cap="none" dirty="0">
+                <a:solidFill>
+                  <a:srgbClr val="00FF00"/>
+                </a:solidFill>
+                <a:latin typeface="Courier New"/>
+                <a:ea typeface="Courier New"/>
+                <a:cs typeface="Courier New"/>
+                <a:sym typeface="Courier New"/>
+              </a:rPr>
+              <a:t>rate = 12.50 </a:t>
+            </a:r>
+          </a:p>
+          <a:p>
+            <a:pPr marL="0" marR="0" lvl="0" indent="0" algn="l" rtl="0">
+              <a:lnSpc>
+                <a:spcPct val="100000"/>
+              </a:lnSpc>
+              <a:spcBef>
+                <a:spcPts val="0"/>
+              </a:spcBef>
+              <a:spcAft>
+                <a:spcPts val="0"/>
+              </a:spcAft>
               <a:buClr>
-                <a:srgbClr val="FFFF00"/>
+                <a:srgbClr val="00FF00"/>
               </a:buClr>
               <a:buSzPct val="25000"/>
-            </a:pPr>
-            <a:r>
-              <a:rPr lang="de-DE" sz="3200" dirty="0" smtClean="0">
-                <a:solidFill>
-                  <a:srgbClr val="FFFF00"/>
-                </a:solidFill>
-                <a:latin typeface="Courier" charset="0"/>
-                <a:ea typeface="Courier" charset="0"/>
-                <a:cs typeface="Courier" charset="0"/>
-                <a:sym typeface="Cabin"/>
-              </a:rPr>
-              <a:t>break 	</a:t>
-            </a:r>
-            <a:r>
-              <a:rPr lang="de-DE" sz="3200" dirty="0" err="1" smtClean="0">
-                <a:solidFill>
-                  <a:srgbClr val="FFFF00"/>
-                </a:solidFill>
-                <a:latin typeface="Courier" charset="0"/>
-                <a:ea typeface="Courier" charset="0"/>
-                <a:cs typeface="Courier" charset="0"/>
-                <a:sym typeface="Cabin"/>
-              </a:rPr>
-              <a:t>except</a:t>
-            </a:r>
-            <a:r>
-              <a:rPr lang="de-DE" sz="3200" dirty="0" smtClean="0">
-                <a:solidFill>
-                  <a:srgbClr val="FFFF00"/>
-                </a:solidFill>
-                <a:latin typeface="Courier" charset="0"/>
-                <a:ea typeface="Courier" charset="0"/>
-                <a:cs typeface="Courier" charset="0"/>
-                <a:sym typeface="Cabin"/>
-              </a:rPr>
-              <a:t> 	in 		</a:t>
-            </a:r>
-            <a:r>
-              <a:rPr lang="de-DE" sz="3200" dirty="0" err="1" smtClean="0">
-                <a:solidFill>
-                  <a:srgbClr val="FFFF00"/>
-                </a:solidFill>
-                <a:latin typeface="Courier" charset="0"/>
-                <a:ea typeface="Courier" charset="0"/>
-                <a:cs typeface="Courier" charset="0"/>
-                <a:sym typeface="Cabin"/>
-              </a:rPr>
-              <a:t>raise</a:t>
-            </a:r>
-            <a:endParaRPr lang="en-US" sz="3200" u="none" strike="noStrike" cap="none" dirty="0">
+              <a:buFont typeface="Cabin"/>
+              <a:buNone/>
+            </a:pPr>
+            <a:r>
+              <a:rPr lang="en-US" sz="3000" b="1" i="0" u="none" strike="noStrike" cap="none" dirty="0">
+                <a:solidFill>
+                  <a:srgbClr val="00FF00"/>
+                </a:solidFill>
+                <a:latin typeface="Courier New"/>
+                <a:ea typeface="Courier New"/>
+                <a:cs typeface="Courier New"/>
+                <a:sym typeface="Courier New"/>
+              </a:rPr>
+              <a:t>pay = hours * rate </a:t>
+            </a:r>
+          </a:p>
+          <a:p>
+            <a:pPr marL="0" marR="0" lvl="0" indent="0" algn="l" rtl="0">
+              <a:lnSpc>
+                <a:spcPct val="100000"/>
+              </a:lnSpc>
+              <a:spcBef>
+                <a:spcPts val="0"/>
+              </a:spcBef>
+              <a:spcAft>
+                <a:spcPts val="0"/>
+              </a:spcAft>
+              <a:buClr>
+                <a:srgbClr val="00FF00"/>
+              </a:buClr>
+              <a:buSzPct val="25000"/>
+              <a:buFont typeface="Cabin"/>
+              <a:buNone/>
+            </a:pPr>
+            <a:r>
+              <a:rPr lang="en-US" sz="3000" b="1" i="0" u="none" strike="noStrike" cap="none" dirty="0" smtClean="0">
+                <a:solidFill>
+                  <a:srgbClr val="00FF00"/>
+                </a:solidFill>
+                <a:latin typeface="Courier New"/>
+                <a:ea typeface="Courier New"/>
+                <a:cs typeface="Courier New"/>
+                <a:sym typeface="Courier New"/>
+              </a:rPr>
+              <a:t>print(pay)</a:t>
+            </a:r>
+            <a:endParaRPr lang="en-US" sz="3000" b="1" i="0" u="none" strike="noStrike" cap="none" dirty="0">
               <a:solidFill>
-                <a:srgbClr val="FFFF00"/>
+                <a:srgbClr val="00FF00"/>
               </a:solidFill>
-              <a:latin typeface="Courier" charset="0"/>
-              <a:ea typeface="Courier" charset="0"/>
-              <a:cs typeface="Courier" charset="0"/>
-              <a:sym typeface="Cabin"/>
+              <a:latin typeface="Courier New"/>
+              <a:ea typeface="Courier New"/>
+              <a:cs typeface="Courier New"/>
+              <a:sym typeface="Courier New"/>
             </a:endParaRPr>
+          </a:p>
+        </p:txBody>
+      </p:sp>
+      <p:sp>
+        <p:nvSpPr>
+          <p:cNvPr id="528" name="Shape 528"/>
+          <p:cNvSpPr txBox="1"/>
+          <p:nvPr/>
+        </p:nvSpPr>
+        <p:spPr>
+          <a:xfrm>
+            <a:off x="11531600" y="1676400"/>
+            <a:ext cx="2109786" cy="2336800"/>
+          </a:xfrm>
+          <a:prstGeom prst="rect">
+            <a:avLst/>
+          </a:prstGeom>
+          <a:noFill/>
+          <a:ln>
+            <a:noFill/>
+          </a:ln>
+        </p:spPr>
+        <p:txBody>
+          <a:bodyPr lIns="0" tIns="0" rIns="0" bIns="0" anchor="ctr" anchorCtr="0">
+            <a:noAutofit/>
+          </a:bodyPr>
+          <a:lstStyle/>
+          <a:p>
+            <a:pPr marL="0" marR="0" lvl="0" indent="0" algn="l" rtl="0">
+              <a:lnSpc>
+                <a:spcPct val="100000"/>
+              </a:lnSpc>
+              <a:spcBef>
+                <a:spcPts val="0"/>
+              </a:spcBef>
+              <a:spcAft>
+                <a:spcPts val="0"/>
+              </a:spcAft>
+              <a:buClr>
+                <a:srgbClr val="FF00FF"/>
+              </a:buClr>
+              <a:buSzPct val="25000"/>
+              <a:buFont typeface="Cabin"/>
+              <a:buNone/>
+            </a:pPr>
+            <a:r>
+              <a:rPr lang="en-US" sz="3000" b="1" i="0" u="none" strike="noStrike" cap="none" dirty="0">
+                <a:solidFill>
+                  <a:srgbClr val="00FFFF"/>
+                </a:solidFill>
+                <a:latin typeface="Courier New"/>
+                <a:ea typeface="Courier New"/>
+                <a:cs typeface="Courier New"/>
+                <a:sym typeface="Courier New"/>
+              </a:rPr>
+              <a:t>a = 35.0 </a:t>
+            </a:r>
+          </a:p>
+          <a:p>
+            <a:pPr marL="0" marR="0" lvl="0" indent="0" algn="l" rtl="0">
+              <a:lnSpc>
+                <a:spcPct val="100000"/>
+              </a:lnSpc>
+              <a:spcBef>
+                <a:spcPts val="0"/>
+              </a:spcBef>
+              <a:spcAft>
+                <a:spcPts val="0"/>
+              </a:spcAft>
+              <a:buClr>
+                <a:srgbClr val="FF00FF"/>
+              </a:buClr>
+              <a:buSzPct val="25000"/>
+              <a:buFont typeface="Cabin"/>
+              <a:buNone/>
+            </a:pPr>
+            <a:r>
+              <a:rPr lang="en-US" sz="3000" b="1" i="0" u="none" strike="noStrike" cap="none" dirty="0">
+                <a:solidFill>
+                  <a:srgbClr val="00FFFF"/>
+                </a:solidFill>
+                <a:latin typeface="Courier New"/>
+                <a:ea typeface="Courier New"/>
+                <a:cs typeface="Courier New"/>
+                <a:sym typeface="Courier New"/>
+              </a:rPr>
+              <a:t>b = 12.50 </a:t>
+            </a:r>
+          </a:p>
+          <a:p>
+            <a:pPr marL="0" marR="0" lvl="0" indent="0" algn="l" rtl="0">
+              <a:lnSpc>
+                <a:spcPct val="100000"/>
+              </a:lnSpc>
+              <a:spcBef>
+                <a:spcPts val="0"/>
+              </a:spcBef>
+              <a:spcAft>
+                <a:spcPts val="0"/>
+              </a:spcAft>
+              <a:buClr>
+                <a:srgbClr val="FF00FF"/>
+              </a:buClr>
+              <a:buSzPct val="25000"/>
+              <a:buFont typeface="Cabin"/>
+              <a:buNone/>
+            </a:pPr>
+            <a:r>
+              <a:rPr lang="en-US" sz="3000" b="1" i="0" u="none" strike="noStrike" cap="none" dirty="0">
+                <a:solidFill>
+                  <a:srgbClr val="00FFFF"/>
+                </a:solidFill>
+                <a:latin typeface="Courier New"/>
+                <a:ea typeface="Courier New"/>
+                <a:cs typeface="Courier New"/>
+                <a:sym typeface="Courier New"/>
+              </a:rPr>
+              <a:t>c = a * b </a:t>
+            </a:r>
+          </a:p>
+          <a:p>
+            <a:pPr marL="0" marR="0" lvl="0" indent="0" algn="l" rtl="0">
+              <a:lnSpc>
+                <a:spcPct val="100000"/>
+              </a:lnSpc>
+              <a:spcBef>
+                <a:spcPts val="0"/>
+              </a:spcBef>
+              <a:spcAft>
+                <a:spcPts val="0"/>
+              </a:spcAft>
+              <a:buClr>
+                <a:srgbClr val="FF00FF"/>
+              </a:buClr>
+              <a:buSzPct val="25000"/>
+              <a:buFont typeface="Cabin"/>
+              <a:buNone/>
+            </a:pPr>
+            <a:r>
+              <a:rPr lang="en-US" sz="3000" b="1" i="0" u="none" strike="noStrike" cap="none" dirty="0" smtClean="0">
+                <a:solidFill>
+                  <a:srgbClr val="00FFFF"/>
+                </a:solidFill>
+                <a:latin typeface="Courier New"/>
+                <a:ea typeface="Courier New"/>
+                <a:cs typeface="Courier New"/>
+                <a:sym typeface="Courier New"/>
+              </a:rPr>
+              <a:t>print(c)</a:t>
+            </a:r>
+            <a:endParaRPr lang="en-US" sz="3000" b="1" i="0" u="none" strike="noStrike" cap="none" dirty="0">
+              <a:solidFill>
+                <a:srgbClr val="00FFFF"/>
+              </a:solidFill>
+              <a:latin typeface="Courier New"/>
+              <a:ea typeface="Courier New"/>
+              <a:cs typeface="Courier New"/>
+              <a:sym typeface="Courier New"/>
+            </a:endParaRPr>
+          </a:p>
+        </p:txBody>
+      </p:sp>
+      <p:sp>
+        <p:nvSpPr>
+          <p:cNvPr id="529" name="Shape 529"/>
+          <p:cNvSpPr txBox="1"/>
+          <p:nvPr/>
+        </p:nvSpPr>
+        <p:spPr>
+          <a:xfrm>
+            <a:off x="1536700" y="6057900"/>
+            <a:ext cx="3860400" cy="1219199"/>
+          </a:xfrm>
+          <a:prstGeom prst="rect">
+            <a:avLst/>
+          </a:prstGeom>
+          <a:noFill/>
+          <a:ln>
+            <a:noFill/>
+          </a:ln>
+        </p:spPr>
+        <p:txBody>
+          <a:bodyPr lIns="0" tIns="0" rIns="0" bIns="0" anchor="ctr" anchorCtr="0">
+            <a:noAutofit/>
+          </a:bodyPr>
+          <a:lstStyle/>
+          <a:p>
+            <a:pPr marL="0" marR="0" lvl="0" indent="0" algn="ctr" rtl="0">
+              <a:lnSpc>
+                <a:spcPct val="100000"/>
+              </a:lnSpc>
+              <a:spcBef>
+                <a:spcPts val="0"/>
+              </a:spcBef>
+              <a:spcAft>
+                <a:spcPts val="0"/>
+              </a:spcAft>
+              <a:buClr>
+                <a:schemeClr val="lt1"/>
+              </a:buClr>
+              <a:buSzPct val="25000"/>
+              <a:buFont typeface="Cabin"/>
+              <a:buNone/>
+            </a:pPr>
+            <a:r>
+              <a:rPr lang="en-US" sz="3800" u="none" strike="noStrike" cap="none">
+                <a:solidFill>
+                  <a:schemeClr val="lt1"/>
+                </a:solidFill>
+                <a:latin typeface="Arial" charset="0"/>
+                <a:ea typeface="Arial" charset="0"/>
+                <a:cs typeface="Arial" charset="0"/>
+                <a:sym typeface="Cabin"/>
+              </a:rPr>
+              <a:t>What </a:t>
+            </a:r>
+            <a:r>
+              <a:rPr lang="en-US" sz="3800">
+                <a:solidFill>
+                  <a:schemeClr val="lt1"/>
+                </a:solidFill>
+                <a:latin typeface="Arial" charset="0"/>
+                <a:ea typeface="Arial" charset="0"/>
+                <a:cs typeface="Arial" charset="0"/>
+                <a:sym typeface="Cabin"/>
+              </a:rPr>
+              <a:t>are these bits of </a:t>
+            </a:r>
+            <a:r>
+              <a:rPr lang="en-US" sz="3800" u="none" strike="noStrike" cap="none">
+                <a:solidFill>
+                  <a:schemeClr val="lt1"/>
+                </a:solidFill>
+                <a:latin typeface="Arial" charset="0"/>
+                <a:ea typeface="Arial" charset="0"/>
+                <a:cs typeface="Arial" charset="0"/>
+                <a:sym typeface="Cabin"/>
+              </a:rPr>
+              <a:t>code doing?</a:t>
+            </a:r>
           </a:p>
         </p:txBody>
       </p:sp>
     </p:spTree>
     <p:extLst>
       <p:ext uri="{BB962C8B-B14F-4D97-AF65-F5344CB8AC3E}">
-        <p14:creationId xmlns:p14="http://schemas.microsoft.com/office/powerpoint/2010/main" val="1169336452"/>
+        <p14:creationId xmlns:p14="http://schemas.microsoft.com/office/powerpoint/2010/main" val="972378399"/>
       </p:ext>
     </p:extLst>
   </p:cSld>
   <p:clrMapOvr>
     <a:masterClrMapping/>
   </p:clrMapOvr>
-  <p:timing>
-    <p:tnLst>
-      <p:par>
-        <p:cTn id="1" dur="indefinite" restart="never" nodeType="tmRoot"/>
-      </p:par>
-    </p:tnLst>
-  </p:timing>
 </p:sld>
 </file>
 
@@ -7145,7 +6800,7 @@
               <a:buNone/>
             </a:pPr>
             <a:r>
-              <a:rPr lang="en-US" sz="4800" i="0" u="none" strike="noStrike" cap="none" dirty="0">
+              <a:rPr lang="en-US" sz="4800" b="1" i="0" u="none" strike="noStrike" cap="none" dirty="0">
                 <a:solidFill>
                   <a:srgbClr val="FF9900"/>
                 </a:solidFill>
@@ -7157,7 +6812,7 @@
               <a:t>x</a:t>
             </a:r>
             <a:r>
-              <a:rPr lang="en-US" sz="4800" i="0" u="none" strike="noStrike" cap="none" dirty="0">
+              <a:rPr lang="en-US" sz="4800" b="1" i="0" u="none" strike="noStrike" cap="none" dirty="0">
                 <a:solidFill>
                   <a:srgbClr val="FF7F00"/>
                 </a:solidFill>
@@ -7169,7 +6824,7 @@
               <a:t> </a:t>
             </a:r>
             <a:r>
-              <a:rPr lang="en-US" sz="4800" i="0" u="none" strike="noStrike" cap="none" dirty="0">
+              <a:rPr lang="en-US" sz="4800" b="1" i="0" u="none" strike="noStrike" cap="none" dirty="0">
                 <a:solidFill>
                   <a:srgbClr val="FFFFFF"/>
                 </a:solidFill>
@@ -7181,7 +6836,7 @@
               <a:t>=</a:t>
             </a:r>
             <a:r>
-              <a:rPr lang="en-US" sz="4800" i="0" u="none" strike="noStrike" cap="none" dirty="0">
+              <a:rPr lang="en-US" sz="4800" b="1" i="0" u="none" strike="noStrike" cap="none" dirty="0">
                 <a:solidFill>
                   <a:srgbClr val="FF7F00"/>
                 </a:solidFill>
@@ -7193,7 +6848,7 @@
               <a:t> </a:t>
             </a:r>
             <a:r>
-              <a:rPr lang="en-US" sz="4800" i="0" u="none" strike="noStrike" cap="none" dirty="0">
+              <a:rPr lang="en-US" sz="4800" b="1" i="0" u="none" strike="noStrike" cap="none" dirty="0">
                 <a:solidFill>
                   <a:srgbClr val="00FFFF"/>
                 </a:solidFill>
@@ -7224,7 +6879,7 @@
               <a:buNone/>
             </a:pPr>
             <a:r>
-              <a:rPr lang="en-US" sz="4800" i="0" u="none" strike="noStrike" cap="none" dirty="0">
+              <a:rPr lang="en-US" sz="4800" b="1" i="0" u="none" strike="noStrike" cap="none" dirty="0">
                 <a:solidFill>
                   <a:srgbClr val="FF9900"/>
                 </a:solidFill>
@@ -7236,7 +6891,7 @@
               <a:t>x</a:t>
             </a:r>
             <a:r>
-              <a:rPr lang="en-US" sz="4800" i="0" u="none" strike="noStrike" cap="none" dirty="0">
+              <a:rPr lang="en-US" sz="4800" b="1" i="0" u="none" strike="noStrike" cap="none" dirty="0">
                 <a:solidFill>
                   <a:srgbClr val="FF7F00"/>
                 </a:solidFill>
@@ -7248,7 +6903,7 @@
               <a:t> </a:t>
             </a:r>
             <a:r>
-              <a:rPr lang="en-US" sz="4800" i="0" u="none" strike="noStrike" cap="none" dirty="0">
+              <a:rPr lang="en-US" sz="4800" b="1" i="0" u="none" strike="noStrike" cap="none" dirty="0">
                 <a:solidFill>
                   <a:srgbClr val="FFFFFF"/>
                 </a:solidFill>
@@ -7260,7 +6915,7 @@
               <a:t>=</a:t>
             </a:r>
             <a:r>
-              <a:rPr lang="en-US" sz="4800" i="0" u="none" strike="noStrike" cap="none" dirty="0">
+              <a:rPr lang="en-US" sz="4800" b="1" i="0" u="none" strike="noStrike" cap="none" dirty="0">
                 <a:solidFill>
                   <a:srgbClr val="FF7F00"/>
                 </a:solidFill>
@@ -7272,7 +6927,7 @@
               <a:t> </a:t>
             </a:r>
             <a:r>
-              <a:rPr lang="en-US" sz="4800" i="0" u="none" strike="noStrike" cap="none" dirty="0">
+              <a:rPr lang="en-US" sz="4800" b="1" i="0" u="none" strike="noStrike" cap="none" dirty="0">
                 <a:solidFill>
                   <a:srgbClr val="FF9900"/>
                 </a:solidFill>
@@ -7284,7 +6939,7 @@
               <a:t>x</a:t>
             </a:r>
             <a:r>
-              <a:rPr lang="en-US" sz="4800" i="0" u="none" strike="noStrike" cap="none" dirty="0">
+              <a:rPr lang="en-US" sz="4800" b="1" i="0" u="none" strike="noStrike" cap="none" dirty="0">
                 <a:solidFill>
                   <a:srgbClr val="FF7F00"/>
                 </a:solidFill>
@@ -7296,7 +6951,7 @@
               <a:t> </a:t>
             </a:r>
             <a:r>
-              <a:rPr lang="en-US" sz="4800" i="0" u="none" strike="noStrike" cap="none" dirty="0">
+              <a:rPr lang="en-US" sz="4800" b="1" i="0" u="none" strike="noStrike" cap="none" dirty="0">
                 <a:solidFill>
                   <a:srgbClr val="FFFFFF"/>
                 </a:solidFill>
@@ -7308,7 +6963,7 @@
               <a:t>+</a:t>
             </a:r>
             <a:r>
-              <a:rPr lang="en-US" sz="4800" i="0" u="none" strike="noStrike" cap="none" dirty="0">
+              <a:rPr lang="en-US" sz="4800" b="1" i="0" u="none" strike="noStrike" cap="none" dirty="0">
                 <a:solidFill>
                   <a:srgbClr val="FF7F00"/>
                 </a:solidFill>
@@ -7320,7 +6975,7 @@
               <a:t> </a:t>
             </a:r>
             <a:r>
-              <a:rPr lang="en-US" sz="4800" i="0" u="none" strike="noStrike" cap="none" dirty="0">
+              <a:rPr lang="en-US" sz="4800" b="1" i="0" u="none" strike="noStrike" cap="none" dirty="0">
                 <a:solidFill>
                   <a:srgbClr val="00FFFF"/>
                 </a:solidFill>
@@ -7351,7 +7006,7 @@
               <a:buNone/>
             </a:pPr>
             <a:r>
-              <a:rPr lang="en-US" sz="4800" dirty="0" smtClean="0">
+              <a:rPr lang="en-US" sz="4800" b="1" dirty="0" smtClean="0">
                 <a:solidFill>
                   <a:srgbClr val="FFFF00"/>
                 </a:solidFill>
@@ -7363,7 +7018,7 @@
               <a:t>p</a:t>
             </a:r>
             <a:r>
-              <a:rPr lang="en-US" sz="4800" i="0" u="none" strike="noStrike" cap="none" dirty="0" smtClean="0">
+              <a:rPr lang="en-US" sz="4800" b="1" i="0" u="none" strike="noStrike" cap="none" dirty="0" smtClean="0">
                 <a:solidFill>
                   <a:srgbClr val="FFFF00"/>
                 </a:solidFill>
@@ -7375,7 +7030,7 @@
               <a:t>rint(</a:t>
             </a:r>
             <a:r>
-              <a:rPr lang="en-US" sz="4800" i="0" u="none" strike="noStrike" cap="none" dirty="0" smtClean="0">
+              <a:rPr lang="en-US" sz="4800" b="1" i="0" u="none" strike="noStrike" cap="none" dirty="0" smtClean="0">
                 <a:solidFill>
                   <a:srgbClr val="FF9900"/>
                 </a:solidFill>
@@ -7387,7 +7042,7 @@
               <a:t>x</a:t>
             </a:r>
             <a:r>
-              <a:rPr lang="en-US" sz="4800" i="0" u="none" strike="noStrike" cap="none" dirty="0" smtClean="0">
+              <a:rPr lang="en-US" sz="4800" b="1" i="0" u="none" strike="noStrike" cap="none" dirty="0" smtClean="0">
                 <a:solidFill>
                   <a:srgbClr val="FFFF00"/>
                 </a:solidFill>
@@ -7398,7 +7053,7 @@
               </a:rPr>
               <a:t>)</a:t>
             </a:r>
-            <a:endParaRPr lang="en-US" sz="4800" i="0" u="none" strike="noStrike" cap="none" dirty="0">
+            <a:endParaRPr lang="en-US" sz="4800" b="1" i="0" u="none" strike="noStrike" cap="none" dirty="0">
               <a:solidFill>
                 <a:srgbClr val="FFFF00"/>
               </a:solidFill>
@@ -8267,7 +7922,7 @@
               <a:buNone/>
             </a:pPr>
             <a:r>
-              <a:rPr lang="en-US" sz="4000" i="0" u="none" strike="noStrike" cap="none" dirty="0">
+              <a:rPr lang="en-US" sz="4000" b="1" i="0" u="none" strike="noStrike" cap="none" dirty="0">
                 <a:solidFill>
                   <a:srgbClr val="00FF00"/>
                 </a:solidFill>
@@ -8279,7 +7934,7 @@
               <a:t>x</a:t>
             </a:r>
             <a:r>
-              <a:rPr lang="en-US" sz="4000" i="0" u="none" strike="noStrike" cap="none" dirty="0">
+              <a:rPr lang="en-US" sz="4000" b="1" i="0" u="none" strike="noStrike" cap="none" dirty="0">
                 <a:solidFill>
                   <a:schemeClr val="lt1"/>
                 </a:solidFill>
@@ -8291,7 +7946,7 @@
               <a:t> = 3.9 </a:t>
             </a:r>
             <a:r>
-              <a:rPr lang="en-US" sz="4000" i="0" u="none" strike="noStrike" cap="none" dirty="0">
+              <a:rPr lang="en-US" sz="4000" b="1" i="0" u="none" strike="noStrike" cap="none" dirty="0">
                 <a:solidFill>
                   <a:srgbClr val="00FFFF"/>
                 </a:solidFill>
@@ -8303,7 +7958,7 @@
               <a:t>*</a:t>
             </a:r>
             <a:r>
-              <a:rPr lang="en-US" sz="4000" i="0" u="none" strike="noStrike" cap="none" dirty="0">
+              <a:rPr lang="en-US" sz="4000" b="1" i="0" u="none" strike="noStrike" cap="none" dirty="0">
                 <a:solidFill>
                   <a:schemeClr val="lt1"/>
                 </a:solidFill>
@@ -8315,7 +7970,7 @@
               <a:t> </a:t>
             </a:r>
             <a:r>
-              <a:rPr lang="en-US" sz="4000" i="0" u="none" strike="noStrike" cap="none" dirty="0">
+              <a:rPr lang="en-US" sz="4000" b="1" i="0" u="none" strike="noStrike" cap="none" dirty="0">
                 <a:solidFill>
                   <a:srgbClr val="00FF00"/>
                 </a:solidFill>
@@ -8327,7 +7982,7 @@
               <a:t>x </a:t>
             </a:r>
             <a:r>
-              <a:rPr lang="en-US" sz="4000" i="0" u="none" strike="noStrike" cap="none" dirty="0">
+              <a:rPr lang="en-US" sz="4000" b="1" i="0" u="none" strike="noStrike" cap="none" dirty="0">
                 <a:solidFill>
                   <a:srgbClr val="00FFFF"/>
                 </a:solidFill>
@@ -8339,7 +7994,7 @@
               <a:t>*</a:t>
             </a:r>
             <a:r>
-              <a:rPr lang="en-US" sz="4000" i="0" u="none" strike="noStrike" cap="none" dirty="0">
+              <a:rPr lang="en-US" sz="4000" b="1" i="0" u="none" strike="noStrike" cap="none" dirty="0">
                 <a:solidFill>
                   <a:schemeClr val="lt1"/>
                 </a:solidFill>
@@ -8351,7 +8006,7 @@
               <a:t> ( 1 </a:t>
             </a:r>
             <a:r>
-              <a:rPr lang="en-US" sz="4000" i="0" u="none" strike="noStrike" cap="none" dirty="0">
+              <a:rPr lang="en-US" sz="4000" b="1" i="0" u="none" strike="noStrike" cap="none" dirty="0">
                 <a:solidFill>
                   <a:srgbClr val="00FFFF"/>
                 </a:solidFill>
@@ -8363,7 +8018,7 @@
               <a:t>-</a:t>
             </a:r>
             <a:r>
-              <a:rPr lang="en-US" sz="4000" i="0" u="none" strike="noStrike" cap="none" dirty="0">
+              <a:rPr lang="en-US" sz="4000" b="1" i="0" u="none" strike="noStrike" cap="none" dirty="0">
                 <a:solidFill>
                   <a:schemeClr val="lt1"/>
                 </a:solidFill>
@@ -8375,7 +8030,7 @@
               <a:t> </a:t>
             </a:r>
             <a:r>
-              <a:rPr lang="en-US" sz="4000" i="0" u="none" strike="noStrike" cap="none" dirty="0">
+              <a:rPr lang="en-US" sz="4000" b="1" i="0" u="none" strike="noStrike" cap="none" dirty="0">
                 <a:solidFill>
                   <a:srgbClr val="00FF00"/>
                 </a:solidFill>
@@ -8387,7 +8042,7 @@
               <a:t>x</a:t>
             </a:r>
             <a:r>
-              <a:rPr lang="en-US" sz="4000" i="0" u="none" strike="noStrike" cap="none" dirty="0">
+              <a:rPr lang="en-US" sz="4000" b="1" i="0" u="none" strike="noStrike" cap="none" dirty="0">
                 <a:solidFill>
                   <a:schemeClr val="lt1"/>
                 </a:solidFill>
@@ -8523,7 +8178,7 @@
               <a:buNone/>
             </a:pPr>
             <a:r>
-              <a:rPr lang="en-US" sz="4000" u="none" strike="noStrike" cap="none" dirty="0">
+              <a:rPr lang="en-US" sz="4000" b="1" u="none" strike="noStrike" cap="none" dirty="0">
                 <a:solidFill>
                   <a:srgbClr val="00FF00"/>
                 </a:solidFill>
@@ -8535,7 +8190,7 @@
               <a:t>x</a:t>
             </a:r>
             <a:r>
-              <a:rPr lang="en-US" sz="4000" u="none" strike="noStrike" cap="none" dirty="0">
+              <a:rPr lang="en-US" sz="4000" b="1" u="none" strike="noStrike" cap="none" dirty="0">
                 <a:solidFill>
                   <a:srgbClr val="FF00FF"/>
                 </a:solidFill>
@@ -8547,7 +8202,7 @@
               <a:t> </a:t>
             </a:r>
             <a:r>
-              <a:rPr lang="en-US" sz="4000" u="none" strike="noStrike" cap="none" dirty="0">
+              <a:rPr lang="en-US" sz="4000" b="1" u="none" strike="noStrike" cap="none" dirty="0">
                 <a:solidFill>
                   <a:srgbClr val="FFFFFF"/>
                 </a:solidFill>
@@ -8559,7 +8214,7 @@
               <a:t>=</a:t>
             </a:r>
             <a:r>
-              <a:rPr lang="en-US" sz="4000" u="none" strike="noStrike" cap="none" dirty="0">
+              <a:rPr lang="en-US" sz="4000" b="1" u="none" strike="noStrike" cap="none" dirty="0">
                 <a:solidFill>
                   <a:schemeClr val="lt1"/>
                 </a:solidFill>
@@ -8571,7 +8226,7 @@
               <a:t> </a:t>
             </a:r>
             <a:r>
-              <a:rPr lang="en-US" sz="4000" u="none" strike="noStrike" cap="none" dirty="0" smtClean="0">
+              <a:rPr lang="en-US" sz="4000" b="1" u="none" strike="noStrike" cap="none" dirty="0" smtClean="0">
                 <a:solidFill>
                   <a:srgbClr val="FFFF00"/>
                 </a:solidFill>
@@ -8582,7 +8237,7 @@
               </a:rPr>
               <a:t>3.9 *  x  * ( 1  -  x )</a:t>
             </a:r>
-            <a:endParaRPr lang="en-US" sz="4000" u="none" strike="noStrike" cap="none" dirty="0">
+            <a:endParaRPr lang="en-US" sz="4000" b="1" u="none" strike="noStrike" cap="none" dirty="0">
               <a:solidFill>
                 <a:srgbClr val="FFFF00"/>
               </a:solidFill>
@@ -9434,7 +9089,7 @@
               <a:buNone/>
             </a:pPr>
             <a:r>
-              <a:rPr lang="en-US" sz="4000" u="none" strike="noStrike" cap="none" dirty="0">
+              <a:rPr lang="en-US" sz="4000" b="1" u="none" strike="noStrike" cap="none" dirty="0">
                 <a:solidFill>
                   <a:srgbClr val="00FF00"/>
                 </a:solidFill>
@@ -9446,7 +9101,7 @@
               <a:t>x</a:t>
             </a:r>
             <a:r>
-              <a:rPr lang="en-US" sz="4000" u="none" strike="noStrike" cap="none" dirty="0">
+              <a:rPr lang="en-US" sz="4000" b="1" u="none" strike="noStrike" cap="none" dirty="0">
                 <a:solidFill>
                   <a:srgbClr val="FF00FF"/>
                 </a:solidFill>
@@ -9458,7 +9113,7 @@
               <a:t> </a:t>
             </a:r>
             <a:r>
-              <a:rPr lang="en-US" sz="4000" u="none" strike="noStrike" cap="none" dirty="0">
+              <a:rPr lang="en-US" sz="4000" b="1" u="none" strike="noStrike" cap="none" dirty="0">
                 <a:solidFill>
                   <a:srgbClr val="FFFFFF"/>
                 </a:solidFill>
@@ -9470,7 +9125,7 @@
               <a:t>=</a:t>
             </a:r>
             <a:r>
-              <a:rPr lang="en-US" sz="4000" u="none" strike="noStrike" cap="none" dirty="0">
+              <a:rPr lang="en-US" sz="4000" b="1" u="none" strike="noStrike" cap="none" dirty="0">
                 <a:solidFill>
                   <a:schemeClr val="lt1"/>
                 </a:solidFill>
@@ -9482,7 +9137,7 @@
               <a:t> </a:t>
             </a:r>
             <a:r>
-              <a:rPr lang="en-US" sz="4000" u="none" strike="noStrike" cap="none" dirty="0" smtClean="0">
+              <a:rPr lang="en-US" sz="4000" b="1" u="none" strike="noStrike" cap="none" dirty="0" smtClean="0">
                 <a:solidFill>
                   <a:srgbClr val="FFFF00"/>
                 </a:solidFill>
@@ -9493,7 +9148,7 @@
               </a:rPr>
               <a:t>3.9 *  x  * ( 1  -  x )</a:t>
             </a:r>
-            <a:endParaRPr lang="en-US" sz="4000" u="none" strike="noStrike" cap="none" dirty="0">
+            <a:endParaRPr lang="en-US" sz="4000" b="1" u="none" strike="noStrike" cap="none" dirty="0">
               <a:solidFill>
                 <a:srgbClr val="FFFF00"/>
               </a:solidFill>
@@ -21796,7 +21451,7 @@
             <a:r>
               <a:rPr lang="en-US" sz="3000" b="1" i="0" u="none" strike="noStrike" cap="none" dirty="0" smtClean="0">
                 <a:solidFill>
-                  <a:schemeClr val="lt1"/>
+                  <a:srgbClr val="FF40FF"/>
                 </a:solidFill>
                 <a:latin typeface="Courier New"/>
                 <a:ea typeface="Courier New"/>
@@ -21928,7 +21583,7 @@
             <a:r>
               <a:rPr lang="en-US" sz="3000" b="1" i="0" u="none" strike="noStrike" cap="none" dirty="0" smtClean="0">
                 <a:solidFill>
-                  <a:schemeClr val="lt1"/>
+                  <a:srgbClr val="FF40FF"/>
                 </a:solidFill>
                 <a:latin typeface="Courier New"/>
                 <a:ea typeface="Courier New"/>
@@ -22060,7 +21715,7 @@
             <a:r>
               <a:rPr lang="en-US" sz="3000" b="1" i="0" u="none" strike="noStrike" cap="none" dirty="0" smtClean="0">
                 <a:solidFill>
-                  <a:schemeClr val="lt1"/>
+                  <a:srgbClr val="FF40FF"/>
                 </a:solidFill>
                 <a:latin typeface="Courier New"/>
                 <a:ea typeface="Courier New"/>
@@ -22390,7 +22045,7 @@
             <a:r>
               <a:rPr lang="en-US" sz="3600" u="none" strike="noStrike" cap="none" dirty="0" smtClean="0">
                 <a:solidFill>
-                  <a:srgbClr val="FFFF00"/>
+                  <a:srgbClr val="FF40FF"/>
                 </a:solidFill>
                 <a:latin typeface="Arial" charset="0"/>
                 <a:ea typeface="Arial" charset="0"/>
@@ -22401,7 +22056,7 @@
             </a:r>
             <a:endParaRPr lang="en-US" sz="3600" u="none" strike="noStrike" cap="none" dirty="0">
               <a:solidFill>
-                <a:srgbClr val="FFFF00"/>
+                <a:srgbClr val="FF40FF"/>
               </a:solidFill>
               <a:latin typeface="Arial" charset="0"/>
               <a:ea typeface="Arial" charset="0"/>
@@ -24256,10 +23911,22 @@
                 <a:cs typeface="Courier New"/>
                 <a:sym typeface="Courier New"/>
               </a:rPr>
-              <a:t>Who are you?</a:t>
-            </a:r>
-            <a:r>
-              <a:rPr lang="en-US" sz="3000" b="1" dirty="0">
+              <a:t>Who are you</a:t>
+            </a:r>
+            <a:r>
+              <a:rPr lang="en-US" sz="3000" b="1" i="0" u="none" strike="noStrike" cap="none" dirty="0" smtClean="0">
+                <a:solidFill>
+                  <a:schemeClr val="lt1"/>
+                </a:solidFill>
+                <a:latin typeface="Courier New"/>
+                <a:ea typeface="Courier New"/>
+                <a:cs typeface="Courier New"/>
+                <a:sym typeface="Courier New"/>
+              </a:rPr>
+              <a:t>? </a:t>
+            </a:r>
+            <a:r>
+              <a:rPr lang="en-US" sz="3000" b="1" dirty="0" smtClean="0">
                 <a:solidFill>
                   <a:schemeClr val="lt1"/>
                 </a:solidFill>
@@ -24271,7 +23938,7 @@
               <a:t>'</a:t>
             </a:r>
             <a:r>
-              <a:rPr lang="en-US" sz="3000" b="1" i="0" u="none" strike="noStrike" cap="none" dirty="0">
+              <a:rPr lang="en-US" sz="3000" b="1" i="0" u="none" strike="noStrike" cap="none" dirty="0" smtClean="0">
                 <a:solidFill>
                   <a:schemeClr val="lt1"/>
                 </a:solidFill>
@@ -24282,6 +23949,15 @@
               </a:rPr>
               <a:t>)</a:t>
             </a:r>
+            <a:endParaRPr lang="en-US" sz="3000" b="1" i="0" u="none" strike="noStrike" cap="none" dirty="0">
+              <a:solidFill>
+                <a:schemeClr val="lt1"/>
+              </a:solidFill>
+              <a:latin typeface="Courier New"/>
+              <a:ea typeface="Courier New"/>
+              <a:cs typeface="Courier New"/>
+              <a:sym typeface="Courier New"/>
+            </a:endParaRPr>
           </a:p>
           <a:p>
             <a:pPr lvl="0">
@@ -24382,7 +24058,7 @@
         </p:nvSpPr>
         <p:spPr>
           <a:xfrm>
-            <a:off x="10021601" y="5091321"/>
+            <a:off x="9385497" y="5781676"/>
             <a:ext cx="4679870" cy="1921274"/>
           </a:xfrm>
           <a:prstGeom prst="rect">
@@ -24417,7 +24093,7 @@
               <a:buNone/>
             </a:pPr>
             <a:r>
-              <a:rPr lang="en-US" sz="3800" u="none" strike="noStrike" cap="none">
+              <a:rPr lang="en-US" sz="3800" u="none" strike="noStrike" cap="none" dirty="0">
                 <a:solidFill>
                   <a:schemeClr val="lt1"/>
                 </a:solidFill>
@@ -25162,7 +24838,7 @@
   <p:cSld>
     <p:spTree>
       <p:nvGrpSpPr>
-        <p:cNvPr id="1" name="Shape 256"/>
+        <p:cNvPr id="1" name="Shape 500"/>
         <p:cNvGrpSpPr/>
         <p:nvPr/>
       </p:nvGrpSpPr>
@@ -25176,7 +24852,7 @@
       </p:grpSpPr>
       <p:sp>
         <p:nvSpPr>
-          <p:cNvPr id="257" name="Shape 257"/>
+          <p:cNvPr id="501" name="Shape 501"/>
           <p:cNvSpPr txBox="1">
             <a:spLocks noGrp="1"/>
           </p:cNvSpPr>
@@ -25210,7 +24886,7 @@
                 <a:spcPts val="0"/>
               </a:spcAft>
               <a:buClr>
-                <a:srgbClr val="00FF00"/>
+                <a:srgbClr val="FFFF00"/>
               </a:buClr>
               <a:buSzPct val="25000"/>
               <a:buFont typeface="Cabin"/>
@@ -25226,14 +24902,14 @@
                 <a:cs typeface="Arial" charset="0"/>
                 <a:sym typeface="Cabin"/>
               </a:rPr>
-              <a:t>Variables</a:t>
+              <a:t>Reserved Words</a:t>
             </a:r>
           </a:p>
         </p:txBody>
       </p:sp>
       <p:sp>
         <p:nvSpPr>
-          <p:cNvPr id="258" name="Shape 258"/>
+          <p:cNvPr id="502" name="Shape 502"/>
           <p:cNvSpPr txBox="1">
             <a:spLocks noGrp="1"/>
           </p:cNvSpPr>
@@ -25243,8 +24919,8 @@
         </p:nvSpPr>
         <p:spPr>
           <a:xfrm>
-            <a:off x="812800" y="2133601"/>
-            <a:ext cx="14630400" cy="2674938"/>
+            <a:off x="812800" y="2529191"/>
+            <a:ext cx="14630400" cy="1186775"/>
           </a:xfrm>
           <a:prstGeom prst="rect">
             <a:avLst/>
@@ -25255,12 +24931,12 @@
           </a:ln>
         </p:spPr>
         <p:txBody>
-          <a:bodyPr lIns="38100" tIns="38100" rIns="38100" bIns="38100" anchor="ctr" anchorCtr="0">
+          <a:bodyPr lIns="38100" tIns="38100" rIns="38100" bIns="38100" anchor="t" anchorCtr="0">
             <a:noAutofit/>
           </a:bodyPr>
           <a:lstStyle/>
           <a:p>
-            <a:pPr marL="749300" marR="0" lvl="0" indent="-371094" algn="l" rtl="0">
+            <a:pPr marL="749300" marR="0" lvl="0" indent="-533400" algn="l" rtl="0">
               <a:lnSpc>
                 <a:spcPct val="100000"/>
               </a:lnSpc>
@@ -25273,12 +24949,12 @@
               <a:buClr>
                 <a:schemeClr val="lt1"/>
               </a:buClr>
-              <a:buSzPct val="100000"/>
+              <a:buSzPct val="171000"/>
               <a:buFont typeface="Cabin"/>
               <a:buChar char="•"/>
             </a:pPr>
             <a:r>
-              <a:rPr lang="en-US" sz="3200" u="none" strike="noStrike" cap="none" dirty="0">
+              <a:rPr lang="en-US" sz="3600" u="none" strike="noStrike" cap="none">
                 <a:solidFill>
                   <a:schemeClr val="lt1"/>
                 </a:solidFill>
@@ -25287,22 +24963,22 @@
                 <a:cs typeface="Arial" charset="0"/>
                 <a:sym typeface="Cabin"/>
               </a:rPr>
-              <a:t>A </a:t>
-            </a:r>
-            <a:r>
-              <a:rPr lang="en-US" sz="3200" u="none" strike="noStrike" cap="none" dirty="0">
-                <a:solidFill>
-                  <a:srgbClr val="00FF00"/>
+              <a:t>You</a:t>
+            </a:r>
+            <a:r>
+              <a:rPr lang="en-US" sz="3600" u="none" strike="noStrike" cap="none">
+                <a:solidFill>
+                  <a:srgbClr val="FFFF00"/>
                 </a:solidFill>
                 <a:latin typeface="Arial" charset="0"/>
                 <a:ea typeface="Arial" charset="0"/>
                 <a:cs typeface="Arial" charset="0"/>
                 <a:sym typeface="Cabin"/>
               </a:rPr>
-              <a:t>variable</a:t>
-            </a:r>
-            <a:r>
-              <a:rPr lang="en-US" sz="3200" u="none" strike="noStrike" cap="none" dirty="0">
+              <a:t> </a:t>
+            </a:r>
+            <a:r>
+              <a:rPr lang="en-US" sz="3600" u="none" strike="noStrike" cap="none">
                 <a:solidFill>
                   <a:schemeClr val="lt1"/>
                 </a:solidFill>
@@ -25311,22 +24987,22 @@
                 <a:cs typeface="Arial" charset="0"/>
                 <a:sym typeface="Cabin"/>
               </a:rPr>
-              <a:t> is a named place in the memory where a programmer can store data and later retrieve the data using the </a:t>
-            </a:r>
-            <a:r>
-              <a:rPr lang="en-US" sz="3200" u="none" strike="noStrike" cap="none" dirty="0">
-                <a:solidFill>
-                  <a:srgbClr val="00FF00"/>
+              <a:t>cannot</a:t>
+            </a:r>
+            <a:r>
+              <a:rPr lang="en-US" sz="3600" u="none" strike="noStrike" cap="none">
+                <a:solidFill>
+                  <a:srgbClr val="FFFF00"/>
                 </a:solidFill>
                 <a:latin typeface="Arial" charset="0"/>
                 <a:ea typeface="Arial" charset="0"/>
                 <a:cs typeface="Arial" charset="0"/>
                 <a:sym typeface="Cabin"/>
               </a:rPr>
-              <a:t>variable</a:t>
-            </a:r>
-            <a:r>
-              <a:rPr lang="en-US" sz="3200" u="none" strike="noStrike" cap="none" dirty="0">
+              <a:t> </a:t>
+            </a:r>
+            <a:r>
+              <a:rPr lang="en-US" sz="3600" u="none" strike="noStrike" cap="none">
                 <a:solidFill>
                   <a:schemeClr val="lt1"/>
                 </a:solidFill>
@@ -25335,59 +25011,22 @@
                 <a:cs typeface="Arial" charset="0"/>
                 <a:sym typeface="Cabin"/>
               </a:rPr>
-              <a:t> </a:t>
-            </a:r>
-            <a:r>
-              <a:rPr lang="en-US" sz="3200" b="0" i="0" u="none" strike="noStrike" cap="none" dirty="0">
-                <a:solidFill>
-                  <a:schemeClr val="lt1"/>
-                </a:solidFill>
-                <a:sym typeface="Arial"/>
-              </a:rPr>
-              <a:t>“</a:t>
-            </a:r>
-            <a:r>
-              <a:rPr lang="en-US" sz="3200" u="none" strike="noStrike" cap="none" dirty="0">
-                <a:solidFill>
-                  <a:schemeClr val="lt1"/>
+              <a:t>use </a:t>
+            </a:r>
+            <a:r>
+              <a:rPr lang="en-US" sz="3600" u="none" strike="noStrike" cap="none">
+                <a:solidFill>
+                  <a:srgbClr val="FFFF00"/>
                 </a:solidFill>
                 <a:latin typeface="Arial" charset="0"/>
                 <a:ea typeface="Arial" charset="0"/>
                 <a:cs typeface="Arial" charset="0"/>
                 <a:sym typeface="Cabin"/>
               </a:rPr>
-              <a:t>name</a:t>
-            </a:r>
-            <a:r>
-              <a:rPr lang="en-US" sz="3200" b="0" i="0" u="none" strike="noStrike" cap="none" dirty="0">
-                <a:solidFill>
-                  <a:schemeClr val="lt1"/>
-                </a:solidFill>
-                <a:sym typeface="Arial"/>
-              </a:rPr>
-              <a:t>”</a:t>
-            </a:r>
-          </a:p>
-          <a:p>
-            <a:pPr marL="749300" marR="0" lvl="0" indent="-371094" algn="l" rtl="0">
-              <a:lnSpc>
-                <a:spcPct val="100000"/>
-              </a:lnSpc>
-              <a:spcBef>
-                <a:spcPts val="3500"/>
-              </a:spcBef>
-              <a:spcAft>
-                <a:spcPts val="0"/>
-              </a:spcAft>
-              <a:buClr>
-                <a:schemeClr val="lt1"/>
-              </a:buClr>
-              <a:buSzPct val="100000"/>
-              <a:buFont typeface="Cabin"/>
-              <a:buChar char="•"/>
-            </a:pPr>
-            <a:r>
-              <a:rPr lang="en-US" sz="3200" u="none" strike="noStrike" cap="none" dirty="0">
+              <a:t>reserved words</a:t>
+            </a:r>
+            <a:r>
+              <a:rPr lang="en-US" sz="3600" u="none" strike="noStrike" cap="none">
                 <a:solidFill>
                   <a:schemeClr val="lt1"/>
                 </a:solidFill>
@@ -25396,163 +25035,21 @@
                 <a:cs typeface="Arial" charset="0"/>
                 <a:sym typeface="Cabin"/>
               </a:rPr>
-              <a:t>Programmers get to choose the names of the </a:t>
-            </a:r>
-            <a:r>
-              <a:rPr lang="en-US" sz="3200" u="none" strike="noStrike" cap="none" dirty="0">
-                <a:solidFill>
-                  <a:srgbClr val="00FF00"/>
-                </a:solidFill>
-                <a:latin typeface="Arial" charset="0"/>
-                <a:ea typeface="Arial" charset="0"/>
-                <a:cs typeface="Arial" charset="0"/>
-                <a:sym typeface="Cabin"/>
-              </a:rPr>
-              <a:t>variables</a:t>
-            </a:r>
-          </a:p>
-          <a:p>
-            <a:pPr marL="749300" marR="0" lvl="0" indent="-371094" algn="l" rtl="0">
-              <a:lnSpc>
-                <a:spcPct val="100000"/>
-              </a:lnSpc>
-              <a:spcBef>
-                <a:spcPts val="3500"/>
-              </a:spcBef>
-              <a:spcAft>
-                <a:spcPts val="0"/>
-              </a:spcAft>
-              <a:buClr>
-                <a:schemeClr val="lt1"/>
-              </a:buClr>
-              <a:buSzPct val="100000"/>
-              <a:buFont typeface="Cabin"/>
-              <a:buChar char="•"/>
-            </a:pPr>
-            <a:r>
-              <a:rPr lang="en-US" sz="3200" u="none" strike="noStrike" cap="none" dirty="0">
-                <a:solidFill>
-                  <a:schemeClr val="lt1"/>
-                </a:solidFill>
-                <a:latin typeface="Arial" charset="0"/>
-                <a:ea typeface="Arial" charset="0"/>
-                <a:cs typeface="Arial" charset="0"/>
-                <a:sym typeface="Cabin"/>
-              </a:rPr>
-              <a:t>You can change the contents of a </a:t>
-            </a:r>
-            <a:r>
-              <a:rPr lang="en-US" sz="3200" u="none" strike="noStrike" cap="none" dirty="0">
-                <a:solidFill>
-                  <a:srgbClr val="00FF00"/>
-                </a:solidFill>
-                <a:latin typeface="Arial" charset="0"/>
-                <a:ea typeface="Arial" charset="0"/>
-                <a:cs typeface="Arial" charset="0"/>
-                <a:sym typeface="Cabin"/>
-              </a:rPr>
-              <a:t>variable </a:t>
-            </a:r>
-            <a:r>
-              <a:rPr lang="en-US" sz="3200" u="none" strike="noStrike" cap="none" dirty="0">
-                <a:solidFill>
-                  <a:schemeClr val="lt1"/>
-                </a:solidFill>
-                <a:latin typeface="Arial" charset="0"/>
-                <a:ea typeface="Arial" charset="0"/>
-                <a:cs typeface="Arial" charset="0"/>
-                <a:sym typeface="Cabin"/>
-              </a:rPr>
-              <a:t>in a later statement</a:t>
+              <a:t> as variable names / identifiers</a:t>
             </a:r>
           </a:p>
         </p:txBody>
       </p:sp>
       <p:sp>
         <p:nvSpPr>
-          <p:cNvPr id="259" name="Shape 259"/>
+          <p:cNvPr id="503" name="Shape 503"/>
           <p:cNvSpPr txBox="1"/>
           <p:nvPr/>
         </p:nvSpPr>
         <p:spPr>
           <a:xfrm>
-            <a:off x="10388600" y="5083164"/>
-            <a:ext cx="5016500" cy="1270000"/>
-          </a:xfrm>
-          <a:prstGeom prst="rect">
-            <a:avLst/>
-          </a:prstGeom>
-          <a:noFill/>
-          <a:ln w="76200" cap="flat" cmpd="sng">
-            <a:solidFill>
-              <a:srgbClr val="00FFFF"/>
-            </a:solidFill>
-            <a:prstDash val="solid"/>
-            <a:round/>
-            <a:headEnd type="none" w="med" len="med"/>
-            <a:tailEnd type="none" w="med" len="med"/>
-          </a:ln>
-        </p:spPr>
-        <p:txBody>
-          <a:bodyPr lIns="0" tIns="0" rIns="0" bIns="0" anchor="ctr" anchorCtr="0">
-            <a:noAutofit/>
-          </a:bodyPr>
-          <a:lstStyle/>
-          <a:p>
-            <a:pPr marL="0" marR="0" lvl="0" indent="0" algn="l" rtl="0">
-              <a:lnSpc>
-                <a:spcPct val="100000"/>
-              </a:lnSpc>
-              <a:spcBef>
-                <a:spcPts val="0"/>
-              </a:spcBef>
-              <a:spcAft>
-                <a:spcPts val="0"/>
-              </a:spcAft>
-              <a:buClr>
-                <a:srgbClr val="FF7F00"/>
-              </a:buClr>
-              <a:buSzPct val="25000"/>
-              <a:buFont typeface="Cabin"/>
-              <a:buNone/>
-            </a:pPr>
-            <a:r>
-              <a:rPr lang="en-US" sz="4900">
-                <a:solidFill>
-                  <a:schemeClr val="lt1"/>
-                </a:solidFill>
-                <a:latin typeface="Arial" charset="0"/>
-                <a:ea typeface="Arial" charset="0"/>
-                <a:cs typeface="Arial" charset="0"/>
-                <a:sym typeface="Cabin"/>
-              </a:rPr>
-              <a:t> </a:t>
-            </a:r>
-            <a:r>
-              <a:rPr lang="en-US" sz="4900" u="none" strike="noStrike" cap="none">
-                <a:solidFill>
-                  <a:schemeClr val="lt1"/>
-                </a:solidFill>
-                <a:latin typeface="Arial" charset="0"/>
-                <a:ea typeface="Arial" charset="0"/>
-                <a:cs typeface="Arial" charset="0"/>
-                <a:sym typeface="Cabin"/>
-              </a:rPr>
-              <a:t>12.2</a:t>
-            </a:r>
-          </a:p>
-        </p:txBody>
-      </p:sp>
-      <p:sp>
-        <p:nvSpPr>
-          <p:cNvPr id="260" name="Shape 260"/>
-          <p:cNvSpPr txBox="1"/>
-          <p:nvPr/>
-        </p:nvSpPr>
-        <p:spPr>
-          <a:xfrm>
-            <a:off x="9534525" y="5280014"/>
-            <a:ext cx="444500" cy="863599"/>
+            <a:off x="3346315" y="3482501"/>
+            <a:ext cx="10369686" cy="4182269"/>
           </a:xfrm>
           <a:prstGeom prst="rect">
             <a:avLst/>
@@ -25568,413 +25065,693 @@
           </a:bodyPr>
           <a:lstStyle/>
           <a:p>
-            <a:pPr marL="0" marR="0" lvl="0" indent="0" algn="ctr" rtl="0">
-              <a:lnSpc>
-                <a:spcPct val="100000"/>
-              </a:lnSpc>
-              <a:spcBef>
-                <a:spcPts val="0"/>
-              </a:spcBef>
-              <a:spcAft>
-                <a:spcPts val="0"/>
-              </a:spcAft>
+            <a:pPr lvl="0">
               <a:buClr>
-                <a:srgbClr val="00FF00"/>
+                <a:srgbClr val="FFFF00"/>
               </a:buClr>
               <a:buSzPct val="25000"/>
-              <a:buFont typeface="Cabin"/>
-              <a:buNone/>
-            </a:pPr>
-            <a:r>
-              <a:rPr lang="en-US" sz="5200" u="none" strike="noStrike" cap="none">
-                <a:solidFill>
-                  <a:srgbClr val="00FF00"/>
-                </a:solidFill>
-                <a:latin typeface="Arial" charset="0"/>
-                <a:ea typeface="Arial" charset="0"/>
-                <a:cs typeface="Arial" charset="0"/>
-                <a:sym typeface="Cabin"/>
-              </a:rPr>
-              <a:t>x</a:t>
-            </a:r>
-          </a:p>
-        </p:txBody>
-      </p:sp>
-      <p:sp>
-        <p:nvSpPr>
-          <p:cNvPr id="261" name="Shape 261"/>
-          <p:cNvSpPr txBox="1"/>
-          <p:nvPr/>
-        </p:nvSpPr>
-        <p:spPr>
-          <a:xfrm>
-            <a:off x="10350500" y="6721464"/>
-            <a:ext cx="5016500" cy="1270000"/>
-          </a:xfrm>
-          <a:prstGeom prst="rect">
-            <a:avLst/>
-          </a:prstGeom>
-          <a:noFill/>
-          <a:ln w="76200" cap="flat" cmpd="sng">
-            <a:solidFill>
-              <a:srgbClr val="00FFFF"/>
-            </a:solidFill>
-            <a:prstDash val="solid"/>
-            <a:round/>
-            <a:headEnd type="none" w="med" len="med"/>
-            <a:tailEnd type="none" w="med" len="med"/>
-          </a:ln>
-        </p:spPr>
-        <p:txBody>
-          <a:bodyPr lIns="0" tIns="0" rIns="0" bIns="0" anchor="ctr" anchorCtr="0">
-            <a:noAutofit/>
-          </a:bodyPr>
-          <a:lstStyle/>
-          <a:p>
-            <a:pPr marL="0" marR="0" lvl="0" indent="0" algn="l" rtl="0">
-              <a:lnSpc>
-                <a:spcPct val="100000"/>
-              </a:lnSpc>
-              <a:spcBef>
-                <a:spcPts val="0"/>
-              </a:spcBef>
-              <a:spcAft>
-                <a:spcPts val="0"/>
-              </a:spcAft>
+            </a:pPr>
+            <a:r>
+              <a:rPr lang="de-DE" sz="3200" dirty="0" err="1" smtClean="0">
+                <a:solidFill>
+                  <a:srgbClr val="FFFF00"/>
+                </a:solidFill>
+                <a:latin typeface="Courier" charset="0"/>
+                <a:ea typeface="Courier" charset="0"/>
+                <a:cs typeface="Courier" charset="0"/>
+                <a:sym typeface="Cabin"/>
+              </a:rPr>
+              <a:t>False</a:t>
+            </a:r>
+            <a:r>
+              <a:rPr lang="de-DE" sz="3200" dirty="0" smtClean="0">
+                <a:solidFill>
+                  <a:srgbClr val="FFFF00"/>
+                </a:solidFill>
+                <a:latin typeface="Courier" charset="0"/>
+                <a:ea typeface="Courier" charset="0"/>
+                <a:cs typeface="Courier" charset="0"/>
+                <a:sym typeface="Cabin"/>
+              </a:rPr>
+              <a:t> 	</a:t>
+            </a:r>
+            <a:r>
+              <a:rPr lang="de-DE" sz="3200" dirty="0" err="1" smtClean="0">
+                <a:solidFill>
+                  <a:srgbClr val="FFFF00"/>
+                </a:solidFill>
+                <a:latin typeface="Courier" charset="0"/>
+                <a:ea typeface="Courier" charset="0"/>
+                <a:cs typeface="Courier" charset="0"/>
+                <a:sym typeface="Cabin"/>
+              </a:rPr>
+              <a:t>class</a:t>
+            </a:r>
+            <a:r>
+              <a:rPr lang="de-DE" sz="3200" dirty="0" smtClean="0">
+                <a:solidFill>
+                  <a:srgbClr val="FFFF00"/>
+                </a:solidFill>
+                <a:latin typeface="Courier" charset="0"/>
+                <a:ea typeface="Courier" charset="0"/>
+                <a:cs typeface="Courier" charset="0"/>
+                <a:sym typeface="Cabin"/>
+              </a:rPr>
+              <a:t> 	</a:t>
+            </a:r>
+            <a:r>
+              <a:rPr lang="de-DE" sz="3200" dirty="0" err="1" smtClean="0">
+                <a:solidFill>
+                  <a:srgbClr val="FFFF00"/>
+                </a:solidFill>
+                <a:latin typeface="Courier" charset="0"/>
+                <a:ea typeface="Courier" charset="0"/>
+                <a:cs typeface="Courier" charset="0"/>
+                <a:sym typeface="Cabin"/>
+              </a:rPr>
+              <a:t>return</a:t>
+            </a:r>
+            <a:r>
+              <a:rPr lang="de-DE" sz="3200" dirty="0" smtClean="0">
+                <a:solidFill>
+                  <a:srgbClr val="FFFF00"/>
+                </a:solidFill>
+                <a:latin typeface="Courier" charset="0"/>
+                <a:ea typeface="Courier" charset="0"/>
+                <a:cs typeface="Courier" charset="0"/>
+                <a:sym typeface="Cabin"/>
+              </a:rPr>
+              <a:t>	</a:t>
+            </a:r>
+            <a:r>
+              <a:rPr lang="de-DE" sz="3200" dirty="0" err="1" smtClean="0">
+                <a:solidFill>
+                  <a:srgbClr val="FFFF00"/>
+                </a:solidFill>
+                <a:latin typeface="Courier" charset="0"/>
+                <a:ea typeface="Courier" charset="0"/>
+                <a:cs typeface="Courier" charset="0"/>
+                <a:sym typeface="Cabin"/>
+              </a:rPr>
+              <a:t>is</a:t>
+            </a:r>
+            <a:r>
+              <a:rPr lang="de-DE" sz="3200" dirty="0" smtClean="0">
+                <a:solidFill>
+                  <a:srgbClr val="FFFF00"/>
+                </a:solidFill>
+                <a:latin typeface="Courier" charset="0"/>
+                <a:ea typeface="Courier" charset="0"/>
+                <a:cs typeface="Courier" charset="0"/>
+                <a:sym typeface="Cabin"/>
+              </a:rPr>
+              <a:t> 		</a:t>
+            </a:r>
+            <a:r>
+              <a:rPr lang="de-DE" sz="3200" dirty="0" err="1" smtClean="0">
+                <a:solidFill>
+                  <a:srgbClr val="FFFF00"/>
+                </a:solidFill>
+                <a:latin typeface="Courier" charset="0"/>
+                <a:ea typeface="Courier" charset="0"/>
+                <a:cs typeface="Courier" charset="0"/>
+                <a:sym typeface="Cabin"/>
+              </a:rPr>
+              <a:t>finally</a:t>
+            </a:r>
+            <a:r>
+              <a:rPr lang="de-DE" sz="3200" dirty="0" smtClean="0">
+                <a:solidFill>
+                  <a:srgbClr val="FFFF00"/>
+                </a:solidFill>
+                <a:latin typeface="Courier" charset="0"/>
+                <a:ea typeface="Courier" charset="0"/>
+                <a:cs typeface="Courier" charset="0"/>
+                <a:sym typeface="Cabin"/>
+              </a:rPr>
+              <a:t> </a:t>
+            </a:r>
+          </a:p>
+          <a:p>
+            <a:pPr lvl="0">
               <a:buClr>
-                <a:srgbClr val="FF7F00"/>
+                <a:srgbClr val="FFFF00"/>
               </a:buClr>
               <a:buSzPct val="25000"/>
-              <a:buFont typeface="Cabin"/>
-              <a:buNone/>
-            </a:pPr>
-            <a:r>
-              <a:rPr lang="en-US" sz="4900">
-                <a:solidFill>
-                  <a:schemeClr val="lt1"/>
-                </a:solidFill>
-                <a:latin typeface="Arial" charset="0"/>
-                <a:ea typeface="Arial" charset="0"/>
-                <a:cs typeface="Arial" charset="0"/>
+            </a:pPr>
+            <a:r>
+              <a:rPr lang="de-DE" sz="3200" dirty="0" smtClean="0">
+                <a:solidFill>
+                  <a:srgbClr val="FFFF00"/>
+                </a:solidFill>
+                <a:latin typeface="Courier" charset="0"/>
+                <a:ea typeface="Courier" charset="0"/>
+                <a:cs typeface="Courier" charset="0"/>
+                <a:sym typeface="Cabin"/>
+              </a:rPr>
+              <a:t>None 	</a:t>
+            </a:r>
+            <a:r>
+              <a:rPr lang="de-DE" sz="3200" dirty="0" err="1" smtClean="0">
+                <a:solidFill>
+                  <a:srgbClr val="FFFF00"/>
+                </a:solidFill>
+                <a:latin typeface="Courier" charset="0"/>
+                <a:ea typeface="Courier" charset="0"/>
+                <a:cs typeface="Courier" charset="0"/>
+                <a:sym typeface="Cabin"/>
+              </a:rPr>
+              <a:t>if</a:t>
+            </a:r>
+            <a:r>
+              <a:rPr lang="de-DE" sz="3200" dirty="0" smtClean="0">
+                <a:solidFill>
+                  <a:srgbClr val="FFFF00"/>
+                </a:solidFill>
+                <a:latin typeface="Courier" charset="0"/>
+                <a:ea typeface="Courier" charset="0"/>
+                <a:cs typeface="Courier" charset="0"/>
+                <a:sym typeface="Cabin"/>
+              </a:rPr>
+              <a:t>		</a:t>
+            </a:r>
+            <a:r>
+              <a:rPr lang="de-DE" sz="3200" dirty="0" err="1" smtClean="0">
+                <a:solidFill>
+                  <a:srgbClr val="FFFF00"/>
+                </a:solidFill>
+                <a:latin typeface="Courier" charset="0"/>
+                <a:ea typeface="Courier" charset="0"/>
+                <a:cs typeface="Courier" charset="0"/>
+                <a:sym typeface="Cabin"/>
+              </a:rPr>
+              <a:t>for</a:t>
+            </a:r>
+            <a:r>
+              <a:rPr lang="de-DE" sz="3200" dirty="0" smtClean="0">
+                <a:solidFill>
+                  <a:srgbClr val="FFFF00"/>
+                </a:solidFill>
+                <a:latin typeface="Courier" charset="0"/>
+                <a:ea typeface="Courier" charset="0"/>
+                <a:cs typeface="Courier" charset="0"/>
+                <a:sym typeface="Cabin"/>
+              </a:rPr>
+              <a:t> 	</a:t>
+            </a:r>
+            <a:r>
+              <a:rPr lang="de-DE" sz="3200" dirty="0" err="1" smtClean="0">
+                <a:solidFill>
+                  <a:srgbClr val="FFFF00"/>
+                </a:solidFill>
+                <a:latin typeface="Courier" charset="0"/>
+                <a:ea typeface="Courier" charset="0"/>
+                <a:cs typeface="Courier" charset="0"/>
+                <a:sym typeface="Cabin"/>
+              </a:rPr>
+              <a:t>lambda</a:t>
+            </a:r>
+            <a:r>
+              <a:rPr lang="de-DE" sz="3200" dirty="0" smtClean="0">
+                <a:solidFill>
+                  <a:srgbClr val="FFFF00"/>
+                </a:solidFill>
+                <a:latin typeface="Courier" charset="0"/>
+                <a:ea typeface="Courier" charset="0"/>
+                <a:cs typeface="Courier" charset="0"/>
+                <a:sym typeface="Cabin"/>
+              </a:rPr>
+              <a:t> 	</a:t>
+            </a:r>
+            <a:r>
+              <a:rPr lang="de-DE" sz="3200" dirty="0" err="1" smtClean="0">
+                <a:solidFill>
+                  <a:srgbClr val="FFFF00"/>
+                </a:solidFill>
+                <a:latin typeface="Courier" charset="0"/>
+                <a:ea typeface="Courier" charset="0"/>
+                <a:cs typeface="Courier" charset="0"/>
+                <a:sym typeface="Cabin"/>
+              </a:rPr>
+              <a:t>continue</a:t>
+            </a:r>
+            <a:r>
+              <a:rPr lang="de-DE" sz="3200" dirty="0" smtClean="0">
+                <a:solidFill>
+                  <a:srgbClr val="FFFF00"/>
+                </a:solidFill>
+                <a:latin typeface="Courier" charset="0"/>
+                <a:ea typeface="Courier" charset="0"/>
+                <a:cs typeface="Courier" charset="0"/>
                 <a:sym typeface="Cabin"/>
               </a:rPr>
               <a:t> </a:t>
             </a:r>
-            <a:r>
-              <a:rPr lang="en-US" sz="4900" u="none" strike="noStrike" cap="none">
-                <a:solidFill>
-                  <a:schemeClr val="lt1"/>
-                </a:solidFill>
-                <a:latin typeface="Arial" charset="0"/>
-                <a:ea typeface="Arial" charset="0"/>
-                <a:cs typeface="Arial" charset="0"/>
-                <a:sym typeface="Cabin"/>
-              </a:rPr>
-              <a:t>14               </a:t>
-            </a:r>
-          </a:p>
-        </p:txBody>
-      </p:sp>
-      <p:sp>
-        <p:nvSpPr>
-          <p:cNvPr id="262" name="Shape 262"/>
-          <p:cNvSpPr txBox="1"/>
-          <p:nvPr/>
-        </p:nvSpPr>
-        <p:spPr>
-          <a:xfrm>
-            <a:off x="9518650" y="6924664"/>
-            <a:ext cx="404811" cy="863599"/>
-          </a:xfrm>
-          <a:prstGeom prst="rect">
-            <a:avLst/>
-          </a:prstGeom>
-          <a:noFill/>
-          <a:ln>
-            <a:noFill/>
-          </a:ln>
-        </p:spPr>
-        <p:txBody>
-          <a:bodyPr lIns="0" tIns="0" rIns="0" bIns="0" anchor="ctr" anchorCtr="0">
-            <a:noAutofit/>
-          </a:bodyPr>
-          <a:lstStyle/>
-          <a:p>
-            <a:pPr marL="0" marR="0" lvl="0" indent="0" algn="ctr" rtl="0">
-              <a:lnSpc>
-                <a:spcPct val="100000"/>
-              </a:lnSpc>
-              <a:spcBef>
-                <a:spcPts val="0"/>
-              </a:spcBef>
-              <a:spcAft>
-                <a:spcPts val="0"/>
-              </a:spcAft>
+          </a:p>
+          <a:p>
+            <a:pPr lvl="0">
               <a:buClr>
-                <a:srgbClr val="00FF00"/>
+                <a:srgbClr val="FFFF00"/>
               </a:buClr>
               <a:buSzPct val="25000"/>
-              <a:buFont typeface="Cabin"/>
-              <a:buNone/>
-            </a:pPr>
-            <a:r>
-              <a:rPr lang="en-US" sz="5200" u="none" strike="noStrike" cap="none">
-                <a:solidFill>
-                  <a:srgbClr val="00FF00"/>
-                </a:solidFill>
-                <a:latin typeface="Arial" charset="0"/>
-                <a:ea typeface="Arial" charset="0"/>
-                <a:cs typeface="Arial" charset="0"/>
-                <a:sym typeface="Cabin"/>
-              </a:rPr>
-              <a:t>y</a:t>
-            </a:r>
-          </a:p>
-        </p:txBody>
-      </p:sp>
-      <p:sp>
-        <p:nvSpPr>
-          <p:cNvPr id="263" name="Shape 263"/>
-          <p:cNvSpPr txBox="1"/>
-          <p:nvPr/>
-        </p:nvSpPr>
-        <p:spPr>
-          <a:xfrm>
-            <a:off x="2624125" y="5314827"/>
-            <a:ext cx="4038900" cy="2387699"/>
-          </a:xfrm>
-          <a:prstGeom prst="rect">
-            <a:avLst/>
-          </a:prstGeom>
-          <a:noFill/>
-          <a:ln>
-            <a:noFill/>
-          </a:ln>
-        </p:spPr>
-        <p:txBody>
-          <a:bodyPr lIns="0" tIns="0" rIns="0" bIns="0" anchor="ctr" anchorCtr="0">
-            <a:noAutofit/>
-          </a:bodyPr>
-          <a:lstStyle/>
-          <a:p>
-            <a:pPr marL="0" marR="0" lvl="0" indent="0" algn="l" rtl="0">
-              <a:lnSpc>
-                <a:spcPct val="100000"/>
-              </a:lnSpc>
-              <a:spcBef>
-                <a:spcPts val="0"/>
-              </a:spcBef>
-              <a:spcAft>
-                <a:spcPts val="0"/>
-              </a:spcAft>
+            </a:pPr>
+            <a:r>
+              <a:rPr lang="de-DE" sz="3200" dirty="0" smtClean="0">
+                <a:solidFill>
+                  <a:srgbClr val="FFFF00"/>
+                </a:solidFill>
+                <a:latin typeface="Courier" charset="0"/>
+                <a:ea typeface="Courier" charset="0"/>
+                <a:cs typeface="Courier" charset="0"/>
+                <a:sym typeface="Cabin"/>
+              </a:rPr>
+              <a:t>True 	</a:t>
+            </a:r>
+            <a:r>
+              <a:rPr lang="de-DE" sz="3200" dirty="0" err="1" smtClean="0">
+                <a:solidFill>
+                  <a:srgbClr val="FFFF00"/>
+                </a:solidFill>
+                <a:latin typeface="Courier" charset="0"/>
+                <a:ea typeface="Courier" charset="0"/>
+                <a:cs typeface="Courier" charset="0"/>
+                <a:sym typeface="Cabin"/>
+              </a:rPr>
+              <a:t>def</a:t>
+            </a:r>
+            <a:r>
+              <a:rPr lang="de-DE" sz="3200" dirty="0" smtClean="0">
+                <a:solidFill>
+                  <a:srgbClr val="FFFF00"/>
+                </a:solidFill>
+                <a:latin typeface="Courier" charset="0"/>
+                <a:ea typeface="Courier" charset="0"/>
+                <a:cs typeface="Courier" charset="0"/>
+                <a:sym typeface="Cabin"/>
+              </a:rPr>
+              <a:t> 	</a:t>
+            </a:r>
+            <a:r>
+              <a:rPr lang="de-DE" sz="3200" dirty="0" err="1" smtClean="0">
+                <a:solidFill>
+                  <a:srgbClr val="FFFF00"/>
+                </a:solidFill>
+                <a:latin typeface="Courier" charset="0"/>
+                <a:ea typeface="Courier" charset="0"/>
+                <a:cs typeface="Courier" charset="0"/>
+                <a:sym typeface="Cabin"/>
+              </a:rPr>
+              <a:t>from</a:t>
+            </a:r>
+            <a:r>
+              <a:rPr lang="de-DE" sz="3200" dirty="0" smtClean="0">
+                <a:solidFill>
+                  <a:srgbClr val="FFFF00"/>
+                </a:solidFill>
+                <a:latin typeface="Courier" charset="0"/>
+                <a:ea typeface="Courier" charset="0"/>
+                <a:cs typeface="Courier" charset="0"/>
+                <a:sym typeface="Cabin"/>
+              </a:rPr>
+              <a:t> 	</a:t>
+            </a:r>
+            <a:r>
+              <a:rPr lang="de-DE" sz="3200" dirty="0" err="1" smtClean="0">
+                <a:solidFill>
+                  <a:srgbClr val="FFFF00"/>
+                </a:solidFill>
+                <a:latin typeface="Courier" charset="0"/>
+                <a:ea typeface="Courier" charset="0"/>
+                <a:cs typeface="Courier" charset="0"/>
+                <a:sym typeface="Cabin"/>
+              </a:rPr>
+              <a:t>while</a:t>
+            </a:r>
+            <a:r>
+              <a:rPr lang="de-DE" sz="3200" dirty="0" smtClean="0">
+                <a:solidFill>
+                  <a:srgbClr val="FFFF00"/>
+                </a:solidFill>
+                <a:latin typeface="Courier" charset="0"/>
+                <a:ea typeface="Courier" charset="0"/>
+                <a:cs typeface="Courier" charset="0"/>
+                <a:sym typeface="Cabin"/>
+              </a:rPr>
+              <a:t>	</a:t>
+            </a:r>
+            <a:r>
+              <a:rPr lang="de-DE" sz="3200" dirty="0" err="1" smtClean="0">
+                <a:solidFill>
+                  <a:srgbClr val="FFFF00"/>
+                </a:solidFill>
+                <a:latin typeface="Courier" charset="0"/>
+                <a:ea typeface="Courier" charset="0"/>
+                <a:cs typeface="Courier" charset="0"/>
+                <a:sym typeface="Cabin"/>
+              </a:rPr>
+              <a:t>nonlocal</a:t>
+            </a:r>
+            <a:endParaRPr lang="de-DE" sz="3200" dirty="0" smtClean="0">
+              <a:solidFill>
+                <a:srgbClr val="FFFF00"/>
+              </a:solidFill>
+              <a:latin typeface="Courier" charset="0"/>
+              <a:ea typeface="Courier" charset="0"/>
+              <a:cs typeface="Courier" charset="0"/>
+              <a:sym typeface="Cabin"/>
+            </a:endParaRPr>
+          </a:p>
+          <a:p>
+            <a:pPr lvl="0">
               <a:buClr>
-                <a:srgbClr val="00FF00"/>
+                <a:srgbClr val="FFFF00"/>
               </a:buClr>
               <a:buSzPct val="25000"/>
-              <a:buFont typeface="Cabin"/>
-              <a:buNone/>
-            </a:pPr>
-            <a:r>
-              <a:rPr lang="en-US" sz="4800" b="1" i="0" u="none" strike="noStrike" cap="none" dirty="0">
-                <a:solidFill>
-                  <a:srgbClr val="00FF00"/>
-                </a:solidFill>
-                <a:latin typeface="Courier New"/>
-                <a:ea typeface="Courier New"/>
-                <a:cs typeface="Courier New"/>
-                <a:sym typeface="Courier New"/>
-              </a:rPr>
-              <a:t>x </a:t>
-            </a:r>
-            <a:r>
-              <a:rPr lang="en-US" sz="4800" b="1" i="0" u="none" strike="noStrike" cap="none" dirty="0">
-                <a:solidFill>
-                  <a:srgbClr val="FFFFFF"/>
-                </a:solidFill>
-                <a:latin typeface="Courier New"/>
-                <a:ea typeface="Courier New"/>
-                <a:cs typeface="Courier New"/>
-                <a:sym typeface="Courier New"/>
-              </a:rPr>
-              <a:t>=</a:t>
-            </a:r>
-            <a:r>
-              <a:rPr lang="en-US" sz="4800" b="1" i="0" u="none" strike="noStrike" cap="none" dirty="0">
+            </a:pPr>
+            <a:r>
+              <a:rPr lang="de-DE" sz="3200" dirty="0" err="1" smtClean="0">
                 <a:solidFill>
                   <a:srgbClr val="FFFF00"/>
                 </a:solidFill>
-                <a:latin typeface="Courier New"/>
-                <a:ea typeface="Courier New"/>
-                <a:cs typeface="Courier New"/>
-                <a:sym typeface="Courier New"/>
-              </a:rPr>
-              <a:t> </a:t>
-            </a:r>
-            <a:r>
-              <a:rPr lang="en-US" sz="4800" b="1" i="0" u="none" strike="noStrike" cap="none" dirty="0">
-                <a:solidFill>
-                  <a:srgbClr val="FF9900"/>
-                </a:solidFill>
-                <a:latin typeface="Courier New"/>
-                <a:ea typeface="Courier New"/>
-                <a:cs typeface="Courier New"/>
-                <a:sym typeface="Courier New"/>
-              </a:rPr>
-              <a:t>12.2</a:t>
-            </a:r>
-          </a:p>
-          <a:p>
-            <a:pPr marL="0" marR="0" lvl="0" indent="0" algn="l" rtl="0">
-              <a:lnSpc>
-                <a:spcPct val="100000"/>
-              </a:lnSpc>
-              <a:spcBef>
-                <a:spcPts val="0"/>
-              </a:spcBef>
-              <a:spcAft>
-                <a:spcPts val="0"/>
-              </a:spcAft>
+                <a:latin typeface="Courier" charset="0"/>
+                <a:ea typeface="Courier" charset="0"/>
+                <a:cs typeface="Courier" charset="0"/>
+                <a:sym typeface="Cabin"/>
+              </a:rPr>
+              <a:t>and</a:t>
+            </a:r>
+            <a:r>
+              <a:rPr lang="de-DE" sz="3200" dirty="0" smtClean="0">
+                <a:solidFill>
+                  <a:srgbClr val="FFFF00"/>
+                </a:solidFill>
+                <a:latin typeface="Courier" charset="0"/>
+                <a:ea typeface="Courier" charset="0"/>
+                <a:cs typeface="Courier" charset="0"/>
+                <a:sym typeface="Cabin"/>
+              </a:rPr>
+              <a:t> 	del 	global 	not 	</a:t>
+            </a:r>
+            <a:r>
+              <a:rPr lang="de-DE" sz="3200" dirty="0" err="1" smtClean="0">
+                <a:solidFill>
+                  <a:srgbClr val="FFFF00"/>
+                </a:solidFill>
+                <a:latin typeface="Courier" charset="0"/>
+                <a:ea typeface="Courier" charset="0"/>
+                <a:cs typeface="Courier" charset="0"/>
+                <a:sym typeface="Cabin"/>
+              </a:rPr>
+              <a:t>with</a:t>
+            </a:r>
+            <a:endParaRPr lang="de-DE" sz="3200" dirty="0" smtClean="0">
+              <a:solidFill>
+                <a:srgbClr val="FFFF00"/>
+              </a:solidFill>
+              <a:latin typeface="Courier" charset="0"/>
+              <a:ea typeface="Courier" charset="0"/>
+              <a:cs typeface="Courier" charset="0"/>
+              <a:sym typeface="Cabin"/>
+            </a:endParaRPr>
+          </a:p>
+          <a:p>
+            <a:pPr lvl="0">
               <a:buClr>
-                <a:srgbClr val="00FF00"/>
+                <a:srgbClr val="FFFF00"/>
               </a:buClr>
               <a:buSzPct val="25000"/>
-              <a:buFont typeface="Cabin"/>
-              <a:buNone/>
-            </a:pPr>
-            <a:r>
-              <a:rPr lang="en-US" sz="4800" b="1" i="0" u="none" strike="noStrike" cap="none" dirty="0">
-                <a:solidFill>
-                  <a:srgbClr val="00FF00"/>
-                </a:solidFill>
-                <a:latin typeface="Courier New"/>
-                <a:ea typeface="Courier New"/>
-                <a:cs typeface="Courier New"/>
-                <a:sym typeface="Courier New"/>
-              </a:rPr>
-              <a:t>y</a:t>
-            </a:r>
-            <a:r>
-              <a:rPr lang="en-US" sz="4800" b="1" i="0" u="none" strike="noStrike" cap="none" dirty="0">
+            </a:pPr>
+            <a:r>
+              <a:rPr lang="de-DE" sz="3200" dirty="0" err="1" smtClean="0">
                 <a:solidFill>
                   <a:srgbClr val="FFFF00"/>
                 </a:solidFill>
-                <a:latin typeface="Courier New"/>
-                <a:ea typeface="Courier New"/>
-                <a:cs typeface="Courier New"/>
-                <a:sym typeface="Courier New"/>
-              </a:rPr>
-              <a:t> </a:t>
-            </a:r>
-            <a:r>
-              <a:rPr lang="en-US" sz="4800" b="1" i="0" u="none" strike="noStrike" cap="none" dirty="0">
-                <a:solidFill>
-                  <a:srgbClr val="FFFFFF"/>
-                </a:solidFill>
-                <a:latin typeface="Courier New"/>
-                <a:ea typeface="Courier New"/>
-                <a:cs typeface="Courier New"/>
-                <a:sym typeface="Courier New"/>
-              </a:rPr>
-              <a:t>=</a:t>
-            </a:r>
-            <a:r>
-              <a:rPr lang="en-US" sz="4800" b="1" i="0" u="none" strike="noStrike" cap="none" dirty="0">
+                <a:latin typeface="Courier" charset="0"/>
+                <a:ea typeface="Courier" charset="0"/>
+                <a:cs typeface="Courier" charset="0"/>
+                <a:sym typeface="Cabin"/>
+              </a:rPr>
+              <a:t>as</a:t>
+            </a:r>
+            <a:r>
+              <a:rPr lang="de-DE" sz="3200" dirty="0" smtClean="0">
                 <a:solidFill>
                   <a:srgbClr val="FFFF00"/>
                 </a:solidFill>
-                <a:latin typeface="Courier New"/>
-                <a:ea typeface="Courier New"/>
-                <a:cs typeface="Courier New"/>
-                <a:sym typeface="Courier New"/>
-              </a:rPr>
-              <a:t> </a:t>
-            </a:r>
-            <a:r>
-              <a:rPr lang="en-US" sz="4800" b="1" i="0" u="none" strike="noStrike" cap="none" dirty="0">
-                <a:solidFill>
-                  <a:srgbClr val="FF9900"/>
-                </a:solidFill>
-                <a:latin typeface="Courier New"/>
-                <a:ea typeface="Courier New"/>
-                <a:cs typeface="Courier New"/>
-                <a:sym typeface="Courier New"/>
-              </a:rPr>
-              <a:t>14</a:t>
-            </a:r>
-          </a:p>
-          <a:p>
-            <a:pPr marL="0" marR="0" lvl="0" indent="0" algn="ctr" rtl="0">
-              <a:lnSpc>
-                <a:spcPct val="100000"/>
-              </a:lnSpc>
-              <a:spcBef>
-                <a:spcPts val="0"/>
-              </a:spcBef>
-              <a:spcAft>
-                <a:spcPts val="0"/>
-              </a:spcAft>
-              <a:buNone/>
-            </a:pPr>
-            <a:endParaRPr sz="4800" b="1" dirty="0">
-              <a:latin typeface="Courier New"/>
-              <a:ea typeface="Courier New"/>
-              <a:cs typeface="Courier New"/>
-              <a:sym typeface="Courier New"/>
+                <a:latin typeface="Courier" charset="0"/>
+                <a:ea typeface="Courier" charset="0"/>
+                <a:cs typeface="Courier" charset="0"/>
+                <a:sym typeface="Cabin"/>
+              </a:rPr>
+              <a:t>  	</a:t>
+            </a:r>
+            <a:r>
+              <a:rPr lang="de-DE" sz="3200" dirty="0" err="1" smtClean="0">
+                <a:solidFill>
+                  <a:srgbClr val="FFFF00"/>
+                </a:solidFill>
+                <a:latin typeface="Courier" charset="0"/>
+                <a:ea typeface="Courier" charset="0"/>
+                <a:cs typeface="Courier" charset="0"/>
+                <a:sym typeface="Cabin"/>
+              </a:rPr>
+              <a:t>elif</a:t>
+            </a:r>
+            <a:r>
+              <a:rPr lang="de-DE" sz="3200" dirty="0" smtClean="0">
+                <a:solidFill>
+                  <a:srgbClr val="FFFF00"/>
+                </a:solidFill>
+                <a:latin typeface="Courier" charset="0"/>
+                <a:ea typeface="Courier" charset="0"/>
+                <a:cs typeface="Courier" charset="0"/>
+                <a:sym typeface="Cabin"/>
+              </a:rPr>
+              <a:t> 	</a:t>
+            </a:r>
+            <a:r>
+              <a:rPr lang="de-DE" sz="3200" dirty="0" err="1" smtClean="0">
+                <a:solidFill>
+                  <a:srgbClr val="FFFF00"/>
+                </a:solidFill>
+                <a:latin typeface="Courier" charset="0"/>
+                <a:ea typeface="Courier" charset="0"/>
+                <a:cs typeface="Courier" charset="0"/>
+                <a:sym typeface="Cabin"/>
+              </a:rPr>
+              <a:t>try</a:t>
+            </a:r>
+            <a:r>
+              <a:rPr lang="de-DE" sz="3200" dirty="0" smtClean="0">
+                <a:solidFill>
+                  <a:srgbClr val="FFFF00"/>
+                </a:solidFill>
+                <a:latin typeface="Courier" charset="0"/>
+                <a:ea typeface="Courier" charset="0"/>
+                <a:cs typeface="Courier" charset="0"/>
+                <a:sym typeface="Cabin"/>
+              </a:rPr>
+              <a:t>		</a:t>
+            </a:r>
+            <a:r>
+              <a:rPr lang="de-DE" sz="3200" dirty="0" err="1" smtClean="0">
+                <a:solidFill>
+                  <a:srgbClr val="FFFF00"/>
+                </a:solidFill>
+                <a:latin typeface="Courier" charset="0"/>
+                <a:ea typeface="Courier" charset="0"/>
+                <a:cs typeface="Courier" charset="0"/>
+                <a:sym typeface="Cabin"/>
+              </a:rPr>
+              <a:t>or</a:t>
+            </a:r>
+            <a:r>
+              <a:rPr lang="de-DE" sz="3200" dirty="0" smtClean="0">
+                <a:solidFill>
+                  <a:srgbClr val="FFFF00"/>
+                </a:solidFill>
+                <a:latin typeface="Courier" charset="0"/>
+                <a:ea typeface="Courier" charset="0"/>
+                <a:cs typeface="Courier" charset="0"/>
+                <a:sym typeface="Cabin"/>
+              </a:rPr>
+              <a:t> 		</a:t>
+            </a:r>
+            <a:r>
+              <a:rPr lang="de-DE" sz="3200" dirty="0" err="1" smtClean="0">
+                <a:solidFill>
+                  <a:srgbClr val="FFFF00"/>
+                </a:solidFill>
+                <a:latin typeface="Courier" charset="0"/>
+                <a:ea typeface="Courier" charset="0"/>
+                <a:cs typeface="Courier" charset="0"/>
+                <a:sym typeface="Cabin"/>
+              </a:rPr>
+              <a:t>yield</a:t>
+            </a:r>
+            <a:endParaRPr lang="de-DE" sz="3200" dirty="0" smtClean="0">
+              <a:solidFill>
+                <a:srgbClr val="FFFF00"/>
+              </a:solidFill>
+              <a:latin typeface="Courier" charset="0"/>
+              <a:ea typeface="Courier" charset="0"/>
+              <a:cs typeface="Courier" charset="0"/>
+              <a:sym typeface="Cabin"/>
             </a:endParaRPr>
           </a:p>
-        </p:txBody>
-      </p:sp>
-      <p:sp>
-        <p:nvSpPr>
-          <p:cNvPr id="264" name="Shape 264"/>
-          <p:cNvSpPr txBox="1"/>
-          <p:nvPr/>
-        </p:nvSpPr>
-        <p:spPr>
-          <a:xfrm>
-            <a:off x="2624125" y="8034325"/>
-            <a:ext cx="3789000" cy="863700"/>
-          </a:xfrm>
-          <a:prstGeom prst="rect">
-            <a:avLst/>
-          </a:prstGeom>
-          <a:noFill/>
-          <a:ln>
-            <a:noFill/>
-          </a:ln>
-        </p:spPr>
-        <p:txBody>
-          <a:bodyPr lIns="0" tIns="0" rIns="0" bIns="0" anchor="ctr" anchorCtr="0">
-            <a:noAutofit/>
-          </a:bodyPr>
-          <a:lstStyle/>
-          <a:p>
-            <a:pPr marL="0" marR="0" lvl="0" indent="0" algn="l" rtl="0">
-              <a:lnSpc>
-                <a:spcPct val="100000"/>
-              </a:lnSpc>
-              <a:spcBef>
-                <a:spcPts val="0"/>
-              </a:spcBef>
-              <a:spcAft>
-                <a:spcPts val="0"/>
-              </a:spcAft>
+          <a:p>
+            <a:pPr lvl="0">
               <a:buClr>
-                <a:srgbClr val="00FF00"/>
+                <a:srgbClr val="FFFF00"/>
               </a:buClr>
-              <a:buFont typeface="Cabin"/>
-              <a:buNone/>
-            </a:pPr>
-            <a:endParaRPr sz="4800">
-              <a:latin typeface="Courier New"/>
-              <a:ea typeface="Courier New"/>
-              <a:cs typeface="Courier New"/>
-              <a:sym typeface="Courier New"/>
+              <a:buSzPct val="25000"/>
+            </a:pPr>
+            <a:r>
+              <a:rPr lang="de-DE" sz="3200" dirty="0" err="1" smtClean="0">
+                <a:solidFill>
+                  <a:srgbClr val="FFFF00"/>
+                </a:solidFill>
+                <a:latin typeface="Courier" charset="0"/>
+                <a:ea typeface="Courier" charset="0"/>
+                <a:cs typeface="Courier" charset="0"/>
+                <a:sym typeface="Cabin"/>
+              </a:rPr>
+              <a:t>assert</a:t>
+            </a:r>
+            <a:r>
+              <a:rPr lang="de-DE" sz="3200" dirty="0" smtClean="0">
+                <a:solidFill>
+                  <a:srgbClr val="FFFF00"/>
+                </a:solidFill>
+                <a:latin typeface="Courier" charset="0"/>
+                <a:ea typeface="Courier" charset="0"/>
+                <a:cs typeface="Courier" charset="0"/>
+                <a:sym typeface="Cabin"/>
+              </a:rPr>
+              <a:t> 	</a:t>
+            </a:r>
+            <a:r>
+              <a:rPr lang="de-DE" sz="3200" dirty="0" err="1" smtClean="0">
+                <a:solidFill>
+                  <a:srgbClr val="FFFF00"/>
+                </a:solidFill>
+                <a:latin typeface="Courier" charset="0"/>
+                <a:ea typeface="Courier" charset="0"/>
+                <a:cs typeface="Courier" charset="0"/>
+                <a:sym typeface="Cabin"/>
+              </a:rPr>
+              <a:t>else</a:t>
+            </a:r>
+            <a:r>
+              <a:rPr lang="de-DE" sz="3200" dirty="0" smtClean="0">
+                <a:solidFill>
+                  <a:srgbClr val="FFFF00"/>
+                </a:solidFill>
+                <a:latin typeface="Courier" charset="0"/>
+                <a:ea typeface="Courier" charset="0"/>
+                <a:cs typeface="Courier" charset="0"/>
+                <a:sym typeface="Cabin"/>
+              </a:rPr>
+              <a:t> 	</a:t>
+            </a:r>
+            <a:r>
+              <a:rPr lang="de-DE" sz="3200" dirty="0" err="1" smtClean="0">
+                <a:solidFill>
+                  <a:srgbClr val="FFFF00"/>
+                </a:solidFill>
+                <a:latin typeface="Courier" charset="0"/>
+                <a:ea typeface="Courier" charset="0"/>
+                <a:cs typeface="Courier" charset="0"/>
+                <a:sym typeface="Cabin"/>
+              </a:rPr>
+              <a:t>import</a:t>
+            </a:r>
+            <a:r>
+              <a:rPr lang="de-DE" sz="3200" dirty="0" smtClean="0">
+                <a:solidFill>
+                  <a:srgbClr val="FFFF00"/>
+                </a:solidFill>
+                <a:latin typeface="Courier" charset="0"/>
+                <a:ea typeface="Courier" charset="0"/>
+                <a:cs typeface="Courier" charset="0"/>
+                <a:sym typeface="Cabin"/>
+              </a:rPr>
+              <a:t> 	pass</a:t>
+            </a:r>
+          </a:p>
+          <a:p>
+            <a:pPr lvl="0">
+              <a:buClr>
+                <a:srgbClr val="FFFF00"/>
+              </a:buClr>
+              <a:buSzPct val="25000"/>
+            </a:pPr>
+            <a:r>
+              <a:rPr lang="de-DE" sz="3200" dirty="0" smtClean="0">
+                <a:solidFill>
+                  <a:srgbClr val="FFFF00"/>
+                </a:solidFill>
+                <a:latin typeface="Courier" charset="0"/>
+                <a:ea typeface="Courier" charset="0"/>
+                <a:cs typeface="Courier" charset="0"/>
+                <a:sym typeface="Cabin"/>
+              </a:rPr>
+              <a:t>break 	</a:t>
+            </a:r>
+            <a:r>
+              <a:rPr lang="de-DE" sz="3200" dirty="0" err="1" smtClean="0">
+                <a:solidFill>
+                  <a:srgbClr val="FFFF00"/>
+                </a:solidFill>
+                <a:latin typeface="Courier" charset="0"/>
+                <a:ea typeface="Courier" charset="0"/>
+                <a:cs typeface="Courier" charset="0"/>
+                <a:sym typeface="Cabin"/>
+              </a:rPr>
+              <a:t>except</a:t>
+            </a:r>
+            <a:r>
+              <a:rPr lang="de-DE" sz="3200" dirty="0" smtClean="0">
+                <a:solidFill>
+                  <a:srgbClr val="FFFF00"/>
+                </a:solidFill>
+                <a:latin typeface="Courier" charset="0"/>
+                <a:ea typeface="Courier" charset="0"/>
+                <a:cs typeface="Courier" charset="0"/>
+                <a:sym typeface="Cabin"/>
+              </a:rPr>
+              <a:t> 	in 		</a:t>
+            </a:r>
+            <a:r>
+              <a:rPr lang="de-DE" sz="3200" dirty="0" err="1" smtClean="0">
+                <a:solidFill>
+                  <a:srgbClr val="FFFF00"/>
+                </a:solidFill>
+                <a:latin typeface="Courier" charset="0"/>
+                <a:ea typeface="Courier" charset="0"/>
+                <a:cs typeface="Courier" charset="0"/>
+                <a:sym typeface="Cabin"/>
+              </a:rPr>
+              <a:t>raise</a:t>
+            </a:r>
+            <a:endParaRPr lang="en-US" sz="3200" u="none" strike="noStrike" cap="none" dirty="0">
+              <a:solidFill>
+                <a:srgbClr val="FFFF00"/>
+              </a:solidFill>
+              <a:latin typeface="Courier" charset="0"/>
+              <a:ea typeface="Courier" charset="0"/>
+              <a:cs typeface="Courier" charset="0"/>
+              <a:sym typeface="Cabin"/>
             </a:endParaRPr>
           </a:p>
         </p:txBody>
       </p:sp>
     </p:spTree>
+    <p:extLst>
+      <p:ext uri="{BB962C8B-B14F-4D97-AF65-F5344CB8AC3E}">
+        <p14:creationId xmlns:p14="http://schemas.microsoft.com/office/powerpoint/2010/main" val="1975938753"/>
+      </p:ext>
+    </p:extLst>
   </p:cSld>
   <p:clrMapOvr>
     <a:masterClrMapping/>
@@ -28352,6 +28129,838 @@
 </file>
 
 <file path=ppt/slides/slide4.xml><?xml version="1.0" encoding="utf-8"?>
+<p:sld xmlns:a="http://schemas.openxmlformats.org/drawingml/2006/main" xmlns:r="http://schemas.openxmlformats.org/officeDocument/2006/relationships" xmlns:p="http://schemas.openxmlformats.org/presentationml/2006/main">
+  <p:cSld>
+    <p:spTree>
+      <p:nvGrpSpPr>
+        <p:cNvPr id="1" name="Shape 256"/>
+        <p:cNvGrpSpPr/>
+        <p:nvPr/>
+      </p:nvGrpSpPr>
+      <p:grpSpPr>
+        <a:xfrm>
+          <a:off x="0" y="0"/>
+          <a:ext cx="0" cy="0"/>
+          <a:chOff x="0" y="0"/>
+          <a:chExt cx="0" cy="0"/>
+        </a:xfrm>
+      </p:grpSpPr>
+      <p:sp>
+        <p:nvSpPr>
+          <p:cNvPr id="257" name="Shape 257"/>
+          <p:cNvSpPr txBox="1">
+            <a:spLocks noGrp="1"/>
+          </p:cNvSpPr>
+          <p:nvPr>
+            <p:ph type="title"/>
+          </p:nvPr>
+        </p:nvSpPr>
+        <p:spPr>
+          <a:prstGeom prst="rect">
+            <a:avLst/>
+          </a:prstGeom>
+          <a:noFill/>
+          <a:ln>
+            <a:noFill/>
+          </a:ln>
+        </p:spPr>
+        <p:txBody>
+          <a:bodyPr lIns="38100" tIns="38100" rIns="38100" bIns="38100" anchor="ctr" anchorCtr="0">
+            <a:noAutofit/>
+          </a:bodyPr>
+          <a:lstStyle/>
+          <a:p>
+            <a:pPr marL="0" marR="0" lvl="0" indent="0" algn="ctr" rtl="0">
+              <a:lnSpc>
+                <a:spcPct val="100000"/>
+              </a:lnSpc>
+              <a:spcBef>
+                <a:spcPts val="0"/>
+              </a:spcBef>
+              <a:spcAft>
+                <a:spcPts val="0"/>
+              </a:spcAft>
+              <a:buClr>
+                <a:srgbClr val="00FF00"/>
+              </a:buClr>
+              <a:buSzPct val="25000"/>
+              <a:buFont typeface="Cabin"/>
+              <a:buNone/>
+            </a:pPr>
+            <a:r>
+              <a:rPr lang="en-US" sz="7600" u="none" strike="noStrike" cap="none">
+                <a:solidFill>
+                  <a:srgbClr val="FFFF00"/>
+                </a:solidFill>
+                <a:latin typeface="Arial" charset="0"/>
+                <a:ea typeface="Arial" charset="0"/>
+                <a:cs typeface="Arial" charset="0"/>
+                <a:sym typeface="Cabin"/>
+              </a:rPr>
+              <a:t>Variables</a:t>
+            </a:r>
+          </a:p>
+        </p:txBody>
+      </p:sp>
+      <p:sp>
+        <p:nvSpPr>
+          <p:cNvPr id="258" name="Shape 258"/>
+          <p:cNvSpPr txBox="1">
+            <a:spLocks noGrp="1"/>
+          </p:cNvSpPr>
+          <p:nvPr>
+            <p:ph type="body" idx="1"/>
+          </p:nvPr>
+        </p:nvSpPr>
+        <p:spPr>
+          <a:xfrm>
+            <a:off x="812800" y="2133601"/>
+            <a:ext cx="14630400" cy="2674938"/>
+          </a:xfrm>
+          <a:prstGeom prst="rect">
+            <a:avLst/>
+          </a:prstGeom>
+          <a:noFill/>
+          <a:ln>
+            <a:noFill/>
+          </a:ln>
+        </p:spPr>
+        <p:txBody>
+          <a:bodyPr lIns="38100" tIns="38100" rIns="38100" bIns="38100" anchor="ctr" anchorCtr="0">
+            <a:noAutofit/>
+          </a:bodyPr>
+          <a:lstStyle/>
+          <a:p>
+            <a:pPr marL="749300" marR="0" lvl="0" indent="-371094" algn="l" rtl="0">
+              <a:lnSpc>
+                <a:spcPct val="100000"/>
+              </a:lnSpc>
+              <a:spcBef>
+                <a:spcPts val="0"/>
+              </a:spcBef>
+              <a:spcAft>
+                <a:spcPts val="0"/>
+              </a:spcAft>
+              <a:buClr>
+                <a:schemeClr val="lt1"/>
+              </a:buClr>
+              <a:buSzPct val="100000"/>
+              <a:buFont typeface="Cabin"/>
+              <a:buChar char="•"/>
+            </a:pPr>
+            <a:r>
+              <a:rPr lang="en-US" sz="3200" u="none" strike="noStrike" cap="none" dirty="0">
+                <a:solidFill>
+                  <a:schemeClr val="lt1"/>
+                </a:solidFill>
+                <a:latin typeface="Arial" charset="0"/>
+                <a:ea typeface="Arial" charset="0"/>
+                <a:cs typeface="Arial" charset="0"/>
+                <a:sym typeface="Cabin"/>
+              </a:rPr>
+              <a:t>A </a:t>
+            </a:r>
+            <a:r>
+              <a:rPr lang="en-US" sz="3200" u="none" strike="noStrike" cap="none" dirty="0">
+                <a:solidFill>
+                  <a:srgbClr val="00FF00"/>
+                </a:solidFill>
+                <a:latin typeface="Arial" charset="0"/>
+                <a:ea typeface="Arial" charset="0"/>
+                <a:cs typeface="Arial" charset="0"/>
+                <a:sym typeface="Cabin"/>
+              </a:rPr>
+              <a:t>variable</a:t>
+            </a:r>
+            <a:r>
+              <a:rPr lang="en-US" sz="3200" u="none" strike="noStrike" cap="none" dirty="0">
+                <a:solidFill>
+                  <a:schemeClr val="lt1"/>
+                </a:solidFill>
+                <a:latin typeface="Arial" charset="0"/>
+                <a:ea typeface="Arial" charset="0"/>
+                <a:cs typeface="Arial" charset="0"/>
+                <a:sym typeface="Cabin"/>
+              </a:rPr>
+              <a:t> is a named place in the memory where a programmer can store data and later retrieve the data using the </a:t>
+            </a:r>
+            <a:r>
+              <a:rPr lang="en-US" sz="3200" u="none" strike="noStrike" cap="none" dirty="0">
+                <a:solidFill>
+                  <a:srgbClr val="00FF00"/>
+                </a:solidFill>
+                <a:latin typeface="Arial" charset="0"/>
+                <a:ea typeface="Arial" charset="0"/>
+                <a:cs typeface="Arial" charset="0"/>
+                <a:sym typeface="Cabin"/>
+              </a:rPr>
+              <a:t>variable</a:t>
+            </a:r>
+            <a:r>
+              <a:rPr lang="en-US" sz="3200" u="none" strike="noStrike" cap="none" dirty="0">
+                <a:solidFill>
+                  <a:schemeClr val="lt1"/>
+                </a:solidFill>
+                <a:latin typeface="Arial" charset="0"/>
+                <a:ea typeface="Arial" charset="0"/>
+                <a:cs typeface="Arial" charset="0"/>
+                <a:sym typeface="Cabin"/>
+              </a:rPr>
+              <a:t> </a:t>
+            </a:r>
+            <a:r>
+              <a:rPr lang="en-US" sz="3200" b="0" i="0" u="none" strike="noStrike" cap="none" dirty="0">
+                <a:solidFill>
+                  <a:schemeClr val="lt1"/>
+                </a:solidFill>
+                <a:sym typeface="Arial"/>
+              </a:rPr>
+              <a:t>“</a:t>
+            </a:r>
+            <a:r>
+              <a:rPr lang="en-US" sz="3200" u="none" strike="noStrike" cap="none" dirty="0">
+                <a:solidFill>
+                  <a:schemeClr val="lt1"/>
+                </a:solidFill>
+                <a:latin typeface="Arial" charset="0"/>
+                <a:ea typeface="Arial" charset="0"/>
+                <a:cs typeface="Arial" charset="0"/>
+                <a:sym typeface="Cabin"/>
+              </a:rPr>
+              <a:t>name</a:t>
+            </a:r>
+            <a:r>
+              <a:rPr lang="en-US" sz="3200" b="0" i="0" u="none" strike="noStrike" cap="none" dirty="0">
+                <a:solidFill>
+                  <a:schemeClr val="lt1"/>
+                </a:solidFill>
+                <a:sym typeface="Arial"/>
+              </a:rPr>
+              <a:t>”</a:t>
+            </a:r>
+          </a:p>
+          <a:p>
+            <a:pPr marL="749300" marR="0" lvl="0" indent="-371094" algn="l" rtl="0">
+              <a:lnSpc>
+                <a:spcPct val="100000"/>
+              </a:lnSpc>
+              <a:spcBef>
+                <a:spcPts val="3500"/>
+              </a:spcBef>
+              <a:spcAft>
+                <a:spcPts val="0"/>
+              </a:spcAft>
+              <a:buClr>
+                <a:schemeClr val="lt1"/>
+              </a:buClr>
+              <a:buSzPct val="100000"/>
+              <a:buFont typeface="Cabin"/>
+              <a:buChar char="•"/>
+            </a:pPr>
+            <a:r>
+              <a:rPr lang="en-US" sz="3200" u="none" strike="noStrike" cap="none" dirty="0">
+                <a:solidFill>
+                  <a:schemeClr val="lt1"/>
+                </a:solidFill>
+                <a:latin typeface="Arial" charset="0"/>
+                <a:ea typeface="Arial" charset="0"/>
+                <a:cs typeface="Arial" charset="0"/>
+                <a:sym typeface="Cabin"/>
+              </a:rPr>
+              <a:t>Programmers get to choose the names of the </a:t>
+            </a:r>
+            <a:r>
+              <a:rPr lang="en-US" sz="3200" u="none" strike="noStrike" cap="none" dirty="0">
+                <a:solidFill>
+                  <a:srgbClr val="00FF00"/>
+                </a:solidFill>
+                <a:latin typeface="Arial" charset="0"/>
+                <a:ea typeface="Arial" charset="0"/>
+                <a:cs typeface="Arial" charset="0"/>
+                <a:sym typeface="Cabin"/>
+              </a:rPr>
+              <a:t>variables</a:t>
+            </a:r>
+          </a:p>
+          <a:p>
+            <a:pPr marL="749300" marR="0" lvl="0" indent="-371094" algn="l" rtl="0">
+              <a:lnSpc>
+                <a:spcPct val="100000"/>
+              </a:lnSpc>
+              <a:spcBef>
+                <a:spcPts val="3500"/>
+              </a:spcBef>
+              <a:spcAft>
+                <a:spcPts val="0"/>
+              </a:spcAft>
+              <a:buClr>
+                <a:schemeClr val="lt1"/>
+              </a:buClr>
+              <a:buSzPct val="100000"/>
+              <a:buFont typeface="Cabin"/>
+              <a:buChar char="•"/>
+            </a:pPr>
+            <a:r>
+              <a:rPr lang="en-US" sz="3200" u="none" strike="noStrike" cap="none" dirty="0">
+                <a:solidFill>
+                  <a:schemeClr val="lt1"/>
+                </a:solidFill>
+                <a:latin typeface="Arial" charset="0"/>
+                <a:ea typeface="Arial" charset="0"/>
+                <a:cs typeface="Arial" charset="0"/>
+                <a:sym typeface="Cabin"/>
+              </a:rPr>
+              <a:t>You can change the contents of a </a:t>
+            </a:r>
+            <a:r>
+              <a:rPr lang="en-US" sz="3200" u="none" strike="noStrike" cap="none" dirty="0">
+                <a:solidFill>
+                  <a:srgbClr val="00FF00"/>
+                </a:solidFill>
+                <a:latin typeface="Arial" charset="0"/>
+                <a:ea typeface="Arial" charset="0"/>
+                <a:cs typeface="Arial" charset="0"/>
+                <a:sym typeface="Cabin"/>
+              </a:rPr>
+              <a:t>variable </a:t>
+            </a:r>
+            <a:r>
+              <a:rPr lang="en-US" sz="3200" u="none" strike="noStrike" cap="none" dirty="0">
+                <a:solidFill>
+                  <a:schemeClr val="lt1"/>
+                </a:solidFill>
+                <a:latin typeface="Arial" charset="0"/>
+                <a:ea typeface="Arial" charset="0"/>
+                <a:cs typeface="Arial" charset="0"/>
+                <a:sym typeface="Cabin"/>
+              </a:rPr>
+              <a:t>in a later statement</a:t>
+            </a:r>
+          </a:p>
+        </p:txBody>
+      </p:sp>
+      <p:sp>
+        <p:nvSpPr>
+          <p:cNvPr id="259" name="Shape 259"/>
+          <p:cNvSpPr txBox="1"/>
+          <p:nvPr/>
+        </p:nvSpPr>
+        <p:spPr>
+          <a:xfrm>
+            <a:off x="10388600" y="5083164"/>
+            <a:ext cx="5016500" cy="1270000"/>
+          </a:xfrm>
+          <a:prstGeom prst="rect">
+            <a:avLst/>
+          </a:prstGeom>
+          <a:noFill/>
+          <a:ln w="76200" cap="flat" cmpd="sng">
+            <a:solidFill>
+              <a:srgbClr val="00FFFF"/>
+            </a:solidFill>
+            <a:prstDash val="solid"/>
+            <a:round/>
+            <a:headEnd type="none" w="med" len="med"/>
+            <a:tailEnd type="none" w="med" len="med"/>
+          </a:ln>
+        </p:spPr>
+        <p:txBody>
+          <a:bodyPr lIns="0" tIns="0" rIns="0" bIns="0" anchor="ctr" anchorCtr="0">
+            <a:noAutofit/>
+          </a:bodyPr>
+          <a:lstStyle/>
+          <a:p>
+            <a:pPr marL="0" marR="0" lvl="0" indent="0" algn="l" rtl="0">
+              <a:lnSpc>
+                <a:spcPct val="100000"/>
+              </a:lnSpc>
+              <a:spcBef>
+                <a:spcPts val="0"/>
+              </a:spcBef>
+              <a:spcAft>
+                <a:spcPts val="0"/>
+              </a:spcAft>
+              <a:buClr>
+                <a:srgbClr val="FF7F00"/>
+              </a:buClr>
+              <a:buSzPct val="25000"/>
+              <a:buFont typeface="Cabin"/>
+              <a:buNone/>
+            </a:pPr>
+            <a:r>
+              <a:rPr lang="en-US" sz="4900">
+                <a:solidFill>
+                  <a:schemeClr val="lt1"/>
+                </a:solidFill>
+                <a:latin typeface="Arial" charset="0"/>
+                <a:ea typeface="Arial" charset="0"/>
+                <a:cs typeface="Arial" charset="0"/>
+                <a:sym typeface="Cabin"/>
+              </a:rPr>
+              <a:t> </a:t>
+            </a:r>
+            <a:r>
+              <a:rPr lang="en-US" sz="4900" u="none" strike="noStrike" cap="none">
+                <a:solidFill>
+                  <a:schemeClr val="lt1"/>
+                </a:solidFill>
+                <a:latin typeface="Arial" charset="0"/>
+                <a:ea typeface="Arial" charset="0"/>
+                <a:cs typeface="Arial" charset="0"/>
+                <a:sym typeface="Cabin"/>
+              </a:rPr>
+              <a:t>12.2</a:t>
+            </a:r>
+          </a:p>
+        </p:txBody>
+      </p:sp>
+      <p:sp>
+        <p:nvSpPr>
+          <p:cNvPr id="260" name="Shape 260"/>
+          <p:cNvSpPr txBox="1"/>
+          <p:nvPr/>
+        </p:nvSpPr>
+        <p:spPr>
+          <a:xfrm>
+            <a:off x="9534525" y="5280014"/>
+            <a:ext cx="444500" cy="863599"/>
+          </a:xfrm>
+          <a:prstGeom prst="rect">
+            <a:avLst/>
+          </a:prstGeom>
+          <a:noFill/>
+          <a:ln>
+            <a:noFill/>
+          </a:ln>
+        </p:spPr>
+        <p:txBody>
+          <a:bodyPr lIns="0" tIns="0" rIns="0" bIns="0" anchor="ctr" anchorCtr="0">
+            <a:noAutofit/>
+          </a:bodyPr>
+          <a:lstStyle/>
+          <a:p>
+            <a:pPr marL="0" marR="0" lvl="0" indent="0" algn="ctr" rtl="0">
+              <a:lnSpc>
+                <a:spcPct val="100000"/>
+              </a:lnSpc>
+              <a:spcBef>
+                <a:spcPts val="0"/>
+              </a:spcBef>
+              <a:spcAft>
+                <a:spcPts val="0"/>
+              </a:spcAft>
+              <a:buClr>
+                <a:srgbClr val="00FF00"/>
+              </a:buClr>
+              <a:buSzPct val="25000"/>
+              <a:buFont typeface="Cabin"/>
+              <a:buNone/>
+            </a:pPr>
+            <a:r>
+              <a:rPr lang="en-US" sz="5200" u="none" strike="noStrike" cap="none">
+                <a:solidFill>
+                  <a:srgbClr val="00FF00"/>
+                </a:solidFill>
+                <a:latin typeface="Arial" charset="0"/>
+                <a:ea typeface="Arial" charset="0"/>
+                <a:cs typeface="Arial" charset="0"/>
+                <a:sym typeface="Cabin"/>
+              </a:rPr>
+              <a:t>x</a:t>
+            </a:r>
+          </a:p>
+        </p:txBody>
+      </p:sp>
+      <p:sp>
+        <p:nvSpPr>
+          <p:cNvPr id="261" name="Shape 261"/>
+          <p:cNvSpPr txBox="1"/>
+          <p:nvPr/>
+        </p:nvSpPr>
+        <p:spPr>
+          <a:xfrm>
+            <a:off x="10350500" y="6721464"/>
+            <a:ext cx="5016500" cy="1270000"/>
+          </a:xfrm>
+          <a:prstGeom prst="rect">
+            <a:avLst/>
+          </a:prstGeom>
+          <a:noFill/>
+          <a:ln w="76200" cap="flat" cmpd="sng">
+            <a:solidFill>
+              <a:srgbClr val="00FFFF"/>
+            </a:solidFill>
+            <a:prstDash val="solid"/>
+            <a:round/>
+            <a:headEnd type="none" w="med" len="med"/>
+            <a:tailEnd type="none" w="med" len="med"/>
+          </a:ln>
+        </p:spPr>
+        <p:txBody>
+          <a:bodyPr lIns="0" tIns="0" rIns="0" bIns="0" anchor="ctr" anchorCtr="0">
+            <a:noAutofit/>
+          </a:bodyPr>
+          <a:lstStyle/>
+          <a:p>
+            <a:pPr marL="0" marR="0" lvl="0" indent="0" algn="l" rtl="0">
+              <a:lnSpc>
+                <a:spcPct val="100000"/>
+              </a:lnSpc>
+              <a:spcBef>
+                <a:spcPts val="0"/>
+              </a:spcBef>
+              <a:spcAft>
+                <a:spcPts val="0"/>
+              </a:spcAft>
+              <a:buClr>
+                <a:srgbClr val="FF7F00"/>
+              </a:buClr>
+              <a:buSzPct val="25000"/>
+              <a:buFont typeface="Cabin"/>
+              <a:buNone/>
+            </a:pPr>
+            <a:r>
+              <a:rPr lang="en-US" sz="4900">
+                <a:solidFill>
+                  <a:schemeClr val="lt1"/>
+                </a:solidFill>
+                <a:latin typeface="Arial" charset="0"/>
+                <a:ea typeface="Arial" charset="0"/>
+                <a:cs typeface="Arial" charset="0"/>
+                <a:sym typeface="Cabin"/>
+              </a:rPr>
+              <a:t> </a:t>
+            </a:r>
+            <a:r>
+              <a:rPr lang="en-US" sz="4900" u="none" strike="noStrike" cap="none">
+                <a:solidFill>
+                  <a:schemeClr val="lt1"/>
+                </a:solidFill>
+                <a:latin typeface="Arial" charset="0"/>
+                <a:ea typeface="Arial" charset="0"/>
+                <a:cs typeface="Arial" charset="0"/>
+                <a:sym typeface="Cabin"/>
+              </a:rPr>
+              <a:t>14               </a:t>
+            </a:r>
+          </a:p>
+        </p:txBody>
+      </p:sp>
+      <p:sp>
+        <p:nvSpPr>
+          <p:cNvPr id="262" name="Shape 262"/>
+          <p:cNvSpPr txBox="1"/>
+          <p:nvPr/>
+        </p:nvSpPr>
+        <p:spPr>
+          <a:xfrm>
+            <a:off x="9518650" y="6924664"/>
+            <a:ext cx="404811" cy="863599"/>
+          </a:xfrm>
+          <a:prstGeom prst="rect">
+            <a:avLst/>
+          </a:prstGeom>
+          <a:noFill/>
+          <a:ln>
+            <a:noFill/>
+          </a:ln>
+        </p:spPr>
+        <p:txBody>
+          <a:bodyPr lIns="0" tIns="0" rIns="0" bIns="0" anchor="ctr" anchorCtr="0">
+            <a:noAutofit/>
+          </a:bodyPr>
+          <a:lstStyle/>
+          <a:p>
+            <a:pPr marL="0" marR="0" lvl="0" indent="0" algn="ctr" rtl="0">
+              <a:lnSpc>
+                <a:spcPct val="100000"/>
+              </a:lnSpc>
+              <a:spcBef>
+                <a:spcPts val="0"/>
+              </a:spcBef>
+              <a:spcAft>
+                <a:spcPts val="0"/>
+              </a:spcAft>
+              <a:buClr>
+                <a:srgbClr val="00FF00"/>
+              </a:buClr>
+              <a:buSzPct val="25000"/>
+              <a:buFont typeface="Cabin"/>
+              <a:buNone/>
+            </a:pPr>
+            <a:r>
+              <a:rPr lang="en-US" sz="5200" u="none" strike="noStrike" cap="none">
+                <a:solidFill>
+                  <a:srgbClr val="00FF00"/>
+                </a:solidFill>
+                <a:latin typeface="Arial" charset="0"/>
+                <a:ea typeface="Arial" charset="0"/>
+                <a:cs typeface="Arial" charset="0"/>
+                <a:sym typeface="Cabin"/>
+              </a:rPr>
+              <a:t>y</a:t>
+            </a:r>
+          </a:p>
+        </p:txBody>
+      </p:sp>
+      <p:sp>
+        <p:nvSpPr>
+          <p:cNvPr id="263" name="Shape 263"/>
+          <p:cNvSpPr txBox="1"/>
+          <p:nvPr/>
+        </p:nvSpPr>
+        <p:spPr>
+          <a:xfrm>
+            <a:off x="2624125" y="5314827"/>
+            <a:ext cx="4038900" cy="2387699"/>
+          </a:xfrm>
+          <a:prstGeom prst="rect">
+            <a:avLst/>
+          </a:prstGeom>
+          <a:noFill/>
+          <a:ln>
+            <a:noFill/>
+          </a:ln>
+        </p:spPr>
+        <p:txBody>
+          <a:bodyPr lIns="0" tIns="0" rIns="0" bIns="0" anchor="ctr" anchorCtr="0">
+            <a:noAutofit/>
+          </a:bodyPr>
+          <a:lstStyle/>
+          <a:p>
+            <a:pPr marL="0" marR="0" lvl="0" indent="0" algn="l" rtl="0">
+              <a:lnSpc>
+                <a:spcPct val="100000"/>
+              </a:lnSpc>
+              <a:spcBef>
+                <a:spcPts val="0"/>
+              </a:spcBef>
+              <a:spcAft>
+                <a:spcPts val="0"/>
+              </a:spcAft>
+              <a:buClr>
+                <a:srgbClr val="00FF00"/>
+              </a:buClr>
+              <a:buSzPct val="25000"/>
+              <a:buFont typeface="Cabin"/>
+              <a:buNone/>
+            </a:pPr>
+            <a:r>
+              <a:rPr lang="en-US" sz="4800" b="1" i="0" u="none" strike="noStrike" cap="none" dirty="0">
+                <a:solidFill>
+                  <a:srgbClr val="00FF00"/>
+                </a:solidFill>
+                <a:latin typeface="Courier New"/>
+                <a:ea typeface="Courier New"/>
+                <a:cs typeface="Courier New"/>
+                <a:sym typeface="Courier New"/>
+              </a:rPr>
+              <a:t>x </a:t>
+            </a:r>
+            <a:r>
+              <a:rPr lang="en-US" sz="4800" b="1" i="0" u="none" strike="noStrike" cap="none" dirty="0">
+                <a:solidFill>
+                  <a:srgbClr val="FFFFFF"/>
+                </a:solidFill>
+                <a:latin typeface="Courier New"/>
+                <a:ea typeface="Courier New"/>
+                <a:cs typeface="Courier New"/>
+                <a:sym typeface="Courier New"/>
+              </a:rPr>
+              <a:t>=</a:t>
+            </a:r>
+            <a:r>
+              <a:rPr lang="en-US" sz="4800" b="1" i="0" u="none" strike="noStrike" cap="none" dirty="0">
+                <a:solidFill>
+                  <a:srgbClr val="FFFF00"/>
+                </a:solidFill>
+                <a:latin typeface="Courier New"/>
+                <a:ea typeface="Courier New"/>
+                <a:cs typeface="Courier New"/>
+                <a:sym typeface="Courier New"/>
+              </a:rPr>
+              <a:t> </a:t>
+            </a:r>
+            <a:r>
+              <a:rPr lang="en-US" sz="4800" b="1" i="0" u="none" strike="noStrike" cap="none" dirty="0">
+                <a:solidFill>
+                  <a:srgbClr val="FF9900"/>
+                </a:solidFill>
+                <a:latin typeface="Courier New"/>
+                <a:ea typeface="Courier New"/>
+                <a:cs typeface="Courier New"/>
+                <a:sym typeface="Courier New"/>
+              </a:rPr>
+              <a:t>12.2</a:t>
+            </a:r>
+          </a:p>
+          <a:p>
+            <a:pPr marL="0" marR="0" lvl="0" indent="0" algn="l" rtl="0">
+              <a:lnSpc>
+                <a:spcPct val="100000"/>
+              </a:lnSpc>
+              <a:spcBef>
+                <a:spcPts val="0"/>
+              </a:spcBef>
+              <a:spcAft>
+                <a:spcPts val="0"/>
+              </a:spcAft>
+              <a:buClr>
+                <a:srgbClr val="00FF00"/>
+              </a:buClr>
+              <a:buSzPct val="25000"/>
+              <a:buFont typeface="Cabin"/>
+              <a:buNone/>
+            </a:pPr>
+            <a:r>
+              <a:rPr lang="en-US" sz="4800" b="1" i="0" u="none" strike="noStrike" cap="none" dirty="0">
+                <a:solidFill>
+                  <a:srgbClr val="00FF00"/>
+                </a:solidFill>
+                <a:latin typeface="Courier New"/>
+                <a:ea typeface="Courier New"/>
+                <a:cs typeface="Courier New"/>
+                <a:sym typeface="Courier New"/>
+              </a:rPr>
+              <a:t>y</a:t>
+            </a:r>
+            <a:r>
+              <a:rPr lang="en-US" sz="4800" b="1" i="0" u="none" strike="noStrike" cap="none" dirty="0">
+                <a:solidFill>
+                  <a:srgbClr val="FFFF00"/>
+                </a:solidFill>
+                <a:latin typeface="Courier New"/>
+                <a:ea typeface="Courier New"/>
+                <a:cs typeface="Courier New"/>
+                <a:sym typeface="Courier New"/>
+              </a:rPr>
+              <a:t> </a:t>
+            </a:r>
+            <a:r>
+              <a:rPr lang="en-US" sz="4800" b="1" i="0" u="none" strike="noStrike" cap="none" dirty="0">
+                <a:solidFill>
+                  <a:srgbClr val="FFFFFF"/>
+                </a:solidFill>
+                <a:latin typeface="Courier New"/>
+                <a:ea typeface="Courier New"/>
+                <a:cs typeface="Courier New"/>
+                <a:sym typeface="Courier New"/>
+              </a:rPr>
+              <a:t>=</a:t>
+            </a:r>
+            <a:r>
+              <a:rPr lang="en-US" sz="4800" b="1" i="0" u="none" strike="noStrike" cap="none" dirty="0">
+                <a:solidFill>
+                  <a:srgbClr val="FFFF00"/>
+                </a:solidFill>
+                <a:latin typeface="Courier New"/>
+                <a:ea typeface="Courier New"/>
+                <a:cs typeface="Courier New"/>
+                <a:sym typeface="Courier New"/>
+              </a:rPr>
+              <a:t> </a:t>
+            </a:r>
+            <a:r>
+              <a:rPr lang="en-US" sz="4800" b="1" i="0" u="none" strike="noStrike" cap="none" dirty="0">
+                <a:solidFill>
+                  <a:srgbClr val="FF9900"/>
+                </a:solidFill>
+                <a:latin typeface="Courier New"/>
+                <a:ea typeface="Courier New"/>
+                <a:cs typeface="Courier New"/>
+                <a:sym typeface="Courier New"/>
+              </a:rPr>
+              <a:t>14</a:t>
+            </a:r>
+          </a:p>
+          <a:p>
+            <a:pPr marL="0" marR="0" lvl="0" indent="0" algn="ctr" rtl="0">
+              <a:lnSpc>
+                <a:spcPct val="100000"/>
+              </a:lnSpc>
+              <a:spcBef>
+                <a:spcPts val="0"/>
+              </a:spcBef>
+              <a:spcAft>
+                <a:spcPts val="0"/>
+              </a:spcAft>
+              <a:buNone/>
+            </a:pPr>
+            <a:endParaRPr sz="4800" b="1" dirty="0">
+              <a:latin typeface="Courier New"/>
+              <a:ea typeface="Courier New"/>
+              <a:cs typeface="Courier New"/>
+              <a:sym typeface="Courier New"/>
+            </a:endParaRPr>
+          </a:p>
+        </p:txBody>
+      </p:sp>
+      <p:sp>
+        <p:nvSpPr>
+          <p:cNvPr id="264" name="Shape 264"/>
+          <p:cNvSpPr txBox="1"/>
+          <p:nvPr/>
+        </p:nvSpPr>
+        <p:spPr>
+          <a:xfrm>
+            <a:off x="2624125" y="8034325"/>
+            <a:ext cx="3789000" cy="863700"/>
+          </a:xfrm>
+          <a:prstGeom prst="rect">
+            <a:avLst/>
+          </a:prstGeom>
+          <a:noFill/>
+          <a:ln>
+            <a:noFill/>
+          </a:ln>
+        </p:spPr>
+        <p:txBody>
+          <a:bodyPr lIns="0" tIns="0" rIns="0" bIns="0" anchor="ctr" anchorCtr="0">
+            <a:noAutofit/>
+          </a:bodyPr>
+          <a:lstStyle/>
+          <a:p>
+            <a:pPr marL="0" marR="0" lvl="0" indent="0" algn="l" rtl="0">
+              <a:lnSpc>
+                <a:spcPct val="100000"/>
+              </a:lnSpc>
+              <a:spcBef>
+                <a:spcPts val="0"/>
+              </a:spcBef>
+              <a:spcAft>
+                <a:spcPts val="0"/>
+              </a:spcAft>
+              <a:buClr>
+                <a:srgbClr val="00FF00"/>
+              </a:buClr>
+              <a:buFont typeface="Cabin"/>
+              <a:buNone/>
+            </a:pPr>
+            <a:endParaRPr sz="4800">
+              <a:latin typeface="Courier New"/>
+              <a:ea typeface="Courier New"/>
+              <a:cs typeface="Courier New"/>
+              <a:sym typeface="Courier New"/>
+            </a:endParaRPr>
+          </a:p>
+        </p:txBody>
+      </p:sp>
+    </p:spTree>
+  </p:cSld>
+  <p:clrMapOvr>
+    <a:masterClrMapping/>
+  </p:clrMapOvr>
+  <p:timing>
+    <p:tnLst>
+      <p:par>
+        <p:cTn id="1" dur="indefinite" restart="never" nodeType="tmRoot"/>
+      </p:par>
+    </p:tnLst>
+  </p:timing>
+</p:sld>
+</file>
+
+<file path=ppt/slides/slide5.xml><?xml version="1.0" encoding="utf-8"?>
 <p:sld xmlns:a="http://schemas.openxmlformats.org/drawingml/2006/main" xmlns:r="http://schemas.openxmlformats.org/officeDocument/2006/relationships" xmlns:p="http://schemas.openxmlformats.org/presentationml/2006/main">
   <p:cSld>
     <p:spTree>
@@ -29301,7 +29910,7 @@
 </p:sld>
 </file>
 
-<file path=ppt/slides/slide5.xml><?xml version="1.0" encoding="utf-8"?>
+<file path=ppt/slides/slide6.xml><?xml version="1.0" encoding="utf-8"?>
 <p:sld xmlns:a="http://schemas.openxmlformats.org/drawingml/2006/main" xmlns:r="http://schemas.openxmlformats.org/officeDocument/2006/relationships" xmlns:p="http://schemas.openxmlformats.org/presentationml/2006/main">
   <p:cSld>
     <p:spTree>
@@ -29514,7 +30123,7 @@
           <a:lstStyle/>
           <a:p>
             <a:r>
-              <a:rPr lang="en-US" sz="3600" dirty="0">
+              <a:rPr lang="en-US" sz="3600" b="1" dirty="0">
                 <a:solidFill>
                   <a:srgbClr val="00FA00"/>
                 </a:solidFill>
@@ -29525,7 +30134,7 @@
               <a:t>Good:    </a:t>
             </a:r>
             <a:r>
-              <a:rPr lang="en-US" sz="3600" dirty="0" smtClean="0">
+              <a:rPr lang="en-US" sz="3600" b="1" dirty="0" smtClean="0">
                 <a:solidFill>
                   <a:schemeClr val="bg1"/>
                 </a:solidFill>
@@ -29536,7 +30145,7 @@
               <a:t>spam    </a:t>
             </a:r>
             <a:r>
-              <a:rPr lang="en-US" sz="3600" dirty="0">
+              <a:rPr lang="en-US" sz="3600" b="1" dirty="0">
                 <a:solidFill>
                   <a:schemeClr val="bg1"/>
                 </a:solidFill>
@@ -29549,7 +30158,7 @@
           </a:p>
           <a:p>
             <a:r>
-              <a:rPr lang="en-US" sz="3600" dirty="0">
+              <a:rPr lang="en-US" sz="3600" b="1" dirty="0">
                 <a:solidFill>
                   <a:srgbClr val="FF545A"/>
                 </a:solidFill>
@@ -29560,7 +30169,7 @@
               <a:t>Bad:</a:t>
             </a:r>
             <a:r>
-              <a:rPr lang="en-US" sz="3600" dirty="0">
+              <a:rPr lang="en-US" sz="3600" b="1" dirty="0">
                 <a:solidFill>
                   <a:srgbClr val="FF0000"/>
                 </a:solidFill>
@@ -29571,7 +30180,7 @@
               <a:t>     </a:t>
             </a:r>
             <a:r>
-              <a:rPr lang="en-US" sz="3600" dirty="0" smtClean="0">
+              <a:rPr lang="en-US" sz="3600" b="1" dirty="0" smtClean="0">
                 <a:solidFill>
                   <a:schemeClr val="bg1"/>
                 </a:solidFill>
@@ -29582,7 +30191,7 @@
               <a:t>23spam     </a:t>
             </a:r>
             <a:r>
-              <a:rPr lang="en-US" sz="3600" dirty="0">
+              <a:rPr lang="en-US" sz="3600" b="1" dirty="0">
                 <a:solidFill>
                   <a:schemeClr val="bg1"/>
                 </a:solidFill>
@@ -29595,7 +30204,7 @@
           </a:p>
           <a:p>
             <a:r>
-              <a:rPr lang="en-US" sz="3600" dirty="0">
+              <a:rPr lang="en-US" sz="3600" b="1" dirty="0">
                 <a:solidFill>
                   <a:srgbClr val="00FDFF"/>
                 </a:solidFill>
@@ -29606,7 +30215,7 @@
               <a:t>Different:    </a:t>
             </a:r>
             <a:r>
-              <a:rPr lang="en-US" sz="3600" dirty="0">
+              <a:rPr lang="en-US" sz="3600" b="1" dirty="0">
                 <a:solidFill>
                   <a:schemeClr val="bg1"/>
                 </a:solidFill>
@@ -29634,7 +30243,7 @@
 </p:sld>
 </file>
 
-<file path=ppt/slides/slide6.xml><?xml version="1.0" encoding="utf-8"?>
+<file path=ppt/slides/slide7.xml><?xml version="1.0" encoding="utf-8"?>
 <p:sld xmlns:a="http://schemas.openxmlformats.org/drawingml/2006/main" xmlns:r="http://schemas.openxmlformats.org/officeDocument/2006/relationships" xmlns:p="http://schemas.openxmlformats.org/presentationml/2006/main">
   <p:cSld>
     <p:spTree>
@@ -30106,7 +30715,7 @@
 </p:sld>
 </file>
 
-<file path=ppt/slides/slide7.xml><?xml version="1.0" encoding="utf-8"?>
+<file path=ppt/slides/slide8.xml><?xml version="1.0" encoding="utf-8"?>
 <p:sld xmlns:a="http://schemas.openxmlformats.org/drawingml/2006/main" xmlns:r="http://schemas.openxmlformats.org/officeDocument/2006/relationships" xmlns:p="http://schemas.openxmlformats.org/presentationml/2006/main">
   <p:cSld>
     <p:spTree>
@@ -30376,7 +30985,7 @@
 </p:sld>
 </file>
 
-<file path=ppt/slides/slide8.xml><?xml version="1.0" encoding="utf-8"?>
+<file path=ppt/slides/slide9.xml><?xml version="1.0" encoding="utf-8"?>
 <p:sld xmlns:a="http://schemas.openxmlformats.org/drawingml/2006/main" xmlns:r="http://schemas.openxmlformats.org/officeDocument/2006/relationships" xmlns:p="http://schemas.openxmlformats.org/presentationml/2006/main">
   <p:cSld>
     <p:spTree>
@@ -30796,594 +31405,6 @@
     <p:extLst>
       <p:ext uri="{BB962C8B-B14F-4D97-AF65-F5344CB8AC3E}">
         <p14:creationId xmlns:p14="http://schemas.microsoft.com/office/powerpoint/2010/main" val="1435388888"/>
-      </p:ext>
-    </p:extLst>
-  </p:cSld>
-  <p:clrMapOvr>
-    <a:masterClrMapping/>
-  </p:clrMapOvr>
-</p:sld>
-</file>
-
-<file path=ppt/slides/slide9.xml><?xml version="1.0" encoding="utf-8"?>
-<p:sld xmlns:a="http://schemas.openxmlformats.org/drawingml/2006/main" xmlns:r="http://schemas.openxmlformats.org/officeDocument/2006/relationships" xmlns:p="http://schemas.openxmlformats.org/presentationml/2006/main">
-  <p:cSld>
-    <p:spTree>
-      <p:nvGrpSpPr>
-        <p:cNvPr id="1" name="Shape 525"/>
-        <p:cNvGrpSpPr/>
-        <p:nvPr/>
-      </p:nvGrpSpPr>
-      <p:grpSpPr>
-        <a:xfrm>
-          <a:off x="0" y="0"/>
-          <a:ext cx="0" cy="0"/>
-          <a:chOff x="0" y="0"/>
-          <a:chExt cx="0" cy="0"/>
-        </a:xfrm>
-      </p:grpSpPr>
-      <p:sp>
-        <p:nvSpPr>
-          <p:cNvPr id="526" name="Shape 526"/>
-          <p:cNvSpPr txBox="1"/>
-          <p:nvPr/>
-        </p:nvSpPr>
-        <p:spPr>
-          <a:xfrm>
-            <a:off x="1208073" y="1676400"/>
-            <a:ext cx="8341499" cy="2336700"/>
-          </a:xfrm>
-          <a:prstGeom prst="rect">
-            <a:avLst/>
-          </a:prstGeom>
-          <a:noFill/>
-          <a:ln>
-            <a:noFill/>
-          </a:ln>
-        </p:spPr>
-        <p:txBody>
-          <a:bodyPr lIns="0" tIns="0" rIns="0" bIns="0" anchor="ctr" anchorCtr="0">
-            <a:noAutofit/>
-          </a:bodyPr>
-          <a:lstStyle/>
-          <a:p>
-            <a:pPr marL="0" marR="0" lvl="0" indent="0" algn="l" rtl="0">
-              <a:lnSpc>
-                <a:spcPct val="100000"/>
-              </a:lnSpc>
-              <a:spcBef>
-                <a:spcPts val="0"/>
-              </a:spcBef>
-              <a:spcAft>
-                <a:spcPts val="0"/>
-              </a:spcAft>
-              <a:buClr>
-                <a:srgbClr val="FFFF00"/>
-              </a:buClr>
-              <a:buSzPct val="25000"/>
-              <a:buFont typeface="Cabin"/>
-              <a:buNone/>
-            </a:pPr>
-            <a:r>
-              <a:rPr lang="en-US" sz="3000" b="1" i="0" u="none" strike="noStrike" cap="none" dirty="0">
-                <a:solidFill>
-                  <a:srgbClr val="FFFF00"/>
-                </a:solidFill>
-                <a:latin typeface="Courier New"/>
-                <a:ea typeface="Courier New"/>
-                <a:cs typeface="Courier New"/>
-                <a:sym typeface="Courier New"/>
-              </a:rPr>
-              <a:t>x1q3z9ocd = 35.0 </a:t>
-            </a:r>
-          </a:p>
-          <a:p>
-            <a:pPr marL="0" marR="0" lvl="0" indent="0" algn="l" rtl="0">
-              <a:lnSpc>
-                <a:spcPct val="100000"/>
-              </a:lnSpc>
-              <a:spcBef>
-                <a:spcPts val="0"/>
-              </a:spcBef>
-              <a:spcAft>
-                <a:spcPts val="0"/>
-              </a:spcAft>
-              <a:buClr>
-                <a:srgbClr val="FFFF00"/>
-              </a:buClr>
-              <a:buSzPct val="25000"/>
-              <a:buFont typeface="Cabin"/>
-              <a:buNone/>
-            </a:pPr>
-            <a:r>
-              <a:rPr lang="en-US" sz="3000" b="1" i="0" u="none" strike="noStrike" cap="none" dirty="0">
-                <a:solidFill>
-                  <a:srgbClr val="FFFF00"/>
-                </a:solidFill>
-                <a:latin typeface="Courier New"/>
-                <a:ea typeface="Courier New"/>
-                <a:cs typeface="Courier New"/>
-                <a:sym typeface="Courier New"/>
-              </a:rPr>
-              <a:t>x1q3z9afd = 12.50</a:t>
-            </a:r>
-          </a:p>
-          <a:p>
-            <a:pPr marL="0" marR="0" lvl="0" indent="0" algn="l" rtl="0">
-              <a:lnSpc>
-                <a:spcPct val="100000"/>
-              </a:lnSpc>
-              <a:spcBef>
-                <a:spcPts val="0"/>
-              </a:spcBef>
-              <a:spcAft>
-                <a:spcPts val="0"/>
-              </a:spcAft>
-              <a:buClr>
-                <a:srgbClr val="FFFF00"/>
-              </a:buClr>
-              <a:buSzPct val="25000"/>
-              <a:buFont typeface="Cabin"/>
-              <a:buNone/>
-            </a:pPr>
-            <a:r>
-              <a:rPr lang="en-US" sz="3000" b="1" i="0" u="none" strike="noStrike" cap="none" dirty="0">
-                <a:solidFill>
-                  <a:srgbClr val="FFFF00"/>
-                </a:solidFill>
-                <a:latin typeface="Courier New"/>
-                <a:ea typeface="Courier New"/>
-                <a:cs typeface="Courier New"/>
-                <a:sym typeface="Courier New"/>
-              </a:rPr>
-              <a:t>x1q3p9afd = x1q3z9ocd * x1q3z9afd</a:t>
-            </a:r>
-          </a:p>
-          <a:p>
-            <a:pPr marL="0" marR="0" lvl="0" indent="0" algn="l" rtl="0">
-              <a:lnSpc>
-                <a:spcPct val="100000"/>
-              </a:lnSpc>
-              <a:spcBef>
-                <a:spcPts val="0"/>
-              </a:spcBef>
-              <a:spcAft>
-                <a:spcPts val="0"/>
-              </a:spcAft>
-              <a:buClr>
-                <a:srgbClr val="FFFF00"/>
-              </a:buClr>
-              <a:buSzPct val="25000"/>
-              <a:buFont typeface="Cabin"/>
-              <a:buNone/>
-            </a:pPr>
-            <a:r>
-              <a:rPr lang="en-US" sz="3000" b="1" i="0" u="none" strike="noStrike" cap="none" dirty="0" smtClean="0">
-                <a:solidFill>
-                  <a:srgbClr val="FFFF00"/>
-                </a:solidFill>
-                <a:latin typeface="Courier New"/>
-                <a:ea typeface="Courier New"/>
-                <a:cs typeface="Courier New"/>
-                <a:sym typeface="Courier New"/>
-              </a:rPr>
-              <a:t>print(x1q3p9afd)</a:t>
-            </a:r>
-            <a:endParaRPr lang="en-US" sz="3000" b="1" i="0" u="none" strike="noStrike" cap="none" dirty="0">
-              <a:solidFill>
-                <a:srgbClr val="FFFF00"/>
-              </a:solidFill>
-              <a:latin typeface="Courier New"/>
-              <a:ea typeface="Courier New"/>
-              <a:cs typeface="Courier New"/>
-              <a:sym typeface="Courier New"/>
-            </a:endParaRPr>
-          </a:p>
-        </p:txBody>
-      </p:sp>
-      <p:sp>
-        <p:nvSpPr>
-          <p:cNvPr id="527" name="Shape 527"/>
-          <p:cNvSpPr txBox="1"/>
-          <p:nvPr/>
-        </p:nvSpPr>
-        <p:spPr>
-          <a:xfrm>
-            <a:off x="7137400" y="5499100"/>
-            <a:ext cx="5208599" cy="2336700"/>
-          </a:xfrm>
-          <a:prstGeom prst="rect">
-            <a:avLst/>
-          </a:prstGeom>
-          <a:noFill/>
-          <a:ln>
-            <a:noFill/>
-          </a:ln>
-        </p:spPr>
-        <p:txBody>
-          <a:bodyPr lIns="0" tIns="0" rIns="0" bIns="0" anchor="ctr" anchorCtr="0">
-            <a:noAutofit/>
-          </a:bodyPr>
-          <a:lstStyle/>
-          <a:p>
-            <a:pPr marL="0" marR="0" lvl="0" indent="0" algn="l" rtl="0">
-              <a:lnSpc>
-                <a:spcPct val="100000"/>
-              </a:lnSpc>
-              <a:spcBef>
-                <a:spcPts val="0"/>
-              </a:spcBef>
-              <a:spcAft>
-                <a:spcPts val="0"/>
-              </a:spcAft>
-              <a:buClr>
-                <a:srgbClr val="00FF00"/>
-              </a:buClr>
-              <a:buSzPct val="25000"/>
-              <a:buFont typeface="Cabin"/>
-              <a:buNone/>
-            </a:pPr>
-            <a:r>
-              <a:rPr lang="en-US" sz="3000" b="1" i="0" u="none" strike="noStrike" cap="none" dirty="0">
-                <a:solidFill>
-                  <a:srgbClr val="00FF00"/>
-                </a:solidFill>
-                <a:latin typeface="Courier New"/>
-                <a:ea typeface="Courier New"/>
-                <a:cs typeface="Courier New"/>
-                <a:sym typeface="Courier New"/>
-              </a:rPr>
-              <a:t>hours = 35.0 </a:t>
-            </a:r>
-          </a:p>
-          <a:p>
-            <a:pPr marL="0" marR="0" lvl="0" indent="0" algn="l" rtl="0">
-              <a:lnSpc>
-                <a:spcPct val="100000"/>
-              </a:lnSpc>
-              <a:spcBef>
-                <a:spcPts val="0"/>
-              </a:spcBef>
-              <a:spcAft>
-                <a:spcPts val="0"/>
-              </a:spcAft>
-              <a:buClr>
-                <a:srgbClr val="00FF00"/>
-              </a:buClr>
-              <a:buSzPct val="25000"/>
-              <a:buFont typeface="Cabin"/>
-              <a:buNone/>
-            </a:pPr>
-            <a:r>
-              <a:rPr lang="en-US" sz="3000" b="1" i="0" u="none" strike="noStrike" cap="none" dirty="0">
-                <a:solidFill>
-                  <a:srgbClr val="00FF00"/>
-                </a:solidFill>
-                <a:latin typeface="Courier New"/>
-                <a:ea typeface="Courier New"/>
-                <a:cs typeface="Courier New"/>
-                <a:sym typeface="Courier New"/>
-              </a:rPr>
-              <a:t>rate = 12.50 </a:t>
-            </a:r>
-          </a:p>
-          <a:p>
-            <a:pPr marL="0" marR="0" lvl="0" indent="0" algn="l" rtl="0">
-              <a:lnSpc>
-                <a:spcPct val="100000"/>
-              </a:lnSpc>
-              <a:spcBef>
-                <a:spcPts val="0"/>
-              </a:spcBef>
-              <a:spcAft>
-                <a:spcPts val="0"/>
-              </a:spcAft>
-              <a:buClr>
-                <a:srgbClr val="00FF00"/>
-              </a:buClr>
-              <a:buSzPct val="25000"/>
-              <a:buFont typeface="Cabin"/>
-              <a:buNone/>
-            </a:pPr>
-            <a:r>
-              <a:rPr lang="en-US" sz="3000" b="1" i="0" u="none" strike="noStrike" cap="none" dirty="0">
-                <a:solidFill>
-                  <a:srgbClr val="00FF00"/>
-                </a:solidFill>
-                <a:latin typeface="Courier New"/>
-                <a:ea typeface="Courier New"/>
-                <a:cs typeface="Courier New"/>
-                <a:sym typeface="Courier New"/>
-              </a:rPr>
-              <a:t>pay = hours * rate </a:t>
-            </a:r>
-          </a:p>
-          <a:p>
-            <a:pPr marL="0" marR="0" lvl="0" indent="0" algn="l" rtl="0">
-              <a:lnSpc>
-                <a:spcPct val="100000"/>
-              </a:lnSpc>
-              <a:spcBef>
-                <a:spcPts val="0"/>
-              </a:spcBef>
-              <a:spcAft>
-                <a:spcPts val="0"/>
-              </a:spcAft>
-              <a:buClr>
-                <a:srgbClr val="00FF00"/>
-              </a:buClr>
-              <a:buSzPct val="25000"/>
-              <a:buFont typeface="Cabin"/>
-              <a:buNone/>
-            </a:pPr>
-            <a:r>
-              <a:rPr lang="en-US" sz="3000" b="1" i="0" u="none" strike="noStrike" cap="none" dirty="0" smtClean="0">
-                <a:solidFill>
-                  <a:srgbClr val="00FF00"/>
-                </a:solidFill>
-                <a:latin typeface="Courier New"/>
-                <a:ea typeface="Courier New"/>
-                <a:cs typeface="Courier New"/>
-                <a:sym typeface="Courier New"/>
-              </a:rPr>
-              <a:t>print(pay)</a:t>
-            </a:r>
-            <a:endParaRPr lang="en-US" sz="3000" b="1" i="0" u="none" strike="noStrike" cap="none" dirty="0">
-              <a:solidFill>
-                <a:srgbClr val="00FF00"/>
-              </a:solidFill>
-              <a:latin typeface="Courier New"/>
-              <a:ea typeface="Courier New"/>
-              <a:cs typeface="Courier New"/>
-              <a:sym typeface="Courier New"/>
-            </a:endParaRPr>
-          </a:p>
-        </p:txBody>
-      </p:sp>
-      <p:sp>
-        <p:nvSpPr>
-          <p:cNvPr id="528" name="Shape 528"/>
-          <p:cNvSpPr txBox="1"/>
-          <p:nvPr/>
-        </p:nvSpPr>
-        <p:spPr>
-          <a:xfrm>
-            <a:off x="11531600" y="1676400"/>
-            <a:ext cx="2109786" cy="2336800"/>
-          </a:xfrm>
-          <a:prstGeom prst="rect">
-            <a:avLst/>
-          </a:prstGeom>
-          <a:noFill/>
-          <a:ln>
-            <a:noFill/>
-          </a:ln>
-        </p:spPr>
-        <p:txBody>
-          <a:bodyPr lIns="0" tIns="0" rIns="0" bIns="0" anchor="ctr" anchorCtr="0">
-            <a:noAutofit/>
-          </a:bodyPr>
-          <a:lstStyle/>
-          <a:p>
-            <a:pPr marL="0" marR="0" lvl="0" indent="0" algn="l" rtl="0">
-              <a:lnSpc>
-                <a:spcPct val="100000"/>
-              </a:lnSpc>
-              <a:spcBef>
-                <a:spcPts val="0"/>
-              </a:spcBef>
-              <a:spcAft>
-                <a:spcPts val="0"/>
-              </a:spcAft>
-              <a:buClr>
-                <a:srgbClr val="FF00FF"/>
-              </a:buClr>
-              <a:buSzPct val="25000"/>
-              <a:buFont typeface="Cabin"/>
-              <a:buNone/>
-            </a:pPr>
-            <a:r>
-              <a:rPr lang="en-US" sz="3000" b="1" i="0" u="none" strike="noStrike" cap="none" dirty="0">
-                <a:solidFill>
-                  <a:srgbClr val="00FFFF"/>
-                </a:solidFill>
-                <a:latin typeface="Courier New"/>
-                <a:ea typeface="Courier New"/>
-                <a:cs typeface="Courier New"/>
-                <a:sym typeface="Courier New"/>
-              </a:rPr>
-              <a:t>a = 35.0 </a:t>
-            </a:r>
-          </a:p>
-          <a:p>
-            <a:pPr marL="0" marR="0" lvl="0" indent="0" algn="l" rtl="0">
-              <a:lnSpc>
-                <a:spcPct val="100000"/>
-              </a:lnSpc>
-              <a:spcBef>
-                <a:spcPts val="0"/>
-              </a:spcBef>
-              <a:spcAft>
-                <a:spcPts val="0"/>
-              </a:spcAft>
-              <a:buClr>
-                <a:srgbClr val="FF00FF"/>
-              </a:buClr>
-              <a:buSzPct val="25000"/>
-              <a:buFont typeface="Cabin"/>
-              <a:buNone/>
-            </a:pPr>
-            <a:r>
-              <a:rPr lang="en-US" sz="3000" b="1" i="0" u="none" strike="noStrike" cap="none" dirty="0">
-                <a:solidFill>
-                  <a:srgbClr val="00FFFF"/>
-                </a:solidFill>
-                <a:latin typeface="Courier New"/>
-                <a:ea typeface="Courier New"/>
-                <a:cs typeface="Courier New"/>
-                <a:sym typeface="Courier New"/>
-              </a:rPr>
-              <a:t>b = 12.50 </a:t>
-            </a:r>
-          </a:p>
-          <a:p>
-            <a:pPr marL="0" marR="0" lvl="0" indent="0" algn="l" rtl="0">
-              <a:lnSpc>
-                <a:spcPct val="100000"/>
-              </a:lnSpc>
-              <a:spcBef>
-                <a:spcPts val="0"/>
-              </a:spcBef>
-              <a:spcAft>
-                <a:spcPts val="0"/>
-              </a:spcAft>
-              <a:buClr>
-                <a:srgbClr val="FF00FF"/>
-              </a:buClr>
-              <a:buSzPct val="25000"/>
-              <a:buFont typeface="Cabin"/>
-              <a:buNone/>
-            </a:pPr>
-            <a:r>
-              <a:rPr lang="en-US" sz="3000" b="1" i="0" u="none" strike="noStrike" cap="none" dirty="0">
-                <a:solidFill>
-                  <a:srgbClr val="00FFFF"/>
-                </a:solidFill>
-                <a:latin typeface="Courier New"/>
-                <a:ea typeface="Courier New"/>
-                <a:cs typeface="Courier New"/>
-                <a:sym typeface="Courier New"/>
-              </a:rPr>
-              <a:t>c = a * b </a:t>
-            </a:r>
-          </a:p>
-          <a:p>
-            <a:pPr marL="0" marR="0" lvl="0" indent="0" algn="l" rtl="0">
-              <a:lnSpc>
-                <a:spcPct val="100000"/>
-              </a:lnSpc>
-              <a:spcBef>
-                <a:spcPts val="0"/>
-              </a:spcBef>
-              <a:spcAft>
-                <a:spcPts val="0"/>
-              </a:spcAft>
-              <a:buClr>
-                <a:srgbClr val="FF00FF"/>
-              </a:buClr>
-              <a:buSzPct val="25000"/>
-              <a:buFont typeface="Cabin"/>
-              <a:buNone/>
-            </a:pPr>
-            <a:r>
-              <a:rPr lang="en-US" sz="3000" b="1" i="0" u="none" strike="noStrike" cap="none" dirty="0" smtClean="0">
-                <a:solidFill>
-                  <a:srgbClr val="00FFFF"/>
-                </a:solidFill>
-                <a:latin typeface="Courier New"/>
-                <a:ea typeface="Courier New"/>
-                <a:cs typeface="Courier New"/>
-                <a:sym typeface="Courier New"/>
-              </a:rPr>
-              <a:t>print(c)</a:t>
-            </a:r>
-            <a:endParaRPr lang="en-US" sz="3000" b="1" i="0" u="none" strike="noStrike" cap="none" dirty="0">
-              <a:solidFill>
-                <a:srgbClr val="00FFFF"/>
-              </a:solidFill>
-              <a:latin typeface="Courier New"/>
-              <a:ea typeface="Courier New"/>
-              <a:cs typeface="Courier New"/>
-              <a:sym typeface="Courier New"/>
-            </a:endParaRPr>
-          </a:p>
-        </p:txBody>
-      </p:sp>
-      <p:sp>
-        <p:nvSpPr>
-          <p:cNvPr id="529" name="Shape 529"/>
-          <p:cNvSpPr txBox="1"/>
-          <p:nvPr/>
-        </p:nvSpPr>
-        <p:spPr>
-          <a:xfrm>
-            <a:off x="1536700" y="6057900"/>
-            <a:ext cx="3860400" cy="1219199"/>
-          </a:xfrm>
-          <a:prstGeom prst="rect">
-            <a:avLst/>
-          </a:prstGeom>
-          <a:noFill/>
-          <a:ln>
-            <a:noFill/>
-          </a:ln>
-        </p:spPr>
-        <p:txBody>
-          <a:bodyPr lIns="0" tIns="0" rIns="0" bIns="0" anchor="ctr" anchorCtr="0">
-            <a:noAutofit/>
-          </a:bodyPr>
-          <a:lstStyle/>
-          <a:p>
-            <a:pPr marL="0" marR="0" lvl="0" indent="0" algn="ctr" rtl="0">
-              <a:lnSpc>
-                <a:spcPct val="100000"/>
-              </a:lnSpc>
-              <a:spcBef>
-                <a:spcPts val="0"/>
-              </a:spcBef>
-              <a:spcAft>
-                <a:spcPts val="0"/>
-              </a:spcAft>
-              <a:buClr>
-                <a:schemeClr val="lt1"/>
-              </a:buClr>
-              <a:buSzPct val="25000"/>
-              <a:buFont typeface="Cabin"/>
-              <a:buNone/>
-            </a:pPr>
-            <a:r>
-              <a:rPr lang="en-US" sz="3800" u="none" strike="noStrike" cap="none">
-                <a:solidFill>
-                  <a:schemeClr val="lt1"/>
-                </a:solidFill>
-                <a:latin typeface="Arial" charset="0"/>
-                <a:ea typeface="Arial" charset="0"/>
-                <a:cs typeface="Arial" charset="0"/>
-                <a:sym typeface="Cabin"/>
-              </a:rPr>
-              <a:t>What </a:t>
-            </a:r>
-            <a:r>
-              <a:rPr lang="en-US" sz="3800">
-                <a:solidFill>
-                  <a:schemeClr val="lt1"/>
-                </a:solidFill>
-                <a:latin typeface="Arial" charset="0"/>
-                <a:ea typeface="Arial" charset="0"/>
-                <a:cs typeface="Arial" charset="0"/>
-                <a:sym typeface="Cabin"/>
-              </a:rPr>
-              <a:t>are these bits of </a:t>
-            </a:r>
-            <a:r>
-              <a:rPr lang="en-US" sz="3800" u="none" strike="noStrike" cap="none">
-                <a:solidFill>
-                  <a:schemeClr val="lt1"/>
-                </a:solidFill>
-                <a:latin typeface="Arial" charset="0"/>
-                <a:ea typeface="Arial" charset="0"/>
-                <a:cs typeface="Arial" charset="0"/>
-                <a:sym typeface="Cabin"/>
-              </a:rPr>
-              <a:t>code doing?</a:t>
-            </a:r>
-          </a:p>
-        </p:txBody>
-      </p:sp>
-    </p:spTree>
-    <p:extLst>
-      <p:ext uri="{BB962C8B-B14F-4D97-AF65-F5344CB8AC3E}">
-        <p14:creationId xmlns:p14="http://schemas.microsoft.com/office/powerpoint/2010/main" val="972378399"/>
       </p:ext>
     </p:extLst>
   </p:cSld>

--- a/lectures3/Pythonlearn-02-Expressions.pptx
+++ b/lectures3/Pythonlearn-02-Expressions.pptx
@@ -598,7 +598,23 @@
                   <a:schemeClr val="dk2"/>
                 </a:solidFill>
               </a:rPr>
-              <a:t>acknowledgement page(s).</a:t>
+              <a:t>acknowledgement page(s</a:t>
+            </a:r>
+            <a:r>
+              <a:rPr lang="en-US" dirty="0" smtClean="0">
+                <a:solidFill>
+                  <a:schemeClr val="dk2"/>
+                </a:solidFill>
+              </a:rPr>
+              <a:t>)</a:t>
+            </a:r>
+            <a:r>
+              <a:rPr lang="en-US" baseline="0" dirty="0" smtClean="0">
+                <a:solidFill>
+                  <a:schemeClr val="dk2"/>
+                </a:solidFill>
+              </a:rPr>
+              <a:t> at the end.</a:t>
             </a:r>
             <a:endParaRPr lang="en-US" dirty="0">
               <a:solidFill>
@@ -6680,6 +6696,13 @@
   <p:clrMapOvr>
     <a:masterClrMapping/>
   </p:clrMapOvr>
+  <p:timing>
+    <p:tnLst>
+      <p:par>
+        <p:cTn id="1" dur="indefinite" restart="never" nodeType="tmRoot"/>
+      </p:par>
+    </p:tnLst>
+  </p:timing>
 </p:sld>
 </file>
 
@@ -7279,7 +7302,7 @@
               <a:buNone/>
             </a:pPr>
             <a:r>
-              <a:rPr lang="en-US" sz="4200" u="none" strike="noStrike" cap="none">
+              <a:rPr lang="en-US" sz="4200" u="none" strike="noStrike" cap="none" dirty="0" smtClean="0">
                 <a:solidFill>
                   <a:srgbClr val="FFFF00"/>
                 </a:solidFill>
@@ -7288,8 +7311,17 @@
                 <a:cs typeface="Arial" charset="0"/>
                 <a:sym typeface="Cabin"/>
               </a:rPr>
-              <a:t>Reserved Word</a:t>
-            </a:r>
+              <a:t>Function</a:t>
+            </a:r>
+            <a:endParaRPr lang="en-US" sz="4200" u="none" strike="noStrike" cap="none" dirty="0">
+              <a:solidFill>
+                <a:srgbClr val="FFFF00"/>
+              </a:solidFill>
+              <a:latin typeface="Arial" charset="0"/>
+              <a:ea typeface="Arial" charset="0"/>
+              <a:cs typeface="Arial" charset="0"/>
+              <a:sym typeface="Cabin"/>
+            </a:endParaRPr>
           </a:p>
         </p:txBody>
       </p:sp>
@@ -9207,7 +9239,19 @@
                 <a:cs typeface="Arial" charset="0"/>
                 <a:sym typeface="Cabin"/>
               </a:rPr>
-              <a:t> 0.6    0.93</a:t>
+              <a:t> 0.6    </a:t>
+            </a:r>
+            <a:r>
+              <a:rPr lang="en-US" sz="4900" dirty="0" smtClean="0">
+                <a:solidFill>
+                  <a:schemeClr val="lt1"/>
+                </a:solidFill>
+                <a:latin typeface="Arial" charset="0"/>
+                <a:ea typeface="Arial" charset="0"/>
+                <a:cs typeface="Arial" charset="0"/>
+                <a:sym typeface="Cabin"/>
+              </a:rPr>
+              <a:t>0.936</a:t>
             </a:r>
             <a:endParaRPr lang="en-US" sz="4900" dirty="0">
               <a:solidFill>
@@ -9715,32 +9759,53 @@
                 <a:cs typeface="Arial" charset="0"/>
                 <a:sym typeface="Cabin"/>
               </a:rPr>
-              <a:t>) with a new value (</a:t>
-            </a:r>
-            <a:r>
-              <a:rPr lang="en-US" sz="3200" u="none" strike="noStrike" cap="none" dirty="0">
-                <a:solidFill>
-                  <a:srgbClr val="FFFFFF"/>
+              <a:t>) with a new value </a:t>
+            </a:r>
+            <a:r>
+              <a:rPr lang="en-US" sz="3200" u="none" strike="noStrike" cap="none">
+                <a:solidFill>
+                  <a:srgbClr val="00FF00"/>
                 </a:solidFill>
                 <a:latin typeface="Arial" charset="0"/>
                 <a:ea typeface="Arial" charset="0"/>
                 <a:cs typeface="Arial" charset="0"/>
                 <a:sym typeface="Cabin"/>
               </a:rPr>
-              <a:t>0.93</a:t>
-            </a:r>
-            <a:r>
-              <a:rPr lang="en-US" sz="3200" u="none" strike="noStrike" cap="none" dirty="0">
-                <a:solidFill>
-                  <a:srgbClr val="00FF00"/>
+              <a:t>(</a:t>
+            </a:r>
+            <a:r>
+              <a:rPr lang="en-US" sz="3200" u="none" strike="noStrike" cap="none" smtClean="0">
+                <a:solidFill>
+                  <a:srgbClr val="FFFFFF"/>
                 </a:solidFill>
                 <a:latin typeface="Arial" charset="0"/>
                 <a:ea typeface="Arial" charset="0"/>
                 <a:cs typeface="Arial" charset="0"/>
                 <a:sym typeface="Cabin"/>
               </a:rPr>
+              <a:t>0.936</a:t>
+            </a:r>
+            <a:r>
+              <a:rPr lang="en-US" sz="3200" u="none" strike="noStrike" cap="none" smtClean="0">
+                <a:solidFill>
+                  <a:srgbClr val="00FF00"/>
+                </a:solidFill>
+                <a:latin typeface="Arial" charset="0"/>
+                <a:ea typeface="Arial" charset="0"/>
+                <a:cs typeface="Arial" charset="0"/>
+                <a:sym typeface="Cabin"/>
+              </a:rPr>
               <a:t>).</a:t>
             </a:r>
+            <a:endParaRPr lang="en-US" sz="3200" u="none" strike="noStrike" cap="none" dirty="0">
+              <a:solidFill>
+                <a:srgbClr val="00FF00"/>
+              </a:solidFill>
+              <a:latin typeface="Arial" charset="0"/>
+              <a:ea typeface="Arial" charset="0"/>
+              <a:cs typeface="Arial" charset="0"/>
+              <a:sym typeface="Cabin"/>
+            </a:endParaRPr>
           </a:p>
         </p:txBody>
       </p:sp>
@@ -10067,6 +10132,13 @@
   <p:clrMapOvr>
     <a:masterClrMapping/>
   </p:clrMapOvr>
+  <p:timing>
+    <p:tnLst>
+      <p:par>
+        <p:cTn id="1" dur="indefinite" restart="never" nodeType="tmRoot"/>
+      </p:par>
+    </p:tnLst>
+  </p:timing>
 </p:sld>
 </file>
 
@@ -30712,6 +30784,13 @@
   <p:clrMapOvr>
     <a:masterClrMapping/>
   </p:clrMapOvr>
+  <p:timing>
+    <p:tnLst>
+      <p:par>
+        <p:cTn id="1" dur="indefinite" restart="never" nodeType="tmRoot"/>
+      </p:par>
+    </p:tnLst>
+  </p:timing>
 </p:sld>
 </file>
 
@@ -30982,6 +31061,13 @@
   <p:clrMapOvr>
     <a:masterClrMapping/>
   </p:clrMapOvr>
+  <p:timing>
+    <p:tnLst>
+      <p:par>
+        <p:cTn id="1" dur="indefinite" restart="never" nodeType="tmRoot"/>
+      </p:par>
+    </p:tnLst>
+  </p:timing>
 </p:sld>
 </file>
 
@@ -31411,6 +31497,13 @@
   <p:clrMapOvr>
     <a:masterClrMapping/>
   </p:clrMapOvr>
+  <p:timing>
+    <p:tnLst>
+      <p:par>
+        <p:cTn id="1" dur="indefinite" restart="never" nodeType="tmRoot"/>
+      </p:par>
+    </p:tnLst>
+  </p:timing>
 </p:sld>
 </file>
 

--- a/lectures3/Pythonlearn-02-Expressions.pptx
+++ b/lectures3/Pythonlearn-02-Expressions.pptx
@@ -598,15 +598,7 @@
                   <a:schemeClr val="dk2"/>
                 </a:solidFill>
               </a:rPr>
-              <a:t>acknowledgement page(s</a:t>
-            </a:r>
-            <a:r>
-              <a:rPr lang="en-US" dirty="0" smtClean="0">
-                <a:solidFill>
-                  <a:schemeClr val="dk2"/>
-                </a:solidFill>
-              </a:rPr>
-              <a:t>)</a:t>
+              <a:t>acknowledgement page(s)</a:t>
             </a:r>
             <a:r>
               <a:rPr lang="en-US" baseline="0" dirty="0" smtClean="0">
@@ -9239,19 +9231,7 @@
                 <a:cs typeface="Arial" charset="0"/>
                 <a:sym typeface="Cabin"/>
               </a:rPr>
-              <a:t> 0.6    </a:t>
-            </a:r>
-            <a:r>
-              <a:rPr lang="en-US" sz="4900" dirty="0" smtClean="0">
-                <a:solidFill>
-                  <a:schemeClr val="lt1"/>
-                </a:solidFill>
-                <a:latin typeface="Arial" charset="0"/>
-                <a:ea typeface="Arial" charset="0"/>
-                <a:cs typeface="Arial" charset="0"/>
-                <a:sym typeface="Cabin"/>
-              </a:rPr>
-              <a:t>0.936</a:t>
+              <a:t> 0.6    0.936</a:t>
             </a:r>
             <a:endParaRPr lang="en-US" sz="4900" dirty="0">
               <a:solidFill>
@@ -16264,7 +16244,7 @@
               <a:t>1 + </a:t>
             </a:r>
             <a:r>
-              <a:rPr lang="en-US" sz="3200" u="none" strike="noStrike" cap="none" dirty="0">
+              <a:rPr lang="en-US" sz="3200" u="none" strike="noStrike" cap="none" dirty="0" smtClean="0">
                 <a:solidFill>
                   <a:srgbClr val="00FF00"/>
                 </a:solidFill>
@@ -16273,7 +16253,19 @@
                 <a:cs typeface="Courier" charset="0"/>
                 <a:sym typeface="Cabin"/>
               </a:rPr>
-              <a:t>2 * 5</a:t>
+              <a:t>2.0 </a:t>
+            </a:r>
+            <a:r>
+              <a:rPr lang="en-US" sz="3200" u="none" strike="noStrike" cap="none" dirty="0">
+                <a:solidFill>
+                  <a:srgbClr val="00FF00"/>
+                </a:solidFill>
+                <a:latin typeface="Courier" charset="0"/>
+                <a:ea typeface="Courier" charset="0"/>
+                <a:cs typeface="Courier" charset="0"/>
+                <a:sym typeface="Cabin"/>
+              </a:rPr>
+              <a:t>* 5</a:t>
             </a:r>
           </a:p>
         </p:txBody>
@@ -16356,8 +16348,29 @@
                 <a:cs typeface="Courier" charset="0"/>
                 <a:sym typeface="Cabin"/>
               </a:rPr>
-              <a:t>1 + 10</a:t>
-            </a:r>
+              <a:t>1 + </a:t>
+            </a:r>
+            <a:r>
+              <a:rPr lang="en-US" sz="3200" u="none" strike="noStrike" cap="none" dirty="0" smtClean="0">
+                <a:solidFill>
+                  <a:srgbClr val="FF9900"/>
+                </a:solidFill>
+                <a:latin typeface="Courier" charset="0"/>
+                <a:ea typeface="Courier" charset="0"/>
+                <a:cs typeface="Courier" charset="0"/>
+                <a:sym typeface="Cabin"/>
+              </a:rPr>
+              <a:t>10.0</a:t>
+            </a:r>
+            <a:endParaRPr lang="en-US" sz="3200" u="none" strike="noStrike" cap="none" dirty="0">
+              <a:solidFill>
+                <a:srgbClr val="FF9900"/>
+              </a:solidFill>
+              <a:latin typeface="Courier" charset="0"/>
+              <a:ea typeface="Courier" charset="0"/>
+              <a:cs typeface="Courier" charset="0"/>
+              <a:sym typeface="Cabin"/>
+            </a:endParaRPr>
           </a:p>
         </p:txBody>
       </p:sp>
@@ -16397,8 +16410,8 @@
         </p:nvSpPr>
         <p:spPr>
           <a:xfrm>
-            <a:off x="12085636" y="6934200"/>
-            <a:ext cx="723900" cy="800099"/>
+            <a:off x="12085635" y="6934200"/>
+            <a:ext cx="1048473" cy="800099"/>
           </a:xfrm>
           <a:prstGeom prst="rect">
             <a:avLst/>
@@ -16432,7 +16445,7 @@
               <a:buNone/>
             </a:pPr>
             <a:r>
-              <a:rPr lang="en-US" sz="3200" u="none" strike="noStrike" cap="none" dirty="0">
+              <a:rPr lang="en-US" sz="3200" u="none" strike="noStrike" cap="none" smtClean="0">
                 <a:solidFill>
                   <a:srgbClr val="FF9900"/>
                 </a:solidFill>
@@ -16441,8 +16454,17 @@
                 <a:cs typeface="Courier" charset="0"/>
                 <a:sym typeface="Cabin"/>
               </a:rPr>
-              <a:t>11</a:t>
-            </a:r>
+              <a:t>11.0</a:t>
+            </a:r>
+            <a:endParaRPr lang="en-US" sz="3200" u="none" strike="noStrike" cap="none" dirty="0">
+              <a:solidFill>
+                <a:srgbClr val="FF9900"/>
+              </a:solidFill>
+              <a:latin typeface="Courier" charset="0"/>
+              <a:ea typeface="Courier" charset="0"/>
+              <a:cs typeface="Courier" charset="0"/>
+              <a:sym typeface="Cabin"/>
+            </a:endParaRPr>
           </a:p>
         </p:txBody>
       </p:sp>

--- a/lectures3/Pythonlearn-02-Expressions.pptx
+++ b/lectures3/Pythonlearn-02-Expressions.pptx
@@ -5,7 +5,7 @@
     <p:sldMasterId id="2147483714" r:id="rId1"/>
   </p:sldMasterIdLst>
   <p:notesMasterIdLst>
-    <p:notesMasterId r:id="rId37"/>
+    <p:notesMasterId r:id="rId36"/>
   </p:notesMasterIdLst>
   <p:sldIdLst>
     <p:sldId id="256" r:id="rId2"/>
@@ -40,9 +40,8 @@
     <p:sldId id="281" r:id="rId31"/>
     <p:sldId id="282" r:id="rId32"/>
     <p:sldId id="289" r:id="rId33"/>
-    <p:sldId id="303" r:id="rId34"/>
-    <p:sldId id="288" r:id="rId35"/>
-    <p:sldId id="290" r:id="rId36"/>
+    <p:sldId id="288" r:id="rId34"/>
+    <p:sldId id="290" r:id="rId35"/>
   </p:sldIdLst>
   <p:sldSz cx="16256000" cy="9144000"/>
   <p:notesSz cx="6858000" cy="9144000"/>
@@ -5858,7 +5857,7 @@
             <a:r>
               <a:rPr lang="en-US" sz="7600" u="none" strike="noStrike" cap="none" dirty="0">
                 <a:solidFill>
-                  <a:srgbClr val="FFFF00"/>
+                  <a:srgbClr val="FFD966"/>
                 </a:solidFill>
                 <a:latin typeface="Arial" charset="0"/>
                 <a:ea typeface="Arial" charset="0"/>
@@ -6761,7 +6760,7 @@
             <a:r>
               <a:rPr lang="en-US" sz="7600" u="none" strike="noStrike" cap="none">
                 <a:solidFill>
-                  <a:srgbClr val="FFFF00"/>
+                  <a:srgbClr val="FFD966"/>
                 </a:solidFill>
                 <a:latin typeface="Arial" charset="0"/>
                 <a:ea typeface="Arial" charset="0"/>
@@ -7260,7 +7259,7 @@
         </p:nvSpPr>
         <p:spPr>
           <a:xfrm>
-            <a:off x="11728990" y="7088222"/>
+            <a:off x="11589607" y="7103710"/>
             <a:ext cx="3009992" cy="723900"/>
           </a:xfrm>
           <a:prstGeom prst="rect">
@@ -7621,7 +7620,7 @@
             <a:r>
               <a:rPr lang="en-US" sz="7600" u="none" strike="noStrike" cap="none">
                 <a:solidFill>
-                  <a:srgbClr val="FFFF00"/>
+                  <a:srgbClr val="FFD966"/>
                 </a:solidFill>
                 <a:latin typeface="Arial" charset="0"/>
                 <a:ea typeface="Arial" charset="0"/>
@@ -10041,24 +10040,24 @@
           <a:lstStyle/>
           <a:p>
             <a:r>
-              <a:rPr lang="en-US" sz="6000" dirty="0" smtClean="0">
-                <a:solidFill>
-                  <a:srgbClr val="FFFF00"/>
+              <a:rPr lang="en-US" sz="7200" dirty="0" smtClean="0">
+                <a:solidFill>
+                  <a:srgbClr val="FFD966"/>
                 </a:solidFill>
               </a:rPr>
               <a:t>Expressions</a:t>
             </a:r>
             <a:r>
-              <a:rPr lang="is-IS" sz="6000" dirty="0" smtClean="0">
-                <a:solidFill>
-                  <a:srgbClr val="FFFF00"/>
+              <a:rPr lang="is-IS" sz="7200" dirty="0" smtClean="0">
+                <a:solidFill>
+                  <a:srgbClr val="FFD966"/>
                 </a:solidFill>
               </a:rPr>
               <a:t>…</a:t>
             </a:r>
-            <a:endParaRPr lang="en-US" sz="6000" dirty="0">
+            <a:endParaRPr lang="en-US" sz="7200" dirty="0">
               <a:solidFill>
-                <a:srgbClr val="FFFF00"/>
+                <a:srgbClr val="FFD966"/>
               </a:solidFill>
             </a:endParaRPr>
           </a:p>
@@ -10146,7 +10145,7 @@
             <a:r>
               <a:rPr lang="en-US" sz="7600" u="none" strike="noStrike" cap="none">
                 <a:solidFill>
-                  <a:srgbClr val="FFFF00"/>
+                  <a:srgbClr val="FFD966"/>
                 </a:solidFill>
                 <a:latin typeface="Arial" charset="0"/>
                 <a:ea typeface="Arial" charset="0"/>
@@ -14105,7 +14104,7 @@
             <a:r>
               <a:rPr lang="en-US" sz="7600" u="none" strike="noStrike" cap="none">
                 <a:solidFill>
-                  <a:srgbClr val="FFFF00"/>
+                  <a:srgbClr val="FFD966"/>
                 </a:solidFill>
                 <a:latin typeface="Arial" charset="0"/>
                 <a:ea typeface="Arial" charset="0"/>
@@ -14194,7 +14193,7 @@
             <a:r>
               <a:rPr lang="en-US" sz="7600" u="none" strike="noStrike" cap="none">
                 <a:solidFill>
-                  <a:srgbClr val="FFFF00"/>
+                  <a:srgbClr val="FFD966"/>
                 </a:solidFill>
                 <a:latin typeface="Arial" charset="0"/>
                 <a:ea typeface="Arial" charset="0"/>
@@ -14679,7 +14678,7 @@
             <a:r>
               <a:rPr lang="en-US" sz="7600" u="none" strike="noStrike" cap="none">
                 <a:solidFill>
-                  <a:srgbClr val="FFFF00"/>
+                  <a:srgbClr val="FFD966"/>
                 </a:solidFill>
                 <a:latin typeface="Arial" charset="0"/>
                 <a:ea typeface="Arial" charset="0"/>
@@ -15170,6 +15169,10 @@
           </p:nvPr>
         </p:nvSpPr>
         <p:spPr>
+          <a:xfrm>
+            <a:off x="812800" y="785812"/>
+            <a:ext cx="14070626" cy="1104899"/>
+          </a:xfrm>
           <a:prstGeom prst="rect">
             <a:avLst/>
           </a:prstGeom>
@@ -15204,7 +15207,7 @@
             <a:r>
               <a:rPr lang="en-US" sz="7800" u="none" strike="noStrike" cap="none">
                 <a:solidFill>
-                  <a:srgbClr val="FFFF00"/>
+                  <a:srgbClr val="FFD966"/>
                 </a:solidFill>
                 <a:latin typeface="Arial" charset="0"/>
                 <a:ea typeface="Arial" charset="0"/>
@@ -16921,7 +16924,7 @@
             <a:r>
               <a:rPr lang="en-US" sz="7600" u="none" strike="noStrike" cap="none">
                 <a:solidFill>
-                  <a:srgbClr val="FFFF00"/>
+                  <a:srgbClr val="FFD966"/>
                 </a:solidFill>
                 <a:latin typeface="Arial" charset="0"/>
                 <a:ea typeface="Arial" charset="0"/>
@@ -17407,19 +17410,19 @@
             <a:r>
               <a:rPr lang="en-US" sz="7600" u="none" strike="noStrike" cap="none">
                 <a:solidFill>
-                  <a:srgbClr val="FFFF00"/>
+                  <a:srgbClr val="FFD966"/>
                 </a:solidFill>
                 <a:latin typeface="Arial" charset="0"/>
                 <a:ea typeface="Arial" charset="0"/>
                 <a:cs typeface="Arial" charset="0"/>
                 <a:sym typeface="Cabin"/>
               </a:rPr>
-              <a:t>What does </a:t>
+              <a:t>What Does </a:t>
             </a:r>
             <a:r>
               <a:rPr lang="en-US" sz="7600" b="0" i="0" u="none" strike="noStrike" cap="none">
                 <a:solidFill>
-                  <a:srgbClr val="FFFF00"/>
+                  <a:srgbClr val="FFD966"/>
                 </a:solidFill>
                 <a:latin typeface="Arial"/>
                 <a:ea typeface="Arial"/>
@@ -17431,7 +17434,7 @@
             <a:r>
               <a:rPr lang="en-US" sz="7600" u="none" strike="noStrike" cap="none">
                 <a:solidFill>
-                  <a:srgbClr val="FFFF00"/>
+                  <a:srgbClr val="FFD966"/>
                 </a:solidFill>
                 <a:latin typeface="Arial" charset="0"/>
                 <a:ea typeface="Arial" charset="0"/>
@@ -17443,7 +17446,7 @@
             <a:r>
               <a:rPr lang="en-US" sz="7600" b="0" i="0" u="none" strike="noStrike" cap="none">
                 <a:solidFill>
-                  <a:srgbClr val="FFFF00"/>
+                  <a:srgbClr val="FFD966"/>
                 </a:solidFill>
                 <a:latin typeface="Arial"/>
                 <a:ea typeface="Arial"/>
@@ -17455,7 +17458,7 @@
             <a:r>
               <a:rPr lang="en-US" sz="7600" u="none" strike="noStrike" cap="none">
                 <a:solidFill>
-                  <a:srgbClr val="FFFF00"/>
+                  <a:srgbClr val="FFD966"/>
                 </a:solidFill>
                 <a:latin typeface="Arial" charset="0"/>
                 <a:ea typeface="Arial" charset="0"/>
@@ -18268,6 +18271,10 @@
           </p:nvPr>
         </p:nvSpPr>
         <p:spPr>
+          <a:xfrm>
+            <a:off x="812800" y="785812"/>
+            <a:ext cx="13822827" cy="1104899"/>
+          </a:xfrm>
           <a:prstGeom prst="rect">
             <a:avLst/>
           </a:prstGeom>
@@ -18302,7 +18309,7 @@
             <a:r>
               <a:rPr lang="en-US" sz="7600" u="none" strike="noStrike" cap="none">
                 <a:solidFill>
-                  <a:srgbClr val="FFFF00"/>
+                  <a:srgbClr val="FFD966"/>
                 </a:solidFill>
                 <a:latin typeface="Arial" charset="0"/>
                 <a:ea typeface="Arial" charset="0"/>
@@ -19339,7 +19346,7 @@
             <a:r>
               <a:rPr lang="en-US" sz="7600" u="none" strike="noStrike" cap="none">
                 <a:solidFill>
-                  <a:srgbClr val="FFFF00"/>
+                  <a:srgbClr val="FFD966"/>
                 </a:solidFill>
                 <a:latin typeface="Arial" charset="0"/>
                 <a:ea typeface="Arial" charset="0"/>
@@ -20306,7 +20313,7 @@
             <a:r>
               <a:rPr lang="en-US" sz="7600" u="none" strike="noStrike" cap="none" dirty="0">
                 <a:solidFill>
-                  <a:srgbClr val="FFFF00"/>
+                  <a:srgbClr val="FFD966"/>
                 </a:solidFill>
                 <a:latin typeface="Arial" charset="0"/>
                 <a:ea typeface="Arial" charset="0"/>
@@ -21218,6 +21225,10 @@
           </p:nvPr>
         </p:nvSpPr>
         <p:spPr>
+          <a:xfrm>
+            <a:off x="812800" y="785812"/>
+            <a:ext cx="13791852" cy="1104899"/>
+          </a:xfrm>
           <a:prstGeom prst="rect">
             <a:avLst/>
           </a:prstGeom>
@@ -21252,7 +21263,7 @@
             <a:r>
               <a:rPr lang="en-US" sz="7600" u="none" strike="noStrike" cap="none" dirty="0" smtClean="0">
                 <a:solidFill>
-                  <a:srgbClr val="FFFF00"/>
+                  <a:srgbClr val="FFD966"/>
                 </a:solidFill>
                 <a:latin typeface="Arial" charset="0"/>
                 <a:ea typeface="Arial" charset="0"/>
@@ -21263,7 +21274,7 @@
             </a:r>
             <a:endParaRPr lang="en-US" sz="7600" u="none" strike="noStrike" cap="none" dirty="0">
               <a:solidFill>
-                <a:srgbClr val="FFFF00"/>
+                <a:srgbClr val="FFD966"/>
               </a:solidFill>
               <a:latin typeface="Arial" charset="0"/>
               <a:ea typeface="Arial" charset="0"/>
@@ -22201,7 +22212,7 @@
             <a:r>
               <a:rPr lang="en-US" sz="7600" u="none" strike="noStrike" cap="none">
                 <a:solidFill>
-                  <a:srgbClr val="FFFF00"/>
+                  <a:srgbClr val="FFD966"/>
                 </a:solidFill>
                 <a:latin typeface="Arial" charset="0"/>
                 <a:ea typeface="Arial" charset="0"/>
@@ -23614,6 +23625,10 @@
           </p:nvPr>
         </p:nvSpPr>
         <p:spPr>
+          <a:xfrm>
+            <a:off x="812800" y="785812"/>
+            <a:ext cx="13652465" cy="1104899"/>
+          </a:xfrm>
           <a:prstGeom prst="rect">
             <a:avLst/>
           </a:prstGeom>
@@ -23648,7 +23663,7 @@
             <a:r>
               <a:rPr lang="en-US" sz="7800" u="none" strike="noStrike" cap="none">
                 <a:solidFill>
-                  <a:srgbClr val="FFFF00"/>
+                  <a:srgbClr val="FFD966"/>
                 </a:solidFill>
                 <a:latin typeface="Arial" charset="0"/>
                 <a:ea typeface="Arial" charset="0"/>
@@ -24280,7 +24295,7 @@
             <a:r>
               <a:rPr lang="en-US" sz="7800" u="none" strike="noStrike" cap="none" dirty="0">
                 <a:solidFill>
-                  <a:srgbClr val="FFFF00"/>
+                  <a:srgbClr val="FFD966"/>
                 </a:solidFill>
                 <a:latin typeface="Arial" charset="0"/>
                 <a:ea typeface="Arial" charset="0"/>
@@ -24944,7 +24959,7 @@
             <a:r>
               <a:rPr lang="en-US" sz="7600" u="none" strike="noStrike" cap="none">
                 <a:solidFill>
-                  <a:srgbClr val="FFFF00"/>
+                  <a:srgbClr val="FFD966"/>
                 </a:solidFill>
                 <a:latin typeface="Arial" charset="0"/>
                 <a:ea typeface="Arial" charset="0"/>
@@ -25876,7 +25891,7 @@
             <a:r>
               <a:rPr lang="en-US" sz="7600" u="none" strike="noStrike" cap="none">
                 <a:solidFill>
-                  <a:srgbClr val="FFFF00"/>
+                  <a:srgbClr val="FFD966"/>
                 </a:solidFill>
                 <a:latin typeface="Arial" charset="0"/>
                 <a:ea typeface="Arial" charset="0"/>
@@ -27129,6 +27144,10 @@
           </p:nvPr>
         </p:nvSpPr>
         <p:spPr>
+          <a:xfrm>
+            <a:off x="812800" y="785812"/>
+            <a:ext cx="13745390" cy="1104899"/>
+          </a:xfrm>
           <a:prstGeom prst="rect">
             <a:avLst/>
           </a:prstGeom>
@@ -27163,7 +27182,7 @@
             <a:r>
               <a:rPr lang="en-US" sz="7600" u="none" strike="noStrike" cap="none">
                 <a:solidFill>
-                  <a:srgbClr val="FFFF00"/>
+                  <a:srgbClr val="FFD966"/>
                 </a:solidFill>
                 <a:latin typeface="Arial" charset="0"/>
                 <a:ea typeface="Arial" charset="0"/>
@@ -27187,8 +27206,8 @@
         </p:nvSpPr>
         <p:spPr>
           <a:xfrm>
-            <a:off x="812800" y="2659529"/>
-            <a:ext cx="14630400" cy="5508158"/>
+            <a:off x="1362894" y="2659529"/>
+            <a:ext cx="6427286" cy="5508158"/>
           </a:xfrm>
           <a:prstGeom prst="rect">
             <a:avLst/>
@@ -27388,7 +27407,7 @@
         <p:spPr>
           <a:xfrm>
             <a:off x="8753402" y="2659529"/>
-            <a:ext cx="6889750" cy="5395913"/>
+            <a:ext cx="6532697" cy="5395913"/>
           </a:xfrm>
           <a:prstGeom prst="rect">
             <a:avLst/>
@@ -27538,36 +27557,6 @@
 </file>
 
 <file path=ppt/slides/slide33.xml><?xml version="1.0" encoding="utf-8"?>
-<p:sld xmlns:a="http://schemas.openxmlformats.org/drawingml/2006/main" xmlns:r="http://schemas.openxmlformats.org/officeDocument/2006/relationships" xmlns:p="http://schemas.openxmlformats.org/presentationml/2006/main">
-  <p:cSld>
-    <p:spTree>
-      <p:nvGrpSpPr>
-        <p:cNvPr id="1" name=""/>
-        <p:cNvGrpSpPr/>
-        <p:nvPr/>
-      </p:nvGrpSpPr>
-      <p:grpSpPr>
-        <a:xfrm>
-          <a:off x="0" y="0"/>
-          <a:ext cx="0" cy="0"/>
-          <a:chOff x="0" y="0"/>
-          <a:chExt cx="0" cy="0"/>
-        </a:xfrm>
-      </p:grpSpPr>
-    </p:spTree>
-    <p:extLst>
-      <p:ext uri="{BB962C8B-B14F-4D97-AF65-F5344CB8AC3E}">
-        <p14:creationId xmlns:p14="http://schemas.microsoft.com/office/powerpoint/2010/main" val="835070840"/>
-      </p:ext>
-    </p:extLst>
-  </p:cSld>
-  <p:clrMapOvr>
-    <a:masterClrMapping/>
-  </p:clrMapOvr>
-</p:sld>
-</file>
-
-<file path=ppt/slides/slide34.xml><?xml version="1.0" encoding="utf-8"?>
 <p:sld xmlns:a="http://schemas.openxmlformats.org/drawingml/2006/main" xmlns:r="http://schemas.openxmlformats.org/officeDocument/2006/relationships" xmlns:p="http://schemas.openxmlformats.org/presentationml/2006/main">
   <p:cSld>
     <p:spTree>
@@ -27892,7 +27881,7 @@
 </p:sld>
 </file>
 
-<file path=ppt/slides/slide35.xml><?xml version="1.0" encoding="utf-8"?>
+<file path=ppt/slides/slide34.xml><?xml version="1.0" encoding="utf-8"?>
 <p:sld xmlns:a="http://schemas.openxmlformats.org/drawingml/2006/main" xmlns:r="http://schemas.openxmlformats.org/officeDocument/2006/relationships" xmlns:p="http://schemas.openxmlformats.org/presentationml/2006/main">
   <p:cSld>
     <p:spTree>
@@ -28272,7 +28261,7 @@
             <a:r>
               <a:rPr lang="en-US" sz="7600" u="none" strike="noStrike" cap="none">
                 <a:solidFill>
-                  <a:srgbClr val="FFFF00"/>
+                  <a:srgbClr val="FFD966"/>
                 </a:solidFill>
                 <a:latin typeface="Arial" charset="0"/>
                 <a:ea typeface="Arial" charset="0"/>
@@ -29104,7 +29093,7 @@
             <a:r>
               <a:rPr lang="en-US" sz="7600" u="none" strike="noStrike" cap="none">
                 <a:solidFill>
-                  <a:srgbClr val="FFFF00"/>
+                  <a:srgbClr val="FFD966"/>
                 </a:solidFill>
                 <a:latin typeface="Arial" charset="0"/>
                 <a:ea typeface="Arial" charset="0"/>
@@ -30054,7 +30043,7 @@
             <a:r>
               <a:rPr lang="en-US" sz="7600" u="none" strike="noStrike" cap="none">
                 <a:solidFill>
-                  <a:srgbClr val="FFFF00"/>
+                  <a:srgbClr val="FFD966"/>
                 </a:solidFill>
                 <a:latin typeface="Arial" charset="0"/>
                 <a:ea typeface="Arial" charset="0"/>
@@ -30190,7 +30179,7 @@
         </p:nvSpPr>
         <p:spPr>
           <a:xfrm>
-            <a:off x="3086100" y="5500691"/>
+            <a:off x="2234291" y="5500691"/>
             <a:ext cx="11551560" cy="1754326"/>
           </a:xfrm>
           <a:prstGeom prst="rect">
@@ -30387,7 +30376,7 @@
             <a:r>
               <a:rPr lang="en-US" sz="7800" u="none" strike="noStrike" cap="none">
                 <a:solidFill>
-                  <a:srgbClr val="FFFF00"/>
+                  <a:srgbClr val="FFD966"/>
                 </a:solidFill>
                 <a:latin typeface="Arial" charset="0"/>
                 <a:ea typeface="Arial" charset="0"/>

--- a/lectures3/Pythonlearn-02-Expressions.pptx
+++ b/lectures3/Pythonlearn-02-Expressions.pptx
@@ -10,7 +10,7 @@
   <p:sldIdLst>
     <p:sldId id="256" r:id="rId2"/>
     <p:sldId id="257" r:id="rId3"/>
-    <p:sldId id="302" r:id="rId4"/>
+    <p:sldId id="303" r:id="rId4"/>
     <p:sldId id="258" r:id="rId5"/>
     <p:sldId id="291" r:id="rId6"/>
     <p:sldId id="260" r:id="rId7"/>
@@ -249,7 +249,7 @@
   </p:defaultTextStyle>
   <p:extLst>
     <p:ext uri="{EFAFB233-063F-42B5-8137-9DF3F51BA10A}">
-      <p15:sldGuideLst xmlns="" xmlns:p15="http://schemas.microsoft.com/office/powerpoint/2012/main">
+      <p15:sldGuideLst xmlns:p15="http://schemas.microsoft.com/office/powerpoint/2012/main">
         <p15:guide id="1" orient="horz" pos="2880">
           <p15:clr>
             <a:srgbClr val="A4A3A4"/>
@@ -590,18 +590,10 @@
                   <a:schemeClr val="dk2"/>
                 </a:solidFill>
               </a:rPr>
-              <a:t>Note from Chuck.  If you are using these materials, you can remove the UM logo and replace it with your own, but please retain the CC-BY logo on the first page as well as retain the </a:t>
-            </a:r>
-            <a:r>
-              <a:rPr lang="en-US" dirty="0" smtClean="0">
-                <a:solidFill>
-                  <a:schemeClr val="dk2"/>
-                </a:solidFill>
-              </a:rPr>
-              <a:t>acknowledgement page(s)</a:t>
-            </a:r>
-            <a:r>
-              <a:rPr lang="en-US" baseline="0" dirty="0" smtClean="0">
+              <a:t>Note from Chuck.  If you are using these materials, you can remove the UM logo and replace it with your own, but please retain the CC-BY logo on the first page as well as retain the acknowledgement page(s)</a:t>
+            </a:r>
+            <a:r>
+              <a:rPr lang="en-US" baseline="0" dirty="0">
                 <a:solidFill>
                   <a:schemeClr val="dk2"/>
                 </a:solidFill>
@@ -2953,7 +2945,7 @@
               </a:spcBef>
               <a:buNone/>
             </a:pPr>
-            <a:endParaRPr/>
+            <a:endParaRPr dirty="0"/>
           </a:p>
         </p:txBody>
       </p:sp>
@@ -3001,7 +2993,7 @@
     </p:spTree>
     <p:extLst>
       <p:ext uri="{BB962C8B-B14F-4D97-AF65-F5344CB8AC3E}">
-        <p14:creationId xmlns:p14="http://schemas.microsoft.com/office/powerpoint/2010/main" val="915504463"/>
+        <p14:creationId xmlns:p14="http://schemas.microsoft.com/office/powerpoint/2010/main" val="111657262"/>
       </p:ext>
     </p:extLst>
   </p:cSld>
@@ -5064,7 +5056,6 @@
           <a:ln>
             <a:noFill/>
           </a:ln>
-          <a:extLst/>
         </p:spPr>
         <p:txBody>
           <a:bodyPr/>
@@ -5188,7 +5179,7 @@
             <a:pPr eaLnBrk="1" hangingPunct="1">
               <a:defRPr/>
             </a:pPr>
-            <a:endParaRPr lang="en-US" altLang="en-US" sz="3600" smtClean="0"/>
+            <a:endParaRPr lang="en-US" altLang="en-US" sz="3600"/>
           </a:p>
         </p:txBody>
       </p:sp>
@@ -5214,7 +5205,6 @@
           <a:ln>
             <a:noFill/>
           </a:ln>
-          <a:extLst/>
         </p:spPr>
         <p:txBody>
           <a:bodyPr/>
@@ -5338,7 +5328,7 @@
             <a:pPr eaLnBrk="1" hangingPunct="1">
               <a:defRPr/>
             </a:pPr>
-            <a:endParaRPr lang="en-US" altLang="en-US" sz="3600" smtClean="0"/>
+            <a:endParaRPr lang="en-US" altLang="en-US" sz="3600"/>
           </a:p>
         </p:txBody>
       </p:sp>
@@ -5969,7 +5959,7 @@
               <a:buNone/>
             </a:pPr>
             <a:r>
-              <a:rPr lang="en-US" sz="3200" u="none" strike="noStrike" cap="none" dirty="0" smtClean="0">
+              <a:rPr lang="en-US" sz="3200" u="none" strike="noStrike" cap="none" dirty="0">
                 <a:solidFill>
                   <a:srgbClr val="FFFF00"/>
                 </a:solidFill>
@@ -5980,15 +5970,6 @@
               </a:rPr>
               <a:t>Python for Everybody</a:t>
             </a:r>
-            <a:endParaRPr lang="en-US" sz="3200" u="none" strike="noStrike" cap="none" dirty="0">
-              <a:solidFill>
-                <a:srgbClr val="FFFF00"/>
-              </a:solidFill>
-              <a:latin typeface="Arial" charset="0"/>
-              <a:ea typeface="Arial" charset="0"/>
-              <a:cs typeface="Arial" charset="0"/>
-              <a:sym typeface="Cabin"/>
-            </a:endParaRPr>
           </a:p>
           <a:p>
             <a:pPr marL="0" marR="0" lvl="0" indent="0" algn="ctr" rtl="0">
@@ -6009,7 +5990,7 @@
               <a:buNone/>
             </a:pPr>
             <a:r>
-              <a:rPr lang="en-US" sz="3200" u="sng" strike="noStrike" cap="none" smtClean="0">
+              <a:rPr lang="en-US" sz="3200" u="sng" strike="noStrike" cap="none">
                 <a:solidFill>
                   <a:srgbClr val="FFFF00"/>
                 </a:solidFill>
@@ -6093,13 +6074,6 @@
   <p:clrMapOvr>
     <a:masterClrMapping/>
   </p:clrMapOvr>
-  <p:timing>
-    <p:tnLst>
-      <p:par>
-        <p:cTn xmlns:p14="http://schemas.microsoft.com/office/powerpoint/2010/main" id="1" dur="indefinite" restart="never" nodeType="tmRoot"/>
-      </p:par>
-    </p:tnLst>
-  </p:timing>
 </p:sld>
 </file>
 
@@ -6256,7 +6230,7 @@
               <a:buNone/>
             </a:pPr>
             <a:r>
-              <a:rPr lang="en-US" sz="3000" i="0" u="none" strike="noStrike" cap="none" dirty="0" smtClean="0">
+              <a:rPr lang="en-US" sz="3000" i="0" u="none" strike="noStrike" cap="none" dirty="0">
                 <a:solidFill>
                   <a:srgbClr val="FFFF00"/>
                 </a:solidFill>
@@ -6267,15 +6241,6 @@
               </a:rPr>
               <a:t>print(x1q3p9afd)</a:t>
             </a:r>
-            <a:endParaRPr lang="en-US" sz="3000" i="0" u="none" strike="noStrike" cap="none" dirty="0">
-              <a:solidFill>
-                <a:srgbClr val="FFFF00"/>
-              </a:solidFill>
-              <a:latin typeface="Courier"/>
-              <a:ea typeface="Courier"/>
-              <a:cs typeface="Courier"/>
-              <a:sym typeface="Courier New"/>
-            </a:endParaRPr>
           </a:p>
         </p:txBody>
       </p:sp>
@@ -6415,7 +6380,7 @@
               <a:buNone/>
             </a:pPr>
             <a:r>
-              <a:rPr lang="en-US" sz="3000" i="0" u="none" strike="noStrike" cap="none" dirty="0" smtClean="0">
+              <a:rPr lang="en-US" sz="3000" i="0" u="none" strike="noStrike" cap="none" dirty="0">
                 <a:solidFill>
                   <a:srgbClr val="00FF00"/>
                 </a:solidFill>
@@ -6426,15 +6391,6 @@
               </a:rPr>
               <a:t>print(pay)</a:t>
             </a:r>
-            <a:endParaRPr lang="en-US" sz="3000" i="0" u="none" strike="noStrike" cap="none" dirty="0">
-              <a:solidFill>
-                <a:srgbClr val="00FF00"/>
-              </a:solidFill>
-              <a:latin typeface="Courier"/>
-              <a:ea typeface="Courier"/>
-              <a:cs typeface="Courier"/>
-              <a:sym typeface="Courier New"/>
-            </a:endParaRPr>
           </a:p>
         </p:txBody>
       </p:sp>
@@ -6574,7 +6530,7 @@
               <a:buNone/>
             </a:pPr>
             <a:r>
-              <a:rPr lang="en-US" sz="3000" i="0" u="none" strike="noStrike" cap="none" dirty="0" smtClean="0">
+              <a:rPr lang="en-US" sz="3000" i="0" u="none" strike="noStrike" cap="none" dirty="0">
                 <a:solidFill>
                   <a:srgbClr val="00FFFF"/>
                 </a:solidFill>
@@ -6585,15 +6541,6 @@
               </a:rPr>
               <a:t>print(c)</a:t>
             </a:r>
-            <a:endParaRPr lang="en-US" sz="3000" i="0" u="none" strike="noStrike" cap="none" dirty="0">
-              <a:solidFill>
-                <a:srgbClr val="00FFFF"/>
-              </a:solidFill>
-              <a:latin typeface="Courier"/>
-              <a:ea typeface="Courier"/>
-              <a:cs typeface="Courier"/>
-              <a:sym typeface="Courier New"/>
-            </a:endParaRPr>
           </a:p>
         </p:txBody>
       </p:sp>
@@ -6688,13 +6635,6 @@
   <p:clrMapOvr>
     <a:masterClrMapping/>
   </p:clrMapOvr>
-  <p:timing>
-    <p:tnLst>
-      <p:par>
-        <p:cTn xmlns:p14="http://schemas.microsoft.com/office/powerpoint/2010/main" id="1" dur="indefinite" restart="never" nodeType="tmRoot"/>
-      </p:par>
-    </p:tnLst>
-  </p:timing>
 </p:sld>
 </file>
 
@@ -7021,7 +6961,7 @@
               <a:buNone/>
             </a:pPr>
             <a:r>
-              <a:rPr lang="en-US" sz="4800" dirty="0" smtClean="0">
+              <a:rPr lang="en-US" sz="4800" dirty="0">
                 <a:solidFill>
                   <a:srgbClr val="FFFF00"/>
                 </a:solidFill>
@@ -7033,7 +6973,7 @@
               <a:t>p</a:t>
             </a:r>
             <a:r>
-              <a:rPr lang="en-US" sz="4800" i="0" u="none" strike="noStrike" cap="none" dirty="0" smtClean="0">
+              <a:rPr lang="en-US" sz="4800" i="0" u="none" strike="noStrike" cap="none" dirty="0">
                 <a:solidFill>
                   <a:srgbClr val="FFFF00"/>
                 </a:solidFill>
@@ -7045,7 +6985,7 @@
               <a:t>rint(</a:t>
             </a:r>
             <a:r>
-              <a:rPr lang="en-US" sz="4800" i="0" u="none" strike="noStrike" cap="none" dirty="0" smtClean="0">
+              <a:rPr lang="en-US" sz="4800" i="0" u="none" strike="noStrike" cap="none" dirty="0">
                 <a:solidFill>
                   <a:srgbClr val="FF9900"/>
                 </a:solidFill>
@@ -7057,7 +6997,7 @@
               <a:t>x</a:t>
             </a:r>
             <a:r>
-              <a:rPr lang="en-US" sz="4800" i="0" u="none" strike="noStrike" cap="none" dirty="0" smtClean="0">
+              <a:rPr lang="en-US" sz="4800" i="0" u="none" strike="noStrike" cap="none" dirty="0">
                 <a:solidFill>
                   <a:srgbClr val="FFFF00"/>
                 </a:solidFill>
@@ -7068,15 +7008,6 @@
               </a:rPr>
               <a:t>)</a:t>
             </a:r>
-            <a:endParaRPr lang="en-US" sz="4800" i="0" u="none" strike="noStrike" cap="none" dirty="0">
-              <a:solidFill>
-                <a:srgbClr val="FFFF00"/>
-              </a:solidFill>
-              <a:latin typeface="Courier"/>
-              <a:ea typeface="Courier"/>
-              <a:cs typeface="Courier"/>
-              <a:sym typeface="Courier New"/>
-            </a:endParaRPr>
           </a:p>
         </p:txBody>
       </p:sp>
@@ -7294,7 +7225,7 @@
               <a:buNone/>
             </a:pPr>
             <a:r>
-              <a:rPr lang="en-US" sz="4200" u="none" strike="noStrike" cap="none" dirty="0" smtClean="0">
+              <a:rPr lang="en-US" sz="4200" u="none" strike="noStrike" cap="none" dirty="0">
                 <a:solidFill>
                   <a:srgbClr val="FFFF00"/>
                 </a:solidFill>
@@ -7305,15 +7236,6 @@
               </a:rPr>
               <a:t>Function</a:t>
             </a:r>
-            <a:endParaRPr lang="en-US" sz="4200" u="none" strike="noStrike" cap="none" dirty="0">
-              <a:solidFill>
-                <a:srgbClr val="FFFF00"/>
-              </a:solidFill>
-              <a:latin typeface="Arial" charset="0"/>
-              <a:ea typeface="Arial" charset="0"/>
-              <a:cs typeface="Arial" charset="0"/>
-              <a:sym typeface="Cabin"/>
-            </a:endParaRPr>
           </a:p>
         </p:txBody>
       </p:sp>
@@ -7548,13 +7470,6 @@
   <p:clrMapOvr>
     <a:masterClrMapping/>
   </p:clrMapOvr>
-  <p:timing>
-    <p:tnLst>
-      <p:par>
-        <p:cTn xmlns:p14="http://schemas.microsoft.com/office/powerpoint/2010/main" id="1" dur="indefinite" restart="never" nodeType="tmRoot"/>
-      </p:par>
-    </p:tnLst>
-  </p:timing>
 </p:sld>
 </file>
 
@@ -7830,31 +7745,7 @@
                 <a:cs typeface="Arial" charset="0"/>
                 <a:sym typeface="Cabin"/>
               </a:rPr>
-              <a:t> </a:t>
-            </a:r>
-            <a:r>
-              <a:rPr lang="en-US" sz="3600" u="none" strike="noStrike" cap="none" dirty="0" smtClean="0">
-                <a:solidFill>
-                  <a:schemeClr val="lt1"/>
-                </a:solidFill>
-                <a:latin typeface="Arial" charset="0"/>
-                <a:ea typeface="Arial" charset="0"/>
-                <a:cs typeface="Arial" charset="0"/>
-                <a:sym typeface="Cabin"/>
-              </a:rPr>
-              <a:t>and </a:t>
-            </a:r>
-            <a:r>
-              <a:rPr lang="en-US" sz="3600" u="none" strike="noStrike" cap="none" dirty="0">
-                <a:solidFill>
-                  <a:schemeClr val="lt1"/>
-                </a:solidFill>
-                <a:latin typeface="Arial" charset="0"/>
-                <a:ea typeface="Arial" charset="0"/>
-                <a:cs typeface="Arial" charset="0"/>
-                <a:sym typeface="Cabin"/>
-              </a:rPr>
-              <a:t>a </a:t>
+              <a:t> and a </a:t>
             </a:r>
             <a:r>
               <a:rPr lang="en-US" sz="3600" u="none" strike="noStrike" cap="none" dirty="0">
@@ -8112,13 +8003,6 @@
   <p:clrMapOvr>
     <a:masterClrMapping/>
   </p:clrMapOvr>
-  <p:timing>
-    <p:tnLst>
-      <p:par>
-        <p:cTn xmlns:p14="http://schemas.microsoft.com/office/powerpoint/2010/main" id="1" dur="indefinite" restart="never" nodeType="tmRoot"/>
-      </p:par>
-    </p:tnLst>
-  </p:timing>
 </p:sld>
 </file>
 
@@ -8230,7 +8114,7 @@
               <a:t> </a:t>
             </a:r>
             <a:r>
-              <a:rPr lang="en-US" sz="4000" u="none" strike="noStrike" cap="none" dirty="0" smtClean="0">
+              <a:rPr lang="en-US" sz="4000" u="none" strike="noStrike" cap="none" dirty="0">
                 <a:solidFill>
                   <a:srgbClr val="FFFF00"/>
                 </a:solidFill>
@@ -8241,15 +8125,6 @@
               </a:rPr>
               <a:t>3.9 *  x  * ( 1  -  x )</a:t>
             </a:r>
-            <a:endParaRPr lang="en-US" sz="4000" u="none" strike="noStrike" cap="none" dirty="0">
-              <a:solidFill>
-                <a:srgbClr val="FFFF00"/>
-              </a:solidFill>
-              <a:latin typeface="Courier" charset="0"/>
-              <a:ea typeface="Courier" charset="0"/>
-              <a:cs typeface="Courier" charset="0"/>
-              <a:sym typeface="Cabin"/>
-            </a:endParaRPr>
           </a:p>
         </p:txBody>
       </p:sp>
@@ -9023,13 +8898,6 @@
   <p:clrMapOvr>
     <a:masterClrMapping/>
   </p:clrMapOvr>
-  <p:timing>
-    <p:tnLst>
-      <p:par>
-        <p:cTn xmlns:p14="http://schemas.microsoft.com/office/powerpoint/2010/main" id="1" dur="indefinite" restart="never" nodeType="tmRoot"/>
-      </p:par>
-    </p:tnLst>
-  </p:timing>
 </p:sld>
 </file>
 
@@ -9141,7 +9009,7 @@
               <a:t> </a:t>
             </a:r>
             <a:r>
-              <a:rPr lang="en-US" sz="4000" u="none" strike="noStrike" cap="none" dirty="0" smtClean="0">
+              <a:rPr lang="en-US" sz="4000" u="none" strike="noStrike" cap="none" dirty="0">
                 <a:solidFill>
                   <a:srgbClr val="FFFF00"/>
                 </a:solidFill>
@@ -9152,15 +9020,6 @@
               </a:rPr>
               <a:t>3.9 *  x  * ( 1  -  x )</a:t>
             </a:r>
-            <a:endParaRPr lang="en-US" sz="4000" u="none" strike="noStrike" cap="none" dirty="0">
-              <a:solidFill>
-                <a:srgbClr val="FFFF00"/>
-              </a:solidFill>
-              <a:latin typeface="Courier" charset="0"/>
-              <a:ea typeface="Courier" charset="0"/>
-              <a:cs typeface="Courier" charset="0"/>
-              <a:sym typeface="Cabin"/>
-            </a:endParaRPr>
           </a:p>
         </p:txBody>
       </p:sp>
@@ -9202,7 +9061,7 @@
               <a:buSzPct val="25000"/>
             </a:pPr>
             <a:r>
-              <a:rPr lang="en-US" sz="4900" dirty="0" smtClean="0">
+              <a:rPr lang="en-US" sz="4900" dirty="0">
                 <a:solidFill>
                   <a:schemeClr val="lt1"/>
                 </a:solidFill>
@@ -9213,15 +9072,6 @@
               </a:rPr>
               <a:t> 0.6    0.936</a:t>
             </a:r>
-            <a:endParaRPr lang="en-US" sz="4900" dirty="0">
-              <a:solidFill>
-                <a:schemeClr val="lt1"/>
-              </a:solidFill>
-              <a:latin typeface="Arial" charset="0"/>
-              <a:ea typeface="Arial" charset="0"/>
-              <a:cs typeface="Arial" charset="0"/>
-              <a:sym typeface="Cabin"/>
-            </a:endParaRPr>
           </a:p>
         </p:txBody>
       </p:sp>
@@ -9734,7 +9584,7 @@
               <a:t>(</a:t>
             </a:r>
             <a:r>
-              <a:rPr lang="en-US" sz="3200" u="none" strike="noStrike" cap="none" smtClean="0">
+              <a:rPr lang="en-US" sz="3200" u="none" strike="noStrike" cap="none">
                 <a:solidFill>
                   <a:srgbClr val="FFFFFF"/>
                 </a:solidFill>
@@ -9746,7 +9596,7 @@
               <a:t>0.936</a:t>
             </a:r>
             <a:r>
-              <a:rPr lang="en-US" sz="3200" u="none" strike="noStrike" cap="none" smtClean="0">
+              <a:rPr lang="en-US" sz="3200" u="none" strike="noStrike" cap="none">
                 <a:solidFill>
                   <a:srgbClr val="00FF00"/>
                 </a:solidFill>
@@ -9997,13 +9847,6 @@
   <p:clrMapOvr>
     <a:masterClrMapping/>
   </p:clrMapOvr>
-  <p:timing>
-    <p:tnLst>
-      <p:par>
-        <p:cTn xmlns:p14="http://schemas.microsoft.com/office/powerpoint/2010/main" id="1" dur="indefinite" restart="never" nodeType="tmRoot"/>
-      </p:par>
-    </p:tnLst>
-  </p:timing>
 </p:sld>
 </file>
 
@@ -10040,7 +9883,7 @@
           <a:lstStyle/>
           <a:p>
             <a:r>
-              <a:rPr lang="en-US" sz="7200" dirty="0" smtClean="0">
+              <a:rPr lang="en-US" sz="7200" dirty="0">
                 <a:solidFill>
                   <a:srgbClr val="FFD966"/>
                 </a:solidFill>
@@ -10048,7 +9891,7 @@
               <a:t>Expressions</a:t>
             </a:r>
             <a:r>
-              <a:rPr lang="is-IS" sz="7200" dirty="0" smtClean="0">
+              <a:rPr lang="is-IS" sz="7200" dirty="0">
                 <a:solidFill>
                   <a:srgbClr val="FFD966"/>
                 </a:solidFill>
@@ -10073,13 +9916,6 @@
   <p:clrMapOvr>
     <a:masterClrMapping/>
   </p:clrMapOvr>
-  <p:timing>
-    <p:tnLst>
-      <p:par>
-        <p:cTn xmlns:p14="http://schemas.microsoft.com/office/powerpoint/2010/main" id="1" dur="indefinite" restart="never" nodeType="tmRoot"/>
-      </p:par>
-    </p:tnLst>
-  </p:timing>
 </p:sld>
 </file>
 
@@ -10323,53 +10159,8 @@
                 <a:cs typeface="Arial" charset="0"/>
                 <a:sym typeface="Cabin"/>
               </a:rPr>
-              <a:t>Exponentiation (raise to a power) looks different </a:t>
-            </a:r>
-            <a:r>
-              <a:rPr lang="en-US" sz="3600" u="none" strike="noStrike" cap="none" dirty="0" smtClean="0">
-                <a:solidFill>
-                  <a:schemeClr val="lt1"/>
-                </a:solidFill>
-                <a:latin typeface="Arial" charset="0"/>
-                <a:ea typeface="Arial" charset="0"/>
-                <a:cs typeface="Arial" charset="0"/>
-                <a:sym typeface="Cabin"/>
-              </a:rPr>
-              <a:t>than </a:t>
-            </a:r>
-            <a:r>
-              <a:rPr lang="en-US" sz="3600" u="none" strike="noStrike" cap="none" dirty="0">
-                <a:solidFill>
-                  <a:schemeClr val="lt1"/>
-                </a:solidFill>
-                <a:latin typeface="Arial" charset="0"/>
-                <a:ea typeface="Arial" charset="0"/>
-                <a:cs typeface="Arial" charset="0"/>
-                <a:sym typeface="Cabin"/>
-              </a:rPr>
-              <a:t>in </a:t>
-            </a:r>
-            <a:r>
-              <a:rPr lang="en-US" sz="3600" u="none" strike="noStrike" cap="none" dirty="0" smtClean="0">
-                <a:solidFill>
-                  <a:schemeClr val="lt1"/>
-                </a:solidFill>
-                <a:latin typeface="Arial" charset="0"/>
-                <a:ea typeface="Arial" charset="0"/>
-                <a:cs typeface="Arial" charset="0"/>
-                <a:sym typeface="Cabin"/>
-              </a:rPr>
-              <a:t>math</a:t>
-            </a:r>
-            <a:endParaRPr lang="en-US" sz="3600" u="none" strike="noStrike" cap="none" dirty="0">
-              <a:solidFill>
-                <a:schemeClr val="lt1"/>
-              </a:solidFill>
-              <a:latin typeface="Arial" charset="0"/>
-              <a:ea typeface="Arial" charset="0"/>
-              <a:cs typeface="Arial" charset="0"/>
-              <a:sym typeface="Cabin"/>
-            </a:endParaRPr>
+              <a:t>Exponentiation (raise to a power) looks different than in math</a:t>
+            </a:r>
           </a:p>
         </p:txBody>
       </p:sp>
@@ -10397,8 +10188,20 @@
                 <a:tableStyleId>{54014B03-8F40-49A2-A0EB-D18ED94CC971}</a:tableStyleId>
               </a:tblPr>
               <a:tblGrid>
-                <a:gridCol w="2398575"/>
-                <a:gridCol w="2626675"/>
+                <a:gridCol w="2398575">
+                  <a:extLst>
+                    <a:ext uri="{9D8B030D-6E8A-4147-A177-3AD203B41FA5}">
+                      <a16:colId xmlns:a16="http://schemas.microsoft.com/office/drawing/2014/main" val="20000"/>
+                    </a:ext>
+                  </a:extLst>
+                </a:gridCol>
+                <a:gridCol w="2626675">
+                  <a:extLst>
+                    <a:ext uri="{9D8B030D-6E8A-4147-A177-3AD203B41FA5}">
+                      <a16:colId xmlns:a16="http://schemas.microsoft.com/office/drawing/2014/main" val="20001"/>
+                    </a:ext>
+                  </a:extLst>
+                </a:gridCol>
               </a:tblGrid>
               <a:tr h="795325">
                 <a:tc>
@@ -10561,6 +10364,11 @@
                     </a:solidFill>
                   </a:tcPr>
                 </a:tc>
+                <a:extLst>
+                  <a:ext uri="{0D108BD9-81ED-4DB2-BD59-A6C34878D82A}">
+                    <a16:rowId xmlns:a16="http://schemas.microsoft.com/office/drawing/2014/main" val="10000"/>
+                  </a:ext>
+                </a:extLst>
               </a:tr>
               <a:tr h="795325">
                 <a:tc>
@@ -10713,6 +10521,11 @@
                     </a:lnB>
                   </a:tcPr>
                 </a:tc>
+                <a:extLst>
+                  <a:ext uri="{0D108BD9-81ED-4DB2-BD59-A6C34878D82A}">
+                    <a16:rowId xmlns:a16="http://schemas.microsoft.com/office/drawing/2014/main" val="10001"/>
+                  </a:ext>
+                </a:extLst>
               </a:tr>
               <a:tr h="795325">
                 <a:tc>
@@ -10865,6 +10678,11 @@
                     </a:lnB>
                   </a:tcPr>
                 </a:tc>
+                <a:extLst>
+                  <a:ext uri="{0D108BD9-81ED-4DB2-BD59-A6C34878D82A}">
+                    <a16:rowId xmlns:a16="http://schemas.microsoft.com/office/drawing/2014/main" val="10002"/>
+                  </a:ext>
+                </a:extLst>
               </a:tr>
               <a:tr h="795325">
                 <a:tc>
@@ -11017,6 +10835,11 @@
                     </a:lnB>
                   </a:tcPr>
                 </a:tc>
+                <a:extLst>
+                  <a:ext uri="{0D108BD9-81ED-4DB2-BD59-A6C34878D82A}">
+                    <a16:rowId xmlns:a16="http://schemas.microsoft.com/office/drawing/2014/main" val="10003"/>
+                  </a:ext>
+                </a:extLst>
               </a:tr>
               <a:tr h="795325">
                 <a:tc>
@@ -11169,6 +10992,11 @@
                     </a:lnB>
                   </a:tcPr>
                 </a:tc>
+                <a:extLst>
+                  <a:ext uri="{0D108BD9-81ED-4DB2-BD59-A6C34878D82A}">
+                    <a16:rowId xmlns:a16="http://schemas.microsoft.com/office/drawing/2014/main" val="10004"/>
+                  </a:ext>
+                </a:extLst>
               </a:tr>
               <a:tr h="795325">
                 <a:tc>
@@ -11321,6 +11149,11 @@
                     </a:lnB>
                   </a:tcPr>
                 </a:tc>
+                <a:extLst>
+                  <a:ext uri="{0D108BD9-81ED-4DB2-BD59-A6C34878D82A}">
+                    <a16:rowId xmlns:a16="http://schemas.microsoft.com/office/drawing/2014/main" val="10005"/>
+                  </a:ext>
+                </a:extLst>
               </a:tr>
               <a:tr h="795325">
                 <a:tc>
@@ -11473,6 +11306,11 @@
                     </a:lnB>
                   </a:tcPr>
                 </a:tc>
+                <a:extLst>
+                  <a:ext uri="{0D108BD9-81ED-4DB2-BD59-A6C34878D82A}">
+                    <a16:rowId xmlns:a16="http://schemas.microsoft.com/office/drawing/2014/main" val="10006"/>
+                  </a:ext>
+                </a:extLst>
               </a:tr>
             </a:tbl>
           </a:graphicData>
@@ -11483,13 +11321,6 @@
   <p:clrMapOvr>
     <a:masterClrMapping/>
   </p:clrMapOvr>
-  <p:timing>
-    <p:tnLst>
-      <p:par>
-        <p:cTn xmlns:p14="http://schemas.microsoft.com/office/powerpoint/2010/main" id="1" dur="indefinite" restart="never" nodeType="tmRoot"/>
-      </p:par>
-    </p:tnLst>
-  </p:timing>
 </p:sld>
 </file>
 
@@ -11712,7 +11543,7 @@
               <a:t>&gt;&gt;&gt; </a:t>
             </a:r>
             <a:r>
-              <a:rPr lang="en-US" sz="3000" i="0" u="none" strike="noStrike" cap="none" dirty="0" smtClean="0">
+              <a:rPr lang="en-US" sz="3000" i="0" u="none" strike="noStrike" cap="none" dirty="0">
                 <a:solidFill>
                   <a:srgbClr val="FFFF00"/>
                 </a:solidFill>
@@ -11724,7 +11555,7 @@
               <a:t>print(</a:t>
             </a:r>
             <a:r>
-              <a:rPr lang="en-US" sz="3000" i="0" u="none" strike="noStrike" cap="none" dirty="0" smtClean="0">
+              <a:rPr lang="en-US" sz="3000" i="0" u="none" strike="noStrike" cap="none" dirty="0">
                 <a:solidFill>
                   <a:srgbClr val="00FF00"/>
                 </a:solidFill>
@@ -11887,7 +11718,7 @@
               <a:t>&gt;&gt;&gt; </a:t>
             </a:r>
             <a:r>
-              <a:rPr lang="en-US" sz="3000" i="0" u="none" strike="noStrike" cap="none" dirty="0" smtClean="0">
+              <a:rPr lang="en-US" sz="3000" i="0" u="none" strike="noStrike" cap="none" dirty="0">
                 <a:solidFill>
                   <a:srgbClr val="FFFF00"/>
                 </a:solidFill>
@@ -11899,7 +11730,7 @@
               <a:t>print(</a:t>
             </a:r>
             <a:r>
-              <a:rPr lang="en-US" sz="3000" i="0" u="none" strike="noStrike" cap="none" dirty="0" err="1" smtClean="0">
+              <a:rPr lang="en-US" sz="3000" i="0" u="none" strike="noStrike" cap="none" dirty="0" err="1">
                 <a:solidFill>
                   <a:srgbClr val="00FF00"/>
                 </a:solidFill>
@@ -12086,7 +11917,7 @@
               <a:t>&gt;&gt;&gt; </a:t>
             </a:r>
             <a:r>
-              <a:rPr lang="en-US" sz="3000" i="0" u="none" strike="noStrike" cap="none" dirty="0" smtClean="0">
+              <a:rPr lang="en-US" sz="3000" i="0" u="none" strike="noStrike" cap="none" dirty="0">
                 <a:solidFill>
                   <a:srgbClr val="FFFF00"/>
                 </a:solidFill>
@@ -12098,7 +11929,7 @@
               <a:t>print(</a:t>
             </a:r>
             <a:r>
-              <a:rPr lang="en-US" sz="3000" i="0" u="none" strike="noStrike" cap="none" dirty="0" err="1" smtClean="0">
+              <a:rPr lang="en-US" sz="3000" i="0" u="none" strike="noStrike" cap="none" dirty="0" err="1">
                 <a:solidFill>
                   <a:srgbClr val="00FA00"/>
                 </a:solidFill>
@@ -12150,7 +11981,7 @@
               <a:buNone/>
             </a:pPr>
             <a:r>
-              <a:rPr lang="en-US" sz="3000" i="0" u="none" strike="noStrike" cap="none" dirty="0" smtClean="0">
+              <a:rPr lang="en-US" sz="3000" i="0" u="none" strike="noStrike" cap="none" dirty="0">
                 <a:solidFill>
                   <a:schemeClr val="lt1"/>
                 </a:solidFill>
@@ -12161,15 +11992,6 @@
               </a:rPr>
               <a:t>5.28</a:t>
             </a:r>
-            <a:endParaRPr lang="en-US" sz="3000" i="0" u="none" strike="noStrike" cap="none" dirty="0">
-              <a:solidFill>
-                <a:schemeClr val="lt1"/>
-              </a:solidFill>
-              <a:latin typeface="Courier"/>
-              <a:ea typeface="Courier"/>
-              <a:cs typeface="Courier"/>
-              <a:sym typeface="Courier New"/>
-            </a:endParaRPr>
           </a:p>
         </p:txBody>
       </p:sp>
@@ -12387,7 +12209,7 @@
               <a:t>&gt;&gt;&gt; </a:t>
             </a:r>
             <a:r>
-              <a:rPr lang="en-US" sz="3000" i="0" u="none" strike="noStrike" cap="none" dirty="0" smtClean="0">
+              <a:rPr lang="en-US" sz="3000" i="0" u="none" strike="noStrike" cap="none" dirty="0">
                 <a:solidFill>
                   <a:srgbClr val="FFFF00"/>
                 </a:solidFill>
@@ -12399,7 +12221,7 @@
               <a:t>print(</a:t>
             </a:r>
             <a:r>
-              <a:rPr lang="en-US" sz="3000" i="0" u="none" strike="noStrike" cap="none" dirty="0" err="1" smtClean="0">
+              <a:rPr lang="en-US" sz="3000" i="0" u="none" strike="noStrike" cap="none" dirty="0" err="1">
                 <a:solidFill>
                   <a:srgbClr val="00FF00"/>
                 </a:solidFill>
@@ -12483,7 +12305,7 @@
               <a:t>&gt;&gt;&gt; </a:t>
             </a:r>
             <a:r>
-              <a:rPr lang="en-US" sz="3000" i="0" u="none" strike="noStrike" cap="none" dirty="0" smtClean="0">
+              <a:rPr lang="en-US" sz="3000" i="0" u="none" strike="noStrike" cap="none" dirty="0">
                 <a:solidFill>
                   <a:srgbClr val="FFFF00"/>
                 </a:solidFill>
@@ -12495,7 +12317,7 @@
               <a:t>print(</a:t>
             </a:r>
             <a:r>
-              <a:rPr lang="en-US" sz="3000" i="0" u="none" strike="noStrike" cap="none" dirty="0" smtClean="0">
+              <a:rPr lang="en-US" sz="3000" i="0" u="none" strike="noStrike" cap="none" dirty="0">
                 <a:solidFill>
                   <a:schemeClr val="lt1"/>
                 </a:solidFill>
@@ -12528,19 +12350,7 @@
                 <a:cs typeface="Courier"/>
                 <a:sym typeface="Courier New"/>
               </a:rPr>
-              <a:t> </a:t>
-            </a:r>
-            <a:r>
-              <a:rPr lang="en-US" sz="3000" i="0" u="none" strike="noStrike" cap="none" dirty="0" smtClean="0">
-                <a:solidFill>
-                  <a:schemeClr val="lt1"/>
-                </a:solidFill>
-                <a:latin typeface="Courier"/>
-                <a:ea typeface="Courier"/>
-                <a:cs typeface="Courier"/>
-                <a:sym typeface="Courier New"/>
-              </a:rPr>
-              <a:t>3</a:t>
+              <a:t> 3</a:t>
             </a:r>
             <a:r>
               <a:rPr lang="en-US" sz="3000" dirty="0">
@@ -12615,8 +12425,20 @@
                 <a:tableStyleId>{54014B03-8F40-49A2-A0EB-D18ED94CC971}</a:tableStyleId>
               </a:tblPr>
               <a:tblGrid>
-                <a:gridCol w="1876000"/>
-                <a:gridCol w="1876000"/>
+                <a:gridCol w="1876000">
+                  <a:extLst>
+                    <a:ext uri="{9D8B030D-6E8A-4147-A177-3AD203B41FA5}">
+                      <a16:colId xmlns:a16="http://schemas.microsoft.com/office/drawing/2014/main" val="20000"/>
+                    </a:ext>
+                  </a:extLst>
+                </a:gridCol>
+                <a:gridCol w="1876000">
+                  <a:extLst>
+                    <a:ext uri="{9D8B030D-6E8A-4147-A177-3AD203B41FA5}">
+                      <a16:colId xmlns:a16="http://schemas.microsoft.com/office/drawing/2014/main" val="20001"/>
+                    </a:ext>
+                  </a:extLst>
+                </a:gridCol>
               </a:tblGrid>
               <a:tr h="650875">
                 <a:tc>
@@ -12779,6 +12601,11 @@
                     </a:solidFill>
                   </a:tcPr>
                 </a:tc>
+                <a:extLst>
+                  <a:ext uri="{0D108BD9-81ED-4DB2-BD59-A6C34878D82A}">
+                    <a16:rowId xmlns:a16="http://schemas.microsoft.com/office/drawing/2014/main" val="10000"/>
+                  </a:ext>
+                </a:extLst>
               </a:tr>
               <a:tr h="650875">
                 <a:tc>
@@ -12931,6 +12758,11 @@
                     </a:lnB>
                   </a:tcPr>
                 </a:tc>
+                <a:extLst>
+                  <a:ext uri="{0D108BD9-81ED-4DB2-BD59-A6C34878D82A}">
+                    <a16:rowId xmlns:a16="http://schemas.microsoft.com/office/drawing/2014/main" val="10001"/>
+                  </a:ext>
+                </a:extLst>
               </a:tr>
               <a:tr h="650875">
                 <a:tc>
@@ -13083,6 +12915,11 @@
                     </a:lnB>
                   </a:tcPr>
                 </a:tc>
+                <a:extLst>
+                  <a:ext uri="{0D108BD9-81ED-4DB2-BD59-A6C34878D82A}">
+                    <a16:rowId xmlns:a16="http://schemas.microsoft.com/office/drawing/2014/main" val="10002"/>
+                  </a:ext>
+                </a:extLst>
               </a:tr>
               <a:tr h="650875">
                 <a:tc>
@@ -13235,6 +13072,11 @@
                     </a:lnB>
                   </a:tcPr>
                 </a:tc>
+                <a:extLst>
+                  <a:ext uri="{0D108BD9-81ED-4DB2-BD59-A6C34878D82A}">
+                    <a16:rowId xmlns:a16="http://schemas.microsoft.com/office/drawing/2014/main" val="10003"/>
+                  </a:ext>
+                </a:extLst>
               </a:tr>
               <a:tr h="650875">
                 <a:tc>
@@ -13387,6 +13229,11 @@
                     </a:lnB>
                   </a:tcPr>
                 </a:tc>
+                <a:extLst>
+                  <a:ext uri="{0D108BD9-81ED-4DB2-BD59-A6C34878D82A}">
+                    <a16:rowId xmlns:a16="http://schemas.microsoft.com/office/drawing/2014/main" val="10004"/>
+                  </a:ext>
+                </a:extLst>
               </a:tr>
               <a:tr h="650875">
                 <a:tc>
@@ -13539,6 +13386,11 @@
                     </a:lnB>
                   </a:tcPr>
                 </a:tc>
+                <a:extLst>
+                  <a:ext uri="{0D108BD9-81ED-4DB2-BD59-A6C34878D82A}">
+                    <a16:rowId xmlns:a16="http://schemas.microsoft.com/office/drawing/2014/main" val="10005"/>
+                  </a:ext>
+                </a:extLst>
               </a:tr>
               <a:tr h="650875">
                 <a:tc>
@@ -13691,6 +13543,11 @@
                     </a:lnB>
                   </a:tcPr>
                 </a:tc>
+                <a:extLst>
+                  <a:ext uri="{0D108BD9-81ED-4DB2-BD59-A6C34878D82A}">
+                    <a16:rowId xmlns:a16="http://schemas.microsoft.com/office/drawing/2014/main" val="10006"/>
+                  </a:ext>
+                </a:extLst>
               </a:tr>
             </a:tbl>
           </a:graphicData>
@@ -14121,13 +13978,6 @@
   <p:clrMapOvr>
     <a:masterClrMapping/>
   </p:clrMapOvr>
-  <p:timing>
-    <p:tnLst>
-      <p:par>
-        <p:cTn xmlns:p14="http://schemas.microsoft.com/office/powerpoint/2010/main" id="1" dur="indefinite" restart="never" nodeType="tmRoot"/>
-      </p:par>
-    </p:tnLst>
-  </p:timing>
 </p:sld>
 </file>
 
@@ -14606,13 +14456,6 @@
   <p:clrMapOvr>
     <a:masterClrMapping/>
   </p:clrMapOvr>
-  <p:timing>
-    <p:tnLst>
-      <p:par>
-        <p:cTn xmlns:p14="http://schemas.microsoft.com/office/powerpoint/2010/main" id="1" dur="indefinite" restart="never" nodeType="tmRoot"/>
-      </p:par>
-    </p:tnLst>
-  </p:timing>
 </p:sld>
 </file>
 
@@ -14758,7 +14601,7 @@
               <a:buFont typeface="Cabin"/>
             </a:pPr>
             <a:r>
-              <a:rPr lang="en-US" sz="3200" u="none" strike="noStrike" cap="none" dirty="0" smtClean="0">
+              <a:rPr lang="en-US" sz="3200" u="none" strike="noStrike" cap="none" dirty="0">
                 <a:solidFill>
                   <a:schemeClr val="lt1"/>
                 </a:solidFill>
@@ -14767,19 +14610,7 @@
                 <a:cs typeface="Arial" charset="0"/>
                 <a:sym typeface="Cabin"/>
               </a:rPr>
-              <a:t>Parentheses </a:t>
-            </a:r>
-            <a:r>
-              <a:rPr lang="en-US" sz="3200" u="none" strike="noStrike" cap="none" dirty="0">
-                <a:solidFill>
-                  <a:schemeClr val="lt1"/>
-                </a:solidFill>
-                <a:latin typeface="Arial" charset="0"/>
-                <a:ea typeface="Arial" charset="0"/>
-                <a:cs typeface="Arial" charset="0"/>
-                <a:sym typeface="Cabin"/>
-              </a:rPr>
-              <a:t>are always respected</a:t>
+              <a:t>Parentheses are always respected</a:t>
             </a:r>
           </a:p>
           <a:p>
@@ -15131,13 +14962,6 @@
   <p:clrMapOvr>
     <a:masterClrMapping/>
   </p:clrMapOvr>
-  <p:timing>
-    <p:tnLst>
-      <p:par>
-        <p:cTn xmlns:p14="http://schemas.microsoft.com/office/powerpoint/2010/main" id="1" dur="indefinite" restart="never" nodeType="tmRoot"/>
-      </p:par>
-    </p:tnLst>
-  </p:timing>
 </p:sld>
 </file>
 
@@ -15283,31 +15107,7 @@
                 <a:cs typeface="Arial" charset="0"/>
                 <a:sym typeface="Cabin"/>
               </a:rPr>
-              <a:t>such as numbers, letters, and </a:t>
-            </a:r>
-            <a:r>
-              <a:rPr lang="en-US" sz="3600" u="none" strike="noStrike" cap="none" dirty="0" smtClean="0">
-                <a:solidFill>
-                  <a:srgbClr val="FFFFFF"/>
-                </a:solidFill>
-                <a:latin typeface="Arial" charset="0"/>
-                <a:ea typeface="Arial" charset="0"/>
-                <a:cs typeface="Arial" charset="0"/>
-                <a:sym typeface="Cabin"/>
-              </a:rPr>
-              <a:t>strings, </a:t>
-            </a:r>
-            <a:r>
-              <a:rPr lang="en-US" sz="3600" u="none" strike="noStrike" cap="none" dirty="0">
-                <a:solidFill>
-                  <a:srgbClr val="FFFFFF"/>
-                </a:solidFill>
-                <a:latin typeface="Arial" charset="0"/>
-                <a:ea typeface="Arial" charset="0"/>
-                <a:cs typeface="Arial" charset="0"/>
-                <a:sym typeface="Cabin"/>
-              </a:rPr>
-              <a:t>are called </a:t>
+              <a:t>such as numbers, letters, and strings, are called </a:t>
             </a:r>
             <a:r>
               <a:rPr lang="en-US" sz="3600" b="0" i="0" u="none" strike="noStrike" cap="none" dirty="0">
@@ -15628,7 +15428,7 @@
               <a:t>&gt;&gt;&gt; </a:t>
             </a:r>
             <a:r>
-              <a:rPr lang="en-US" sz="3000" i="0" u="none" strike="noStrike" cap="none" dirty="0" smtClean="0">
+              <a:rPr lang="en-US" sz="3000" i="0" u="none" strike="noStrike" cap="none" dirty="0">
                 <a:solidFill>
                   <a:srgbClr val="FFFF00"/>
                 </a:solidFill>
@@ -15640,7 +15440,7 @@
               <a:t>print(</a:t>
             </a:r>
             <a:r>
-              <a:rPr lang="en-US" sz="3000" i="0" u="none" strike="noStrike" cap="none" dirty="0" smtClean="0">
+              <a:rPr lang="en-US" sz="3000" i="0" u="none" strike="noStrike" cap="none" dirty="0">
                 <a:solidFill>
                   <a:srgbClr val="FF9900"/>
                 </a:solidFill>
@@ -15652,7 +15452,7 @@
               <a:t>123</a:t>
             </a:r>
             <a:r>
-              <a:rPr lang="en-US" sz="3000" i="0" u="none" strike="noStrike" cap="none" dirty="0" smtClean="0">
+              <a:rPr lang="en-US" sz="3000" i="0" u="none" strike="noStrike" cap="none" dirty="0">
                 <a:solidFill>
                   <a:srgbClr val="FFFF00"/>
                 </a:solidFill>
@@ -15663,15 +15463,6 @@
               </a:rPr>
               <a:t>)</a:t>
             </a:r>
-            <a:endParaRPr lang="en-US" sz="3000" i="0" u="none" strike="noStrike" cap="none" dirty="0">
-              <a:solidFill>
-                <a:srgbClr val="FFFF00"/>
-              </a:solidFill>
-              <a:latin typeface="Courier"/>
-              <a:ea typeface="Courier"/>
-              <a:cs typeface="Courier"/>
-              <a:sym typeface="Courier New"/>
-            </a:endParaRPr>
           </a:p>
           <a:p>
             <a:pPr marL="0" marR="0" lvl="0" indent="0" algn="l" rtl="0">
@@ -15724,7 +15515,7 @@
               <a:t>&gt;&gt;&gt; </a:t>
             </a:r>
             <a:r>
-              <a:rPr lang="en-US" sz="3000" i="0" u="none" strike="noStrike" cap="none" dirty="0" smtClean="0">
+              <a:rPr lang="en-US" sz="3000" i="0" u="none" strike="noStrike" cap="none" dirty="0">
                 <a:solidFill>
                   <a:srgbClr val="FFFF00"/>
                 </a:solidFill>
@@ -15736,7 +15527,7 @@
               <a:t>print(</a:t>
             </a:r>
             <a:r>
-              <a:rPr lang="en-US" sz="3000" i="0" u="none" strike="noStrike" cap="none" dirty="0" smtClean="0">
+              <a:rPr lang="en-US" sz="3000" i="0" u="none" strike="noStrike" cap="none" dirty="0">
                 <a:solidFill>
                   <a:srgbClr val="FF9900"/>
                 </a:solidFill>
@@ -15748,7 +15539,7 @@
               <a:t>98.6</a:t>
             </a:r>
             <a:r>
-              <a:rPr lang="en-US" sz="3000" dirty="0" smtClean="0">
+              <a:rPr lang="en-US" sz="3000" dirty="0">
                 <a:solidFill>
                   <a:srgbClr val="FFFF00"/>
                 </a:solidFill>
@@ -15829,22 +15620,10 @@
                 <a:cs typeface="Courier"/>
                 <a:sym typeface="Courier New"/>
               </a:rPr>
-              <a:t> </a:t>
-            </a:r>
-            <a:r>
-              <a:rPr lang="en-US" sz="3000" i="0" u="none" strike="noStrike" cap="none" dirty="0" smtClean="0">
-                <a:solidFill>
-                  <a:srgbClr val="FFFF00"/>
-                </a:solidFill>
-                <a:latin typeface="Courier"/>
-                <a:ea typeface="Courier"/>
-                <a:cs typeface="Courier"/>
-                <a:sym typeface="Courier New"/>
-              </a:rPr>
-              <a:t>print(</a:t>
-            </a:r>
-            <a:r>
-              <a:rPr lang="en-US" sz="3000" i="0" u="none" strike="noStrike" cap="none" dirty="0" smtClean="0">
+              <a:t> print(</a:t>
+            </a:r>
+            <a:r>
+              <a:rPr lang="en-US" sz="3000" i="0" u="none" strike="noStrike" cap="none" dirty="0">
                 <a:solidFill>
                   <a:srgbClr val="FF9900"/>
                 </a:solidFill>
@@ -15853,34 +15632,10 @@
                 <a:cs typeface="Courier"/>
                 <a:sym typeface="Courier New"/>
               </a:rPr>
-              <a:t>'Hello </a:t>
-            </a:r>
-            <a:r>
-              <a:rPr lang="en-US" sz="3000" i="0" u="none" strike="noStrike" cap="none" dirty="0">
-                <a:solidFill>
-                  <a:srgbClr val="FF9900"/>
-                </a:solidFill>
-                <a:latin typeface="Courier"/>
-                <a:ea typeface="Courier"/>
-                <a:cs typeface="Courier"/>
-                <a:sym typeface="Courier New"/>
-              </a:rPr>
-              <a:t>world</a:t>
-            </a:r>
-            <a:r>
-              <a:rPr lang="en-US" sz="3000" i="0" u="none" strike="noStrike" cap="none" dirty="0" smtClean="0">
-                <a:solidFill>
-                  <a:srgbClr val="FF9900"/>
-                </a:solidFill>
-                <a:latin typeface="Courier"/>
-                <a:ea typeface="Courier"/>
-                <a:cs typeface="Courier"/>
-                <a:sym typeface="Courier New"/>
-              </a:rPr>
-              <a:t>'</a:t>
-            </a:r>
-            <a:r>
-              <a:rPr lang="en-US" sz="3000" dirty="0" smtClean="0">
+              <a:t>'Hello world'</a:t>
+            </a:r>
+            <a:r>
+              <a:rPr lang="en-US" sz="3000" dirty="0">
                 <a:solidFill>
                   <a:srgbClr val="FFFF00"/>
                 </a:solidFill>
@@ -15939,13 +15694,6 @@
   <p:clrMapOvr>
     <a:masterClrMapping/>
   </p:clrMapOvr>
-  <p:timing>
-    <p:tnLst>
-      <p:par>
-        <p:cTn xmlns:p14="http://schemas.microsoft.com/office/powerpoint/2010/main" id="1" dur="indefinite" restart="never" nodeType="tmRoot"/>
-      </p:par>
-    </p:tnLst>
-  </p:timing>
 </p:sld>
 </file>
 
@@ -16515,7 +16263,7 @@
               <a:t>&gt;&gt;&gt; </a:t>
             </a:r>
             <a:r>
-              <a:rPr lang="en-US" sz="3600" i="0" u="none" strike="noStrike" cap="none" dirty="0" smtClean="0">
+              <a:rPr lang="en-US" sz="3600" i="0" u="none" strike="noStrike" cap="none" dirty="0">
                 <a:solidFill>
                   <a:srgbClr val="FFFF00"/>
                 </a:solidFill>
@@ -16526,15 +16274,6 @@
               </a:rPr>
               <a:t>print(x)</a:t>
             </a:r>
-            <a:endParaRPr lang="en-US" sz="3600" i="0" u="none" strike="noStrike" cap="none" dirty="0">
-              <a:solidFill>
-                <a:srgbClr val="FFFF00"/>
-              </a:solidFill>
-              <a:latin typeface="Courier"/>
-              <a:ea typeface="Courier"/>
-              <a:cs typeface="Courier"/>
-              <a:sym typeface="Courier New"/>
-            </a:endParaRPr>
           </a:p>
           <a:p>
             <a:pPr marL="0" marR="0" lvl="0" indent="0" algn="l" rtl="0">
@@ -16555,7 +16294,7 @@
               <a:buNone/>
             </a:pPr>
             <a:r>
-              <a:rPr lang="en-US" sz="3600" i="0" u="none" strike="noStrike" cap="none" dirty="0" smtClean="0">
+              <a:rPr lang="en-US" sz="3600" i="0" u="none" strike="noStrike" cap="none" dirty="0">
                 <a:solidFill>
                   <a:schemeClr val="lt1"/>
                 </a:solidFill>
@@ -16566,15 +16305,6 @@
               </a:rPr>
               <a:t>11.0</a:t>
             </a:r>
-            <a:endParaRPr lang="en-US" sz="3600" i="0" u="none" strike="noStrike" cap="none" dirty="0">
-              <a:solidFill>
-                <a:schemeClr val="lt1"/>
-              </a:solidFill>
-              <a:latin typeface="Courier"/>
-              <a:ea typeface="Courier"/>
-              <a:cs typeface="Courier"/>
-              <a:sym typeface="Courier New"/>
-            </a:endParaRPr>
           </a:p>
           <a:p>
             <a:pPr marL="0" marR="0" lvl="0" indent="0" algn="l" rtl="0">
@@ -16848,13 +16578,6 @@
   <p:clrMapOvr>
     <a:masterClrMapping/>
   </p:clrMapOvr>
-  <p:timing>
-    <p:tnLst>
-      <p:par>
-        <p:cTn xmlns:p14="http://schemas.microsoft.com/office/powerpoint/2010/main" id="1" dur="indefinite" restart="never" nodeType="tmRoot"/>
-      </p:par>
-    </p:tnLst>
-  </p:timing>
 </p:sld>
 </file>
 
@@ -17023,29 +16746,8 @@
                 <a:cs typeface="Arial" charset="0"/>
                 <a:sym typeface="Cabin"/>
               </a:rPr>
-              <a:t>When writing code - use </a:t>
-            </a:r>
-            <a:r>
-              <a:rPr lang="en-US" sz="3600" u="none" strike="noStrike" cap="none" dirty="0" smtClean="0">
-                <a:solidFill>
-                  <a:schemeClr val="lt1"/>
-                </a:solidFill>
-                <a:latin typeface="Arial" charset="0"/>
-                <a:ea typeface="Arial" charset="0"/>
-                <a:cs typeface="Arial" charset="0"/>
-                <a:sym typeface="Cabin"/>
-              </a:rPr>
-              <a:t>parentheses</a:t>
-            </a:r>
-            <a:endParaRPr lang="en-US" sz="3600" u="none" strike="noStrike" cap="none" dirty="0">
-              <a:solidFill>
-                <a:schemeClr val="lt1"/>
-              </a:solidFill>
-              <a:latin typeface="Arial" charset="0"/>
-              <a:ea typeface="Arial" charset="0"/>
-              <a:cs typeface="Arial" charset="0"/>
-              <a:sym typeface="Cabin"/>
-            </a:endParaRPr>
+              <a:t>When writing code - use parentheses</a:t>
+            </a:r>
           </a:p>
           <a:p>
             <a:pPr marL="749300" marR="0" lvl="0" indent="-371094" algn="l" rtl="0">
@@ -17338,13 +17040,6 @@
   <p:clrMapOvr>
     <a:masterClrMapping/>
   </p:clrMapOvr>
-  <p:timing>
-    <p:tnLst>
-      <p:par>
-        <p:cTn xmlns:p14="http://schemas.microsoft.com/office/powerpoint/2010/main" id="1" dur="indefinite" restart="never" nodeType="tmRoot"/>
-      </p:par>
-    </p:tnLst>
-  </p:timing>
 </p:sld>
 </file>
 
@@ -17526,31 +17221,7 @@
                 <a:cs typeface="Arial" charset="0"/>
                 <a:sym typeface="Cabin"/>
               </a:rPr>
-              <a:t>In Python variables, </a:t>
-            </a:r>
-            <a:r>
-              <a:rPr lang="en-US" sz="3600" u="none" strike="noStrike" cap="none" dirty="0" smtClean="0">
-                <a:solidFill>
-                  <a:schemeClr val="lt1"/>
-                </a:solidFill>
-                <a:latin typeface="Arial" charset="0"/>
-                <a:ea typeface="Arial" charset="0"/>
-                <a:cs typeface="Arial" charset="0"/>
-                <a:sym typeface="Cabin"/>
-              </a:rPr>
-              <a:t>literals, </a:t>
-            </a:r>
-            <a:r>
-              <a:rPr lang="en-US" sz="3600" u="none" strike="noStrike" cap="none" dirty="0">
-                <a:solidFill>
-                  <a:schemeClr val="lt1"/>
-                </a:solidFill>
-                <a:latin typeface="Arial" charset="0"/>
-                <a:ea typeface="Arial" charset="0"/>
-                <a:cs typeface="Arial" charset="0"/>
-                <a:sym typeface="Cabin"/>
-              </a:rPr>
-              <a:t>and constants have a </a:t>
+              <a:t>In Python variables, literals, and constants have a </a:t>
             </a:r>
             <a:r>
               <a:rPr lang="en-US" sz="3600" b="0" i="0" u="none" strike="noStrike" cap="none" dirty="0">
@@ -17928,10 +17599,10 @@
                 <a:cs typeface="Courier"/>
                 <a:sym typeface="Courier New"/>
               </a:rPr>
-              <a:t>&gt;&gt;&gt; </a:t>
-            </a:r>
-            <a:r>
-              <a:rPr lang="en-US" sz="2800" i="0" u="none" strike="noStrike" cap="none" dirty="0" smtClean="0">
+              <a:t>&gt;&gt;&gt; print(</a:t>
+            </a:r>
+            <a:r>
+              <a:rPr lang="en-US" sz="2800" i="0" u="none" strike="noStrike" cap="none" dirty="0" err="1">
                 <a:solidFill>
                   <a:srgbClr val="FFFF00"/>
                 </a:solidFill>
@@ -17940,10 +17611,10 @@
                 <a:cs typeface="Courier"/>
                 <a:sym typeface="Courier New"/>
               </a:rPr>
-              <a:t>print(</a:t>
-            </a:r>
-            <a:r>
-              <a:rPr lang="en-US" sz="2800" i="0" u="none" strike="noStrike" cap="none" dirty="0" err="1" smtClean="0">
+              <a:t>ddd</a:t>
+            </a:r>
+            <a:r>
+              <a:rPr lang="en-US" sz="2800" i="0" u="none" strike="noStrike" cap="none" dirty="0">
                 <a:solidFill>
                   <a:srgbClr val="FFFF00"/>
                 </a:solidFill>
@@ -17952,29 +17623,8 @@
                 <a:cs typeface="Courier"/>
                 <a:sym typeface="Courier New"/>
               </a:rPr>
-              <a:t>ddd</a:t>
-            </a:r>
-            <a:r>
-              <a:rPr lang="en-US" sz="2800" i="0" u="none" strike="noStrike" cap="none" dirty="0" smtClean="0">
-                <a:solidFill>
-                  <a:srgbClr val="FFFF00"/>
-                </a:solidFill>
-                <a:latin typeface="Courier"/>
-                <a:ea typeface="Courier"/>
-                <a:cs typeface="Courier"/>
-                <a:sym typeface="Courier New"/>
-              </a:rPr>
               <a:t>)</a:t>
             </a:r>
-            <a:endParaRPr lang="en-US" sz="2800" i="0" u="none" strike="noStrike" cap="none" dirty="0">
-              <a:solidFill>
-                <a:srgbClr val="FFFF00"/>
-              </a:solidFill>
-              <a:latin typeface="Courier"/>
-              <a:ea typeface="Courier"/>
-              <a:cs typeface="Courier"/>
-              <a:sym typeface="Courier New"/>
-            </a:endParaRPr>
           </a:p>
           <a:p>
             <a:pPr marL="0" marR="0" lvl="0" indent="0" algn="l" rtl="0">
@@ -18090,10 +17740,10 @@
                 <a:cs typeface="Courier"/>
                 <a:sym typeface="Courier New"/>
               </a:rPr>
-              <a:t>&gt;&gt;&gt; </a:t>
-            </a:r>
-            <a:r>
-              <a:rPr lang="en-US" sz="2800" i="0" u="none" strike="noStrike" cap="none" dirty="0" smtClean="0">
+              <a:t>&gt;&gt;&gt; print(</a:t>
+            </a:r>
+            <a:r>
+              <a:rPr lang="en-US" sz="2800" i="0" u="none" strike="noStrike" cap="none" dirty="0" err="1">
                 <a:solidFill>
                   <a:srgbClr val="FFFF00"/>
                 </a:solidFill>
@@ -18102,10 +17752,10 @@
                 <a:cs typeface="Courier"/>
                 <a:sym typeface="Courier New"/>
               </a:rPr>
-              <a:t>print(</a:t>
-            </a:r>
-            <a:r>
-              <a:rPr lang="en-US" sz="2800" i="0" u="none" strike="noStrike" cap="none" dirty="0" err="1" smtClean="0">
+              <a:t>eee</a:t>
+            </a:r>
+            <a:r>
+              <a:rPr lang="en-US" sz="2800" i="0" u="none" strike="noStrike" cap="none" dirty="0">
                 <a:solidFill>
                   <a:srgbClr val="FFFF00"/>
                 </a:solidFill>
@@ -18114,29 +17764,8 @@
                 <a:cs typeface="Courier"/>
                 <a:sym typeface="Courier New"/>
               </a:rPr>
-              <a:t>eee</a:t>
-            </a:r>
-            <a:r>
-              <a:rPr lang="en-US" sz="2800" i="0" u="none" strike="noStrike" cap="none" dirty="0" smtClean="0">
-                <a:solidFill>
-                  <a:srgbClr val="FFFF00"/>
-                </a:solidFill>
-                <a:latin typeface="Courier"/>
-                <a:ea typeface="Courier"/>
-                <a:cs typeface="Courier"/>
-                <a:sym typeface="Courier New"/>
-              </a:rPr>
               <a:t>)</a:t>
             </a:r>
-            <a:endParaRPr lang="en-US" sz="2800" i="0" u="none" strike="noStrike" cap="none" dirty="0">
-              <a:solidFill>
-                <a:srgbClr val="FFFF00"/>
-              </a:solidFill>
-              <a:latin typeface="Courier"/>
-              <a:ea typeface="Courier"/>
-              <a:cs typeface="Courier"/>
-              <a:sym typeface="Courier New"/>
-            </a:endParaRPr>
           </a:p>
           <a:p>
             <a:pPr marL="0" marR="0" lvl="0" indent="0" algn="l" rtl="0">
@@ -18233,13 +17862,6 @@
   <p:clrMapOvr>
     <a:masterClrMapping/>
   </p:clrMapOvr>
-  <p:timing>
-    <p:tnLst>
-      <p:par>
-        <p:cTn xmlns:p14="http://schemas.microsoft.com/office/powerpoint/2010/main" id="1" dur="indefinite" restart="never" nodeType="tmRoot"/>
-      </p:par>
-    </p:tnLst>
-  </p:timing>
 </p:sld>
 </file>
 
@@ -18761,6 +18383,46 @@
               <a:buSzPct val="25000"/>
             </a:pPr>
             <a:r>
+              <a:rPr lang="en-US" sz="2800" dirty="0">
+                <a:solidFill>
+                  <a:srgbClr val="E06666"/>
+                </a:solidFill>
+                <a:latin typeface="Courier"/>
+                <a:ea typeface="Courier"/>
+                <a:cs typeface="Courier"/>
+                <a:sym typeface="Courier New"/>
+              </a:rPr>
+              <a:t>Traceback (most recent call last):</a:t>
+            </a:r>
+          </a:p>
+          <a:p>
+            <a:pPr lvl="0">
+              <a:buClr>
+                <a:srgbClr val="FF0000"/>
+              </a:buClr>
+              <a:buSzPct val="25000"/>
+            </a:pPr>
+            <a:r>
+              <a:rPr lang="en-US" sz="2800" dirty="0">
+                <a:solidFill>
+                  <a:srgbClr val="E06666"/>
+                </a:solidFill>
+                <a:latin typeface="Courier"/>
+                <a:ea typeface="Courier"/>
+                <a:cs typeface="Courier"/>
+                <a:sym typeface="Courier New"/>
+              </a:rPr>
+              <a:t>File "&lt;stdin&gt;", line 1, in &lt;module&gt;</a:t>
+            </a:r>
+          </a:p>
+          <a:p>
+            <a:pPr lvl="0">
+              <a:buClr>
+                <a:srgbClr val="FF0000"/>
+              </a:buClr>
+              <a:buSzPct val="25000"/>
+            </a:pPr>
+            <a:r>
               <a:rPr lang="en-US" sz="2800" dirty="0" err="1">
                 <a:solidFill>
                   <a:srgbClr val="E06666"/>
@@ -18770,7 +18432,7 @@
                 <a:cs typeface="Courier"/>
                 <a:sym typeface="Courier New"/>
               </a:rPr>
-              <a:t>Traceback</a:t>
+              <a:t>TypeError</a:t>
             </a:r>
             <a:r>
               <a:rPr lang="en-US" sz="2800" dirty="0">
@@ -18782,115 +18444,7 @@
                 <a:cs typeface="Courier"/>
                 <a:sym typeface="Courier New"/>
               </a:rPr>
-              <a:t> (most recent call last):  File "&lt;</a:t>
-            </a:r>
-            <a:r>
-              <a:rPr lang="en-US" sz="2800" dirty="0" err="1">
-                <a:solidFill>
-                  <a:srgbClr val="E06666"/>
-                </a:solidFill>
-                <a:latin typeface="Courier"/>
-                <a:ea typeface="Courier"/>
-                <a:cs typeface="Courier"/>
-                <a:sym typeface="Courier New"/>
-              </a:rPr>
-              <a:t>stdin</a:t>
-            </a:r>
-            <a:r>
-              <a:rPr lang="en-US" sz="2800" dirty="0">
-                <a:solidFill>
-                  <a:srgbClr val="E06666"/>
-                </a:solidFill>
-                <a:latin typeface="Courier"/>
-                <a:ea typeface="Courier"/>
-                <a:cs typeface="Courier"/>
-                <a:sym typeface="Courier New"/>
-              </a:rPr>
-              <a:t>&gt;", line 1, in &lt;module&gt;</a:t>
-            </a:r>
-            <a:r>
-              <a:rPr lang="en-US" sz="2800" dirty="0" err="1">
-                <a:solidFill>
-                  <a:srgbClr val="E06666"/>
-                </a:solidFill>
-                <a:latin typeface="Courier"/>
-                <a:ea typeface="Courier"/>
-                <a:cs typeface="Courier"/>
-                <a:sym typeface="Courier New"/>
-              </a:rPr>
-              <a:t>TypeError</a:t>
-            </a:r>
-            <a:r>
-              <a:rPr lang="en-US" sz="2800" dirty="0">
-                <a:solidFill>
-                  <a:srgbClr val="E06666"/>
-                </a:solidFill>
-                <a:latin typeface="Courier"/>
-                <a:ea typeface="Courier"/>
-                <a:cs typeface="Courier"/>
-                <a:sym typeface="Courier New"/>
-              </a:rPr>
-              <a:t>: Can't convert '</a:t>
-            </a:r>
-            <a:r>
-              <a:rPr lang="en-US" sz="2800" dirty="0" err="1">
-                <a:solidFill>
-                  <a:srgbClr val="E06666"/>
-                </a:solidFill>
-                <a:latin typeface="Courier"/>
-                <a:ea typeface="Courier"/>
-                <a:cs typeface="Courier"/>
-                <a:sym typeface="Courier New"/>
-              </a:rPr>
-              <a:t>int</a:t>
-            </a:r>
-            <a:r>
-              <a:rPr lang="en-US" sz="2800" dirty="0">
-                <a:solidFill>
-                  <a:srgbClr val="E06666"/>
-                </a:solidFill>
-                <a:latin typeface="Courier"/>
-                <a:ea typeface="Courier"/>
-                <a:cs typeface="Courier"/>
-                <a:sym typeface="Courier New"/>
-              </a:rPr>
-              <a:t>' object to </a:t>
-            </a:r>
-            <a:r>
-              <a:rPr lang="en-US" sz="2800" dirty="0" err="1">
-                <a:solidFill>
-                  <a:srgbClr val="E06666"/>
-                </a:solidFill>
-                <a:latin typeface="Courier"/>
-                <a:ea typeface="Courier"/>
-                <a:cs typeface="Courier"/>
-                <a:sym typeface="Courier New"/>
-              </a:rPr>
-              <a:t>str</a:t>
-            </a:r>
-            <a:r>
-              <a:rPr lang="en-US" sz="2800" dirty="0">
-                <a:solidFill>
-                  <a:srgbClr val="E06666"/>
-                </a:solidFill>
-                <a:latin typeface="Courier"/>
-                <a:ea typeface="Courier"/>
-                <a:cs typeface="Courier"/>
-                <a:sym typeface="Courier New"/>
-              </a:rPr>
-              <a:t> </a:t>
-            </a:r>
-            <a:r>
-              <a:rPr lang="en-US" sz="2800" dirty="0" smtClean="0">
-                <a:solidFill>
-                  <a:srgbClr val="E06666"/>
-                </a:solidFill>
-                <a:latin typeface="Courier"/>
-                <a:ea typeface="Courier"/>
-                <a:cs typeface="Courier"/>
-                <a:sym typeface="Courier New"/>
-              </a:rPr>
-              <a:t>implicitly</a:t>
+              <a:t>: can only concatenate str (not "int") to str</a:t>
             </a:r>
           </a:p>
           <a:p>
@@ -18901,7 +18455,7 @@
               <a:buSzPct val="25000"/>
             </a:pPr>
             <a:r>
-              <a:rPr lang="en-US" sz="2800" i="0" u="none" strike="noStrike" cap="none" dirty="0" smtClean="0">
+              <a:rPr lang="en-US" sz="2800" i="0" u="none" strike="noStrike" cap="none" dirty="0">
                 <a:solidFill>
                   <a:srgbClr val="FFFF00"/>
                 </a:solidFill>
@@ -18980,7 +18534,7 @@
               <a:buNone/>
             </a:pPr>
             <a:r>
-              <a:rPr lang="en-US" sz="2800" i="0" u="none" strike="noStrike" cap="none" dirty="0" smtClean="0">
+              <a:rPr lang="en-US" sz="2800" i="0" u="none" strike="noStrike" cap="none" dirty="0">
                 <a:solidFill>
                   <a:srgbClr val="FFFF00"/>
                 </a:solidFill>
@@ -18992,7 +18546,7 @@
               <a:t>&lt;</a:t>
             </a:r>
             <a:r>
-              <a:rPr lang="en-US" sz="2800" i="0" u="none" strike="noStrike" cap="none" dirty="0" err="1" smtClean="0">
+              <a:rPr lang="en-US" sz="2800" i="0" u="none" strike="noStrike" cap="none" dirty="0" err="1">
                 <a:solidFill>
                   <a:srgbClr val="FFFF00"/>
                 </a:solidFill>
@@ -19090,7 +18644,7 @@
               <a:buNone/>
             </a:pPr>
             <a:r>
-              <a:rPr lang="en-US" sz="2800" i="0" u="none" strike="noStrike" cap="none" dirty="0" smtClean="0">
+              <a:rPr lang="en-US" sz="2800" i="0" u="none" strike="noStrike" cap="none" dirty="0">
                 <a:solidFill>
                   <a:srgbClr val="FFFF00"/>
                 </a:solidFill>
@@ -19102,7 +18656,7 @@
               <a:t>&lt;</a:t>
             </a:r>
             <a:r>
-              <a:rPr lang="en-US" sz="2800" i="0" u="none" strike="noStrike" cap="none" dirty="0" err="1" smtClean="0">
+              <a:rPr lang="en-US" sz="2800" i="0" u="none" strike="noStrike" cap="none" dirty="0" err="1">
                 <a:solidFill>
                   <a:srgbClr val="FFFF00"/>
                 </a:solidFill>
@@ -19200,7 +18754,7 @@
               <a:buNone/>
             </a:pPr>
             <a:r>
-              <a:rPr lang="en-US" sz="2800" i="0" u="none" strike="noStrike" cap="none" dirty="0" smtClean="0">
+              <a:rPr lang="en-US" sz="2800" i="0" u="none" strike="noStrike" cap="none" dirty="0">
                 <a:solidFill>
                   <a:srgbClr val="FFFF00"/>
                 </a:solidFill>
@@ -19212,7 +18766,7 @@
               <a:t>&lt;</a:t>
             </a:r>
             <a:r>
-              <a:rPr lang="en-US" sz="2800" i="0" u="none" strike="noStrike" cap="none" dirty="0" err="1" smtClean="0">
+              <a:rPr lang="en-US" sz="2800" i="0" u="none" strike="noStrike" cap="none" dirty="0" err="1">
                 <a:solidFill>
                   <a:srgbClr val="FFFF00"/>
                 </a:solidFill>
@@ -19274,13 +18828,6 @@
   <p:clrMapOvr>
     <a:masterClrMapping/>
   </p:clrMapOvr>
-  <p:timing>
-    <p:tnLst>
-      <p:par>
-        <p:cTn xmlns:p14="http://schemas.microsoft.com/office/powerpoint/2010/main" id="1" dur="indefinite" restart="never" nodeType="tmRoot"/>
-      </p:par>
-    </p:tnLst>
-  </p:timing>
 </p:sld>
 </file>
 
@@ -19758,7 +19305,7 @@
               <a:buNone/>
             </a:pPr>
             <a:r>
-              <a:rPr lang="en-US" sz="3400" i="0" u="none" strike="noStrike" cap="none" dirty="0" smtClean="0">
+              <a:rPr lang="en-US" sz="3400" i="0" u="none" strike="noStrike" cap="none" dirty="0">
                 <a:solidFill>
                   <a:schemeClr val="lt1"/>
                 </a:solidFill>
@@ -19770,7 +19317,7 @@
               <a:t>&lt;class '</a:t>
             </a:r>
             <a:r>
-              <a:rPr lang="en-US" sz="3400" i="0" u="none" strike="noStrike" cap="none" dirty="0" err="1" smtClean="0">
+              <a:rPr lang="en-US" sz="3400" i="0" u="none" strike="noStrike" cap="none" dirty="0" err="1">
                 <a:solidFill>
                   <a:schemeClr val="lt1"/>
                 </a:solidFill>
@@ -19947,7 +19494,7 @@
               <a:buNone/>
             </a:pPr>
             <a:r>
-              <a:rPr lang="en-US" sz="3400" i="0" u="none" strike="noStrike" cap="none" dirty="0" smtClean="0">
+              <a:rPr lang="en-US" sz="3400" i="0" u="none" strike="noStrike" cap="none" dirty="0">
                 <a:solidFill>
                   <a:schemeClr val="lt1"/>
                 </a:solidFill>
@@ -19959,7 +19506,7 @@
               <a:t>&lt;</a:t>
             </a:r>
             <a:r>
-              <a:rPr lang="en-US" sz="3400" i="0" u="none" strike="noStrike" cap="none" dirty="0" err="1" smtClean="0">
+              <a:rPr lang="en-US" sz="3400" i="0" u="none" strike="noStrike" cap="none" dirty="0" err="1">
                 <a:solidFill>
                   <a:schemeClr val="lt1"/>
                 </a:solidFill>
@@ -20057,7 +19604,7 @@
               <a:buNone/>
             </a:pPr>
             <a:r>
-              <a:rPr lang="en-US" sz="3400" i="0" u="none" strike="noStrike" cap="none" dirty="0" smtClean="0">
+              <a:rPr lang="en-US" sz="3400" i="0" u="none" strike="noStrike" cap="none" dirty="0">
                 <a:solidFill>
                   <a:schemeClr val="lt1"/>
                 </a:solidFill>
@@ -20069,7 +19616,7 @@
               <a:t>&lt;class '</a:t>
             </a:r>
             <a:r>
-              <a:rPr lang="en-US" sz="3400" i="0" u="none" strike="noStrike" cap="none" dirty="0" err="1" smtClean="0">
+              <a:rPr lang="en-US" sz="3400" i="0" u="none" strike="noStrike" cap="none" dirty="0" err="1">
                 <a:solidFill>
                   <a:schemeClr val="lt1"/>
                 </a:solidFill>
@@ -20167,7 +19714,7 @@
               <a:buNone/>
             </a:pPr>
             <a:r>
-              <a:rPr lang="en-US" sz="3400" i="0" u="none" strike="noStrike" cap="none" dirty="0" smtClean="0">
+              <a:rPr lang="en-US" sz="3400" i="0" u="none" strike="noStrike" cap="none" dirty="0">
                 <a:solidFill>
                   <a:schemeClr val="lt1"/>
                 </a:solidFill>
@@ -20179,7 +19726,7 @@
               <a:t>&lt;</a:t>
             </a:r>
             <a:r>
-              <a:rPr lang="en-US" sz="3400" i="0" u="none" strike="noStrike" cap="none" dirty="0" err="1" smtClean="0">
+              <a:rPr lang="en-US" sz="3400" i="0" u="none" strike="noStrike" cap="none" dirty="0" err="1">
                 <a:solidFill>
                   <a:schemeClr val="lt1"/>
                 </a:solidFill>
@@ -20241,13 +19788,6 @@
   <p:clrMapOvr>
     <a:masterClrMapping/>
   </p:clrMapOvr>
-  <p:timing>
-    <p:tnLst>
-      <p:par>
-        <p:cTn xmlns:p14="http://schemas.microsoft.com/office/powerpoint/2010/main" id="1" dur="indefinite" restart="never" nodeType="tmRoot"/>
-      </p:par>
-    </p:tnLst>
-  </p:timing>
 </p:sld>
 </file>
 
@@ -20533,7 +20073,7 @@
               <a:t>&gt;&gt;&gt; </a:t>
             </a:r>
             <a:r>
-              <a:rPr lang="en-US" sz="3200" i="0" u="none" strike="noStrike" cap="none" dirty="0" smtClean="0">
+              <a:rPr lang="en-US" sz="3200" i="0" u="none" strike="noStrike" cap="none" dirty="0">
                 <a:solidFill>
                   <a:srgbClr val="FFFF00"/>
                 </a:solidFill>
@@ -20545,7 +20085,7 @@
               <a:t>print(</a:t>
             </a:r>
             <a:r>
-              <a:rPr lang="en-US" sz="3200" i="0" u="none" strike="noStrike" cap="none" dirty="0" smtClean="0">
+              <a:rPr lang="en-US" sz="3200" i="0" u="none" strike="noStrike" cap="none" dirty="0">
                 <a:solidFill>
                   <a:srgbClr val="00FF00"/>
                 </a:solidFill>
@@ -20557,18 +20097,6 @@
               <a:t>float</a:t>
             </a:r>
             <a:r>
-              <a:rPr lang="en-US" sz="3200" i="0" u="none" strike="noStrike" cap="none" dirty="0" smtClean="0">
-                <a:solidFill>
-                  <a:schemeClr val="lt1"/>
-                </a:solidFill>
-                <a:latin typeface="Courier"/>
-                <a:ea typeface="Courier"/>
-                <a:cs typeface="Courier"/>
-                <a:sym typeface="Courier New"/>
-              </a:rPr>
-              <a:t>(99</a:t>
-            </a:r>
-            <a:r>
               <a:rPr lang="en-US" sz="3200" i="0" u="none" strike="noStrike" cap="none" dirty="0">
                 <a:solidFill>
                   <a:schemeClr val="lt1"/>
@@ -20578,10 +20106,10 @@
                 <a:cs typeface="Courier"/>
                 <a:sym typeface="Courier New"/>
               </a:rPr>
-              <a:t>) </a:t>
-            </a:r>
-            <a:r>
-              <a:rPr lang="en-US" sz="3200" i="0" u="none" strike="noStrike" cap="none" dirty="0" smtClean="0">
+              <a:t>(99) </a:t>
+            </a:r>
+            <a:r>
+              <a:rPr lang="en-US" sz="3200" i="0" u="none" strike="noStrike" cap="none" dirty="0">
                 <a:solidFill>
                   <a:srgbClr val="00FFFF"/>
                 </a:solidFill>
@@ -20593,7 +20121,7 @@
               <a:t>+</a:t>
             </a:r>
             <a:r>
-              <a:rPr lang="en-US" sz="3200" i="0" u="none" strike="noStrike" cap="none" dirty="0" smtClean="0">
+              <a:rPr lang="en-US" sz="3200" i="0" u="none" strike="noStrike" cap="none" dirty="0">
                 <a:solidFill>
                   <a:schemeClr val="lt1"/>
                 </a:solidFill>
@@ -20645,7 +20173,7 @@
               <a:buNone/>
             </a:pPr>
             <a:r>
-              <a:rPr lang="en-US" sz="3200" i="0" u="none" strike="noStrike" cap="none" dirty="0" smtClean="0">
+              <a:rPr lang="en-US" sz="3200" i="0" u="none" strike="noStrike" cap="none" dirty="0">
                 <a:solidFill>
                   <a:schemeClr val="lt1"/>
                 </a:solidFill>
@@ -20655,6 +20183,330 @@
                 <a:sym typeface="Courier New"/>
               </a:rPr>
               <a:t>199.0</a:t>
+            </a:r>
+          </a:p>
+          <a:p>
+            <a:pPr marL="0" marR="0" lvl="0" indent="0" algn="l" rtl="0">
+              <a:lnSpc>
+                <a:spcPct val="100000"/>
+              </a:lnSpc>
+              <a:spcBef>
+                <a:spcPts val="0"/>
+              </a:spcBef>
+              <a:spcAft>
+                <a:spcPts val="0"/>
+              </a:spcAft>
+              <a:buClr>
+                <a:schemeClr val="lt1"/>
+              </a:buClr>
+              <a:buSzPct val="25000"/>
+              <a:buFont typeface="Cabin"/>
+              <a:buNone/>
+            </a:pPr>
+            <a:r>
+              <a:rPr lang="en-US" sz="3200" i="0" u="none" strike="noStrike" cap="none" dirty="0">
+                <a:solidFill>
+                  <a:schemeClr val="lt1"/>
+                </a:solidFill>
+                <a:latin typeface="Courier"/>
+                <a:ea typeface="Courier"/>
+                <a:cs typeface="Courier"/>
+                <a:sym typeface="Courier New"/>
+              </a:rPr>
+              <a:t>&gt;&gt;&gt; </a:t>
+            </a:r>
+            <a:r>
+              <a:rPr lang="en-US" sz="3200" i="0" u="none" strike="noStrike" cap="none" dirty="0" err="1">
+                <a:solidFill>
+                  <a:schemeClr val="lt1"/>
+                </a:solidFill>
+                <a:latin typeface="Courier"/>
+                <a:ea typeface="Courier"/>
+                <a:cs typeface="Courier"/>
+                <a:sym typeface="Courier New"/>
+              </a:rPr>
+              <a:t>i</a:t>
+            </a:r>
+            <a:r>
+              <a:rPr lang="en-US" sz="3200" i="0" u="none" strike="noStrike" cap="none" dirty="0">
+                <a:solidFill>
+                  <a:schemeClr val="lt1"/>
+                </a:solidFill>
+                <a:latin typeface="Courier"/>
+                <a:ea typeface="Courier"/>
+                <a:cs typeface="Courier"/>
+                <a:sym typeface="Courier New"/>
+              </a:rPr>
+              <a:t> = 42</a:t>
+            </a:r>
+          </a:p>
+          <a:p>
+            <a:pPr marL="0" marR="0" lvl="0" indent="0" algn="l" rtl="0">
+              <a:lnSpc>
+                <a:spcPct val="100000"/>
+              </a:lnSpc>
+              <a:spcBef>
+                <a:spcPts val="0"/>
+              </a:spcBef>
+              <a:spcAft>
+                <a:spcPts val="0"/>
+              </a:spcAft>
+              <a:buClr>
+                <a:schemeClr val="lt1"/>
+              </a:buClr>
+              <a:buSzPct val="25000"/>
+              <a:buFont typeface="Cabin"/>
+              <a:buNone/>
+            </a:pPr>
+            <a:r>
+              <a:rPr lang="en-US" sz="3200" i="0" u="none" strike="noStrike" cap="none" dirty="0">
+                <a:solidFill>
+                  <a:schemeClr val="lt1"/>
+                </a:solidFill>
+                <a:latin typeface="Courier"/>
+                <a:ea typeface="Courier"/>
+                <a:cs typeface="Courier"/>
+                <a:sym typeface="Courier New"/>
+              </a:rPr>
+              <a:t>&gt;&gt;&gt; </a:t>
+            </a:r>
+            <a:r>
+              <a:rPr lang="en-US" sz="3200" i="0" u="none" strike="noStrike" cap="none" dirty="0">
+                <a:solidFill>
+                  <a:srgbClr val="00FF00"/>
+                </a:solidFill>
+                <a:latin typeface="Courier"/>
+                <a:ea typeface="Courier"/>
+                <a:cs typeface="Courier"/>
+                <a:sym typeface="Courier New"/>
+              </a:rPr>
+              <a:t>type</a:t>
+            </a:r>
+            <a:r>
+              <a:rPr lang="en-US" sz="3200" i="0" u="none" strike="noStrike" cap="none" dirty="0">
+                <a:solidFill>
+                  <a:schemeClr val="lt1"/>
+                </a:solidFill>
+                <a:latin typeface="Courier"/>
+                <a:ea typeface="Courier"/>
+                <a:cs typeface="Courier"/>
+                <a:sym typeface="Courier New"/>
+              </a:rPr>
+              <a:t>(</a:t>
+            </a:r>
+            <a:r>
+              <a:rPr lang="en-US" sz="3200" i="0" u="none" strike="noStrike" cap="none" dirty="0" err="1">
+                <a:solidFill>
+                  <a:schemeClr val="lt1"/>
+                </a:solidFill>
+                <a:latin typeface="Courier"/>
+                <a:ea typeface="Courier"/>
+                <a:cs typeface="Courier"/>
+                <a:sym typeface="Courier New"/>
+              </a:rPr>
+              <a:t>i</a:t>
+            </a:r>
+            <a:r>
+              <a:rPr lang="en-US" sz="3200" i="0" u="none" strike="noStrike" cap="none" dirty="0">
+                <a:solidFill>
+                  <a:schemeClr val="lt1"/>
+                </a:solidFill>
+                <a:latin typeface="Courier"/>
+                <a:ea typeface="Courier"/>
+                <a:cs typeface="Courier"/>
+                <a:sym typeface="Courier New"/>
+              </a:rPr>
+              <a:t>)</a:t>
+            </a:r>
+          </a:p>
+          <a:p>
+            <a:pPr marL="0" marR="0" lvl="0" indent="0" algn="l" rtl="0">
+              <a:lnSpc>
+                <a:spcPct val="100000"/>
+              </a:lnSpc>
+              <a:spcBef>
+                <a:spcPts val="0"/>
+              </a:spcBef>
+              <a:spcAft>
+                <a:spcPts val="0"/>
+              </a:spcAft>
+              <a:buClr>
+                <a:schemeClr val="lt1"/>
+              </a:buClr>
+              <a:buSzPct val="25000"/>
+              <a:buFont typeface="Cabin"/>
+              <a:buNone/>
+            </a:pPr>
+            <a:r>
+              <a:rPr lang="en-US" sz="3200" i="0" u="none" strike="noStrike" cap="none" dirty="0">
+                <a:solidFill>
+                  <a:schemeClr val="lt1"/>
+                </a:solidFill>
+                <a:latin typeface="Courier"/>
+                <a:ea typeface="Courier"/>
+                <a:cs typeface="Courier"/>
+                <a:sym typeface="Courier New"/>
+              </a:rPr>
+              <a:t>&lt;</a:t>
+            </a:r>
+            <a:r>
+              <a:rPr lang="en-US" sz="3200" i="0" u="none" strike="noStrike" cap="none" dirty="0" err="1">
+                <a:solidFill>
+                  <a:schemeClr val="lt1"/>
+                </a:solidFill>
+                <a:latin typeface="Courier"/>
+                <a:ea typeface="Courier"/>
+                <a:cs typeface="Courier"/>
+                <a:sym typeface="Courier New"/>
+              </a:rPr>
+              <a:t>class'int</a:t>
+            </a:r>
+            <a:r>
+              <a:rPr lang="en-US" sz="3200" i="0" u="none" strike="noStrike" cap="none" dirty="0">
+                <a:solidFill>
+                  <a:schemeClr val="lt1"/>
+                </a:solidFill>
+                <a:latin typeface="Courier"/>
+                <a:ea typeface="Courier"/>
+                <a:cs typeface="Courier"/>
+                <a:sym typeface="Courier New"/>
+              </a:rPr>
+              <a:t>'&gt;</a:t>
+            </a:r>
+          </a:p>
+          <a:p>
+            <a:pPr marL="0" marR="0" lvl="0" indent="0" algn="l" rtl="0">
+              <a:lnSpc>
+                <a:spcPct val="100000"/>
+              </a:lnSpc>
+              <a:spcBef>
+                <a:spcPts val="0"/>
+              </a:spcBef>
+              <a:spcAft>
+                <a:spcPts val="0"/>
+              </a:spcAft>
+              <a:buClr>
+                <a:schemeClr val="lt1"/>
+              </a:buClr>
+              <a:buSzPct val="25000"/>
+              <a:buFont typeface="Cabin"/>
+              <a:buNone/>
+            </a:pPr>
+            <a:r>
+              <a:rPr lang="en-US" sz="3200" i="0" u="none" strike="noStrike" cap="none" dirty="0">
+                <a:solidFill>
+                  <a:schemeClr val="lt1"/>
+                </a:solidFill>
+                <a:latin typeface="Courier"/>
+                <a:ea typeface="Courier"/>
+                <a:cs typeface="Courier"/>
+                <a:sym typeface="Courier New"/>
+              </a:rPr>
+              <a:t>&gt;&gt;&gt; f = </a:t>
+            </a:r>
+            <a:r>
+              <a:rPr lang="en-US" sz="3200" i="0" u="none" strike="noStrike" cap="none" dirty="0">
+                <a:solidFill>
+                  <a:srgbClr val="00FF00"/>
+                </a:solidFill>
+                <a:latin typeface="Courier"/>
+                <a:ea typeface="Courier"/>
+                <a:cs typeface="Courier"/>
+                <a:sym typeface="Courier New"/>
+              </a:rPr>
+              <a:t>float</a:t>
+            </a:r>
+            <a:r>
+              <a:rPr lang="en-US" sz="3200" i="0" u="none" strike="noStrike" cap="none" dirty="0">
+                <a:solidFill>
+                  <a:schemeClr val="lt1"/>
+                </a:solidFill>
+                <a:latin typeface="Courier"/>
+                <a:ea typeface="Courier"/>
+                <a:cs typeface="Courier"/>
+                <a:sym typeface="Courier New"/>
+              </a:rPr>
+              <a:t>(</a:t>
+            </a:r>
+            <a:r>
+              <a:rPr lang="en-US" sz="3200" i="0" u="none" strike="noStrike" cap="none" dirty="0" err="1">
+                <a:solidFill>
+                  <a:schemeClr val="lt1"/>
+                </a:solidFill>
+                <a:latin typeface="Courier"/>
+                <a:ea typeface="Courier"/>
+                <a:cs typeface="Courier"/>
+                <a:sym typeface="Courier New"/>
+              </a:rPr>
+              <a:t>i</a:t>
+            </a:r>
+            <a:r>
+              <a:rPr lang="en-US" sz="3200" i="0" u="none" strike="noStrike" cap="none" dirty="0">
+                <a:solidFill>
+                  <a:schemeClr val="lt1"/>
+                </a:solidFill>
+                <a:latin typeface="Courier"/>
+                <a:ea typeface="Courier"/>
+                <a:cs typeface="Courier"/>
+                <a:sym typeface="Courier New"/>
+              </a:rPr>
+              <a:t>)</a:t>
+            </a:r>
+          </a:p>
+          <a:p>
+            <a:pPr lvl="0">
+              <a:buClr>
+                <a:schemeClr val="lt1"/>
+              </a:buClr>
+              <a:buSzPct val="25000"/>
+            </a:pPr>
+            <a:r>
+              <a:rPr lang="en-US" sz="3200" i="0" u="none" strike="noStrike" cap="none" dirty="0">
+                <a:solidFill>
+                  <a:schemeClr val="lt1"/>
+                </a:solidFill>
+                <a:latin typeface="Courier"/>
+                <a:ea typeface="Courier"/>
+                <a:cs typeface="Courier"/>
+                <a:sym typeface="Courier New"/>
+              </a:rPr>
+              <a:t>&gt;&gt;&gt; </a:t>
+            </a:r>
+            <a:r>
+              <a:rPr lang="en-US" sz="3200" i="0" u="none" strike="noStrike" cap="none" dirty="0">
+                <a:solidFill>
+                  <a:srgbClr val="FFFF00"/>
+                </a:solidFill>
+                <a:latin typeface="Courier"/>
+                <a:ea typeface="Courier"/>
+                <a:cs typeface="Courier"/>
+                <a:sym typeface="Courier New"/>
+              </a:rPr>
+              <a:t>print(</a:t>
+            </a:r>
+            <a:r>
+              <a:rPr lang="en-US" sz="3200" i="0" u="none" strike="noStrike" cap="none" dirty="0">
+                <a:solidFill>
+                  <a:schemeClr val="lt1"/>
+                </a:solidFill>
+                <a:latin typeface="Courier"/>
+                <a:ea typeface="Courier"/>
+                <a:cs typeface="Courier"/>
+                <a:sym typeface="Courier New"/>
+              </a:rPr>
+              <a:t>f</a:t>
+            </a:r>
+            <a:r>
+              <a:rPr lang="en-US" sz="3200" dirty="0">
+                <a:solidFill>
+                  <a:srgbClr val="FFFF00"/>
+                </a:solidFill>
+                <a:latin typeface="Courier"/>
+                <a:ea typeface="Courier"/>
+                <a:cs typeface="Courier"/>
+                <a:sym typeface="Courier New"/>
+              </a:rPr>
+              <a:t>)</a:t>
             </a:r>
             <a:endParaRPr lang="en-US" sz="3200" i="0" u="none" strike="noStrike" cap="none" dirty="0">
               <a:solidFill>
@@ -20694,31 +20546,7 @@
                 <a:cs typeface="Courier"/>
                 <a:sym typeface="Courier New"/>
               </a:rPr>
-              <a:t>&gt;&gt;&gt; </a:t>
-            </a:r>
-            <a:r>
-              <a:rPr lang="en-US" sz="3200" i="0" u="none" strike="noStrike" cap="none" dirty="0" err="1">
-                <a:solidFill>
-                  <a:schemeClr val="lt1"/>
-                </a:solidFill>
-                <a:latin typeface="Courier"/>
-                <a:ea typeface="Courier"/>
-                <a:cs typeface="Courier"/>
-                <a:sym typeface="Courier New"/>
-              </a:rPr>
-              <a:t>i</a:t>
-            </a:r>
-            <a:r>
-              <a:rPr lang="en-US" sz="3200" i="0" u="none" strike="noStrike" cap="none" dirty="0">
-                <a:solidFill>
-                  <a:schemeClr val="lt1"/>
-                </a:solidFill>
-                <a:latin typeface="Courier"/>
-                <a:ea typeface="Courier"/>
-                <a:cs typeface="Courier"/>
-                <a:sym typeface="Courier New"/>
-              </a:rPr>
-              <a:t> = 42</a:t>
+              <a:t>42.0</a:t>
             </a:r>
           </a:p>
           <a:p>
@@ -20773,31 +20601,7 @@
                 <a:cs typeface="Courier"/>
                 <a:sym typeface="Courier New"/>
               </a:rPr>
-              <a:t>(</a:t>
-            </a:r>
-            <a:r>
-              <a:rPr lang="en-US" sz="3200" i="0" u="none" strike="noStrike" cap="none" dirty="0" err="1">
-                <a:solidFill>
-                  <a:schemeClr val="lt1"/>
-                </a:solidFill>
-                <a:latin typeface="Courier"/>
-                <a:ea typeface="Courier"/>
-                <a:cs typeface="Courier"/>
-                <a:sym typeface="Courier New"/>
-              </a:rPr>
-              <a:t>i</a:t>
-            </a:r>
-            <a:r>
-              <a:rPr lang="en-US" sz="3200" i="0" u="none" strike="noStrike" cap="none" dirty="0">
-                <a:solidFill>
-                  <a:schemeClr val="lt1"/>
-                </a:solidFill>
-                <a:latin typeface="Courier"/>
-                <a:ea typeface="Courier"/>
-                <a:cs typeface="Courier"/>
-                <a:sym typeface="Courier New"/>
-              </a:rPr>
-              <a:t>)</a:t>
+              <a:t>(f)</a:t>
             </a:r>
           </a:p>
           <a:p>
@@ -20819,7 +20623,7 @@
               <a:buNone/>
             </a:pPr>
             <a:r>
-              <a:rPr lang="en-US" sz="3200" i="0" u="none" strike="noStrike" cap="none" dirty="0" smtClean="0">
+              <a:rPr lang="en-US" sz="3200" i="0" u="none" strike="noStrike" cap="none" dirty="0">
                 <a:solidFill>
                   <a:schemeClr val="lt1"/>
                 </a:solidFill>
@@ -20831,16 +20635,16 @@
               <a:t>&lt;</a:t>
             </a:r>
             <a:r>
-              <a:rPr lang="en-US" sz="3200" i="0" u="none" strike="noStrike" cap="none" dirty="0" err="1" smtClean="0">
-                <a:solidFill>
-                  <a:schemeClr val="lt1"/>
-                </a:solidFill>
-                <a:latin typeface="Courier"/>
-                <a:ea typeface="Courier"/>
-                <a:cs typeface="Courier"/>
-                <a:sym typeface="Courier New"/>
-              </a:rPr>
-              <a:t>class'int</a:t>
+              <a:rPr lang="en-US" sz="3200" i="0" u="none" strike="noStrike" cap="none" dirty="0" err="1">
+                <a:solidFill>
+                  <a:schemeClr val="lt1"/>
+                </a:solidFill>
+                <a:latin typeface="Courier"/>
+                <a:ea typeface="Courier"/>
+                <a:cs typeface="Courier"/>
+                <a:sym typeface="Courier New"/>
+              </a:rPr>
+              <a:t>class'float</a:t>
             </a:r>
             <a:r>
               <a:rPr lang="en-US" sz="3200" i="0" u="none" strike="noStrike" cap="none" dirty="0">
@@ -20883,302 +20687,8 @@
                 <a:cs typeface="Courier"/>
                 <a:sym typeface="Courier New"/>
               </a:rPr>
-              <a:t>&gt;&gt;&gt; f = </a:t>
-            </a:r>
-            <a:r>
-              <a:rPr lang="en-US" sz="3200" i="0" u="none" strike="noStrike" cap="none" dirty="0">
-                <a:solidFill>
-                  <a:srgbClr val="00FF00"/>
-                </a:solidFill>
-                <a:latin typeface="Courier"/>
-                <a:ea typeface="Courier"/>
-                <a:cs typeface="Courier"/>
-                <a:sym typeface="Courier New"/>
-              </a:rPr>
-              <a:t>float</a:t>
-            </a:r>
-            <a:r>
-              <a:rPr lang="en-US" sz="3200" i="0" u="none" strike="noStrike" cap="none" dirty="0">
-                <a:solidFill>
-                  <a:schemeClr val="lt1"/>
-                </a:solidFill>
-                <a:latin typeface="Courier"/>
-                <a:ea typeface="Courier"/>
-                <a:cs typeface="Courier"/>
-                <a:sym typeface="Courier New"/>
-              </a:rPr>
-              <a:t>(</a:t>
-            </a:r>
-            <a:r>
-              <a:rPr lang="en-US" sz="3200" i="0" u="none" strike="noStrike" cap="none" dirty="0" err="1">
-                <a:solidFill>
-                  <a:schemeClr val="lt1"/>
-                </a:solidFill>
-                <a:latin typeface="Courier"/>
-                <a:ea typeface="Courier"/>
-                <a:cs typeface="Courier"/>
-                <a:sym typeface="Courier New"/>
-              </a:rPr>
-              <a:t>i</a:t>
-            </a:r>
-            <a:r>
-              <a:rPr lang="en-US" sz="3200" i="0" u="none" strike="noStrike" cap="none" dirty="0">
-                <a:solidFill>
-                  <a:schemeClr val="lt1"/>
-                </a:solidFill>
-                <a:latin typeface="Courier"/>
-                <a:ea typeface="Courier"/>
-                <a:cs typeface="Courier"/>
-                <a:sym typeface="Courier New"/>
-              </a:rPr>
-              <a:t>)</a:t>
-            </a:r>
-          </a:p>
-          <a:p>
-            <a:pPr lvl="0">
-              <a:buClr>
-                <a:schemeClr val="lt1"/>
-              </a:buClr>
-              <a:buSzPct val="25000"/>
-            </a:pPr>
-            <a:r>
-              <a:rPr lang="en-US" sz="3200" i="0" u="none" strike="noStrike" cap="none" dirty="0">
-                <a:solidFill>
-                  <a:schemeClr val="lt1"/>
-                </a:solidFill>
-                <a:latin typeface="Courier"/>
-                <a:ea typeface="Courier"/>
-                <a:cs typeface="Courier"/>
-                <a:sym typeface="Courier New"/>
-              </a:rPr>
               <a:t>&gt;&gt;&gt; </a:t>
             </a:r>
-            <a:r>
-              <a:rPr lang="en-US" sz="3200" i="0" u="none" strike="noStrike" cap="none" dirty="0" smtClean="0">
-                <a:solidFill>
-                  <a:srgbClr val="FFFF00"/>
-                </a:solidFill>
-                <a:latin typeface="Courier"/>
-                <a:ea typeface="Courier"/>
-                <a:cs typeface="Courier"/>
-                <a:sym typeface="Courier New"/>
-              </a:rPr>
-              <a:t>print(</a:t>
-            </a:r>
-            <a:r>
-              <a:rPr lang="en-US" sz="3200" i="0" u="none" strike="noStrike" cap="none" dirty="0" smtClean="0">
-                <a:solidFill>
-                  <a:schemeClr val="lt1"/>
-                </a:solidFill>
-                <a:latin typeface="Courier"/>
-                <a:ea typeface="Courier"/>
-                <a:cs typeface="Courier"/>
-                <a:sym typeface="Courier New"/>
-              </a:rPr>
-              <a:t>f</a:t>
-            </a:r>
-            <a:r>
-              <a:rPr lang="en-US" sz="3200" dirty="0">
-                <a:solidFill>
-                  <a:srgbClr val="FFFF00"/>
-                </a:solidFill>
-                <a:latin typeface="Courier"/>
-                <a:ea typeface="Courier"/>
-                <a:cs typeface="Courier"/>
-                <a:sym typeface="Courier New"/>
-              </a:rPr>
-              <a:t>)</a:t>
-            </a:r>
-            <a:endParaRPr lang="en-US" sz="3200" i="0" u="none" strike="noStrike" cap="none" dirty="0">
-              <a:solidFill>
-                <a:schemeClr val="lt1"/>
-              </a:solidFill>
-              <a:latin typeface="Courier"/>
-              <a:ea typeface="Courier"/>
-              <a:cs typeface="Courier"/>
-              <a:sym typeface="Courier New"/>
-            </a:endParaRPr>
-          </a:p>
-          <a:p>
-            <a:pPr marL="0" marR="0" lvl="0" indent="0" algn="l" rtl="0">
-              <a:lnSpc>
-                <a:spcPct val="100000"/>
-              </a:lnSpc>
-              <a:spcBef>
-                <a:spcPts val="0"/>
-              </a:spcBef>
-              <a:spcAft>
-                <a:spcPts val="0"/>
-              </a:spcAft>
-              <a:buClr>
-                <a:schemeClr val="lt1"/>
-              </a:buClr>
-              <a:buSzPct val="25000"/>
-              <a:buFont typeface="Cabin"/>
-              <a:buNone/>
-            </a:pPr>
-            <a:r>
-              <a:rPr lang="en-US" sz="3200" i="0" u="none" strike="noStrike" cap="none" dirty="0">
-                <a:solidFill>
-                  <a:schemeClr val="lt1"/>
-                </a:solidFill>
-                <a:latin typeface="Courier"/>
-                <a:ea typeface="Courier"/>
-                <a:cs typeface="Courier"/>
-                <a:sym typeface="Courier New"/>
-              </a:rPr>
-              <a:t>42.0</a:t>
-            </a:r>
-          </a:p>
-          <a:p>
-            <a:pPr marL="0" marR="0" lvl="0" indent="0" algn="l" rtl="0">
-              <a:lnSpc>
-                <a:spcPct val="100000"/>
-              </a:lnSpc>
-              <a:spcBef>
-                <a:spcPts val="0"/>
-              </a:spcBef>
-              <a:spcAft>
-                <a:spcPts val="0"/>
-              </a:spcAft>
-              <a:buClr>
-                <a:schemeClr val="lt1"/>
-              </a:buClr>
-              <a:buSzPct val="25000"/>
-              <a:buFont typeface="Cabin"/>
-              <a:buNone/>
-            </a:pPr>
-            <a:r>
-              <a:rPr lang="en-US" sz="3200" i="0" u="none" strike="noStrike" cap="none" dirty="0">
-                <a:solidFill>
-                  <a:schemeClr val="lt1"/>
-                </a:solidFill>
-                <a:latin typeface="Courier"/>
-                <a:ea typeface="Courier"/>
-                <a:cs typeface="Courier"/>
-                <a:sym typeface="Courier New"/>
-              </a:rPr>
-              <a:t>&gt;&gt;&gt; </a:t>
-            </a:r>
-            <a:r>
-              <a:rPr lang="en-US" sz="3200" i="0" u="none" strike="noStrike" cap="none" dirty="0">
-                <a:solidFill>
-                  <a:srgbClr val="00FF00"/>
-                </a:solidFill>
-                <a:latin typeface="Courier"/>
-                <a:ea typeface="Courier"/>
-                <a:cs typeface="Courier"/>
-                <a:sym typeface="Courier New"/>
-              </a:rPr>
-              <a:t>type</a:t>
-            </a:r>
-            <a:r>
-              <a:rPr lang="en-US" sz="3200" i="0" u="none" strike="noStrike" cap="none" dirty="0">
-                <a:solidFill>
-                  <a:schemeClr val="lt1"/>
-                </a:solidFill>
-                <a:latin typeface="Courier"/>
-                <a:ea typeface="Courier"/>
-                <a:cs typeface="Courier"/>
-                <a:sym typeface="Courier New"/>
-              </a:rPr>
-              <a:t>(f)</a:t>
-            </a:r>
-          </a:p>
-          <a:p>
-            <a:pPr marL="0" marR="0" lvl="0" indent="0" algn="l" rtl="0">
-              <a:lnSpc>
-                <a:spcPct val="100000"/>
-              </a:lnSpc>
-              <a:spcBef>
-                <a:spcPts val="0"/>
-              </a:spcBef>
-              <a:spcAft>
-                <a:spcPts val="0"/>
-              </a:spcAft>
-              <a:buClr>
-                <a:schemeClr val="lt1"/>
-              </a:buClr>
-              <a:buSzPct val="25000"/>
-              <a:buFont typeface="Cabin"/>
-              <a:buNone/>
-            </a:pPr>
-            <a:r>
-              <a:rPr lang="en-US" sz="3200" i="0" u="none" strike="noStrike" cap="none" dirty="0" smtClean="0">
-                <a:solidFill>
-                  <a:schemeClr val="lt1"/>
-                </a:solidFill>
-                <a:latin typeface="Courier"/>
-                <a:ea typeface="Courier"/>
-                <a:cs typeface="Courier"/>
-                <a:sym typeface="Courier New"/>
-              </a:rPr>
-              <a:t>&lt;</a:t>
-            </a:r>
-            <a:r>
-              <a:rPr lang="en-US" sz="3200" i="0" u="none" strike="noStrike" cap="none" dirty="0" err="1" smtClean="0">
-                <a:solidFill>
-                  <a:schemeClr val="lt1"/>
-                </a:solidFill>
-                <a:latin typeface="Courier"/>
-                <a:ea typeface="Courier"/>
-                <a:cs typeface="Courier"/>
-                <a:sym typeface="Courier New"/>
-              </a:rPr>
-              <a:t>class'float</a:t>
-            </a:r>
-            <a:r>
-              <a:rPr lang="en-US" sz="3200" i="0" u="none" strike="noStrike" cap="none" dirty="0">
-                <a:solidFill>
-                  <a:schemeClr val="lt1"/>
-                </a:solidFill>
-                <a:latin typeface="Courier"/>
-                <a:ea typeface="Courier"/>
-                <a:cs typeface="Courier"/>
-                <a:sym typeface="Courier New"/>
-              </a:rPr>
-              <a:t>'&gt;</a:t>
-            </a:r>
-          </a:p>
-          <a:p>
-            <a:pPr marL="0" marR="0" lvl="0" indent="0" algn="l" rtl="0">
-              <a:lnSpc>
-                <a:spcPct val="100000"/>
-              </a:lnSpc>
-              <a:spcBef>
-                <a:spcPts val="0"/>
-              </a:spcBef>
-              <a:spcAft>
-                <a:spcPts val="0"/>
-              </a:spcAft>
-              <a:buClr>
-                <a:schemeClr val="lt1"/>
-              </a:buClr>
-              <a:buSzPct val="25000"/>
-              <a:buFont typeface="Cabin"/>
-              <a:buNone/>
-            </a:pPr>
-            <a:r>
-              <a:rPr lang="en-US" sz="3200" i="0" u="none" strike="noStrike" cap="none" dirty="0" smtClean="0">
-                <a:solidFill>
-                  <a:schemeClr val="lt1"/>
-                </a:solidFill>
-                <a:latin typeface="Courier"/>
-                <a:ea typeface="Courier"/>
-                <a:cs typeface="Courier"/>
-                <a:sym typeface="Courier New"/>
-              </a:rPr>
-              <a:t>&gt;&gt;&gt; </a:t>
-            </a:r>
-            <a:endParaRPr lang="en-US" sz="3200" i="0" u="none" strike="noStrike" cap="none" dirty="0">
-              <a:solidFill>
-                <a:schemeClr val="lt1"/>
-              </a:solidFill>
-              <a:latin typeface="Courier"/>
-              <a:ea typeface="Courier"/>
-              <a:cs typeface="Courier"/>
-              <a:sym typeface="Courier New"/>
-            </a:endParaRPr>
           </a:p>
         </p:txBody>
       </p:sp>
@@ -21187,13 +20697,6 @@
   <p:clrMapOvr>
     <a:masterClrMapping/>
   </p:clrMapOvr>
-  <p:timing>
-    <p:tnLst>
-      <p:par>
-        <p:cTn xmlns:p14="http://schemas.microsoft.com/office/powerpoint/2010/main" id="1" dur="indefinite" restart="never" nodeType="tmRoot"/>
-      </p:par>
-    </p:tnLst>
-  </p:timing>
 </p:sld>
 </file>
 
@@ -21261,7 +20764,7 @@
               <a:buNone/>
             </a:pPr>
             <a:r>
-              <a:rPr lang="en-US" sz="7600" u="none" strike="noStrike" cap="none" dirty="0" smtClean="0">
+              <a:rPr lang="en-US" sz="7600" u="none" strike="noStrike" cap="none" dirty="0">
                 <a:solidFill>
                   <a:srgbClr val="FFD966"/>
                 </a:solidFill>
@@ -21272,15 +20775,6 @@
               </a:rPr>
               <a:t>Integer Division</a:t>
             </a:r>
-            <a:endParaRPr lang="en-US" sz="7600" u="none" strike="noStrike" cap="none" dirty="0">
-              <a:solidFill>
-                <a:srgbClr val="FFD966"/>
-              </a:solidFill>
-              <a:latin typeface="Arial" charset="0"/>
-              <a:ea typeface="Arial" charset="0"/>
-              <a:cs typeface="Arial" charset="0"/>
-              <a:sym typeface="Cabin"/>
-            </a:endParaRPr>
           </a:p>
         </p:txBody>
       </p:sp>
@@ -21339,29 +20833,8 @@
                 <a:cs typeface="Arial" charset="0"/>
                 <a:sym typeface="Cabin"/>
               </a:rPr>
-              <a:t>Integer division </a:t>
-            </a:r>
-            <a:r>
-              <a:rPr lang="en-US" sz="3600" u="none" strike="noStrike" cap="none" dirty="0" smtClean="0">
-                <a:solidFill>
-                  <a:schemeClr val="lt1"/>
-                </a:solidFill>
-                <a:latin typeface="Arial" charset="0"/>
-                <a:ea typeface="Arial" charset="0"/>
-                <a:cs typeface="Arial" charset="0"/>
-                <a:sym typeface="Cabin"/>
-              </a:rPr>
-              <a:t>produces a floating point result</a:t>
-            </a:r>
-            <a:endParaRPr lang="en-US" sz="3600" u="none" strike="noStrike" cap="none" dirty="0">
-              <a:solidFill>
-                <a:schemeClr val="lt1"/>
-              </a:solidFill>
-              <a:latin typeface="Arial" charset="0"/>
-              <a:ea typeface="Arial" charset="0"/>
-              <a:cs typeface="Arial" charset="0"/>
-              <a:sym typeface="Cabin"/>
-            </a:endParaRPr>
+              <a:t>Integer division produces a floating point result</a:t>
+            </a:r>
           </a:p>
         </p:txBody>
       </p:sp>
@@ -21397,7 +20870,7 @@
               <a:buSzPct val="25000"/>
             </a:pPr>
             <a:r>
-              <a:rPr lang="en-US" sz="3000" i="0" u="none" strike="noStrike" cap="none" dirty="0" smtClean="0">
+              <a:rPr lang="en-US" sz="3000" i="0" u="none" strike="noStrike" cap="none" dirty="0">
                 <a:solidFill>
                   <a:schemeClr val="lt1"/>
                 </a:solidFill>
@@ -21409,7 +20882,7 @@
               <a:t>&gt;&gt;&gt; </a:t>
             </a:r>
             <a:r>
-              <a:rPr lang="en-US" sz="3000" i="0" u="none" strike="noStrike" cap="none" dirty="0" smtClean="0">
+              <a:rPr lang="en-US" sz="3000" i="0" u="none" strike="noStrike" cap="none" dirty="0">
                 <a:solidFill>
                   <a:srgbClr val="FFFF00"/>
                 </a:solidFill>
@@ -21421,7 +20894,7 @@
               <a:t>print(</a:t>
             </a:r>
             <a:r>
-              <a:rPr lang="en-US" sz="3000" i="0" u="none" strike="noStrike" cap="none" dirty="0" smtClean="0">
+              <a:rPr lang="en-US" sz="3000" i="0" u="none" strike="noStrike" cap="none" dirty="0">
                 <a:solidFill>
                   <a:schemeClr val="lt1"/>
                 </a:solidFill>
@@ -21433,7 +20906,7 @@
               <a:t>10 </a:t>
             </a:r>
             <a:r>
-              <a:rPr lang="en-US" sz="3000" i="0" u="none" strike="noStrike" cap="none" dirty="0" smtClean="0">
+              <a:rPr lang="en-US" sz="3000" i="0" u="none" strike="noStrike" cap="none" dirty="0">
                 <a:solidFill>
                   <a:srgbClr val="00FFFF"/>
                 </a:solidFill>
@@ -21445,7 +20918,7 @@
               <a:t>/</a:t>
             </a:r>
             <a:r>
-              <a:rPr lang="en-US" sz="3000" i="0" u="none" strike="noStrike" cap="none" dirty="0" smtClean="0">
+              <a:rPr lang="en-US" sz="3000" i="0" u="none" strike="noStrike" cap="none" dirty="0">
                 <a:solidFill>
                   <a:schemeClr val="lt1"/>
                 </a:solidFill>
@@ -21457,7 +20930,7 @@
               <a:t> 2</a:t>
             </a:r>
             <a:r>
-              <a:rPr lang="en-US" sz="3000" dirty="0" smtClean="0">
+              <a:rPr lang="en-US" sz="3000" dirty="0">
                 <a:solidFill>
                   <a:srgbClr val="FFFF00"/>
                 </a:solidFill>
@@ -21469,7 +20942,7 @@
               <a:t>)</a:t>
             </a:r>
             <a:r>
-              <a:rPr lang="en-US" sz="3000" dirty="0" smtClean="0">
+              <a:rPr lang="en-US" sz="3000" dirty="0">
                 <a:solidFill>
                   <a:schemeClr val="lt1"/>
                 </a:solidFill>
@@ -21479,574 +20952,6 @@
                 <a:sym typeface="Courier New"/>
               </a:rPr>
               <a:t> </a:t>
-            </a:r>
-            <a:endParaRPr lang="en-US" sz="3000" i="0" u="none" strike="noStrike" cap="none" dirty="0" smtClean="0">
-              <a:solidFill>
-                <a:schemeClr val="lt1"/>
-              </a:solidFill>
-              <a:latin typeface="Courier"/>
-              <a:ea typeface="Courier"/>
-              <a:cs typeface="Courier"/>
-              <a:sym typeface="Courier New"/>
-            </a:endParaRPr>
-          </a:p>
-          <a:p>
-            <a:pPr marL="0" marR="0" lvl="0" indent="0" algn="l" rtl="0">
-              <a:lnSpc>
-                <a:spcPct val="100000"/>
-              </a:lnSpc>
-              <a:spcBef>
-                <a:spcPts val="0"/>
-              </a:spcBef>
-              <a:spcAft>
-                <a:spcPts val="0"/>
-              </a:spcAft>
-              <a:buClr>
-                <a:schemeClr val="lt1"/>
-              </a:buClr>
-              <a:buSzPct val="25000"/>
-              <a:buFont typeface="Cabin"/>
-              <a:buNone/>
-            </a:pPr>
-            <a:r>
-              <a:rPr lang="en-US" sz="3000" i="0" u="none" strike="noStrike" cap="none" dirty="0" smtClean="0">
-                <a:solidFill>
-                  <a:srgbClr val="FF40FF"/>
-                </a:solidFill>
-                <a:latin typeface="Courier"/>
-                <a:ea typeface="Courier"/>
-                <a:cs typeface="Courier"/>
-                <a:sym typeface="Courier New"/>
-              </a:rPr>
-              <a:t>5.0</a:t>
-            </a:r>
-          </a:p>
-          <a:p>
-            <a:pPr lvl="0">
-              <a:buClr>
-                <a:schemeClr val="lt1"/>
-              </a:buClr>
-              <a:buSzPct val="25000"/>
-            </a:pPr>
-            <a:r>
-              <a:rPr lang="en-US" sz="3000" i="0" u="none" strike="noStrike" cap="none" dirty="0" smtClean="0">
-                <a:solidFill>
-                  <a:schemeClr val="lt1"/>
-                </a:solidFill>
-                <a:latin typeface="Courier"/>
-                <a:ea typeface="Courier"/>
-                <a:cs typeface="Courier"/>
-                <a:sym typeface="Courier New"/>
-              </a:rPr>
-              <a:t>&gt;&gt;&gt; </a:t>
-            </a:r>
-            <a:r>
-              <a:rPr lang="en-US" sz="3000" i="0" u="none" strike="noStrike" cap="none" dirty="0" smtClean="0">
-                <a:solidFill>
-                  <a:srgbClr val="FFFF00"/>
-                </a:solidFill>
-                <a:latin typeface="Courier"/>
-                <a:ea typeface="Courier"/>
-                <a:cs typeface="Courier"/>
-                <a:sym typeface="Courier New"/>
-              </a:rPr>
-              <a:t>print(</a:t>
-            </a:r>
-            <a:r>
-              <a:rPr lang="en-US" sz="3000" i="0" u="none" strike="noStrike" cap="none" dirty="0" smtClean="0">
-                <a:solidFill>
-                  <a:schemeClr val="lt1"/>
-                </a:solidFill>
-                <a:latin typeface="Courier"/>
-                <a:ea typeface="Courier"/>
-                <a:cs typeface="Courier"/>
-                <a:sym typeface="Courier New"/>
-              </a:rPr>
-              <a:t>9 </a:t>
-            </a:r>
-            <a:r>
-              <a:rPr lang="en-US" sz="3000" i="0" u="none" strike="noStrike" cap="none" dirty="0" smtClean="0">
-                <a:solidFill>
-                  <a:srgbClr val="00FFFF"/>
-                </a:solidFill>
-                <a:latin typeface="Courier"/>
-                <a:ea typeface="Courier"/>
-                <a:cs typeface="Courier"/>
-                <a:sym typeface="Courier New"/>
-              </a:rPr>
-              <a:t>/</a:t>
-            </a:r>
-            <a:r>
-              <a:rPr lang="en-US" sz="3000" i="0" u="none" strike="noStrike" cap="none" dirty="0" smtClean="0">
-                <a:solidFill>
-                  <a:schemeClr val="lt1"/>
-                </a:solidFill>
-                <a:latin typeface="Courier"/>
-                <a:ea typeface="Courier"/>
-                <a:cs typeface="Courier"/>
-                <a:sym typeface="Courier New"/>
-              </a:rPr>
-              <a:t> 2</a:t>
-            </a:r>
-            <a:r>
-              <a:rPr lang="en-US" sz="3000" dirty="0" smtClean="0">
-                <a:solidFill>
-                  <a:srgbClr val="FFFF00"/>
-                </a:solidFill>
-                <a:latin typeface="Courier"/>
-                <a:ea typeface="Courier"/>
-                <a:cs typeface="Courier"/>
-                <a:sym typeface="Courier New"/>
-              </a:rPr>
-              <a:t>)</a:t>
-            </a:r>
-            <a:r>
-              <a:rPr lang="en-US" sz="3000" dirty="0" smtClean="0">
-                <a:solidFill>
-                  <a:schemeClr val="lt1"/>
-                </a:solidFill>
-                <a:latin typeface="Courier"/>
-                <a:ea typeface="Courier"/>
-                <a:cs typeface="Courier"/>
-                <a:sym typeface="Courier New"/>
-              </a:rPr>
-              <a:t> </a:t>
-            </a:r>
-            <a:endParaRPr lang="en-US" sz="3000" i="0" u="none" strike="noStrike" cap="none" dirty="0" smtClean="0">
-              <a:solidFill>
-                <a:schemeClr val="lt1"/>
-              </a:solidFill>
-              <a:latin typeface="Courier"/>
-              <a:ea typeface="Courier"/>
-              <a:cs typeface="Courier"/>
-              <a:sym typeface="Courier New"/>
-            </a:endParaRPr>
-          </a:p>
-          <a:p>
-            <a:pPr marL="0" marR="0" lvl="0" indent="0" algn="l" rtl="0">
-              <a:lnSpc>
-                <a:spcPct val="100000"/>
-              </a:lnSpc>
-              <a:spcBef>
-                <a:spcPts val="0"/>
-              </a:spcBef>
-              <a:spcAft>
-                <a:spcPts val="0"/>
-              </a:spcAft>
-              <a:buClr>
-                <a:schemeClr val="lt1"/>
-              </a:buClr>
-              <a:buSzPct val="25000"/>
-              <a:buFont typeface="Cabin"/>
-              <a:buNone/>
-            </a:pPr>
-            <a:r>
-              <a:rPr lang="en-US" sz="3000" i="0" u="none" strike="noStrike" cap="none" dirty="0" smtClean="0">
-                <a:solidFill>
-                  <a:srgbClr val="FF40FF"/>
-                </a:solidFill>
-                <a:latin typeface="Courier"/>
-                <a:ea typeface="Courier"/>
-                <a:cs typeface="Courier"/>
-                <a:sym typeface="Courier New"/>
-              </a:rPr>
-              <a:t>4.5</a:t>
-            </a:r>
-          </a:p>
-          <a:p>
-            <a:pPr lvl="0">
-              <a:buClr>
-                <a:schemeClr val="lt1"/>
-              </a:buClr>
-              <a:buSzPct val="25000"/>
-            </a:pPr>
-            <a:r>
-              <a:rPr lang="en-US" sz="3000" i="0" u="none" strike="noStrike" cap="none" dirty="0" smtClean="0">
-                <a:solidFill>
-                  <a:schemeClr val="lt1"/>
-                </a:solidFill>
-                <a:latin typeface="Courier"/>
-                <a:ea typeface="Courier"/>
-                <a:cs typeface="Courier"/>
-                <a:sym typeface="Courier New"/>
-              </a:rPr>
-              <a:t>&gt;&gt;&gt; </a:t>
-            </a:r>
-            <a:r>
-              <a:rPr lang="en-US" sz="3000" i="0" u="none" strike="noStrike" cap="none" dirty="0" smtClean="0">
-                <a:solidFill>
-                  <a:srgbClr val="FFFF00"/>
-                </a:solidFill>
-                <a:latin typeface="Courier"/>
-                <a:ea typeface="Courier"/>
-                <a:cs typeface="Courier"/>
-                <a:sym typeface="Courier New"/>
-              </a:rPr>
-              <a:t>print(</a:t>
-            </a:r>
-            <a:r>
-              <a:rPr lang="en-US" sz="3000" i="0" u="none" strike="noStrike" cap="none" dirty="0" smtClean="0">
-                <a:solidFill>
-                  <a:schemeClr val="lt1"/>
-                </a:solidFill>
-                <a:latin typeface="Courier"/>
-                <a:ea typeface="Courier"/>
-                <a:cs typeface="Courier"/>
-                <a:sym typeface="Courier New"/>
-              </a:rPr>
-              <a:t>99 </a:t>
-            </a:r>
-            <a:r>
-              <a:rPr lang="en-US" sz="3000" i="0" u="none" strike="noStrike" cap="none" dirty="0" smtClean="0">
-                <a:solidFill>
-                  <a:srgbClr val="00FFFF"/>
-                </a:solidFill>
-                <a:latin typeface="Courier"/>
-                <a:ea typeface="Courier"/>
-                <a:cs typeface="Courier"/>
-                <a:sym typeface="Courier New"/>
-              </a:rPr>
-              <a:t>/ </a:t>
-            </a:r>
-            <a:r>
-              <a:rPr lang="en-US" sz="3000" i="0" u="none" strike="noStrike" cap="none" dirty="0" smtClean="0">
-                <a:solidFill>
-                  <a:schemeClr val="lt1"/>
-                </a:solidFill>
-                <a:latin typeface="Courier"/>
-                <a:ea typeface="Courier"/>
-                <a:cs typeface="Courier"/>
-                <a:sym typeface="Courier New"/>
-              </a:rPr>
-              <a:t>100</a:t>
-            </a:r>
-            <a:r>
-              <a:rPr lang="en-US" sz="3000" dirty="0" smtClean="0">
-                <a:solidFill>
-                  <a:srgbClr val="FFFF00"/>
-                </a:solidFill>
-                <a:latin typeface="Courier"/>
-                <a:ea typeface="Courier"/>
-                <a:cs typeface="Courier"/>
-                <a:sym typeface="Courier New"/>
-              </a:rPr>
-              <a:t>)</a:t>
-            </a:r>
-            <a:r>
-              <a:rPr lang="en-US" sz="3000" dirty="0" smtClean="0">
-                <a:solidFill>
-                  <a:schemeClr val="lt1"/>
-                </a:solidFill>
-                <a:latin typeface="Courier"/>
-                <a:ea typeface="Courier"/>
-                <a:cs typeface="Courier"/>
-                <a:sym typeface="Courier New"/>
-              </a:rPr>
-              <a:t> </a:t>
-            </a:r>
-            <a:endParaRPr lang="en-US" sz="3000" i="0" u="none" strike="noStrike" cap="none" dirty="0" smtClean="0">
-              <a:solidFill>
-                <a:schemeClr val="lt1"/>
-              </a:solidFill>
-              <a:latin typeface="Courier"/>
-              <a:ea typeface="Courier"/>
-              <a:cs typeface="Courier"/>
-              <a:sym typeface="Courier New"/>
-            </a:endParaRPr>
-          </a:p>
-          <a:p>
-            <a:pPr marL="0" marR="0" lvl="0" indent="0" algn="l" rtl="0">
-              <a:lnSpc>
-                <a:spcPct val="100000"/>
-              </a:lnSpc>
-              <a:spcBef>
-                <a:spcPts val="0"/>
-              </a:spcBef>
-              <a:spcAft>
-                <a:spcPts val="0"/>
-              </a:spcAft>
-              <a:buClr>
-                <a:schemeClr val="lt1"/>
-              </a:buClr>
-              <a:buSzPct val="25000"/>
-              <a:buFont typeface="Cabin"/>
-              <a:buNone/>
-            </a:pPr>
-            <a:r>
-              <a:rPr lang="en-US" sz="3000" i="0" u="none" strike="noStrike" cap="none" dirty="0" smtClean="0">
-                <a:solidFill>
-                  <a:srgbClr val="FF40FF"/>
-                </a:solidFill>
-                <a:latin typeface="Courier"/>
-                <a:ea typeface="Courier"/>
-                <a:cs typeface="Courier"/>
-                <a:sym typeface="Courier New"/>
-              </a:rPr>
-              <a:t>0.99</a:t>
-            </a:r>
-          </a:p>
-          <a:p>
-            <a:pPr lvl="0">
-              <a:buClr>
-                <a:schemeClr val="lt1"/>
-              </a:buClr>
-              <a:buSzPct val="25000"/>
-            </a:pPr>
-            <a:r>
-              <a:rPr lang="en-US" sz="3000" i="0" u="none" strike="noStrike" cap="none" dirty="0" smtClean="0">
-                <a:solidFill>
-                  <a:schemeClr val="lt1"/>
-                </a:solidFill>
-                <a:latin typeface="Courier"/>
-                <a:ea typeface="Courier"/>
-                <a:cs typeface="Courier"/>
-                <a:sym typeface="Courier New"/>
-              </a:rPr>
-              <a:t>&gt;&gt;&gt; </a:t>
-            </a:r>
-            <a:r>
-              <a:rPr lang="en-US" sz="3000" i="0" u="none" strike="noStrike" cap="none" dirty="0" smtClean="0">
-                <a:solidFill>
-                  <a:srgbClr val="FFFF00"/>
-                </a:solidFill>
-                <a:latin typeface="Courier"/>
-                <a:ea typeface="Courier"/>
-                <a:cs typeface="Courier"/>
-                <a:sym typeface="Courier New"/>
-              </a:rPr>
-              <a:t>print(</a:t>
-            </a:r>
-            <a:r>
-              <a:rPr lang="en-US" sz="3000" i="0" u="none" strike="noStrike" cap="none" dirty="0" smtClean="0">
-                <a:solidFill>
-                  <a:schemeClr val="lt1"/>
-                </a:solidFill>
-                <a:latin typeface="Courier"/>
-                <a:ea typeface="Courier"/>
-                <a:cs typeface="Courier"/>
-                <a:sym typeface="Courier New"/>
-              </a:rPr>
-              <a:t>10.0 </a:t>
-            </a:r>
-            <a:r>
-              <a:rPr lang="en-US" sz="3000" i="0" u="none" strike="noStrike" cap="none" dirty="0" smtClean="0">
-                <a:solidFill>
-                  <a:srgbClr val="00FFFF"/>
-                </a:solidFill>
-                <a:latin typeface="Courier"/>
-                <a:ea typeface="Courier"/>
-                <a:cs typeface="Courier"/>
-                <a:sym typeface="Courier New"/>
-              </a:rPr>
-              <a:t>/</a:t>
-            </a:r>
-            <a:r>
-              <a:rPr lang="en-US" sz="3000" i="0" u="none" strike="noStrike" cap="none" dirty="0" smtClean="0">
-                <a:solidFill>
-                  <a:schemeClr val="lt1"/>
-                </a:solidFill>
-                <a:latin typeface="Courier"/>
-                <a:ea typeface="Courier"/>
-                <a:cs typeface="Courier"/>
-                <a:sym typeface="Courier New"/>
-              </a:rPr>
-              <a:t> 2.0</a:t>
-            </a:r>
-            <a:r>
-              <a:rPr lang="en-US" sz="3000" dirty="0" smtClean="0">
-                <a:solidFill>
-                  <a:srgbClr val="FFFF00"/>
-                </a:solidFill>
-                <a:latin typeface="Courier"/>
-                <a:ea typeface="Courier"/>
-                <a:cs typeface="Courier"/>
-                <a:sym typeface="Courier New"/>
-              </a:rPr>
-              <a:t>)</a:t>
-            </a:r>
-            <a:r>
-              <a:rPr lang="en-US" sz="3000" dirty="0" smtClean="0">
-                <a:solidFill>
-                  <a:schemeClr val="lt1"/>
-                </a:solidFill>
-                <a:latin typeface="Courier"/>
-                <a:ea typeface="Courier"/>
-                <a:cs typeface="Courier"/>
-                <a:sym typeface="Courier New"/>
-              </a:rPr>
-              <a:t> </a:t>
-            </a:r>
-            <a:endParaRPr lang="en-US" sz="3000" i="0" u="none" strike="noStrike" cap="none" dirty="0" smtClean="0">
-              <a:solidFill>
-                <a:schemeClr val="lt1"/>
-              </a:solidFill>
-              <a:latin typeface="Courier"/>
-              <a:ea typeface="Courier"/>
-              <a:cs typeface="Courier"/>
-              <a:sym typeface="Courier New"/>
-            </a:endParaRPr>
-          </a:p>
-          <a:p>
-            <a:pPr marL="0" marR="0" lvl="0" indent="0" algn="l" rtl="0">
-              <a:lnSpc>
-                <a:spcPct val="100000"/>
-              </a:lnSpc>
-              <a:spcBef>
-                <a:spcPts val="0"/>
-              </a:spcBef>
-              <a:spcAft>
-                <a:spcPts val="0"/>
-              </a:spcAft>
-              <a:buClr>
-                <a:schemeClr val="lt1"/>
-              </a:buClr>
-              <a:buSzPct val="25000"/>
-              <a:buFont typeface="Cabin"/>
-              <a:buNone/>
-            </a:pPr>
-            <a:r>
-              <a:rPr lang="en-US" sz="3000" i="0" u="none" strike="noStrike" cap="none" dirty="0" smtClean="0">
-                <a:solidFill>
-                  <a:schemeClr val="lt1"/>
-                </a:solidFill>
-                <a:latin typeface="Courier"/>
-                <a:ea typeface="Courier"/>
-                <a:cs typeface="Courier"/>
-                <a:sym typeface="Courier New"/>
-              </a:rPr>
-              <a:t>5.0</a:t>
-            </a:r>
-          </a:p>
-          <a:p>
-            <a:pPr lvl="0">
-              <a:buClr>
-                <a:schemeClr val="lt1"/>
-              </a:buClr>
-              <a:buSzPct val="25000"/>
-            </a:pPr>
-            <a:r>
-              <a:rPr lang="en-US" sz="3000" i="0" u="none" strike="noStrike" cap="none" dirty="0" smtClean="0">
-                <a:solidFill>
-                  <a:schemeClr val="lt1"/>
-                </a:solidFill>
-                <a:latin typeface="Courier"/>
-                <a:ea typeface="Courier"/>
-                <a:cs typeface="Courier"/>
-                <a:sym typeface="Courier New"/>
-              </a:rPr>
-              <a:t>&gt;&gt;&gt; </a:t>
-            </a:r>
-            <a:r>
-              <a:rPr lang="en-US" sz="3000" i="0" u="none" strike="noStrike" cap="none" dirty="0" smtClean="0">
-                <a:solidFill>
-                  <a:srgbClr val="FFFF00"/>
-                </a:solidFill>
-                <a:latin typeface="Courier"/>
-                <a:ea typeface="Courier"/>
-                <a:cs typeface="Courier"/>
-                <a:sym typeface="Courier New"/>
-              </a:rPr>
-              <a:t>print(</a:t>
-            </a:r>
-            <a:r>
-              <a:rPr lang="en-US" sz="3000" i="0" u="none" strike="noStrike" cap="none" dirty="0" smtClean="0">
-                <a:solidFill>
-                  <a:schemeClr val="lt1"/>
-                </a:solidFill>
-                <a:latin typeface="Courier"/>
-                <a:ea typeface="Courier"/>
-                <a:cs typeface="Courier"/>
-                <a:sym typeface="Courier New"/>
-              </a:rPr>
-              <a:t>99.0 </a:t>
-            </a:r>
-            <a:r>
-              <a:rPr lang="en-US" sz="3000" i="0" u="none" strike="noStrike" cap="none" dirty="0" smtClean="0">
-                <a:solidFill>
-                  <a:srgbClr val="00FFFF"/>
-                </a:solidFill>
-                <a:latin typeface="Courier"/>
-                <a:ea typeface="Courier"/>
-                <a:cs typeface="Courier"/>
-                <a:sym typeface="Courier New"/>
-              </a:rPr>
-              <a:t>/</a:t>
-            </a:r>
-            <a:r>
-              <a:rPr lang="en-US" sz="3000" i="0" u="none" strike="noStrike" cap="none" dirty="0" smtClean="0">
-                <a:solidFill>
-                  <a:schemeClr val="lt1"/>
-                </a:solidFill>
-                <a:latin typeface="Courier"/>
-                <a:ea typeface="Courier"/>
-                <a:cs typeface="Courier"/>
-                <a:sym typeface="Courier New"/>
-              </a:rPr>
-              <a:t> 100.0</a:t>
-            </a:r>
-            <a:r>
-              <a:rPr lang="en-US" sz="3000" dirty="0">
-                <a:solidFill>
-                  <a:srgbClr val="FFFF00"/>
-                </a:solidFill>
-                <a:latin typeface="Courier"/>
-                <a:ea typeface="Courier"/>
-                <a:cs typeface="Courier"/>
-                <a:sym typeface="Courier New"/>
-              </a:rPr>
-              <a:t>)</a:t>
-            </a:r>
-            <a:r>
-              <a:rPr lang="en-US" sz="3000" dirty="0">
-                <a:solidFill>
-                  <a:schemeClr val="lt1"/>
-                </a:solidFill>
-                <a:latin typeface="Courier"/>
-                <a:ea typeface="Courier"/>
-                <a:cs typeface="Courier"/>
-                <a:sym typeface="Courier New"/>
-              </a:rPr>
-              <a:t> </a:t>
-            </a:r>
-            <a:endParaRPr lang="en-US" sz="3000" i="0" u="none" strike="noStrike" cap="none" dirty="0" smtClean="0">
-              <a:solidFill>
-                <a:schemeClr val="lt1"/>
-              </a:solidFill>
-              <a:latin typeface="Courier"/>
-              <a:ea typeface="Courier"/>
-              <a:cs typeface="Courier"/>
-              <a:sym typeface="Courier New"/>
-            </a:endParaRPr>
-          </a:p>
-          <a:p>
-            <a:pPr marL="0" marR="0" lvl="0" indent="0" algn="l" rtl="0">
-              <a:lnSpc>
-                <a:spcPct val="100000"/>
-              </a:lnSpc>
-              <a:spcBef>
-                <a:spcPts val="0"/>
-              </a:spcBef>
-              <a:spcAft>
-                <a:spcPts val="0"/>
-              </a:spcAft>
-              <a:buClr>
-                <a:schemeClr val="lt1"/>
-              </a:buClr>
-              <a:buSzPct val="25000"/>
-              <a:buFont typeface="Cabin"/>
-              <a:buNone/>
-            </a:pPr>
-            <a:r>
-              <a:rPr lang="en-US" sz="3000" i="0" u="none" strike="noStrike" cap="none" dirty="0" smtClean="0">
-                <a:solidFill>
-                  <a:schemeClr val="lt1"/>
-                </a:solidFill>
-                <a:latin typeface="Courier"/>
-                <a:ea typeface="Courier"/>
-                <a:cs typeface="Courier"/>
-                <a:sym typeface="Courier New"/>
-              </a:rPr>
-              <a:t>0.99</a:t>
             </a:r>
             <a:endParaRPr lang="en-US" sz="3000" i="0" u="none" strike="noStrike" cap="none" dirty="0">
               <a:solidFill>
@@ -22057,6 +20962,565 @@
               <a:cs typeface="Courier"/>
               <a:sym typeface="Courier New"/>
             </a:endParaRPr>
+          </a:p>
+          <a:p>
+            <a:pPr marL="0" marR="0" lvl="0" indent="0" algn="l" rtl="0">
+              <a:lnSpc>
+                <a:spcPct val="100000"/>
+              </a:lnSpc>
+              <a:spcBef>
+                <a:spcPts val="0"/>
+              </a:spcBef>
+              <a:spcAft>
+                <a:spcPts val="0"/>
+              </a:spcAft>
+              <a:buClr>
+                <a:schemeClr val="lt1"/>
+              </a:buClr>
+              <a:buSzPct val="25000"/>
+              <a:buFont typeface="Cabin"/>
+              <a:buNone/>
+            </a:pPr>
+            <a:r>
+              <a:rPr lang="en-US" sz="3000" i="0" u="none" strike="noStrike" cap="none" dirty="0">
+                <a:solidFill>
+                  <a:srgbClr val="FF40FF"/>
+                </a:solidFill>
+                <a:latin typeface="Courier"/>
+                <a:ea typeface="Courier"/>
+                <a:cs typeface="Courier"/>
+                <a:sym typeface="Courier New"/>
+              </a:rPr>
+              <a:t>5.0</a:t>
+            </a:r>
+          </a:p>
+          <a:p>
+            <a:pPr lvl="0">
+              <a:buClr>
+                <a:schemeClr val="lt1"/>
+              </a:buClr>
+              <a:buSzPct val="25000"/>
+            </a:pPr>
+            <a:r>
+              <a:rPr lang="en-US" sz="3000" i="0" u="none" strike="noStrike" cap="none" dirty="0">
+                <a:solidFill>
+                  <a:schemeClr val="lt1"/>
+                </a:solidFill>
+                <a:latin typeface="Courier"/>
+                <a:ea typeface="Courier"/>
+                <a:cs typeface="Courier"/>
+                <a:sym typeface="Courier New"/>
+              </a:rPr>
+              <a:t>&gt;&gt;&gt; </a:t>
+            </a:r>
+            <a:r>
+              <a:rPr lang="en-US" sz="3000" i="0" u="none" strike="noStrike" cap="none" dirty="0">
+                <a:solidFill>
+                  <a:srgbClr val="FFFF00"/>
+                </a:solidFill>
+                <a:latin typeface="Courier"/>
+                <a:ea typeface="Courier"/>
+                <a:cs typeface="Courier"/>
+                <a:sym typeface="Courier New"/>
+              </a:rPr>
+              <a:t>print(</a:t>
+            </a:r>
+            <a:r>
+              <a:rPr lang="en-US" sz="3000" i="0" u="none" strike="noStrike" cap="none" dirty="0">
+                <a:solidFill>
+                  <a:schemeClr val="lt1"/>
+                </a:solidFill>
+                <a:latin typeface="Courier"/>
+                <a:ea typeface="Courier"/>
+                <a:cs typeface="Courier"/>
+                <a:sym typeface="Courier New"/>
+              </a:rPr>
+              <a:t>9 </a:t>
+            </a:r>
+            <a:r>
+              <a:rPr lang="en-US" sz="3000" i="0" u="none" strike="noStrike" cap="none" dirty="0">
+                <a:solidFill>
+                  <a:srgbClr val="00FFFF"/>
+                </a:solidFill>
+                <a:latin typeface="Courier"/>
+                <a:ea typeface="Courier"/>
+                <a:cs typeface="Courier"/>
+                <a:sym typeface="Courier New"/>
+              </a:rPr>
+              <a:t>/</a:t>
+            </a:r>
+            <a:r>
+              <a:rPr lang="en-US" sz="3000" i="0" u="none" strike="noStrike" cap="none" dirty="0">
+                <a:solidFill>
+                  <a:schemeClr val="lt1"/>
+                </a:solidFill>
+                <a:latin typeface="Courier"/>
+                <a:ea typeface="Courier"/>
+                <a:cs typeface="Courier"/>
+                <a:sym typeface="Courier New"/>
+              </a:rPr>
+              <a:t> 2</a:t>
+            </a:r>
+            <a:r>
+              <a:rPr lang="en-US" sz="3000" dirty="0">
+                <a:solidFill>
+                  <a:srgbClr val="FFFF00"/>
+                </a:solidFill>
+                <a:latin typeface="Courier"/>
+                <a:ea typeface="Courier"/>
+                <a:cs typeface="Courier"/>
+                <a:sym typeface="Courier New"/>
+              </a:rPr>
+              <a:t>)</a:t>
+            </a:r>
+            <a:r>
+              <a:rPr lang="en-US" sz="3000" dirty="0">
+                <a:solidFill>
+                  <a:schemeClr val="lt1"/>
+                </a:solidFill>
+                <a:latin typeface="Courier"/>
+                <a:ea typeface="Courier"/>
+                <a:cs typeface="Courier"/>
+                <a:sym typeface="Courier New"/>
+              </a:rPr>
+              <a:t> </a:t>
+            </a:r>
+            <a:endParaRPr lang="en-US" sz="3000" i="0" u="none" strike="noStrike" cap="none" dirty="0">
+              <a:solidFill>
+                <a:schemeClr val="lt1"/>
+              </a:solidFill>
+              <a:latin typeface="Courier"/>
+              <a:ea typeface="Courier"/>
+              <a:cs typeface="Courier"/>
+              <a:sym typeface="Courier New"/>
+            </a:endParaRPr>
+          </a:p>
+          <a:p>
+            <a:pPr marL="0" marR="0" lvl="0" indent="0" algn="l" rtl="0">
+              <a:lnSpc>
+                <a:spcPct val="100000"/>
+              </a:lnSpc>
+              <a:spcBef>
+                <a:spcPts val="0"/>
+              </a:spcBef>
+              <a:spcAft>
+                <a:spcPts val="0"/>
+              </a:spcAft>
+              <a:buClr>
+                <a:schemeClr val="lt1"/>
+              </a:buClr>
+              <a:buSzPct val="25000"/>
+              <a:buFont typeface="Cabin"/>
+              <a:buNone/>
+            </a:pPr>
+            <a:r>
+              <a:rPr lang="en-US" sz="3000" i="0" u="none" strike="noStrike" cap="none" dirty="0">
+                <a:solidFill>
+                  <a:srgbClr val="FF40FF"/>
+                </a:solidFill>
+                <a:latin typeface="Courier"/>
+                <a:ea typeface="Courier"/>
+                <a:cs typeface="Courier"/>
+                <a:sym typeface="Courier New"/>
+              </a:rPr>
+              <a:t>4.5</a:t>
+            </a:r>
+          </a:p>
+          <a:p>
+            <a:pPr lvl="0">
+              <a:buClr>
+                <a:schemeClr val="lt1"/>
+              </a:buClr>
+              <a:buSzPct val="25000"/>
+            </a:pPr>
+            <a:r>
+              <a:rPr lang="en-US" sz="3000" i="0" u="none" strike="noStrike" cap="none" dirty="0">
+                <a:solidFill>
+                  <a:schemeClr val="lt1"/>
+                </a:solidFill>
+                <a:latin typeface="Courier"/>
+                <a:ea typeface="Courier"/>
+                <a:cs typeface="Courier"/>
+                <a:sym typeface="Courier New"/>
+              </a:rPr>
+              <a:t>&gt;&gt;&gt; </a:t>
+            </a:r>
+            <a:r>
+              <a:rPr lang="en-US" sz="3000" i="0" u="none" strike="noStrike" cap="none" dirty="0">
+                <a:solidFill>
+                  <a:srgbClr val="FFFF00"/>
+                </a:solidFill>
+                <a:latin typeface="Courier"/>
+                <a:ea typeface="Courier"/>
+                <a:cs typeface="Courier"/>
+                <a:sym typeface="Courier New"/>
+              </a:rPr>
+              <a:t>print(</a:t>
+            </a:r>
+            <a:r>
+              <a:rPr lang="en-US" sz="3000" i="0" u="none" strike="noStrike" cap="none" dirty="0">
+                <a:solidFill>
+                  <a:schemeClr val="lt1"/>
+                </a:solidFill>
+                <a:latin typeface="Courier"/>
+                <a:ea typeface="Courier"/>
+                <a:cs typeface="Courier"/>
+                <a:sym typeface="Courier New"/>
+              </a:rPr>
+              <a:t>99 </a:t>
+            </a:r>
+            <a:r>
+              <a:rPr lang="en-US" sz="3000" i="0" u="none" strike="noStrike" cap="none" dirty="0">
+                <a:solidFill>
+                  <a:srgbClr val="00FFFF"/>
+                </a:solidFill>
+                <a:latin typeface="Courier"/>
+                <a:ea typeface="Courier"/>
+                <a:cs typeface="Courier"/>
+                <a:sym typeface="Courier New"/>
+              </a:rPr>
+              <a:t>/ </a:t>
+            </a:r>
+            <a:r>
+              <a:rPr lang="en-US" sz="3000" i="0" u="none" strike="noStrike" cap="none" dirty="0">
+                <a:solidFill>
+                  <a:schemeClr val="lt1"/>
+                </a:solidFill>
+                <a:latin typeface="Courier"/>
+                <a:ea typeface="Courier"/>
+                <a:cs typeface="Courier"/>
+                <a:sym typeface="Courier New"/>
+              </a:rPr>
+              <a:t>100</a:t>
+            </a:r>
+            <a:r>
+              <a:rPr lang="en-US" sz="3000" dirty="0">
+                <a:solidFill>
+                  <a:srgbClr val="FFFF00"/>
+                </a:solidFill>
+                <a:latin typeface="Courier"/>
+                <a:ea typeface="Courier"/>
+                <a:cs typeface="Courier"/>
+                <a:sym typeface="Courier New"/>
+              </a:rPr>
+              <a:t>)</a:t>
+            </a:r>
+            <a:r>
+              <a:rPr lang="en-US" sz="3000" dirty="0">
+                <a:solidFill>
+                  <a:schemeClr val="lt1"/>
+                </a:solidFill>
+                <a:latin typeface="Courier"/>
+                <a:ea typeface="Courier"/>
+                <a:cs typeface="Courier"/>
+                <a:sym typeface="Courier New"/>
+              </a:rPr>
+              <a:t> </a:t>
+            </a:r>
+            <a:endParaRPr lang="en-US" sz="3000" i="0" u="none" strike="noStrike" cap="none" dirty="0">
+              <a:solidFill>
+                <a:schemeClr val="lt1"/>
+              </a:solidFill>
+              <a:latin typeface="Courier"/>
+              <a:ea typeface="Courier"/>
+              <a:cs typeface="Courier"/>
+              <a:sym typeface="Courier New"/>
+            </a:endParaRPr>
+          </a:p>
+          <a:p>
+            <a:pPr marL="0" marR="0" lvl="0" indent="0" algn="l" rtl="0">
+              <a:lnSpc>
+                <a:spcPct val="100000"/>
+              </a:lnSpc>
+              <a:spcBef>
+                <a:spcPts val="0"/>
+              </a:spcBef>
+              <a:spcAft>
+                <a:spcPts val="0"/>
+              </a:spcAft>
+              <a:buClr>
+                <a:schemeClr val="lt1"/>
+              </a:buClr>
+              <a:buSzPct val="25000"/>
+              <a:buFont typeface="Cabin"/>
+              <a:buNone/>
+            </a:pPr>
+            <a:r>
+              <a:rPr lang="en-US" sz="3000" i="0" u="none" strike="noStrike" cap="none" dirty="0">
+                <a:solidFill>
+                  <a:srgbClr val="FF40FF"/>
+                </a:solidFill>
+                <a:latin typeface="Courier"/>
+                <a:ea typeface="Courier"/>
+                <a:cs typeface="Courier"/>
+                <a:sym typeface="Courier New"/>
+              </a:rPr>
+              <a:t>0.99</a:t>
+            </a:r>
+          </a:p>
+          <a:p>
+            <a:pPr lvl="0">
+              <a:buClr>
+                <a:schemeClr val="lt1"/>
+              </a:buClr>
+              <a:buSzPct val="25000"/>
+            </a:pPr>
+            <a:r>
+              <a:rPr lang="en-US" sz="3000" i="0" u="none" strike="noStrike" cap="none" dirty="0">
+                <a:solidFill>
+                  <a:schemeClr val="lt1"/>
+                </a:solidFill>
+                <a:latin typeface="Courier"/>
+                <a:ea typeface="Courier"/>
+                <a:cs typeface="Courier"/>
+                <a:sym typeface="Courier New"/>
+              </a:rPr>
+              <a:t>&gt;&gt;&gt; </a:t>
+            </a:r>
+            <a:r>
+              <a:rPr lang="en-US" sz="3000" i="0" u="none" strike="noStrike" cap="none" dirty="0">
+                <a:solidFill>
+                  <a:srgbClr val="FFFF00"/>
+                </a:solidFill>
+                <a:latin typeface="Courier"/>
+                <a:ea typeface="Courier"/>
+                <a:cs typeface="Courier"/>
+                <a:sym typeface="Courier New"/>
+              </a:rPr>
+              <a:t>print(</a:t>
+            </a:r>
+            <a:r>
+              <a:rPr lang="en-US" sz="3000" i="0" u="none" strike="noStrike" cap="none" dirty="0">
+                <a:solidFill>
+                  <a:schemeClr val="lt1"/>
+                </a:solidFill>
+                <a:latin typeface="Courier"/>
+                <a:ea typeface="Courier"/>
+                <a:cs typeface="Courier"/>
+                <a:sym typeface="Courier New"/>
+              </a:rPr>
+              <a:t>10.0 </a:t>
+            </a:r>
+            <a:r>
+              <a:rPr lang="en-US" sz="3000" i="0" u="none" strike="noStrike" cap="none" dirty="0">
+                <a:solidFill>
+                  <a:srgbClr val="00FFFF"/>
+                </a:solidFill>
+                <a:latin typeface="Courier"/>
+                <a:ea typeface="Courier"/>
+                <a:cs typeface="Courier"/>
+                <a:sym typeface="Courier New"/>
+              </a:rPr>
+              <a:t>/</a:t>
+            </a:r>
+            <a:r>
+              <a:rPr lang="en-US" sz="3000" i="0" u="none" strike="noStrike" cap="none" dirty="0">
+                <a:solidFill>
+                  <a:schemeClr val="lt1"/>
+                </a:solidFill>
+                <a:latin typeface="Courier"/>
+                <a:ea typeface="Courier"/>
+                <a:cs typeface="Courier"/>
+                <a:sym typeface="Courier New"/>
+              </a:rPr>
+              <a:t> 2.0</a:t>
+            </a:r>
+            <a:r>
+              <a:rPr lang="en-US" sz="3000" dirty="0">
+                <a:solidFill>
+                  <a:srgbClr val="FFFF00"/>
+                </a:solidFill>
+                <a:latin typeface="Courier"/>
+                <a:ea typeface="Courier"/>
+                <a:cs typeface="Courier"/>
+                <a:sym typeface="Courier New"/>
+              </a:rPr>
+              <a:t>)</a:t>
+            </a:r>
+            <a:r>
+              <a:rPr lang="en-US" sz="3000" dirty="0">
+                <a:solidFill>
+                  <a:schemeClr val="lt1"/>
+                </a:solidFill>
+                <a:latin typeface="Courier"/>
+                <a:ea typeface="Courier"/>
+                <a:cs typeface="Courier"/>
+                <a:sym typeface="Courier New"/>
+              </a:rPr>
+              <a:t> </a:t>
+            </a:r>
+            <a:endParaRPr lang="en-US" sz="3000" i="0" u="none" strike="noStrike" cap="none" dirty="0">
+              <a:solidFill>
+                <a:schemeClr val="lt1"/>
+              </a:solidFill>
+              <a:latin typeface="Courier"/>
+              <a:ea typeface="Courier"/>
+              <a:cs typeface="Courier"/>
+              <a:sym typeface="Courier New"/>
+            </a:endParaRPr>
+          </a:p>
+          <a:p>
+            <a:pPr marL="0" marR="0" lvl="0" indent="0" algn="l" rtl="0">
+              <a:lnSpc>
+                <a:spcPct val="100000"/>
+              </a:lnSpc>
+              <a:spcBef>
+                <a:spcPts val="0"/>
+              </a:spcBef>
+              <a:spcAft>
+                <a:spcPts val="0"/>
+              </a:spcAft>
+              <a:buClr>
+                <a:schemeClr val="lt1"/>
+              </a:buClr>
+              <a:buSzPct val="25000"/>
+              <a:buFont typeface="Cabin"/>
+              <a:buNone/>
+            </a:pPr>
+            <a:r>
+              <a:rPr lang="en-US" sz="3000" i="0" u="none" strike="noStrike" cap="none" dirty="0">
+                <a:solidFill>
+                  <a:schemeClr val="lt1"/>
+                </a:solidFill>
+                <a:latin typeface="Courier"/>
+                <a:ea typeface="Courier"/>
+                <a:cs typeface="Courier"/>
+                <a:sym typeface="Courier New"/>
+              </a:rPr>
+              <a:t>5.0</a:t>
+            </a:r>
+          </a:p>
+          <a:p>
+            <a:pPr lvl="0">
+              <a:buClr>
+                <a:schemeClr val="lt1"/>
+              </a:buClr>
+              <a:buSzPct val="25000"/>
+            </a:pPr>
+            <a:r>
+              <a:rPr lang="en-US" sz="3000" i="0" u="none" strike="noStrike" cap="none" dirty="0">
+                <a:solidFill>
+                  <a:schemeClr val="lt1"/>
+                </a:solidFill>
+                <a:latin typeface="Courier"/>
+                <a:ea typeface="Courier"/>
+                <a:cs typeface="Courier"/>
+                <a:sym typeface="Courier New"/>
+              </a:rPr>
+              <a:t>&gt;&gt;&gt; </a:t>
+            </a:r>
+            <a:r>
+              <a:rPr lang="en-US" sz="3000" i="0" u="none" strike="noStrike" cap="none" dirty="0">
+                <a:solidFill>
+                  <a:srgbClr val="FFFF00"/>
+                </a:solidFill>
+                <a:latin typeface="Courier"/>
+                <a:ea typeface="Courier"/>
+                <a:cs typeface="Courier"/>
+                <a:sym typeface="Courier New"/>
+              </a:rPr>
+              <a:t>print(</a:t>
+            </a:r>
+            <a:r>
+              <a:rPr lang="en-US" sz="3000" i="0" u="none" strike="noStrike" cap="none" dirty="0">
+                <a:solidFill>
+                  <a:schemeClr val="lt1"/>
+                </a:solidFill>
+                <a:latin typeface="Courier"/>
+                <a:ea typeface="Courier"/>
+                <a:cs typeface="Courier"/>
+                <a:sym typeface="Courier New"/>
+              </a:rPr>
+              <a:t>99.0 </a:t>
+            </a:r>
+            <a:r>
+              <a:rPr lang="en-US" sz="3000" i="0" u="none" strike="noStrike" cap="none" dirty="0">
+                <a:solidFill>
+                  <a:srgbClr val="00FFFF"/>
+                </a:solidFill>
+                <a:latin typeface="Courier"/>
+                <a:ea typeface="Courier"/>
+                <a:cs typeface="Courier"/>
+                <a:sym typeface="Courier New"/>
+              </a:rPr>
+              <a:t>/</a:t>
+            </a:r>
+            <a:r>
+              <a:rPr lang="en-US" sz="3000" i="0" u="none" strike="noStrike" cap="none" dirty="0">
+                <a:solidFill>
+                  <a:schemeClr val="lt1"/>
+                </a:solidFill>
+                <a:latin typeface="Courier"/>
+                <a:ea typeface="Courier"/>
+                <a:cs typeface="Courier"/>
+                <a:sym typeface="Courier New"/>
+              </a:rPr>
+              <a:t> 100.0</a:t>
+            </a:r>
+            <a:r>
+              <a:rPr lang="en-US" sz="3000" dirty="0">
+                <a:solidFill>
+                  <a:srgbClr val="FFFF00"/>
+                </a:solidFill>
+                <a:latin typeface="Courier"/>
+                <a:ea typeface="Courier"/>
+                <a:cs typeface="Courier"/>
+                <a:sym typeface="Courier New"/>
+              </a:rPr>
+              <a:t>)</a:t>
+            </a:r>
+            <a:r>
+              <a:rPr lang="en-US" sz="3000" dirty="0">
+                <a:solidFill>
+                  <a:schemeClr val="lt1"/>
+                </a:solidFill>
+                <a:latin typeface="Courier"/>
+                <a:ea typeface="Courier"/>
+                <a:cs typeface="Courier"/>
+                <a:sym typeface="Courier New"/>
+              </a:rPr>
+              <a:t> </a:t>
+            </a:r>
+            <a:endParaRPr lang="en-US" sz="3000" i="0" u="none" strike="noStrike" cap="none" dirty="0">
+              <a:solidFill>
+                <a:schemeClr val="lt1"/>
+              </a:solidFill>
+              <a:latin typeface="Courier"/>
+              <a:ea typeface="Courier"/>
+              <a:cs typeface="Courier"/>
+              <a:sym typeface="Courier New"/>
+            </a:endParaRPr>
+          </a:p>
+          <a:p>
+            <a:pPr marL="0" marR="0" lvl="0" indent="0" algn="l" rtl="0">
+              <a:lnSpc>
+                <a:spcPct val="100000"/>
+              </a:lnSpc>
+              <a:spcBef>
+                <a:spcPts val="0"/>
+              </a:spcBef>
+              <a:spcAft>
+                <a:spcPts val="0"/>
+              </a:spcAft>
+              <a:buClr>
+                <a:schemeClr val="lt1"/>
+              </a:buClr>
+              <a:buSzPct val="25000"/>
+              <a:buFont typeface="Cabin"/>
+              <a:buNone/>
+            </a:pPr>
+            <a:r>
+              <a:rPr lang="en-US" sz="3000" i="0" u="none" strike="noStrike" cap="none" dirty="0">
+                <a:solidFill>
+                  <a:schemeClr val="lt1"/>
+                </a:solidFill>
+                <a:latin typeface="Courier"/>
+                <a:ea typeface="Courier"/>
+                <a:cs typeface="Courier"/>
+                <a:sym typeface="Courier New"/>
+              </a:rPr>
+              <a:t>0.99</a:t>
+            </a:r>
           </a:p>
         </p:txBody>
       </p:sp>
@@ -22103,7 +21567,7 @@
               <a:buNone/>
             </a:pPr>
             <a:r>
-              <a:rPr lang="en-US" sz="3600" u="none" strike="noStrike" cap="none" dirty="0" smtClean="0">
+              <a:rPr lang="en-US" sz="3600" u="none" strike="noStrike" cap="none" dirty="0">
                 <a:solidFill>
                   <a:srgbClr val="FF40FF"/>
                 </a:solidFill>
@@ -22114,15 +21578,6 @@
               </a:rPr>
               <a:t>This was different in Python 2.x</a:t>
             </a:r>
-            <a:endParaRPr lang="en-US" sz="3600" u="none" strike="noStrike" cap="none" dirty="0">
-              <a:solidFill>
-                <a:srgbClr val="FF40FF"/>
-              </a:solidFill>
-              <a:latin typeface="Arial" charset="0"/>
-              <a:ea typeface="Arial" charset="0"/>
-              <a:cs typeface="Arial" charset="0"/>
-              <a:sym typeface="Cabin"/>
-            </a:endParaRPr>
           </a:p>
         </p:txBody>
       </p:sp>
@@ -22136,13 +21591,6 @@
   <p:clrMapOvr>
     <a:masterClrMapping/>
   </p:clrMapOvr>
-  <p:timing>
-    <p:tnLst>
-      <p:par>
-        <p:cTn xmlns:p14="http://schemas.microsoft.com/office/powerpoint/2010/main" id="1" dur="indefinite" restart="never" nodeType="tmRoot"/>
-      </p:par>
-    </p:tnLst>
-  </p:timing>
 </p:sld>
 </file>
 
@@ -22589,7 +22037,7 @@
               <a:buNone/>
             </a:pPr>
             <a:r>
-              <a:rPr lang="en-US" sz="2600" i="0" u="none" strike="noStrike" cap="none" dirty="0" smtClean="0">
+              <a:rPr lang="en-US" sz="2600" i="0" u="none" strike="noStrike" cap="none" dirty="0">
                 <a:solidFill>
                   <a:schemeClr val="lt1"/>
                 </a:solidFill>
@@ -22601,7 +22049,7 @@
               <a:t>&lt;class '</a:t>
             </a:r>
             <a:r>
-              <a:rPr lang="en-US" sz="2600" i="0" u="none" strike="noStrike" cap="none" dirty="0" err="1" smtClean="0">
+              <a:rPr lang="en-US" sz="2600" i="0" u="none" strike="noStrike" cap="none" dirty="0" err="1">
                 <a:solidFill>
                   <a:schemeClr val="lt1"/>
                 </a:solidFill>
@@ -22656,7 +22104,7 @@
               <a:t>&gt;&gt;&gt; </a:t>
             </a:r>
             <a:r>
-              <a:rPr lang="en-US" sz="2600" i="0" u="none" strike="noStrike" cap="none" dirty="0" smtClean="0">
+              <a:rPr lang="en-US" sz="2600" i="0" u="none" strike="noStrike" cap="none" dirty="0">
                 <a:solidFill>
                   <a:srgbClr val="FFFF00"/>
                 </a:solidFill>
@@ -22680,7 +22128,7 @@
               <a:t>(</a:t>
             </a:r>
             <a:r>
-              <a:rPr lang="en-US" sz="2600" i="0" u="none" strike="noStrike" cap="none" dirty="0" err="1" smtClean="0">
+              <a:rPr lang="en-US" sz="2600" i="0" u="none" strike="noStrike" cap="none" dirty="0" err="1">
                 <a:solidFill>
                   <a:srgbClr val="00FF00"/>
                 </a:solidFill>
@@ -22692,7 +22140,7 @@
               <a:t>sval</a:t>
             </a:r>
             <a:r>
-              <a:rPr lang="en-US" sz="2600" i="0" u="none" strike="noStrike" cap="none" dirty="0" smtClean="0">
+              <a:rPr lang="en-US" sz="2600" i="0" u="none" strike="noStrike" cap="none" dirty="0">
                 <a:solidFill>
                   <a:schemeClr val="lt1"/>
                 </a:solidFill>
@@ -22725,29 +22173,8 @@
                 <a:cs typeface="Courier"/>
                 <a:sym typeface="Courier New"/>
               </a:rPr>
-              <a:t> </a:t>
-            </a:r>
-            <a:r>
-              <a:rPr lang="en-US" sz="2600" i="0" u="none" strike="noStrike" cap="none" dirty="0" smtClean="0">
-                <a:solidFill>
-                  <a:schemeClr val="lt1"/>
-                </a:solidFill>
-                <a:latin typeface="Courier"/>
-                <a:ea typeface="Courier"/>
-                <a:cs typeface="Courier"/>
-                <a:sym typeface="Courier New"/>
-              </a:rPr>
-              <a:t>1)</a:t>
-            </a:r>
-            <a:endParaRPr lang="en-US" sz="2600" i="0" u="none" strike="noStrike" cap="none" dirty="0">
-              <a:solidFill>
-                <a:schemeClr val="lt1"/>
-              </a:solidFill>
-              <a:latin typeface="Courier"/>
-              <a:ea typeface="Courier"/>
-              <a:cs typeface="Courier"/>
-              <a:sym typeface="Courier New"/>
-            </a:endParaRPr>
+              <a:t> 1)</a:t>
+            </a:r>
           </a:p>
           <a:p>
             <a:pPr lvl="0">
@@ -22757,6 +22184,46 @@
               <a:buSzPct val="25000"/>
             </a:pPr>
             <a:r>
+              <a:rPr lang="en-US" sz="2600" dirty="0">
+                <a:solidFill>
+                  <a:srgbClr val="E06666"/>
+                </a:solidFill>
+                <a:latin typeface="Courier"/>
+                <a:ea typeface="Courier"/>
+                <a:cs typeface="Courier"/>
+                <a:sym typeface="Courier New"/>
+              </a:rPr>
+              <a:t>Traceback (most recent call last):</a:t>
+            </a:r>
+          </a:p>
+          <a:p>
+            <a:pPr lvl="0">
+              <a:buClr>
+                <a:srgbClr val="FF0000"/>
+              </a:buClr>
+              <a:buSzPct val="25000"/>
+            </a:pPr>
+            <a:r>
+              <a:rPr lang="en-US" sz="2600" dirty="0">
+                <a:solidFill>
+                  <a:srgbClr val="E06666"/>
+                </a:solidFill>
+                <a:latin typeface="Courier"/>
+                <a:ea typeface="Courier"/>
+                <a:cs typeface="Courier"/>
+                <a:sym typeface="Courier New"/>
+              </a:rPr>
+              <a:t>  File "&lt;stdin&gt;", line 1, in &lt;module&gt;</a:t>
+            </a:r>
+          </a:p>
+          <a:p>
+            <a:pPr lvl="0">
+              <a:buClr>
+                <a:srgbClr val="FF0000"/>
+              </a:buClr>
+              <a:buSzPct val="25000"/>
+            </a:pPr>
+            <a:r>
               <a:rPr lang="en-US" sz="2600" dirty="0" err="1">
                 <a:solidFill>
                   <a:srgbClr val="E06666"/>
@@ -22766,7 +22233,7 @@
                 <a:cs typeface="Courier"/>
                 <a:sym typeface="Courier New"/>
               </a:rPr>
-              <a:t>Traceback</a:t>
+              <a:t>TypeError</a:t>
             </a:r>
             <a:r>
               <a:rPr lang="en-US" sz="2600" dirty="0">
@@ -22778,43 +22245,7 @@
                 <a:cs typeface="Courier"/>
                 <a:sym typeface="Courier New"/>
               </a:rPr>
-              <a:t> (most recent call last):  File "&lt;</a:t>
-            </a:r>
-            <a:r>
-              <a:rPr lang="en-US" sz="2600" dirty="0" err="1">
-                <a:solidFill>
-                  <a:srgbClr val="E06666"/>
-                </a:solidFill>
-                <a:latin typeface="Courier"/>
-                <a:ea typeface="Courier"/>
-                <a:cs typeface="Courier"/>
-                <a:sym typeface="Courier New"/>
-              </a:rPr>
-              <a:t>stdin</a:t>
-            </a:r>
-            <a:r>
-              <a:rPr lang="en-US" sz="2600" dirty="0">
-                <a:solidFill>
-                  <a:srgbClr val="E06666"/>
-                </a:solidFill>
-                <a:latin typeface="Courier"/>
-                <a:ea typeface="Courier"/>
-                <a:cs typeface="Courier"/>
-                <a:sym typeface="Courier New"/>
-              </a:rPr>
-              <a:t>&gt;", line 1, in &lt;module</a:t>
-            </a:r>
-            <a:r>
-              <a:rPr lang="en-US" sz="2600" dirty="0" smtClean="0">
-                <a:solidFill>
-                  <a:srgbClr val="E06666"/>
-                </a:solidFill>
-                <a:latin typeface="Courier"/>
-                <a:ea typeface="Courier"/>
-                <a:cs typeface="Courier"/>
-                <a:sym typeface="Courier New"/>
-              </a:rPr>
-              <a:t>&gt;</a:t>
+              <a:t>: can only concatenate str (not "int") to str</a:t>
             </a:r>
           </a:p>
           <a:p>
@@ -22825,33 +22256,45 @@
               <a:buSzPct val="25000"/>
             </a:pPr>
             <a:r>
-              <a:rPr lang="en-US" sz="2600" dirty="0" err="1" smtClean="0">
-                <a:solidFill>
-                  <a:srgbClr val="E06666"/>
-                </a:solidFill>
-                <a:latin typeface="Courier"/>
-                <a:ea typeface="Courier"/>
-                <a:cs typeface="Courier"/>
-                <a:sym typeface="Courier New"/>
-              </a:rPr>
-              <a:t>TypeError</a:t>
-            </a:r>
-            <a:r>
-              <a:rPr lang="en-US" sz="2600" dirty="0">
-                <a:solidFill>
-                  <a:srgbClr val="E06666"/>
-                </a:solidFill>
-                <a:latin typeface="Courier"/>
-                <a:ea typeface="Courier"/>
-                <a:cs typeface="Courier"/>
-                <a:sym typeface="Courier New"/>
-              </a:rPr>
-              <a:t>: Can't convert '</a:t>
-            </a:r>
-            <a:r>
-              <a:rPr lang="en-US" sz="2600" dirty="0" err="1">
-                <a:solidFill>
-                  <a:srgbClr val="E06666"/>
+              <a:rPr lang="en-US" sz="2600" i="0" u="none" strike="noStrike" cap="none" dirty="0">
+                <a:solidFill>
+                  <a:schemeClr val="lt1"/>
+                </a:solidFill>
+                <a:latin typeface="Courier"/>
+                <a:ea typeface="Courier"/>
+                <a:cs typeface="Courier"/>
+                <a:sym typeface="Courier New"/>
+              </a:rPr>
+              <a:t>&gt;&gt;&gt; </a:t>
+            </a:r>
+            <a:r>
+              <a:rPr lang="en-US" sz="2600" i="0" u="none" strike="noStrike" cap="none" dirty="0" err="1">
+                <a:solidFill>
+                  <a:srgbClr val="00FF00"/>
+                </a:solidFill>
+                <a:latin typeface="Courier"/>
+                <a:ea typeface="Courier"/>
+                <a:cs typeface="Courier"/>
+                <a:sym typeface="Courier New"/>
+              </a:rPr>
+              <a:t>ival</a:t>
+            </a:r>
+            <a:r>
+              <a:rPr lang="en-US" sz="2600" i="0" u="none" strike="noStrike" cap="none" dirty="0">
+                <a:solidFill>
+                  <a:schemeClr val="lt1"/>
+                </a:solidFill>
+                <a:latin typeface="Courier"/>
+                <a:ea typeface="Courier"/>
+                <a:cs typeface="Courier"/>
+                <a:sym typeface="Courier New"/>
+              </a:rPr>
+              <a:t> = </a:t>
+            </a:r>
+            <a:r>
+              <a:rPr lang="en-US" sz="2600" i="0" u="none" strike="noStrike" cap="none" dirty="0">
+                <a:solidFill>
+                  <a:srgbClr val="FFFF00"/>
                 </a:solidFill>
                 <a:latin typeface="Courier"/>
                 <a:ea typeface="Courier"/>
@@ -22861,40 +22304,40 @@
               <a:t>int</a:t>
             </a:r>
             <a:r>
-              <a:rPr lang="en-US" sz="2600" dirty="0">
-                <a:solidFill>
-                  <a:srgbClr val="E06666"/>
-                </a:solidFill>
-                <a:latin typeface="Courier"/>
-                <a:ea typeface="Courier"/>
-                <a:cs typeface="Courier"/>
-                <a:sym typeface="Courier New"/>
-              </a:rPr>
-              <a:t>' object to </a:t>
-            </a:r>
-            <a:r>
-              <a:rPr lang="en-US" sz="2600" dirty="0" err="1">
-                <a:solidFill>
-                  <a:srgbClr val="E06666"/>
-                </a:solidFill>
-                <a:latin typeface="Courier"/>
-                <a:ea typeface="Courier"/>
-                <a:cs typeface="Courier"/>
-                <a:sym typeface="Courier New"/>
-              </a:rPr>
-              <a:t>str</a:t>
-            </a:r>
-            <a:r>
-              <a:rPr lang="en-US" sz="2600" dirty="0">
-                <a:solidFill>
-                  <a:srgbClr val="E06666"/>
-                </a:solidFill>
-                <a:latin typeface="Courier"/>
-                <a:ea typeface="Courier"/>
-                <a:cs typeface="Courier"/>
-                <a:sym typeface="Courier New"/>
-              </a:rPr>
-              <a:t> implicitly</a:t>
+              <a:rPr lang="en-US" sz="2600" i="0" u="none" strike="noStrike" cap="none" dirty="0">
+                <a:solidFill>
+                  <a:schemeClr val="lt1"/>
+                </a:solidFill>
+                <a:latin typeface="Courier"/>
+                <a:ea typeface="Courier"/>
+                <a:cs typeface="Courier"/>
+                <a:sym typeface="Courier New"/>
+              </a:rPr>
+              <a:t>(</a:t>
+            </a:r>
+            <a:r>
+              <a:rPr lang="en-US" sz="2600" i="0" u="none" strike="noStrike" cap="none" dirty="0" err="1">
+                <a:solidFill>
+                  <a:srgbClr val="00FF00"/>
+                </a:solidFill>
+                <a:latin typeface="Courier"/>
+                <a:ea typeface="Courier"/>
+                <a:cs typeface="Courier"/>
+                <a:sym typeface="Courier New"/>
+              </a:rPr>
+              <a:t>sval</a:t>
+            </a:r>
+            <a:r>
+              <a:rPr lang="en-US" sz="2600" i="0" u="none" strike="noStrike" cap="none" dirty="0">
+                <a:solidFill>
+                  <a:schemeClr val="lt1"/>
+                </a:solidFill>
+                <a:latin typeface="Courier"/>
+                <a:ea typeface="Courier"/>
+                <a:cs typeface="Courier"/>
+                <a:sym typeface="Courier New"/>
+              </a:rPr>
+              <a:t>)</a:t>
             </a:r>
           </a:p>
           <a:p>
@@ -22916,7 +22359,7 @@
               <a:buNone/>
             </a:pPr>
             <a:r>
-              <a:rPr lang="en-US" sz="2600" i="0" u="none" strike="noStrike" cap="none" dirty="0" smtClean="0">
+              <a:rPr lang="en-US" sz="2600" i="0" u="none" strike="noStrike" cap="none" dirty="0">
                 <a:solidFill>
                   <a:schemeClr val="lt1"/>
                 </a:solidFill>
@@ -22928,6 +22371,30 @@
               <a:t>&gt;&gt;&gt; </a:t>
             </a:r>
             <a:r>
+              <a:rPr lang="en-US" sz="2600" i="0" u="none" strike="noStrike" cap="none" dirty="0">
+                <a:solidFill>
+                  <a:srgbClr val="FFFF00"/>
+                </a:solidFill>
+                <a:latin typeface="Courier"/>
+                <a:ea typeface="Courier"/>
+                <a:cs typeface="Courier"/>
+                <a:sym typeface="Courier New"/>
+              </a:rPr>
+              <a:t>type</a:t>
+            </a:r>
+            <a:r>
+              <a:rPr lang="en-US" sz="2600" i="0" u="none" strike="noStrike" cap="none" dirty="0">
+                <a:solidFill>
+                  <a:schemeClr val="lt1"/>
+                </a:solidFill>
+                <a:latin typeface="Courier"/>
+                <a:ea typeface="Courier"/>
+                <a:cs typeface="Courier"/>
+                <a:sym typeface="Courier New"/>
+              </a:rPr>
+              <a:t>(</a:t>
+            </a:r>
+            <a:r>
               <a:rPr lang="en-US" sz="2600" i="0" u="none" strike="noStrike" cap="none" dirty="0" err="1">
                 <a:solidFill>
                   <a:srgbClr val="00FF00"/>
@@ -22938,54 +22405,6 @@
                 <a:sym typeface="Courier New"/>
               </a:rPr>
               <a:t>ival</a:t>
-            </a:r>
-            <a:r>
-              <a:rPr lang="en-US" sz="2600" i="0" u="none" strike="noStrike" cap="none" dirty="0">
-                <a:solidFill>
-                  <a:schemeClr val="lt1"/>
-                </a:solidFill>
-                <a:latin typeface="Courier"/>
-                <a:ea typeface="Courier"/>
-                <a:cs typeface="Courier"/>
-                <a:sym typeface="Courier New"/>
-              </a:rPr>
-              <a:t> = </a:t>
-            </a:r>
-            <a:r>
-              <a:rPr lang="en-US" sz="2600" i="0" u="none" strike="noStrike" cap="none" dirty="0" err="1">
-                <a:solidFill>
-                  <a:srgbClr val="FFFF00"/>
-                </a:solidFill>
-                <a:latin typeface="Courier"/>
-                <a:ea typeface="Courier"/>
-                <a:cs typeface="Courier"/>
-                <a:sym typeface="Courier New"/>
-              </a:rPr>
-              <a:t>int</a:t>
-            </a:r>
-            <a:r>
-              <a:rPr lang="en-US" sz="2600" i="0" u="none" strike="noStrike" cap="none" dirty="0">
-                <a:solidFill>
-                  <a:schemeClr val="lt1"/>
-                </a:solidFill>
-                <a:latin typeface="Courier"/>
-                <a:ea typeface="Courier"/>
-                <a:cs typeface="Courier"/>
-                <a:sym typeface="Courier New"/>
-              </a:rPr>
-              <a:t>(</a:t>
-            </a:r>
-            <a:r>
-              <a:rPr lang="en-US" sz="2600" i="0" u="none" strike="noStrike" cap="none" dirty="0" err="1">
-                <a:solidFill>
-                  <a:srgbClr val="00FF00"/>
-                </a:solidFill>
-                <a:latin typeface="Courier"/>
-                <a:ea typeface="Courier"/>
-                <a:cs typeface="Courier"/>
-                <a:sym typeface="Courier New"/>
-              </a:rPr>
-              <a:t>sval</a:t>
             </a:r>
             <a:r>
               <a:rPr lang="en-US" sz="2600" i="0" u="none" strike="noStrike" cap="none" dirty="0">
@@ -23028,55 +22447,31 @@
                 <a:cs typeface="Courier"/>
                 <a:sym typeface="Courier New"/>
               </a:rPr>
-              <a:t>&gt;&gt;&gt; </a:t>
+              <a:t>&lt;class '</a:t>
+            </a:r>
+            <a:r>
+              <a:rPr lang="en-US" sz="2600" i="0" u="none" strike="noStrike" cap="none" dirty="0" err="1">
+                <a:solidFill>
+                  <a:schemeClr val="lt1"/>
+                </a:solidFill>
+                <a:latin typeface="Courier"/>
+                <a:ea typeface="Courier"/>
+                <a:cs typeface="Courier"/>
+                <a:sym typeface="Courier New"/>
+              </a:rPr>
+              <a:t>int</a:t>
             </a:r>
             <a:r>
               <a:rPr lang="en-US" sz="2600" i="0" u="none" strike="noStrike" cap="none" dirty="0">
                 <a:solidFill>
-                  <a:srgbClr val="FFFF00"/>
-                </a:solidFill>
-                <a:latin typeface="Courier"/>
-                <a:ea typeface="Courier"/>
-                <a:cs typeface="Courier"/>
-                <a:sym typeface="Courier New"/>
-              </a:rPr>
-              <a:t>type</a:t>
-            </a:r>
-            <a:r>
-              <a:rPr lang="en-US" sz="2600" i="0" u="none" strike="noStrike" cap="none" dirty="0">
-                <a:solidFill>
-                  <a:schemeClr val="lt1"/>
-                </a:solidFill>
-                <a:latin typeface="Courier"/>
-                <a:ea typeface="Courier"/>
-                <a:cs typeface="Courier"/>
-                <a:sym typeface="Courier New"/>
-              </a:rPr>
-              <a:t>(</a:t>
-            </a:r>
-            <a:r>
-              <a:rPr lang="en-US" sz="2600" i="0" u="none" strike="noStrike" cap="none" dirty="0" err="1">
-                <a:solidFill>
-                  <a:srgbClr val="00FF00"/>
-                </a:solidFill>
-                <a:latin typeface="Courier"/>
-                <a:ea typeface="Courier"/>
-                <a:cs typeface="Courier"/>
-                <a:sym typeface="Courier New"/>
-              </a:rPr>
-              <a:t>ival</a:t>
-            </a:r>
-            <a:r>
-              <a:rPr lang="en-US" sz="2600" i="0" u="none" strike="noStrike" cap="none" dirty="0">
-                <a:solidFill>
-                  <a:schemeClr val="lt1"/>
-                </a:solidFill>
-                <a:latin typeface="Courier"/>
-                <a:ea typeface="Courier"/>
-                <a:cs typeface="Courier"/>
-                <a:sym typeface="Courier New"/>
-              </a:rPr>
-              <a:t>)</a:t>
+                  <a:schemeClr val="lt1"/>
+                </a:solidFill>
+                <a:latin typeface="Courier"/>
+                <a:ea typeface="Courier"/>
+                <a:cs typeface="Courier"/>
+                <a:sym typeface="Courier New"/>
+              </a:rPr>
+              <a:t>'&gt;</a:t>
             </a:r>
           </a:p>
           <a:p>
@@ -23098,30 +22493,6 @@
               <a:buNone/>
             </a:pPr>
             <a:r>
-              <a:rPr lang="en-US" sz="2600" i="0" u="none" strike="noStrike" cap="none" dirty="0" smtClean="0">
-                <a:solidFill>
-                  <a:schemeClr val="lt1"/>
-                </a:solidFill>
-                <a:latin typeface="Courier"/>
-                <a:ea typeface="Courier"/>
-                <a:cs typeface="Courier"/>
-                <a:sym typeface="Courier New"/>
-              </a:rPr>
-              <a:t>&lt;class '</a:t>
-            </a:r>
-            <a:r>
-              <a:rPr lang="en-US" sz="2600" i="0" u="none" strike="noStrike" cap="none" dirty="0" err="1" smtClean="0">
-                <a:solidFill>
-                  <a:schemeClr val="lt1"/>
-                </a:solidFill>
-                <a:latin typeface="Courier"/>
-                <a:ea typeface="Courier"/>
-                <a:cs typeface="Courier"/>
-                <a:sym typeface="Courier New"/>
-              </a:rPr>
-              <a:t>int</a:t>
-            </a:r>
-            <a:r>
               <a:rPr lang="en-US" sz="2600" i="0" u="none" strike="noStrike" cap="none" dirty="0">
                 <a:solidFill>
                   <a:schemeClr val="lt1"/>
@@ -23131,7 +22502,55 @@
                 <a:cs typeface="Courier"/>
                 <a:sym typeface="Courier New"/>
               </a:rPr>
-              <a:t>'&gt;</a:t>
+              <a:t>&gt;&gt;&gt; </a:t>
+            </a:r>
+            <a:r>
+              <a:rPr lang="en-US" sz="2600" i="0" u="none" strike="noStrike" cap="none" dirty="0">
+                <a:solidFill>
+                  <a:srgbClr val="FFFF00"/>
+                </a:solidFill>
+                <a:latin typeface="Courier"/>
+                <a:ea typeface="Courier"/>
+                <a:cs typeface="Courier"/>
+                <a:sym typeface="Courier New"/>
+              </a:rPr>
+              <a:t>print</a:t>
+            </a:r>
+            <a:r>
+              <a:rPr lang="en-US" sz="2600" dirty="0">
+                <a:solidFill>
+                  <a:schemeClr val="lt1"/>
+                </a:solidFill>
+                <a:latin typeface="Courier"/>
+                <a:ea typeface="Courier"/>
+                <a:cs typeface="Courier"/>
+                <a:sym typeface="Courier New"/>
+              </a:rPr>
+              <a:t>(</a:t>
+            </a:r>
+            <a:r>
+              <a:rPr lang="en-US" sz="2600" i="0" u="none" strike="noStrike" cap="none" dirty="0" err="1">
+                <a:solidFill>
+                  <a:srgbClr val="00FF00"/>
+                </a:solidFill>
+                <a:latin typeface="Courier"/>
+                <a:ea typeface="Courier"/>
+                <a:cs typeface="Courier"/>
+                <a:sym typeface="Courier New"/>
+              </a:rPr>
+              <a:t>ival</a:t>
+            </a:r>
+            <a:r>
+              <a:rPr lang="en-US" sz="2600" i="0" u="none" strike="noStrike" cap="none" dirty="0">
+                <a:solidFill>
+                  <a:schemeClr val="lt1"/>
+                </a:solidFill>
+                <a:latin typeface="Courier"/>
+                <a:ea typeface="Courier"/>
+                <a:cs typeface="Courier"/>
+                <a:sym typeface="Courier New"/>
+              </a:rPr>
+              <a:t> + 1)</a:t>
             </a:r>
           </a:p>
           <a:p>
@@ -23162,89 +22581,8 @@
                 <a:cs typeface="Courier"/>
                 <a:sym typeface="Courier New"/>
               </a:rPr>
-              <a:t>&gt;&gt;&gt; </a:t>
-            </a:r>
-            <a:r>
-              <a:rPr lang="en-US" sz="2600" i="0" u="none" strike="noStrike" cap="none" dirty="0" smtClean="0">
-                <a:solidFill>
-                  <a:srgbClr val="FFFF00"/>
-                </a:solidFill>
-                <a:latin typeface="Courier"/>
-                <a:ea typeface="Courier"/>
-                <a:cs typeface="Courier"/>
-                <a:sym typeface="Courier New"/>
-              </a:rPr>
-              <a:t>print</a:t>
-            </a:r>
-            <a:r>
-              <a:rPr lang="en-US" sz="2600" dirty="0">
-                <a:solidFill>
-                  <a:schemeClr val="lt1"/>
-                </a:solidFill>
-                <a:latin typeface="Courier"/>
-                <a:ea typeface="Courier"/>
-                <a:cs typeface="Courier"/>
-                <a:sym typeface="Courier New"/>
-              </a:rPr>
-              <a:t>(</a:t>
-            </a:r>
-            <a:r>
-              <a:rPr lang="en-US" sz="2600" i="0" u="none" strike="noStrike" cap="none" dirty="0" err="1" smtClean="0">
-                <a:solidFill>
-                  <a:srgbClr val="00FF00"/>
-                </a:solidFill>
-                <a:latin typeface="Courier"/>
-                <a:ea typeface="Courier"/>
-                <a:cs typeface="Courier"/>
-                <a:sym typeface="Courier New"/>
-              </a:rPr>
-              <a:t>ival</a:t>
-            </a:r>
-            <a:r>
-              <a:rPr lang="en-US" sz="2600" i="0" u="none" strike="noStrike" cap="none" dirty="0" smtClean="0">
-                <a:solidFill>
-                  <a:schemeClr val="lt1"/>
-                </a:solidFill>
-                <a:latin typeface="Courier"/>
-                <a:ea typeface="Courier"/>
-                <a:cs typeface="Courier"/>
-                <a:sym typeface="Courier New"/>
-              </a:rPr>
-              <a:t> </a:t>
-            </a:r>
-            <a:r>
-              <a:rPr lang="en-US" sz="2600" i="0" u="none" strike="noStrike" cap="none" dirty="0">
-                <a:solidFill>
-                  <a:schemeClr val="lt1"/>
-                </a:solidFill>
-                <a:latin typeface="Courier"/>
-                <a:ea typeface="Courier"/>
-                <a:cs typeface="Courier"/>
-                <a:sym typeface="Courier New"/>
-              </a:rPr>
-              <a:t>+ </a:t>
-            </a:r>
-            <a:r>
-              <a:rPr lang="en-US" sz="2600" i="0" u="none" strike="noStrike" cap="none" dirty="0" smtClean="0">
-                <a:solidFill>
-                  <a:schemeClr val="lt1"/>
-                </a:solidFill>
-                <a:latin typeface="Courier"/>
-                <a:ea typeface="Courier"/>
-                <a:cs typeface="Courier"/>
-                <a:sym typeface="Courier New"/>
-              </a:rPr>
-              <a:t>1)</a:t>
-            </a:r>
-            <a:endParaRPr lang="en-US" sz="2600" i="0" u="none" strike="noStrike" cap="none" dirty="0">
-              <a:solidFill>
-                <a:schemeClr val="lt1"/>
-              </a:solidFill>
-              <a:latin typeface="Courier"/>
-              <a:ea typeface="Courier"/>
-              <a:cs typeface="Courier"/>
-              <a:sym typeface="Courier New"/>
-            </a:endParaRPr>
+              <a:t>124</a:t>
+            </a:r>
           </a:p>
           <a:p>
             <a:pPr marL="0" marR="0" lvl="0" indent="0" algn="l" rtl="0">
@@ -23274,7 +22612,31 @@
                 <a:cs typeface="Courier"/>
                 <a:sym typeface="Courier New"/>
               </a:rPr>
-              <a:t>124</a:t>
+              <a:t>&gt;&gt;&gt; </a:t>
+            </a:r>
+            <a:r>
+              <a:rPr lang="en-US" sz="2600" i="0" u="none" strike="noStrike" cap="none" dirty="0" err="1">
+                <a:solidFill>
+                  <a:srgbClr val="00FF00"/>
+                </a:solidFill>
+                <a:latin typeface="Courier"/>
+                <a:ea typeface="Courier"/>
+                <a:cs typeface="Courier"/>
+                <a:sym typeface="Courier New"/>
+              </a:rPr>
+              <a:t>nsv</a:t>
+            </a:r>
+            <a:r>
+              <a:rPr lang="en-US" sz="2600" i="0" u="none" strike="noStrike" cap="none" dirty="0">
+                <a:solidFill>
+                  <a:schemeClr val="lt1"/>
+                </a:solidFill>
+                <a:latin typeface="Courier"/>
+                <a:ea typeface="Courier"/>
+                <a:cs typeface="Courier"/>
+                <a:sym typeface="Courier New"/>
+              </a:rPr>
+              <a:t> = 'hello bob'</a:t>
             </a:r>
           </a:p>
           <a:p>
@@ -23317,6 +22679,54 @@
                 <a:cs typeface="Courier"/>
                 <a:sym typeface="Courier New"/>
               </a:rPr>
+              <a:t>niv</a:t>
+            </a:r>
+            <a:r>
+              <a:rPr lang="en-US" sz="2600" i="0" u="none" strike="noStrike" cap="none" dirty="0">
+                <a:solidFill>
+                  <a:schemeClr val="lt1"/>
+                </a:solidFill>
+                <a:latin typeface="Courier"/>
+                <a:ea typeface="Courier"/>
+                <a:cs typeface="Courier"/>
+                <a:sym typeface="Courier New"/>
+              </a:rPr>
+              <a:t> = </a:t>
+            </a:r>
+            <a:r>
+              <a:rPr lang="en-US" sz="2600" i="0" u="none" strike="noStrike" cap="none" dirty="0">
+                <a:solidFill>
+                  <a:srgbClr val="FFFF00"/>
+                </a:solidFill>
+                <a:latin typeface="Courier"/>
+                <a:ea typeface="Courier"/>
+                <a:cs typeface="Courier"/>
+                <a:sym typeface="Courier New"/>
+              </a:rPr>
+              <a:t>int</a:t>
+            </a:r>
+            <a:r>
+              <a:rPr lang="en-US" sz="2600" i="0" u="none" strike="noStrike" cap="none" dirty="0">
+                <a:solidFill>
+                  <a:schemeClr val="lt1"/>
+                </a:solidFill>
+                <a:latin typeface="Courier"/>
+                <a:ea typeface="Courier"/>
+                <a:cs typeface="Courier"/>
+                <a:sym typeface="Courier New"/>
+              </a:rPr>
+              <a:t>(</a:t>
+            </a:r>
+            <a:r>
+              <a:rPr lang="en-US" sz="2600" i="0" u="none" strike="noStrike" cap="none" dirty="0" err="1">
+                <a:solidFill>
+                  <a:srgbClr val="00FF00"/>
+                </a:solidFill>
+                <a:latin typeface="Courier"/>
+                <a:ea typeface="Courier"/>
+                <a:cs typeface="Courier"/>
+                <a:sym typeface="Courier New"/>
+              </a:rPr>
               <a:t>nsv</a:t>
             </a:r>
             <a:r>
@@ -23329,110 +22739,27 @@
                 <a:cs typeface="Courier"/>
                 <a:sym typeface="Courier New"/>
               </a:rPr>
-              <a:t> = 'hello bob'</a:t>
-            </a:r>
-          </a:p>
-          <a:p>
-            <a:pPr marL="0" marR="0" lvl="0" indent="0" algn="l" rtl="0">
-              <a:lnSpc>
-                <a:spcPct val="100000"/>
-              </a:lnSpc>
-              <a:spcBef>
-                <a:spcPts val="0"/>
-              </a:spcBef>
-              <a:spcAft>
-                <a:spcPts val="0"/>
-              </a:spcAft>
-              <a:buClr>
-                <a:schemeClr val="lt1"/>
+              <a:t>)</a:t>
+            </a:r>
+          </a:p>
+          <a:p>
+            <a:pPr lvl="0">
+              <a:buClr>
+                <a:srgbClr val="FF0000"/>
               </a:buClr>
               <a:buSzPct val="25000"/>
-              <a:buFont typeface="Cabin"/>
-              <a:buNone/>
-            </a:pPr>
-            <a:r>
-              <a:rPr lang="en-US" sz="2600" i="0" u="none" strike="noStrike" cap="none" dirty="0">
-                <a:solidFill>
-                  <a:schemeClr val="lt1"/>
-                </a:solidFill>
-                <a:latin typeface="Courier"/>
-                <a:ea typeface="Courier"/>
-                <a:cs typeface="Courier"/>
-                <a:sym typeface="Courier New"/>
-              </a:rPr>
-              <a:t>&gt;&gt;&gt; </a:t>
-            </a:r>
-            <a:r>
-              <a:rPr lang="en-US" sz="2600" i="0" u="none" strike="noStrike" cap="none" dirty="0" err="1">
-                <a:solidFill>
-                  <a:srgbClr val="00FF00"/>
-                </a:solidFill>
-                <a:latin typeface="Courier"/>
-                <a:ea typeface="Courier"/>
-                <a:cs typeface="Courier"/>
-                <a:sym typeface="Courier New"/>
-              </a:rPr>
-              <a:t>niv</a:t>
-            </a:r>
-            <a:r>
-              <a:rPr lang="en-US" sz="2600" i="0" u="none" strike="noStrike" cap="none" dirty="0">
-                <a:solidFill>
-                  <a:schemeClr val="lt1"/>
-                </a:solidFill>
-                <a:latin typeface="Courier"/>
-                <a:ea typeface="Courier"/>
-                <a:cs typeface="Courier"/>
-                <a:sym typeface="Courier New"/>
-              </a:rPr>
-              <a:t> = </a:t>
-            </a:r>
-            <a:r>
-              <a:rPr lang="en-US" sz="2600" i="0" u="none" strike="noStrike" cap="none" dirty="0" err="1">
-                <a:solidFill>
-                  <a:srgbClr val="FFFF00"/>
-                </a:solidFill>
-                <a:latin typeface="Courier"/>
-                <a:ea typeface="Courier"/>
-                <a:cs typeface="Courier"/>
-                <a:sym typeface="Courier New"/>
-              </a:rPr>
-              <a:t>int</a:t>
-            </a:r>
-            <a:r>
-              <a:rPr lang="en-US" sz="2600" i="0" u="none" strike="noStrike" cap="none" dirty="0">
-                <a:solidFill>
-                  <a:schemeClr val="lt1"/>
-                </a:solidFill>
-                <a:latin typeface="Courier"/>
-                <a:ea typeface="Courier"/>
-                <a:cs typeface="Courier"/>
-                <a:sym typeface="Courier New"/>
-              </a:rPr>
-              <a:t>(</a:t>
-            </a:r>
-            <a:r>
-              <a:rPr lang="en-US" sz="2600" i="0" u="none" strike="noStrike" cap="none" dirty="0" err="1">
-                <a:solidFill>
-                  <a:srgbClr val="00FF00"/>
-                </a:solidFill>
-                <a:latin typeface="Courier"/>
-                <a:ea typeface="Courier"/>
-                <a:cs typeface="Courier"/>
-                <a:sym typeface="Courier New"/>
-              </a:rPr>
-              <a:t>nsv</a:t>
-            </a:r>
-            <a:r>
-              <a:rPr lang="en-US" sz="2600" i="0" u="none" strike="noStrike" cap="none" dirty="0">
-                <a:solidFill>
-                  <a:schemeClr val="lt1"/>
-                </a:solidFill>
-                <a:latin typeface="Courier"/>
-                <a:ea typeface="Courier"/>
-                <a:cs typeface="Courier"/>
-                <a:sym typeface="Courier New"/>
-              </a:rPr>
-              <a:t>)</a:t>
+            </a:pPr>
+            <a:r>
+              <a:rPr lang="en-US" sz="2600" dirty="0">
+                <a:solidFill>
+                  <a:srgbClr val="E06666"/>
+                </a:solidFill>
+                <a:latin typeface="Courier"/>
+                <a:ea typeface="Courier"/>
+                <a:cs typeface="Courier"/>
+                <a:sym typeface="Courier New"/>
+              </a:rPr>
+              <a:t>Traceback (most recent call last):  File "&lt;stdin&gt;", line 1, in &lt;module&gt;</a:t>
             </a:r>
           </a:p>
           <a:p>
@@ -23443,7 +22770,7 @@
               <a:buSzPct val="25000"/>
             </a:pPr>
             <a:r>
-              <a:rPr lang="en-US" sz="2600" dirty="0" err="1" smtClean="0">
+              <a:rPr lang="en-US" sz="2600" dirty="0" err="1">
                 <a:solidFill>
                   <a:srgbClr val="E06666"/>
                 </a:solidFill>
@@ -23452,10 +22779,10 @@
                 <a:cs typeface="Courier"/>
                 <a:sym typeface="Courier New"/>
               </a:rPr>
-              <a:t>Traceback</a:t>
-            </a:r>
-            <a:r>
-              <a:rPr lang="en-US" sz="2600" dirty="0" smtClean="0">
+              <a:t>ValueError</a:t>
+            </a:r>
+            <a:r>
+              <a:rPr lang="en-US" sz="2600" dirty="0">
                 <a:solidFill>
                   <a:srgbClr val="E06666"/>
                 </a:solidFill>
@@ -23464,111 +22791,7 @@
                 <a:cs typeface="Courier"/>
                 <a:sym typeface="Courier New"/>
               </a:rPr>
-              <a:t> </a:t>
-            </a:r>
-            <a:r>
-              <a:rPr lang="en-US" sz="2600" dirty="0">
-                <a:solidFill>
-                  <a:srgbClr val="E06666"/>
-                </a:solidFill>
-                <a:latin typeface="Courier"/>
-                <a:ea typeface="Courier"/>
-                <a:cs typeface="Courier"/>
-                <a:sym typeface="Courier New"/>
-              </a:rPr>
-              <a:t>(most recent call last):  File "&lt;</a:t>
-            </a:r>
-            <a:r>
-              <a:rPr lang="en-US" sz="2600" dirty="0" err="1">
-                <a:solidFill>
-                  <a:srgbClr val="E06666"/>
-                </a:solidFill>
-                <a:latin typeface="Courier"/>
-                <a:ea typeface="Courier"/>
-                <a:cs typeface="Courier"/>
-                <a:sym typeface="Courier New"/>
-              </a:rPr>
-              <a:t>stdin</a:t>
-            </a:r>
-            <a:r>
-              <a:rPr lang="en-US" sz="2600" dirty="0">
-                <a:solidFill>
-                  <a:srgbClr val="E06666"/>
-                </a:solidFill>
-                <a:latin typeface="Courier"/>
-                <a:ea typeface="Courier"/>
-                <a:cs typeface="Courier"/>
-                <a:sym typeface="Courier New"/>
-              </a:rPr>
-              <a:t>&gt;", line 1, in &lt;module</a:t>
-            </a:r>
-            <a:r>
-              <a:rPr lang="en-US" sz="2600" dirty="0" smtClean="0">
-                <a:solidFill>
-                  <a:srgbClr val="E06666"/>
-                </a:solidFill>
-                <a:latin typeface="Courier"/>
-                <a:ea typeface="Courier"/>
-                <a:cs typeface="Courier"/>
-                <a:sym typeface="Courier New"/>
-              </a:rPr>
-              <a:t>&gt;</a:t>
-            </a:r>
-          </a:p>
-          <a:p>
-            <a:pPr lvl="0">
-              <a:buClr>
-                <a:srgbClr val="FF0000"/>
-              </a:buClr>
-              <a:buSzPct val="25000"/>
-            </a:pPr>
-            <a:r>
-              <a:rPr lang="en-US" sz="2600" dirty="0" err="1" smtClean="0">
-                <a:solidFill>
-                  <a:srgbClr val="E06666"/>
-                </a:solidFill>
-                <a:latin typeface="Courier"/>
-                <a:ea typeface="Courier"/>
-                <a:cs typeface="Courier"/>
-                <a:sym typeface="Courier New"/>
-              </a:rPr>
-              <a:t>ValueError</a:t>
-            </a:r>
-            <a:r>
-              <a:rPr lang="en-US" sz="2600" dirty="0">
-                <a:solidFill>
-                  <a:srgbClr val="E06666"/>
-                </a:solidFill>
-                <a:latin typeface="Courier"/>
-                <a:ea typeface="Courier"/>
-                <a:cs typeface="Courier"/>
-                <a:sym typeface="Courier New"/>
-              </a:rPr>
-              <a:t>: invalid literal for </a:t>
-            </a:r>
-            <a:r>
-              <a:rPr lang="en-US" sz="2600" dirty="0" err="1">
-                <a:solidFill>
-                  <a:srgbClr val="E06666"/>
-                </a:solidFill>
-                <a:latin typeface="Courier"/>
-                <a:ea typeface="Courier"/>
-                <a:cs typeface="Courier"/>
-                <a:sym typeface="Courier New"/>
-              </a:rPr>
-              <a:t>int</a:t>
-            </a:r>
-            <a:r>
-              <a:rPr lang="en-US" sz="2600" dirty="0">
-                <a:solidFill>
-                  <a:srgbClr val="E06666"/>
-                </a:solidFill>
-                <a:latin typeface="Courier"/>
-                <a:ea typeface="Courier"/>
-                <a:cs typeface="Courier"/>
-                <a:sym typeface="Courier New"/>
-              </a:rPr>
-              <a:t>() with base 10: 'x'</a:t>
+              <a:t>: invalid literal for int() with base 10: 'x'</a:t>
             </a:r>
             <a:endParaRPr lang="en-US" sz="2600" i="0" u="none" strike="noStrike" cap="none" dirty="0">
               <a:solidFill>
@@ -23587,13 +22810,6 @@
   <p:clrMapOvr>
     <a:masterClrMapping/>
   </p:clrMapOvr>
-  <p:timing>
-    <p:tnLst>
-      <p:par>
-        <p:cTn xmlns:p14="http://schemas.microsoft.com/office/powerpoint/2010/main" id="1" dur="indefinite" restart="never" nodeType="tmRoot"/>
-      </p:par>
-    </p:tnLst>
-  </p:timing>
 </p:sld>
 </file>
 
@@ -23734,7 +22950,7 @@
               <a:t>We can instruct Python to pause and read data from the user using the </a:t>
             </a:r>
             <a:r>
-              <a:rPr lang="en-US" sz="3800" u="none" strike="noStrike" cap="none" dirty="0" smtClean="0">
+              <a:rPr lang="en-US" sz="3800" u="none" strike="noStrike" cap="none" dirty="0">
                 <a:solidFill>
                   <a:srgbClr val="FFFF00"/>
                 </a:solidFill>
@@ -23743,19 +22959,7 @@
                 <a:cs typeface="Arial" charset="0"/>
                 <a:sym typeface="Cabin"/>
               </a:rPr>
-              <a:t>input</a:t>
-            </a:r>
-            <a:r>
-              <a:rPr lang="en-US" sz="3800" u="none" strike="noStrike" cap="none" dirty="0">
-                <a:solidFill>
-                  <a:srgbClr val="FFFF00"/>
-                </a:solidFill>
-                <a:latin typeface="Arial" charset="0"/>
-                <a:ea typeface="Arial" charset="0"/>
-                <a:cs typeface="Arial" charset="0"/>
-                <a:sym typeface="Cabin"/>
-              </a:rPr>
-              <a:t>()</a:t>
+              <a:t>input()</a:t>
             </a:r>
             <a:r>
               <a:rPr lang="en-US" sz="3800" u="none" strike="noStrike" cap="none" dirty="0">
@@ -23813,7 +23017,7 @@
               <a:t>The </a:t>
             </a:r>
             <a:r>
-              <a:rPr lang="en-US" sz="3800" u="none" strike="noStrike" cap="none" dirty="0" smtClean="0">
+              <a:rPr lang="en-US" sz="3800" u="none" strike="noStrike" cap="none" dirty="0">
                 <a:solidFill>
                   <a:srgbClr val="FFFF00"/>
                 </a:solidFill>
@@ -23822,19 +23026,7 @@
                 <a:cs typeface="Arial" charset="0"/>
                 <a:sym typeface="Cabin"/>
               </a:rPr>
-              <a:t>input</a:t>
-            </a:r>
-            <a:r>
-              <a:rPr lang="en-US" sz="3800" u="none" strike="noStrike" cap="none" dirty="0">
-                <a:solidFill>
-                  <a:srgbClr val="FFFF00"/>
-                </a:solidFill>
-                <a:latin typeface="Arial" charset="0"/>
-                <a:ea typeface="Arial" charset="0"/>
-                <a:cs typeface="Arial" charset="0"/>
-                <a:sym typeface="Cabin"/>
-              </a:rPr>
-              <a:t>()</a:t>
+              <a:t>input()</a:t>
             </a:r>
             <a:r>
               <a:rPr lang="en-US" sz="3800" u="none" strike="noStrike" cap="none" dirty="0">
@@ -23930,7 +23122,7 @@
               <a:t> = </a:t>
             </a:r>
             <a:r>
-              <a:rPr lang="en-US" sz="3000" i="0" u="none" strike="noStrike" cap="none" dirty="0" smtClean="0">
+              <a:rPr lang="en-US" sz="3000" i="0" u="none" strike="noStrike" cap="none" dirty="0">
                 <a:solidFill>
                   <a:srgbClr val="FFFF00"/>
                 </a:solidFill>
@@ -23975,22 +23167,10 @@
                 <a:cs typeface="Courier"/>
                 <a:sym typeface="Courier New"/>
               </a:rPr>
-              <a:t>Who are you</a:t>
-            </a:r>
-            <a:r>
-              <a:rPr lang="en-US" sz="3000" i="0" u="none" strike="noStrike" cap="none" dirty="0" smtClean="0">
-                <a:solidFill>
-                  <a:schemeClr val="lt1"/>
-                </a:solidFill>
-                <a:latin typeface="Courier"/>
-                <a:ea typeface="Courier"/>
-                <a:cs typeface="Courier"/>
-                <a:sym typeface="Courier New"/>
-              </a:rPr>
-              <a:t>? </a:t>
-            </a:r>
-            <a:r>
-              <a:rPr lang="en-US" sz="3000" dirty="0" smtClean="0">
+              <a:t>Who are you? </a:t>
+            </a:r>
+            <a:r>
+              <a:rPr lang="en-US" sz="3000" dirty="0">
                 <a:solidFill>
                   <a:schemeClr val="lt1"/>
                 </a:solidFill>
@@ -24002,7 +23182,7 @@
               <a:t>'</a:t>
             </a:r>
             <a:r>
-              <a:rPr lang="en-US" sz="3000" i="0" u="none" strike="noStrike" cap="none" dirty="0" smtClean="0">
+              <a:rPr lang="en-US" sz="3000" i="0" u="none" strike="noStrike" cap="none" dirty="0">
                 <a:solidFill>
                   <a:schemeClr val="lt1"/>
                 </a:solidFill>
@@ -24013,15 +23193,6 @@
               </a:rPr>
               <a:t>)</a:t>
             </a:r>
-            <a:endParaRPr lang="en-US" sz="3000" i="0" u="none" strike="noStrike" cap="none" dirty="0">
-              <a:solidFill>
-                <a:schemeClr val="lt1"/>
-              </a:solidFill>
-              <a:latin typeface="Courier"/>
-              <a:ea typeface="Courier"/>
-              <a:cs typeface="Courier"/>
-              <a:sym typeface="Courier New"/>
-            </a:endParaRPr>
           </a:p>
           <a:p>
             <a:pPr lvl="0">
@@ -24043,7 +23214,7 @@
               <a:t>p</a:t>
             </a:r>
             <a:r>
-              <a:rPr lang="en-US" sz="3000" i="0" u="none" strike="noStrike" cap="none" dirty="0" smtClean="0">
+              <a:rPr lang="en-US" sz="3000" i="0" u="none" strike="noStrike" cap="none" dirty="0">
                 <a:solidFill>
                   <a:srgbClr val="FFFF00"/>
                 </a:solidFill>
@@ -24055,18 +23226,6 @@
               <a:t>rint(</a:t>
             </a:r>
             <a:r>
-              <a:rPr lang="en-US" sz="3000" i="0" u="none" strike="noStrike" cap="none" dirty="0" smtClean="0">
-                <a:solidFill>
-                  <a:schemeClr val="lt1"/>
-                </a:solidFill>
-                <a:latin typeface="Courier"/>
-                <a:ea typeface="Courier"/>
-                <a:cs typeface="Courier"/>
-                <a:sym typeface="Courier New"/>
-              </a:rPr>
-              <a:t>'Welcome</a:t>
-            </a:r>
-            <a:r>
               <a:rPr lang="en-US" sz="3000" i="0" u="none" strike="noStrike" cap="none" dirty="0">
                 <a:solidFill>
                   <a:schemeClr val="lt1"/>
@@ -24076,10 +23235,10 @@
                 <a:cs typeface="Courier"/>
                 <a:sym typeface="Courier New"/>
               </a:rPr>
-              <a:t>', </a:t>
-            </a:r>
-            <a:r>
-              <a:rPr lang="en-US" sz="3000" i="0" u="none" strike="noStrike" cap="none" dirty="0" err="1" smtClean="0">
+              <a:t>'Welcome', </a:t>
+            </a:r>
+            <a:r>
+              <a:rPr lang="en-US" sz="3000" i="0" u="none" strike="noStrike" cap="none" dirty="0" err="1">
                 <a:solidFill>
                   <a:srgbClr val="00FF00"/>
                 </a:solidFill>
@@ -24219,13 +23378,6 @@
   <p:clrMapOvr>
     <a:masterClrMapping/>
   </p:clrMapOvr>
-  <p:timing>
-    <p:tnLst>
-      <p:par>
-        <p:cTn xmlns:p14="http://schemas.microsoft.com/office/powerpoint/2010/main" id="1" dur="indefinite" restart="never" nodeType="tmRoot"/>
-      </p:par>
-    </p:tnLst>
-  </p:timing>
 </p:sld>
 </file>
 
@@ -24466,7 +23618,7 @@
               <a:t> = </a:t>
             </a:r>
             <a:r>
-              <a:rPr lang="en-US" sz="2800" i="0" u="none" strike="noStrike" cap="none" dirty="0" smtClean="0">
+              <a:rPr lang="en-US" sz="2800" i="0" u="none" strike="noStrike" cap="none" dirty="0">
                 <a:solidFill>
                   <a:srgbClr val="FFFF00"/>
                 </a:solidFill>
@@ -24475,19 +23627,7 @@
                 <a:cs typeface="Courier"/>
                 <a:sym typeface="Courier New"/>
               </a:rPr>
-              <a:t>input</a:t>
-            </a:r>
-            <a:r>
-              <a:rPr lang="en-US" sz="2800" i="0" u="none" strike="noStrike" cap="none" dirty="0">
-                <a:solidFill>
-                  <a:srgbClr val="FFFF00"/>
-                </a:solidFill>
-                <a:latin typeface="Courier"/>
-                <a:ea typeface="Courier"/>
-                <a:cs typeface="Courier"/>
-                <a:sym typeface="Courier New"/>
-              </a:rPr>
-              <a:t>(</a:t>
+              <a:t>input(</a:t>
             </a:r>
             <a:r>
               <a:rPr lang="en-US" sz="2800" dirty="0">
@@ -24684,7 +23824,7 @@
               <a:buNone/>
             </a:pPr>
             <a:r>
-              <a:rPr lang="en-US" sz="2800" i="0" u="none" strike="noStrike" cap="none" dirty="0" smtClean="0">
+              <a:rPr lang="en-US" sz="2800" i="0" u="none" strike="noStrike" cap="none" dirty="0">
                 <a:solidFill>
                   <a:srgbClr val="FFFF00"/>
                 </a:solidFill>
@@ -24696,18 +23836,6 @@
               <a:t>print(</a:t>
             </a:r>
             <a:r>
-              <a:rPr lang="en-US" sz="2800" i="0" u="none" strike="noStrike" cap="none" dirty="0" smtClean="0">
-                <a:solidFill>
-                  <a:schemeClr val="lt1"/>
-                </a:solidFill>
-                <a:latin typeface="Courier"/>
-                <a:ea typeface="Courier"/>
-                <a:cs typeface="Courier"/>
-                <a:sym typeface="Courier New"/>
-              </a:rPr>
-              <a:t>'US </a:t>
-            </a:r>
-            <a:r>
               <a:rPr lang="en-US" sz="2800" i="0" u="none" strike="noStrike" cap="none" dirty="0">
                 <a:solidFill>
                   <a:schemeClr val="lt1"/>
@@ -24717,10 +23845,10 @@
                 <a:cs typeface="Courier"/>
                 <a:sym typeface="Courier New"/>
               </a:rPr>
-              <a:t>floor', </a:t>
-            </a:r>
-            <a:r>
-              <a:rPr lang="en-US" sz="2800" i="0" u="none" strike="noStrike" cap="none" dirty="0" err="1" smtClean="0">
+              <a:t>'US floor', </a:t>
+            </a:r>
+            <a:r>
+              <a:rPr lang="en-US" sz="2800" i="0" u="none" strike="noStrike" cap="none" dirty="0" err="1">
                 <a:solidFill>
                   <a:srgbClr val="00FF00"/>
                 </a:solidFill>
@@ -24732,7 +23860,7 @@
               <a:t>usf</a:t>
             </a:r>
             <a:r>
-              <a:rPr lang="en-US" sz="2800" i="0" u="none" strike="noStrike" cap="none" dirty="0" smtClean="0">
+              <a:rPr lang="en-US" sz="2800" i="0" u="none" strike="noStrike" cap="none" dirty="0">
                 <a:solidFill>
                   <a:srgbClr val="FFFF00"/>
                 </a:solidFill>
@@ -24743,15 +23871,6 @@
               </a:rPr>
               <a:t>)</a:t>
             </a:r>
-            <a:endParaRPr lang="en-US" sz="2800" i="0" u="none" strike="noStrike" cap="none" dirty="0">
-              <a:solidFill>
-                <a:srgbClr val="FFFF00"/>
-              </a:solidFill>
-              <a:latin typeface="Courier"/>
-              <a:ea typeface="Courier"/>
-              <a:cs typeface="Courier"/>
-              <a:sym typeface="Courier New"/>
-            </a:endParaRPr>
           </a:p>
         </p:txBody>
       </p:sp>
@@ -24887,13 +24006,6 @@
   <p:clrMapOvr>
     <a:masterClrMapping/>
   </p:clrMapOvr>
-  <p:timing>
-    <p:tnLst>
-      <p:par>
-        <p:cTn xmlns:p14="http://schemas.microsoft.com/office/powerpoint/2010/main" id="1" dur="indefinite" restart="never" nodeType="tmRoot"/>
-      </p:par>
-    </p:tnLst>
-  </p:timing>
 </p:sld>
 </file>
 
@@ -24983,8 +24095,8 @@
         </p:nvSpPr>
         <p:spPr>
           <a:xfrm>
-            <a:off x="812800" y="2529191"/>
-            <a:ext cx="14630400" cy="1186775"/>
+            <a:off x="1298892" y="2529191"/>
+            <a:ext cx="14144308" cy="1186775"/>
           </a:xfrm>
           <a:prstGeom prst="rect">
             <a:avLst/>
@@ -25111,8 +24223,8 @@
         </p:nvSpPr>
         <p:spPr>
           <a:xfrm>
-            <a:off x="3346315" y="3482501"/>
-            <a:ext cx="10369686" cy="4182269"/>
+            <a:off x="1617527" y="3336900"/>
+            <a:ext cx="14144308" cy="4182269"/>
           </a:xfrm>
           <a:prstGeom prst="rect">
             <a:avLst/>
@@ -25135,7 +24247,7 @@
               <a:buSzPct val="25000"/>
             </a:pPr>
             <a:r>
-              <a:rPr lang="de-DE" sz="3200" dirty="0" err="1" smtClean="0">
+              <a:rPr lang="de-DE" sz="3200" dirty="0" err="1">
                 <a:solidFill>
                   <a:srgbClr val="FFFF00"/>
                 </a:solidFill>
@@ -25147,7 +24259,7 @@
               <a:t>False</a:t>
             </a:r>
             <a:r>
-              <a:rPr lang="de-DE" sz="3200" dirty="0" smtClean="0">
+              <a:rPr lang="de-DE" sz="3200" dirty="0">
                 <a:solidFill>
                   <a:srgbClr val="FFFF00"/>
                 </a:solidFill>
@@ -25156,10 +24268,10 @@
                 <a:cs typeface="Courier" charset="0"/>
                 <a:sym typeface="Cabin"/>
               </a:rPr>
-              <a:t> 	</a:t>
-            </a:r>
-            <a:r>
-              <a:rPr lang="de-DE" sz="3200" dirty="0" err="1" smtClean="0">
+              <a:t>      </a:t>
+            </a:r>
+            <a:r>
+              <a:rPr lang="de-DE" sz="3200" dirty="0" err="1">
                 <a:solidFill>
                   <a:srgbClr val="FFFF00"/>
                 </a:solidFill>
@@ -25168,10 +24280,10 @@
                 <a:cs typeface="Courier" charset="0"/>
                 <a:sym typeface="Cabin"/>
               </a:rPr>
-              <a:t>class</a:t>
-            </a:r>
-            <a:r>
-              <a:rPr lang="de-DE" sz="3200" dirty="0" smtClean="0">
+              <a:t>await</a:t>
+            </a:r>
+            <a:r>
+              <a:rPr lang="de-DE" sz="3200" dirty="0">
                 <a:solidFill>
                   <a:srgbClr val="FFFF00"/>
                 </a:solidFill>
@@ -25180,10 +24292,10 @@
                 <a:cs typeface="Courier" charset="0"/>
                 <a:sym typeface="Cabin"/>
               </a:rPr>
-              <a:t> 	</a:t>
-            </a:r>
-            <a:r>
-              <a:rPr lang="de-DE" sz="3200" dirty="0" err="1" smtClean="0">
+              <a:t>      </a:t>
+            </a:r>
+            <a:r>
+              <a:rPr lang="de-DE" sz="3200" dirty="0" err="1">
                 <a:solidFill>
                   <a:srgbClr val="FFFF00"/>
                 </a:solidFill>
@@ -25192,10 +24304,10 @@
                 <a:cs typeface="Courier" charset="0"/>
                 <a:sym typeface="Cabin"/>
               </a:rPr>
-              <a:t>return</a:t>
-            </a:r>
-            <a:r>
-              <a:rPr lang="de-DE" sz="3200" dirty="0" smtClean="0">
+              <a:t>else</a:t>
+            </a:r>
+            <a:r>
+              <a:rPr lang="de-DE" sz="3200" dirty="0">
                 <a:solidFill>
                   <a:srgbClr val="FFFF00"/>
                 </a:solidFill>
@@ -25204,10 +24316,10 @@
                 <a:cs typeface="Courier" charset="0"/>
                 <a:sym typeface="Cabin"/>
               </a:rPr>
-              <a:t>	</a:t>
-            </a:r>
-            <a:r>
-              <a:rPr lang="de-DE" sz="3200" dirty="0" err="1" smtClean="0">
+              <a:t>       </a:t>
+            </a:r>
+            <a:r>
+              <a:rPr lang="de-DE" sz="3200" dirty="0" err="1">
                 <a:solidFill>
                   <a:srgbClr val="FFFF00"/>
                 </a:solidFill>
@@ -25216,10 +24328,10 @@
                 <a:cs typeface="Courier" charset="0"/>
                 <a:sym typeface="Cabin"/>
               </a:rPr>
-              <a:t>is</a:t>
-            </a:r>
-            <a:r>
-              <a:rPr lang="de-DE" sz="3200" dirty="0" smtClean="0">
+              <a:t>import</a:t>
+            </a:r>
+            <a:r>
+              <a:rPr lang="de-DE" sz="3200" dirty="0">
                 <a:solidFill>
                   <a:srgbClr val="FFFF00"/>
                 </a:solidFill>
@@ -25228,10 +24340,18 @@
                 <a:cs typeface="Courier" charset="0"/>
                 <a:sym typeface="Cabin"/>
               </a:rPr>
-              <a:t> 		</a:t>
-            </a:r>
-            <a:r>
-              <a:rPr lang="de-DE" sz="3200" dirty="0" err="1" smtClean="0">
+              <a:t>     pass</a:t>
+            </a:r>
+          </a:p>
+          <a:p>
+            <a:pPr lvl="0">
+              <a:buClr>
+                <a:srgbClr val="FFFF00"/>
+              </a:buClr>
+              <a:buSzPct val="25000"/>
+            </a:pPr>
+            <a:r>
+              <a:rPr lang="de-DE" sz="3200" dirty="0">
                 <a:solidFill>
                   <a:srgbClr val="FFFF00"/>
                 </a:solidFill>
@@ -25240,10 +24360,10 @@
                 <a:cs typeface="Courier" charset="0"/>
                 <a:sym typeface="Cabin"/>
               </a:rPr>
-              <a:t>finally</a:t>
-            </a:r>
-            <a:r>
-              <a:rPr lang="de-DE" sz="3200" dirty="0" smtClean="0">
+              <a:t>None       break      </a:t>
+            </a:r>
+            <a:r>
+              <a:rPr lang="de-DE" sz="3200" dirty="0" err="1">
                 <a:solidFill>
                   <a:srgbClr val="FFFF00"/>
                 </a:solidFill>
@@ -25252,18 +24372,10 @@
                 <a:cs typeface="Courier" charset="0"/>
                 <a:sym typeface="Cabin"/>
               </a:rPr>
-              <a:t> </a:t>
-            </a:r>
-          </a:p>
-          <a:p>
-            <a:pPr lvl="0">
-              <a:buClr>
-                <a:srgbClr val="FFFF00"/>
-              </a:buClr>
-              <a:buSzPct val="25000"/>
-            </a:pPr>
-            <a:r>
-              <a:rPr lang="de-DE" sz="3200" dirty="0" smtClean="0">
+              <a:t>except</a:t>
+            </a:r>
+            <a:r>
+              <a:rPr lang="de-DE" sz="3200" dirty="0">
                 <a:solidFill>
                   <a:srgbClr val="FFFF00"/>
                 </a:solidFill>
@@ -25272,10 +24384,10 @@
                 <a:cs typeface="Courier" charset="0"/>
                 <a:sym typeface="Cabin"/>
               </a:rPr>
-              <a:t>None 	</a:t>
-            </a:r>
-            <a:r>
-              <a:rPr lang="de-DE" sz="3200" dirty="0" err="1" smtClean="0">
+              <a:t>     in         </a:t>
+            </a:r>
+            <a:r>
+              <a:rPr lang="de-DE" sz="3200" dirty="0" err="1">
                 <a:solidFill>
                   <a:srgbClr val="FFFF00"/>
                 </a:solidFill>
@@ -25284,197 +24396,9 @@
                 <a:cs typeface="Courier" charset="0"/>
                 <a:sym typeface="Cabin"/>
               </a:rPr>
-              <a:t>if</a:t>
-            </a:r>
-            <a:r>
-              <a:rPr lang="de-DE" sz="3200" dirty="0" smtClean="0">
-                <a:solidFill>
-                  <a:srgbClr val="FFFF00"/>
-                </a:solidFill>
-                <a:latin typeface="Courier" charset="0"/>
-                <a:ea typeface="Courier" charset="0"/>
-                <a:cs typeface="Courier" charset="0"/>
-                <a:sym typeface="Cabin"/>
-              </a:rPr>
-              <a:t>		</a:t>
-            </a:r>
-            <a:r>
-              <a:rPr lang="de-DE" sz="3200" dirty="0" err="1" smtClean="0">
-                <a:solidFill>
-                  <a:srgbClr val="FFFF00"/>
-                </a:solidFill>
-                <a:latin typeface="Courier" charset="0"/>
-                <a:ea typeface="Courier" charset="0"/>
-                <a:cs typeface="Courier" charset="0"/>
-                <a:sym typeface="Cabin"/>
-              </a:rPr>
-              <a:t>for</a:t>
-            </a:r>
-            <a:r>
-              <a:rPr lang="de-DE" sz="3200" dirty="0" smtClean="0">
-                <a:solidFill>
-                  <a:srgbClr val="FFFF00"/>
-                </a:solidFill>
-                <a:latin typeface="Courier" charset="0"/>
-                <a:ea typeface="Courier" charset="0"/>
-                <a:cs typeface="Courier" charset="0"/>
-                <a:sym typeface="Cabin"/>
-              </a:rPr>
-              <a:t> 	</a:t>
-            </a:r>
-            <a:r>
-              <a:rPr lang="de-DE" sz="3200" dirty="0" err="1" smtClean="0">
-                <a:solidFill>
-                  <a:srgbClr val="FFFF00"/>
-                </a:solidFill>
-                <a:latin typeface="Courier" charset="0"/>
-                <a:ea typeface="Courier" charset="0"/>
-                <a:cs typeface="Courier" charset="0"/>
-                <a:sym typeface="Cabin"/>
-              </a:rPr>
-              <a:t>lambda</a:t>
-            </a:r>
-            <a:r>
-              <a:rPr lang="de-DE" sz="3200" dirty="0" smtClean="0">
-                <a:solidFill>
-                  <a:srgbClr val="FFFF00"/>
-                </a:solidFill>
-                <a:latin typeface="Courier" charset="0"/>
-                <a:ea typeface="Courier" charset="0"/>
-                <a:cs typeface="Courier" charset="0"/>
-                <a:sym typeface="Cabin"/>
-              </a:rPr>
-              <a:t> 	</a:t>
-            </a:r>
-            <a:r>
-              <a:rPr lang="de-DE" sz="3200" dirty="0" err="1" smtClean="0">
-                <a:solidFill>
-                  <a:srgbClr val="FFFF00"/>
-                </a:solidFill>
-                <a:latin typeface="Courier" charset="0"/>
-                <a:ea typeface="Courier" charset="0"/>
-                <a:cs typeface="Courier" charset="0"/>
-                <a:sym typeface="Cabin"/>
-              </a:rPr>
-              <a:t>continue</a:t>
-            </a:r>
-            <a:r>
-              <a:rPr lang="de-DE" sz="3200" dirty="0" smtClean="0">
-                <a:solidFill>
-                  <a:srgbClr val="FFFF00"/>
-                </a:solidFill>
-                <a:latin typeface="Courier" charset="0"/>
-                <a:ea typeface="Courier" charset="0"/>
-                <a:cs typeface="Courier" charset="0"/>
-                <a:sym typeface="Cabin"/>
-              </a:rPr>
-              <a:t> </a:t>
-            </a:r>
-          </a:p>
-          <a:p>
-            <a:pPr lvl="0">
-              <a:buClr>
-                <a:srgbClr val="FFFF00"/>
-              </a:buClr>
-              <a:buSzPct val="25000"/>
-            </a:pPr>
-            <a:r>
-              <a:rPr lang="de-DE" sz="3200" dirty="0" smtClean="0">
-                <a:solidFill>
-                  <a:srgbClr val="FFFF00"/>
-                </a:solidFill>
-                <a:latin typeface="Courier" charset="0"/>
-                <a:ea typeface="Courier" charset="0"/>
-                <a:cs typeface="Courier" charset="0"/>
-                <a:sym typeface="Cabin"/>
-              </a:rPr>
-              <a:t>True 	</a:t>
-            </a:r>
-            <a:r>
-              <a:rPr lang="de-DE" sz="3200" dirty="0" err="1" smtClean="0">
-                <a:solidFill>
-                  <a:srgbClr val="FFFF00"/>
-                </a:solidFill>
-                <a:latin typeface="Courier" charset="0"/>
-                <a:ea typeface="Courier" charset="0"/>
-                <a:cs typeface="Courier" charset="0"/>
-                <a:sym typeface="Cabin"/>
-              </a:rPr>
-              <a:t>def</a:t>
-            </a:r>
-            <a:r>
-              <a:rPr lang="de-DE" sz="3200" dirty="0" smtClean="0">
-                <a:solidFill>
-                  <a:srgbClr val="FFFF00"/>
-                </a:solidFill>
-                <a:latin typeface="Courier" charset="0"/>
-                <a:ea typeface="Courier" charset="0"/>
-                <a:cs typeface="Courier" charset="0"/>
-                <a:sym typeface="Cabin"/>
-              </a:rPr>
-              <a:t> 	</a:t>
-            </a:r>
-            <a:r>
-              <a:rPr lang="de-DE" sz="3200" dirty="0" err="1" smtClean="0">
-                <a:solidFill>
-                  <a:srgbClr val="FFFF00"/>
-                </a:solidFill>
-                <a:latin typeface="Courier" charset="0"/>
-                <a:ea typeface="Courier" charset="0"/>
-                <a:cs typeface="Courier" charset="0"/>
-                <a:sym typeface="Cabin"/>
-              </a:rPr>
-              <a:t>from</a:t>
-            </a:r>
-            <a:r>
-              <a:rPr lang="de-DE" sz="3200" dirty="0" smtClean="0">
-                <a:solidFill>
-                  <a:srgbClr val="FFFF00"/>
-                </a:solidFill>
-                <a:latin typeface="Courier" charset="0"/>
-                <a:ea typeface="Courier" charset="0"/>
-                <a:cs typeface="Courier" charset="0"/>
-                <a:sym typeface="Cabin"/>
-              </a:rPr>
-              <a:t> 	</a:t>
-            </a:r>
-            <a:r>
-              <a:rPr lang="de-DE" sz="3200" dirty="0" err="1" smtClean="0">
-                <a:solidFill>
-                  <a:srgbClr val="FFFF00"/>
-                </a:solidFill>
-                <a:latin typeface="Courier" charset="0"/>
-                <a:ea typeface="Courier" charset="0"/>
-                <a:cs typeface="Courier" charset="0"/>
-                <a:sym typeface="Cabin"/>
-              </a:rPr>
-              <a:t>while</a:t>
-            </a:r>
-            <a:r>
-              <a:rPr lang="de-DE" sz="3200" dirty="0" smtClean="0">
-                <a:solidFill>
-                  <a:srgbClr val="FFFF00"/>
-                </a:solidFill>
-                <a:latin typeface="Courier" charset="0"/>
-                <a:ea typeface="Courier" charset="0"/>
-                <a:cs typeface="Courier" charset="0"/>
-                <a:sym typeface="Cabin"/>
-              </a:rPr>
-              <a:t>	</a:t>
-            </a:r>
-            <a:r>
-              <a:rPr lang="de-DE" sz="3200" dirty="0" err="1" smtClean="0">
-                <a:solidFill>
-                  <a:srgbClr val="FFFF00"/>
-                </a:solidFill>
-                <a:latin typeface="Courier" charset="0"/>
-                <a:ea typeface="Courier" charset="0"/>
-                <a:cs typeface="Courier" charset="0"/>
-                <a:sym typeface="Cabin"/>
-              </a:rPr>
-              <a:t>nonlocal</a:t>
-            </a:r>
-            <a:endParaRPr lang="de-DE" sz="3200" dirty="0" smtClean="0">
+              <a:t>raise</a:t>
+            </a:r>
+            <a:endParaRPr lang="de-DE" sz="3200" dirty="0">
               <a:solidFill>
                 <a:srgbClr val="FFFF00"/>
               </a:solidFill>
@@ -25492,7 +24416,7 @@
               <a:buSzPct val="25000"/>
             </a:pPr>
             <a:r>
-              <a:rPr lang="de-DE" sz="3200" dirty="0" err="1" smtClean="0">
+              <a:rPr lang="de-DE" sz="3200" dirty="0">
                 <a:solidFill>
                   <a:srgbClr val="FFFF00"/>
                 </a:solidFill>
@@ -25501,10 +24425,10 @@
                 <a:cs typeface="Courier" charset="0"/>
                 <a:sym typeface="Cabin"/>
               </a:rPr>
-              <a:t>and</a:t>
-            </a:r>
-            <a:r>
-              <a:rPr lang="de-DE" sz="3200" dirty="0" smtClean="0">
+              <a:t>True       </a:t>
+            </a:r>
+            <a:r>
+              <a:rPr lang="de-DE" sz="3200" dirty="0" err="1">
                 <a:solidFill>
                   <a:srgbClr val="FFFF00"/>
                 </a:solidFill>
@@ -25513,10 +24437,10 @@
                 <a:cs typeface="Courier" charset="0"/>
                 <a:sym typeface="Cabin"/>
               </a:rPr>
-              <a:t> 	del 	global 	not 	</a:t>
-            </a:r>
-            <a:r>
-              <a:rPr lang="de-DE" sz="3200" dirty="0" err="1" smtClean="0">
+              <a:t>class</a:t>
+            </a:r>
+            <a:r>
+              <a:rPr lang="de-DE" sz="3200" dirty="0">
                 <a:solidFill>
                   <a:srgbClr val="FFFF00"/>
                 </a:solidFill>
@@ -25525,9 +24449,69 @@
                 <a:cs typeface="Courier" charset="0"/>
                 <a:sym typeface="Cabin"/>
               </a:rPr>
-              <a:t>with</a:t>
-            </a:r>
-            <a:endParaRPr lang="de-DE" sz="3200" dirty="0" smtClean="0">
+              <a:t>      </a:t>
+            </a:r>
+            <a:r>
+              <a:rPr lang="de-DE" sz="3200" dirty="0" err="1">
+                <a:solidFill>
+                  <a:srgbClr val="FFFF00"/>
+                </a:solidFill>
+                <a:latin typeface="Courier" charset="0"/>
+                <a:ea typeface="Courier" charset="0"/>
+                <a:cs typeface="Courier" charset="0"/>
+                <a:sym typeface="Cabin"/>
+              </a:rPr>
+              <a:t>finally</a:t>
+            </a:r>
+            <a:r>
+              <a:rPr lang="de-DE" sz="3200" dirty="0">
+                <a:solidFill>
+                  <a:srgbClr val="FFFF00"/>
+                </a:solidFill>
+                <a:latin typeface="Courier" charset="0"/>
+                <a:ea typeface="Courier" charset="0"/>
+                <a:cs typeface="Courier" charset="0"/>
+                <a:sym typeface="Cabin"/>
+              </a:rPr>
+              <a:t>    </a:t>
+            </a:r>
+            <a:r>
+              <a:rPr lang="de-DE" sz="3200" dirty="0" err="1">
+                <a:solidFill>
+                  <a:srgbClr val="FFFF00"/>
+                </a:solidFill>
+                <a:latin typeface="Courier" charset="0"/>
+                <a:ea typeface="Courier" charset="0"/>
+                <a:cs typeface="Courier" charset="0"/>
+                <a:sym typeface="Cabin"/>
+              </a:rPr>
+              <a:t>is</a:t>
+            </a:r>
+            <a:r>
+              <a:rPr lang="de-DE" sz="3200" dirty="0">
+                <a:solidFill>
+                  <a:srgbClr val="FFFF00"/>
+                </a:solidFill>
+                <a:latin typeface="Courier" charset="0"/>
+                <a:ea typeface="Courier" charset="0"/>
+                <a:cs typeface="Courier" charset="0"/>
+                <a:sym typeface="Cabin"/>
+              </a:rPr>
+              <a:t>         </a:t>
+            </a:r>
+            <a:r>
+              <a:rPr lang="de-DE" sz="3200" dirty="0" err="1">
+                <a:solidFill>
+                  <a:srgbClr val="FFFF00"/>
+                </a:solidFill>
+                <a:latin typeface="Courier" charset="0"/>
+                <a:ea typeface="Courier" charset="0"/>
+                <a:cs typeface="Courier" charset="0"/>
+                <a:sym typeface="Cabin"/>
+              </a:rPr>
+              <a:t>return</a:t>
+            </a:r>
+            <a:endParaRPr lang="de-DE" sz="3200" dirty="0">
               <a:solidFill>
                 <a:srgbClr val="FFFF00"/>
               </a:solidFill>
@@ -25545,7 +24529,7 @@
               <a:buSzPct val="25000"/>
             </a:pPr>
             <a:r>
-              <a:rPr lang="de-DE" sz="3200" dirty="0" err="1" smtClean="0">
+              <a:rPr lang="de-DE" sz="3200" dirty="0">
                 <a:solidFill>
                   <a:srgbClr val="FFFF00"/>
                 </a:solidFill>
@@ -25554,10 +24538,10 @@
                 <a:cs typeface="Courier" charset="0"/>
                 <a:sym typeface="Cabin"/>
               </a:rPr>
-              <a:t>as</a:t>
-            </a:r>
-            <a:r>
-              <a:rPr lang="de-DE" sz="3200" dirty="0" smtClean="0">
+              <a:t>and        </a:t>
+            </a:r>
+            <a:r>
+              <a:rPr lang="de-DE" sz="3200" dirty="0" err="1">
                 <a:solidFill>
                   <a:srgbClr val="FFFF00"/>
                 </a:solidFill>
@@ -25566,10 +24550,10 @@
                 <a:cs typeface="Courier" charset="0"/>
                 <a:sym typeface="Cabin"/>
               </a:rPr>
-              <a:t>  	</a:t>
-            </a:r>
-            <a:r>
-              <a:rPr lang="de-DE" sz="3200" dirty="0" err="1" smtClean="0">
+              <a:t>continue</a:t>
+            </a:r>
+            <a:r>
+              <a:rPr lang="de-DE" sz="3200" dirty="0">
                 <a:solidFill>
                   <a:srgbClr val="FFFF00"/>
                 </a:solidFill>
@@ -25578,10 +24562,10 @@
                 <a:cs typeface="Courier" charset="0"/>
                 <a:sym typeface="Cabin"/>
               </a:rPr>
-              <a:t>elif</a:t>
-            </a:r>
-            <a:r>
-              <a:rPr lang="de-DE" sz="3200" dirty="0" smtClean="0">
+              <a:t>   </a:t>
+            </a:r>
+            <a:r>
+              <a:rPr lang="de-DE" sz="3200" dirty="0" err="1">
                 <a:solidFill>
                   <a:srgbClr val="FFFF00"/>
                 </a:solidFill>
@@ -25590,10 +24574,10 @@
                 <a:cs typeface="Courier" charset="0"/>
                 <a:sym typeface="Cabin"/>
               </a:rPr>
-              <a:t> 	</a:t>
-            </a:r>
-            <a:r>
-              <a:rPr lang="de-DE" sz="3200" dirty="0" err="1" smtClean="0">
+              <a:t>for</a:t>
+            </a:r>
+            <a:r>
+              <a:rPr lang="de-DE" sz="3200" dirty="0">
                 <a:solidFill>
                   <a:srgbClr val="FFFF00"/>
                 </a:solidFill>
@@ -25602,10 +24586,10 @@
                 <a:cs typeface="Courier" charset="0"/>
                 <a:sym typeface="Cabin"/>
               </a:rPr>
-              <a:t>try</a:t>
-            </a:r>
-            <a:r>
-              <a:rPr lang="de-DE" sz="3200" dirty="0" smtClean="0">
+              <a:t>        </a:t>
+            </a:r>
+            <a:r>
+              <a:rPr lang="de-DE" sz="3200" dirty="0" err="1">
                 <a:solidFill>
                   <a:srgbClr val="FFFF00"/>
                 </a:solidFill>
@@ -25614,10 +24598,10 @@
                 <a:cs typeface="Courier" charset="0"/>
                 <a:sym typeface="Cabin"/>
               </a:rPr>
-              <a:t>		</a:t>
-            </a:r>
-            <a:r>
-              <a:rPr lang="de-DE" sz="3200" dirty="0" err="1" smtClean="0">
+              <a:t>lambda</a:t>
+            </a:r>
+            <a:r>
+              <a:rPr lang="de-DE" sz="3200" dirty="0">
                 <a:solidFill>
                   <a:srgbClr val="FFFF00"/>
                 </a:solidFill>
@@ -25626,10 +24610,10 @@
                 <a:cs typeface="Courier" charset="0"/>
                 <a:sym typeface="Cabin"/>
               </a:rPr>
-              <a:t>or</a:t>
-            </a:r>
-            <a:r>
-              <a:rPr lang="de-DE" sz="3200" dirty="0" smtClean="0">
+              <a:t>     </a:t>
+            </a:r>
+            <a:r>
+              <a:rPr lang="de-DE" sz="3200" dirty="0" err="1">
                 <a:solidFill>
                   <a:srgbClr val="FFFF00"/>
                 </a:solidFill>
@@ -25638,21 +24622,9 @@
                 <a:cs typeface="Courier" charset="0"/>
                 <a:sym typeface="Cabin"/>
               </a:rPr>
-              <a:t> 		</a:t>
-            </a:r>
-            <a:r>
-              <a:rPr lang="de-DE" sz="3200" dirty="0" err="1" smtClean="0">
-                <a:solidFill>
-                  <a:srgbClr val="FFFF00"/>
-                </a:solidFill>
-                <a:latin typeface="Courier" charset="0"/>
-                <a:ea typeface="Courier" charset="0"/>
-                <a:cs typeface="Courier" charset="0"/>
-                <a:sym typeface="Cabin"/>
-              </a:rPr>
-              <a:t>yield</a:t>
-            </a:r>
-            <a:endParaRPr lang="de-DE" sz="3200" dirty="0" smtClean="0">
+              <a:t>try</a:t>
+            </a:r>
+            <a:endParaRPr lang="de-DE" sz="3200" dirty="0">
               <a:solidFill>
                 <a:srgbClr val="FFFF00"/>
               </a:solidFill>
@@ -25670,7 +24642,7 @@
               <a:buSzPct val="25000"/>
             </a:pPr>
             <a:r>
-              <a:rPr lang="de-DE" sz="3200" dirty="0" err="1" smtClean="0">
+              <a:rPr lang="de-DE" sz="3200" dirty="0" err="1">
                 <a:solidFill>
                   <a:srgbClr val="FFFF00"/>
                 </a:solidFill>
@@ -25679,10 +24651,10 @@
                 <a:cs typeface="Courier" charset="0"/>
                 <a:sym typeface="Cabin"/>
               </a:rPr>
-              <a:t>assert</a:t>
-            </a:r>
-            <a:r>
-              <a:rPr lang="de-DE" sz="3200" dirty="0" smtClean="0">
+              <a:t>as</a:t>
+            </a:r>
+            <a:r>
+              <a:rPr lang="de-DE" sz="3200" dirty="0">
                 <a:solidFill>
                   <a:srgbClr val="FFFF00"/>
                 </a:solidFill>
@@ -25691,10 +24663,10 @@
                 <a:cs typeface="Courier" charset="0"/>
                 <a:sym typeface="Cabin"/>
               </a:rPr>
-              <a:t> 	</a:t>
-            </a:r>
-            <a:r>
-              <a:rPr lang="de-DE" sz="3200" dirty="0" err="1" smtClean="0">
+              <a:t>         </a:t>
+            </a:r>
+            <a:r>
+              <a:rPr lang="de-DE" sz="3200" dirty="0" err="1">
                 <a:solidFill>
                   <a:srgbClr val="FFFF00"/>
                 </a:solidFill>
@@ -25703,10 +24675,10 @@
                 <a:cs typeface="Courier" charset="0"/>
                 <a:sym typeface="Cabin"/>
               </a:rPr>
-              <a:t>else</a:t>
-            </a:r>
-            <a:r>
-              <a:rPr lang="de-DE" sz="3200" dirty="0" smtClean="0">
+              <a:t>def</a:t>
+            </a:r>
+            <a:r>
+              <a:rPr lang="de-DE" sz="3200" dirty="0">
                 <a:solidFill>
                   <a:srgbClr val="FFFF00"/>
                 </a:solidFill>
@@ -25715,10 +24687,10 @@
                 <a:cs typeface="Courier" charset="0"/>
                 <a:sym typeface="Cabin"/>
               </a:rPr>
-              <a:t> 	</a:t>
-            </a:r>
-            <a:r>
-              <a:rPr lang="de-DE" sz="3200" dirty="0" err="1" smtClean="0">
+              <a:t>        </a:t>
+            </a:r>
+            <a:r>
+              <a:rPr lang="de-DE" sz="3200" dirty="0" err="1">
                 <a:solidFill>
                   <a:srgbClr val="FFFF00"/>
                 </a:solidFill>
@@ -25727,10 +24699,10 @@
                 <a:cs typeface="Courier" charset="0"/>
                 <a:sym typeface="Cabin"/>
               </a:rPr>
-              <a:t>import</a:t>
-            </a:r>
-            <a:r>
-              <a:rPr lang="de-DE" sz="3200" dirty="0" smtClean="0">
+              <a:t>from</a:t>
+            </a:r>
+            <a:r>
+              <a:rPr lang="de-DE" sz="3200" dirty="0">
                 <a:solidFill>
                   <a:srgbClr val="FFFF00"/>
                 </a:solidFill>
@@ -25739,18 +24711,10 @@
                 <a:cs typeface="Courier" charset="0"/>
                 <a:sym typeface="Cabin"/>
               </a:rPr>
-              <a:t> 	pass</a:t>
-            </a:r>
-          </a:p>
-          <a:p>
-            <a:pPr lvl="0">
-              <a:buClr>
-                <a:srgbClr val="FFFF00"/>
-              </a:buClr>
-              <a:buSzPct val="25000"/>
-            </a:pPr>
-            <a:r>
-              <a:rPr lang="de-DE" sz="3200" dirty="0" smtClean="0">
+              <a:t>       </a:t>
+            </a:r>
+            <a:r>
+              <a:rPr lang="de-DE" sz="3200" dirty="0" err="1">
                 <a:solidFill>
                   <a:srgbClr val="FFFF00"/>
                 </a:solidFill>
@@ -25759,10 +24723,10 @@
                 <a:cs typeface="Courier" charset="0"/>
                 <a:sym typeface="Cabin"/>
               </a:rPr>
-              <a:t>break 	</a:t>
-            </a:r>
-            <a:r>
-              <a:rPr lang="de-DE" sz="3200" dirty="0" err="1" smtClean="0">
+              <a:t>nonlocal</a:t>
+            </a:r>
+            <a:r>
+              <a:rPr lang="de-DE" sz="3200" dirty="0">
                 <a:solidFill>
                   <a:srgbClr val="FFFF00"/>
                 </a:solidFill>
@@ -25771,10 +24735,10 @@
                 <a:cs typeface="Courier" charset="0"/>
                 <a:sym typeface="Cabin"/>
               </a:rPr>
-              <a:t>except</a:t>
-            </a:r>
-            <a:r>
-              <a:rPr lang="de-DE" sz="3200" dirty="0" smtClean="0">
+              <a:t>   </a:t>
+            </a:r>
+            <a:r>
+              <a:rPr lang="de-DE" sz="3200" dirty="0" err="1">
                 <a:solidFill>
                   <a:srgbClr val="FFFF00"/>
                 </a:solidFill>
@@ -25783,10 +24747,27 @@
                 <a:cs typeface="Courier" charset="0"/>
                 <a:sym typeface="Cabin"/>
               </a:rPr>
-              <a:t> 	in 		</a:t>
-            </a:r>
-            <a:r>
-              <a:rPr lang="de-DE" sz="3200" dirty="0" err="1" smtClean="0">
+              <a:t>while</a:t>
+            </a:r>
+            <a:endParaRPr lang="de-DE" sz="3200" dirty="0">
+              <a:solidFill>
+                <a:srgbClr val="FFFF00"/>
+              </a:solidFill>
+              <a:latin typeface="Courier" charset="0"/>
+              <a:ea typeface="Courier" charset="0"/>
+              <a:cs typeface="Courier" charset="0"/>
+              <a:sym typeface="Cabin"/>
+            </a:endParaRPr>
+          </a:p>
+          <a:p>
+            <a:pPr lvl="0">
+              <a:buClr>
+                <a:srgbClr val="FFFF00"/>
+              </a:buClr>
+              <a:buSzPct val="25000"/>
+            </a:pPr>
+            <a:r>
+              <a:rPr lang="de-DE" sz="3200" dirty="0" err="1">
                 <a:solidFill>
                   <a:srgbClr val="FFFF00"/>
                 </a:solidFill>
@@ -25795,7 +24776,156 @@
                 <a:cs typeface="Courier" charset="0"/>
                 <a:sym typeface="Cabin"/>
               </a:rPr>
-              <a:t>raise</a:t>
+              <a:t>assert</a:t>
+            </a:r>
+            <a:r>
+              <a:rPr lang="de-DE" sz="3200" dirty="0">
+                <a:solidFill>
+                  <a:srgbClr val="FFFF00"/>
+                </a:solidFill>
+                <a:latin typeface="Courier" charset="0"/>
+                <a:ea typeface="Courier" charset="0"/>
+                <a:cs typeface="Courier" charset="0"/>
+                <a:sym typeface="Cabin"/>
+              </a:rPr>
+              <a:t>     del        global     not        </a:t>
+            </a:r>
+            <a:r>
+              <a:rPr lang="de-DE" sz="3200" dirty="0" err="1">
+                <a:solidFill>
+                  <a:srgbClr val="FFFF00"/>
+                </a:solidFill>
+                <a:latin typeface="Courier" charset="0"/>
+                <a:ea typeface="Courier" charset="0"/>
+                <a:cs typeface="Courier" charset="0"/>
+                <a:sym typeface="Cabin"/>
+              </a:rPr>
+              <a:t>with</a:t>
+            </a:r>
+            <a:endParaRPr lang="de-DE" sz="3200" dirty="0">
+              <a:solidFill>
+                <a:srgbClr val="FFFF00"/>
+              </a:solidFill>
+              <a:latin typeface="Courier" charset="0"/>
+              <a:ea typeface="Courier" charset="0"/>
+              <a:cs typeface="Courier" charset="0"/>
+              <a:sym typeface="Cabin"/>
+            </a:endParaRPr>
+          </a:p>
+          <a:p>
+            <a:pPr lvl="0">
+              <a:buClr>
+                <a:srgbClr val="FFFF00"/>
+              </a:buClr>
+              <a:buSzPct val="25000"/>
+            </a:pPr>
+            <a:r>
+              <a:rPr lang="de-DE" sz="3200" dirty="0" err="1">
+                <a:solidFill>
+                  <a:srgbClr val="FFFF00"/>
+                </a:solidFill>
+                <a:latin typeface="Courier" charset="0"/>
+                <a:ea typeface="Courier" charset="0"/>
+                <a:cs typeface="Courier" charset="0"/>
+                <a:sym typeface="Cabin"/>
+              </a:rPr>
+              <a:t>async</a:t>
+            </a:r>
+            <a:r>
+              <a:rPr lang="de-DE" sz="3200" dirty="0">
+                <a:solidFill>
+                  <a:srgbClr val="FFFF00"/>
+                </a:solidFill>
+                <a:latin typeface="Courier" charset="0"/>
+                <a:ea typeface="Courier" charset="0"/>
+                <a:cs typeface="Courier" charset="0"/>
+                <a:sym typeface="Cabin"/>
+              </a:rPr>
+              <a:t>      </a:t>
+            </a:r>
+            <a:r>
+              <a:rPr lang="de-DE" sz="3200" dirty="0" err="1">
+                <a:solidFill>
+                  <a:srgbClr val="FFFF00"/>
+                </a:solidFill>
+                <a:latin typeface="Courier" charset="0"/>
+                <a:ea typeface="Courier" charset="0"/>
+                <a:cs typeface="Courier" charset="0"/>
+                <a:sym typeface="Cabin"/>
+              </a:rPr>
+              <a:t>elif</a:t>
+            </a:r>
+            <a:r>
+              <a:rPr lang="de-DE" sz="3200" dirty="0">
+                <a:solidFill>
+                  <a:srgbClr val="FFFF00"/>
+                </a:solidFill>
+                <a:latin typeface="Courier" charset="0"/>
+                <a:ea typeface="Courier" charset="0"/>
+                <a:cs typeface="Courier" charset="0"/>
+                <a:sym typeface="Cabin"/>
+              </a:rPr>
+              <a:t>       </a:t>
+            </a:r>
+            <a:r>
+              <a:rPr lang="de-DE" sz="3200" dirty="0" err="1">
+                <a:solidFill>
+                  <a:srgbClr val="FFFF00"/>
+                </a:solidFill>
+                <a:latin typeface="Courier" charset="0"/>
+                <a:ea typeface="Courier" charset="0"/>
+                <a:cs typeface="Courier" charset="0"/>
+                <a:sym typeface="Cabin"/>
+              </a:rPr>
+              <a:t>if</a:t>
+            </a:r>
+            <a:r>
+              <a:rPr lang="de-DE" sz="3200" dirty="0">
+                <a:solidFill>
+                  <a:srgbClr val="FFFF00"/>
+                </a:solidFill>
+                <a:latin typeface="Courier" charset="0"/>
+                <a:ea typeface="Courier" charset="0"/>
+                <a:cs typeface="Courier" charset="0"/>
+                <a:sym typeface="Cabin"/>
+              </a:rPr>
+              <a:t>         </a:t>
+            </a:r>
+            <a:r>
+              <a:rPr lang="de-DE" sz="3200" dirty="0" err="1">
+                <a:solidFill>
+                  <a:srgbClr val="FFFF00"/>
+                </a:solidFill>
+                <a:latin typeface="Courier" charset="0"/>
+                <a:ea typeface="Courier" charset="0"/>
+                <a:cs typeface="Courier" charset="0"/>
+                <a:sym typeface="Cabin"/>
+              </a:rPr>
+              <a:t>or</a:t>
+            </a:r>
+            <a:r>
+              <a:rPr lang="de-DE" sz="3200" dirty="0">
+                <a:solidFill>
+                  <a:srgbClr val="FFFF00"/>
+                </a:solidFill>
+                <a:latin typeface="Courier" charset="0"/>
+                <a:ea typeface="Courier" charset="0"/>
+                <a:cs typeface="Courier" charset="0"/>
+                <a:sym typeface="Cabin"/>
+              </a:rPr>
+              <a:t>         </a:t>
+            </a:r>
+            <a:r>
+              <a:rPr lang="de-DE" sz="3200" dirty="0" err="1">
+                <a:solidFill>
+                  <a:srgbClr val="FFFF00"/>
+                </a:solidFill>
+                <a:latin typeface="Courier" charset="0"/>
+                <a:ea typeface="Courier" charset="0"/>
+                <a:cs typeface="Courier" charset="0"/>
+                <a:sym typeface="Cabin"/>
+              </a:rPr>
+              <a:t>yield</a:t>
             </a:r>
             <a:endParaRPr lang="en-US" sz="3200" u="none" strike="noStrike" cap="none" dirty="0">
               <a:solidFill>
@@ -25810,22 +24940,10 @@
         </p:txBody>
       </p:sp>
     </p:spTree>
-    <p:extLst>
-      <p:ext uri="{BB962C8B-B14F-4D97-AF65-F5344CB8AC3E}">
-        <p14:creationId xmlns:p14="http://schemas.microsoft.com/office/powerpoint/2010/main" val="1975938753"/>
-      </p:ext>
-    </p:extLst>
   </p:cSld>
   <p:clrMapOvr>
     <a:masterClrMapping/>
   </p:clrMapOvr>
-  <p:timing>
-    <p:tnLst>
-      <p:par>
-        <p:cTn xmlns:p14="http://schemas.microsoft.com/office/powerpoint/2010/main" id="1" dur="indefinite" restart="never" nodeType="tmRoot"/>
-      </p:par>
-    </p:tnLst>
-  </p:timing>
 </p:sld>
 </file>
 
@@ -26110,13 +25228,6 @@
   <p:clrMapOvr>
     <a:masterClrMapping/>
   </p:clrMapOvr>
-  <p:timing>
-    <p:tnLst>
-      <p:par>
-        <p:cTn xmlns:p14="http://schemas.microsoft.com/office/powerpoint/2010/main" id="1" dur="indefinite" restart="never" nodeType="tmRoot"/>
-      </p:par>
-    </p:tnLst>
-  </p:timing>
 </p:sld>
 </file>
 
@@ -26220,31 +25331,7 @@
                 <a:cs typeface="Courier"/>
                 <a:sym typeface="Courier New"/>
               </a:rPr>
-              <a:t>name = </a:t>
-            </a:r>
-            <a:r>
-              <a:rPr lang="en-US" sz="2400" i="0" u="none" strike="noStrike" cap="none" dirty="0" smtClean="0">
-                <a:solidFill>
-                  <a:schemeClr val="lt1"/>
-                </a:solidFill>
-                <a:latin typeface="Courier"/>
-                <a:ea typeface="Courier"/>
-                <a:cs typeface="Courier"/>
-                <a:sym typeface="Courier New"/>
-              </a:rPr>
-              <a:t>input</a:t>
-            </a:r>
-            <a:r>
-              <a:rPr lang="en-US" sz="2400" i="0" u="none" strike="noStrike" cap="none" dirty="0">
-                <a:solidFill>
-                  <a:schemeClr val="lt1"/>
-                </a:solidFill>
-                <a:latin typeface="Courier"/>
-                <a:ea typeface="Courier"/>
-                <a:cs typeface="Courier"/>
-                <a:sym typeface="Courier New"/>
-              </a:rPr>
-              <a:t>('Enter file:')</a:t>
+              <a:t>name = input('Enter file:')</a:t>
             </a:r>
           </a:p>
           <a:p>
@@ -26978,7 +26065,7 @@
               <a:t>d</a:t>
             </a:r>
             <a:r>
-              <a:rPr lang="en-US" sz="2400" i="0" u="none" strike="noStrike" cap="none" dirty="0" smtClean="0">
+              <a:rPr lang="en-US" sz="2400" i="0" u="none" strike="noStrike" cap="none" dirty="0">
                 <a:solidFill>
                   <a:srgbClr val="FFFF00"/>
                 </a:solidFill>
@@ -26989,15 +26076,6 @@
               </a:rPr>
               <a:t>one</a:t>
             </a:r>
-            <a:endParaRPr lang="en-US" sz="2400" i="0" u="none" strike="noStrike" cap="none" dirty="0">
-              <a:solidFill>
-                <a:srgbClr val="FFFF00"/>
-              </a:solidFill>
-              <a:latin typeface="Courier"/>
-              <a:ea typeface="Courier"/>
-              <a:cs typeface="Courier"/>
-              <a:sym typeface="Courier New"/>
-            </a:endParaRPr>
           </a:p>
           <a:p>
             <a:pPr marL="0" marR="0" lvl="0" indent="0" algn="l" rtl="0">
@@ -27030,7 +26108,7 @@
               <a:t>p</a:t>
             </a:r>
             <a:r>
-              <a:rPr lang="en-US" sz="2400" i="0" u="none" strike="noStrike" cap="none" dirty="0" smtClean="0">
+              <a:rPr lang="en-US" sz="2400" i="0" u="none" strike="noStrike" cap="none" dirty="0">
                 <a:solidFill>
                   <a:srgbClr val="FFFFFF"/>
                 </a:solidFill>
@@ -27042,7 +26120,7 @@
               <a:t>rint(</a:t>
             </a:r>
             <a:r>
-              <a:rPr lang="en-US" sz="2400" i="0" u="none" strike="noStrike" cap="none" dirty="0" err="1" smtClean="0">
+              <a:rPr lang="en-US" sz="2400" i="0" u="none" strike="noStrike" cap="none" dirty="0" err="1">
                 <a:solidFill>
                   <a:srgbClr val="FFFFFF"/>
                 </a:solidFill>
@@ -27066,7 +26144,7 @@
               <a:t>, </a:t>
             </a:r>
             <a:r>
-              <a:rPr lang="en-US" sz="2400" i="0" u="none" strike="noStrike" cap="none" dirty="0" err="1" smtClean="0">
+              <a:rPr lang="en-US" sz="2400" i="0" u="none" strike="noStrike" cap="none" dirty="0" err="1">
                 <a:solidFill>
                   <a:srgbClr val="FFFFFF"/>
                 </a:solidFill>
@@ -27078,7 +26156,7 @@
               <a:t>bigcount</a:t>
             </a:r>
             <a:r>
-              <a:rPr lang="en-US" sz="2400" i="0" u="none" strike="noStrike" cap="none" dirty="0" smtClean="0">
+              <a:rPr lang="en-US" sz="2400" i="0" u="none" strike="noStrike" cap="none" dirty="0">
                 <a:solidFill>
                   <a:srgbClr val="FFFFFF"/>
                 </a:solidFill>
@@ -27089,15 +26167,6 @@
               </a:rPr>
               <a:t>)</a:t>
             </a:r>
-            <a:endParaRPr lang="en-US" sz="2400" i="0" u="none" strike="noStrike" cap="none" dirty="0">
-              <a:solidFill>
-                <a:srgbClr val="FFFFFF"/>
-              </a:solidFill>
-              <a:latin typeface="Courier"/>
-              <a:ea typeface="Courier"/>
-              <a:cs typeface="Courier"/>
-              <a:sym typeface="Courier New"/>
-            </a:endParaRPr>
           </a:p>
         </p:txBody>
       </p:sp>
@@ -27106,13 +26175,6 @@
   <p:clrMapOvr>
     <a:masterClrMapping/>
   </p:clrMapOvr>
-  <p:timing>
-    <p:tnLst>
-      <p:par>
-        <p:cTn xmlns:p14="http://schemas.microsoft.com/office/powerpoint/2010/main" id="1" dur="indefinite" restart="never" nodeType="tmRoot"/>
-      </p:par>
-    </p:tnLst>
-  </p:timing>
 </p:sld>
 </file>
 
@@ -27802,15 +26864,6 @@
               </a:rPr>
               <a:t>2.75 </a:t>
             </a:r>
-            <a:endParaRPr lang="en-US" sz="3800" u="none" strike="noStrike" cap="none" dirty="0" smtClean="0">
-              <a:solidFill>
-                <a:srgbClr val="FFFF00"/>
-              </a:solidFill>
-              <a:latin typeface="Courier" charset="0"/>
-              <a:ea typeface="Courier" charset="0"/>
-              <a:cs typeface="Courier" charset="0"/>
-              <a:sym typeface="Cabin"/>
-            </a:endParaRPr>
           </a:p>
           <a:p>
             <a:pPr marL="457200" marR="0" lvl="0" indent="0" algn="l" rtl="0">
@@ -27998,15 +27051,7 @@
                   <a:srgbClr val="FFFFFF"/>
                 </a:solidFill>
               </a:rPr>
-              <a:t>Information </a:t>
-            </a:r>
-            <a:r>
-              <a:rPr lang="en-US" sz="1800" smtClean="0">
-                <a:solidFill>
-                  <a:srgbClr val="FFFFFF"/>
-                </a:solidFill>
-              </a:rPr>
-              <a:t>and </a:t>
+              <a:t>Information and </a:t>
             </a:r>
             <a:r>
               <a:rPr lang="en-US" sz="1800" dirty="0">
@@ -29021,13 +28066,6 @@
   <p:clrMapOvr>
     <a:masterClrMapping/>
   </p:clrMapOvr>
-  <p:timing>
-    <p:tnLst>
-      <p:par>
-        <p:cTn xmlns:p14="http://schemas.microsoft.com/office/powerpoint/2010/main" id="1" dur="indefinite" restart="never" nodeType="tmRoot"/>
-      </p:par>
-    </p:tnLst>
-  </p:timing>
 </p:sld>
 </file>
 
@@ -29938,7 +28976,7 @@
               <a:t> </a:t>
             </a:r>
             <a:r>
-              <a:rPr lang="en-US" sz="4800" dirty="0" smtClean="0">
+              <a:rPr lang="en-US" sz="4800" dirty="0">
                 <a:solidFill>
                   <a:srgbClr val="FF9900"/>
                 </a:solidFill>
@@ -29949,15 +28987,6 @@
               </a:rPr>
               <a:t>100</a:t>
             </a:r>
-            <a:endParaRPr lang="en-US" sz="4800" dirty="0">
-              <a:solidFill>
-                <a:srgbClr val="FF9900"/>
-              </a:solidFill>
-              <a:latin typeface="Courier"/>
-              <a:ea typeface="Courier"/>
-              <a:cs typeface="Courier"/>
-              <a:sym typeface="Courier New"/>
-            </a:endParaRPr>
           </a:p>
         </p:txBody>
       </p:sp>
@@ -29971,13 +29000,6 @@
   <p:clrMapOvr>
     <a:masterClrMapping/>
   </p:clrMapOvr>
-  <p:timing>
-    <p:tnLst>
-      <p:par>
-        <p:cTn xmlns:p14="http://schemas.microsoft.com/office/powerpoint/2010/main" id="1" dur="indefinite" restart="never" nodeType="tmRoot"/>
-      </p:par>
-    </p:tnLst>
-  </p:timing>
 </p:sld>
 </file>
 
@@ -30091,7 +29113,7 @@
               <a:buSzPct val="100000"/>
             </a:pPr>
             <a:r>
-              <a:rPr lang="en-US" sz="3600" u="none" strike="noStrike" cap="none" dirty="0" smtClean="0">
+              <a:rPr lang="en-US" sz="3600" u="none" strike="noStrike" cap="none" dirty="0">
                 <a:solidFill>
                   <a:schemeClr val="lt1"/>
                 </a:solidFill>
@@ -30108,7 +29130,7 @@
               <a:buSzPct val="100000"/>
             </a:pPr>
             <a:r>
-              <a:rPr lang="en-US" sz="3600" u="none" strike="noStrike" cap="none" dirty="0" smtClean="0">
+              <a:rPr lang="en-US" sz="3600" u="none" strike="noStrike" cap="none" dirty="0">
                 <a:solidFill>
                   <a:schemeClr val="lt1"/>
                 </a:solidFill>
@@ -30125,7 +29147,7 @@
               <a:buSzPct val="100000"/>
             </a:pPr>
             <a:r>
-              <a:rPr lang="en-US" sz="3600" u="none" strike="noStrike" cap="none" dirty="0" smtClean="0">
+              <a:rPr lang="en-US" sz="3600" u="none" strike="noStrike" cap="none" dirty="0">
                 <a:solidFill>
                   <a:schemeClr val="lt1"/>
                 </a:solidFill>
@@ -30136,8 +29158,8 @@
               </a:rPr>
               <a:t>Case Sensitive</a:t>
             </a:r>
-            <a:r>
-              <a:rPr lang="en-US" sz="3600" dirty="0" smtClean="0">
+            <a:br>
+              <a:rPr lang="en-US" sz="3600" dirty="0">
                 <a:solidFill>
                   <a:schemeClr val="lt1"/>
                 </a:solidFill>
@@ -30146,20 +29168,8 @@
                 <a:cs typeface="Arial" charset="0"/>
                 <a:sym typeface="Cabin"/>
               </a:rPr>
-              <a:t/>
-            </a:r>
-            <a:br>
-              <a:rPr lang="en-US" sz="3600" dirty="0" smtClean="0">
-                <a:solidFill>
-                  <a:schemeClr val="lt1"/>
-                </a:solidFill>
-                <a:latin typeface="Arial" charset="0"/>
-                <a:ea typeface="Arial" charset="0"/>
-                <a:cs typeface="Arial" charset="0"/>
-                <a:sym typeface="Cabin"/>
-              </a:rPr>
             </a:br>
-            <a:endParaRPr lang="en-US" sz="3600" dirty="0" smtClean="0">
+            <a:endParaRPr lang="en-US" sz="3600" dirty="0">
               <a:solidFill>
                 <a:schemeClr val="lt1"/>
               </a:solidFill>
@@ -30205,7 +29215,7 @@
               <a:t>Good:    </a:t>
             </a:r>
             <a:r>
-              <a:rPr lang="en-US" sz="3600" dirty="0" smtClean="0">
+              <a:rPr lang="en-US" sz="3600" dirty="0">
                 <a:solidFill>
                   <a:schemeClr val="bg1"/>
                 </a:solidFill>
@@ -30213,64 +29223,42 @@
                 <a:ea typeface="Courier" charset="0"/>
                 <a:cs typeface="Courier" charset="0"/>
               </a:rPr>
-              <a:t>spam    </a:t>
-            </a:r>
+              <a:t>spam    eggs   spam23    _speed</a:t>
+            </a:r>
+          </a:p>
+          <a:p>
             <a:r>
               <a:rPr lang="en-US" sz="3600" dirty="0">
                 <a:solidFill>
-                  <a:schemeClr val="bg1"/>
+                  <a:srgbClr val="FF545A"/>
                 </a:solidFill>
                 <a:latin typeface="Courier" charset="0"/>
                 <a:ea typeface="Courier" charset="0"/>
                 <a:cs typeface="Courier" charset="0"/>
               </a:rPr>
-              <a:t>eggs   spam23    _speed</a:t>
-            </a:r>
-          </a:p>
-          <a:p>
+              <a:t>Bad:</a:t>
+            </a:r>
             <a:r>
               <a:rPr lang="en-US" sz="3600" dirty="0">
                 <a:solidFill>
-                  <a:srgbClr val="FF545A"/>
+                  <a:srgbClr val="FF0000"/>
                 </a:solidFill>
                 <a:latin typeface="Courier" charset="0"/>
                 <a:ea typeface="Courier" charset="0"/>
                 <a:cs typeface="Courier" charset="0"/>
               </a:rPr>
-              <a:t>Bad:</a:t>
+              <a:t>     </a:t>
             </a:r>
             <a:r>
               <a:rPr lang="en-US" sz="3600" dirty="0">
                 <a:solidFill>
-                  <a:srgbClr val="FF0000"/>
+                  <a:schemeClr val="bg1"/>
                 </a:solidFill>
                 <a:latin typeface="Courier" charset="0"/>
                 <a:ea typeface="Courier" charset="0"/>
                 <a:cs typeface="Courier" charset="0"/>
               </a:rPr>
-              <a:t>     </a:t>
-            </a:r>
-            <a:r>
-              <a:rPr lang="en-US" sz="3600" dirty="0" smtClean="0">
-                <a:solidFill>
-                  <a:schemeClr val="bg1"/>
-                </a:solidFill>
-                <a:latin typeface="Courier" charset="0"/>
-                <a:ea typeface="Courier" charset="0"/>
-                <a:cs typeface="Courier" charset="0"/>
-              </a:rPr>
-              <a:t>23spam     </a:t>
-            </a:r>
-            <a:r>
-              <a:rPr lang="en-US" sz="3600" dirty="0">
-                <a:solidFill>
-                  <a:schemeClr val="bg1"/>
-                </a:solidFill>
-                <a:latin typeface="Courier" charset="0"/>
-                <a:ea typeface="Courier" charset="0"/>
-                <a:cs typeface="Courier" charset="0"/>
-              </a:rPr>
-              <a:t>#sign  var.12</a:t>
+              <a:t>23spam     #sign  var.12</a:t>
             </a:r>
           </a:p>
           <a:p>
@@ -30304,13 +29292,6 @@
   <p:clrMapOvr>
     <a:masterClrMapping/>
   </p:clrMapOvr>
-  <p:timing>
-    <p:tnLst>
-      <p:par>
-        <p:cTn xmlns:p14="http://schemas.microsoft.com/office/powerpoint/2010/main" id="1" dur="indefinite" restart="never" nodeType="tmRoot"/>
-      </p:par>
-    </p:tnLst>
-  </p:timing>
 </p:sld>
 </file>
 
@@ -30783,13 +29764,6 @@
   <p:clrMapOvr>
     <a:masterClrMapping/>
   </p:clrMapOvr>
-  <p:timing>
-    <p:tnLst>
-      <p:par>
-        <p:cTn xmlns:p14="http://schemas.microsoft.com/office/powerpoint/2010/main" id="1" dur="indefinite" restart="never" nodeType="tmRoot"/>
-      </p:par>
-    </p:tnLst>
-  </p:timing>
 </p:sld>
 </file>
 
@@ -30946,7 +29920,7 @@
               <a:buNone/>
             </a:pPr>
             <a:r>
-              <a:rPr lang="en-US" sz="3000" i="0" u="none" strike="noStrike" cap="none" dirty="0" smtClean="0">
+              <a:rPr lang="en-US" sz="3000" i="0" u="none" strike="noStrike" cap="none" dirty="0">
                 <a:solidFill>
                   <a:srgbClr val="FFFF00"/>
                 </a:solidFill>
@@ -30957,15 +29931,6 @@
               </a:rPr>
               <a:t>print(x1q3p9afd)</a:t>
             </a:r>
-            <a:endParaRPr lang="en-US" sz="3000" i="0" u="none" strike="noStrike" cap="none" dirty="0">
-              <a:solidFill>
-                <a:srgbClr val="FFFF00"/>
-              </a:solidFill>
-              <a:latin typeface="Courier"/>
-              <a:ea typeface="Courier"/>
-              <a:cs typeface="Courier"/>
-              <a:sym typeface="Courier New"/>
-            </a:endParaRPr>
           </a:p>
         </p:txBody>
       </p:sp>
@@ -31060,13 +30025,6 @@
   <p:clrMapOvr>
     <a:masterClrMapping/>
   </p:clrMapOvr>
-  <p:timing>
-    <p:tnLst>
-      <p:par>
-        <p:cTn xmlns:p14="http://schemas.microsoft.com/office/powerpoint/2010/main" id="1" dur="indefinite" restart="never" nodeType="tmRoot"/>
-      </p:par>
-    </p:tnLst>
-  </p:timing>
 </p:sld>
 </file>
 
@@ -31223,7 +30181,7 @@
               <a:buNone/>
             </a:pPr>
             <a:r>
-              <a:rPr lang="en-US" sz="3000" i="0" u="none" strike="noStrike" cap="none" dirty="0" smtClean="0">
+              <a:rPr lang="en-US" sz="3000" i="0" u="none" strike="noStrike" cap="none" dirty="0">
                 <a:solidFill>
                   <a:srgbClr val="FFFF00"/>
                 </a:solidFill>
@@ -31234,15 +30192,6 @@
               </a:rPr>
               <a:t>print(x1q3p9afd)</a:t>
             </a:r>
-            <a:endParaRPr lang="en-US" sz="3000" i="0" u="none" strike="noStrike" cap="none" dirty="0">
-              <a:solidFill>
-                <a:srgbClr val="FFFF00"/>
-              </a:solidFill>
-              <a:latin typeface="Courier"/>
-              <a:ea typeface="Courier"/>
-              <a:cs typeface="Courier"/>
-              <a:sym typeface="Courier New"/>
-            </a:endParaRPr>
           </a:p>
         </p:txBody>
       </p:sp>
@@ -31382,7 +30331,7 @@
               <a:buNone/>
             </a:pPr>
             <a:r>
-              <a:rPr lang="en-US" sz="3000" i="0" u="none" strike="noStrike" cap="none" dirty="0" smtClean="0">
+              <a:rPr lang="en-US" sz="3000" i="0" u="none" strike="noStrike" cap="none" dirty="0">
                 <a:solidFill>
                   <a:srgbClr val="00FFFF"/>
                 </a:solidFill>
@@ -31393,15 +30342,6 @@
               </a:rPr>
               <a:t>print(c)</a:t>
             </a:r>
-            <a:endParaRPr lang="en-US" sz="3000" i="0" u="none" strike="noStrike" cap="none" dirty="0">
-              <a:solidFill>
-                <a:srgbClr val="00FFFF"/>
-              </a:solidFill>
-              <a:latin typeface="Courier"/>
-              <a:ea typeface="Courier"/>
-              <a:cs typeface="Courier"/>
-              <a:sym typeface="Courier New"/>
-            </a:endParaRPr>
           </a:p>
         </p:txBody>
       </p:sp>
@@ -31496,13 +30436,6 @@
   <p:clrMapOvr>
     <a:masterClrMapping/>
   </p:clrMapOvr>
-  <p:timing>
-    <p:tnLst>
-      <p:par>
-        <p:cTn xmlns:p14="http://schemas.microsoft.com/office/powerpoint/2010/main" id="1" dur="indefinite" restart="never" nodeType="tmRoot"/>
-      </p:par>
-    </p:tnLst>
-  </p:timing>
 </p:sld>
 </file>
 

--- a/lectures3/Pythonlearn-02-Expressions.pptx
+++ b/lectures3/Pythonlearn-02-Expressions.pptx
@@ -11384,7 +11384,7 @@
               <a:buNone/>
             </a:pPr>
             <a:r>
-              <a:rPr lang="en-US" sz="3000" i="0" u="none" strike="noStrike" cap="none" dirty="0">
+              <a:rPr lang="en-US" sz="3000" b="1" i="0" u="none" strike="noStrike" cap="none" dirty="0">
                 <a:solidFill>
                   <a:schemeClr val="lt1"/>
                 </a:solidFill>
@@ -11396,7 +11396,7 @@
               <a:t>&gt;&gt;&gt; </a:t>
             </a:r>
             <a:r>
-              <a:rPr lang="en-US" sz="3000" i="0" u="none" strike="noStrike" cap="none" dirty="0">
+              <a:rPr lang="en-US" sz="3000" b="1" i="0" u="none" strike="noStrike" cap="none" dirty="0">
                 <a:solidFill>
                   <a:srgbClr val="00FF00"/>
                 </a:solidFill>
@@ -11408,7 +11408,7 @@
               <a:t>xx</a:t>
             </a:r>
             <a:r>
-              <a:rPr lang="en-US" sz="3000" i="0" u="none" strike="noStrike" cap="none" dirty="0">
+              <a:rPr lang="en-US" sz="3000" b="1" i="0" u="none" strike="noStrike" cap="none" dirty="0">
                 <a:solidFill>
                   <a:schemeClr val="lt1"/>
                 </a:solidFill>
@@ -11439,7 +11439,7 @@
               <a:buNone/>
             </a:pPr>
             <a:r>
-              <a:rPr lang="en-US" sz="3000" i="0" u="none" strike="noStrike" cap="none" dirty="0">
+              <a:rPr lang="en-US" sz="3000" b="1" i="0" u="none" strike="noStrike" cap="none" dirty="0">
                 <a:solidFill>
                   <a:schemeClr val="lt1"/>
                 </a:solidFill>
@@ -11451,7 +11451,7 @@
               <a:t>&gt;&gt;&gt; </a:t>
             </a:r>
             <a:r>
-              <a:rPr lang="en-US" sz="3000" i="0" u="none" strike="noStrike" cap="none" dirty="0">
+              <a:rPr lang="en-US" sz="3000" b="1" i="0" u="none" strike="noStrike" cap="none" dirty="0">
                 <a:solidFill>
                   <a:srgbClr val="00FF00"/>
                 </a:solidFill>
@@ -11463,7 +11463,7 @@
               <a:t>xx</a:t>
             </a:r>
             <a:r>
-              <a:rPr lang="en-US" sz="3000" i="0" u="none" strike="noStrike" cap="none" dirty="0">
+              <a:rPr lang="en-US" sz="3000" b="1" i="0" u="none" strike="noStrike" cap="none" dirty="0">
                 <a:solidFill>
                   <a:schemeClr val="lt1"/>
                 </a:solidFill>
@@ -11475,7 +11475,7 @@
               <a:t> = </a:t>
             </a:r>
             <a:r>
-              <a:rPr lang="en-US" sz="3000" i="0" u="none" strike="noStrike" cap="none" dirty="0">
+              <a:rPr lang="en-US" sz="3000" b="1" i="0" u="none" strike="noStrike" cap="none" dirty="0">
                 <a:solidFill>
                   <a:srgbClr val="00FF00"/>
                 </a:solidFill>
@@ -11487,7 +11487,7 @@
               <a:t>xx</a:t>
             </a:r>
             <a:r>
-              <a:rPr lang="en-US" sz="3000" i="0" u="none" strike="noStrike" cap="none" dirty="0">
+              <a:rPr lang="en-US" sz="3000" b="1" i="0" u="none" strike="noStrike" cap="none" dirty="0">
                 <a:solidFill>
                   <a:schemeClr val="lt1"/>
                 </a:solidFill>
@@ -11499,7 +11499,7 @@
               <a:t> </a:t>
             </a:r>
             <a:r>
-              <a:rPr lang="en-US" sz="3000" i="0" u="none" strike="noStrike" cap="none" dirty="0">
+              <a:rPr lang="en-US" sz="3000" b="1" i="0" u="none" strike="noStrike" cap="none" dirty="0">
                 <a:solidFill>
                   <a:srgbClr val="00FFFF"/>
                 </a:solidFill>
@@ -11511,7 +11511,7 @@
               <a:t>+</a:t>
             </a:r>
             <a:r>
-              <a:rPr lang="en-US" sz="3000" i="0" u="none" strike="noStrike" cap="none" dirty="0">
+              <a:rPr lang="en-US" sz="3000" b="1" i="0" u="none" strike="noStrike" cap="none" dirty="0">
                 <a:solidFill>
                   <a:schemeClr val="lt1"/>
                 </a:solidFill>
@@ -11531,7 +11531,7 @@
               <a:buSzPct val="25000"/>
             </a:pPr>
             <a:r>
-              <a:rPr lang="en-US" sz="3000" i="0" u="none" strike="noStrike" cap="none" dirty="0">
+              <a:rPr lang="en-US" sz="3000" b="1" i="0" u="none" strike="noStrike" cap="none" dirty="0">
                 <a:solidFill>
                   <a:schemeClr val="lt1"/>
                 </a:solidFill>
@@ -11543,7 +11543,7 @@
               <a:t>&gt;&gt;&gt; </a:t>
             </a:r>
             <a:r>
-              <a:rPr lang="en-US" sz="3000" i="0" u="none" strike="noStrike" cap="none" dirty="0">
+              <a:rPr lang="en-US" sz="3000" b="1" i="0" u="none" strike="noStrike" cap="none" dirty="0">
                 <a:solidFill>
                   <a:srgbClr val="FFFF00"/>
                 </a:solidFill>
@@ -11555,7 +11555,7 @@
               <a:t>print(</a:t>
             </a:r>
             <a:r>
-              <a:rPr lang="en-US" sz="3000" i="0" u="none" strike="noStrike" cap="none" dirty="0">
+              <a:rPr lang="en-US" sz="3000" b="1" i="0" u="none" strike="noStrike" cap="none" dirty="0">
                 <a:solidFill>
                   <a:srgbClr val="00FF00"/>
                 </a:solidFill>
@@ -11567,7 +11567,7 @@
               <a:t>xx</a:t>
             </a:r>
             <a:r>
-              <a:rPr lang="en-US" sz="3000" dirty="0">
+              <a:rPr lang="en-US" sz="3000" b="1" dirty="0">
                 <a:solidFill>
                   <a:srgbClr val="FFFF00"/>
                 </a:solidFill>
@@ -11578,7 +11578,7 @@
               </a:rPr>
               <a:t>)</a:t>
             </a:r>
-            <a:endParaRPr lang="en-US" sz="3000" i="0" u="none" strike="noStrike" cap="none" dirty="0">
+            <a:endParaRPr lang="en-US" sz="3000" b="1" i="0" u="none" strike="noStrike" cap="none" dirty="0">
               <a:solidFill>
                 <a:srgbClr val="00FF00"/>
               </a:solidFill>
@@ -11607,7 +11607,7 @@
               <a:buNone/>
             </a:pPr>
             <a:r>
-              <a:rPr lang="en-US" sz="3000" i="0" u="none" strike="noStrike" cap="none" dirty="0">
+              <a:rPr lang="en-US" sz="3000" b="1" i="0" u="none" strike="noStrike" cap="none" dirty="0">
                 <a:solidFill>
                   <a:schemeClr val="lt1"/>
                 </a:solidFill>
@@ -11638,7 +11638,7 @@
               <a:buNone/>
             </a:pPr>
             <a:r>
-              <a:rPr lang="en-US" sz="3000" i="0" u="none" strike="noStrike" cap="none" dirty="0">
+              <a:rPr lang="en-US" sz="3000" b="1" i="0" u="none" strike="noStrike" cap="none" dirty="0">
                 <a:solidFill>
                   <a:schemeClr val="lt1"/>
                 </a:solidFill>
@@ -11650,7 +11650,7 @@
               <a:t>&gt;&gt;&gt; </a:t>
             </a:r>
             <a:r>
-              <a:rPr lang="en-US" sz="3000" i="0" u="none" strike="noStrike" cap="none" dirty="0" err="1">
+              <a:rPr lang="en-US" sz="3000" b="1" i="0" u="none" strike="noStrike" cap="none" dirty="0" err="1">
                 <a:solidFill>
                   <a:srgbClr val="00FF00"/>
                 </a:solidFill>
@@ -11662,7 +11662,7 @@
               <a:t>yy</a:t>
             </a:r>
             <a:r>
-              <a:rPr lang="en-US" sz="3000" i="0" u="none" strike="noStrike" cap="none" dirty="0">
+              <a:rPr lang="en-US" sz="3000" b="1" i="0" u="none" strike="noStrike" cap="none" dirty="0">
                 <a:solidFill>
                   <a:schemeClr val="lt1"/>
                 </a:solidFill>
@@ -11674,7 +11674,7 @@
               <a:t> = 440 </a:t>
             </a:r>
             <a:r>
-              <a:rPr lang="en-US" sz="3000" i="0" u="none" strike="noStrike" cap="none" dirty="0">
+              <a:rPr lang="en-US" sz="3000" b="1" i="0" u="none" strike="noStrike" cap="none" dirty="0">
                 <a:solidFill>
                   <a:srgbClr val="00FFFF"/>
                 </a:solidFill>
@@ -11686,7 +11686,7 @@
               <a:t>*</a:t>
             </a:r>
             <a:r>
-              <a:rPr lang="en-US" sz="3000" i="0" u="none" strike="noStrike" cap="none" dirty="0">
+              <a:rPr lang="en-US" sz="3000" b="1" i="0" u="none" strike="noStrike" cap="none" dirty="0">
                 <a:solidFill>
                   <a:schemeClr val="lt1"/>
                 </a:solidFill>
@@ -11706,7 +11706,7 @@
               <a:buSzPct val="25000"/>
             </a:pPr>
             <a:r>
-              <a:rPr lang="en-US" sz="3000" i="0" u="none" strike="noStrike" cap="none" dirty="0">
+              <a:rPr lang="en-US" sz="3000" b="1" i="0" u="none" strike="noStrike" cap="none" dirty="0">
                 <a:solidFill>
                   <a:schemeClr val="lt1"/>
                 </a:solidFill>
@@ -11718,7 +11718,7 @@
               <a:t>&gt;&gt;&gt; </a:t>
             </a:r>
             <a:r>
-              <a:rPr lang="en-US" sz="3000" i="0" u="none" strike="noStrike" cap="none" dirty="0">
+              <a:rPr lang="en-US" sz="3000" b="1" i="0" u="none" strike="noStrike" cap="none" dirty="0">
                 <a:solidFill>
                   <a:srgbClr val="FFFF00"/>
                 </a:solidFill>
@@ -11730,7 +11730,7 @@
               <a:t>print(</a:t>
             </a:r>
             <a:r>
-              <a:rPr lang="en-US" sz="3000" i="0" u="none" strike="noStrike" cap="none" dirty="0" err="1">
+              <a:rPr lang="en-US" sz="3000" b="1" i="0" u="none" strike="noStrike" cap="none" dirty="0" err="1">
                 <a:solidFill>
                   <a:srgbClr val="00FF00"/>
                 </a:solidFill>
@@ -11742,7 +11742,7 @@
               <a:t>yy</a:t>
             </a:r>
             <a:r>
-              <a:rPr lang="en-US" sz="3000" dirty="0">
+              <a:rPr lang="en-US" sz="3000" b="1" dirty="0">
                 <a:solidFill>
                   <a:srgbClr val="FFFF00"/>
                 </a:solidFill>
@@ -11753,7 +11753,7 @@
               </a:rPr>
               <a:t>)</a:t>
             </a:r>
-            <a:endParaRPr lang="en-US" sz="3000" i="0" u="none" strike="noStrike" cap="none" dirty="0">
+            <a:endParaRPr lang="en-US" sz="3000" b="1" i="0" u="none" strike="noStrike" cap="none" dirty="0">
               <a:solidFill>
                 <a:srgbClr val="00FF00"/>
               </a:solidFill>
@@ -11782,7 +11782,7 @@
               <a:buNone/>
             </a:pPr>
             <a:r>
-              <a:rPr lang="en-US" sz="3000" i="0" u="none" strike="noStrike" cap="none" dirty="0">
+              <a:rPr lang="en-US" sz="3000" b="1" i="0" u="none" strike="noStrike" cap="none" dirty="0">
                 <a:solidFill>
                   <a:schemeClr val="lt1"/>
                 </a:solidFill>
@@ -11813,7 +11813,7 @@
               <a:buNone/>
             </a:pPr>
             <a:r>
-              <a:rPr lang="en-US" sz="3000" i="0" u="none" strike="noStrike" cap="none" dirty="0">
+              <a:rPr lang="en-US" sz="3000" b="1" i="0" u="none" strike="noStrike" cap="none" dirty="0">
                 <a:solidFill>
                   <a:schemeClr val="lt1"/>
                 </a:solidFill>
@@ -11825,7 +11825,7 @@
               <a:t>&gt;&gt;&gt; </a:t>
             </a:r>
             <a:r>
-              <a:rPr lang="en-US" sz="3000" i="0" u="none" strike="noStrike" cap="none" dirty="0" err="1">
+              <a:rPr lang="en-US" sz="3000" b="1" i="0" u="none" strike="noStrike" cap="none" dirty="0" err="1">
                 <a:solidFill>
                   <a:srgbClr val="00FF00"/>
                 </a:solidFill>
@@ -11837,7 +11837,7 @@
               <a:t>zz</a:t>
             </a:r>
             <a:r>
-              <a:rPr lang="en-US" sz="3000" i="0" u="none" strike="noStrike" cap="none" dirty="0">
+              <a:rPr lang="en-US" sz="3000" b="1" i="0" u="none" strike="noStrike" cap="none" dirty="0">
                 <a:solidFill>
                   <a:schemeClr val="lt1"/>
                 </a:solidFill>
@@ -11849,7 +11849,7 @@
               <a:t> = </a:t>
             </a:r>
             <a:r>
-              <a:rPr lang="en-US" sz="3000" i="0" u="none" strike="noStrike" cap="none" dirty="0" err="1">
+              <a:rPr lang="en-US" sz="3000" b="1" i="0" u="none" strike="noStrike" cap="none" dirty="0" err="1">
                 <a:solidFill>
                   <a:srgbClr val="00FF00"/>
                 </a:solidFill>
@@ -11861,7 +11861,7 @@
               <a:t>yy</a:t>
             </a:r>
             <a:r>
-              <a:rPr lang="en-US" sz="3000" i="0" u="none" strike="noStrike" cap="none" dirty="0">
+              <a:rPr lang="en-US" sz="3000" b="1" i="0" u="none" strike="noStrike" cap="none" dirty="0">
                 <a:solidFill>
                   <a:schemeClr val="lt1"/>
                 </a:solidFill>
@@ -11873,7 +11873,7 @@
               <a:t> </a:t>
             </a:r>
             <a:r>
-              <a:rPr lang="en-US" sz="3000" i="0" u="none" strike="noStrike" cap="none" dirty="0">
+              <a:rPr lang="en-US" sz="3000" b="1" i="0" u="none" strike="noStrike" cap="none" dirty="0">
                 <a:solidFill>
                   <a:srgbClr val="00FFFF"/>
                 </a:solidFill>
@@ -11885,7 +11885,7 @@
               <a:t>/</a:t>
             </a:r>
             <a:r>
-              <a:rPr lang="en-US" sz="3000" i="0" u="none" strike="noStrike" cap="none" dirty="0">
+              <a:rPr lang="en-US" sz="3000" b="1" i="0" u="none" strike="noStrike" cap="none" dirty="0">
                 <a:solidFill>
                   <a:schemeClr val="lt1"/>
                 </a:solidFill>
@@ -11905,7 +11905,7 @@
               <a:buSzPct val="25000"/>
             </a:pPr>
             <a:r>
-              <a:rPr lang="en-US" sz="3000" i="0" u="none" strike="noStrike" cap="none" dirty="0">
+              <a:rPr lang="en-US" sz="3000" b="1" i="0" u="none" strike="noStrike" cap="none" dirty="0">
                 <a:solidFill>
                   <a:schemeClr val="lt1"/>
                 </a:solidFill>
@@ -11917,7 +11917,7 @@
               <a:t>&gt;&gt;&gt; </a:t>
             </a:r>
             <a:r>
-              <a:rPr lang="en-US" sz="3000" i="0" u="none" strike="noStrike" cap="none" dirty="0">
+              <a:rPr lang="en-US" sz="3000" b="1" i="0" u="none" strike="noStrike" cap="none" dirty="0">
                 <a:solidFill>
                   <a:srgbClr val="FFFF00"/>
                 </a:solidFill>
@@ -11929,7 +11929,7 @@
               <a:t>print(</a:t>
             </a:r>
             <a:r>
-              <a:rPr lang="en-US" sz="3000" i="0" u="none" strike="noStrike" cap="none" dirty="0" err="1">
+              <a:rPr lang="en-US" sz="3000" b="1" i="0" u="none" strike="noStrike" cap="none" dirty="0" err="1">
                 <a:solidFill>
                   <a:srgbClr val="00FA00"/>
                 </a:solidFill>
@@ -11941,7 +11941,7 @@
               <a:t>zz</a:t>
             </a:r>
             <a:r>
-              <a:rPr lang="en-US" sz="3000" dirty="0">
+              <a:rPr lang="en-US" sz="3000" b="1" dirty="0">
                 <a:solidFill>
                   <a:srgbClr val="FFFF00"/>
                 </a:solidFill>
@@ -11952,7 +11952,7 @@
               </a:rPr>
               <a:t>)</a:t>
             </a:r>
-            <a:endParaRPr lang="en-US" sz="3000" i="0" u="none" strike="noStrike" cap="none" dirty="0">
+            <a:endParaRPr lang="en-US" sz="3000" b="1" i="0" u="none" strike="noStrike" cap="none" dirty="0">
               <a:solidFill>
                 <a:schemeClr val="lt1"/>
               </a:solidFill>
@@ -11981,7 +11981,7 @@
               <a:buNone/>
             </a:pPr>
             <a:r>
-              <a:rPr lang="en-US" sz="3000" i="0" u="none" strike="noStrike" cap="none" dirty="0">
+              <a:rPr lang="en-US" sz="3000" b="1" i="0" u="none" strike="noStrike" cap="none" dirty="0">
                 <a:solidFill>
                   <a:schemeClr val="lt1"/>
                 </a:solidFill>
@@ -12038,7 +12038,7 @@
               <a:buNone/>
             </a:pPr>
             <a:r>
-              <a:rPr lang="en-US" sz="3000" i="0" u="none" strike="noStrike" cap="none" dirty="0">
+              <a:rPr lang="en-US" sz="3000" b="1" i="0" u="none" strike="noStrike" cap="none" dirty="0">
                 <a:solidFill>
                   <a:schemeClr val="lt1"/>
                 </a:solidFill>
@@ -12050,7 +12050,7 @@
               <a:t>&gt;&gt;&gt;</a:t>
             </a:r>
             <a:r>
-              <a:rPr lang="en-US" sz="3000" i="0" u="none" strike="noStrike" cap="none" dirty="0">
+              <a:rPr lang="en-US" sz="3000" b="1" i="0" u="none" strike="noStrike" cap="none" dirty="0">
                 <a:solidFill>
                   <a:srgbClr val="00FF00"/>
                 </a:solidFill>
@@ -12062,7 +12062,7 @@
               <a:t> </a:t>
             </a:r>
             <a:r>
-              <a:rPr lang="en-US" sz="3000" i="0" u="none" strike="noStrike" cap="none" dirty="0" err="1">
+              <a:rPr lang="en-US" sz="3000" b="1" i="0" u="none" strike="noStrike" cap="none" dirty="0" err="1">
                 <a:solidFill>
                   <a:srgbClr val="00FF00"/>
                 </a:solidFill>
@@ -12074,7 +12074,7 @@
               <a:t>jj</a:t>
             </a:r>
             <a:r>
-              <a:rPr lang="en-US" sz="3000" i="0" u="none" strike="noStrike" cap="none" dirty="0">
+              <a:rPr lang="en-US" sz="3000" b="1" i="0" u="none" strike="noStrike" cap="none" dirty="0">
                 <a:solidFill>
                   <a:schemeClr val="lt1"/>
                 </a:solidFill>
@@ -12105,7 +12105,7 @@
               <a:buNone/>
             </a:pPr>
             <a:r>
-              <a:rPr lang="en-US" sz="3000" i="0" u="none" strike="noStrike" cap="none" dirty="0">
+              <a:rPr lang="en-US" sz="3000" b="1" i="0" u="none" strike="noStrike" cap="none" dirty="0">
                 <a:solidFill>
                   <a:schemeClr val="lt1"/>
                 </a:solidFill>
@@ -12117,7 +12117,7 @@
               <a:t>&gt;&gt;&gt; </a:t>
             </a:r>
             <a:r>
-              <a:rPr lang="en-US" sz="3000" i="0" u="none" strike="noStrike" cap="none" dirty="0" err="1">
+              <a:rPr lang="en-US" sz="3000" b="1" i="0" u="none" strike="noStrike" cap="none" dirty="0" err="1">
                 <a:solidFill>
                   <a:srgbClr val="00FF00"/>
                 </a:solidFill>
@@ -12129,7 +12129,7 @@
               <a:t>kk</a:t>
             </a:r>
             <a:r>
-              <a:rPr lang="en-US" sz="3000" i="0" u="none" strike="noStrike" cap="none" dirty="0">
+              <a:rPr lang="en-US" sz="3000" b="1" i="0" u="none" strike="noStrike" cap="none" dirty="0">
                 <a:solidFill>
                   <a:schemeClr val="lt1"/>
                 </a:solidFill>
@@ -12141,7 +12141,7 @@
               <a:t> = </a:t>
             </a:r>
             <a:r>
-              <a:rPr lang="en-US" sz="3000" i="0" u="none" strike="noStrike" cap="none" dirty="0" err="1">
+              <a:rPr lang="en-US" sz="3000" b="1" i="0" u="none" strike="noStrike" cap="none" dirty="0" err="1">
                 <a:solidFill>
                   <a:srgbClr val="00FF00"/>
                 </a:solidFill>
@@ -12153,7 +12153,7 @@
               <a:t>jj</a:t>
             </a:r>
             <a:r>
-              <a:rPr lang="en-US" sz="3000" i="0" u="none" strike="noStrike" cap="none" dirty="0">
+              <a:rPr lang="en-US" sz="3000" b="1" i="0" u="none" strike="noStrike" cap="none" dirty="0">
                 <a:solidFill>
                   <a:schemeClr val="lt1"/>
                 </a:solidFill>
@@ -12165,7 +12165,7 @@
               <a:t> </a:t>
             </a:r>
             <a:r>
-              <a:rPr lang="en-US" sz="3000" i="0" u="none" strike="noStrike" cap="none" dirty="0">
+              <a:rPr lang="en-US" sz="3000" b="1" i="0" u="none" strike="noStrike" cap="none" dirty="0">
                 <a:solidFill>
                   <a:srgbClr val="00FFFF"/>
                 </a:solidFill>
@@ -12177,7 +12177,7 @@
               <a:t>% </a:t>
             </a:r>
             <a:r>
-              <a:rPr lang="en-US" sz="3000" i="0" u="none" strike="noStrike" cap="none" dirty="0">
+              <a:rPr lang="en-US" sz="3000" b="1" i="0" u="none" strike="noStrike" cap="none" dirty="0">
                 <a:solidFill>
                   <a:schemeClr val="lt1"/>
                 </a:solidFill>
@@ -12197,7 +12197,7 @@
               <a:buSzPct val="25000"/>
             </a:pPr>
             <a:r>
-              <a:rPr lang="en-US" sz="3000" i="0" u="none" strike="noStrike" cap="none" dirty="0">
+              <a:rPr lang="en-US" sz="3000" b="1" i="0" u="none" strike="noStrike" cap="none" dirty="0">
                 <a:solidFill>
                   <a:schemeClr val="lt1"/>
                 </a:solidFill>
@@ -12209,7 +12209,7 @@
               <a:t>&gt;&gt;&gt; </a:t>
             </a:r>
             <a:r>
-              <a:rPr lang="en-US" sz="3000" i="0" u="none" strike="noStrike" cap="none" dirty="0">
+              <a:rPr lang="en-US" sz="3000" b="1" i="0" u="none" strike="noStrike" cap="none" dirty="0">
                 <a:solidFill>
                   <a:srgbClr val="FFFF00"/>
                 </a:solidFill>
@@ -12221,7 +12221,7 @@
               <a:t>print(</a:t>
             </a:r>
             <a:r>
-              <a:rPr lang="en-US" sz="3000" i="0" u="none" strike="noStrike" cap="none" dirty="0" err="1">
+              <a:rPr lang="en-US" sz="3000" b="1" i="0" u="none" strike="noStrike" cap="none" dirty="0" err="1">
                 <a:solidFill>
                   <a:srgbClr val="00FF00"/>
                 </a:solidFill>
@@ -12233,7 +12233,7 @@
               <a:t>kk</a:t>
             </a:r>
             <a:r>
-              <a:rPr lang="en-US" sz="3000" dirty="0">
+              <a:rPr lang="en-US" sz="3000" b="1" dirty="0">
                 <a:solidFill>
                   <a:srgbClr val="FFFF00"/>
                 </a:solidFill>
@@ -12244,7 +12244,7 @@
               </a:rPr>
               <a:t>)</a:t>
             </a:r>
-            <a:endParaRPr lang="en-US" sz="3000" i="0" u="none" strike="noStrike" cap="none" dirty="0">
+            <a:endParaRPr lang="en-US" sz="3000" b="1" i="0" u="none" strike="noStrike" cap="none" dirty="0">
               <a:solidFill>
                 <a:srgbClr val="00FF00"/>
               </a:solidFill>
@@ -12273,7 +12273,7 @@
               <a:buNone/>
             </a:pPr>
             <a:r>
-              <a:rPr lang="en-US" sz="3000" i="0" u="none" strike="noStrike" cap="none" dirty="0">
+              <a:rPr lang="en-US" sz="3000" b="1" i="0" u="none" strike="noStrike" cap="none" dirty="0">
                 <a:solidFill>
                   <a:srgbClr val="FFC000"/>
                 </a:solidFill>
@@ -12293,7 +12293,7 @@
               <a:buSzPct val="25000"/>
             </a:pPr>
             <a:r>
-              <a:rPr lang="en-US" sz="3000" i="0" u="none" strike="noStrike" cap="none" dirty="0">
+              <a:rPr lang="en-US" sz="3000" b="1" i="0" u="none" strike="noStrike" cap="none" dirty="0">
                 <a:solidFill>
                   <a:schemeClr val="lt1"/>
                 </a:solidFill>
@@ -12305,7 +12305,7 @@
               <a:t>&gt;&gt;&gt; </a:t>
             </a:r>
             <a:r>
-              <a:rPr lang="en-US" sz="3000" i="0" u="none" strike="noStrike" cap="none" dirty="0">
+              <a:rPr lang="en-US" sz="3000" b="1" i="0" u="none" strike="noStrike" cap="none" dirty="0">
                 <a:solidFill>
                   <a:srgbClr val="FFFF00"/>
                 </a:solidFill>
@@ -12317,7 +12317,7 @@
               <a:t>print(</a:t>
             </a:r>
             <a:r>
-              <a:rPr lang="en-US" sz="3000" i="0" u="none" strike="noStrike" cap="none" dirty="0">
+              <a:rPr lang="en-US" sz="3000" b="1" i="0" u="none" strike="noStrike" cap="none" dirty="0">
                 <a:solidFill>
                   <a:schemeClr val="lt1"/>
                 </a:solidFill>
@@ -12329,7 +12329,7 @@
               <a:t>4 </a:t>
             </a:r>
             <a:r>
-              <a:rPr lang="en-US" sz="3000" i="0" u="none" strike="noStrike" cap="none" dirty="0">
+              <a:rPr lang="en-US" sz="3000" b="1" i="0" u="none" strike="noStrike" cap="none" dirty="0">
                 <a:solidFill>
                   <a:srgbClr val="00FFFF"/>
                 </a:solidFill>
@@ -12341,7 +12341,7 @@
               <a:t>**</a:t>
             </a:r>
             <a:r>
-              <a:rPr lang="en-US" sz="3000" i="0" u="none" strike="noStrike" cap="none" dirty="0">
+              <a:rPr lang="en-US" sz="3000" b="1" i="0" u="none" strike="noStrike" cap="none" dirty="0">
                 <a:solidFill>
                   <a:schemeClr val="lt1"/>
                 </a:solidFill>
@@ -12353,7 +12353,7 @@
               <a:t> 3</a:t>
             </a:r>
             <a:r>
-              <a:rPr lang="en-US" sz="3000" dirty="0">
+              <a:rPr lang="en-US" sz="3000" b="1" dirty="0">
                 <a:solidFill>
                   <a:srgbClr val="FFFF00"/>
                 </a:solidFill>
@@ -12364,7 +12364,7 @@
               </a:rPr>
               <a:t>)</a:t>
             </a:r>
-            <a:endParaRPr lang="en-US" sz="3000" i="0" u="none" strike="noStrike" cap="none" dirty="0">
+            <a:endParaRPr lang="en-US" sz="3000" b="1" i="0" u="none" strike="noStrike" cap="none" dirty="0">
               <a:solidFill>
                 <a:schemeClr val="lt1"/>
               </a:solidFill>
@@ -12393,7 +12393,7 @@
               <a:buNone/>
             </a:pPr>
             <a:r>
-              <a:rPr lang="en-US" sz="3000" i="0" u="none" strike="noStrike" cap="none" dirty="0">
+              <a:rPr lang="en-US" sz="3000" b="1" i="0" u="none" strike="noStrike" cap="none" dirty="0">
                 <a:solidFill>
                   <a:schemeClr val="lt1"/>
                 </a:solidFill>
